--- a/projects/crosswordle2/CrossWordle Presentation.pptx
+++ b/projects/crosswordle2/CrossWordle Presentation.pptx
@@ -8,9 +8,19 @@
     <p:sldId id="256" r:id="rId2"/>
     <p:sldId id="257" r:id="rId3"/>
     <p:sldId id="259" r:id="rId4"/>
-    <p:sldId id="258" r:id="rId5"/>
-    <p:sldId id="260" r:id="rId6"/>
-    <p:sldId id="261" r:id="rId7"/>
+    <p:sldId id="260" r:id="rId5"/>
+    <p:sldId id="261" r:id="rId6"/>
+    <p:sldId id="262" r:id="rId7"/>
+    <p:sldId id="263" r:id="rId8"/>
+    <p:sldId id="265" r:id="rId9"/>
+    <p:sldId id="269" r:id="rId10"/>
+    <p:sldId id="271" r:id="rId11"/>
+    <p:sldId id="270" r:id="rId12"/>
+    <p:sldId id="272" r:id="rId13"/>
+    <p:sldId id="264" r:id="rId14"/>
+    <p:sldId id="266" r:id="rId15"/>
+    <p:sldId id="267" r:id="rId16"/>
+    <p:sldId id="268" r:id="rId17"/>
   </p:sldIdLst>
   <p:sldSz cx="12192000" cy="6858000"/>
   <p:notesSz cx="6858000" cy="9144000"/>
@@ -109,6 +119,11 @@
       </a:defRPr>
     </a:lvl9pPr>
   </p:defaultTextStyle>
+  <p:extLst>
+    <p:ext uri="{EFAFB233-063F-42B5-8137-9DF3F51BA10A}">
+      <p15:sldGuideLst xmlns:p15="http://schemas.microsoft.com/office/powerpoint/2012/main"/>
+    </p:ext>
+  </p:extLst>
 </p:presentation>
 </file>
 
@@ -3312,223 +3327,10 @@
 <file path=ppt/slides/slide1.xml><?xml version="1.0" encoding="utf-8"?>
 <p:sld xmlns:a="http://schemas.openxmlformats.org/drawingml/2006/main" xmlns:r="http://schemas.openxmlformats.org/officeDocument/2006/relationships" xmlns:p="http://schemas.openxmlformats.org/presentationml/2006/main">
   <p:cSld>
-    <p:spTree>
-      <p:nvGrpSpPr>
-        <p:cNvPr id="1" name=""/>
-        <p:cNvGrpSpPr/>
-        <p:nvPr/>
-      </p:nvGrpSpPr>
-      <p:grpSpPr>
-        <a:xfrm>
-          <a:off x="0" y="0"/>
-          <a:ext cx="0" cy="0"/>
-          <a:chOff x="0" y="0"/>
-          <a:chExt cx="0" cy="0"/>
-        </a:xfrm>
-      </p:grpSpPr>
-      <p:sp>
-        <p:nvSpPr>
-          <p:cNvPr id="2" name="Title 1">
-            <a:extLst>
-              <a:ext uri="{FF2B5EF4-FFF2-40B4-BE49-F238E27FC236}">
-                <a16:creationId xmlns:a16="http://schemas.microsoft.com/office/drawing/2014/main" id="{C38059B5-3BFF-4339-CF12-676AE2F489A8}"/>
-              </a:ext>
-            </a:extLst>
-          </p:cNvPr>
-          <p:cNvSpPr>
-            <a:spLocks noGrp="1"/>
-          </p:cNvSpPr>
-          <p:nvPr>
-            <p:ph type="ctrTitle"/>
-          </p:nvPr>
-        </p:nvSpPr>
-        <p:spPr/>
-        <p:txBody>
-          <a:bodyPr/>
-          <a:lstStyle/>
-          <a:p>
-            <a:r>
-              <a:rPr lang="en-US" dirty="0"/>
-              <a:t>Cross Wordle</a:t>
-            </a:r>
-          </a:p>
-        </p:txBody>
-      </p:sp>
-      <p:sp>
-        <p:nvSpPr>
-          <p:cNvPr id="3" name="Subtitle 2">
-            <a:extLst>
-              <a:ext uri="{FF2B5EF4-FFF2-40B4-BE49-F238E27FC236}">
-                <a16:creationId xmlns:a16="http://schemas.microsoft.com/office/drawing/2014/main" id="{EAB46177-F16D-1E9D-A234-7628AA3C0978}"/>
-              </a:ext>
-            </a:extLst>
-          </p:cNvPr>
-          <p:cNvSpPr>
-            <a:spLocks noGrp="1"/>
-          </p:cNvSpPr>
-          <p:nvPr>
-            <p:ph type="subTitle" idx="1"/>
-          </p:nvPr>
-        </p:nvSpPr>
-        <p:spPr/>
-        <p:txBody>
-          <a:bodyPr/>
-          <a:lstStyle/>
-          <a:p>
-            <a:r>
-              <a:rPr lang="en-US" dirty="0"/>
-              <a:t>A game by Matteo Salverio</a:t>
-            </a:r>
-          </a:p>
-        </p:txBody>
-      </p:sp>
-    </p:spTree>
-    <p:extLst>
-      <p:ext uri="{BB962C8B-B14F-4D97-AF65-F5344CB8AC3E}">
-        <p14:creationId xmlns:p14="http://schemas.microsoft.com/office/powerpoint/2010/main" val="1405217607"/>
-      </p:ext>
-    </p:extLst>
-  </p:cSld>
-  <p:clrMapOvr>
-    <a:masterClrMapping/>
-  </p:clrMapOvr>
-</p:sld>
-</file>
-
-<file path=ppt/slides/slide2.xml><?xml version="1.0" encoding="utf-8"?>
-<p:sld xmlns:a="http://schemas.openxmlformats.org/drawingml/2006/main" xmlns:r="http://schemas.openxmlformats.org/officeDocument/2006/relationships" xmlns:p="http://schemas.openxmlformats.org/presentationml/2006/main">
-  <p:cSld>
-    <p:spTree>
-      <p:nvGrpSpPr>
-        <p:cNvPr id="1" name=""/>
-        <p:cNvGrpSpPr/>
-        <p:nvPr/>
-      </p:nvGrpSpPr>
-      <p:grpSpPr>
-        <a:xfrm>
-          <a:off x="0" y="0"/>
-          <a:ext cx="0" cy="0"/>
-          <a:chOff x="0" y="0"/>
-          <a:chExt cx="0" cy="0"/>
-        </a:xfrm>
-      </p:grpSpPr>
-      <p:sp>
-        <p:nvSpPr>
-          <p:cNvPr id="2" name="Title 1">
-            <a:extLst>
-              <a:ext uri="{FF2B5EF4-FFF2-40B4-BE49-F238E27FC236}">
-                <a16:creationId xmlns:a16="http://schemas.microsoft.com/office/drawing/2014/main" id="{EB052942-5728-F2FF-4734-82EC9E44023F}"/>
-              </a:ext>
-            </a:extLst>
-          </p:cNvPr>
-          <p:cNvSpPr>
-            <a:spLocks noGrp="1"/>
-          </p:cNvSpPr>
-          <p:nvPr>
-            <p:ph type="title"/>
-          </p:nvPr>
-        </p:nvSpPr>
-        <p:spPr/>
-        <p:txBody>
-          <a:bodyPr/>
-          <a:lstStyle/>
-          <a:p>
-            <a:r>
-              <a:rPr lang="en-US" dirty="0"/>
-              <a:t>The Prompt</a:t>
-            </a:r>
-          </a:p>
-        </p:txBody>
-      </p:sp>
-      <p:sp>
-        <p:nvSpPr>
-          <p:cNvPr id="3" name="Content Placeholder 2">
-            <a:extLst>
-              <a:ext uri="{FF2B5EF4-FFF2-40B4-BE49-F238E27FC236}">
-                <a16:creationId xmlns:a16="http://schemas.microsoft.com/office/drawing/2014/main" id="{BD88B01F-5436-A959-FE59-3D6632AF239C}"/>
-              </a:ext>
-            </a:extLst>
-          </p:cNvPr>
-          <p:cNvSpPr>
-            <a:spLocks noGrp="1"/>
-          </p:cNvSpPr>
-          <p:nvPr>
-            <p:ph idx="1"/>
-          </p:nvPr>
-        </p:nvSpPr>
-        <p:spPr/>
-        <p:txBody>
-          <a:bodyPr>
-            <a:normAutofit lnSpcReduction="10000"/>
-          </a:bodyPr>
-          <a:lstStyle/>
-          <a:p>
-            <a:pPr marL="0" indent="0">
-              <a:buNone/>
-            </a:pPr>
-            <a:r>
-              <a:rPr lang="en-US" b="0" i="0" dirty="0">
-                <a:solidFill>
-                  <a:srgbClr val="000000"/>
-                </a:solidFill>
-                <a:effectLst/>
-                <a:latin typeface="Lato" panose="020F0502020204030204" pitchFamily="34" charset="0"/>
-              </a:rPr>
-              <a:t>In 2022, Wordle and similar word games were all the rage across the world. Develop a word game with rules and a theme of your choice.</a:t>
-            </a:r>
-          </a:p>
-          <a:p>
-            <a:r>
-              <a:rPr lang="en-US" dirty="0"/>
-              <a:t>The game should be an executable game, either through the Internet or through a local installation (review guidelines about Internet access at the National Leadership Conference).</a:t>
-            </a:r>
-          </a:p>
-          <a:p>
-            <a:r>
-              <a:rPr lang="en-US" dirty="0"/>
-              <a:t>The game should contain a scoreboard.</a:t>
-            </a:r>
-          </a:p>
-          <a:p>
-            <a:r>
-              <a:rPr lang="en-US" dirty="0"/>
-              <a:t>The game should contain a leaderboard and celebratory messages.</a:t>
-            </a:r>
-          </a:p>
-          <a:p>
-            <a:r>
-              <a:rPr lang="en-US" dirty="0"/>
-              <a:t>The game should have a minimum of three levels.</a:t>
-            </a:r>
-          </a:p>
-          <a:p>
-            <a:r>
-              <a:rPr lang="en-US" dirty="0"/>
-              <a:t>The game should have an instructional display.</a:t>
-            </a:r>
-          </a:p>
-        </p:txBody>
-      </p:sp>
-    </p:spTree>
-    <p:extLst>
-      <p:ext uri="{BB962C8B-B14F-4D97-AF65-F5344CB8AC3E}">
-        <p14:creationId xmlns:p14="http://schemas.microsoft.com/office/powerpoint/2010/main" val="326763448"/>
-      </p:ext>
-    </p:extLst>
-  </p:cSld>
-  <p:clrMapOvr>
-    <a:masterClrMapping/>
-  </p:clrMapOvr>
-</p:sld>
-</file>
-
-<file path=ppt/slides/slide3.xml><?xml version="1.0" encoding="utf-8"?>
-<p:sld xmlns:a="http://schemas.openxmlformats.org/drawingml/2006/main" xmlns:r="http://schemas.openxmlformats.org/officeDocument/2006/relationships" xmlns:p="http://schemas.openxmlformats.org/presentationml/2006/main">
-  <p:cSld>
     <p:bg>
       <p:bgPr>
         <a:solidFill>
-          <a:schemeClr val="bg1"/>
+          <a:srgbClr val="2F4F4F"/>
         </a:solidFill>
         <a:effectLst/>
       </p:bgPr>
@@ -3549,719 +3351,7 @@
       </p:grpSpPr>
       <p:sp useBgFill="1">
         <p:nvSpPr>
-          <p:cNvPr id="13" name="Rectangle 9">
-            <a:extLst>
-              <a:ext uri="{FF2B5EF4-FFF2-40B4-BE49-F238E27FC236}">
-                <a16:creationId xmlns:a16="http://schemas.microsoft.com/office/drawing/2014/main" id="{F13C74B1-5B17-4795-BED0-7140497B445A}"/>
-              </a:ext>
-              <a:ext uri="{C183D7F6-B498-43B3-948B-1728B52AA6E4}">
-                <adec:decorative xmlns:adec="http://schemas.microsoft.com/office/drawing/2017/decorative" val="1"/>
-              </a:ext>
-            </a:extLst>
-          </p:cNvPr>
-          <p:cNvSpPr>
-            <a:spLocks noGrp="1" noRot="1" noChangeAspect="1" noMove="1" noResize="1" noEditPoints="1" noAdjustHandles="1" noChangeArrowheads="1" noChangeShapeType="1" noTextEdit="1"/>
-          </p:cNvSpPr>
-          <p:nvPr>
-            <p:extLst>
-              <p:ext uri="{386F3935-93C4-4BCD-93E2-E3B085C9AB24}">
-                <p16:designElem xmlns:p16="http://schemas.microsoft.com/office/powerpoint/2015/main" val="1"/>
-              </p:ext>
-            </p:extLst>
-          </p:nvPr>
-        </p:nvSpPr>
-        <p:spPr>
-          <a:xfrm>
-            <a:off x="0" y="0"/>
-            <a:ext cx="12188952" cy="6858000"/>
-          </a:xfrm>
-          <a:prstGeom prst="rect">
-            <a:avLst/>
-          </a:prstGeom>
-          <a:ln>
-            <a:noFill/>
-          </a:ln>
-        </p:spPr>
-        <p:style>
-          <a:lnRef idx="2">
-            <a:schemeClr val="accent1">
-              <a:shade val="50000"/>
-            </a:schemeClr>
-          </a:lnRef>
-          <a:fillRef idx="1">
-            <a:schemeClr val="accent1"/>
-          </a:fillRef>
-          <a:effectRef idx="0">
-            <a:schemeClr val="accent1"/>
-          </a:effectRef>
-          <a:fontRef idx="minor">
-            <a:schemeClr val="lt1"/>
-          </a:fontRef>
-        </p:style>
-        <p:txBody>
-          <a:bodyPr rtlCol="0" anchor="ctr"/>
-          <a:lstStyle/>
-          <a:p>
-            <a:pPr algn="ctr"/>
-            <a:endParaRPr lang="en-US"/>
-          </a:p>
-        </p:txBody>
-      </p:sp>
-      <p:sp>
-        <p:nvSpPr>
-          <p:cNvPr id="2" name="Title 1">
-            <a:extLst>
-              <a:ext uri="{FF2B5EF4-FFF2-40B4-BE49-F238E27FC236}">
-                <a16:creationId xmlns:a16="http://schemas.microsoft.com/office/drawing/2014/main" id="{1BD18B06-04C2-7F76-82FF-2A6ADB4A3199}"/>
-              </a:ext>
-            </a:extLst>
-          </p:cNvPr>
-          <p:cNvSpPr>
-            <a:spLocks noGrp="1"/>
-          </p:cNvSpPr>
-          <p:nvPr>
-            <p:ph type="title"/>
-          </p:nvPr>
-        </p:nvSpPr>
-        <p:spPr>
-          <a:xfrm>
-            <a:off x="640080" y="325369"/>
-            <a:ext cx="4368602" cy="1956841"/>
-          </a:xfrm>
-        </p:spPr>
-        <p:txBody>
-          <a:bodyPr anchor="b">
-            <a:normAutofit/>
-          </a:bodyPr>
-          <a:lstStyle/>
-          <a:p>
-            <a:r>
-              <a:rPr lang="en-US" sz="5400"/>
-              <a:t>My Game</a:t>
-            </a:r>
-          </a:p>
-        </p:txBody>
-      </p:sp>
-      <p:sp>
-        <p:nvSpPr>
-          <p:cNvPr id="12" name="sketchy line">
-            <a:extLst>
-              <a:ext uri="{FF2B5EF4-FFF2-40B4-BE49-F238E27FC236}">
-                <a16:creationId xmlns:a16="http://schemas.microsoft.com/office/drawing/2014/main" id="{D4974D33-8DC5-464E-8C6D-BE58F0669C17}"/>
-              </a:ext>
-              <a:ext uri="{C183D7F6-B498-43B3-948B-1728B52AA6E4}">
-                <adec:decorative xmlns:adec="http://schemas.microsoft.com/office/drawing/2017/decorative" val="1"/>
-              </a:ext>
-            </a:extLst>
-          </p:cNvPr>
-          <p:cNvSpPr>
-            <a:spLocks noGrp="1" noRot="1" noChangeAspect="1" noMove="1" noResize="1" noEditPoints="1" noAdjustHandles="1" noChangeArrowheads="1" noChangeShapeType="1" noTextEdit="1"/>
-          </p:cNvSpPr>
-          <p:nvPr>
-            <p:extLst>
-              <p:ext uri="{386F3935-93C4-4BCD-93E2-E3B085C9AB24}">
-                <p16:designElem xmlns:p16="http://schemas.microsoft.com/office/powerpoint/2015/main" val="1"/>
-              </p:ext>
-            </p:extLst>
-          </p:nvPr>
-        </p:nvSpPr>
-        <p:spPr>
-          <a:xfrm>
-            <a:off x="640080" y="2586994"/>
-            <a:ext cx="3474720" cy="18288"/>
-          </a:xfrm>
-          <a:custGeom>
-            <a:avLst/>
-            <a:gdLst>
-              <a:gd name="connsiteX0" fmla="*/ 0 w 3474720"/>
-              <a:gd name="connsiteY0" fmla="*/ 0 h 18288"/>
-              <a:gd name="connsiteX1" fmla="*/ 694944 w 3474720"/>
-              <a:gd name="connsiteY1" fmla="*/ 0 h 18288"/>
-              <a:gd name="connsiteX2" fmla="*/ 1355141 w 3474720"/>
-              <a:gd name="connsiteY2" fmla="*/ 0 h 18288"/>
-              <a:gd name="connsiteX3" fmla="*/ 2015338 w 3474720"/>
-              <a:gd name="connsiteY3" fmla="*/ 0 h 18288"/>
-              <a:gd name="connsiteX4" fmla="*/ 2779776 w 3474720"/>
-              <a:gd name="connsiteY4" fmla="*/ 0 h 18288"/>
-              <a:gd name="connsiteX5" fmla="*/ 3474720 w 3474720"/>
-              <a:gd name="connsiteY5" fmla="*/ 0 h 18288"/>
-              <a:gd name="connsiteX6" fmla="*/ 3474720 w 3474720"/>
-              <a:gd name="connsiteY6" fmla="*/ 18288 h 18288"/>
-              <a:gd name="connsiteX7" fmla="*/ 2779776 w 3474720"/>
-              <a:gd name="connsiteY7" fmla="*/ 18288 h 18288"/>
-              <a:gd name="connsiteX8" fmla="*/ 2189074 w 3474720"/>
-              <a:gd name="connsiteY8" fmla="*/ 18288 h 18288"/>
-              <a:gd name="connsiteX9" fmla="*/ 1528877 w 3474720"/>
-              <a:gd name="connsiteY9" fmla="*/ 18288 h 18288"/>
-              <a:gd name="connsiteX10" fmla="*/ 868680 w 3474720"/>
-              <a:gd name="connsiteY10" fmla="*/ 18288 h 18288"/>
-              <a:gd name="connsiteX11" fmla="*/ 0 w 3474720"/>
-              <a:gd name="connsiteY11" fmla="*/ 18288 h 18288"/>
-              <a:gd name="connsiteX12" fmla="*/ 0 w 3474720"/>
-              <a:gd name="connsiteY12" fmla="*/ 0 h 18288"/>
-            </a:gdLst>
-            <a:ahLst/>
-            <a:cxnLst>
-              <a:cxn ang="0">
-                <a:pos x="connsiteX0" y="connsiteY0"/>
-              </a:cxn>
-              <a:cxn ang="0">
-                <a:pos x="connsiteX1" y="connsiteY1"/>
-              </a:cxn>
-              <a:cxn ang="0">
-                <a:pos x="connsiteX2" y="connsiteY2"/>
-              </a:cxn>
-              <a:cxn ang="0">
-                <a:pos x="connsiteX3" y="connsiteY3"/>
-              </a:cxn>
-              <a:cxn ang="0">
-                <a:pos x="connsiteX4" y="connsiteY4"/>
-              </a:cxn>
-              <a:cxn ang="0">
-                <a:pos x="connsiteX5" y="connsiteY5"/>
-              </a:cxn>
-              <a:cxn ang="0">
-                <a:pos x="connsiteX6" y="connsiteY6"/>
-              </a:cxn>
-              <a:cxn ang="0">
-                <a:pos x="connsiteX7" y="connsiteY7"/>
-              </a:cxn>
-              <a:cxn ang="0">
-                <a:pos x="connsiteX8" y="connsiteY8"/>
-              </a:cxn>
-              <a:cxn ang="0">
-                <a:pos x="connsiteX9" y="connsiteY9"/>
-              </a:cxn>
-              <a:cxn ang="0">
-                <a:pos x="connsiteX10" y="connsiteY10"/>
-              </a:cxn>
-              <a:cxn ang="0">
-                <a:pos x="connsiteX11" y="connsiteY11"/>
-              </a:cxn>
-              <a:cxn ang="0">
-                <a:pos x="connsiteX12" y="connsiteY12"/>
-              </a:cxn>
-            </a:cxnLst>
-            <a:rect l="l" t="t" r="r" b="b"/>
-            <a:pathLst>
-              <a:path w="3474720" h="18288" fill="none" extrusionOk="0">
-                <a:moveTo>
-                  <a:pt x="0" y="0"/>
-                </a:moveTo>
-                <a:cubicBezTo>
-                  <a:pt x="224454" y="-14544"/>
-                  <a:pt x="495407" y="26540"/>
-                  <a:pt x="694944" y="0"/>
-                </a:cubicBezTo>
-                <a:cubicBezTo>
-                  <a:pt x="894481" y="-26540"/>
-                  <a:pt x="1130063" y="24713"/>
-                  <a:pt x="1355141" y="0"/>
-                </a:cubicBezTo>
-                <a:cubicBezTo>
-                  <a:pt x="1580219" y="-24713"/>
-                  <a:pt x="1820099" y="26695"/>
-                  <a:pt x="2015338" y="0"/>
-                </a:cubicBezTo>
-                <a:cubicBezTo>
-                  <a:pt x="2210577" y="-26695"/>
-                  <a:pt x="2402045" y="165"/>
-                  <a:pt x="2779776" y="0"/>
-                </a:cubicBezTo>
-                <a:cubicBezTo>
-                  <a:pt x="3157507" y="-165"/>
-                  <a:pt x="3286859" y="-15571"/>
-                  <a:pt x="3474720" y="0"/>
-                </a:cubicBezTo>
-                <a:cubicBezTo>
-                  <a:pt x="3474286" y="7551"/>
-                  <a:pt x="3474253" y="9822"/>
-                  <a:pt x="3474720" y="18288"/>
-                </a:cubicBezTo>
-                <a:cubicBezTo>
-                  <a:pt x="3233904" y="29845"/>
-                  <a:pt x="2945134" y="-5256"/>
-                  <a:pt x="2779776" y="18288"/>
-                </a:cubicBezTo>
-                <a:cubicBezTo>
-                  <a:pt x="2614418" y="41832"/>
-                  <a:pt x="2339768" y="22709"/>
-                  <a:pt x="2189074" y="18288"/>
-                </a:cubicBezTo>
-                <a:cubicBezTo>
-                  <a:pt x="2038380" y="13867"/>
-                  <a:pt x="1817434" y="-4947"/>
-                  <a:pt x="1528877" y="18288"/>
-                </a:cubicBezTo>
-                <a:cubicBezTo>
-                  <a:pt x="1240320" y="41523"/>
-                  <a:pt x="1042447" y="37198"/>
-                  <a:pt x="868680" y="18288"/>
-                </a:cubicBezTo>
-                <a:cubicBezTo>
-                  <a:pt x="694913" y="-622"/>
-                  <a:pt x="233232" y="44909"/>
-                  <a:pt x="0" y="18288"/>
-                </a:cubicBezTo>
-                <a:cubicBezTo>
-                  <a:pt x="60" y="11696"/>
-                  <a:pt x="66" y="3758"/>
-                  <a:pt x="0" y="0"/>
-                </a:cubicBezTo>
-                <a:close/>
-              </a:path>
-              <a:path w="3474720" h="18288" stroke="0" extrusionOk="0">
-                <a:moveTo>
-                  <a:pt x="0" y="0"/>
-                </a:moveTo>
-                <a:cubicBezTo>
-                  <a:pt x="202328" y="-14716"/>
-                  <a:pt x="332722" y="-11499"/>
-                  <a:pt x="625450" y="0"/>
-                </a:cubicBezTo>
-                <a:cubicBezTo>
-                  <a:pt x="918178" y="11499"/>
-                  <a:pt x="1096688" y="5123"/>
-                  <a:pt x="1389888" y="0"/>
-                </a:cubicBezTo>
-                <a:cubicBezTo>
-                  <a:pt x="1683088" y="-5123"/>
-                  <a:pt x="1835981" y="-14038"/>
-                  <a:pt x="1980590" y="0"/>
-                </a:cubicBezTo>
-                <a:cubicBezTo>
-                  <a:pt x="2125199" y="14038"/>
-                  <a:pt x="2396099" y="-7203"/>
-                  <a:pt x="2571293" y="0"/>
-                </a:cubicBezTo>
-                <a:cubicBezTo>
-                  <a:pt x="2746487" y="7203"/>
-                  <a:pt x="3041609" y="-12036"/>
-                  <a:pt x="3474720" y="0"/>
-                </a:cubicBezTo>
-                <a:cubicBezTo>
-                  <a:pt x="3474638" y="4406"/>
-                  <a:pt x="3474631" y="9982"/>
-                  <a:pt x="3474720" y="18288"/>
-                </a:cubicBezTo>
-                <a:cubicBezTo>
-                  <a:pt x="3324873" y="21876"/>
-                  <a:pt x="3136771" y="12587"/>
-                  <a:pt x="2814523" y="18288"/>
-                </a:cubicBezTo>
-                <a:cubicBezTo>
-                  <a:pt x="2492275" y="23989"/>
-                  <a:pt x="2294402" y="47111"/>
-                  <a:pt x="2154326" y="18288"/>
-                </a:cubicBezTo>
-                <a:cubicBezTo>
-                  <a:pt x="2014250" y="-10535"/>
-                  <a:pt x="1820317" y="33903"/>
-                  <a:pt x="1494130" y="18288"/>
-                </a:cubicBezTo>
-                <a:cubicBezTo>
-                  <a:pt x="1167943" y="2673"/>
-                  <a:pt x="948432" y="14868"/>
-                  <a:pt x="729691" y="18288"/>
-                </a:cubicBezTo>
-                <a:cubicBezTo>
-                  <a:pt x="510950" y="21708"/>
-                  <a:pt x="264032" y="24354"/>
-                  <a:pt x="0" y="18288"/>
-                </a:cubicBezTo>
-                <a:cubicBezTo>
-                  <a:pt x="189" y="14288"/>
-                  <a:pt x="-703" y="3747"/>
-                  <a:pt x="0" y="0"/>
-                </a:cubicBezTo>
-                <a:close/>
-              </a:path>
-            </a:pathLst>
-          </a:custGeom>
-          <a:solidFill>
-            <a:schemeClr val="accent2"/>
-          </a:solidFill>
-          <a:ln w="44450" cap="rnd">
-            <a:solidFill>
-              <a:schemeClr val="accent2"/>
-            </a:solidFill>
-            <a:round/>
-            <a:extLst>
-              <a:ext uri="{C807C97D-BFC1-408E-A445-0C87EB9F89A2}">
-                <ask:lineSketchStyleProps xmlns:ask="http://schemas.microsoft.com/office/drawing/2018/sketchyshapes" sd="2863741219">
-                  <a:prstGeom prst="rect">
-                    <a:avLst/>
-                  </a:prstGeom>
-                  <ask:type>
-                    <ask:lineSketchFreehand/>
-                  </ask:type>
-                </ask:lineSketchStyleProps>
-              </a:ext>
-            </a:extLst>
-          </a:ln>
-        </p:spPr>
-        <p:style>
-          <a:lnRef idx="2">
-            <a:schemeClr val="accent1">
-              <a:shade val="50000"/>
-            </a:schemeClr>
-          </a:lnRef>
-          <a:fillRef idx="1">
-            <a:schemeClr val="accent1"/>
-          </a:fillRef>
-          <a:effectRef idx="0">
-            <a:schemeClr val="accent1"/>
-          </a:effectRef>
-          <a:fontRef idx="minor">
-            <a:schemeClr val="lt1"/>
-          </a:fontRef>
-        </p:style>
-        <p:txBody>
-          <a:bodyPr rtlCol="0" anchor="ctr"/>
-          <a:lstStyle/>
-          <a:p>
-            <a:pPr algn="ctr"/>
-            <a:endParaRPr lang="en-US"/>
-          </a:p>
-        </p:txBody>
-      </p:sp>
-      <p:sp>
-        <p:nvSpPr>
-          <p:cNvPr id="3" name="Content Placeholder 2">
-            <a:extLst>
-              <a:ext uri="{FF2B5EF4-FFF2-40B4-BE49-F238E27FC236}">
-                <a16:creationId xmlns:a16="http://schemas.microsoft.com/office/drawing/2014/main" id="{19DB869A-6AB5-5924-B2B4-8AF5BD2FC151}"/>
-              </a:ext>
-            </a:extLst>
-          </p:cNvPr>
-          <p:cNvSpPr>
-            <a:spLocks noGrp="1"/>
-          </p:cNvSpPr>
-          <p:nvPr>
-            <p:ph idx="1"/>
-          </p:nvPr>
-        </p:nvSpPr>
-        <p:spPr>
-          <a:xfrm>
-            <a:off x="640080" y="2872899"/>
-            <a:ext cx="4243589" cy="3320668"/>
-          </a:xfrm>
-        </p:spPr>
-        <p:txBody>
-          <a:bodyPr>
-            <a:normAutofit/>
-          </a:bodyPr>
-          <a:lstStyle/>
-          <a:p>
-            <a:r>
-              <a:rPr lang="en-US" sz="2200" dirty="0"/>
-              <a:t>The game that I created is called Cross Wordle.</a:t>
-            </a:r>
-          </a:p>
-          <a:p>
-            <a:r>
-              <a:rPr lang="en-US" sz="2200" dirty="0"/>
-              <a:t>It is like Wordle but takes the gameplay to the second dimension with a full crossword-style puzzle connecting words and ideas, each being a puzzle of their own.</a:t>
-            </a:r>
-          </a:p>
-          <a:p>
-            <a:endParaRPr lang="en-US" sz="2200" dirty="0"/>
-          </a:p>
-        </p:txBody>
-      </p:sp>
-      <p:pic>
-        <p:nvPicPr>
-          <p:cNvPr id="5" name="Picture 4">
-            <a:extLst>
-              <a:ext uri="{FF2B5EF4-FFF2-40B4-BE49-F238E27FC236}">
-                <a16:creationId xmlns:a16="http://schemas.microsoft.com/office/drawing/2014/main" id="{FC4651ED-B099-D384-12EC-C368B8127A6E}"/>
-              </a:ext>
-            </a:extLst>
-          </p:cNvPr>
-          <p:cNvPicPr>
-            <a:picLocks noChangeAspect="1"/>
-          </p:cNvPicPr>
-          <p:nvPr/>
-        </p:nvPicPr>
-        <p:blipFill rotWithShape="1">
-          <a:blip r:embed="rId2"/>
-          <a:srcRect l="26708" r="26401" b="1"/>
-          <a:stretch/>
-        </p:blipFill>
-        <p:spPr>
-          <a:xfrm>
-            <a:off x="5311702" y="10"/>
-            <a:ext cx="6878775" cy="6857990"/>
-          </a:xfrm>
-          <a:custGeom>
-            <a:avLst/>
-            <a:gdLst/>
-            <a:ahLst/>
-            <a:cxnLst/>
-            <a:rect l="l" t="t" r="r" b="b"/>
-            <a:pathLst>
-              <a:path w="6878775" h="6858000">
-                <a:moveTo>
-                  <a:pt x="1102973" y="0"/>
-                </a:moveTo>
-                <a:lnTo>
-                  <a:pt x="1160688" y="0"/>
-                </a:lnTo>
-                <a:lnTo>
-                  <a:pt x="983189" y="331786"/>
-                </a:lnTo>
-                <a:cubicBezTo>
-                  <a:pt x="914866" y="469145"/>
-                  <a:pt x="850355" y="608712"/>
-                  <a:pt x="789261" y="750263"/>
-                </a:cubicBezTo>
-                <a:cubicBezTo>
-                  <a:pt x="774307" y="784928"/>
-                  <a:pt x="759992" y="819849"/>
-                  <a:pt x="745295" y="854514"/>
-                </a:cubicBezTo>
-                <a:cubicBezTo>
-                  <a:pt x="756682" y="845393"/>
-                  <a:pt x="765489" y="833492"/>
-                  <a:pt x="770857" y="819975"/>
-                </a:cubicBezTo>
-                <a:cubicBezTo>
-                  <a:pt x="879943" y="589569"/>
-                  <a:pt x="999605" y="365513"/>
-                  <a:pt x="1131329" y="148742"/>
-                </a:cubicBezTo>
-                <a:lnTo>
-                  <a:pt x="1227589" y="0"/>
-                </a:lnTo>
-                <a:lnTo>
-                  <a:pt x="6878775" y="0"/>
-                </a:lnTo>
-                <a:lnTo>
-                  <a:pt x="6878775" y="6858000"/>
-                </a:lnTo>
-                <a:lnTo>
-                  <a:pt x="713521" y="6858000"/>
-                </a:lnTo>
-                <a:lnTo>
-                  <a:pt x="625642" y="6670527"/>
-                </a:lnTo>
-                <a:cubicBezTo>
-                  <a:pt x="507232" y="6398531"/>
-                  <a:pt x="403083" y="6118381"/>
-                  <a:pt x="312785" y="5830359"/>
-                </a:cubicBezTo>
-                <a:cubicBezTo>
-                  <a:pt x="278149" y="5719759"/>
-                  <a:pt x="248879" y="5607635"/>
-                  <a:pt x="212198" y="5480401"/>
-                </a:cubicBezTo>
-                <a:cubicBezTo>
-                  <a:pt x="212208" y="5491601"/>
-                  <a:pt x="212803" y="5502788"/>
-                  <a:pt x="213988" y="5513923"/>
-                </a:cubicBezTo>
-                <a:cubicBezTo>
-                  <a:pt x="264089" y="5723695"/>
-                  <a:pt x="307290" y="5935370"/>
-                  <a:pt x="365826" y="6142729"/>
-                </a:cubicBezTo>
-                <a:cubicBezTo>
-                  <a:pt x="433152" y="6380817"/>
-                  <a:pt x="510068" y="6614016"/>
-                  <a:pt x="597975" y="6841549"/>
-                </a:cubicBezTo>
-                <a:lnTo>
-                  <a:pt x="604824" y="6858000"/>
-                </a:lnTo>
-                <a:lnTo>
-                  <a:pt x="552056" y="6858000"/>
-                </a:lnTo>
-                <a:lnTo>
-                  <a:pt x="539576" y="6828295"/>
-                </a:lnTo>
-                <a:cubicBezTo>
-                  <a:pt x="380597" y="6414594"/>
-                  <a:pt x="260223" y="5988893"/>
-                  <a:pt x="171555" y="5552906"/>
-                </a:cubicBezTo>
-                <a:cubicBezTo>
-                  <a:pt x="91163" y="5157998"/>
-                  <a:pt x="43746" y="4758899"/>
-                  <a:pt x="12305" y="4357388"/>
-                </a:cubicBezTo>
-                <a:cubicBezTo>
-                  <a:pt x="-14281" y="4013908"/>
-                  <a:pt x="4507" y="3672965"/>
-                  <a:pt x="46684" y="3331516"/>
-                </a:cubicBezTo>
-                <a:cubicBezTo>
-                  <a:pt x="127203" y="2664286"/>
-                  <a:pt x="277819" y="2007265"/>
-                  <a:pt x="496065" y="1371196"/>
-                </a:cubicBezTo>
-                <a:cubicBezTo>
-                  <a:pt x="636273" y="966066"/>
-                  <a:pt x="800445" y="573253"/>
-                  <a:pt x="995723" y="196614"/>
-                </a:cubicBezTo>
-                <a:close/>
-              </a:path>
-            </a:pathLst>
-          </a:custGeom>
-        </p:spPr>
-      </p:pic>
-    </p:spTree>
-    <p:extLst>
-      <p:ext uri="{BB962C8B-B14F-4D97-AF65-F5344CB8AC3E}">
-        <p14:creationId xmlns:p14="http://schemas.microsoft.com/office/powerpoint/2010/main" val="357969700"/>
-      </p:ext>
-    </p:extLst>
-  </p:cSld>
-  <p:clrMapOvr>
-    <a:masterClrMapping/>
-  </p:clrMapOvr>
-</p:sld>
-</file>
-
-<file path=ppt/slides/slide4.xml><?xml version="1.0" encoding="utf-8"?>
-<p:sld xmlns:a="http://schemas.openxmlformats.org/drawingml/2006/main" xmlns:r="http://schemas.openxmlformats.org/officeDocument/2006/relationships" xmlns:p="http://schemas.openxmlformats.org/presentationml/2006/main">
-  <p:cSld>
-    <p:spTree>
-      <p:nvGrpSpPr>
-        <p:cNvPr id="1" name=""/>
-        <p:cNvGrpSpPr/>
-        <p:nvPr/>
-      </p:nvGrpSpPr>
-      <p:grpSpPr>
-        <a:xfrm>
-          <a:off x="0" y="0"/>
-          <a:ext cx="0" cy="0"/>
-          <a:chOff x="0" y="0"/>
-          <a:chExt cx="0" cy="0"/>
-        </a:xfrm>
-      </p:grpSpPr>
-      <p:sp>
-        <p:nvSpPr>
-          <p:cNvPr id="2" name="Title 1">
-            <a:extLst>
-              <a:ext uri="{FF2B5EF4-FFF2-40B4-BE49-F238E27FC236}">
-                <a16:creationId xmlns:a16="http://schemas.microsoft.com/office/drawing/2014/main" id="{6412CF94-7985-9A09-6993-55462BDDAD06}"/>
-              </a:ext>
-            </a:extLst>
-          </p:cNvPr>
-          <p:cNvSpPr>
-            <a:spLocks noGrp="1"/>
-          </p:cNvSpPr>
-          <p:nvPr>
-            <p:ph type="title"/>
-          </p:nvPr>
-        </p:nvSpPr>
-        <p:spPr/>
-        <p:txBody>
-          <a:bodyPr/>
-          <a:lstStyle/>
-          <a:p>
-            <a:r>
-              <a:rPr lang="en-US" dirty="0"/>
-              <a:t>Planning and Design</a:t>
-            </a:r>
-          </a:p>
-        </p:txBody>
-      </p:sp>
-      <p:sp>
-        <p:nvSpPr>
-          <p:cNvPr id="3" name="Content Placeholder 2">
-            <a:extLst>
-              <a:ext uri="{FF2B5EF4-FFF2-40B4-BE49-F238E27FC236}">
-                <a16:creationId xmlns:a16="http://schemas.microsoft.com/office/drawing/2014/main" id="{B59E01B0-76A9-E81C-80F0-697AF6EFBB2C}"/>
-              </a:ext>
-            </a:extLst>
-          </p:cNvPr>
-          <p:cNvSpPr>
-            <a:spLocks noGrp="1"/>
-          </p:cNvSpPr>
-          <p:nvPr>
-            <p:ph idx="1"/>
-          </p:nvPr>
-        </p:nvSpPr>
-        <p:spPr/>
-        <p:txBody>
-          <a:bodyPr>
-            <a:normAutofit/>
-          </a:bodyPr>
-          <a:lstStyle/>
-          <a:p>
-            <a:r>
-              <a:rPr lang="en-US" sz="2000" dirty="0">
-                <a:effectLst/>
-                <a:latin typeface="Cambria" panose="02040503050406030204" pitchFamily="18" charset="0"/>
-                <a:ea typeface="Cambria" panose="02040503050406030204" pitchFamily="18" charset="0"/>
-                <a:cs typeface="Times New Roman" panose="02020603050405020304" pitchFamily="18" charset="0"/>
-              </a:rPr>
-              <a:t>I chose to make this game using JavaScript on an HTML page.</a:t>
-            </a:r>
-          </a:p>
-          <a:p>
-            <a:r>
-              <a:rPr lang="en-US" sz="2000" dirty="0">
-                <a:latin typeface="Cambria" panose="02040503050406030204" pitchFamily="18" charset="0"/>
-                <a:ea typeface="Cambria" panose="02040503050406030204" pitchFamily="18" charset="0"/>
-              </a:rPr>
-              <a:t>I wanted the game to play like a crossword puzzle, but for each word have it play like Wordle.</a:t>
-            </a:r>
-          </a:p>
-          <a:p>
-            <a:r>
-              <a:rPr lang="en-US" sz="2000" dirty="0">
-                <a:latin typeface="Cambria" panose="02040503050406030204" pitchFamily="18" charset="0"/>
-                <a:ea typeface="Cambria" panose="02040503050406030204" pitchFamily="18" charset="0"/>
-              </a:rPr>
-              <a:t>There were many design variations throughout making the game</a:t>
-            </a:r>
-          </a:p>
-        </p:txBody>
-      </p:sp>
-    </p:spTree>
-    <p:extLst>
-      <p:ext uri="{BB962C8B-B14F-4D97-AF65-F5344CB8AC3E}">
-        <p14:creationId xmlns:p14="http://schemas.microsoft.com/office/powerpoint/2010/main" val="1599826413"/>
-      </p:ext>
-    </p:extLst>
-  </p:cSld>
-  <p:clrMapOvr>
-    <a:masterClrMapping/>
-  </p:clrMapOvr>
-</p:sld>
-</file>
-
-<file path=ppt/slides/slide5.xml><?xml version="1.0" encoding="utf-8"?>
-<p:sld xmlns:a="http://schemas.openxmlformats.org/drawingml/2006/main" xmlns:r="http://schemas.openxmlformats.org/officeDocument/2006/relationships" xmlns:p="http://schemas.openxmlformats.org/presentationml/2006/main">
-  <p:cSld>
-    <p:bg>
-      <p:bgPr>
-        <a:solidFill>
-          <a:schemeClr val="bg1"/>
-        </a:solidFill>
-        <a:effectLst/>
-      </p:bgPr>
-    </p:bg>
-    <p:spTree>
-      <p:nvGrpSpPr>
-        <p:cNvPr id="1" name=""/>
-        <p:cNvGrpSpPr/>
-        <p:nvPr/>
-      </p:nvGrpSpPr>
-      <p:grpSpPr>
-        <a:xfrm>
-          <a:off x="0" y="0"/>
-          <a:ext cx="0" cy="0"/>
-          <a:chOff x="0" y="0"/>
-          <a:chExt cx="0" cy="0"/>
-        </a:xfrm>
-      </p:grpSpPr>
-      <p:sp useBgFill="1">
-        <p:nvSpPr>
-          <p:cNvPr id="1042" name="Rectangle 1030">
+          <p:cNvPr id="27" name="Rectangle 26">
             <a:extLst>
               <a:ext uri="{FF2B5EF4-FFF2-40B4-BE49-F238E27FC236}">
                 <a16:creationId xmlns:a16="http://schemas.microsoft.com/office/drawing/2014/main" id="{362D44EE-C852-4460-B8B5-C4F2BC20510C}"/>
@@ -4324,7 +3414,7 @@
           <p:cNvPr id="2" name="Title 1">
             <a:extLst>
               <a:ext uri="{FF2B5EF4-FFF2-40B4-BE49-F238E27FC236}">
-                <a16:creationId xmlns:a16="http://schemas.microsoft.com/office/drawing/2014/main" id="{AB91AF3A-283D-5506-D0DA-36D2F20BAEB1}"/>
+                <a16:creationId xmlns:a16="http://schemas.microsoft.com/office/drawing/2014/main" id="{C38059B5-3BFF-4339-CF12-676AE2F489A8}"/>
               </a:ext>
             </a:extLst>
           </p:cNvPr>
@@ -4332,7 +3422,7 @@
             <a:spLocks noGrp="1"/>
           </p:cNvSpPr>
           <p:nvPr>
-            <p:ph type="title"/>
+            <p:ph type="ctrTitle"/>
           </p:nvPr>
         </p:nvSpPr>
         <p:spPr>
@@ -4340,27 +3430,39 @@
             <a:off x="6194716" y="739978"/>
             <a:ext cx="5334930" cy="3004145"/>
           </a:xfrm>
+          <a:effectLst>
+            <a:outerShdw blurRad="50800" dist="50800" dir="5400000" algn="ctr" rotWithShape="0">
+              <a:srgbClr val="000000">
+                <a:alpha val="99000"/>
+              </a:srgbClr>
+            </a:outerShdw>
+          </a:effectLst>
         </p:spPr>
         <p:txBody>
-          <a:bodyPr vert="horz" lIns="91440" tIns="45720" rIns="91440" bIns="45720" rtlCol="0" anchor="b">
+          <a:bodyPr>
             <a:normAutofit/>
           </a:bodyPr>
           <a:lstStyle/>
           <a:p>
-            <a:pPr algn="ctr"/>
-            <a:r>
-              <a:rPr lang="en-US" sz="6000" b="1" dirty="0"/>
-              <a:t>Programming Language</a:t>
+            <a:r>
+              <a:rPr lang="en-US" b="1" dirty="0">
+                <a:solidFill>
+                  <a:schemeClr val="bg1"/>
+                </a:solidFill>
+                <a:latin typeface="Arial" panose="020B0604020202020204" pitchFamily="34" charset="0"/>
+                <a:cs typeface="Arial" panose="020B0604020202020204" pitchFamily="34" charset="0"/>
+              </a:rPr>
+              <a:t>Cross Wordle</a:t>
             </a:r>
           </a:p>
         </p:txBody>
       </p:sp>
       <p:sp>
         <p:nvSpPr>
-          <p:cNvPr id="3" name="Content Placeholder 2">
-            <a:extLst>
-              <a:ext uri="{FF2B5EF4-FFF2-40B4-BE49-F238E27FC236}">
-                <a16:creationId xmlns:a16="http://schemas.microsoft.com/office/drawing/2014/main" id="{4D045D53-E50A-D632-A58C-36C752BFD4FD}"/>
+          <p:cNvPr id="3" name="Subtitle 2">
+            <a:extLst>
+              <a:ext uri="{FF2B5EF4-FFF2-40B4-BE49-F238E27FC236}">
+                <a16:creationId xmlns:a16="http://schemas.microsoft.com/office/drawing/2014/main" id="{EAB46177-F16D-1E9D-A234-7628AA3C0978}"/>
               </a:ext>
             </a:extLst>
           </p:cNvPr>
@@ -4368,7 +3470,7 @@
             <a:spLocks noGrp="1"/>
           </p:cNvSpPr>
           <p:nvPr>
-            <p:ph idx="1"/>
+            <p:ph type="subTitle" idx="1"/>
           </p:nvPr>
         </p:nvSpPr>
         <p:spPr>
@@ -4378,54 +3480,27 @@
           </a:xfrm>
         </p:spPr>
         <p:txBody>
-          <a:bodyPr vert="horz" lIns="91440" tIns="45720" rIns="91440" bIns="45720" rtlCol="0">
+          <a:bodyPr>
             <a:normAutofit/>
           </a:bodyPr>
           <a:lstStyle/>
           <a:p>
-            <a:pPr marL="0" indent="0" algn="ctr">
-              <a:buNone/>
-            </a:pPr>
-            <a:r>
-              <a:rPr lang="en-US" sz="2400" dirty="0">
-                <a:effectLst/>
+            <a:r>
+              <a:rPr lang="en-US" dirty="0">
+                <a:solidFill>
+                  <a:schemeClr val="bg1"/>
+                </a:solidFill>
+                <a:latin typeface="Cambria" panose="02040503050406030204" pitchFamily="18" charset="0"/>
+                <a:ea typeface="Cambria" panose="02040503050406030204" pitchFamily="18" charset="0"/>
               </a:rPr>
-              <a:t>I chose to make this game using </a:t>
-            </a:r>
-            <a:r>
-              <a:rPr lang="en-US" sz="2400" i="1" dirty="0">
-                <a:effectLst/>
-              </a:rPr>
-              <a:t>JavaScript on an HTML page</a:t>
-            </a:r>
-            <a:r>
-              <a:rPr lang="en-US" sz="2400" dirty="0">
-                <a:effectLst/>
-              </a:rPr>
-              <a:t>.</a:t>
-            </a:r>
-          </a:p>
-          <a:p>
-            <a:pPr algn="ctr"/>
-            <a:r>
-              <a:rPr lang="en-US" sz="2400" dirty="0"/>
-              <a:t>Can utilize HTML design features</a:t>
-            </a:r>
-          </a:p>
-          <a:p>
-            <a:pPr algn="ctr"/>
-            <a:r>
-              <a:rPr lang="en-US" sz="2400" dirty="0">
-                <a:effectLst/>
-              </a:rPr>
-              <a:t>Seamless communication between front and back-end</a:t>
+              <a:t>A word game by Matteo Salverio</a:t>
             </a:r>
           </a:p>
         </p:txBody>
       </p:sp>
       <p:sp>
         <p:nvSpPr>
-          <p:cNvPr id="1044" name="Freeform: Shape 1032">
+          <p:cNvPr id="29" name="Freeform: Shape 28">
             <a:extLst>
               <a:ext uri="{FF2B5EF4-FFF2-40B4-BE49-F238E27FC236}">
                 <a16:creationId xmlns:a16="http://schemas.microsoft.com/office/drawing/2014/main" id="{658970D8-8D1D-4B5C-894B-E871CC86543D}"/>
@@ -4545,7 +3620,7 @@
       </p:sp>
       <p:sp>
         <p:nvSpPr>
-          <p:cNvPr id="1045" name="Freeform: Shape 1034">
+          <p:cNvPr id="31" name="Freeform: Shape 30">
             <a:extLst>
               <a:ext uri="{FF2B5EF4-FFF2-40B4-BE49-F238E27FC236}">
                 <a16:creationId xmlns:a16="http://schemas.microsoft.com/office/drawing/2014/main" id="{F227E5B6-9132-43CA-B503-37A18562ADF2}"/>
@@ -4672,7 +3747,7 @@
       </p:sp>
       <p:sp>
         <p:nvSpPr>
-          <p:cNvPr id="1037" name="Freeform: Shape 1036">
+          <p:cNvPr id="33" name="Freeform: Shape 32">
             <a:extLst>
               <a:ext uri="{FF2B5EF4-FFF2-40B4-BE49-F238E27FC236}">
                 <a16:creationId xmlns:a16="http://schemas.microsoft.com/office/drawing/2014/main" id="{03C2051E-A88D-48E5-BACF-AAED17892722}"/>
@@ -4792,7 +3867,7 @@
       </p:sp>
       <p:sp>
         <p:nvSpPr>
-          <p:cNvPr id="1039" name="Freeform: Shape 1038">
+          <p:cNvPr id="35" name="Freeform: Shape 34">
             <a:extLst>
               <a:ext uri="{FF2B5EF4-FFF2-40B4-BE49-F238E27FC236}">
                 <a16:creationId xmlns:a16="http://schemas.microsoft.com/office/drawing/2014/main" id="{7821A508-2985-4905-874A-527429BAABFA}"/>
@@ -4917,7 +3992,7 @@
       </p:sp>
       <p:sp>
         <p:nvSpPr>
-          <p:cNvPr id="1041" name="Freeform: Shape 1040">
+          <p:cNvPr id="37" name="Freeform: Shape 36">
             <a:extLst>
               <a:ext uri="{FF2B5EF4-FFF2-40B4-BE49-F238E27FC236}">
                 <a16:creationId xmlns:a16="http://schemas.microsoft.com/office/drawing/2014/main" id="{D2929CB1-0E3C-4B2D-ADC5-0154FB33BA44}"/>
@@ -5254,6 +4329,6213 @@
       </p:sp>
       <p:pic>
         <p:nvPicPr>
+          <p:cNvPr id="5" name="Picture 4" descr="A screenshot of a game&#10;&#10;Description automatically generated">
+            <a:extLst>
+              <a:ext uri="{FF2B5EF4-FFF2-40B4-BE49-F238E27FC236}">
+                <a16:creationId xmlns:a16="http://schemas.microsoft.com/office/drawing/2014/main" id="{3D7704FE-06EC-1519-B203-72D783A2DF2A}"/>
+              </a:ext>
+            </a:extLst>
+          </p:cNvPr>
+          <p:cNvPicPr>
+            <a:picLocks noChangeAspect="1"/>
+          </p:cNvPicPr>
+          <p:nvPr/>
+        </p:nvPicPr>
+        <p:blipFill rotWithShape="1">
+          <a:blip r:embed="rId2"/>
+          <a:srcRect l="17638" t="6418" r="17431" b="14769"/>
+          <a:stretch/>
+        </p:blipFill>
+        <p:spPr>
+          <a:xfrm>
+            <a:off x="1108100" y="1139251"/>
+            <a:ext cx="4601038" cy="4579497"/>
+          </a:xfrm>
+          <a:prstGeom prst="rect">
+            <a:avLst/>
+          </a:prstGeom>
+          <a:solidFill>
+            <a:srgbClr val="FFFFFF">
+              <a:shade val="85000"/>
+            </a:srgbClr>
+          </a:solidFill>
+          <a:ln w="88900" cap="sq">
+            <a:noFill/>
+            <a:miter lim="800000"/>
+          </a:ln>
+          <a:effectLst/>
+        </p:spPr>
+      </p:pic>
+      <p:sp>
+        <p:nvSpPr>
+          <p:cNvPr id="39" name="Freeform: Shape 38">
+            <a:extLst>
+              <a:ext uri="{FF2B5EF4-FFF2-40B4-BE49-F238E27FC236}">
+                <a16:creationId xmlns:a16="http://schemas.microsoft.com/office/drawing/2014/main" id="{5F2F0C84-BE8C-4DC2-A6D3-30349A801D5C}"/>
+              </a:ext>
+              <a:ext uri="{C183D7F6-B498-43B3-948B-1728B52AA6E4}">
+                <adec:decorative xmlns:adec="http://schemas.microsoft.com/office/drawing/2017/decorative" val="1"/>
+              </a:ext>
+            </a:extLst>
+          </p:cNvPr>
+          <p:cNvSpPr>
+            <a:spLocks noGrp="1" noRot="1" noChangeAspect="1" noMove="1" noResize="1" noEditPoints="1" noAdjustHandles="1" noChangeArrowheads="1" noChangeShapeType="1" noTextEdit="1"/>
+          </p:cNvSpPr>
+          <p:nvPr>
+            <p:extLst>
+              <p:ext uri="{386F3935-93C4-4BCD-93E2-E3B085C9AB24}">
+                <p16:designElem xmlns:p16="http://schemas.microsoft.com/office/powerpoint/2015/main" val="1"/>
+              </p:ext>
+            </p:extLst>
+          </p:nvPr>
+        </p:nvSpPr>
+        <p:spPr>
+          <a:xfrm flipH="1">
+            <a:off x="4520513" y="6258756"/>
+            <a:ext cx="1565940" cy="599245"/>
+          </a:xfrm>
+          <a:custGeom>
+            <a:avLst/>
+            <a:gdLst>
+              <a:gd name="connsiteX0" fmla="*/ 782970 w 1565940"/>
+              <a:gd name="connsiteY0" fmla="*/ 0 h 599245"/>
+              <a:gd name="connsiteX1" fmla="*/ 1528042 w 1565940"/>
+              <a:gd name="connsiteY1" fmla="*/ 480469 h 599245"/>
+              <a:gd name="connsiteX2" fmla="*/ 1565940 w 1565940"/>
+              <a:gd name="connsiteY2" fmla="*/ 599245 h 599245"/>
+              <a:gd name="connsiteX3" fmla="*/ 0 w 1565940"/>
+              <a:gd name="connsiteY3" fmla="*/ 599245 h 599245"/>
+              <a:gd name="connsiteX4" fmla="*/ 37898 w 1565940"/>
+              <a:gd name="connsiteY4" fmla="*/ 480469 h 599245"/>
+              <a:gd name="connsiteX5" fmla="*/ 782970 w 1565940"/>
+              <a:gd name="connsiteY5" fmla="*/ 0 h 599245"/>
+            </a:gdLst>
+            <a:ahLst/>
+            <a:cxnLst>
+              <a:cxn ang="0">
+                <a:pos x="connsiteX0" y="connsiteY0"/>
+              </a:cxn>
+              <a:cxn ang="0">
+                <a:pos x="connsiteX1" y="connsiteY1"/>
+              </a:cxn>
+              <a:cxn ang="0">
+                <a:pos x="connsiteX2" y="connsiteY2"/>
+              </a:cxn>
+              <a:cxn ang="0">
+                <a:pos x="connsiteX3" y="connsiteY3"/>
+              </a:cxn>
+              <a:cxn ang="0">
+                <a:pos x="connsiteX4" y="connsiteY4"/>
+              </a:cxn>
+              <a:cxn ang="0">
+                <a:pos x="connsiteX5" y="connsiteY5"/>
+              </a:cxn>
+            </a:cxnLst>
+            <a:rect l="l" t="t" r="r" b="b"/>
+            <a:pathLst>
+              <a:path w="1565940" h="599245">
+                <a:moveTo>
+                  <a:pt x="782970" y="0"/>
+                </a:moveTo>
+                <a:cubicBezTo>
+                  <a:pt x="1117910" y="0"/>
+                  <a:pt x="1405287" y="198118"/>
+                  <a:pt x="1528042" y="480469"/>
+                </a:cubicBezTo>
+                <a:lnTo>
+                  <a:pt x="1565940" y="599245"/>
+                </a:lnTo>
+                <a:lnTo>
+                  <a:pt x="0" y="599245"/>
+                </a:lnTo>
+                <a:lnTo>
+                  <a:pt x="37898" y="480469"/>
+                </a:lnTo>
+                <a:cubicBezTo>
+                  <a:pt x="160653" y="198118"/>
+                  <a:pt x="448030" y="0"/>
+                  <a:pt x="782970" y="0"/>
+                </a:cubicBezTo>
+                <a:close/>
+              </a:path>
+            </a:pathLst>
+          </a:custGeom>
+          <a:solidFill>
+            <a:schemeClr val="accent2"/>
+          </a:solidFill>
+          <a:ln>
+            <a:noFill/>
+          </a:ln>
+        </p:spPr>
+        <p:style>
+          <a:lnRef idx="2">
+            <a:schemeClr val="accent1">
+              <a:shade val="50000"/>
+            </a:schemeClr>
+          </a:lnRef>
+          <a:fillRef idx="1">
+            <a:schemeClr val="accent1"/>
+          </a:fillRef>
+          <a:effectRef idx="0">
+            <a:schemeClr val="accent1"/>
+          </a:effectRef>
+          <a:fontRef idx="minor">
+            <a:schemeClr val="lt1"/>
+          </a:fontRef>
+        </p:style>
+        <p:txBody>
+          <a:bodyPr wrap="square" rtlCol="0" anchor="ctr">
+            <a:noAutofit/>
+          </a:bodyPr>
+          <a:lstStyle/>
+          <a:p>
+            <a:pPr algn="ctr"/>
+            <a:endParaRPr lang="en-US" dirty="0"/>
+          </a:p>
+        </p:txBody>
+      </p:sp>
+    </p:spTree>
+    <p:extLst>
+      <p:ext uri="{BB962C8B-B14F-4D97-AF65-F5344CB8AC3E}">
+        <p14:creationId xmlns:p14="http://schemas.microsoft.com/office/powerpoint/2010/main" val="1405217607"/>
+      </p:ext>
+    </p:extLst>
+  </p:cSld>
+  <p:clrMapOvr>
+    <a:masterClrMapping/>
+  </p:clrMapOvr>
+</p:sld>
+</file>
+
+<file path=ppt/slides/slide10.xml><?xml version="1.0" encoding="utf-8"?>
+<p:sld xmlns:a="http://schemas.openxmlformats.org/drawingml/2006/main" xmlns:r="http://schemas.openxmlformats.org/officeDocument/2006/relationships" xmlns:p="http://schemas.openxmlformats.org/presentationml/2006/main">
+  <p:cSld>
+    <p:bg>
+      <p:bgPr>
+        <a:solidFill>
+          <a:srgbClr val="2F4F4F"/>
+        </a:solidFill>
+        <a:effectLst/>
+      </p:bgPr>
+    </p:bg>
+    <p:spTree>
+      <p:nvGrpSpPr>
+        <p:cNvPr id="1" name=""/>
+        <p:cNvGrpSpPr/>
+        <p:nvPr/>
+      </p:nvGrpSpPr>
+      <p:grpSpPr>
+        <a:xfrm>
+          <a:off x="0" y="0"/>
+          <a:ext cx="0" cy="0"/>
+          <a:chOff x="0" y="0"/>
+          <a:chExt cx="0" cy="0"/>
+        </a:xfrm>
+      </p:grpSpPr>
+      <p:sp useBgFill="1">
+        <p:nvSpPr>
+          <p:cNvPr id="10" name="Rectangle 9">
+            <a:extLst>
+              <a:ext uri="{FF2B5EF4-FFF2-40B4-BE49-F238E27FC236}">
+                <a16:creationId xmlns:a16="http://schemas.microsoft.com/office/drawing/2014/main" id="{665DBBEF-238B-476B-96AB-8AAC3224ECEA}"/>
+              </a:ext>
+              <a:ext uri="{C183D7F6-B498-43B3-948B-1728B52AA6E4}">
+                <adec:decorative xmlns:adec="http://schemas.microsoft.com/office/drawing/2017/decorative" val="1"/>
+              </a:ext>
+            </a:extLst>
+          </p:cNvPr>
+          <p:cNvSpPr>
+            <a:spLocks noGrp="1" noRot="1" noChangeAspect="1" noMove="1" noResize="1" noEditPoints="1" noAdjustHandles="1" noChangeArrowheads="1" noChangeShapeType="1" noTextEdit="1"/>
+          </p:cNvSpPr>
+          <p:nvPr>
+            <p:extLst>
+              <p:ext uri="{386F3935-93C4-4BCD-93E2-E3B085C9AB24}">
+                <p16:designElem xmlns:p16="http://schemas.microsoft.com/office/powerpoint/2015/main" val="1"/>
+              </p:ext>
+            </p:extLst>
+          </p:nvPr>
+        </p:nvSpPr>
+        <p:spPr>
+          <a:xfrm>
+            <a:off x="0" y="0"/>
+            <a:ext cx="12192000" cy="6858000"/>
+          </a:xfrm>
+          <a:prstGeom prst="rect">
+            <a:avLst/>
+          </a:prstGeom>
+          <a:ln>
+            <a:noFill/>
+          </a:ln>
+        </p:spPr>
+        <p:style>
+          <a:lnRef idx="2">
+            <a:schemeClr val="accent1">
+              <a:shade val="50000"/>
+            </a:schemeClr>
+          </a:lnRef>
+          <a:fillRef idx="1">
+            <a:schemeClr val="accent1"/>
+          </a:fillRef>
+          <a:effectRef idx="0">
+            <a:schemeClr val="accent1"/>
+          </a:effectRef>
+          <a:fontRef idx="minor">
+            <a:schemeClr val="lt1"/>
+          </a:fontRef>
+        </p:style>
+        <p:txBody>
+          <a:bodyPr rtlCol="0" anchor="ctr"/>
+          <a:lstStyle/>
+          <a:p>
+            <a:pPr algn="ctr"/>
+            <a:endParaRPr lang="en-US"/>
+          </a:p>
+        </p:txBody>
+      </p:sp>
+      <p:sp>
+        <p:nvSpPr>
+          <p:cNvPr id="2" name="Title 1">
+            <a:extLst>
+              <a:ext uri="{FF2B5EF4-FFF2-40B4-BE49-F238E27FC236}">
+                <a16:creationId xmlns:a16="http://schemas.microsoft.com/office/drawing/2014/main" id="{264A486E-4001-D74C-4227-9CF359B3022E}"/>
+              </a:ext>
+            </a:extLst>
+          </p:cNvPr>
+          <p:cNvSpPr>
+            <a:spLocks noGrp="1"/>
+          </p:cNvSpPr>
+          <p:nvPr>
+            <p:ph type="title"/>
+          </p:nvPr>
+        </p:nvSpPr>
+        <p:spPr>
+          <a:xfrm>
+            <a:off x="643278" y="978777"/>
+            <a:ext cx="3741153" cy="3109334"/>
+          </a:xfrm>
+        </p:spPr>
+        <p:txBody>
+          <a:bodyPr vert="horz" lIns="91440" tIns="45720" rIns="91440" bIns="45720" rtlCol="0" anchor="b">
+            <a:normAutofit/>
+          </a:bodyPr>
+          <a:lstStyle/>
+          <a:p>
+            <a:r>
+              <a:rPr lang="en-US" sz="6600" b="1" kern="1200" dirty="0">
+                <a:solidFill>
+                  <a:schemeClr val="bg1"/>
+                </a:solidFill>
+                <a:latin typeface="Arial" panose="020B0604020202020204" pitchFamily="34" charset="0"/>
+                <a:cs typeface="Arial" panose="020B0604020202020204" pitchFamily="34" charset="0"/>
+              </a:rPr>
+              <a:t>Example</a:t>
+            </a:r>
+          </a:p>
+        </p:txBody>
+      </p:sp>
+      <p:sp>
+        <p:nvSpPr>
+          <p:cNvPr id="12" name="sketch line">
+            <a:extLst>
+              <a:ext uri="{FF2B5EF4-FFF2-40B4-BE49-F238E27FC236}">
+                <a16:creationId xmlns:a16="http://schemas.microsoft.com/office/drawing/2014/main" id="{3FCFB1DE-0B7E-48CC-BA90-B2AB0889F9D6}"/>
+              </a:ext>
+              <a:ext uri="{C183D7F6-B498-43B3-948B-1728B52AA6E4}">
+                <adec:decorative xmlns:adec="http://schemas.microsoft.com/office/drawing/2017/decorative" val="1"/>
+              </a:ext>
+            </a:extLst>
+          </p:cNvPr>
+          <p:cNvSpPr>
+            <a:spLocks noGrp="1" noRot="1" noChangeAspect="1" noMove="1" noResize="1" noEditPoints="1" noAdjustHandles="1" noChangeArrowheads="1" noChangeShapeType="1" noTextEdit="1"/>
+          </p:cNvSpPr>
+          <p:nvPr>
+            <p:extLst>
+              <p:ext uri="{386F3935-93C4-4BCD-93E2-E3B085C9AB24}">
+                <p16:designElem xmlns:p16="http://schemas.microsoft.com/office/powerpoint/2015/main" val="1"/>
+              </p:ext>
+            </p:extLst>
+          </p:nvPr>
+        </p:nvSpPr>
+        <p:spPr>
+          <a:xfrm>
+            <a:off x="643278" y="4409267"/>
+            <a:ext cx="3255095" cy="18288"/>
+          </a:xfrm>
+          <a:custGeom>
+            <a:avLst/>
+            <a:gdLst>
+              <a:gd name="connsiteX0" fmla="*/ 0 w 3255095"/>
+              <a:gd name="connsiteY0" fmla="*/ 0 h 18288"/>
+              <a:gd name="connsiteX1" fmla="*/ 618468 w 3255095"/>
+              <a:gd name="connsiteY1" fmla="*/ 0 h 18288"/>
+              <a:gd name="connsiteX2" fmla="*/ 1269487 w 3255095"/>
+              <a:gd name="connsiteY2" fmla="*/ 0 h 18288"/>
+              <a:gd name="connsiteX3" fmla="*/ 1953057 w 3255095"/>
+              <a:gd name="connsiteY3" fmla="*/ 0 h 18288"/>
+              <a:gd name="connsiteX4" fmla="*/ 2636627 w 3255095"/>
+              <a:gd name="connsiteY4" fmla="*/ 0 h 18288"/>
+              <a:gd name="connsiteX5" fmla="*/ 3255095 w 3255095"/>
+              <a:gd name="connsiteY5" fmla="*/ 0 h 18288"/>
+              <a:gd name="connsiteX6" fmla="*/ 3255095 w 3255095"/>
+              <a:gd name="connsiteY6" fmla="*/ 18288 h 18288"/>
+              <a:gd name="connsiteX7" fmla="*/ 2538974 w 3255095"/>
+              <a:gd name="connsiteY7" fmla="*/ 18288 h 18288"/>
+              <a:gd name="connsiteX8" fmla="*/ 1822853 w 3255095"/>
+              <a:gd name="connsiteY8" fmla="*/ 18288 h 18288"/>
+              <a:gd name="connsiteX9" fmla="*/ 1171834 w 3255095"/>
+              <a:gd name="connsiteY9" fmla="*/ 18288 h 18288"/>
+              <a:gd name="connsiteX10" fmla="*/ 0 w 3255095"/>
+              <a:gd name="connsiteY10" fmla="*/ 18288 h 18288"/>
+              <a:gd name="connsiteX11" fmla="*/ 0 w 3255095"/>
+              <a:gd name="connsiteY11" fmla="*/ 0 h 18288"/>
+            </a:gdLst>
+            <a:ahLst/>
+            <a:cxnLst>
+              <a:cxn ang="0">
+                <a:pos x="connsiteX0" y="connsiteY0"/>
+              </a:cxn>
+              <a:cxn ang="0">
+                <a:pos x="connsiteX1" y="connsiteY1"/>
+              </a:cxn>
+              <a:cxn ang="0">
+                <a:pos x="connsiteX2" y="connsiteY2"/>
+              </a:cxn>
+              <a:cxn ang="0">
+                <a:pos x="connsiteX3" y="connsiteY3"/>
+              </a:cxn>
+              <a:cxn ang="0">
+                <a:pos x="connsiteX4" y="connsiteY4"/>
+              </a:cxn>
+              <a:cxn ang="0">
+                <a:pos x="connsiteX5" y="connsiteY5"/>
+              </a:cxn>
+              <a:cxn ang="0">
+                <a:pos x="connsiteX6" y="connsiteY6"/>
+              </a:cxn>
+              <a:cxn ang="0">
+                <a:pos x="connsiteX7" y="connsiteY7"/>
+              </a:cxn>
+              <a:cxn ang="0">
+                <a:pos x="connsiteX8" y="connsiteY8"/>
+              </a:cxn>
+              <a:cxn ang="0">
+                <a:pos x="connsiteX9" y="connsiteY9"/>
+              </a:cxn>
+              <a:cxn ang="0">
+                <a:pos x="connsiteX10" y="connsiteY10"/>
+              </a:cxn>
+              <a:cxn ang="0">
+                <a:pos x="connsiteX11" y="connsiteY11"/>
+              </a:cxn>
+            </a:cxnLst>
+            <a:rect l="l" t="t" r="r" b="b"/>
+            <a:pathLst>
+              <a:path w="3255095" h="18288" fill="none" extrusionOk="0">
+                <a:moveTo>
+                  <a:pt x="0" y="0"/>
+                </a:moveTo>
+                <a:cubicBezTo>
+                  <a:pt x="240201" y="-22123"/>
+                  <a:pt x="462021" y="-19623"/>
+                  <a:pt x="618468" y="0"/>
+                </a:cubicBezTo>
+                <a:cubicBezTo>
+                  <a:pt x="774915" y="19623"/>
+                  <a:pt x="974734" y="2035"/>
+                  <a:pt x="1269487" y="0"/>
+                </a:cubicBezTo>
+                <a:cubicBezTo>
+                  <a:pt x="1564240" y="-2035"/>
+                  <a:pt x="1733579" y="10639"/>
+                  <a:pt x="1953057" y="0"/>
+                </a:cubicBezTo>
+                <a:cubicBezTo>
+                  <a:pt x="2172535" y="-10639"/>
+                  <a:pt x="2453962" y="14018"/>
+                  <a:pt x="2636627" y="0"/>
+                </a:cubicBezTo>
+                <a:cubicBezTo>
+                  <a:pt x="2819292" y="-14018"/>
+                  <a:pt x="3121375" y="5399"/>
+                  <a:pt x="3255095" y="0"/>
+                </a:cubicBezTo>
+                <a:cubicBezTo>
+                  <a:pt x="3254386" y="8157"/>
+                  <a:pt x="3254682" y="12125"/>
+                  <a:pt x="3255095" y="18288"/>
+                </a:cubicBezTo>
+                <a:cubicBezTo>
+                  <a:pt x="3088545" y="23203"/>
+                  <a:pt x="2687475" y="7419"/>
+                  <a:pt x="2538974" y="18288"/>
+                </a:cubicBezTo>
+                <a:cubicBezTo>
+                  <a:pt x="2390473" y="29157"/>
+                  <a:pt x="2137381" y="-8959"/>
+                  <a:pt x="1822853" y="18288"/>
+                </a:cubicBezTo>
+                <a:cubicBezTo>
+                  <a:pt x="1508325" y="45535"/>
+                  <a:pt x="1466437" y="20385"/>
+                  <a:pt x="1171834" y="18288"/>
+                </a:cubicBezTo>
+                <a:cubicBezTo>
+                  <a:pt x="877231" y="16191"/>
+                  <a:pt x="561097" y="37643"/>
+                  <a:pt x="0" y="18288"/>
+                </a:cubicBezTo>
+                <a:cubicBezTo>
+                  <a:pt x="-46" y="12483"/>
+                  <a:pt x="-203" y="6491"/>
+                  <a:pt x="0" y="0"/>
+                </a:cubicBezTo>
+                <a:close/>
+              </a:path>
+              <a:path w="3255095" h="18288" stroke="0" extrusionOk="0">
+                <a:moveTo>
+                  <a:pt x="0" y="0"/>
+                </a:moveTo>
+                <a:cubicBezTo>
+                  <a:pt x="291965" y="19429"/>
+                  <a:pt x="363155" y="8568"/>
+                  <a:pt x="618468" y="0"/>
+                </a:cubicBezTo>
+                <a:cubicBezTo>
+                  <a:pt x="873781" y="-8568"/>
+                  <a:pt x="904459" y="-19505"/>
+                  <a:pt x="1171834" y="0"/>
+                </a:cubicBezTo>
+                <a:cubicBezTo>
+                  <a:pt x="1439209" y="19505"/>
+                  <a:pt x="1744369" y="9790"/>
+                  <a:pt x="1887955" y="0"/>
+                </a:cubicBezTo>
+                <a:cubicBezTo>
+                  <a:pt x="2031541" y="-9790"/>
+                  <a:pt x="2346378" y="21240"/>
+                  <a:pt x="2506423" y="0"/>
+                </a:cubicBezTo>
+                <a:cubicBezTo>
+                  <a:pt x="2666468" y="-21240"/>
+                  <a:pt x="2990257" y="30414"/>
+                  <a:pt x="3255095" y="0"/>
+                </a:cubicBezTo>
+                <a:cubicBezTo>
+                  <a:pt x="3254831" y="4493"/>
+                  <a:pt x="3255479" y="9472"/>
+                  <a:pt x="3255095" y="18288"/>
+                </a:cubicBezTo>
+                <a:cubicBezTo>
+                  <a:pt x="3120743" y="16690"/>
+                  <a:pt x="2759628" y="42462"/>
+                  <a:pt x="2604076" y="18288"/>
+                </a:cubicBezTo>
+                <a:cubicBezTo>
+                  <a:pt x="2448524" y="-5886"/>
+                  <a:pt x="2184336" y="19599"/>
+                  <a:pt x="1887955" y="18288"/>
+                </a:cubicBezTo>
+                <a:cubicBezTo>
+                  <a:pt x="1591574" y="16977"/>
+                  <a:pt x="1548845" y="6870"/>
+                  <a:pt x="1334589" y="18288"/>
+                </a:cubicBezTo>
+                <a:cubicBezTo>
+                  <a:pt x="1120333" y="29706"/>
+                  <a:pt x="996014" y="9662"/>
+                  <a:pt x="683570" y="18288"/>
+                </a:cubicBezTo>
+                <a:cubicBezTo>
+                  <a:pt x="371126" y="26914"/>
+                  <a:pt x="198687" y="16167"/>
+                  <a:pt x="0" y="18288"/>
+                </a:cubicBezTo>
+                <a:cubicBezTo>
+                  <a:pt x="843" y="9577"/>
+                  <a:pt x="371" y="6900"/>
+                  <a:pt x="0" y="0"/>
+                </a:cubicBezTo>
+                <a:close/>
+              </a:path>
+            </a:pathLst>
+          </a:custGeom>
+          <a:solidFill>
+            <a:schemeClr val="accent2"/>
+          </a:solidFill>
+          <a:ln w="38100" cap="rnd">
+            <a:solidFill>
+              <a:schemeClr val="accent2"/>
+            </a:solidFill>
+            <a:round/>
+            <a:extLst>
+              <a:ext uri="{C807C97D-BFC1-408E-A445-0C87EB9F89A2}">
+                <ask:lineSketchStyleProps xmlns:ask="http://schemas.microsoft.com/office/drawing/2018/sketchyshapes" sd="1219033472">
+                  <a:prstGeom prst="rect">
+                    <a:avLst/>
+                  </a:prstGeom>
+                  <ask:type>
+                    <ask:lineSketchFreehand/>
+                  </ask:type>
+                </ask:lineSketchStyleProps>
+              </a:ext>
+            </a:extLst>
+          </a:ln>
+        </p:spPr>
+        <p:style>
+          <a:lnRef idx="2">
+            <a:schemeClr val="accent1">
+              <a:shade val="50000"/>
+            </a:schemeClr>
+          </a:lnRef>
+          <a:fillRef idx="1">
+            <a:schemeClr val="accent1"/>
+          </a:fillRef>
+          <a:effectRef idx="0">
+            <a:schemeClr val="accent1"/>
+          </a:effectRef>
+          <a:fontRef idx="minor">
+            <a:schemeClr val="lt1"/>
+          </a:fontRef>
+        </p:style>
+        <p:txBody>
+          <a:bodyPr rtlCol="0" anchor="ctr"/>
+          <a:lstStyle/>
+          <a:p>
+            <a:pPr algn="ctr"/>
+            <a:endParaRPr lang="en-US"/>
+          </a:p>
+        </p:txBody>
+      </p:sp>
+      <p:pic>
+        <p:nvPicPr>
+          <p:cNvPr id="5" name="Picture 4" descr="A screenshot of a game&#10;&#10;Description automatically generated with medium confidence">
+            <a:extLst>
+              <a:ext uri="{FF2B5EF4-FFF2-40B4-BE49-F238E27FC236}">
+                <a16:creationId xmlns:a16="http://schemas.microsoft.com/office/drawing/2014/main" id="{3D383938-F676-F925-3E7F-D5212F8D0AA0}"/>
+              </a:ext>
+            </a:extLst>
+          </p:cNvPr>
+          <p:cNvPicPr>
+            <a:picLocks noChangeAspect="1"/>
+          </p:cNvPicPr>
+          <p:nvPr/>
+        </p:nvPicPr>
+        <p:blipFill rotWithShape="1">
+          <a:blip r:embed="rId2"/>
+          <a:srcRect t="-1" b="1629"/>
+          <a:stretch/>
+        </p:blipFill>
+        <p:spPr>
+          <a:xfrm>
+            <a:off x="5306161" y="1246153"/>
+            <a:ext cx="5350298" cy="4294642"/>
+          </a:xfrm>
+          <a:prstGeom prst="rect">
+            <a:avLst/>
+          </a:prstGeom>
+        </p:spPr>
+      </p:pic>
+    </p:spTree>
+    <p:extLst>
+      <p:ext uri="{BB962C8B-B14F-4D97-AF65-F5344CB8AC3E}">
+        <p14:creationId xmlns:p14="http://schemas.microsoft.com/office/powerpoint/2010/main" val="114379642"/>
+      </p:ext>
+    </p:extLst>
+  </p:cSld>
+  <p:clrMapOvr>
+    <a:masterClrMapping/>
+  </p:clrMapOvr>
+</p:sld>
+</file>
+
+<file path=ppt/slides/slide11.xml><?xml version="1.0" encoding="utf-8"?>
+<p:sld xmlns:a="http://schemas.openxmlformats.org/drawingml/2006/main" xmlns:r="http://schemas.openxmlformats.org/officeDocument/2006/relationships" xmlns:p="http://schemas.openxmlformats.org/presentationml/2006/main">
+  <p:cSld>
+    <p:bg>
+      <p:bgPr>
+        <a:solidFill>
+          <a:srgbClr val="2F4F4F"/>
+        </a:solidFill>
+        <a:effectLst/>
+      </p:bgPr>
+    </p:bg>
+    <p:spTree>
+      <p:nvGrpSpPr>
+        <p:cNvPr id="1" name=""/>
+        <p:cNvGrpSpPr/>
+        <p:nvPr/>
+      </p:nvGrpSpPr>
+      <p:grpSpPr>
+        <a:xfrm>
+          <a:off x="0" y="0"/>
+          <a:ext cx="0" cy="0"/>
+          <a:chOff x="0" y="0"/>
+          <a:chExt cx="0" cy="0"/>
+        </a:xfrm>
+      </p:grpSpPr>
+      <p:sp useBgFill="1">
+        <p:nvSpPr>
+          <p:cNvPr id="10" name="Rectangle 9">
+            <a:extLst>
+              <a:ext uri="{FF2B5EF4-FFF2-40B4-BE49-F238E27FC236}">
+                <a16:creationId xmlns:a16="http://schemas.microsoft.com/office/drawing/2014/main" id="{BCED4D40-4B67-4331-AC48-79B82B4A47D8}"/>
+              </a:ext>
+              <a:ext uri="{C183D7F6-B498-43B3-948B-1728B52AA6E4}">
+                <adec:decorative xmlns:adec="http://schemas.microsoft.com/office/drawing/2017/decorative" val="1"/>
+              </a:ext>
+            </a:extLst>
+          </p:cNvPr>
+          <p:cNvSpPr>
+            <a:spLocks noGrp="1" noRot="1" noChangeAspect="1" noMove="1" noResize="1" noEditPoints="1" noAdjustHandles="1" noChangeArrowheads="1" noChangeShapeType="1" noTextEdit="1"/>
+          </p:cNvSpPr>
+          <p:nvPr>
+            <p:extLst>
+              <p:ext uri="{386F3935-93C4-4BCD-93E2-E3B085C9AB24}">
+                <p16:designElem xmlns:p16="http://schemas.microsoft.com/office/powerpoint/2015/main" val="1"/>
+              </p:ext>
+            </p:extLst>
+          </p:nvPr>
+        </p:nvSpPr>
+        <p:spPr>
+          <a:xfrm>
+            <a:off x="0" y="0"/>
+            <a:ext cx="12192000" cy="6858000"/>
+          </a:xfrm>
+          <a:prstGeom prst="rect">
+            <a:avLst/>
+          </a:prstGeom>
+          <a:ln>
+            <a:noFill/>
+          </a:ln>
+        </p:spPr>
+        <p:style>
+          <a:lnRef idx="2">
+            <a:schemeClr val="accent1">
+              <a:shade val="50000"/>
+            </a:schemeClr>
+          </a:lnRef>
+          <a:fillRef idx="1">
+            <a:schemeClr val="accent1"/>
+          </a:fillRef>
+          <a:effectRef idx="0">
+            <a:schemeClr val="accent1"/>
+          </a:effectRef>
+          <a:fontRef idx="minor">
+            <a:schemeClr val="lt1"/>
+          </a:fontRef>
+        </p:style>
+        <p:txBody>
+          <a:bodyPr rtlCol="0" anchor="ctr"/>
+          <a:lstStyle/>
+          <a:p>
+            <a:pPr algn="ctr"/>
+            <a:endParaRPr lang="en-US"/>
+          </a:p>
+        </p:txBody>
+      </p:sp>
+      <p:sp>
+        <p:nvSpPr>
+          <p:cNvPr id="2" name="Title 1">
+            <a:extLst>
+              <a:ext uri="{FF2B5EF4-FFF2-40B4-BE49-F238E27FC236}">
+                <a16:creationId xmlns:a16="http://schemas.microsoft.com/office/drawing/2014/main" id="{79D5EBC1-F6CB-834B-9994-D33878596862}"/>
+              </a:ext>
+            </a:extLst>
+          </p:cNvPr>
+          <p:cNvSpPr>
+            <a:spLocks noGrp="1"/>
+          </p:cNvSpPr>
+          <p:nvPr>
+            <p:ph type="title"/>
+          </p:nvPr>
+        </p:nvSpPr>
+        <p:spPr>
+          <a:xfrm>
+            <a:off x="638881" y="417576"/>
+            <a:ext cx="10909640" cy="1249394"/>
+          </a:xfrm>
+        </p:spPr>
+        <p:txBody>
+          <a:bodyPr vert="horz" lIns="91440" tIns="45720" rIns="91440" bIns="45720" rtlCol="0" anchor="ctr">
+            <a:normAutofit/>
+          </a:bodyPr>
+          <a:lstStyle/>
+          <a:p>
+            <a:pPr algn="ctr"/>
+            <a:r>
+              <a:rPr lang="en-US" sz="6600" b="1" kern="1200" dirty="0">
+                <a:solidFill>
+                  <a:schemeClr val="bg1"/>
+                </a:solidFill>
+                <a:latin typeface="Arial" panose="020B0604020202020204" pitchFamily="34" charset="0"/>
+                <a:cs typeface="Arial" panose="020B0604020202020204" pitchFamily="34" charset="0"/>
+              </a:rPr>
+              <a:t>If-Else Tree Example</a:t>
+            </a:r>
+          </a:p>
+        </p:txBody>
+      </p:sp>
+      <p:sp>
+        <p:nvSpPr>
+          <p:cNvPr id="12" name="sketch line">
+            <a:extLst>
+              <a:ext uri="{FF2B5EF4-FFF2-40B4-BE49-F238E27FC236}">
+                <a16:creationId xmlns:a16="http://schemas.microsoft.com/office/drawing/2014/main" id="{670CEDEF-4F34-412E-84EE-329C1E936AF5}"/>
+              </a:ext>
+              <a:ext uri="{C183D7F6-B498-43B3-948B-1728B52AA6E4}">
+                <adec:decorative xmlns:adec="http://schemas.microsoft.com/office/drawing/2017/decorative" val="1"/>
+              </a:ext>
+            </a:extLst>
+          </p:cNvPr>
+          <p:cNvSpPr>
+            <a:spLocks noGrp="1" noRot="1" noChangeAspect="1" noMove="1" noResize="1" noEditPoints="1" noAdjustHandles="1" noChangeArrowheads="1" noChangeShapeType="1" noTextEdit="1"/>
+          </p:cNvSpPr>
+          <p:nvPr>
+            <p:extLst>
+              <p:ext uri="{386F3935-93C4-4BCD-93E2-E3B085C9AB24}">
+                <p16:designElem xmlns:p16="http://schemas.microsoft.com/office/powerpoint/2015/main" val="1"/>
+              </p:ext>
+            </p:extLst>
+          </p:nvPr>
+        </p:nvSpPr>
+        <p:spPr>
+          <a:xfrm>
+            <a:off x="3807702" y="1733454"/>
+            <a:ext cx="4572000" cy="18288"/>
+          </a:xfrm>
+          <a:custGeom>
+            <a:avLst/>
+            <a:gdLst>
+              <a:gd name="connsiteX0" fmla="*/ 0 w 4572000"/>
+              <a:gd name="connsiteY0" fmla="*/ 0 h 18288"/>
+              <a:gd name="connsiteX1" fmla="*/ 515983 w 4572000"/>
+              <a:gd name="connsiteY1" fmla="*/ 0 h 18288"/>
+              <a:gd name="connsiteX2" fmla="*/ 1031966 w 4572000"/>
+              <a:gd name="connsiteY2" fmla="*/ 0 h 18288"/>
+              <a:gd name="connsiteX3" fmla="*/ 1639389 w 4572000"/>
+              <a:gd name="connsiteY3" fmla="*/ 0 h 18288"/>
+              <a:gd name="connsiteX4" fmla="*/ 2383971 w 4572000"/>
+              <a:gd name="connsiteY4" fmla="*/ 0 h 18288"/>
+              <a:gd name="connsiteX5" fmla="*/ 2945674 w 4572000"/>
+              <a:gd name="connsiteY5" fmla="*/ 0 h 18288"/>
+              <a:gd name="connsiteX6" fmla="*/ 3507377 w 4572000"/>
+              <a:gd name="connsiteY6" fmla="*/ 0 h 18288"/>
+              <a:gd name="connsiteX7" fmla="*/ 4572000 w 4572000"/>
+              <a:gd name="connsiteY7" fmla="*/ 0 h 18288"/>
+              <a:gd name="connsiteX8" fmla="*/ 4572000 w 4572000"/>
+              <a:gd name="connsiteY8" fmla="*/ 18288 h 18288"/>
+              <a:gd name="connsiteX9" fmla="*/ 3873137 w 4572000"/>
+              <a:gd name="connsiteY9" fmla="*/ 18288 h 18288"/>
+              <a:gd name="connsiteX10" fmla="*/ 3311434 w 4572000"/>
+              <a:gd name="connsiteY10" fmla="*/ 18288 h 18288"/>
+              <a:gd name="connsiteX11" fmla="*/ 2749731 w 4572000"/>
+              <a:gd name="connsiteY11" fmla="*/ 18288 h 18288"/>
+              <a:gd name="connsiteX12" fmla="*/ 2050869 w 4572000"/>
+              <a:gd name="connsiteY12" fmla="*/ 18288 h 18288"/>
+              <a:gd name="connsiteX13" fmla="*/ 1306286 w 4572000"/>
+              <a:gd name="connsiteY13" fmla="*/ 18288 h 18288"/>
+              <a:gd name="connsiteX14" fmla="*/ 790303 w 4572000"/>
+              <a:gd name="connsiteY14" fmla="*/ 18288 h 18288"/>
+              <a:gd name="connsiteX15" fmla="*/ 0 w 4572000"/>
+              <a:gd name="connsiteY15" fmla="*/ 18288 h 18288"/>
+              <a:gd name="connsiteX16" fmla="*/ 0 w 4572000"/>
+              <a:gd name="connsiteY16" fmla="*/ 0 h 18288"/>
+            </a:gdLst>
+            <a:ahLst/>
+            <a:cxnLst>
+              <a:cxn ang="0">
+                <a:pos x="connsiteX0" y="connsiteY0"/>
+              </a:cxn>
+              <a:cxn ang="0">
+                <a:pos x="connsiteX1" y="connsiteY1"/>
+              </a:cxn>
+              <a:cxn ang="0">
+                <a:pos x="connsiteX2" y="connsiteY2"/>
+              </a:cxn>
+              <a:cxn ang="0">
+                <a:pos x="connsiteX3" y="connsiteY3"/>
+              </a:cxn>
+              <a:cxn ang="0">
+                <a:pos x="connsiteX4" y="connsiteY4"/>
+              </a:cxn>
+              <a:cxn ang="0">
+                <a:pos x="connsiteX5" y="connsiteY5"/>
+              </a:cxn>
+              <a:cxn ang="0">
+                <a:pos x="connsiteX6" y="connsiteY6"/>
+              </a:cxn>
+              <a:cxn ang="0">
+                <a:pos x="connsiteX7" y="connsiteY7"/>
+              </a:cxn>
+              <a:cxn ang="0">
+                <a:pos x="connsiteX8" y="connsiteY8"/>
+              </a:cxn>
+              <a:cxn ang="0">
+                <a:pos x="connsiteX9" y="connsiteY9"/>
+              </a:cxn>
+              <a:cxn ang="0">
+                <a:pos x="connsiteX10" y="connsiteY10"/>
+              </a:cxn>
+              <a:cxn ang="0">
+                <a:pos x="connsiteX11" y="connsiteY11"/>
+              </a:cxn>
+              <a:cxn ang="0">
+                <a:pos x="connsiteX12" y="connsiteY12"/>
+              </a:cxn>
+              <a:cxn ang="0">
+                <a:pos x="connsiteX13" y="connsiteY13"/>
+              </a:cxn>
+              <a:cxn ang="0">
+                <a:pos x="connsiteX14" y="connsiteY14"/>
+              </a:cxn>
+              <a:cxn ang="0">
+                <a:pos x="connsiteX15" y="connsiteY15"/>
+              </a:cxn>
+              <a:cxn ang="0">
+                <a:pos x="connsiteX16" y="connsiteY16"/>
+              </a:cxn>
+            </a:cxnLst>
+            <a:rect l="l" t="t" r="r" b="b"/>
+            <a:pathLst>
+              <a:path w="4572000" h="18288" fill="none" extrusionOk="0">
+                <a:moveTo>
+                  <a:pt x="0" y="0"/>
+                </a:moveTo>
+                <a:cubicBezTo>
+                  <a:pt x="105156" y="-20963"/>
+                  <a:pt x="340432" y="822"/>
+                  <a:pt x="515983" y="0"/>
+                </a:cubicBezTo>
+                <a:cubicBezTo>
+                  <a:pt x="691534" y="-822"/>
+                  <a:pt x="850679" y="16479"/>
+                  <a:pt x="1031966" y="0"/>
+                </a:cubicBezTo>
+                <a:cubicBezTo>
+                  <a:pt x="1213253" y="-16479"/>
+                  <a:pt x="1443646" y="-18730"/>
+                  <a:pt x="1639389" y="0"/>
+                </a:cubicBezTo>
+                <a:cubicBezTo>
+                  <a:pt x="1835132" y="18730"/>
+                  <a:pt x="2159975" y="18531"/>
+                  <a:pt x="2383971" y="0"/>
+                </a:cubicBezTo>
+                <a:cubicBezTo>
+                  <a:pt x="2607967" y="-18531"/>
+                  <a:pt x="2719096" y="-12030"/>
+                  <a:pt x="2945674" y="0"/>
+                </a:cubicBezTo>
+                <a:cubicBezTo>
+                  <a:pt x="3172252" y="12030"/>
+                  <a:pt x="3269167" y="27666"/>
+                  <a:pt x="3507377" y="0"/>
+                </a:cubicBezTo>
+                <a:cubicBezTo>
+                  <a:pt x="3745587" y="-27666"/>
+                  <a:pt x="4116741" y="18705"/>
+                  <a:pt x="4572000" y="0"/>
+                </a:cubicBezTo>
+                <a:cubicBezTo>
+                  <a:pt x="4572895" y="8974"/>
+                  <a:pt x="4571454" y="9359"/>
+                  <a:pt x="4572000" y="18288"/>
+                </a:cubicBezTo>
+                <a:cubicBezTo>
+                  <a:pt x="4374698" y="3942"/>
+                  <a:pt x="4098874" y="-11042"/>
+                  <a:pt x="3873137" y="18288"/>
+                </a:cubicBezTo>
+                <a:cubicBezTo>
+                  <a:pt x="3647400" y="47618"/>
+                  <a:pt x="3517055" y="5421"/>
+                  <a:pt x="3311434" y="18288"/>
+                </a:cubicBezTo>
+                <a:cubicBezTo>
+                  <a:pt x="3105813" y="31155"/>
+                  <a:pt x="3025168" y="17856"/>
+                  <a:pt x="2749731" y="18288"/>
+                </a:cubicBezTo>
+                <a:cubicBezTo>
+                  <a:pt x="2474294" y="18720"/>
+                  <a:pt x="2291766" y="-14168"/>
+                  <a:pt x="2050869" y="18288"/>
+                </a:cubicBezTo>
+                <a:cubicBezTo>
+                  <a:pt x="1809972" y="50744"/>
+                  <a:pt x="1540276" y="46798"/>
+                  <a:pt x="1306286" y="18288"/>
+                </a:cubicBezTo>
+                <a:cubicBezTo>
+                  <a:pt x="1072296" y="-10222"/>
+                  <a:pt x="972445" y="19645"/>
+                  <a:pt x="790303" y="18288"/>
+                </a:cubicBezTo>
+                <a:cubicBezTo>
+                  <a:pt x="608161" y="16931"/>
+                  <a:pt x="200981" y="8241"/>
+                  <a:pt x="0" y="18288"/>
+                </a:cubicBezTo>
+                <a:cubicBezTo>
+                  <a:pt x="-229" y="14222"/>
+                  <a:pt x="509" y="5816"/>
+                  <a:pt x="0" y="0"/>
+                </a:cubicBezTo>
+                <a:close/>
+              </a:path>
+              <a:path w="4572000" h="18288" stroke="0" extrusionOk="0">
+                <a:moveTo>
+                  <a:pt x="0" y="0"/>
+                </a:moveTo>
+                <a:cubicBezTo>
+                  <a:pt x="143285" y="-9565"/>
+                  <a:pt x="327959" y="-11498"/>
+                  <a:pt x="561703" y="0"/>
+                </a:cubicBezTo>
+                <a:cubicBezTo>
+                  <a:pt x="795447" y="11498"/>
+                  <a:pt x="838260" y="18255"/>
+                  <a:pt x="1077686" y="0"/>
+                </a:cubicBezTo>
+                <a:cubicBezTo>
+                  <a:pt x="1317112" y="-18255"/>
+                  <a:pt x="1437472" y="23514"/>
+                  <a:pt x="1639389" y="0"/>
+                </a:cubicBezTo>
+                <a:cubicBezTo>
+                  <a:pt x="1841306" y="-23514"/>
+                  <a:pt x="2037142" y="-12551"/>
+                  <a:pt x="2292531" y="0"/>
+                </a:cubicBezTo>
+                <a:cubicBezTo>
+                  <a:pt x="2547920" y="12551"/>
+                  <a:pt x="2810436" y="-20352"/>
+                  <a:pt x="2991394" y="0"/>
+                </a:cubicBezTo>
+                <a:cubicBezTo>
+                  <a:pt x="3172352" y="20352"/>
+                  <a:pt x="3530025" y="-13347"/>
+                  <a:pt x="3735977" y="0"/>
+                </a:cubicBezTo>
+                <a:cubicBezTo>
+                  <a:pt x="3941929" y="13347"/>
+                  <a:pt x="4161497" y="34086"/>
+                  <a:pt x="4572000" y="0"/>
+                </a:cubicBezTo>
+                <a:cubicBezTo>
+                  <a:pt x="4571545" y="6162"/>
+                  <a:pt x="4571903" y="11775"/>
+                  <a:pt x="4572000" y="18288"/>
+                </a:cubicBezTo>
+                <a:cubicBezTo>
+                  <a:pt x="4228040" y="36490"/>
+                  <a:pt x="4199736" y="42557"/>
+                  <a:pt x="3873137" y="18288"/>
+                </a:cubicBezTo>
+                <a:cubicBezTo>
+                  <a:pt x="3546538" y="-5981"/>
+                  <a:pt x="3472124" y="16809"/>
+                  <a:pt x="3128554" y="18288"/>
+                </a:cubicBezTo>
+                <a:cubicBezTo>
+                  <a:pt x="2784984" y="19767"/>
+                  <a:pt x="2735896" y="-17781"/>
+                  <a:pt x="2383971" y="18288"/>
+                </a:cubicBezTo>
+                <a:cubicBezTo>
+                  <a:pt x="2032046" y="54357"/>
+                  <a:pt x="2019324" y="2920"/>
+                  <a:pt x="1867989" y="18288"/>
+                </a:cubicBezTo>
+                <a:cubicBezTo>
+                  <a:pt x="1716654" y="33656"/>
+                  <a:pt x="1418675" y="32575"/>
+                  <a:pt x="1169126" y="18288"/>
+                </a:cubicBezTo>
+                <a:cubicBezTo>
+                  <a:pt x="919577" y="4001"/>
+                  <a:pt x="798537" y="16165"/>
+                  <a:pt x="561703" y="18288"/>
+                </a:cubicBezTo>
+                <a:cubicBezTo>
+                  <a:pt x="324869" y="20411"/>
+                  <a:pt x="221395" y="-912"/>
+                  <a:pt x="0" y="18288"/>
+                </a:cubicBezTo>
+                <a:cubicBezTo>
+                  <a:pt x="766" y="10800"/>
+                  <a:pt x="-457" y="8180"/>
+                  <a:pt x="0" y="0"/>
+                </a:cubicBezTo>
+                <a:close/>
+              </a:path>
+            </a:pathLst>
+          </a:custGeom>
+          <a:solidFill>
+            <a:schemeClr val="accent2"/>
+          </a:solidFill>
+          <a:ln w="41275" cap="rnd">
+            <a:solidFill>
+              <a:schemeClr val="accent2"/>
+            </a:solidFill>
+            <a:round/>
+            <a:extLst>
+              <a:ext uri="{C807C97D-BFC1-408E-A445-0C87EB9F89A2}">
+                <ask:lineSketchStyleProps xmlns:ask="http://schemas.microsoft.com/office/drawing/2018/sketchyshapes" sd="2727557108">
+                  <a:prstGeom prst="rect">
+                    <a:avLst/>
+                  </a:prstGeom>
+                  <ask:type>
+                    <ask:lineSketchFreehand/>
+                  </ask:type>
+                </ask:lineSketchStyleProps>
+              </a:ext>
+            </a:extLst>
+          </a:ln>
+        </p:spPr>
+        <p:style>
+          <a:lnRef idx="2">
+            <a:schemeClr val="accent1">
+              <a:shade val="50000"/>
+            </a:schemeClr>
+          </a:lnRef>
+          <a:fillRef idx="1">
+            <a:schemeClr val="accent1"/>
+          </a:fillRef>
+          <a:effectRef idx="0">
+            <a:schemeClr val="accent1"/>
+          </a:effectRef>
+          <a:fontRef idx="minor">
+            <a:schemeClr val="lt1"/>
+          </a:fontRef>
+        </p:style>
+        <p:txBody>
+          <a:bodyPr rtlCol="0" anchor="ctr"/>
+          <a:lstStyle/>
+          <a:p>
+            <a:pPr algn="ctr"/>
+            <a:endParaRPr lang="en-US"/>
+          </a:p>
+        </p:txBody>
+      </p:sp>
+      <p:pic>
+        <p:nvPicPr>
+          <p:cNvPr id="7" name="Picture 6">
+            <a:extLst>
+              <a:ext uri="{FF2B5EF4-FFF2-40B4-BE49-F238E27FC236}">
+                <a16:creationId xmlns:a16="http://schemas.microsoft.com/office/drawing/2014/main" id="{04B44E0E-72B7-AFF3-9FDD-C7E58FC2881E}"/>
+              </a:ext>
+            </a:extLst>
+          </p:cNvPr>
+          <p:cNvPicPr>
+            <a:picLocks noChangeAspect="1"/>
+          </p:cNvPicPr>
+          <p:nvPr/>
+        </p:nvPicPr>
+        <p:blipFill>
+          <a:blip r:embed="rId2"/>
+          <a:stretch>
+            <a:fillRect/>
+          </a:stretch>
+        </p:blipFill>
+        <p:spPr>
+          <a:xfrm>
+            <a:off x="1690326" y="2066258"/>
+            <a:ext cx="8811348" cy="4546965"/>
+          </a:xfrm>
+          <a:prstGeom prst="rect">
+            <a:avLst/>
+          </a:prstGeom>
+        </p:spPr>
+      </p:pic>
+    </p:spTree>
+    <p:extLst>
+      <p:ext uri="{BB962C8B-B14F-4D97-AF65-F5344CB8AC3E}">
+        <p14:creationId xmlns:p14="http://schemas.microsoft.com/office/powerpoint/2010/main" val="1062274709"/>
+      </p:ext>
+    </p:extLst>
+  </p:cSld>
+  <p:clrMapOvr>
+    <a:masterClrMapping/>
+  </p:clrMapOvr>
+</p:sld>
+</file>
+
+<file path=ppt/slides/slide12.xml><?xml version="1.0" encoding="utf-8"?>
+<p:sld xmlns:a="http://schemas.openxmlformats.org/drawingml/2006/main" xmlns:r="http://schemas.openxmlformats.org/officeDocument/2006/relationships" xmlns:p="http://schemas.openxmlformats.org/presentationml/2006/main">
+  <p:cSld>
+    <p:bg>
+      <p:bgPr>
+        <a:solidFill>
+          <a:srgbClr val="2F4F4F"/>
+        </a:solidFill>
+        <a:effectLst/>
+      </p:bgPr>
+    </p:bg>
+    <p:spTree>
+      <p:nvGrpSpPr>
+        <p:cNvPr id="1" name=""/>
+        <p:cNvGrpSpPr/>
+        <p:nvPr/>
+      </p:nvGrpSpPr>
+      <p:grpSpPr>
+        <a:xfrm>
+          <a:off x="0" y="0"/>
+          <a:ext cx="0" cy="0"/>
+          <a:chOff x="0" y="0"/>
+          <a:chExt cx="0" cy="0"/>
+        </a:xfrm>
+      </p:grpSpPr>
+      <p:sp useBgFill="1">
+        <p:nvSpPr>
+          <p:cNvPr id="10" name="Rectangle 9">
+            <a:extLst>
+              <a:ext uri="{FF2B5EF4-FFF2-40B4-BE49-F238E27FC236}">
+                <a16:creationId xmlns:a16="http://schemas.microsoft.com/office/drawing/2014/main" id="{665DBBEF-238B-476B-96AB-8AAC3224ECEA}"/>
+              </a:ext>
+              <a:ext uri="{C183D7F6-B498-43B3-948B-1728B52AA6E4}">
+                <adec:decorative xmlns:adec="http://schemas.microsoft.com/office/drawing/2017/decorative" val="1"/>
+              </a:ext>
+            </a:extLst>
+          </p:cNvPr>
+          <p:cNvSpPr>
+            <a:spLocks noGrp="1" noRot="1" noChangeAspect="1" noMove="1" noResize="1" noEditPoints="1" noAdjustHandles="1" noChangeArrowheads="1" noChangeShapeType="1" noTextEdit="1"/>
+          </p:cNvSpPr>
+          <p:nvPr>
+            <p:extLst>
+              <p:ext uri="{386F3935-93C4-4BCD-93E2-E3B085C9AB24}">
+                <p16:designElem xmlns:p16="http://schemas.microsoft.com/office/powerpoint/2015/main" val="1"/>
+              </p:ext>
+            </p:extLst>
+          </p:nvPr>
+        </p:nvSpPr>
+        <p:spPr>
+          <a:xfrm>
+            <a:off x="0" y="0"/>
+            <a:ext cx="12192000" cy="6858000"/>
+          </a:xfrm>
+          <a:prstGeom prst="rect">
+            <a:avLst/>
+          </a:prstGeom>
+          <a:ln>
+            <a:noFill/>
+          </a:ln>
+        </p:spPr>
+        <p:style>
+          <a:lnRef idx="2">
+            <a:schemeClr val="accent1">
+              <a:shade val="50000"/>
+            </a:schemeClr>
+          </a:lnRef>
+          <a:fillRef idx="1">
+            <a:schemeClr val="accent1"/>
+          </a:fillRef>
+          <a:effectRef idx="0">
+            <a:schemeClr val="accent1"/>
+          </a:effectRef>
+          <a:fontRef idx="minor">
+            <a:schemeClr val="lt1"/>
+          </a:fontRef>
+        </p:style>
+        <p:txBody>
+          <a:bodyPr rtlCol="0" anchor="ctr"/>
+          <a:lstStyle/>
+          <a:p>
+            <a:pPr algn="ctr"/>
+            <a:endParaRPr lang="en-US"/>
+          </a:p>
+        </p:txBody>
+      </p:sp>
+      <p:sp>
+        <p:nvSpPr>
+          <p:cNvPr id="2" name="Title 1">
+            <a:extLst>
+              <a:ext uri="{FF2B5EF4-FFF2-40B4-BE49-F238E27FC236}">
+                <a16:creationId xmlns:a16="http://schemas.microsoft.com/office/drawing/2014/main" id="{264A486E-4001-D74C-4227-9CF359B3022E}"/>
+              </a:ext>
+            </a:extLst>
+          </p:cNvPr>
+          <p:cNvSpPr>
+            <a:spLocks noGrp="1"/>
+          </p:cNvSpPr>
+          <p:nvPr>
+            <p:ph type="title"/>
+          </p:nvPr>
+        </p:nvSpPr>
+        <p:spPr>
+          <a:xfrm>
+            <a:off x="643278" y="978777"/>
+            <a:ext cx="4409368" cy="3109334"/>
+          </a:xfrm>
+        </p:spPr>
+        <p:txBody>
+          <a:bodyPr vert="horz" lIns="91440" tIns="45720" rIns="91440" bIns="45720" rtlCol="0" anchor="b">
+            <a:normAutofit/>
+          </a:bodyPr>
+          <a:lstStyle/>
+          <a:p>
+            <a:r>
+              <a:rPr lang="en-US" sz="6600" b="1" kern="1200" dirty="0">
+                <a:solidFill>
+                  <a:schemeClr val="bg1"/>
+                </a:solidFill>
+                <a:latin typeface="Arial" panose="020B0604020202020204" pitchFamily="34" charset="0"/>
+                <a:cs typeface="Arial" panose="020B0604020202020204" pitchFamily="34" charset="0"/>
+              </a:rPr>
+              <a:t>Example 2</a:t>
+            </a:r>
+          </a:p>
+        </p:txBody>
+      </p:sp>
+      <p:sp>
+        <p:nvSpPr>
+          <p:cNvPr id="12" name="sketch line">
+            <a:extLst>
+              <a:ext uri="{FF2B5EF4-FFF2-40B4-BE49-F238E27FC236}">
+                <a16:creationId xmlns:a16="http://schemas.microsoft.com/office/drawing/2014/main" id="{3FCFB1DE-0B7E-48CC-BA90-B2AB0889F9D6}"/>
+              </a:ext>
+              <a:ext uri="{C183D7F6-B498-43B3-948B-1728B52AA6E4}">
+                <adec:decorative xmlns:adec="http://schemas.microsoft.com/office/drawing/2017/decorative" val="1"/>
+              </a:ext>
+            </a:extLst>
+          </p:cNvPr>
+          <p:cNvSpPr>
+            <a:spLocks noGrp="1" noRot="1" noChangeAspect="1" noMove="1" noResize="1" noEditPoints="1" noAdjustHandles="1" noChangeArrowheads="1" noChangeShapeType="1" noTextEdit="1"/>
+          </p:cNvSpPr>
+          <p:nvPr>
+            <p:extLst>
+              <p:ext uri="{386F3935-93C4-4BCD-93E2-E3B085C9AB24}">
+                <p16:designElem xmlns:p16="http://schemas.microsoft.com/office/powerpoint/2015/main" val="1"/>
+              </p:ext>
+            </p:extLst>
+          </p:nvPr>
+        </p:nvSpPr>
+        <p:spPr>
+          <a:xfrm>
+            <a:off x="643278" y="4409267"/>
+            <a:ext cx="3255095" cy="18288"/>
+          </a:xfrm>
+          <a:custGeom>
+            <a:avLst/>
+            <a:gdLst>
+              <a:gd name="connsiteX0" fmla="*/ 0 w 3255095"/>
+              <a:gd name="connsiteY0" fmla="*/ 0 h 18288"/>
+              <a:gd name="connsiteX1" fmla="*/ 618468 w 3255095"/>
+              <a:gd name="connsiteY1" fmla="*/ 0 h 18288"/>
+              <a:gd name="connsiteX2" fmla="*/ 1269487 w 3255095"/>
+              <a:gd name="connsiteY2" fmla="*/ 0 h 18288"/>
+              <a:gd name="connsiteX3" fmla="*/ 1953057 w 3255095"/>
+              <a:gd name="connsiteY3" fmla="*/ 0 h 18288"/>
+              <a:gd name="connsiteX4" fmla="*/ 2636627 w 3255095"/>
+              <a:gd name="connsiteY4" fmla="*/ 0 h 18288"/>
+              <a:gd name="connsiteX5" fmla="*/ 3255095 w 3255095"/>
+              <a:gd name="connsiteY5" fmla="*/ 0 h 18288"/>
+              <a:gd name="connsiteX6" fmla="*/ 3255095 w 3255095"/>
+              <a:gd name="connsiteY6" fmla="*/ 18288 h 18288"/>
+              <a:gd name="connsiteX7" fmla="*/ 2538974 w 3255095"/>
+              <a:gd name="connsiteY7" fmla="*/ 18288 h 18288"/>
+              <a:gd name="connsiteX8" fmla="*/ 1822853 w 3255095"/>
+              <a:gd name="connsiteY8" fmla="*/ 18288 h 18288"/>
+              <a:gd name="connsiteX9" fmla="*/ 1171834 w 3255095"/>
+              <a:gd name="connsiteY9" fmla="*/ 18288 h 18288"/>
+              <a:gd name="connsiteX10" fmla="*/ 0 w 3255095"/>
+              <a:gd name="connsiteY10" fmla="*/ 18288 h 18288"/>
+              <a:gd name="connsiteX11" fmla="*/ 0 w 3255095"/>
+              <a:gd name="connsiteY11" fmla="*/ 0 h 18288"/>
+            </a:gdLst>
+            <a:ahLst/>
+            <a:cxnLst>
+              <a:cxn ang="0">
+                <a:pos x="connsiteX0" y="connsiteY0"/>
+              </a:cxn>
+              <a:cxn ang="0">
+                <a:pos x="connsiteX1" y="connsiteY1"/>
+              </a:cxn>
+              <a:cxn ang="0">
+                <a:pos x="connsiteX2" y="connsiteY2"/>
+              </a:cxn>
+              <a:cxn ang="0">
+                <a:pos x="connsiteX3" y="connsiteY3"/>
+              </a:cxn>
+              <a:cxn ang="0">
+                <a:pos x="connsiteX4" y="connsiteY4"/>
+              </a:cxn>
+              <a:cxn ang="0">
+                <a:pos x="connsiteX5" y="connsiteY5"/>
+              </a:cxn>
+              <a:cxn ang="0">
+                <a:pos x="connsiteX6" y="connsiteY6"/>
+              </a:cxn>
+              <a:cxn ang="0">
+                <a:pos x="connsiteX7" y="connsiteY7"/>
+              </a:cxn>
+              <a:cxn ang="0">
+                <a:pos x="connsiteX8" y="connsiteY8"/>
+              </a:cxn>
+              <a:cxn ang="0">
+                <a:pos x="connsiteX9" y="connsiteY9"/>
+              </a:cxn>
+              <a:cxn ang="0">
+                <a:pos x="connsiteX10" y="connsiteY10"/>
+              </a:cxn>
+              <a:cxn ang="0">
+                <a:pos x="connsiteX11" y="connsiteY11"/>
+              </a:cxn>
+            </a:cxnLst>
+            <a:rect l="l" t="t" r="r" b="b"/>
+            <a:pathLst>
+              <a:path w="3255095" h="18288" fill="none" extrusionOk="0">
+                <a:moveTo>
+                  <a:pt x="0" y="0"/>
+                </a:moveTo>
+                <a:cubicBezTo>
+                  <a:pt x="240201" y="-22123"/>
+                  <a:pt x="462021" y="-19623"/>
+                  <a:pt x="618468" y="0"/>
+                </a:cubicBezTo>
+                <a:cubicBezTo>
+                  <a:pt x="774915" y="19623"/>
+                  <a:pt x="974734" y="2035"/>
+                  <a:pt x="1269487" y="0"/>
+                </a:cubicBezTo>
+                <a:cubicBezTo>
+                  <a:pt x="1564240" y="-2035"/>
+                  <a:pt x="1733579" y="10639"/>
+                  <a:pt x="1953057" y="0"/>
+                </a:cubicBezTo>
+                <a:cubicBezTo>
+                  <a:pt x="2172535" y="-10639"/>
+                  <a:pt x="2453962" y="14018"/>
+                  <a:pt x="2636627" y="0"/>
+                </a:cubicBezTo>
+                <a:cubicBezTo>
+                  <a:pt x="2819292" y="-14018"/>
+                  <a:pt x="3121375" y="5399"/>
+                  <a:pt x="3255095" y="0"/>
+                </a:cubicBezTo>
+                <a:cubicBezTo>
+                  <a:pt x="3254386" y="8157"/>
+                  <a:pt x="3254682" y="12125"/>
+                  <a:pt x="3255095" y="18288"/>
+                </a:cubicBezTo>
+                <a:cubicBezTo>
+                  <a:pt x="3088545" y="23203"/>
+                  <a:pt x="2687475" y="7419"/>
+                  <a:pt x="2538974" y="18288"/>
+                </a:cubicBezTo>
+                <a:cubicBezTo>
+                  <a:pt x="2390473" y="29157"/>
+                  <a:pt x="2137381" y="-8959"/>
+                  <a:pt x="1822853" y="18288"/>
+                </a:cubicBezTo>
+                <a:cubicBezTo>
+                  <a:pt x="1508325" y="45535"/>
+                  <a:pt x="1466437" y="20385"/>
+                  <a:pt x="1171834" y="18288"/>
+                </a:cubicBezTo>
+                <a:cubicBezTo>
+                  <a:pt x="877231" y="16191"/>
+                  <a:pt x="561097" y="37643"/>
+                  <a:pt x="0" y="18288"/>
+                </a:cubicBezTo>
+                <a:cubicBezTo>
+                  <a:pt x="-46" y="12483"/>
+                  <a:pt x="-203" y="6491"/>
+                  <a:pt x="0" y="0"/>
+                </a:cubicBezTo>
+                <a:close/>
+              </a:path>
+              <a:path w="3255095" h="18288" stroke="0" extrusionOk="0">
+                <a:moveTo>
+                  <a:pt x="0" y="0"/>
+                </a:moveTo>
+                <a:cubicBezTo>
+                  <a:pt x="291965" y="19429"/>
+                  <a:pt x="363155" y="8568"/>
+                  <a:pt x="618468" y="0"/>
+                </a:cubicBezTo>
+                <a:cubicBezTo>
+                  <a:pt x="873781" y="-8568"/>
+                  <a:pt x="904459" y="-19505"/>
+                  <a:pt x="1171834" y="0"/>
+                </a:cubicBezTo>
+                <a:cubicBezTo>
+                  <a:pt x="1439209" y="19505"/>
+                  <a:pt x="1744369" y="9790"/>
+                  <a:pt x="1887955" y="0"/>
+                </a:cubicBezTo>
+                <a:cubicBezTo>
+                  <a:pt x="2031541" y="-9790"/>
+                  <a:pt x="2346378" y="21240"/>
+                  <a:pt x="2506423" y="0"/>
+                </a:cubicBezTo>
+                <a:cubicBezTo>
+                  <a:pt x="2666468" y="-21240"/>
+                  <a:pt x="2990257" y="30414"/>
+                  <a:pt x="3255095" y="0"/>
+                </a:cubicBezTo>
+                <a:cubicBezTo>
+                  <a:pt x="3254831" y="4493"/>
+                  <a:pt x="3255479" y="9472"/>
+                  <a:pt x="3255095" y="18288"/>
+                </a:cubicBezTo>
+                <a:cubicBezTo>
+                  <a:pt x="3120743" y="16690"/>
+                  <a:pt x="2759628" y="42462"/>
+                  <a:pt x="2604076" y="18288"/>
+                </a:cubicBezTo>
+                <a:cubicBezTo>
+                  <a:pt x="2448524" y="-5886"/>
+                  <a:pt x="2184336" y="19599"/>
+                  <a:pt x="1887955" y="18288"/>
+                </a:cubicBezTo>
+                <a:cubicBezTo>
+                  <a:pt x="1591574" y="16977"/>
+                  <a:pt x="1548845" y="6870"/>
+                  <a:pt x="1334589" y="18288"/>
+                </a:cubicBezTo>
+                <a:cubicBezTo>
+                  <a:pt x="1120333" y="29706"/>
+                  <a:pt x="996014" y="9662"/>
+                  <a:pt x="683570" y="18288"/>
+                </a:cubicBezTo>
+                <a:cubicBezTo>
+                  <a:pt x="371126" y="26914"/>
+                  <a:pt x="198687" y="16167"/>
+                  <a:pt x="0" y="18288"/>
+                </a:cubicBezTo>
+                <a:cubicBezTo>
+                  <a:pt x="843" y="9577"/>
+                  <a:pt x="371" y="6900"/>
+                  <a:pt x="0" y="0"/>
+                </a:cubicBezTo>
+                <a:close/>
+              </a:path>
+            </a:pathLst>
+          </a:custGeom>
+          <a:solidFill>
+            <a:schemeClr val="accent2"/>
+          </a:solidFill>
+          <a:ln w="38100" cap="rnd">
+            <a:solidFill>
+              <a:schemeClr val="accent2"/>
+            </a:solidFill>
+            <a:round/>
+            <a:extLst>
+              <a:ext uri="{C807C97D-BFC1-408E-A445-0C87EB9F89A2}">
+                <ask:lineSketchStyleProps xmlns:ask="http://schemas.microsoft.com/office/drawing/2018/sketchyshapes" sd="1219033472">
+                  <a:prstGeom prst="rect">
+                    <a:avLst/>
+                  </a:prstGeom>
+                  <ask:type>
+                    <ask:lineSketchFreehand/>
+                  </ask:type>
+                </ask:lineSketchStyleProps>
+              </a:ext>
+            </a:extLst>
+          </a:ln>
+        </p:spPr>
+        <p:style>
+          <a:lnRef idx="2">
+            <a:schemeClr val="accent1">
+              <a:shade val="50000"/>
+            </a:schemeClr>
+          </a:lnRef>
+          <a:fillRef idx="1">
+            <a:schemeClr val="accent1"/>
+          </a:fillRef>
+          <a:effectRef idx="0">
+            <a:schemeClr val="accent1"/>
+          </a:effectRef>
+          <a:fontRef idx="minor">
+            <a:schemeClr val="lt1"/>
+          </a:fontRef>
+        </p:style>
+        <p:txBody>
+          <a:bodyPr rtlCol="0" anchor="ctr"/>
+          <a:lstStyle/>
+          <a:p>
+            <a:pPr algn="ctr"/>
+            <a:endParaRPr lang="en-US"/>
+          </a:p>
+        </p:txBody>
+      </p:sp>
+      <p:pic>
+        <p:nvPicPr>
+          <p:cNvPr id="4" name="Picture 3">
+            <a:extLst>
+              <a:ext uri="{FF2B5EF4-FFF2-40B4-BE49-F238E27FC236}">
+                <a16:creationId xmlns:a16="http://schemas.microsoft.com/office/drawing/2014/main" id="{2B2D7023-A011-E1EF-3178-15CA32DBEBF5}"/>
+              </a:ext>
+            </a:extLst>
+          </p:cNvPr>
+          <p:cNvPicPr>
+            <a:picLocks noChangeAspect="1"/>
+          </p:cNvPicPr>
+          <p:nvPr/>
+        </p:nvPicPr>
+        <p:blipFill rotWithShape="1">
+          <a:blip r:embed="rId2"/>
+          <a:srcRect b="1635"/>
+          <a:stretch/>
+        </p:blipFill>
+        <p:spPr>
+          <a:xfrm>
+            <a:off x="5651077" y="1331587"/>
+            <a:ext cx="5285103" cy="4194825"/>
+          </a:xfrm>
+          <a:prstGeom prst="rect">
+            <a:avLst/>
+          </a:prstGeom>
+        </p:spPr>
+      </p:pic>
+    </p:spTree>
+    <p:extLst>
+      <p:ext uri="{BB962C8B-B14F-4D97-AF65-F5344CB8AC3E}">
+        <p14:creationId xmlns:p14="http://schemas.microsoft.com/office/powerpoint/2010/main" val="1520461838"/>
+      </p:ext>
+    </p:extLst>
+  </p:cSld>
+  <p:clrMapOvr>
+    <a:masterClrMapping/>
+  </p:clrMapOvr>
+</p:sld>
+</file>
+
+<file path=ppt/slides/slide13.xml><?xml version="1.0" encoding="utf-8"?>
+<p:sld xmlns:a="http://schemas.openxmlformats.org/drawingml/2006/main" xmlns:r="http://schemas.openxmlformats.org/officeDocument/2006/relationships" xmlns:p="http://schemas.openxmlformats.org/presentationml/2006/main">
+  <p:cSld>
+    <p:bg>
+      <p:bgPr>
+        <a:solidFill>
+          <a:srgbClr val="2F4F4F"/>
+        </a:solidFill>
+        <a:effectLst/>
+      </p:bgPr>
+    </p:bg>
+    <p:spTree>
+      <p:nvGrpSpPr>
+        <p:cNvPr id="1" name=""/>
+        <p:cNvGrpSpPr/>
+        <p:nvPr/>
+      </p:nvGrpSpPr>
+      <p:grpSpPr>
+        <a:xfrm>
+          <a:off x="0" y="0"/>
+          <a:ext cx="0" cy="0"/>
+          <a:chOff x="0" y="0"/>
+          <a:chExt cx="0" cy="0"/>
+        </a:xfrm>
+      </p:grpSpPr>
+      <p:sp useBgFill="1">
+        <p:nvSpPr>
+          <p:cNvPr id="10" name="Rectangle 9">
+            <a:extLst>
+              <a:ext uri="{FF2B5EF4-FFF2-40B4-BE49-F238E27FC236}">
+                <a16:creationId xmlns:a16="http://schemas.microsoft.com/office/drawing/2014/main" id="{4AC6B390-BC59-4F1D-A0EE-D71A92F0A0B2}"/>
+              </a:ext>
+              <a:ext uri="{C183D7F6-B498-43B3-948B-1728B52AA6E4}">
+                <adec:decorative xmlns:adec="http://schemas.microsoft.com/office/drawing/2017/decorative" val="1"/>
+              </a:ext>
+            </a:extLst>
+          </p:cNvPr>
+          <p:cNvSpPr>
+            <a:spLocks noGrp="1" noRot="1" noChangeAspect="1" noMove="1" noResize="1" noEditPoints="1" noAdjustHandles="1" noChangeArrowheads="1" noChangeShapeType="1" noTextEdit="1"/>
+          </p:cNvSpPr>
+          <p:nvPr>
+            <p:extLst>
+              <p:ext uri="{386F3935-93C4-4BCD-93E2-E3B085C9AB24}">
+                <p16:designElem xmlns:p16="http://schemas.microsoft.com/office/powerpoint/2015/main" val="1"/>
+              </p:ext>
+            </p:extLst>
+          </p:nvPr>
+        </p:nvSpPr>
+        <p:spPr bwMode="white">
+          <a:xfrm>
+            <a:off x="0" y="0"/>
+            <a:ext cx="12192000" cy="6858000"/>
+          </a:xfrm>
+          <a:prstGeom prst="rect">
+            <a:avLst/>
+          </a:prstGeom>
+          <a:ln>
+            <a:noFill/>
+          </a:ln>
+        </p:spPr>
+        <p:style>
+          <a:lnRef idx="2">
+            <a:schemeClr val="accent1">
+              <a:shade val="50000"/>
+            </a:schemeClr>
+          </a:lnRef>
+          <a:fillRef idx="1">
+            <a:schemeClr val="accent1"/>
+          </a:fillRef>
+          <a:effectRef idx="0">
+            <a:schemeClr val="accent1"/>
+          </a:effectRef>
+          <a:fontRef idx="minor">
+            <a:schemeClr val="lt1"/>
+          </a:fontRef>
+        </p:style>
+        <p:txBody>
+          <a:bodyPr rtlCol="0" anchor="ctr"/>
+          <a:lstStyle>
+            <a:defPPr>
+              <a:defRPr lang="en-US"/>
+            </a:defPPr>
+            <a:lvl1pPr marL="0" algn="l" defTabSz="914400" rtl="0" eaLnBrk="1" latinLnBrk="0" hangingPunct="1">
+              <a:defRPr sz="1800" kern="1200">
+                <a:solidFill>
+                  <a:schemeClr val="lt1"/>
+                </a:solidFill>
+                <a:latin typeface="+mn-lt"/>
+                <a:ea typeface="+mn-ea"/>
+                <a:cs typeface="+mn-cs"/>
+              </a:defRPr>
+            </a:lvl1pPr>
+            <a:lvl2pPr marL="457200" algn="l" defTabSz="914400" rtl="0" eaLnBrk="1" latinLnBrk="0" hangingPunct="1">
+              <a:defRPr sz="1800" kern="1200">
+                <a:solidFill>
+                  <a:schemeClr val="lt1"/>
+                </a:solidFill>
+                <a:latin typeface="+mn-lt"/>
+                <a:ea typeface="+mn-ea"/>
+                <a:cs typeface="+mn-cs"/>
+              </a:defRPr>
+            </a:lvl2pPr>
+            <a:lvl3pPr marL="914400" algn="l" defTabSz="914400" rtl="0" eaLnBrk="1" latinLnBrk="0" hangingPunct="1">
+              <a:defRPr sz="1800" kern="1200">
+                <a:solidFill>
+                  <a:schemeClr val="lt1"/>
+                </a:solidFill>
+                <a:latin typeface="+mn-lt"/>
+                <a:ea typeface="+mn-ea"/>
+                <a:cs typeface="+mn-cs"/>
+              </a:defRPr>
+            </a:lvl3pPr>
+            <a:lvl4pPr marL="1371600" algn="l" defTabSz="914400" rtl="0" eaLnBrk="1" latinLnBrk="0" hangingPunct="1">
+              <a:defRPr sz="1800" kern="1200">
+                <a:solidFill>
+                  <a:schemeClr val="lt1"/>
+                </a:solidFill>
+                <a:latin typeface="+mn-lt"/>
+                <a:ea typeface="+mn-ea"/>
+                <a:cs typeface="+mn-cs"/>
+              </a:defRPr>
+            </a:lvl4pPr>
+            <a:lvl5pPr marL="1828800" algn="l" defTabSz="914400" rtl="0" eaLnBrk="1" latinLnBrk="0" hangingPunct="1">
+              <a:defRPr sz="1800" kern="1200">
+                <a:solidFill>
+                  <a:schemeClr val="lt1"/>
+                </a:solidFill>
+                <a:latin typeface="+mn-lt"/>
+                <a:ea typeface="+mn-ea"/>
+                <a:cs typeface="+mn-cs"/>
+              </a:defRPr>
+            </a:lvl5pPr>
+            <a:lvl6pPr marL="2286000" algn="l" defTabSz="914400" rtl="0" eaLnBrk="1" latinLnBrk="0" hangingPunct="1">
+              <a:defRPr sz="1800" kern="1200">
+                <a:solidFill>
+                  <a:schemeClr val="lt1"/>
+                </a:solidFill>
+                <a:latin typeface="+mn-lt"/>
+                <a:ea typeface="+mn-ea"/>
+                <a:cs typeface="+mn-cs"/>
+              </a:defRPr>
+            </a:lvl6pPr>
+            <a:lvl7pPr marL="2743200" algn="l" defTabSz="914400" rtl="0" eaLnBrk="1" latinLnBrk="0" hangingPunct="1">
+              <a:defRPr sz="1800" kern="1200">
+                <a:solidFill>
+                  <a:schemeClr val="lt1"/>
+                </a:solidFill>
+                <a:latin typeface="+mn-lt"/>
+                <a:ea typeface="+mn-ea"/>
+                <a:cs typeface="+mn-cs"/>
+              </a:defRPr>
+            </a:lvl7pPr>
+            <a:lvl8pPr marL="3200400" algn="l" defTabSz="914400" rtl="0" eaLnBrk="1" latinLnBrk="0" hangingPunct="1">
+              <a:defRPr sz="1800" kern="1200">
+                <a:solidFill>
+                  <a:schemeClr val="lt1"/>
+                </a:solidFill>
+                <a:latin typeface="+mn-lt"/>
+                <a:ea typeface="+mn-ea"/>
+                <a:cs typeface="+mn-cs"/>
+              </a:defRPr>
+            </a:lvl8pPr>
+            <a:lvl9pPr marL="3657600" algn="l" defTabSz="914400" rtl="0" eaLnBrk="1" latinLnBrk="0" hangingPunct="1">
+              <a:defRPr sz="1800" kern="1200">
+                <a:solidFill>
+                  <a:schemeClr val="lt1"/>
+                </a:solidFill>
+                <a:latin typeface="+mn-lt"/>
+                <a:ea typeface="+mn-ea"/>
+                <a:cs typeface="+mn-cs"/>
+              </a:defRPr>
+            </a:lvl9pPr>
+          </a:lstStyle>
+          <a:p>
+            <a:pPr algn="ctr"/>
+            <a:endParaRPr lang="en-US"/>
+          </a:p>
+        </p:txBody>
+      </p:sp>
+      <p:sp>
+        <p:nvSpPr>
+          <p:cNvPr id="12" name="Freeform: Shape 11">
+            <a:extLst>
+              <a:ext uri="{FF2B5EF4-FFF2-40B4-BE49-F238E27FC236}">
+                <a16:creationId xmlns:a16="http://schemas.microsoft.com/office/drawing/2014/main" id="{B6C60D79-16F1-4C4B-B7E3-7634E7069CDE}"/>
+              </a:ext>
+              <a:ext uri="{C183D7F6-B498-43B3-948B-1728B52AA6E4}">
+                <adec:decorative xmlns:adec="http://schemas.microsoft.com/office/drawing/2017/decorative" val="1"/>
+              </a:ext>
+            </a:extLst>
+          </p:cNvPr>
+          <p:cNvSpPr>
+            <a:spLocks noGrp="1" noRot="1" noChangeAspect="1" noMove="1" noResize="1" noEditPoints="1" noAdjustHandles="1" noChangeArrowheads="1" noChangeShapeType="1" noTextEdit="1"/>
+          </p:cNvSpPr>
+          <p:nvPr>
+            <p:extLst>
+              <p:ext uri="{386F3935-93C4-4BCD-93E2-E3B085C9AB24}">
+                <p16:designElem xmlns:p16="http://schemas.microsoft.com/office/powerpoint/2015/main" val="1"/>
+              </p:ext>
+            </p:extLst>
+          </p:nvPr>
+        </p:nvSpPr>
+        <p:spPr>
+          <a:xfrm>
+            <a:off x="9519137" y="5486400"/>
+            <a:ext cx="2672863" cy="1371600"/>
+          </a:xfrm>
+          <a:custGeom>
+            <a:avLst/>
+            <a:gdLst>
+              <a:gd name="connsiteX0" fmla="*/ 1721734 w 2672863"/>
+              <a:gd name="connsiteY0" fmla="*/ 0 h 1371600"/>
+              <a:gd name="connsiteX1" fmla="*/ 2564444 w 2672863"/>
+              <a:gd name="connsiteY1" fmla="*/ 213382 h 1371600"/>
+              <a:gd name="connsiteX2" fmla="*/ 2672863 w 2672863"/>
+              <a:gd name="connsiteY2" fmla="*/ 279248 h 1371600"/>
+              <a:gd name="connsiteX3" fmla="*/ 2672863 w 2672863"/>
+              <a:gd name="connsiteY3" fmla="*/ 1371600 h 1371600"/>
+              <a:gd name="connsiteX4" fmla="*/ 0 w 2672863"/>
+              <a:gd name="connsiteY4" fmla="*/ 1371600 h 1371600"/>
+              <a:gd name="connsiteX5" fmla="*/ 33268 w 2672863"/>
+              <a:gd name="connsiteY5" fmla="*/ 1242216 h 1371600"/>
+              <a:gd name="connsiteX6" fmla="*/ 1721734 w 2672863"/>
+              <a:gd name="connsiteY6" fmla="*/ 0 h 1371600"/>
+            </a:gdLst>
+            <a:ahLst/>
+            <a:cxnLst>
+              <a:cxn ang="0">
+                <a:pos x="connsiteX0" y="connsiteY0"/>
+              </a:cxn>
+              <a:cxn ang="0">
+                <a:pos x="connsiteX1" y="connsiteY1"/>
+              </a:cxn>
+              <a:cxn ang="0">
+                <a:pos x="connsiteX2" y="connsiteY2"/>
+              </a:cxn>
+              <a:cxn ang="0">
+                <a:pos x="connsiteX3" y="connsiteY3"/>
+              </a:cxn>
+              <a:cxn ang="0">
+                <a:pos x="connsiteX4" y="connsiteY4"/>
+              </a:cxn>
+              <a:cxn ang="0">
+                <a:pos x="connsiteX5" y="connsiteY5"/>
+              </a:cxn>
+              <a:cxn ang="0">
+                <a:pos x="connsiteX6" y="connsiteY6"/>
+              </a:cxn>
+            </a:cxnLst>
+            <a:rect l="l" t="t" r="r" b="b"/>
+            <a:pathLst>
+              <a:path w="2672863" h="1371600">
+                <a:moveTo>
+                  <a:pt x="1721734" y="0"/>
+                </a:moveTo>
+                <a:cubicBezTo>
+                  <a:pt x="2026863" y="0"/>
+                  <a:pt x="2313937" y="77299"/>
+                  <a:pt x="2564444" y="213382"/>
+                </a:cubicBezTo>
+                <a:lnTo>
+                  <a:pt x="2672863" y="279248"/>
+                </a:lnTo>
+                <a:lnTo>
+                  <a:pt x="2672863" y="1371600"/>
+                </a:lnTo>
+                <a:lnTo>
+                  <a:pt x="0" y="1371600"/>
+                </a:lnTo>
+                <a:lnTo>
+                  <a:pt x="33268" y="1242216"/>
+                </a:lnTo>
+                <a:cubicBezTo>
+                  <a:pt x="257110" y="522539"/>
+                  <a:pt x="928399" y="0"/>
+                  <a:pt x="1721734" y="0"/>
+                </a:cubicBezTo>
+                <a:close/>
+              </a:path>
+            </a:pathLst>
+          </a:custGeom>
+          <a:solidFill>
+            <a:schemeClr val="accent4"/>
+          </a:solidFill>
+          <a:ln>
+            <a:noFill/>
+          </a:ln>
+        </p:spPr>
+        <p:style>
+          <a:lnRef idx="2">
+            <a:schemeClr val="accent1">
+              <a:shade val="50000"/>
+            </a:schemeClr>
+          </a:lnRef>
+          <a:fillRef idx="1">
+            <a:schemeClr val="accent1"/>
+          </a:fillRef>
+          <a:effectRef idx="0">
+            <a:schemeClr val="accent1"/>
+          </a:effectRef>
+          <a:fontRef idx="minor">
+            <a:schemeClr val="lt1"/>
+          </a:fontRef>
+        </p:style>
+        <p:txBody>
+          <a:bodyPr wrap="square" rtlCol="0" anchor="ctr">
+            <a:noAutofit/>
+          </a:bodyPr>
+          <a:lstStyle/>
+          <a:p>
+            <a:pPr algn="ctr"/>
+            <a:endParaRPr lang="en-US"/>
+          </a:p>
+        </p:txBody>
+      </p:sp>
+      <p:pic>
+        <p:nvPicPr>
+          <p:cNvPr id="5" name="Picture 4">
+            <a:extLst>
+              <a:ext uri="{FF2B5EF4-FFF2-40B4-BE49-F238E27FC236}">
+                <a16:creationId xmlns:a16="http://schemas.microsoft.com/office/drawing/2014/main" id="{70C6EABD-8B3A-F66F-5487-988D27EE1FE1}"/>
+              </a:ext>
+            </a:extLst>
+          </p:cNvPr>
+          <p:cNvPicPr>
+            <a:picLocks noChangeAspect="1"/>
+          </p:cNvPicPr>
+          <p:nvPr/>
+        </p:nvPicPr>
+        <p:blipFill>
+          <a:blip r:embed="rId2"/>
+          <a:stretch>
+            <a:fillRect/>
+          </a:stretch>
+        </p:blipFill>
+        <p:spPr>
+          <a:xfrm>
+            <a:off x="5435938" y="958282"/>
+            <a:ext cx="6536041" cy="5359553"/>
+          </a:xfrm>
+          <a:custGeom>
+            <a:avLst/>
+            <a:gdLst/>
+            <a:ahLst/>
+            <a:cxnLst/>
+            <a:rect l="l" t="t" r="r" b="b"/>
+            <a:pathLst>
+              <a:path w="4777381" h="5643794">
+                <a:moveTo>
+                  <a:pt x="143704" y="0"/>
+                </a:moveTo>
+                <a:lnTo>
+                  <a:pt x="4633677" y="0"/>
+                </a:lnTo>
+                <a:cubicBezTo>
+                  <a:pt x="4713043" y="0"/>
+                  <a:pt x="4777381" y="64338"/>
+                  <a:pt x="4777381" y="143704"/>
+                </a:cubicBezTo>
+                <a:lnTo>
+                  <a:pt x="4777381" y="5500090"/>
+                </a:lnTo>
+                <a:cubicBezTo>
+                  <a:pt x="4777381" y="5579456"/>
+                  <a:pt x="4713043" y="5643794"/>
+                  <a:pt x="4633677" y="5643794"/>
+                </a:cubicBezTo>
+                <a:lnTo>
+                  <a:pt x="143704" y="5643794"/>
+                </a:lnTo>
+                <a:cubicBezTo>
+                  <a:pt x="64338" y="5643794"/>
+                  <a:pt x="0" y="5579456"/>
+                  <a:pt x="0" y="5500090"/>
+                </a:cubicBezTo>
+                <a:lnTo>
+                  <a:pt x="0" y="143704"/>
+                </a:lnTo>
+                <a:cubicBezTo>
+                  <a:pt x="0" y="64338"/>
+                  <a:pt x="64338" y="0"/>
+                  <a:pt x="143704" y="0"/>
+                </a:cubicBezTo>
+                <a:close/>
+              </a:path>
+            </a:pathLst>
+          </a:custGeom>
+        </p:spPr>
+      </p:pic>
+      <p:sp>
+        <p:nvSpPr>
+          <p:cNvPr id="14" name="Arc 13">
+            <a:extLst>
+              <a:ext uri="{FF2B5EF4-FFF2-40B4-BE49-F238E27FC236}">
+                <a16:creationId xmlns:a16="http://schemas.microsoft.com/office/drawing/2014/main" id="{426B127E-6498-4C77-9C9D-4553A5113B80}"/>
+              </a:ext>
+              <a:ext uri="{C183D7F6-B498-43B3-948B-1728B52AA6E4}">
+                <adec:decorative xmlns:adec="http://schemas.microsoft.com/office/drawing/2017/decorative" val="1"/>
+              </a:ext>
+            </a:extLst>
+          </p:cNvPr>
+          <p:cNvSpPr>
+            <a:spLocks noGrp="1" noRot="1" noChangeAspect="1" noMove="1" noResize="1" noEditPoints="1" noAdjustHandles="1" noChangeArrowheads="1" noChangeShapeType="1" noTextEdit="1"/>
+          </p:cNvSpPr>
+          <p:nvPr>
+            <p:extLst>
+              <p:ext uri="{386F3935-93C4-4BCD-93E2-E3B085C9AB24}">
+                <p16:designElem xmlns:p16="http://schemas.microsoft.com/office/powerpoint/2015/main" val="1"/>
+              </p:ext>
+            </p:extLst>
+          </p:nvPr>
+        </p:nvSpPr>
+        <p:spPr>
+          <a:xfrm>
+            <a:off x="4602050" y="650160"/>
+            <a:ext cx="2987899" cy="2987899"/>
+          </a:xfrm>
+          <a:prstGeom prst="arc">
+            <a:avLst>
+              <a:gd name="adj1" fmla="val 14441841"/>
+              <a:gd name="adj2" fmla="val 0"/>
+            </a:avLst>
+          </a:prstGeom>
+          <a:ln w="127000" cap="rnd">
+            <a:solidFill>
+              <a:schemeClr val="accent4"/>
+            </a:solidFill>
+            <a:prstDash val="dash"/>
+            <a:miter lim="800000"/>
+          </a:ln>
+        </p:spPr>
+        <p:style>
+          <a:lnRef idx="1">
+            <a:schemeClr val="accent1"/>
+          </a:lnRef>
+          <a:fillRef idx="0">
+            <a:schemeClr val="accent1"/>
+          </a:fillRef>
+          <a:effectRef idx="0">
+            <a:schemeClr val="accent1"/>
+          </a:effectRef>
+          <a:fontRef idx="minor">
+            <a:schemeClr val="tx1"/>
+          </a:fontRef>
+        </p:style>
+        <p:txBody>
+          <a:bodyPr rtlCol="0" anchor="ctr"/>
+          <a:lstStyle/>
+          <a:p>
+            <a:pPr marL="0" marR="0" lvl="0" indent="0" algn="ctr" defTabSz="914400" rtl="0" eaLnBrk="1" fontAlgn="auto" latinLnBrk="0" hangingPunct="1">
+              <a:lnSpc>
+                <a:spcPct val="100000"/>
+              </a:lnSpc>
+              <a:spcBef>
+                <a:spcPts val="0"/>
+              </a:spcBef>
+              <a:spcAft>
+                <a:spcPts val="0"/>
+              </a:spcAft>
+              <a:buClrTx/>
+              <a:buSzTx/>
+              <a:buFontTx/>
+              <a:buNone/>
+              <a:tabLst/>
+              <a:defRPr/>
+            </a:pPr>
+            <a:endParaRPr kumimoji="0" lang="en-US" sz="1800" b="0" i="0" u="none" strike="noStrike" kern="1200" cap="none" spc="0" normalizeH="0" baseline="0" noProof="0">
+              <a:ln>
+                <a:noFill/>
+              </a:ln>
+              <a:solidFill>
+                <a:srgbClr val="000000"/>
+              </a:solidFill>
+              <a:effectLst/>
+              <a:uLnTx/>
+              <a:uFillTx/>
+              <a:latin typeface="Calibri" panose="020F0502020204030204"/>
+              <a:ea typeface="+mn-ea"/>
+              <a:cs typeface="+mn-cs"/>
+            </a:endParaRPr>
+          </a:p>
+        </p:txBody>
+      </p:sp>
+      <p:sp>
+        <p:nvSpPr>
+          <p:cNvPr id="2" name="Title 1">
+            <a:extLst>
+              <a:ext uri="{FF2B5EF4-FFF2-40B4-BE49-F238E27FC236}">
+                <a16:creationId xmlns:a16="http://schemas.microsoft.com/office/drawing/2014/main" id="{F9D488DF-F022-A191-58E7-16CCD50F9BB6}"/>
+              </a:ext>
+            </a:extLst>
+          </p:cNvPr>
+          <p:cNvSpPr>
+            <a:spLocks noGrp="1"/>
+          </p:cNvSpPr>
+          <p:nvPr>
+            <p:ph type="title"/>
+          </p:nvPr>
+        </p:nvSpPr>
+        <p:spPr>
+          <a:xfrm>
+            <a:off x="838201" y="479493"/>
+            <a:ext cx="5257800" cy="1325563"/>
+          </a:xfrm>
+        </p:spPr>
+        <p:txBody>
+          <a:bodyPr>
+            <a:normAutofit/>
+          </a:bodyPr>
+          <a:lstStyle/>
+          <a:p>
+            <a:r>
+              <a:rPr lang="en-US" b="1" dirty="0">
+                <a:solidFill>
+                  <a:schemeClr val="bg1"/>
+                </a:solidFill>
+                <a:latin typeface="Arial" panose="020B0604020202020204" pitchFamily="34" charset="0"/>
+                <a:ea typeface="Cambria" panose="02040503050406030204" pitchFamily="18" charset="0"/>
+                <a:cs typeface="Arial" panose="020B0604020202020204" pitchFamily="34" charset="0"/>
+              </a:rPr>
+              <a:t>Art style</a:t>
+            </a:r>
+          </a:p>
+        </p:txBody>
+      </p:sp>
+      <p:sp>
+        <p:nvSpPr>
+          <p:cNvPr id="3" name="Content Placeholder 2">
+            <a:extLst>
+              <a:ext uri="{FF2B5EF4-FFF2-40B4-BE49-F238E27FC236}">
+                <a16:creationId xmlns:a16="http://schemas.microsoft.com/office/drawing/2014/main" id="{E6503576-53D8-7BE4-CE3E-49B3CF443581}"/>
+              </a:ext>
+            </a:extLst>
+          </p:cNvPr>
+          <p:cNvSpPr>
+            <a:spLocks noGrp="1"/>
+          </p:cNvSpPr>
+          <p:nvPr>
+            <p:ph idx="1"/>
+          </p:nvPr>
+        </p:nvSpPr>
+        <p:spPr>
+          <a:xfrm>
+            <a:off x="838201" y="1984443"/>
+            <a:ext cx="5257800" cy="4192520"/>
+          </a:xfrm>
+        </p:spPr>
+        <p:txBody>
+          <a:bodyPr>
+            <a:normAutofit/>
+          </a:bodyPr>
+          <a:lstStyle/>
+          <a:p>
+            <a:r>
+              <a:rPr lang="en-US" sz="2600" dirty="0">
+                <a:solidFill>
+                  <a:schemeClr val="bg1"/>
+                </a:solidFill>
+                <a:latin typeface="Cambria" panose="02040503050406030204" pitchFamily="18" charset="0"/>
+                <a:ea typeface="Cambria" panose="02040503050406030204" pitchFamily="18" charset="0"/>
+              </a:rPr>
+              <a:t>I went through many design variations for this game, but ended up going with a simplistic, yet </a:t>
+            </a:r>
+            <a:r>
+              <a:rPr lang="en-US" sz="2600" dirty="0">
+                <a:solidFill>
+                  <a:srgbClr val="6CFF59"/>
+                </a:solidFill>
+                <a:latin typeface="Cambria" panose="02040503050406030204" pitchFamily="18" charset="0"/>
+                <a:ea typeface="Cambria" panose="02040503050406030204" pitchFamily="18" charset="0"/>
+              </a:rPr>
+              <a:t>colorful</a:t>
+            </a:r>
+            <a:r>
+              <a:rPr lang="en-US" sz="2600" dirty="0">
+                <a:solidFill>
+                  <a:schemeClr val="bg1"/>
+                </a:solidFill>
+                <a:latin typeface="Cambria" panose="02040503050406030204" pitchFamily="18" charset="0"/>
+                <a:ea typeface="Cambria" panose="02040503050406030204" pitchFamily="18" charset="0"/>
+              </a:rPr>
+              <a:t> design.</a:t>
+            </a:r>
+          </a:p>
+          <a:p>
+            <a:r>
+              <a:rPr lang="en-US" sz="2600" dirty="0">
+                <a:solidFill>
+                  <a:schemeClr val="bg1"/>
+                </a:solidFill>
+                <a:latin typeface="Cambria" panose="02040503050406030204" pitchFamily="18" charset="0"/>
+                <a:ea typeface="Cambria" panose="02040503050406030204" pitchFamily="18" charset="0"/>
+              </a:rPr>
+              <a:t>Bland background color makes the letter spaces </a:t>
+            </a:r>
+            <a:r>
+              <a:rPr lang="en-US" sz="2600" dirty="0">
+                <a:solidFill>
+                  <a:srgbClr val="FF4B4B"/>
+                </a:solidFill>
+                <a:latin typeface="Cambria" panose="02040503050406030204" pitchFamily="18" charset="0"/>
+                <a:ea typeface="Cambria" panose="02040503050406030204" pitchFamily="18" charset="0"/>
+              </a:rPr>
+              <a:t>really</a:t>
+            </a:r>
+            <a:r>
+              <a:rPr lang="en-US" sz="2600" dirty="0">
+                <a:solidFill>
+                  <a:schemeClr val="bg1"/>
+                </a:solidFill>
+                <a:latin typeface="Cambria" panose="02040503050406030204" pitchFamily="18" charset="0"/>
+                <a:ea typeface="Cambria" panose="02040503050406030204" pitchFamily="18" charset="0"/>
+              </a:rPr>
+              <a:t> </a:t>
+            </a:r>
+            <a:r>
+              <a:rPr lang="en-US" sz="2600" dirty="0">
+                <a:solidFill>
+                  <a:srgbClr val="6CFF59"/>
+                </a:solidFill>
+                <a:latin typeface="Cambria" panose="02040503050406030204" pitchFamily="18" charset="0"/>
+                <a:ea typeface="Cambria" panose="02040503050406030204" pitchFamily="18" charset="0"/>
+              </a:rPr>
+              <a:t>stand</a:t>
+            </a:r>
+            <a:r>
+              <a:rPr lang="en-US" sz="2600" dirty="0">
+                <a:solidFill>
+                  <a:schemeClr val="bg1"/>
+                </a:solidFill>
+                <a:latin typeface="Cambria" panose="02040503050406030204" pitchFamily="18" charset="0"/>
+                <a:ea typeface="Cambria" panose="02040503050406030204" pitchFamily="18" charset="0"/>
+              </a:rPr>
+              <a:t> </a:t>
+            </a:r>
+            <a:r>
+              <a:rPr lang="en-US" sz="2600" dirty="0">
+                <a:solidFill>
+                  <a:srgbClr val="FFC34A"/>
+                </a:solidFill>
+                <a:latin typeface="Cambria" panose="02040503050406030204" pitchFamily="18" charset="0"/>
+                <a:ea typeface="Cambria" panose="02040503050406030204" pitchFamily="18" charset="0"/>
+              </a:rPr>
+              <a:t>out</a:t>
+            </a:r>
+            <a:r>
+              <a:rPr lang="en-US" sz="2600" dirty="0">
+                <a:solidFill>
+                  <a:schemeClr val="bg1"/>
+                </a:solidFill>
+                <a:latin typeface="Cambria" panose="02040503050406030204" pitchFamily="18" charset="0"/>
+                <a:ea typeface="Cambria" panose="02040503050406030204" pitchFamily="18" charset="0"/>
+              </a:rPr>
+              <a:t>.</a:t>
+            </a:r>
+          </a:p>
+          <a:p>
+            <a:r>
+              <a:rPr lang="en-US" sz="2600" dirty="0">
+                <a:solidFill>
+                  <a:schemeClr val="bg1"/>
+                </a:solidFill>
+                <a:latin typeface="Cambria" panose="02040503050406030204" pitchFamily="18" charset="0"/>
+                <a:ea typeface="Cambria" panose="02040503050406030204" pitchFamily="18" charset="0"/>
+              </a:rPr>
+              <a:t>Simple design allows for better focus</a:t>
+            </a:r>
+          </a:p>
+        </p:txBody>
+      </p:sp>
+    </p:spTree>
+    <p:extLst>
+      <p:ext uri="{BB962C8B-B14F-4D97-AF65-F5344CB8AC3E}">
+        <p14:creationId xmlns:p14="http://schemas.microsoft.com/office/powerpoint/2010/main" val="1244668543"/>
+      </p:ext>
+    </p:extLst>
+  </p:cSld>
+  <p:clrMapOvr>
+    <a:masterClrMapping/>
+  </p:clrMapOvr>
+</p:sld>
+</file>
+
+<file path=ppt/slides/slide14.xml><?xml version="1.0" encoding="utf-8"?>
+<p:sld xmlns:a="http://schemas.openxmlformats.org/drawingml/2006/main" xmlns:r="http://schemas.openxmlformats.org/officeDocument/2006/relationships" xmlns:p="http://schemas.openxmlformats.org/presentationml/2006/main">
+  <p:cSld>
+    <p:bg>
+      <p:bgPr>
+        <a:solidFill>
+          <a:srgbClr val="426F6E"/>
+        </a:solidFill>
+        <a:effectLst/>
+      </p:bgPr>
+    </p:bg>
+    <p:spTree>
+      <p:nvGrpSpPr>
+        <p:cNvPr id="1" name=""/>
+        <p:cNvGrpSpPr/>
+        <p:nvPr/>
+      </p:nvGrpSpPr>
+      <p:grpSpPr>
+        <a:xfrm>
+          <a:off x="0" y="0"/>
+          <a:ext cx="0" cy="0"/>
+          <a:chOff x="0" y="0"/>
+          <a:chExt cx="0" cy="0"/>
+        </a:xfrm>
+      </p:grpSpPr>
+      <p:sp useBgFill="1">
+        <p:nvSpPr>
+          <p:cNvPr id="10" name="Rectangle 9">
+            <a:extLst>
+              <a:ext uri="{FF2B5EF4-FFF2-40B4-BE49-F238E27FC236}">
+                <a16:creationId xmlns:a16="http://schemas.microsoft.com/office/drawing/2014/main" id="{F13C74B1-5B17-4795-BED0-7140497B445A}"/>
+              </a:ext>
+              <a:ext uri="{C183D7F6-B498-43B3-948B-1728B52AA6E4}">
+                <adec:decorative xmlns:adec="http://schemas.microsoft.com/office/drawing/2017/decorative" val="1"/>
+              </a:ext>
+            </a:extLst>
+          </p:cNvPr>
+          <p:cNvSpPr>
+            <a:spLocks noGrp="1" noRot="1" noChangeAspect="1" noMove="1" noResize="1" noEditPoints="1" noAdjustHandles="1" noChangeArrowheads="1" noChangeShapeType="1" noTextEdit="1"/>
+          </p:cNvSpPr>
+          <p:nvPr>
+            <p:extLst>
+              <p:ext uri="{386F3935-93C4-4BCD-93E2-E3B085C9AB24}">
+                <p16:designElem xmlns:p16="http://schemas.microsoft.com/office/powerpoint/2015/main" val="1"/>
+              </p:ext>
+            </p:extLst>
+          </p:nvPr>
+        </p:nvSpPr>
+        <p:spPr>
+          <a:xfrm>
+            <a:off x="0" y="0"/>
+            <a:ext cx="12188952" cy="6858000"/>
+          </a:xfrm>
+          <a:prstGeom prst="rect">
+            <a:avLst/>
+          </a:prstGeom>
+          <a:ln>
+            <a:noFill/>
+          </a:ln>
+        </p:spPr>
+        <p:style>
+          <a:lnRef idx="2">
+            <a:schemeClr val="accent1">
+              <a:shade val="50000"/>
+            </a:schemeClr>
+          </a:lnRef>
+          <a:fillRef idx="1">
+            <a:schemeClr val="accent1"/>
+          </a:fillRef>
+          <a:effectRef idx="0">
+            <a:schemeClr val="accent1"/>
+          </a:effectRef>
+          <a:fontRef idx="minor">
+            <a:schemeClr val="lt1"/>
+          </a:fontRef>
+        </p:style>
+        <p:txBody>
+          <a:bodyPr rtlCol="0" anchor="ctr"/>
+          <a:lstStyle/>
+          <a:p>
+            <a:pPr algn="ctr"/>
+            <a:endParaRPr lang="en-US"/>
+          </a:p>
+        </p:txBody>
+      </p:sp>
+      <p:sp>
+        <p:nvSpPr>
+          <p:cNvPr id="2" name="Title 1">
+            <a:extLst>
+              <a:ext uri="{FF2B5EF4-FFF2-40B4-BE49-F238E27FC236}">
+                <a16:creationId xmlns:a16="http://schemas.microsoft.com/office/drawing/2014/main" id="{9C20C381-35DD-0746-88BE-222369873012}"/>
+              </a:ext>
+            </a:extLst>
+          </p:cNvPr>
+          <p:cNvSpPr>
+            <a:spLocks noGrp="1"/>
+          </p:cNvSpPr>
+          <p:nvPr>
+            <p:ph type="title"/>
+          </p:nvPr>
+        </p:nvSpPr>
+        <p:spPr>
+          <a:xfrm>
+            <a:off x="304800" y="325369"/>
+            <a:ext cx="5006902" cy="1956841"/>
+          </a:xfrm>
+        </p:spPr>
+        <p:txBody>
+          <a:bodyPr anchor="b">
+            <a:normAutofit/>
+          </a:bodyPr>
+          <a:lstStyle/>
+          <a:p>
+            <a:r>
+              <a:rPr lang="en-US" sz="3600" b="1" dirty="0">
+                <a:solidFill>
+                  <a:schemeClr val="bg1"/>
+                </a:solidFill>
+                <a:latin typeface="Arial" panose="020B0604020202020204" pitchFamily="34" charset="0"/>
+                <a:cs typeface="Arial" panose="020B0604020202020204" pitchFamily="34" charset="0"/>
+              </a:rPr>
+              <a:t>Saving/Loading Game</a:t>
+            </a:r>
+          </a:p>
+        </p:txBody>
+      </p:sp>
+      <p:sp>
+        <p:nvSpPr>
+          <p:cNvPr id="12" name="sketchy line">
+            <a:extLst>
+              <a:ext uri="{FF2B5EF4-FFF2-40B4-BE49-F238E27FC236}">
+                <a16:creationId xmlns:a16="http://schemas.microsoft.com/office/drawing/2014/main" id="{D4974D33-8DC5-464E-8C6D-BE58F0669C17}"/>
+              </a:ext>
+              <a:ext uri="{C183D7F6-B498-43B3-948B-1728B52AA6E4}">
+                <adec:decorative xmlns:adec="http://schemas.microsoft.com/office/drawing/2017/decorative" val="1"/>
+              </a:ext>
+            </a:extLst>
+          </p:cNvPr>
+          <p:cNvSpPr>
+            <a:spLocks noGrp="1" noRot="1" noChangeAspect="1" noMove="1" noResize="1" noEditPoints="1" noAdjustHandles="1" noChangeArrowheads="1" noChangeShapeType="1" noTextEdit="1"/>
+          </p:cNvSpPr>
+          <p:nvPr>
+            <p:extLst>
+              <p:ext uri="{386F3935-93C4-4BCD-93E2-E3B085C9AB24}">
+                <p16:designElem xmlns:p16="http://schemas.microsoft.com/office/powerpoint/2015/main" val="1"/>
+              </p:ext>
+            </p:extLst>
+          </p:nvPr>
+        </p:nvSpPr>
+        <p:spPr>
+          <a:xfrm>
+            <a:off x="640080" y="2586994"/>
+            <a:ext cx="3474720" cy="18288"/>
+          </a:xfrm>
+          <a:custGeom>
+            <a:avLst/>
+            <a:gdLst>
+              <a:gd name="connsiteX0" fmla="*/ 0 w 3474720"/>
+              <a:gd name="connsiteY0" fmla="*/ 0 h 18288"/>
+              <a:gd name="connsiteX1" fmla="*/ 694944 w 3474720"/>
+              <a:gd name="connsiteY1" fmla="*/ 0 h 18288"/>
+              <a:gd name="connsiteX2" fmla="*/ 1355141 w 3474720"/>
+              <a:gd name="connsiteY2" fmla="*/ 0 h 18288"/>
+              <a:gd name="connsiteX3" fmla="*/ 2015338 w 3474720"/>
+              <a:gd name="connsiteY3" fmla="*/ 0 h 18288"/>
+              <a:gd name="connsiteX4" fmla="*/ 2779776 w 3474720"/>
+              <a:gd name="connsiteY4" fmla="*/ 0 h 18288"/>
+              <a:gd name="connsiteX5" fmla="*/ 3474720 w 3474720"/>
+              <a:gd name="connsiteY5" fmla="*/ 0 h 18288"/>
+              <a:gd name="connsiteX6" fmla="*/ 3474720 w 3474720"/>
+              <a:gd name="connsiteY6" fmla="*/ 18288 h 18288"/>
+              <a:gd name="connsiteX7" fmla="*/ 2779776 w 3474720"/>
+              <a:gd name="connsiteY7" fmla="*/ 18288 h 18288"/>
+              <a:gd name="connsiteX8" fmla="*/ 2189074 w 3474720"/>
+              <a:gd name="connsiteY8" fmla="*/ 18288 h 18288"/>
+              <a:gd name="connsiteX9" fmla="*/ 1528877 w 3474720"/>
+              <a:gd name="connsiteY9" fmla="*/ 18288 h 18288"/>
+              <a:gd name="connsiteX10" fmla="*/ 868680 w 3474720"/>
+              <a:gd name="connsiteY10" fmla="*/ 18288 h 18288"/>
+              <a:gd name="connsiteX11" fmla="*/ 0 w 3474720"/>
+              <a:gd name="connsiteY11" fmla="*/ 18288 h 18288"/>
+              <a:gd name="connsiteX12" fmla="*/ 0 w 3474720"/>
+              <a:gd name="connsiteY12" fmla="*/ 0 h 18288"/>
+            </a:gdLst>
+            <a:ahLst/>
+            <a:cxnLst>
+              <a:cxn ang="0">
+                <a:pos x="connsiteX0" y="connsiteY0"/>
+              </a:cxn>
+              <a:cxn ang="0">
+                <a:pos x="connsiteX1" y="connsiteY1"/>
+              </a:cxn>
+              <a:cxn ang="0">
+                <a:pos x="connsiteX2" y="connsiteY2"/>
+              </a:cxn>
+              <a:cxn ang="0">
+                <a:pos x="connsiteX3" y="connsiteY3"/>
+              </a:cxn>
+              <a:cxn ang="0">
+                <a:pos x="connsiteX4" y="connsiteY4"/>
+              </a:cxn>
+              <a:cxn ang="0">
+                <a:pos x="connsiteX5" y="connsiteY5"/>
+              </a:cxn>
+              <a:cxn ang="0">
+                <a:pos x="connsiteX6" y="connsiteY6"/>
+              </a:cxn>
+              <a:cxn ang="0">
+                <a:pos x="connsiteX7" y="connsiteY7"/>
+              </a:cxn>
+              <a:cxn ang="0">
+                <a:pos x="connsiteX8" y="connsiteY8"/>
+              </a:cxn>
+              <a:cxn ang="0">
+                <a:pos x="connsiteX9" y="connsiteY9"/>
+              </a:cxn>
+              <a:cxn ang="0">
+                <a:pos x="connsiteX10" y="connsiteY10"/>
+              </a:cxn>
+              <a:cxn ang="0">
+                <a:pos x="connsiteX11" y="connsiteY11"/>
+              </a:cxn>
+              <a:cxn ang="0">
+                <a:pos x="connsiteX12" y="connsiteY12"/>
+              </a:cxn>
+            </a:cxnLst>
+            <a:rect l="l" t="t" r="r" b="b"/>
+            <a:pathLst>
+              <a:path w="3474720" h="18288" fill="none" extrusionOk="0">
+                <a:moveTo>
+                  <a:pt x="0" y="0"/>
+                </a:moveTo>
+                <a:cubicBezTo>
+                  <a:pt x="224454" y="-14544"/>
+                  <a:pt x="495407" y="26540"/>
+                  <a:pt x="694944" y="0"/>
+                </a:cubicBezTo>
+                <a:cubicBezTo>
+                  <a:pt x="894481" y="-26540"/>
+                  <a:pt x="1130063" y="24713"/>
+                  <a:pt x="1355141" y="0"/>
+                </a:cubicBezTo>
+                <a:cubicBezTo>
+                  <a:pt x="1580219" y="-24713"/>
+                  <a:pt x="1820099" y="26695"/>
+                  <a:pt x="2015338" y="0"/>
+                </a:cubicBezTo>
+                <a:cubicBezTo>
+                  <a:pt x="2210577" y="-26695"/>
+                  <a:pt x="2402045" y="165"/>
+                  <a:pt x="2779776" y="0"/>
+                </a:cubicBezTo>
+                <a:cubicBezTo>
+                  <a:pt x="3157507" y="-165"/>
+                  <a:pt x="3286859" y="-15571"/>
+                  <a:pt x="3474720" y="0"/>
+                </a:cubicBezTo>
+                <a:cubicBezTo>
+                  <a:pt x="3474286" y="7551"/>
+                  <a:pt x="3474253" y="9822"/>
+                  <a:pt x="3474720" y="18288"/>
+                </a:cubicBezTo>
+                <a:cubicBezTo>
+                  <a:pt x="3233904" y="29845"/>
+                  <a:pt x="2945134" y="-5256"/>
+                  <a:pt x="2779776" y="18288"/>
+                </a:cubicBezTo>
+                <a:cubicBezTo>
+                  <a:pt x="2614418" y="41832"/>
+                  <a:pt x="2339768" y="22709"/>
+                  <a:pt x="2189074" y="18288"/>
+                </a:cubicBezTo>
+                <a:cubicBezTo>
+                  <a:pt x="2038380" y="13867"/>
+                  <a:pt x="1817434" y="-4947"/>
+                  <a:pt x="1528877" y="18288"/>
+                </a:cubicBezTo>
+                <a:cubicBezTo>
+                  <a:pt x="1240320" y="41523"/>
+                  <a:pt x="1042447" y="37198"/>
+                  <a:pt x="868680" y="18288"/>
+                </a:cubicBezTo>
+                <a:cubicBezTo>
+                  <a:pt x="694913" y="-622"/>
+                  <a:pt x="233232" y="44909"/>
+                  <a:pt x="0" y="18288"/>
+                </a:cubicBezTo>
+                <a:cubicBezTo>
+                  <a:pt x="60" y="11696"/>
+                  <a:pt x="66" y="3758"/>
+                  <a:pt x="0" y="0"/>
+                </a:cubicBezTo>
+                <a:close/>
+              </a:path>
+              <a:path w="3474720" h="18288" stroke="0" extrusionOk="0">
+                <a:moveTo>
+                  <a:pt x="0" y="0"/>
+                </a:moveTo>
+                <a:cubicBezTo>
+                  <a:pt x="202328" y="-14716"/>
+                  <a:pt x="332722" y="-11499"/>
+                  <a:pt x="625450" y="0"/>
+                </a:cubicBezTo>
+                <a:cubicBezTo>
+                  <a:pt x="918178" y="11499"/>
+                  <a:pt x="1096688" y="5123"/>
+                  <a:pt x="1389888" y="0"/>
+                </a:cubicBezTo>
+                <a:cubicBezTo>
+                  <a:pt x="1683088" y="-5123"/>
+                  <a:pt x="1835981" y="-14038"/>
+                  <a:pt x="1980590" y="0"/>
+                </a:cubicBezTo>
+                <a:cubicBezTo>
+                  <a:pt x="2125199" y="14038"/>
+                  <a:pt x="2396099" y="-7203"/>
+                  <a:pt x="2571293" y="0"/>
+                </a:cubicBezTo>
+                <a:cubicBezTo>
+                  <a:pt x="2746487" y="7203"/>
+                  <a:pt x="3041609" y="-12036"/>
+                  <a:pt x="3474720" y="0"/>
+                </a:cubicBezTo>
+                <a:cubicBezTo>
+                  <a:pt x="3474638" y="4406"/>
+                  <a:pt x="3474631" y="9982"/>
+                  <a:pt x="3474720" y="18288"/>
+                </a:cubicBezTo>
+                <a:cubicBezTo>
+                  <a:pt x="3324873" y="21876"/>
+                  <a:pt x="3136771" y="12587"/>
+                  <a:pt x="2814523" y="18288"/>
+                </a:cubicBezTo>
+                <a:cubicBezTo>
+                  <a:pt x="2492275" y="23989"/>
+                  <a:pt x="2294402" y="47111"/>
+                  <a:pt x="2154326" y="18288"/>
+                </a:cubicBezTo>
+                <a:cubicBezTo>
+                  <a:pt x="2014250" y="-10535"/>
+                  <a:pt x="1820317" y="33903"/>
+                  <a:pt x="1494130" y="18288"/>
+                </a:cubicBezTo>
+                <a:cubicBezTo>
+                  <a:pt x="1167943" y="2673"/>
+                  <a:pt x="948432" y="14868"/>
+                  <a:pt x="729691" y="18288"/>
+                </a:cubicBezTo>
+                <a:cubicBezTo>
+                  <a:pt x="510950" y="21708"/>
+                  <a:pt x="264032" y="24354"/>
+                  <a:pt x="0" y="18288"/>
+                </a:cubicBezTo>
+                <a:cubicBezTo>
+                  <a:pt x="189" y="14288"/>
+                  <a:pt x="-703" y="3747"/>
+                  <a:pt x="0" y="0"/>
+                </a:cubicBezTo>
+                <a:close/>
+              </a:path>
+            </a:pathLst>
+          </a:custGeom>
+          <a:solidFill>
+            <a:schemeClr val="accent2"/>
+          </a:solidFill>
+          <a:ln w="44450" cap="rnd">
+            <a:solidFill>
+              <a:schemeClr val="accent2"/>
+            </a:solidFill>
+            <a:round/>
+            <a:extLst>
+              <a:ext uri="{C807C97D-BFC1-408E-A445-0C87EB9F89A2}">
+                <ask:lineSketchStyleProps xmlns:ask="http://schemas.microsoft.com/office/drawing/2018/sketchyshapes" sd="2863741219">
+                  <a:prstGeom prst="rect">
+                    <a:avLst/>
+                  </a:prstGeom>
+                  <ask:type>
+                    <ask:lineSketchFreehand/>
+                  </ask:type>
+                </ask:lineSketchStyleProps>
+              </a:ext>
+            </a:extLst>
+          </a:ln>
+        </p:spPr>
+        <p:style>
+          <a:lnRef idx="2">
+            <a:schemeClr val="accent1">
+              <a:shade val="50000"/>
+            </a:schemeClr>
+          </a:lnRef>
+          <a:fillRef idx="1">
+            <a:schemeClr val="accent1"/>
+          </a:fillRef>
+          <a:effectRef idx="0">
+            <a:schemeClr val="accent1"/>
+          </a:effectRef>
+          <a:fontRef idx="minor">
+            <a:schemeClr val="lt1"/>
+          </a:fontRef>
+        </p:style>
+        <p:txBody>
+          <a:bodyPr rtlCol="0" anchor="ctr"/>
+          <a:lstStyle/>
+          <a:p>
+            <a:pPr algn="ctr"/>
+            <a:endParaRPr lang="en-US"/>
+          </a:p>
+        </p:txBody>
+      </p:sp>
+      <p:sp>
+        <p:nvSpPr>
+          <p:cNvPr id="3" name="Content Placeholder 2">
+            <a:extLst>
+              <a:ext uri="{FF2B5EF4-FFF2-40B4-BE49-F238E27FC236}">
+                <a16:creationId xmlns:a16="http://schemas.microsoft.com/office/drawing/2014/main" id="{099DF9F9-4C88-C815-B933-D479126E4E44}"/>
+              </a:ext>
+            </a:extLst>
+          </p:cNvPr>
+          <p:cNvSpPr>
+            <a:spLocks noGrp="1"/>
+          </p:cNvSpPr>
+          <p:nvPr>
+            <p:ph idx="1"/>
+          </p:nvPr>
+        </p:nvSpPr>
+        <p:spPr>
+          <a:xfrm>
+            <a:off x="640080" y="2872899"/>
+            <a:ext cx="4243589" cy="3320668"/>
+          </a:xfrm>
+        </p:spPr>
+        <p:txBody>
+          <a:bodyPr>
+            <a:normAutofit/>
+          </a:bodyPr>
+          <a:lstStyle/>
+          <a:p>
+            <a:r>
+              <a:rPr lang="en-US" sz="2200" dirty="0">
+                <a:solidFill>
+                  <a:schemeClr val="bg1"/>
+                </a:solidFill>
+                <a:latin typeface="Cambria" panose="02040503050406030204" pitchFamily="18" charset="0"/>
+                <a:ea typeface="Cambria" panose="02040503050406030204" pitchFamily="18" charset="0"/>
+              </a:rPr>
+              <a:t>You can also </a:t>
+            </a:r>
+            <a:r>
+              <a:rPr lang="en-US" sz="2200" dirty="0">
+                <a:solidFill>
+                  <a:srgbClr val="6CFF59"/>
+                </a:solidFill>
+                <a:latin typeface="Cambria" panose="02040503050406030204" pitchFamily="18" charset="0"/>
+                <a:ea typeface="Cambria" panose="02040503050406030204" pitchFamily="18" charset="0"/>
+              </a:rPr>
+              <a:t>save your game state</a:t>
+            </a:r>
+            <a:r>
+              <a:rPr lang="en-US" sz="2200" dirty="0">
+                <a:solidFill>
+                  <a:schemeClr val="bg1"/>
+                </a:solidFill>
+                <a:latin typeface="Cambria" panose="02040503050406030204" pitchFamily="18" charset="0"/>
+                <a:ea typeface="Cambria" panose="02040503050406030204" pitchFamily="18" charset="0"/>
+              </a:rPr>
+              <a:t> as a file, so that you can leave and return to play later.</a:t>
+            </a:r>
+          </a:p>
+          <a:p>
+            <a:r>
+              <a:rPr lang="en-US" sz="2200" dirty="0">
+                <a:solidFill>
+                  <a:schemeClr val="bg1"/>
+                </a:solidFill>
+                <a:latin typeface="Cambria" panose="02040503050406030204" pitchFamily="18" charset="0"/>
+                <a:ea typeface="Cambria" panose="02040503050406030204" pitchFamily="18" charset="0"/>
+              </a:rPr>
+              <a:t>This feature also allows you to </a:t>
+            </a:r>
+            <a:r>
+              <a:rPr lang="en-US" sz="2200" dirty="0">
+                <a:solidFill>
+                  <a:srgbClr val="FFC34A"/>
+                </a:solidFill>
+                <a:latin typeface="Cambria" panose="02040503050406030204" pitchFamily="18" charset="0"/>
+                <a:ea typeface="Cambria" panose="02040503050406030204" pitchFamily="18" charset="0"/>
+              </a:rPr>
+              <a:t>load custom puzzles</a:t>
+            </a:r>
+            <a:r>
+              <a:rPr lang="en-US" sz="2200" dirty="0">
+                <a:solidFill>
+                  <a:schemeClr val="bg1"/>
+                </a:solidFill>
+                <a:latin typeface="Cambria" panose="02040503050406030204" pitchFamily="18" charset="0"/>
+                <a:ea typeface="Cambria" panose="02040503050406030204" pitchFamily="18" charset="0"/>
+              </a:rPr>
+              <a:t>, which can be created using the feature I will show next.</a:t>
+            </a:r>
+          </a:p>
+        </p:txBody>
+      </p:sp>
+      <p:pic>
+        <p:nvPicPr>
+          <p:cNvPr id="5" name="Picture 4">
+            <a:extLst>
+              <a:ext uri="{FF2B5EF4-FFF2-40B4-BE49-F238E27FC236}">
+                <a16:creationId xmlns:a16="http://schemas.microsoft.com/office/drawing/2014/main" id="{D402F0A6-FF15-3388-9003-DC18208AD83D}"/>
+              </a:ext>
+            </a:extLst>
+          </p:cNvPr>
+          <p:cNvPicPr>
+            <a:picLocks noChangeAspect="1"/>
+          </p:cNvPicPr>
+          <p:nvPr/>
+        </p:nvPicPr>
+        <p:blipFill rotWithShape="1">
+          <a:blip r:embed="rId2"/>
+          <a:srcRect r="19505" b="-2"/>
+          <a:stretch/>
+        </p:blipFill>
+        <p:spPr>
+          <a:xfrm>
+            <a:off x="5311702" y="10"/>
+            <a:ext cx="6878775" cy="6857990"/>
+          </a:xfrm>
+          <a:custGeom>
+            <a:avLst/>
+            <a:gdLst/>
+            <a:ahLst/>
+            <a:cxnLst/>
+            <a:rect l="l" t="t" r="r" b="b"/>
+            <a:pathLst>
+              <a:path w="6878775" h="6858000">
+                <a:moveTo>
+                  <a:pt x="1102973" y="0"/>
+                </a:moveTo>
+                <a:lnTo>
+                  <a:pt x="1160688" y="0"/>
+                </a:lnTo>
+                <a:lnTo>
+                  <a:pt x="983189" y="331786"/>
+                </a:lnTo>
+                <a:cubicBezTo>
+                  <a:pt x="914866" y="469145"/>
+                  <a:pt x="850355" y="608712"/>
+                  <a:pt x="789261" y="750263"/>
+                </a:cubicBezTo>
+                <a:cubicBezTo>
+                  <a:pt x="774307" y="784928"/>
+                  <a:pt x="759992" y="819849"/>
+                  <a:pt x="745295" y="854514"/>
+                </a:cubicBezTo>
+                <a:cubicBezTo>
+                  <a:pt x="756682" y="845393"/>
+                  <a:pt x="765489" y="833492"/>
+                  <a:pt x="770857" y="819975"/>
+                </a:cubicBezTo>
+                <a:cubicBezTo>
+                  <a:pt x="879943" y="589569"/>
+                  <a:pt x="999605" y="365513"/>
+                  <a:pt x="1131329" y="148742"/>
+                </a:cubicBezTo>
+                <a:lnTo>
+                  <a:pt x="1227589" y="0"/>
+                </a:lnTo>
+                <a:lnTo>
+                  <a:pt x="6878775" y="0"/>
+                </a:lnTo>
+                <a:lnTo>
+                  <a:pt x="6878775" y="6858000"/>
+                </a:lnTo>
+                <a:lnTo>
+                  <a:pt x="713521" y="6858000"/>
+                </a:lnTo>
+                <a:lnTo>
+                  <a:pt x="625642" y="6670527"/>
+                </a:lnTo>
+                <a:cubicBezTo>
+                  <a:pt x="507232" y="6398531"/>
+                  <a:pt x="403083" y="6118381"/>
+                  <a:pt x="312785" y="5830359"/>
+                </a:cubicBezTo>
+                <a:cubicBezTo>
+                  <a:pt x="278149" y="5719759"/>
+                  <a:pt x="248879" y="5607635"/>
+                  <a:pt x="212198" y="5480401"/>
+                </a:cubicBezTo>
+                <a:cubicBezTo>
+                  <a:pt x="212208" y="5491601"/>
+                  <a:pt x="212803" y="5502788"/>
+                  <a:pt x="213988" y="5513923"/>
+                </a:cubicBezTo>
+                <a:cubicBezTo>
+                  <a:pt x="264089" y="5723695"/>
+                  <a:pt x="307290" y="5935370"/>
+                  <a:pt x="365826" y="6142729"/>
+                </a:cubicBezTo>
+                <a:cubicBezTo>
+                  <a:pt x="433152" y="6380817"/>
+                  <a:pt x="510068" y="6614016"/>
+                  <a:pt x="597975" y="6841549"/>
+                </a:cubicBezTo>
+                <a:lnTo>
+                  <a:pt x="604824" y="6858000"/>
+                </a:lnTo>
+                <a:lnTo>
+                  <a:pt x="552056" y="6858000"/>
+                </a:lnTo>
+                <a:lnTo>
+                  <a:pt x="539576" y="6828295"/>
+                </a:lnTo>
+                <a:cubicBezTo>
+                  <a:pt x="380597" y="6414594"/>
+                  <a:pt x="260223" y="5988893"/>
+                  <a:pt x="171555" y="5552906"/>
+                </a:cubicBezTo>
+                <a:cubicBezTo>
+                  <a:pt x="91163" y="5157998"/>
+                  <a:pt x="43746" y="4758899"/>
+                  <a:pt x="12305" y="4357388"/>
+                </a:cubicBezTo>
+                <a:cubicBezTo>
+                  <a:pt x="-14281" y="4013908"/>
+                  <a:pt x="4507" y="3672965"/>
+                  <a:pt x="46684" y="3331516"/>
+                </a:cubicBezTo>
+                <a:cubicBezTo>
+                  <a:pt x="127203" y="2664286"/>
+                  <a:pt x="277819" y="2007265"/>
+                  <a:pt x="496065" y="1371196"/>
+                </a:cubicBezTo>
+                <a:cubicBezTo>
+                  <a:pt x="636273" y="966066"/>
+                  <a:pt x="800445" y="573253"/>
+                  <a:pt x="995723" y="196614"/>
+                </a:cubicBezTo>
+                <a:close/>
+              </a:path>
+            </a:pathLst>
+          </a:custGeom>
+        </p:spPr>
+      </p:pic>
+    </p:spTree>
+    <p:extLst>
+      <p:ext uri="{BB962C8B-B14F-4D97-AF65-F5344CB8AC3E}">
+        <p14:creationId xmlns:p14="http://schemas.microsoft.com/office/powerpoint/2010/main" val="1576887625"/>
+      </p:ext>
+    </p:extLst>
+  </p:cSld>
+  <p:clrMapOvr>
+    <a:masterClrMapping/>
+  </p:clrMapOvr>
+  <p:timing>
+    <p:tnLst>
+      <p:par>
+        <p:cTn id="1" dur="indefinite" restart="never" nodeType="tmRoot">
+          <p:childTnLst>
+            <p:seq concurrent="1" nextAc="seek">
+              <p:cTn id="2" dur="indefinite" nodeType="mainSeq">
+                <p:childTnLst>
+                  <p:par>
+                    <p:cTn id="3" fill="hold">
+                      <p:stCondLst>
+                        <p:cond delay="indefinite"/>
+                        <p:cond evt="onBegin" delay="0">
+                          <p:tn val="2"/>
+                        </p:cond>
+                      </p:stCondLst>
+                      <p:childTnLst>
+                        <p:par>
+                          <p:cTn id="4" fill="hold">
+                            <p:stCondLst>
+                              <p:cond delay="0"/>
+                            </p:stCondLst>
+                            <p:childTnLst>
+                              <p:par>
+                                <p:cTn id="5" presetID="10" presetClass="entr" presetSubtype="0" fill="hold" grpId="0" nodeType="withEffect">
+                                  <p:stCondLst>
+                                    <p:cond delay="1000"/>
+                                  </p:stCondLst>
+                                  <p:iterate>
+                                    <p:tmPct val="10000"/>
+                                  </p:iterate>
+                                  <p:childTnLst>
+                                    <p:set>
+                                      <p:cBhvr>
+                                        <p:cTn id="6" dur="1" fill="hold">
+                                          <p:stCondLst>
+                                            <p:cond delay="0"/>
+                                          </p:stCondLst>
+                                        </p:cTn>
+                                        <p:tgtEl>
+                                          <p:spTgt spid="2"/>
+                                        </p:tgtEl>
+                                        <p:attrNameLst>
+                                          <p:attrName>style.visibility</p:attrName>
+                                        </p:attrNameLst>
+                                      </p:cBhvr>
+                                      <p:to>
+                                        <p:strVal val="visible"/>
+                                      </p:to>
+                                    </p:set>
+                                    <p:animEffect transition="in" filter="fade">
+                                      <p:cBhvr>
+                                        <p:cTn id="7" dur="700"/>
+                                        <p:tgtEl>
+                                          <p:spTgt spid="2"/>
+                                        </p:tgtEl>
+                                      </p:cBhvr>
+                                    </p:animEffect>
+                                  </p:childTnLst>
+                                </p:cTn>
+                              </p:par>
+                            </p:childTnLst>
+                          </p:cTn>
+                        </p:par>
+                      </p:childTnLst>
+                    </p:cTn>
+                  </p:par>
+                </p:childTnLst>
+              </p:cTn>
+              <p:prevCondLst>
+                <p:cond evt="onPrev" delay="0">
+                  <p:tgtEl>
+                    <p:sldTgt/>
+                  </p:tgtEl>
+                </p:cond>
+              </p:prevCondLst>
+              <p:nextCondLst>
+                <p:cond evt="onNext" delay="0">
+                  <p:tgtEl>
+                    <p:sldTgt/>
+                  </p:tgtEl>
+                </p:cond>
+              </p:nextCondLst>
+            </p:seq>
+          </p:childTnLst>
+        </p:cTn>
+      </p:par>
+    </p:tnLst>
+    <p:bldLst>
+      <p:bldP spid="2" grpId="0"/>
+    </p:bldLst>
+  </p:timing>
+</p:sld>
+</file>
+
+<file path=ppt/slides/slide15.xml><?xml version="1.0" encoding="utf-8"?>
+<p:sld xmlns:a="http://schemas.openxmlformats.org/drawingml/2006/main" xmlns:r="http://schemas.openxmlformats.org/officeDocument/2006/relationships" xmlns:p="http://schemas.openxmlformats.org/presentationml/2006/main">
+  <p:cSld>
+    <p:bg>
+      <p:bgPr>
+        <a:solidFill>
+          <a:srgbClr val="2F4F4F"/>
+        </a:solidFill>
+        <a:effectLst/>
+      </p:bgPr>
+    </p:bg>
+    <p:spTree>
+      <p:nvGrpSpPr>
+        <p:cNvPr id="1" name=""/>
+        <p:cNvGrpSpPr/>
+        <p:nvPr/>
+      </p:nvGrpSpPr>
+      <p:grpSpPr>
+        <a:xfrm>
+          <a:off x="0" y="0"/>
+          <a:ext cx="0" cy="0"/>
+          <a:chOff x="0" y="0"/>
+          <a:chExt cx="0" cy="0"/>
+        </a:xfrm>
+      </p:grpSpPr>
+      <p:sp useBgFill="1">
+        <p:nvSpPr>
+          <p:cNvPr id="10" name="Rectangle 9">
+            <a:extLst>
+              <a:ext uri="{FF2B5EF4-FFF2-40B4-BE49-F238E27FC236}">
+                <a16:creationId xmlns:a16="http://schemas.microsoft.com/office/drawing/2014/main" id="{2B97F24A-32CE-4C1C-A50D-3016B394DCFB}"/>
+              </a:ext>
+              <a:ext uri="{C183D7F6-B498-43B3-948B-1728B52AA6E4}">
+                <adec:decorative xmlns:adec="http://schemas.microsoft.com/office/drawing/2017/decorative" val="1"/>
+              </a:ext>
+            </a:extLst>
+          </p:cNvPr>
+          <p:cNvSpPr>
+            <a:spLocks noGrp="1" noRot="1" noChangeAspect="1" noMove="1" noResize="1" noEditPoints="1" noAdjustHandles="1" noChangeArrowheads="1" noChangeShapeType="1" noTextEdit="1"/>
+          </p:cNvSpPr>
+          <p:nvPr>
+            <p:extLst>
+              <p:ext uri="{386F3935-93C4-4BCD-93E2-E3B085C9AB24}">
+                <p16:designElem xmlns:p16="http://schemas.microsoft.com/office/powerpoint/2015/main" val="1"/>
+              </p:ext>
+            </p:extLst>
+          </p:nvPr>
+        </p:nvSpPr>
+        <p:spPr>
+          <a:xfrm>
+            <a:off x="0" y="0"/>
+            <a:ext cx="12192000" cy="6858000"/>
+          </a:xfrm>
+          <a:prstGeom prst="rect">
+            <a:avLst/>
+          </a:prstGeom>
+          <a:ln>
+            <a:noFill/>
+          </a:ln>
+        </p:spPr>
+        <p:style>
+          <a:lnRef idx="2">
+            <a:schemeClr val="accent1">
+              <a:shade val="50000"/>
+            </a:schemeClr>
+          </a:lnRef>
+          <a:fillRef idx="1">
+            <a:schemeClr val="accent1"/>
+          </a:fillRef>
+          <a:effectRef idx="0">
+            <a:schemeClr val="accent1"/>
+          </a:effectRef>
+          <a:fontRef idx="minor">
+            <a:schemeClr val="lt1"/>
+          </a:fontRef>
+        </p:style>
+        <p:txBody>
+          <a:bodyPr rtlCol="0" anchor="ctr"/>
+          <a:lstStyle/>
+          <a:p>
+            <a:pPr algn="ctr"/>
+            <a:endParaRPr lang="en-US"/>
+          </a:p>
+        </p:txBody>
+      </p:sp>
+      <p:sp>
+        <p:nvSpPr>
+          <p:cNvPr id="2" name="Title 1">
+            <a:extLst>
+              <a:ext uri="{FF2B5EF4-FFF2-40B4-BE49-F238E27FC236}">
+                <a16:creationId xmlns:a16="http://schemas.microsoft.com/office/drawing/2014/main" id="{68390CAC-2E75-9931-A630-01D31E936674}"/>
+              </a:ext>
+            </a:extLst>
+          </p:cNvPr>
+          <p:cNvSpPr>
+            <a:spLocks noGrp="1"/>
+          </p:cNvSpPr>
+          <p:nvPr>
+            <p:ph type="title"/>
+          </p:nvPr>
+        </p:nvSpPr>
+        <p:spPr>
+          <a:xfrm>
+            <a:off x="512956" y="639520"/>
+            <a:ext cx="3546980" cy="1719072"/>
+          </a:xfrm>
+        </p:spPr>
+        <p:txBody>
+          <a:bodyPr anchor="b">
+            <a:normAutofit/>
+          </a:bodyPr>
+          <a:lstStyle/>
+          <a:p>
+            <a:r>
+              <a:rPr lang="en-US" sz="3200" b="1" dirty="0">
+                <a:solidFill>
+                  <a:schemeClr val="bg1"/>
+                </a:solidFill>
+                <a:latin typeface="Arial" panose="020B0604020202020204" pitchFamily="34" charset="0"/>
+                <a:cs typeface="Arial" panose="020B0604020202020204" pitchFamily="34" charset="0"/>
+              </a:rPr>
+              <a:t>Creating Custom Puzzles</a:t>
+            </a:r>
+          </a:p>
+        </p:txBody>
+      </p:sp>
+      <p:sp>
+        <p:nvSpPr>
+          <p:cNvPr id="12" name="sketch line">
+            <a:extLst>
+              <a:ext uri="{FF2B5EF4-FFF2-40B4-BE49-F238E27FC236}">
+                <a16:creationId xmlns:a16="http://schemas.microsoft.com/office/drawing/2014/main" id="{CD8B4F24-440B-49E9-B85D-733523DC064B}"/>
+              </a:ext>
+              <a:ext uri="{C183D7F6-B498-43B3-948B-1728B52AA6E4}">
+                <adec:decorative xmlns:adec="http://schemas.microsoft.com/office/drawing/2017/decorative" val="1"/>
+              </a:ext>
+            </a:extLst>
+          </p:cNvPr>
+          <p:cNvSpPr>
+            <a:spLocks noGrp="1" noRot="1" noChangeAspect="1" noMove="1" noResize="1" noEditPoints="1" noAdjustHandles="1" noChangeArrowheads="1" noChangeShapeType="1" noTextEdit="1"/>
+          </p:cNvSpPr>
+          <p:nvPr>
+            <p:extLst>
+              <p:ext uri="{386F3935-93C4-4BCD-93E2-E3B085C9AB24}">
+                <p16:designElem xmlns:p16="http://schemas.microsoft.com/office/powerpoint/2015/main" val="1"/>
+              </p:ext>
+            </p:extLst>
+          </p:nvPr>
+        </p:nvSpPr>
+        <p:spPr>
+          <a:xfrm>
+            <a:off x="643278" y="2573756"/>
+            <a:ext cx="3255095" cy="18288"/>
+          </a:xfrm>
+          <a:custGeom>
+            <a:avLst/>
+            <a:gdLst>
+              <a:gd name="connsiteX0" fmla="*/ 0 w 3255095"/>
+              <a:gd name="connsiteY0" fmla="*/ 0 h 18288"/>
+              <a:gd name="connsiteX1" fmla="*/ 618468 w 3255095"/>
+              <a:gd name="connsiteY1" fmla="*/ 0 h 18288"/>
+              <a:gd name="connsiteX2" fmla="*/ 1269487 w 3255095"/>
+              <a:gd name="connsiteY2" fmla="*/ 0 h 18288"/>
+              <a:gd name="connsiteX3" fmla="*/ 1953057 w 3255095"/>
+              <a:gd name="connsiteY3" fmla="*/ 0 h 18288"/>
+              <a:gd name="connsiteX4" fmla="*/ 2636627 w 3255095"/>
+              <a:gd name="connsiteY4" fmla="*/ 0 h 18288"/>
+              <a:gd name="connsiteX5" fmla="*/ 3255095 w 3255095"/>
+              <a:gd name="connsiteY5" fmla="*/ 0 h 18288"/>
+              <a:gd name="connsiteX6" fmla="*/ 3255095 w 3255095"/>
+              <a:gd name="connsiteY6" fmla="*/ 18288 h 18288"/>
+              <a:gd name="connsiteX7" fmla="*/ 2538974 w 3255095"/>
+              <a:gd name="connsiteY7" fmla="*/ 18288 h 18288"/>
+              <a:gd name="connsiteX8" fmla="*/ 1822853 w 3255095"/>
+              <a:gd name="connsiteY8" fmla="*/ 18288 h 18288"/>
+              <a:gd name="connsiteX9" fmla="*/ 1171834 w 3255095"/>
+              <a:gd name="connsiteY9" fmla="*/ 18288 h 18288"/>
+              <a:gd name="connsiteX10" fmla="*/ 0 w 3255095"/>
+              <a:gd name="connsiteY10" fmla="*/ 18288 h 18288"/>
+              <a:gd name="connsiteX11" fmla="*/ 0 w 3255095"/>
+              <a:gd name="connsiteY11" fmla="*/ 0 h 18288"/>
+            </a:gdLst>
+            <a:ahLst/>
+            <a:cxnLst>
+              <a:cxn ang="0">
+                <a:pos x="connsiteX0" y="connsiteY0"/>
+              </a:cxn>
+              <a:cxn ang="0">
+                <a:pos x="connsiteX1" y="connsiteY1"/>
+              </a:cxn>
+              <a:cxn ang="0">
+                <a:pos x="connsiteX2" y="connsiteY2"/>
+              </a:cxn>
+              <a:cxn ang="0">
+                <a:pos x="connsiteX3" y="connsiteY3"/>
+              </a:cxn>
+              <a:cxn ang="0">
+                <a:pos x="connsiteX4" y="connsiteY4"/>
+              </a:cxn>
+              <a:cxn ang="0">
+                <a:pos x="connsiteX5" y="connsiteY5"/>
+              </a:cxn>
+              <a:cxn ang="0">
+                <a:pos x="connsiteX6" y="connsiteY6"/>
+              </a:cxn>
+              <a:cxn ang="0">
+                <a:pos x="connsiteX7" y="connsiteY7"/>
+              </a:cxn>
+              <a:cxn ang="0">
+                <a:pos x="connsiteX8" y="connsiteY8"/>
+              </a:cxn>
+              <a:cxn ang="0">
+                <a:pos x="connsiteX9" y="connsiteY9"/>
+              </a:cxn>
+              <a:cxn ang="0">
+                <a:pos x="connsiteX10" y="connsiteY10"/>
+              </a:cxn>
+              <a:cxn ang="0">
+                <a:pos x="connsiteX11" y="connsiteY11"/>
+              </a:cxn>
+            </a:cxnLst>
+            <a:rect l="l" t="t" r="r" b="b"/>
+            <a:pathLst>
+              <a:path w="3255095" h="18288" fill="none" extrusionOk="0">
+                <a:moveTo>
+                  <a:pt x="0" y="0"/>
+                </a:moveTo>
+                <a:cubicBezTo>
+                  <a:pt x="240201" y="-22123"/>
+                  <a:pt x="462021" y="-19623"/>
+                  <a:pt x="618468" y="0"/>
+                </a:cubicBezTo>
+                <a:cubicBezTo>
+                  <a:pt x="774915" y="19623"/>
+                  <a:pt x="974734" y="2035"/>
+                  <a:pt x="1269487" y="0"/>
+                </a:cubicBezTo>
+                <a:cubicBezTo>
+                  <a:pt x="1564240" y="-2035"/>
+                  <a:pt x="1733579" y="10639"/>
+                  <a:pt x="1953057" y="0"/>
+                </a:cubicBezTo>
+                <a:cubicBezTo>
+                  <a:pt x="2172535" y="-10639"/>
+                  <a:pt x="2453962" y="14018"/>
+                  <a:pt x="2636627" y="0"/>
+                </a:cubicBezTo>
+                <a:cubicBezTo>
+                  <a:pt x="2819292" y="-14018"/>
+                  <a:pt x="3121375" y="5399"/>
+                  <a:pt x="3255095" y="0"/>
+                </a:cubicBezTo>
+                <a:cubicBezTo>
+                  <a:pt x="3254386" y="8157"/>
+                  <a:pt x="3254682" y="12125"/>
+                  <a:pt x="3255095" y="18288"/>
+                </a:cubicBezTo>
+                <a:cubicBezTo>
+                  <a:pt x="3088545" y="23203"/>
+                  <a:pt x="2687475" y="7419"/>
+                  <a:pt x="2538974" y="18288"/>
+                </a:cubicBezTo>
+                <a:cubicBezTo>
+                  <a:pt x="2390473" y="29157"/>
+                  <a:pt x="2137381" y="-8959"/>
+                  <a:pt x="1822853" y="18288"/>
+                </a:cubicBezTo>
+                <a:cubicBezTo>
+                  <a:pt x="1508325" y="45535"/>
+                  <a:pt x="1466437" y="20385"/>
+                  <a:pt x="1171834" y="18288"/>
+                </a:cubicBezTo>
+                <a:cubicBezTo>
+                  <a:pt x="877231" y="16191"/>
+                  <a:pt x="561097" y="37643"/>
+                  <a:pt x="0" y="18288"/>
+                </a:cubicBezTo>
+                <a:cubicBezTo>
+                  <a:pt x="-46" y="12483"/>
+                  <a:pt x="-203" y="6491"/>
+                  <a:pt x="0" y="0"/>
+                </a:cubicBezTo>
+                <a:close/>
+              </a:path>
+              <a:path w="3255095" h="18288" stroke="0" extrusionOk="0">
+                <a:moveTo>
+                  <a:pt x="0" y="0"/>
+                </a:moveTo>
+                <a:cubicBezTo>
+                  <a:pt x="291965" y="19429"/>
+                  <a:pt x="363155" y="8568"/>
+                  <a:pt x="618468" y="0"/>
+                </a:cubicBezTo>
+                <a:cubicBezTo>
+                  <a:pt x="873781" y="-8568"/>
+                  <a:pt x="904459" y="-19505"/>
+                  <a:pt x="1171834" y="0"/>
+                </a:cubicBezTo>
+                <a:cubicBezTo>
+                  <a:pt x="1439209" y="19505"/>
+                  <a:pt x="1744369" y="9790"/>
+                  <a:pt x="1887955" y="0"/>
+                </a:cubicBezTo>
+                <a:cubicBezTo>
+                  <a:pt x="2031541" y="-9790"/>
+                  <a:pt x="2346378" y="21240"/>
+                  <a:pt x="2506423" y="0"/>
+                </a:cubicBezTo>
+                <a:cubicBezTo>
+                  <a:pt x="2666468" y="-21240"/>
+                  <a:pt x="2990257" y="30414"/>
+                  <a:pt x="3255095" y="0"/>
+                </a:cubicBezTo>
+                <a:cubicBezTo>
+                  <a:pt x="3254831" y="4493"/>
+                  <a:pt x="3255479" y="9472"/>
+                  <a:pt x="3255095" y="18288"/>
+                </a:cubicBezTo>
+                <a:cubicBezTo>
+                  <a:pt x="3120743" y="16690"/>
+                  <a:pt x="2759628" y="42462"/>
+                  <a:pt x="2604076" y="18288"/>
+                </a:cubicBezTo>
+                <a:cubicBezTo>
+                  <a:pt x="2448524" y="-5886"/>
+                  <a:pt x="2184336" y="19599"/>
+                  <a:pt x="1887955" y="18288"/>
+                </a:cubicBezTo>
+                <a:cubicBezTo>
+                  <a:pt x="1591574" y="16977"/>
+                  <a:pt x="1548845" y="6870"/>
+                  <a:pt x="1334589" y="18288"/>
+                </a:cubicBezTo>
+                <a:cubicBezTo>
+                  <a:pt x="1120333" y="29706"/>
+                  <a:pt x="996014" y="9662"/>
+                  <a:pt x="683570" y="18288"/>
+                </a:cubicBezTo>
+                <a:cubicBezTo>
+                  <a:pt x="371126" y="26914"/>
+                  <a:pt x="198687" y="16167"/>
+                  <a:pt x="0" y="18288"/>
+                </a:cubicBezTo>
+                <a:cubicBezTo>
+                  <a:pt x="843" y="9577"/>
+                  <a:pt x="371" y="6900"/>
+                  <a:pt x="0" y="0"/>
+                </a:cubicBezTo>
+                <a:close/>
+              </a:path>
+            </a:pathLst>
+          </a:custGeom>
+          <a:solidFill>
+            <a:schemeClr val="accent2"/>
+          </a:solidFill>
+          <a:ln w="38100" cap="rnd">
+            <a:solidFill>
+              <a:schemeClr val="accent2"/>
+            </a:solidFill>
+            <a:round/>
+            <a:extLst>
+              <a:ext uri="{C807C97D-BFC1-408E-A445-0C87EB9F89A2}">
+                <ask:lineSketchStyleProps xmlns:ask="http://schemas.microsoft.com/office/drawing/2018/sketchyshapes" sd="1219033472">
+                  <a:prstGeom prst="rect">
+                    <a:avLst/>
+                  </a:prstGeom>
+                  <ask:type>
+                    <ask:lineSketchFreehand/>
+                  </ask:type>
+                </ask:lineSketchStyleProps>
+              </a:ext>
+            </a:extLst>
+          </a:ln>
+        </p:spPr>
+        <p:style>
+          <a:lnRef idx="2">
+            <a:schemeClr val="accent1">
+              <a:shade val="50000"/>
+            </a:schemeClr>
+          </a:lnRef>
+          <a:fillRef idx="1">
+            <a:schemeClr val="accent1"/>
+          </a:fillRef>
+          <a:effectRef idx="0">
+            <a:schemeClr val="accent1"/>
+          </a:effectRef>
+          <a:fontRef idx="minor">
+            <a:schemeClr val="lt1"/>
+          </a:fontRef>
+        </p:style>
+        <p:txBody>
+          <a:bodyPr rtlCol="0" anchor="ctr"/>
+          <a:lstStyle/>
+          <a:p>
+            <a:pPr algn="ctr"/>
+            <a:endParaRPr lang="en-US"/>
+          </a:p>
+        </p:txBody>
+      </p:sp>
+      <p:sp>
+        <p:nvSpPr>
+          <p:cNvPr id="3" name="Content Placeholder 2">
+            <a:extLst>
+              <a:ext uri="{FF2B5EF4-FFF2-40B4-BE49-F238E27FC236}">
+                <a16:creationId xmlns:a16="http://schemas.microsoft.com/office/drawing/2014/main" id="{42CDFF9D-8BAE-13BA-847E-08C7926800E2}"/>
+              </a:ext>
+            </a:extLst>
+          </p:cNvPr>
+          <p:cNvSpPr>
+            <a:spLocks noGrp="1"/>
+          </p:cNvSpPr>
+          <p:nvPr>
+            <p:ph idx="1"/>
+          </p:nvPr>
+        </p:nvSpPr>
+        <p:spPr>
+          <a:xfrm>
+            <a:off x="630936" y="2807208"/>
+            <a:ext cx="3429000" cy="3410712"/>
+          </a:xfrm>
+        </p:spPr>
+        <p:txBody>
+          <a:bodyPr anchor="t">
+            <a:normAutofit/>
+          </a:bodyPr>
+          <a:lstStyle/>
+          <a:p>
+            <a:r>
+              <a:rPr lang="en-US" sz="2200" dirty="0">
+                <a:solidFill>
+                  <a:schemeClr val="bg1"/>
+                </a:solidFill>
+                <a:latin typeface="Cambria" panose="02040503050406030204" pitchFamily="18" charset="0"/>
+                <a:ea typeface="Cambria" panose="02040503050406030204" pitchFamily="18" charset="0"/>
+                <a:cs typeface="Arial" panose="020B0604020202020204" pitchFamily="34" charset="0"/>
+              </a:rPr>
+              <a:t>Using a tool that I created alongside the game; you can </a:t>
+            </a:r>
+            <a:r>
+              <a:rPr lang="en-US" sz="2200" dirty="0">
+                <a:solidFill>
+                  <a:srgbClr val="6CFF59"/>
+                </a:solidFill>
+                <a:latin typeface="Cambria" panose="02040503050406030204" pitchFamily="18" charset="0"/>
+                <a:ea typeface="Cambria" panose="02040503050406030204" pitchFamily="18" charset="0"/>
+                <a:cs typeface="Arial" panose="020B0604020202020204" pitchFamily="34" charset="0"/>
+              </a:rPr>
+              <a:t>create your own puzzles </a:t>
+            </a:r>
+            <a:r>
+              <a:rPr lang="en-US" sz="2200" dirty="0">
+                <a:solidFill>
+                  <a:schemeClr val="bg1"/>
+                </a:solidFill>
+                <a:latin typeface="Cambria" panose="02040503050406030204" pitchFamily="18" charset="0"/>
+                <a:ea typeface="Cambria" panose="02040503050406030204" pitchFamily="18" charset="0"/>
+                <a:cs typeface="Arial" panose="020B0604020202020204" pitchFamily="34" charset="0"/>
+              </a:rPr>
+              <a:t>for others to try out.</a:t>
+            </a:r>
+          </a:p>
+          <a:p>
+            <a:r>
+              <a:rPr lang="en-US" sz="2200" dirty="0">
+                <a:solidFill>
+                  <a:schemeClr val="bg1"/>
+                </a:solidFill>
+                <a:latin typeface="Cambria" panose="02040503050406030204" pitchFamily="18" charset="0"/>
+                <a:ea typeface="Cambria" panose="02040503050406030204" pitchFamily="18" charset="0"/>
+                <a:cs typeface="Arial" panose="020B0604020202020204" pitchFamily="34" charset="0"/>
+              </a:rPr>
+              <a:t>You can also </a:t>
+            </a:r>
+            <a:r>
+              <a:rPr lang="en-US" sz="2200" dirty="0">
+                <a:solidFill>
+                  <a:srgbClr val="FFC34A"/>
+                </a:solidFill>
+                <a:latin typeface="Cambria" panose="02040503050406030204" pitchFamily="18" charset="0"/>
+                <a:ea typeface="Cambria" panose="02040503050406030204" pitchFamily="18" charset="0"/>
+                <a:cs typeface="Arial" panose="020B0604020202020204" pitchFamily="34" charset="0"/>
+              </a:rPr>
+              <a:t>edit existing puzzles</a:t>
+            </a:r>
+            <a:r>
+              <a:rPr lang="en-US" sz="2200" dirty="0">
+                <a:solidFill>
+                  <a:schemeClr val="bg1"/>
+                </a:solidFill>
+                <a:latin typeface="Cambria" panose="02040503050406030204" pitchFamily="18" charset="0"/>
+                <a:ea typeface="Cambria" panose="02040503050406030204" pitchFamily="18" charset="0"/>
+                <a:cs typeface="Arial" panose="020B0604020202020204" pitchFamily="34" charset="0"/>
+              </a:rPr>
+              <a:t>, to make your ideal puzzle.</a:t>
+            </a:r>
+          </a:p>
+        </p:txBody>
+      </p:sp>
+      <p:pic>
+        <p:nvPicPr>
+          <p:cNvPr id="5" name="Picture 4">
+            <a:extLst>
+              <a:ext uri="{FF2B5EF4-FFF2-40B4-BE49-F238E27FC236}">
+                <a16:creationId xmlns:a16="http://schemas.microsoft.com/office/drawing/2014/main" id="{800D20A4-CD87-84CB-E52D-6780AEF9B5FC}"/>
+              </a:ext>
+            </a:extLst>
+          </p:cNvPr>
+          <p:cNvPicPr>
+            <a:picLocks noChangeAspect="1"/>
+          </p:cNvPicPr>
+          <p:nvPr/>
+        </p:nvPicPr>
+        <p:blipFill>
+          <a:blip r:embed="rId2"/>
+          <a:stretch>
+            <a:fillRect/>
+          </a:stretch>
+        </p:blipFill>
+        <p:spPr>
+          <a:xfrm>
+            <a:off x="4225913" y="1036481"/>
+            <a:ext cx="7812306" cy="4785037"/>
+          </a:xfrm>
+          <a:prstGeom prst="rect">
+            <a:avLst/>
+          </a:prstGeom>
+        </p:spPr>
+      </p:pic>
+    </p:spTree>
+    <p:extLst>
+      <p:ext uri="{BB962C8B-B14F-4D97-AF65-F5344CB8AC3E}">
+        <p14:creationId xmlns:p14="http://schemas.microsoft.com/office/powerpoint/2010/main" val="3296055871"/>
+      </p:ext>
+    </p:extLst>
+  </p:cSld>
+  <p:clrMapOvr>
+    <a:masterClrMapping/>
+  </p:clrMapOvr>
+</p:sld>
+</file>
+
+<file path=ppt/slides/slide16.xml><?xml version="1.0" encoding="utf-8"?>
+<p:sld xmlns:a="http://schemas.openxmlformats.org/drawingml/2006/main" xmlns:r="http://schemas.openxmlformats.org/officeDocument/2006/relationships" xmlns:p="http://schemas.openxmlformats.org/presentationml/2006/main">
+  <p:cSld>
+    <p:bg>
+      <p:bgPr>
+        <a:solidFill>
+          <a:srgbClr val="426F6E"/>
+        </a:solidFill>
+        <a:effectLst/>
+      </p:bgPr>
+    </p:bg>
+    <p:spTree>
+      <p:nvGrpSpPr>
+        <p:cNvPr id="1" name=""/>
+        <p:cNvGrpSpPr/>
+        <p:nvPr/>
+      </p:nvGrpSpPr>
+      <p:grpSpPr>
+        <a:xfrm>
+          <a:off x="0" y="0"/>
+          <a:ext cx="0" cy="0"/>
+          <a:chOff x="0" y="0"/>
+          <a:chExt cx="0" cy="0"/>
+        </a:xfrm>
+      </p:grpSpPr>
+      <p:sp useBgFill="1">
+        <p:nvSpPr>
+          <p:cNvPr id="10" name="Rectangle 9">
+            <a:extLst>
+              <a:ext uri="{FF2B5EF4-FFF2-40B4-BE49-F238E27FC236}">
+                <a16:creationId xmlns:a16="http://schemas.microsoft.com/office/drawing/2014/main" id="{1574D71B-7917-4BD7-887C-1D652DB0DFC4}"/>
+              </a:ext>
+              <a:ext uri="{C183D7F6-B498-43B3-948B-1728B52AA6E4}">
+                <adec:decorative xmlns:adec="http://schemas.microsoft.com/office/drawing/2017/decorative" val="1"/>
+              </a:ext>
+            </a:extLst>
+          </p:cNvPr>
+          <p:cNvSpPr>
+            <a:spLocks noGrp="1" noRot="1" noChangeAspect="1" noMove="1" noResize="1" noEditPoints="1" noAdjustHandles="1" noChangeArrowheads="1" noChangeShapeType="1" noTextEdit="1"/>
+          </p:cNvSpPr>
+          <p:nvPr>
+            <p:extLst>
+              <p:ext uri="{386F3935-93C4-4BCD-93E2-E3B085C9AB24}">
+                <p16:designElem xmlns:p16="http://schemas.microsoft.com/office/powerpoint/2015/main" val="1"/>
+              </p:ext>
+            </p:extLst>
+          </p:nvPr>
+        </p:nvSpPr>
+        <p:spPr>
+          <a:xfrm>
+            <a:off x="0" y="0"/>
+            <a:ext cx="12191999" cy="6857365"/>
+          </a:xfrm>
+          <a:prstGeom prst="rect">
+            <a:avLst/>
+          </a:prstGeom>
+          <a:ln>
+            <a:noFill/>
+          </a:ln>
+        </p:spPr>
+        <p:style>
+          <a:lnRef idx="2">
+            <a:schemeClr val="accent1">
+              <a:shade val="50000"/>
+            </a:schemeClr>
+          </a:lnRef>
+          <a:fillRef idx="1">
+            <a:schemeClr val="accent1"/>
+          </a:fillRef>
+          <a:effectRef idx="0">
+            <a:schemeClr val="accent1"/>
+          </a:effectRef>
+          <a:fontRef idx="minor">
+            <a:schemeClr val="lt1"/>
+          </a:fontRef>
+        </p:style>
+        <p:txBody>
+          <a:bodyPr rtlCol="0" anchor="ctr"/>
+          <a:lstStyle/>
+          <a:p>
+            <a:pPr algn="ctr"/>
+            <a:endParaRPr lang="en-US"/>
+          </a:p>
+        </p:txBody>
+      </p:sp>
+      <p:sp>
+        <p:nvSpPr>
+          <p:cNvPr id="2" name="Title 1">
+            <a:extLst>
+              <a:ext uri="{FF2B5EF4-FFF2-40B4-BE49-F238E27FC236}">
+                <a16:creationId xmlns:a16="http://schemas.microsoft.com/office/drawing/2014/main" id="{D45EA9A4-B847-5AA0-26D1-7286164E6004}"/>
+              </a:ext>
+            </a:extLst>
+          </p:cNvPr>
+          <p:cNvSpPr>
+            <a:spLocks noGrp="1"/>
+          </p:cNvSpPr>
+          <p:nvPr>
+            <p:ph type="title"/>
+          </p:nvPr>
+        </p:nvSpPr>
+        <p:spPr>
+          <a:xfrm>
+            <a:off x="7658840" y="679730"/>
+            <a:ext cx="4099405" cy="3787041"/>
+          </a:xfrm>
+          <a:effectLst>
+            <a:outerShdw blurRad="50800" dist="50800" dir="5400000" algn="ctr" rotWithShape="0">
+              <a:srgbClr val="000000">
+                <a:alpha val="99000"/>
+              </a:srgbClr>
+            </a:outerShdw>
+          </a:effectLst>
+        </p:spPr>
+        <p:txBody>
+          <a:bodyPr vert="horz" lIns="91440" tIns="45720" rIns="91440" bIns="45720" rtlCol="0" anchor="b">
+            <a:normAutofit/>
+          </a:bodyPr>
+          <a:lstStyle/>
+          <a:p>
+            <a:r>
+              <a:rPr lang="en-US" sz="6000" b="1" kern="1200" dirty="0">
+                <a:solidFill>
+                  <a:schemeClr val="bg1"/>
+                </a:solidFill>
+                <a:latin typeface="Arial" panose="020B0604020202020204" pitchFamily="34" charset="0"/>
+                <a:cs typeface="Arial" panose="020B0604020202020204" pitchFamily="34" charset="0"/>
+              </a:rPr>
+              <a:t>Thank You</a:t>
+            </a:r>
+          </a:p>
+        </p:txBody>
+      </p:sp>
+      <p:sp>
+        <p:nvSpPr>
+          <p:cNvPr id="12" name="Rectangle 11">
+            <a:extLst>
+              <a:ext uri="{FF2B5EF4-FFF2-40B4-BE49-F238E27FC236}">
+                <a16:creationId xmlns:a16="http://schemas.microsoft.com/office/drawing/2014/main" id="{99413ED5-9ED4-4772-BCE4-2BCAE6B12E35}"/>
+              </a:ext>
+              <a:ext uri="{C183D7F6-B498-43B3-948B-1728B52AA6E4}">
+                <adec:decorative xmlns:adec="http://schemas.microsoft.com/office/drawing/2017/decorative" val="1"/>
+              </a:ext>
+            </a:extLst>
+          </p:cNvPr>
+          <p:cNvSpPr>
+            <a:spLocks noGrp="1" noRot="1" noChangeAspect="1" noMove="1" noResize="1" noEditPoints="1" noAdjustHandles="1" noChangeArrowheads="1" noChangeShapeType="1" noTextEdit="1"/>
+          </p:cNvSpPr>
+          <p:nvPr>
+            <p:extLst>
+              <p:ext uri="{386F3935-93C4-4BCD-93E2-E3B085C9AB24}">
+                <p16:designElem xmlns:p16="http://schemas.microsoft.com/office/powerpoint/2015/main" val="1"/>
+              </p:ext>
+            </p:extLst>
+          </p:nvPr>
+        </p:nvSpPr>
+        <p:spPr>
+          <a:xfrm rot="16200000">
+            <a:off x="2605660" y="145634"/>
+            <a:ext cx="1715478" cy="6926797"/>
+          </a:xfrm>
+          <a:prstGeom prst="rect">
+            <a:avLst/>
+          </a:prstGeom>
+          <a:solidFill>
+            <a:schemeClr val="accent4"/>
+          </a:solidFill>
+          <a:ln>
+            <a:noFill/>
+          </a:ln>
+        </p:spPr>
+        <p:style>
+          <a:lnRef idx="2">
+            <a:schemeClr val="accent1">
+              <a:shade val="50000"/>
+            </a:schemeClr>
+          </a:lnRef>
+          <a:fillRef idx="1">
+            <a:schemeClr val="accent1"/>
+          </a:fillRef>
+          <a:effectRef idx="0">
+            <a:schemeClr val="accent1"/>
+          </a:effectRef>
+          <a:fontRef idx="minor">
+            <a:schemeClr val="lt1"/>
+          </a:fontRef>
+        </p:style>
+        <p:txBody>
+          <a:bodyPr rtlCol="0" anchor="ctr"/>
+          <a:lstStyle/>
+          <a:p>
+            <a:pPr algn="ctr"/>
+            <a:endParaRPr lang="en-US" dirty="0"/>
+          </a:p>
+        </p:txBody>
+      </p:sp>
+      <p:sp>
+        <p:nvSpPr>
+          <p:cNvPr id="14" name="Rectangle 13">
+            <a:extLst>
+              <a:ext uri="{FF2B5EF4-FFF2-40B4-BE49-F238E27FC236}">
+                <a16:creationId xmlns:a16="http://schemas.microsoft.com/office/drawing/2014/main" id="{04357C93-F0CB-4A1C-8F77-4E9063789819}"/>
+              </a:ext>
+              <a:ext uri="{C183D7F6-B498-43B3-948B-1728B52AA6E4}">
+                <adec:decorative xmlns:adec="http://schemas.microsoft.com/office/drawing/2017/decorative" val="1"/>
+              </a:ext>
+            </a:extLst>
+          </p:cNvPr>
+          <p:cNvSpPr>
+            <a:spLocks noGrp="1" noRot="1" noChangeAspect="1" noMove="1" noResize="1" noEditPoints="1" noAdjustHandles="1" noChangeArrowheads="1" noChangeShapeType="1" noTextEdit="1"/>
+          </p:cNvSpPr>
+          <p:nvPr>
+            <p:extLst>
+              <p:ext uri="{386F3935-93C4-4BCD-93E2-E3B085C9AB24}">
+                <p16:designElem xmlns:p16="http://schemas.microsoft.com/office/powerpoint/2015/main" val="1"/>
+              </p:ext>
+            </p:extLst>
+          </p:nvPr>
+        </p:nvSpPr>
+        <p:spPr>
+          <a:xfrm>
+            <a:off x="688623" y="269325"/>
+            <a:ext cx="6116779" cy="6171936"/>
+          </a:xfrm>
+          <a:prstGeom prst="rect">
+            <a:avLst/>
+          </a:prstGeom>
+          <a:solidFill>
+            <a:schemeClr val="bg1"/>
+          </a:solidFill>
+          <a:ln>
+            <a:noFill/>
+          </a:ln>
+          <a:effectLst>
+            <a:outerShdw blurRad="139700" dist="127000" dir="5400000" algn="t" rotWithShape="0">
+              <a:prstClr val="black">
+                <a:alpha val="15000"/>
+              </a:prstClr>
+            </a:outerShdw>
+          </a:effectLst>
+        </p:spPr>
+        <p:style>
+          <a:lnRef idx="2">
+            <a:schemeClr val="accent1">
+              <a:shade val="50000"/>
+            </a:schemeClr>
+          </a:lnRef>
+          <a:fillRef idx="1">
+            <a:schemeClr val="accent1"/>
+          </a:fillRef>
+          <a:effectRef idx="0">
+            <a:schemeClr val="accent1"/>
+          </a:effectRef>
+          <a:fontRef idx="minor">
+            <a:schemeClr val="lt1"/>
+          </a:fontRef>
+        </p:style>
+        <p:txBody>
+          <a:bodyPr rtlCol="0" anchor="ctr"/>
+          <a:lstStyle/>
+          <a:p>
+            <a:pPr algn="ctr"/>
+            <a:endParaRPr lang="en-US"/>
+          </a:p>
+        </p:txBody>
+      </p:sp>
+      <p:pic>
+        <p:nvPicPr>
+          <p:cNvPr id="5" name="Picture 4" descr="A screenshot of a game&#10;&#10;Description automatically generated">
+            <a:extLst>
+              <a:ext uri="{FF2B5EF4-FFF2-40B4-BE49-F238E27FC236}">
+                <a16:creationId xmlns:a16="http://schemas.microsoft.com/office/drawing/2014/main" id="{59A9580A-9D17-0074-97BD-212D51DBDD43}"/>
+              </a:ext>
+            </a:extLst>
+          </p:cNvPr>
+          <p:cNvPicPr>
+            <a:picLocks noChangeAspect="1"/>
+          </p:cNvPicPr>
+          <p:nvPr/>
+        </p:nvPicPr>
+        <p:blipFill>
+          <a:blip r:embed="rId2"/>
+          <a:stretch>
+            <a:fillRect/>
+          </a:stretch>
+        </p:blipFill>
+        <p:spPr>
+          <a:xfrm>
+            <a:off x="992634" y="538941"/>
+            <a:ext cx="5508756" cy="5632704"/>
+          </a:xfrm>
+          <a:prstGeom prst="rect">
+            <a:avLst/>
+          </a:prstGeom>
+        </p:spPr>
+      </p:pic>
+      <p:sp>
+        <p:nvSpPr>
+          <p:cNvPr id="16" name="Rectangle 15">
+            <a:extLst>
+              <a:ext uri="{FF2B5EF4-FFF2-40B4-BE49-F238E27FC236}">
+                <a16:creationId xmlns:a16="http://schemas.microsoft.com/office/drawing/2014/main" id="{6CF143E5-57C3-46A3-91A2-EDAA7A8E6A75}"/>
+              </a:ext>
+              <a:ext uri="{C183D7F6-B498-43B3-948B-1728B52AA6E4}">
+                <adec:decorative xmlns:adec="http://schemas.microsoft.com/office/drawing/2017/decorative" val="1"/>
+              </a:ext>
+            </a:extLst>
+          </p:cNvPr>
+          <p:cNvSpPr>
+            <a:spLocks noGrp="1" noRot="1" noChangeAspect="1" noMove="1" noResize="1" noEditPoints="1" noAdjustHandles="1" noChangeArrowheads="1" noChangeShapeType="1" noTextEdit="1"/>
+          </p:cNvSpPr>
+          <p:nvPr>
+            <p:extLst>
+              <p:ext uri="{386F3935-93C4-4BCD-93E2-E3B085C9AB24}">
+                <p16:designElem xmlns:p16="http://schemas.microsoft.com/office/powerpoint/2015/main" val="1"/>
+              </p:ext>
+            </p:extLst>
+          </p:nvPr>
+        </p:nvSpPr>
+        <p:spPr>
+          <a:xfrm>
+            <a:off x="7080788" y="2754068"/>
+            <a:ext cx="149016" cy="1709928"/>
+          </a:xfrm>
+          <a:prstGeom prst="rect">
+            <a:avLst/>
+          </a:prstGeom>
+          <a:solidFill>
+            <a:schemeClr val="accent4"/>
+          </a:solidFill>
+          <a:ln>
+            <a:noFill/>
+          </a:ln>
+        </p:spPr>
+        <p:style>
+          <a:lnRef idx="2">
+            <a:schemeClr val="accent1">
+              <a:shade val="50000"/>
+            </a:schemeClr>
+          </a:lnRef>
+          <a:fillRef idx="1">
+            <a:schemeClr val="accent1"/>
+          </a:fillRef>
+          <a:effectRef idx="0">
+            <a:schemeClr val="accent1"/>
+          </a:effectRef>
+          <a:fontRef idx="minor">
+            <a:schemeClr val="lt1"/>
+          </a:fontRef>
+        </p:style>
+        <p:txBody>
+          <a:bodyPr rtlCol="0" anchor="ctr"/>
+          <a:lstStyle/>
+          <a:p>
+            <a:pPr algn="ctr"/>
+            <a:endParaRPr lang="en-US"/>
+          </a:p>
+        </p:txBody>
+      </p:sp>
+    </p:spTree>
+    <p:extLst>
+      <p:ext uri="{BB962C8B-B14F-4D97-AF65-F5344CB8AC3E}">
+        <p14:creationId xmlns:p14="http://schemas.microsoft.com/office/powerpoint/2010/main" val="3114209812"/>
+      </p:ext>
+    </p:extLst>
+  </p:cSld>
+  <p:clrMapOvr>
+    <a:masterClrMapping/>
+  </p:clrMapOvr>
+</p:sld>
+</file>
+
+<file path=ppt/slides/slide2.xml><?xml version="1.0" encoding="utf-8"?>
+<p:sld xmlns:a="http://schemas.openxmlformats.org/drawingml/2006/main" xmlns:r="http://schemas.openxmlformats.org/officeDocument/2006/relationships" xmlns:p="http://schemas.openxmlformats.org/presentationml/2006/main" show="0">
+  <p:cSld>
+    <p:bg>
+      <p:bgPr>
+        <a:solidFill>
+          <a:srgbClr val="2F4F4F"/>
+        </a:solidFill>
+        <a:effectLst/>
+      </p:bgPr>
+    </p:bg>
+    <p:spTree>
+      <p:nvGrpSpPr>
+        <p:cNvPr id="1" name=""/>
+        <p:cNvGrpSpPr/>
+        <p:nvPr/>
+      </p:nvGrpSpPr>
+      <p:grpSpPr>
+        <a:xfrm>
+          <a:off x="0" y="0"/>
+          <a:ext cx="0" cy="0"/>
+          <a:chOff x="0" y="0"/>
+          <a:chExt cx="0" cy="0"/>
+        </a:xfrm>
+      </p:grpSpPr>
+      <p:sp useBgFill="1">
+        <p:nvSpPr>
+          <p:cNvPr id="1031" name="Rectangle 1030">
+            <a:extLst>
+              <a:ext uri="{FF2B5EF4-FFF2-40B4-BE49-F238E27FC236}">
+                <a16:creationId xmlns:a16="http://schemas.microsoft.com/office/drawing/2014/main" id="{DBC6133C-0615-4CE4-9132-37E609A9BDFA}"/>
+              </a:ext>
+              <a:ext uri="{C183D7F6-B498-43B3-948B-1728B52AA6E4}">
+                <adec:decorative xmlns:adec="http://schemas.microsoft.com/office/drawing/2017/decorative" val="1"/>
+              </a:ext>
+            </a:extLst>
+          </p:cNvPr>
+          <p:cNvSpPr>
+            <a:spLocks noGrp="1" noRot="1" noChangeAspect="1" noMove="1" noResize="1" noEditPoints="1" noAdjustHandles="1" noChangeArrowheads="1" noChangeShapeType="1" noTextEdit="1"/>
+          </p:cNvSpPr>
+          <p:nvPr>
+            <p:extLst>
+              <p:ext uri="{386F3935-93C4-4BCD-93E2-E3B085C9AB24}">
+                <p16:designElem xmlns:p16="http://schemas.microsoft.com/office/powerpoint/2015/main" val="1"/>
+              </p:ext>
+            </p:extLst>
+          </p:nvPr>
+        </p:nvSpPr>
+        <p:spPr>
+          <a:xfrm>
+            <a:off x="0" y="0"/>
+            <a:ext cx="12191999" cy="6857365"/>
+          </a:xfrm>
+          <a:prstGeom prst="rect">
+            <a:avLst/>
+          </a:prstGeom>
+          <a:ln>
+            <a:noFill/>
+          </a:ln>
+        </p:spPr>
+        <p:style>
+          <a:lnRef idx="2">
+            <a:schemeClr val="accent1">
+              <a:shade val="50000"/>
+            </a:schemeClr>
+          </a:lnRef>
+          <a:fillRef idx="1">
+            <a:schemeClr val="accent1"/>
+          </a:fillRef>
+          <a:effectRef idx="0">
+            <a:schemeClr val="accent1"/>
+          </a:effectRef>
+          <a:fontRef idx="minor">
+            <a:schemeClr val="lt1"/>
+          </a:fontRef>
+        </p:style>
+        <p:txBody>
+          <a:bodyPr rtlCol="0" anchor="ctr"/>
+          <a:lstStyle/>
+          <a:p>
+            <a:pPr algn="ctr"/>
+            <a:endParaRPr lang="en-US"/>
+          </a:p>
+        </p:txBody>
+      </p:sp>
+      <p:sp>
+        <p:nvSpPr>
+          <p:cNvPr id="2" name="Title 1">
+            <a:extLst>
+              <a:ext uri="{FF2B5EF4-FFF2-40B4-BE49-F238E27FC236}">
+                <a16:creationId xmlns:a16="http://schemas.microsoft.com/office/drawing/2014/main" id="{EB052942-5728-F2FF-4734-82EC9E44023F}"/>
+              </a:ext>
+            </a:extLst>
+          </p:cNvPr>
+          <p:cNvSpPr>
+            <a:spLocks noGrp="1"/>
+          </p:cNvSpPr>
+          <p:nvPr>
+            <p:ph type="title"/>
+          </p:nvPr>
+        </p:nvSpPr>
+        <p:spPr>
+          <a:xfrm>
+            <a:off x="645064" y="525982"/>
+            <a:ext cx="4282983" cy="1200361"/>
+          </a:xfrm>
+        </p:spPr>
+        <p:txBody>
+          <a:bodyPr anchor="b">
+            <a:normAutofit/>
+          </a:bodyPr>
+          <a:lstStyle/>
+          <a:p>
+            <a:r>
+              <a:rPr lang="en-US" b="1" dirty="0">
+                <a:solidFill>
+                  <a:schemeClr val="bg1"/>
+                </a:solidFill>
+                <a:latin typeface="Arial" panose="020B0604020202020204" pitchFamily="34" charset="0"/>
+                <a:ea typeface="Cambria" panose="02040503050406030204" pitchFamily="18" charset="0"/>
+                <a:cs typeface="Arial" panose="020B0604020202020204" pitchFamily="34" charset="0"/>
+              </a:rPr>
+              <a:t>The Prompt</a:t>
+            </a:r>
+          </a:p>
+        </p:txBody>
+      </p:sp>
+      <p:sp>
+        <p:nvSpPr>
+          <p:cNvPr id="1033" name="Rectangle 1032">
+            <a:extLst>
+              <a:ext uri="{FF2B5EF4-FFF2-40B4-BE49-F238E27FC236}">
+                <a16:creationId xmlns:a16="http://schemas.microsoft.com/office/drawing/2014/main" id="{169CC832-2974-4E8D-90ED-3E2941BA7336}"/>
+              </a:ext>
+              <a:ext uri="{C183D7F6-B498-43B3-948B-1728B52AA6E4}">
+                <adec:decorative xmlns:adec="http://schemas.microsoft.com/office/drawing/2017/decorative" val="1"/>
+              </a:ext>
+            </a:extLst>
+          </p:cNvPr>
+          <p:cNvSpPr>
+            <a:spLocks noGrp="1" noRot="1" noChangeAspect="1" noMove="1" noResize="1" noEditPoints="1" noAdjustHandles="1" noChangeArrowheads="1" noChangeShapeType="1" noTextEdit="1"/>
+          </p:cNvSpPr>
+          <p:nvPr>
+            <p:extLst>
+              <p:ext uri="{386F3935-93C4-4BCD-93E2-E3B085C9AB24}">
+                <p16:designElem xmlns:p16="http://schemas.microsoft.com/office/powerpoint/2015/main" val="1"/>
+              </p:ext>
+            </p:extLst>
+          </p:nvPr>
+        </p:nvSpPr>
+        <p:spPr>
+          <a:xfrm flipH="1">
+            <a:off x="616533" y="1944913"/>
+            <a:ext cx="4023360" cy="27432"/>
+          </a:xfrm>
+          <a:prstGeom prst="rect">
+            <a:avLst/>
+          </a:prstGeom>
+          <a:solidFill>
+            <a:schemeClr val="accent4"/>
+          </a:solidFill>
+          <a:ln>
+            <a:noFill/>
+          </a:ln>
+        </p:spPr>
+        <p:style>
+          <a:lnRef idx="2">
+            <a:schemeClr val="accent1">
+              <a:shade val="50000"/>
+            </a:schemeClr>
+          </a:lnRef>
+          <a:fillRef idx="1">
+            <a:schemeClr val="accent1"/>
+          </a:fillRef>
+          <a:effectRef idx="0">
+            <a:schemeClr val="accent1"/>
+          </a:effectRef>
+          <a:fontRef idx="minor">
+            <a:schemeClr val="lt1"/>
+          </a:fontRef>
+        </p:style>
+        <p:txBody>
+          <a:bodyPr rtlCol="0" anchor="ctr"/>
+          <a:lstStyle/>
+          <a:p>
+            <a:pPr algn="ctr"/>
+            <a:endParaRPr lang="en-US"/>
+          </a:p>
+        </p:txBody>
+      </p:sp>
+      <p:sp>
+        <p:nvSpPr>
+          <p:cNvPr id="3" name="Content Placeholder 2">
+            <a:extLst>
+              <a:ext uri="{FF2B5EF4-FFF2-40B4-BE49-F238E27FC236}">
+                <a16:creationId xmlns:a16="http://schemas.microsoft.com/office/drawing/2014/main" id="{BD88B01F-5436-A959-FE59-3D6632AF239C}"/>
+              </a:ext>
+            </a:extLst>
+          </p:cNvPr>
+          <p:cNvSpPr>
+            <a:spLocks noGrp="1"/>
+          </p:cNvSpPr>
+          <p:nvPr>
+            <p:ph idx="1"/>
+          </p:nvPr>
+        </p:nvSpPr>
+        <p:spPr>
+          <a:xfrm>
+            <a:off x="645065" y="2031101"/>
+            <a:ext cx="4785717" cy="3511943"/>
+          </a:xfrm>
+        </p:spPr>
+        <p:txBody>
+          <a:bodyPr anchor="ctr">
+            <a:normAutofit/>
+          </a:bodyPr>
+          <a:lstStyle/>
+          <a:p>
+            <a:pPr marL="0" indent="0">
+              <a:buNone/>
+            </a:pPr>
+            <a:r>
+              <a:rPr lang="en-US" sz="1600" b="0" i="0" dirty="0">
+                <a:solidFill>
+                  <a:schemeClr val="bg1"/>
+                </a:solidFill>
+                <a:effectLst/>
+                <a:latin typeface="Cambria" panose="02040503050406030204" pitchFamily="18" charset="0"/>
+                <a:ea typeface="Cambria" panose="02040503050406030204" pitchFamily="18" charset="0"/>
+              </a:rPr>
+              <a:t>In 2022, Wordle and similar word games were all the rage across the world. Develop a word game with rules and a theme of your choice.</a:t>
+            </a:r>
+          </a:p>
+          <a:p>
+            <a:r>
+              <a:rPr lang="en-US" sz="1600" dirty="0">
+                <a:solidFill>
+                  <a:schemeClr val="bg1"/>
+                </a:solidFill>
+                <a:latin typeface="Cambria" panose="02040503050406030204" pitchFamily="18" charset="0"/>
+                <a:ea typeface="Cambria" panose="02040503050406030204" pitchFamily="18" charset="0"/>
+              </a:rPr>
+              <a:t>The game should be an executable game, either through the Internet or through a local installation (review guidelines about Internet access at the National Leadership Conference).</a:t>
+            </a:r>
+          </a:p>
+          <a:p>
+            <a:r>
+              <a:rPr lang="en-US" sz="1600" dirty="0">
+                <a:solidFill>
+                  <a:schemeClr val="bg1"/>
+                </a:solidFill>
+                <a:latin typeface="Cambria" panose="02040503050406030204" pitchFamily="18" charset="0"/>
+                <a:ea typeface="Cambria" panose="02040503050406030204" pitchFamily="18" charset="0"/>
+              </a:rPr>
+              <a:t>The game should contain a scoreboard.</a:t>
+            </a:r>
+          </a:p>
+          <a:p>
+            <a:r>
+              <a:rPr lang="en-US" sz="1600" dirty="0">
+                <a:solidFill>
+                  <a:schemeClr val="bg1"/>
+                </a:solidFill>
+                <a:latin typeface="Cambria" panose="02040503050406030204" pitchFamily="18" charset="0"/>
+                <a:ea typeface="Cambria" panose="02040503050406030204" pitchFamily="18" charset="0"/>
+              </a:rPr>
+              <a:t>The game should contain a leaderboard and celebratory messages.</a:t>
+            </a:r>
+          </a:p>
+          <a:p>
+            <a:r>
+              <a:rPr lang="en-US" sz="1600" dirty="0">
+                <a:solidFill>
+                  <a:schemeClr val="bg1"/>
+                </a:solidFill>
+                <a:latin typeface="Cambria" panose="02040503050406030204" pitchFamily="18" charset="0"/>
+                <a:ea typeface="Cambria" panose="02040503050406030204" pitchFamily="18" charset="0"/>
+              </a:rPr>
+              <a:t>The game should have a minimum of three levels.</a:t>
+            </a:r>
+          </a:p>
+          <a:p>
+            <a:r>
+              <a:rPr lang="en-US" sz="1600" dirty="0">
+                <a:solidFill>
+                  <a:schemeClr val="bg1"/>
+                </a:solidFill>
+                <a:latin typeface="Cambria" panose="02040503050406030204" pitchFamily="18" charset="0"/>
+                <a:ea typeface="Cambria" panose="02040503050406030204" pitchFamily="18" charset="0"/>
+              </a:rPr>
+              <a:t>The game should have an instructional display.</a:t>
+            </a:r>
+          </a:p>
+        </p:txBody>
+      </p:sp>
+      <p:sp>
+        <p:nvSpPr>
+          <p:cNvPr id="1035" name="Rectangle 1034">
+            <a:extLst>
+              <a:ext uri="{FF2B5EF4-FFF2-40B4-BE49-F238E27FC236}">
+                <a16:creationId xmlns:a16="http://schemas.microsoft.com/office/drawing/2014/main" id="{55222F96-971A-4F90-B841-6BAB416C7AC1}"/>
+              </a:ext>
+              <a:ext uri="{C183D7F6-B498-43B3-948B-1728B52AA6E4}">
+                <adec:decorative xmlns:adec="http://schemas.microsoft.com/office/drawing/2017/decorative" val="1"/>
+              </a:ext>
+            </a:extLst>
+          </p:cNvPr>
+          <p:cNvSpPr>
+            <a:spLocks noGrp="1" noRot="1" noChangeAspect="1" noMove="1" noResize="1" noEditPoints="1" noAdjustHandles="1" noChangeArrowheads="1" noChangeShapeType="1" noTextEdit="1"/>
+          </p:cNvSpPr>
+          <p:nvPr>
+            <p:extLst>
+              <p:ext uri="{386F3935-93C4-4BCD-93E2-E3B085C9AB24}">
+                <p16:designElem xmlns:p16="http://schemas.microsoft.com/office/powerpoint/2015/main" val="1"/>
+              </p:ext>
+            </p:extLst>
+          </p:nvPr>
+        </p:nvSpPr>
+        <p:spPr>
+          <a:xfrm rot="5400000">
+            <a:off x="-225843" y="6053360"/>
+            <a:ext cx="740664" cy="154124"/>
+          </a:xfrm>
+          <a:prstGeom prst="rect">
+            <a:avLst/>
+          </a:prstGeom>
+          <a:solidFill>
+            <a:schemeClr val="accent4"/>
+          </a:solidFill>
+          <a:ln>
+            <a:noFill/>
+          </a:ln>
+        </p:spPr>
+        <p:style>
+          <a:lnRef idx="2">
+            <a:schemeClr val="accent1">
+              <a:shade val="50000"/>
+            </a:schemeClr>
+          </a:lnRef>
+          <a:fillRef idx="1">
+            <a:schemeClr val="accent1"/>
+          </a:fillRef>
+          <a:effectRef idx="0">
+            <a:schemeClr val="accent1"/>
+          </a:effectRef>
+          <a:fontRef idx="minor">
+            <a:schemeClr val="lt1"/>
+          </a:fontRef>
+        </p:style>
+        <p:txBody>
+          <a:bodyPr rtlCol="0" anchor="ctr"/>
+          <a:lstStyle/>
+          <a:p>
+            <a:pPr algn="ctr"/>
+            <a:endParaRPr lang="en-US"/>
+          </a:p>
+        </p:txBody>
+      </p:sp>
+      <p:sp>
+        <p:nvSpPr>
+          <p:cNvPr id="1037" name="Rectangle 1036">
+            <a:extLst>
+              <a:ext uri="{FF2B5EF4-FFF2-40B4-BE49-F238E27FC236}">
+                <a16:creationId xmlns:a16="http://schemas.microsoft.com/office/drawing/2014/main" id="{08980754-6F4B-43C9-B9BE-127B6BED6586}"/>
+              </a:ext>
+              <a:ext uri="{C183D7F6-B498-43B3-948B-1728B52AA6E4}">
+                <adec:decorative xmlns:adec="http://schemas.microsoft.com/office/drawing/2017/decorative" val="1"/>
+              </a:ext>
+            </a:extLst>
+          </p:cNvPr>
+          <p:cNvSpPr>
+            <a:spLocks noGrp="1" noRot="1" noChangeAspect="1" noMove="1" noResize="1" noEditPoints="1" noAdjustHandles="1" noChangeArrowheads="1" noChangeShapeType="1" noTextEdit="1"/>
+          </p:cNvSpPr>
+          <p:nvPr>
+            <p:extLst>
+              <p:ext uri="{386F3935-93C4-4BCD-93E2-E3B085C9AB24}">
+                <p16:designElem xmlns:p16="http://schemas.microsoft.com/office/powerpoint/2015/main" val="1"/>
+              </p:ext>
+            </p:extLst>
+          </p:nvPr>
+        </p:nvSpPr>
+        <p:spPr>
+          <a:xfrm rot="5400000">
+            <a:off x="5904923" y="215201"/>
+            <a:ext cx="740664" cy="11833491"/>
+          </a:xfrm>
+          <a:prstGeom prst="rect">
+            <a:avLst/>
+          </a:prstGeom>
+          <a:solidFill>
+            <a:schemeClr val="accent4"/>
+          </a:solidFill>
+          <a:ln>
+            <a:noFill/>
+          </a:ln>
+        </p:spPr>
+        <p:style>
+          <a:lnRef idx="2">
+            <a:schemeClr val="accent1">
+              <a:shade val="50000"/>
+            </a:schemeClr>
+          </a:lnRef>
+          <a:fillRef idx="1">
+            <a:schemeClr val="accent1"/>
+          </a:fillRef>
+          <a:effectRef idx="0">
+            <a:schemeClr val="accent1"/>
+          </a:effectRef>
+          <a:fontRef idx="minor">
+            <a:schemeClr val="lt1"/>
+          </a:fontRef>
+        </p:style>
+        <p:txBody>
+          <a:bodyPr rtlCol="0" anchor="ctr"/>
+          <a:lstStyle/>
+          <a:p>
+            <a:pPr algn="ctr"/>
+            <a:endParaRPr lang="en-US"/>
+          </a:p>
+        </p:txBody>
+      </p:sp>
+      <p:sp>
+        <p:nvSpPr>
+          <p:cNvPr id="1039" name="Rectangle 1038">
+            <a:extLst>
+              <a:ext uri="{FF2B5EF4-FFF2-40B4-BE49-F238E27FC236}">
+                <a16:creationId xmlns:a16="http://schemas.microsoft.com/office/drawing/2014/main" id="{2C1BBA94-3F40-40AA-8BB9-E69E25E537C1}"/>
+              </a:ext>
+              <a:ext uri="{C183D7F6-B498-43B3-948B-1728B52AA6E4}">
+                <adec:decorative xmlns:adec="http://schemas.microsoft.com/office/drawing/2017/decorative" val="1"/>
+              </a:ext>
+            </a:extLst>
+          </p:cNvPr>
+          <p:cNvSpPr>
+            <a:spLocks noGrp="1" noRot="1" noChangeAspect="1" noMove="1" noResize="1" noEditPoints="1" noAdjustHandles="1" noChangeArrowheads="1" noChangeShapeType="1" noTextEdit="1"/>
+          </p:cNvSpPr>
+          <p:nvPr>
+            <p:extLst>
+              <p:ext uri="{386F3935-93C4-4BCD-93E2-E3B085C9AB24}">
+                <p16:designElem xmlns:p16="http://schemas.microsoft.com/office/powerpoint/2015/main" val="1"/>
+              </p:ext>
+            </p:extLst>
+          </p:nvPr>
+        </p:nvSpPr>
+        <p:spPr>
+          <a:xfrm>
+            <a:off x="5696793" y="354959"/>
+            <a:ext cx="6184973" cy="5915212"/>
+          </a:xfrm>
+          <a:prstGeom prst="rect">
+            <a:avLst/>
+          </a:prstGeom>
+          <a:solidFill>
+            <a:schemeClr val="bg1"/>
+          </a:solidFill>
+          <a:ln>
+            <a:noFill/>
+          </a:ln>
+          <a:effectLst>
+            <a:outerShdw blurRad="139700" dist="127000" dir="5400000" algn="t" rotWithShape="0">
+              <a:prstClr val="black">
+                <a:alpha val="15000"/>
+              </a:prstClr>
+            </a:outerShdw>
+          </a:effectLst>
+        </p:spPr>
+        <p:style>
+          <a:lnRef idx="2">
+            <a:schemeClr val="accent1">
+              <a:shade val="50000"/>
+            </a:schemeClr>
+          </a:lnRef>
+          <a:fillRef idx="1">
+            <a:schemeClr val="accent1"/>
+          </a:fillRef>
+          <a:effectRef idx="0">
+            <a:schemeClr val="accent1"/>
+          </a:effectRef>
+          <a:fontRef idx="minor">
+            <a:schemeClr val="lt1"/>
+          </a:fontRef>
+        </p:style>
+        <p:txBody>
+          <a:bodyPr rtlCol="0" anchor="ctr"/>
+          <a:lstStyle/>
+          <a:p>
+            <a:pPr algn="ctr"/>
+            <a:endParaRPr lang="en-US"/>
+          </a:p>
+        </p:txBody>
+      </p:sp>
+      <p:pic>
+        <p:nvPicPr>
+          <p:cNvPr id="1026" name="Picture 2" descr="A Deep Dive into Wordle, the New Pandemic Puzzle Craze | by Sejal Dua |  Towards Data Science">
+            <a:extLst>
+              <a:ext uri="{FF2B5EF4-FFF2-40B4-BE49-F238E27FC236}">
+                <a16:creationId xmlns:a16="http://schemas.microsoft.com/office/drawing/2014/main" id="{773E8828-D6C9-8FC5-F0F5-751B308D0CC8}"/>
+              </a:ext>
+            </a:extLst>
+          </p:cNvPr>
+          <p:cNvPicPr>
+            <a:picLocks noChangeAspect="1" noChangeArrowheads="1"/>
+          </p:cNvPicPr>
+          <p:nvPr/>
+        </p:nvPicPr>
+        <p:blipFill>
+          <a:blip r:embed="rId2">
+            <a:extLst>
+              <a:ext uri="{28A0092B-C50C-407E-A947-70E740481C1C}">
+                <a14:useLocalDpi xmlns:a14="http://schemas.microsoft.com/office/drawing/2010/main" val="0"/>
+              </a:ext>
+            </a:extLst>
+          </a:blip>
+          <a:stretch>
+            <a:fillRect/>
+          </a:stretch>
+        </p:blipFill>
+        <p:spPr bwMode="auto">
+          <a:xfrm>
+            <a:off x="5987738" y="801062"/>
+            <a:ext cx="5628018" cy="5023005"/>
+          </a:xfrm>
+          <a:prstGeom prst="rect">
+            <a:avLst/>
+          </a:prstGeom>
+          <a:noFill/>
+          <a:extLst>
+            <a:ext uri="{909E8E84-426E-40DD-AFC4-6F175D3DCCD1}">
+              <a14:hiddenFill xmlns:a14="http://schemas.microsoft.com/office/drawing/2010/main">
+                <a:solidFill>
+                  <a:srgbClr val="FFFFFF"/>
+                </a:solidFill>
+              </a14:hiddenFill>
+            </a:ext>
+          </a:extLst>
+        </p:spPr>
+      </p:pic>
+    </p:spTree>
+    <p:extLst>
+      <p:ext uri="{BB962C8B-B14F-4D97-AF65-F5344CB8AC3E}">
+        <p14:creationId xmlns:p14="http://schemas.microsoft.com/office/powerpoint/2010/main" val="326763448"/>
+      </p:ext>
+    </p:extLst>
+  </p:cSld>
+  <p:clrMapOvr>
+    <a:masterClrMapping/>
+  </p:clrMapOvr>
+</p:sld>
+</file>
+
+<file path=ppt/slides/slide3.xml><?xml version="1.0" encoding="utf-8"?>
+<p:sld xmlns:a="http://schemas.openxmlformats.org/drawingml/2006/main" xmlns:r="http://schemas.openxmlformats.org/officeDocument/2006/relationships" xmlns:p="http://schemas.openxmlformats.org/presentationml/2006/main">
+  <p:cSld>
+    <p:bg>
+      <p:bgPr>
+        <a:solidFill>
+          <a:srgbClr val="426F6E"/>
+        </a:solidFill>
+        <a:effectLst/>
+      </p:bgPr>
+    </p:bg>
+    <p:spTree>
+      <p:nvGrpSpPr>
+        <p:cNvPr id="1" name=""/>
+        <p:cNvGrpSpPr/>
+        <p:nvPr/>
+      </p:nvGrpSpPr>
+      <p:grpSpPr>
+        <a:xfrm>
+          <a:off x="0" y="0"/>
+          <a:ext cx="0" cy="0"/>
+          <a:chOff x="0" y="0"/>
+          <a:chExt cx="0" cy="0"/>
+        </a:xfrm>
+      </p:grpSpPr>
+      <p:sp useBgFill="1">
+        <p:nvSpPr>
+          <p:cNvPr id="13" name="Rectangle 9">
+            <a:extLst>
+              <a:ext uri="{FF2B5EF4-FFF2-40B4-BE49-F238E27FC236}">
+                <a16:creationId xmlns:a16="http://schemas.microsoft.com/office/drawing/2014/main" id="{F13C74B1-5B17-4795-BED0-7140497B445A}"/>
+              </a:ext>
+              <a:ext uri="{C183D7F6-B498-43B3-948B-1728B52AA6E4}">
+                <adec:decorative xmlns:adec="http://schemas.microsoft.com/office/drawing/2017/decorative" val="1"/>
+              </a:ext>
+            </a:extLst>
+          </p:cNvPr>
+          <p:cNvSpPr>
+            <a:spLocks noGrp="1" noRot="1" noChangeAspect="1" noMove="1" noResize="1" noEditPoints="1" noAdjustHandles="1" noChangeArrowheads="1" noChangeShapeType="1" noTextEdit="1"/>
+          </p:cNvSpPr>
+          <p:nvPr>
+            <p:extLst>
+              <p:ext uri="{386F3935-93C4-4BCD-93E2-E3B085C9AB24}">
+                <p16:designElem xmlns:p16="http://schemas.microsoft.com/office/powerpoint/2015/main" val="1"/>
+              </p:ext>
+            </p:extLst>
+          </p:nvPr>
+        </p:nvSpPr>
+        <p:spPr>
+          <a:xfrm>
+            <a:off x="0" y="0"/>
+            <a:ext cx="12188952" cy="6858000"/>
+          </a:xfrm>
+          <a:prstGeom prst="rect">
+            <a:avLst/>
+          </a:prstGeom>
+          <a:ln>
+            <a:noFill/>
+          </a:ln>
+        </p:spPr>
+        <p:style>
+          <a:lnRef idx="2">
+            <a:schemeClr val="accent1">
+              <a:shade val="50000"/>
+            </a:schemeClr>
+          </a:lnRef>
+          <a:fillRef idx="1">
+            <a:schemeClr val="accent1"/>
+          </a:fillRef>
+          <a:effectRef idx="0">
+            <a:schemeClr val="accent1"/>
+          </a:effectRef>
+          <a:fontRef idx="minor">
+            <a:schemeClr val="lt1"/>
+          </a:fontRef>
+        </p:style>
+        <p:txBody>
+          <a:bodyPr rtlCol="0" anchor="ctr"/>
+          <a:lstStyle/>
+          <a:p>
+            <a:pPr algn="ctr"/>
+            <a:endParaRPr lang="en-US"/>
+          </a:p>
+        </p:txBody>
+      </p:sp>
+      <p:sp>
+        <p:nvSpPr>
+          <p:cNvPr id="2" name="Title 1">
+            <a:extLst>
+              <a:ext uri="{FF2B5EF4-FFF2-40B4-BE49-F238E27FC236}">
+                <a16:creationId xmlns:a16="http://schemas.microsoft.com/office/drawing/2014/main" id="{1BD18B06-04C2-7F76-82FF-2A6ADB4A3199}"/>
+              </a:ext>
+            </a:extLst>
+          </p:cNvPr>
+          <p:cNvSpPr>
+            <a:spLocks noGrp="1"/>
+          </p:cNvSpPr>
+          <p:nvPr>
+            <p:ph type="title"/>
+          </p:nvPr>
+        </p:nvSpPr>
+        <p:spPr>
+          <a:xfrm>
+            <a:off x="640080" y="325369"/>
+            <a:ext cx="4368602" cy="1956841"/>
+          </a:xfrm>
+        </p:spPr>
+        <p:txBody>
+          <a:bodyPr anchor="b">
+            <a:normAutofit/>
+          </a:bodyPr>
+          <a:lstStyle/>
+          <a:p>
+            <a:r>
+              <a:rPr lang="en-US" sz="5400" b="1" dirty="0">
+                <a:solidFill>
+                  <a:schemeClr val="bg1"/>
+                </a:solidFill>
+                <a:latin typeface="Arial" panose="020B0604020202020204" pitchFamily="34" charset="0"/>
+                <a:ea typeface="Cambria" panose="02040503050406030204" pitchFamily="18" charset="0"/>
+                <a:cs typeface="Arial" panose="020B0604020202020204" pitchFamily="34" charset="0"/>
+              </a:rPr>
+              <a:t>My Game</a:t>
+            </a:r>
+          </a:p>
+        </p:txBody>
+      </p:sp>
+      <p:sp>
+        <p:nvSpPr>
+          <p:cNvPr id="12" name="sketchy line">
+            <a:extLst>
+              <a:ext uri="{FF2B5EF4-FFF2-40B4-BE49-F238E27FC236}">
+                <a16:creationId xmlns:a16="http://schemas.microsoft.com/office/drawing/2014/main" id="{D4974D33-8DC5-464E-8C6D-BE58F0669C17}"/>
+              </a:ext>
+              <a:ext uri="{C183D7F6-B498-43B3-948B-1728B52AA6E4}">
+                <adec:decorative xmlns:adec="http://schemas.microsoft.com/office/drawing/2017/decorative" val="1"/>
+              </a:ext>
+            </a:extLst>
+          </p:cNvPr>
+          <p:cNvSpPr>
+            <a:spLocks noGrp="1" noRot="1" noChangeAspect="1" noMove="1" noResize="1" noEditPoints="1" noAdjustHandles="1" noChangeArrowheads="1" noChangeShapeType="1" noTextEdit="1"/>
+          </p:cNvSpPr>
+          <p:nvPr>
+            <p:extLst>
+              <p:ext uri="{386F3935-93C4-4BCD-93E2-E3B085C9AB24}">
+                <p16:designElem xmlns:p16="http://schemas.microsoft.com/office/powerpoint/2015/main" val="1"/>
+              </p:ext>
+            </p:extLst>
+          </p:nvPr>
+        </p:nvSpPr>
+        <p:spPr>
+          <a:xfrm>
+            <a:off x="640080" y="2586994"/>
+            <a:ext cx="3474720" cy="18288"/>
+          </a:xfrm>
+          <a:custGeom>
+            <a:avLst/>
+            <a:gdLst>
+              <a:gd name="connsiteX0" fmla="*/ 0 w 3474720"/>
+              <a:gd name="connsiteY0" fmla="*/ 0 h 18288"/>
+              <a:gd name="connsiteX1" fmla="*/ 694944 w 3474720"/>
+              <a:gd name="connsiteY1" fmla="*/ 0 h 18288"/>
+              <a:gd name="connsiteX2" fmla="*/ 1355141 w 3474720"/>
+              <a:gd name="connsiteY2" fmla="*/ 0 h 18288"/>
+              <a:gd name="connsiteX3" fmla="*/ 2015338 w 3474720"/>
+              <a:gd name="connsiteY3" fmla="*/ 0 h 18288"/>
+              <a:gd name="connsiteX4" fmla="*/ 2779776 w 3474720"/>
+              <a:gd name="connsiteY4" fmla="*/ 0 h 18288"/>
+              <a:gd name="connsiteX5" fmla="*/ 3474720 w 3474720"/>
+              <a:gd name="connsiteY5" fmla="*/ 0 h 18288"/>
+              <a:gd name="connsiteX6" fmla="*/ 3474720 w 3474720"/>
+              <a:gd name="connsiteY6" fmla="*/ 18288 h 18288"/>
+              <a:gd name="connsiteX7" fmla="*/ 2779776 w 3474720"/>
+              <a:gd name="connsiteY7" fmla="*/ 18288 h 18288"/>
+              <a:gd name="connsiteX8" fmla="*/ 2189074 w 3474720"/>
+              <a:gd name="connsiteY8" fmla="*/ 18288 h 18288"/>
+              <a:gd name="connsiteX9" fmla="*/ 1528877 w 3474720"/>
+              <a:gd name="connsiteY9" fmla="*/ 18288 h 18288"/>
+              <a:gd name="connsiteX10" fmla="*/ 868680 w 3474720"/>
+              <a:gd name="connsiteY10" fmla="*/ 18288 h 18288"/>
+              <a:gd name="connsiteX11" fmla="*/ 0 w 3474720"/>
+              <a:gd name="connsiteY11" fmla="*/ 18288 h 18288"/>
+              <a:gd name="connsiteX12" fmla="*/ 0 w 3474720"/>
+              <a:gd name="connsiteY12" fmla="*/ 0 h 18288"/>
+            </a:gdLst>
+            <a:ahLst/>
+            <a:cxnLst>
+              <a:cxn ang="0">
+                <a:pos x="connsiteX0" y="connsiteY0"/>
+              </a:cxn>
+              <a:cxn ang="0">
+                <a:pos x="connsiteX1" y="connsiteY1"/>
+              </a:cxn>
+              <a:cxn ang="0">
+                <a:pos x="connsiteX2" y="connsiteY2"/>
+              </a:cxn>
+              <a:cxn ang="0">
+                <a:pos x="connsiteX3" y="connsiteY3"/>
+              </a:cxn>
+              <a:cxn ang="0">
+                <a:pos x="connsiteX4" y="connsiteY4"/>
+              </a:cxn>
+              <a:cxn ang="0">
+                <a:pos x="connsiteX5" y="connsiteY5"/>
+              </a:cxn>
+              <a:cxn ang="0">
+                <a:pos x="connsiteX6" y="connsiteY6"/>
+              </a:cxn>
+              <a:cxn ang="0">
+                <a:pos x="connsiteX7" y="connsiteY7"/>
+              </a:cxn>
+              <a:cxn ang="0">
+                <a:pos x="connsiteX8" y="connsiteY8"/>
+              </a:cxn>
+              <a:cxn ang="0">
+                <a:pos x="connsiteX9" y="connsiteY9"/>
+              </a:cxn>
+              <a:cxn ang="0">
+                <a:pos x="connsiteX10" y="connsiteY10"/>
+              </a:cxn>
+              <a:cxn ang="0">
+                <a:pos x="connsiteX11" y="connsiteY11"/>
+              </a:cxn>
+              <a:cxn ang="0">
+                <a:pos x="connsiteX12" y="connsiteY12"/>
+              </a:cxn>
+            </a:cxnLst>
+            <a:rect l="l" t="t" r="r" b="b"/>
+            <a:pathLst>
+              <a:path w="3474720" h="18288" fill="none" extrusionOk="0">
+                <a:moveTo>
+                  <a:pt x="0" y="0"/>
+                </a:moveTo>
+                <a:cubicBezTo>
+                  <a:pt x="224454" y="-14544"/>
+                  <a:pt x="495407" y="26540"/>
+                  <a:pt x="694944" y="0"/>
+                </a:cubicBezTo>
+                <a:cubicBezTo>
+                  <a:pt x="894481" y="-26540"/>
+                  <a:pt x="1130063" y="24713"/>
+                  <a:pt x="1355141" y="0"/>
+                </a:cubicBezTo>
+                <a:cubicBezTo>
+                  <a:pt x="1580219" y="-24713"/>
+                  <a:pt x="1820099" y="26695"/>
+                  <a:pt x="2015338" y="0"/>
+                </a:cubicBezTo>
+                <a:cubicBezTo>
+                  <a:pt x="2210577" y="-26695"/>
+                  <a:pt x="2402045" y="165"/>
+                  <a:pt x="2779776" y="0"/>
+                </a:cubicBezTo>
+                <a:cubicBezTo>
+                  <a:pt x="3157507" y="-165"/>
+                  <a:pt x="3286859" y="-15571"/>
+                  <a:pt x="3474720" y="0"/>
+                </a:cubicBezTo>
+                <a:cubicBezTo>
+                  <a:pt x="3474286" y="7551"/>
+                  <a:pt x="3474253" y="9822"/>
+                  <a:pt x="3474720" y="18288"/>
+                </a:cubicBezTo>
+                <a:cubicBezTo>
+                  <a:pt x="3233904" y="29845"/>
+                  <a:pt x="2945134" y="-5256"/>
+                  <a:pt x="2779776" y="18288"/>
+                </a:cubicBezTo>
+                <a:cubicBezTo>
+                  <a:pt x="2614418" y="41832"/>
+                  <a:pt x="2339768" y="22709"/>
+                  <a:pt x="2189074" y="18288"/>
+                </a:cubicBezTo>
+                <a:cubicBezTo>
+                  <a:pt x="2038380" y="13867"/>
+                  <a:pt x="1817434" y="-4947"/>
+                  <a:pt x="1528877" y="18288"/>
+                </a:cubicBezTo>
+                <a:cubicBezTo>
+                  <a:pt x="1240320" y="41523"/>
+                  <a:pt x="1042447" y="37198"/>
+                  <a:pt x="868680" y="18288"/>
+                </a:cubicBezTo>
+                <a:cubicBezTo>
+                  <a:pt x="694913" y="-622"/>
+                  <a:pt x="233232" y="44909"/>
+                  <a:pt x="0" y="18288"/>
+                </a:cubicBezTo>
+                <a:cubicBezTo>
+                  <a:pt x="60" y="11696"/>
+                  <a:pt x="66" y="3758"/>
+                  <a:pt x="0" y="0"/>
+                </a:cubicBezTo>
+                <a:close/>
+              </a:path>
+              <a:path w="3474720" h="18288" stroke="0" extrusionOk="0">
+                <a:moveTo>
+                  <a:pt x="0" y="0"/>
+                </a:moveTo>
+                <a:cubicBezTo>
+                  <a:pt x="202328" y="-14716"/>
+                  <a:pt x="332722" y="-11499"/>
+                  <a:pt x="625450" y="0"/>
+                </a:cubicBezTo>
+                <a:cubicBezTo>
+                  <a:pt x="918178" y="11499"/>
+                  <a:pt x="1096688" y="5123"/>
+                  <a:pt x="1389888" y="0"/>
+                </a:cubicBezTo>
+                <a:cubicBezTo>
+                  <a:pt x="1683088" y="-5123"/>
+                  <a:pt x="1835981" y="-14038"/>
+                  <a:pt x="1980590" y="0"/>
+                </a:cubicBezTo>
+                <a:cubicBezTo>
+                  <a:pt x="2125199" y="14038"/>
+                  <a:pt x="2396099" y="-7203"/>
+                  <a:pt x="2571293" y="0"/>
+                </a:cubicBezTo>
+                <a:cubicBezTo>
+                  <a:pt x="2746487" y="7203"/>
+                  <a:pt x="3041609" y="-12036"/>
+                  <a:pt x="3474720" y="0"/>
+                </a:cubicBezTo>
+                <a:cubicBezTo>
+                  <a:pt x="3474638" y="4406"/>
+                  <a:pt x="3474631" y="9982"/>
+                  <a:pt x="3474720" y="18288"/>
+                </a:cubicBezTo>
+                <a:cubicBezTo>
+                  <a:pt x="3324873" y="21876"/>
+                  <a:pt x="3136771" y="12587"/>
+                  <a:pt x="2814523" y="18288"/>
+                </a:cubicBezTo>
+                <a:cubicBezTo>
+                  <a:pt x="2492275" y="23989"/>
+                  <a:pt x="2294402" y="47111"/>
+                  <a:pt x="2154326" y="18288"/>
+                </a:cubicBezTo>
+                <a:cubicBezTo>
+                  <a:pt x="2014250" y="-10535"/>
+                  <a:pt x="1820317" y="33903"/>
+                  <a:pt x="1494130" y="18288"/>
+                </a:cubicBezTo>
+                <a:cubicBezTo>
+                  <a:pt x="1167943" y="2673"/>
+                  <a:pt x="948432" y="14868"/>
+                  <a:pt x="729691" y="18288"/>
+                </a:cubicBezTo>
+                <a:cubicBezTo>
+                  <a:pt x="510950" y="21708"/>
+                  <a:pt x="264032" y="24354"/>
+                  <a:pt x="0" y="18288"/>
+                </a:cubicBezTo>
+                <a:cubicBezTo>
+                  <a:pt x="189" y="14288"/>
+                  <a:pt x="-703" y="3747"/>
+                  <a:pt x="0" y="0"/>
+                </a:cubicBezTo>
+                <a:close/>
+              </a:path>
+            </a:pathLst>
+          </a:custGeom>
+          <a:solidFill>
+            <a:schemeClr val="accent2"/>
+          </a:solidFill>
+          <a:ln w="44450" cap="rnd">
+            <a:solidFill>
+              <a:schemeClr val="accent2"/>
+            </a:solidFill>
+            <a:round/>
+            <a:extLst>
+              <a:ext uri="{C807C97D-BFC1-408E-A445-0C87EB9F89A2}">
+                <ask:lineSketchStyleProps xmlns:ask="http://schemas.microsoft.com/office/drawing/2018/sketchyshapes" sd="2863741219">
+                  <a:prstGeom prst="rect">
+                    <a:avLst/>
+                  </a:prstGeom>
+                  <ask:type>
+                    <ask:lineSketchFreehand/>
+                  </ask:type>
+                </ask:lineSketchStyleProps>
+              </a:ext>
+            </a:extLst>
+          </a:ln>
+        </p:spPr>
+        <p:style>
+          <a:lnRef idx="2">
+            <a:schemeClr val="accent1">
+              <a:shade val="50000"/>
+            </a:schemeClr>
+          </a:lnRef>
+          <a:fillRef idx="1">
+            <a:schemeClr val="accent1"/>
+          </a:fillRef>
+          <a:effectRef idx="0">
+            <a:schemeClr val="accent1"/>
+          </a:effectRef>
+          <a:fontRef idx="minor">
+            <a:schemeClr val="lt1"/>
+          </a:fontRef>
+        </p:style>
+        <p:txBody>
+          <a:bodyPr rtlCol="0" anchor="ctr"/>
+          <a:lstStyle/>
+          <a:p>
+            <a:pPr algn="ctr"/>
+            <a:endParaRPr lang="en-US"/>
+          </a:p>
+        </p:txBody>
+      </p:sp>
+      <p:sp>
+        <p:nvSpPr>
+          <p:cNvPr id="3" name="Content Placeholder 2">
+            <a:extLst>
+              <a:ext uri="{FF2B5EF4-FFF2-40B4-BE49-F238E27FC236}">
+                <a16:creationId xmlns:a16="http://schemas.microsoft.com/office/drawing/2014/main" id="{19DB869A-6AB5-5924-B2B4-8AF5BD2FC151}"/>
+              </a:ext>
+            </a:extLst>
+          </p:cNvPr>
+          <p:cNvSpPr>
+            <a:spLocks noGrp="1"/>
+          </p:cNvSpPr>
+          <p:nvPr>
+            <p:ph idx="1"/>
+          </p:nvPr>
+        </p:nvSpPr>
+        <p:spPr>
+          <a:xfrm>
+            <a:off x="640080" y="2872899"/>
+            <a:ext cx="4243589" cy="3320668"/>
+          </a:xfrm>
+        </p:spPr>
+        <p:txBody>
+          <a:bodyPr>
+            <a:normAutofit/>
+          </a:bodyPr>
+          <a:lstStyle/>
+          <a:p>
+            <a:r>
+              <a:rPr lang="en-US" sz="2200" dirty="0">
+                <a:solidFill>
+                  <a:schemeClr val="bg1"/>
+                </a:solidFill>
+                <a:latin typeface="Cambria" panose="02040503050406030204" pitchFamily="18" charset="0"/>
+                <a:ea typeface="Cambria" panose="02040503050406030204" pitchFamily="18" charset="0"/>
+              </a:rPr>
+              <a:t>The game that I created is called </a:t>
+            </a:r>
+            <a:r>
+              <a:rPr lang="en-US" sz="2200" b="1" dirty="0">
+                <a:solidFill>
+                  <a:srgbClr val="6CFF59"/>
+                </a:solidFill>
+                <a:latin typeface="Cambria" panose="02040503050406030204" pitchFamily="18" charset="0"/>
+                <a:ea typeface="Cambria" panose="02040503050406030204" pitchFamily="18" charset="0"/>
+              </a:rPr>
+              <a:t>Cross Wordle</a:t>
+            </a:r>
+            <a:r>
+              <a:rPr lang="en-US" sz="2200" dirty="0">
+                <a:solidFill>
+                  <a:schemeClr val="bg1"/>
+                </a:solidFill>
+                <a:latin typeface="Cambria" panose="02040503050406030204" pitchFamily="18" charset="0"/>
+                <a:ea typeface="Cambria" panose="02040503050406030204" pitchFamily="18" charset="0"/>
+              </a:rPr>
+              <a:t>.</a:t>
+            </a:r>
+          </a:p>
+          <a:p>
+            <a:r>
+              <a:rPr lang="en-US" sz="2200" dirty="0">
+                <a:solidFill>
+                  <a:schemeClr val="bg1"/>
+                </a:solidFill>
+                <a:latin typeface="Cambria" panose="02040503050406030204" pitchFamily="18" charset="0"/>
+                <a:ea typeface="Cambria" panose="02040503050406030204" pitchFamily="18" charset="0"/>
+              </a:rPr>
+              <a:t>It is like Wordle but takes the gameplay to the </a:t>
+            </a:r>
+            <a:r>
+              <a:rPr lang="en-US" sz="2200" dirty="0">
+                <a:solidFill>
+                  <a:srgbClr val="FFC34A"/>
+                </a:solidFill>
+                <a:latin typeface="Cambria" panose="02040503050406030204" pitchFamily="18" charset="0"/>
+                <a:ea typeface="Cambria" panose="02040503050406030204" pitchFamily="18" charset="0"/>
+              </a:rPr>
+              <a:t>second dimension</a:t>
+            </a:r>
+            <a:r>
+              <a:rPr lang="en-US" sz="2200" dirty="0">
+                <a:solidFill>
+                  <a:schemeClr val="bg1"/>
+                </a:solidFill>
+                <a:latin typeface="Cambria" panose="02040503050406030204" pitchFamily="18" charset="0"/>
+                <a:ea typeface="Cambria" panose="02040503050406030204" pitchFamily="18" charset="0"/>
+              </a:rPr>
+              <a:t> with a full crossword-style puzzle connecting words and ideas, each being a puzzle of their own.</a:t>
+            </a:r>
+          </a:p>
+          <a:p>
+            <a:endParaRPr lang="en-US" sz="2200" dirty="0">
+              <a:solidFill>
+                <a:schemeClr val="bg1"/>
+              </a:solidFill>
+              <a:latin typeface="Cambria" panose="02040503050406030204" pitchFamily="18" charset="0"/>
+              <a:ea typeface="Cambria" panose="02040503050406030204" pitchFamily="18" charset="0"/>
+            </a:endParaRPr>
+          </a:p>
+        </p:txBody>
+      </p:sp>
+      <p:pic>
+        <p:nvPicPr>
+          <p:cNvPr id="5" name="Picture 4">
+            <a:extLst>
+              <a:ext uri="{FF2B5EF4-FFF2-40B4-BE49-F238E27FC236}">
+                <a16:creationId xmlns:a16="http://schemas.microsoft.com/office/drawing/2014/main" id="{FC4651ED-B099-D384-12EC-C368B8127A6E}"/>
+              </a:ext>
+            </a:extLst>
+          </p:cNvPr>
+          <p:cNvPicPr>
+            <a:picLocks noChangeAspect="1"/>
+          </p:cNvPicPr>
+          <p:nvPr/>
+        </p:nvPicPr>
+        <p:blipFill rotWithShape="1">
+          <a:blip r:embed="rId2"/>
+          <a:srcRect l="26708" r="26401" b="1"/>
+          <a:stretch/>
+        </p:blipFill>
+        <p:spPr>
+          <a:xfrm>
+            <a:off x="5311702" y="10"/>
+            <a:ext cx="6878775" cy="6857990"/>
+          </a:xfrm>
+          <a:custGeom>
+            <a:avLst/>
+            <a:gdLst/>
+            <a:ahLst/>
+            <a:cxnLst/>
+            <a:rect l="l" t="t" r="r" b="b"/>
+            <a:pathLst>
+              <a:path w="6878775" h="6858000">
+                <a:moveTo>
+                  <a:pt x="1102973" y="0"/>
+                </a:moveTo>
+                <a:lnTo>
+                  <a:pt x="1160688" y="0"/>
+                </a:lnTo>
+                <a:lnTo>
+                  <a:pt x="983189" y="331786"/>
+                </a:lnTo>
+                <a:cubicBezTo>
+                  <a:pt x="914866" y="469145"/>
+                  <a:pt x="850355" y="608712"/>
+                  <a:pt x="789261" y="750263"/>
+                </a:cubicBezTo>
+                <a:cubicBezTo>
+                  <a:pt x="774307" y="784928"/>
+                  <a:pt x="759992" y="819849"/>
+                  <a:pt x="745295" y="854514"/>
+                </a:cubicBezTo>
+                <a:cubicBezTo>
+                  <a:pt x="756682" y="845393"/>
+                  <a:pt x="765489" y="833492"/>
+                  <a:pt x="770857" y="819975"/>
+                </a:cubicBezTo>
+                <a:cubicBezTo>
+                  <a:pt x="879943" y="589569"/>
+                  <a:pt x="999605" y="365513"/>
+                  <a:pt x="1131329" y="148742"/>
+                </a:cubicBezTo>
+                <a:lnTo>
+                  <a:pt x="1227589" y="0"/>
+                </a:lnTo>
+                <a:lnTo>
+                  <a:pt x="6878775" y="0"/>
+                </a:lnTo>
+                <a:lnTo>
+                  <a:pt x="6878775" y="6858000"/>
+                </a:lnTo>
+                <a:lnTo>
+                  <a:pt x="713521" y="6858000"/>
+                </a:lnTo>
+                <a:lnTo>
+                  <a:pt x="625642" y="6670527"/>
+                </a:lnTo>
+                <a:cubicBezTo>
+                  <a:pt x="507232" y="6398531"/>
+                  <a:pt x="403083" y="6118381"/>
+                  <a:pt x="312785" y="5830359"/>
+                </a:cubicBezTo>
+                <a:cubicBezTo>
+                  <a:pt x="278149" y="5719759"/>
+                  <a:pt x="248879" y="5607635"/>
+                  <a:pt x="212198" y="5480401"/>
+                </a:cubicBezTo>
+                <a:cubicBezTo>
+                  <a:pt x="212208" y="5491601"/>
+                  <a:pt x="212803" y="5502788"/>
+                  <a:pt x="213988" y="5513923"/>
+                </a:cubicBezTo>
+                <a:cubicBezTo>
+                  <a:pt x="264089" y="5723695"/>
+                  <a:pt x="307290" y="5935370"/>
+                  <a:pt x="365826" y="6142729"/>
+                </a:cubicBezTo>
+                <a:cubicBezTo>
+                  <a:pt x="433152" y="6380817"/>
+                  <a:pt x="510068" y="6614016"/>
+                  <a:pt x="597975" y="6841549"/>
+                </a:cubicBezTo>
+                <a:lnTo>
+                  <a:pt x="604824" y="6858000"/>
+                </a:lnTo>
+                <a:lnTo>
+                  <a:pt x="552056" y="6858000"/>
+                </a:lnTo>
+                <a:lnTo>
+                  <a:pt x="539576" y="6828295"/>
+                </a:lnTo>
+                <a:cubicBezTo>
+                  <a:pt x="380597" y="6414594"/>
+                  <a:pt x="260223" y="5988893"/>
+                  <a:pt x="171555" y="5552906"/>
+                </a:cubicBezTo>
+                <a:cubicBezTo>
+                  <a:pt x="91163" y="5157998"/>
+                  <a:pt x="43746" y="4758899"/>
+                  <a:pt x="12305" y="4357388"/>
+                </a:cubicBezTo>
+                <a:cubicBezTo>
+                  <a:pt x="-14281" y="4013908"/>
+                  <a:pt x="4507" y="3672965"/>
+                  <a:pt x="46684" y="3331516"/>
+                </a:cubicBezTo>
+                <a:cubicBezTo>
+                  <a:pt x="127203" y="2664286"/>
+                  <a:pt x="277819" y="2007265"/>
+                  <a:pt x="496065" y="1371196"/>
+                </a:cubicBezTo>
+                <a:cubicBezTo>
+                  <a:pt x="636273" y="966066"/>
+                  <a:pt x="800445" y="573253"/>
+                  <a:pt x="995723" y="196614"/>
+                </a:cubicBezTo>
+                <a:close/>
+              </a:path>
+            </a:pathLst>
+          </a:custGeom>
+        </p:spPr>
+      </p:pic>
+    </p:spTree>
+    <p:extLst>
+      <p:ext uri="{BB962C8B-B14F-4D97-AF65-F5344CB8AC3E}">
+        <p14:creationId xmlns:p14="http://schemas.microsoft.com/office/powerpoint/2010/main" val="357969700"/>
+      </p:ext>
+    </p:extLst>
+  </p:cSld>
+  <p:clrMapOvr>
+    <a:masterClrMapping/>
+  </p:clrMapOvr>
+</p:sld>
+</file>
+
+<file path=ppt/slides/slide4.xml><?xml version="1.0" encoding="utf-8"?>
+<p:sld xmlns:a="http://schemas.openxmlformats.org/drawingml/2006/main" xmlns:r="http://schemas.openxmlformats.org/officeDocument/2006/relationships" xmlns:p="http://schemas.openxmlformats.org/presentationml/2006/main">
+  <p:cSld>
+    <p:bg>
+      <p:bgPr>
+        <a:solidFill>
+          <a:srgbClr val="2F4F4F"/>
+        </a:solidFill>
+        <a:effectLst/>
+      </p:bgPr>
+    </p:bg>
+    <p:spTree>
+      <p:nvGrpSpPr>
+        <p:cNvPr id="1" name=""/>
+        <p:cNvGrpSpPr/>
+        <p:nvPr/>
+      </p:nvGrpSpPr>
+      <p:grpSpPr>
+        <a:xfrm>
+          <a:off x="0" y="0"/>
+          <a:ext cx="0" cy="0"/>
+          <a:chOff x="0" y="0"/>
+          <a:chExt cx="0" cy="0"/>
+        </a:xfrm>
+      </p:grpSpPr>
+      <p:sp useBgFill="1">
+        <p:nvSpPr>
+          <p:cNvPr id="1042" name="Rectangle 1030">
+            <a:extLst>
+              <a:ext uri="{FF2B5EF4-FFF2-40B4-BE49-F238E27FC236}">
+                <a16:creationId xmlns:a16="http://schemas.microsoft.com/office/drawing/2014/main" id="{362D44EE-C852-4460-B8B5-C4F2BC20510C}"/>
+              </a:ext>
+              <a:ext uri="{C183D7F6-B498-43B3-948B-1728B52AA6E4}">
+                <adec:decorative xmlns:adec="http://schemas.microsoft.com/office/drawing/2017/decorative" val="1"/>
+              </a:ext>
+            </a:extLst>
+          </p:cNvPr>
+          <p:cNvSpPr>
+            <a:spLocks noGrp="1" noRot="1" noChangeAspect="1" noMove="1" noResize="1" noEditPoints="1" noAdjustHandles="1" noChangeArrowheads="1" noChangeShapeType="1" noTextEdit="1"/>
+          </p:cNvSpPr>
+          <p:nvPr>
+            <p:extLst>
+              <p:ext uri="{386F3935-93C4-4BCD-93E2-E3B085C9AB24}">
+                <p16:designElem xmlns:p16="http://schemas.microsoft.com/office/powerpoint/2015/main" val="1"/>
+              </p:ext>
+            </p:extLst>
+          </p:nvPr>
+        </p:nvSpPr>
+        <p:spPr>
+          <a:xfrm>
+            <a:off x="0" y="0"/>
+            <a:ext cx="12192000" cy="6858000"/>
+          </a:xfrm>
+          <a:prstGeom prst="rect">
+            <a:avLst/>
+          </a:prstGeom>
+          <a:ln>
+            <a:noFill/>
+          </a:ln>
+        </p:spPr>
+        <p:style>
+          <a:lnRef idx="2">
+            <a:schemeClr val="accent1">
+              <a:shade val="50000"/>
+            </a:schemeClr>
+          </a:lnRef>
+          <a:fillRef idx="1">
+            <a:schemeClr val="accent1"/>
+          </a:fillRef>
+          <a:effectRef idx="0">
+            <a:schemeClr val="accent1"/>
+          </a:effectRef>
+          <a:fontRef idx="minor">
+            <a:schemeClr val="lt1"/>
+          </a:fontRef>
+        </p:style>
+        <p:txBody>
+          <a:bodyPr rtlCol="0" anchor="ctr"/>
+          <a:lstStyle/>
+          <a:p>
+            <a:pPr algn="ctr"/>
+            <a:endParaRPr lang="en-US"/>
+          </a:p>
+        </p:txBody>
+      </p:sp>
+      <p:sp>
+        <p:nvSpPr>
+          <p:cNvPr id="2" name="Title 1">
+            <a:extLst>
+              <a:ext uri="{FF2B5EF4-FFF2-40B4-BE49-F238E27FC236}">
+                <a16:creationId xmlns:a16="http://schemas.microsoft.com/office/drawing/2014/main" id="{AB91AF3A-283D-5506-D0DA-36D2F20BAEB1}"/>
+              </a:ext>
+            </a:extLst>
+          </p:cNvPr>
+          <p:cNvSpPr>
+            <a:spLocks noGrp="1"/>
+          </p:cNvSpPr>
+          <p:nvPr>
+            <p:ph type="title"/>
+          </p:nvPr>
+        </p:nvSpPr>
+        <p:spPr>
+          <a:xfrm>
+            <a:off x="6194716" y="739978"/>
+            <a:ext cx="5334930" cy="3004145"/>
+          </a:xfrm>
+        </p:spPr>
+        <p:txBody>
+          <a:bodyPr vert="horz" lIns="91440" tIns="45720" rIns="91440" bIns="45720" rtlCol="0" anchor="b">
+            <a:normAutofit/>
+          </a:bodyPr>
+          <a:lstStyle/>
+          <a:p>
+            <a:pPr algn="ctr"/>
+            <a:r>
+              <a:rPr lang="en-US" sz="6000" b="1" dirty="0">
+                <a:solidFill>
+                  <a:schemeClr val="bg1"/>
+                </a:solidFill>
+                <a:latin typeface="Arial" panose="020B0604020202020204" pitchFamily="34" charset="0"/>
+                <a:ea typeface="Cambria" panose="02040503050406030204" pitchFamily="18" charset="0"/>
+                <a:cs typeface="Arial" panose="020B0604020202020204" pitchFamily="34" charset="0"/>
+              </a:rPr>
+              <a:t>Programming Language</a:t>
+            </a:r>
+          </a:p>
+        </p:txBody>
+      </p:sp>
+      <p:sp>
+        <p:nvSpPr>
+          <p:cNvPr id="3" name="Content Placeholder 2">
+            <a:extLst>
+              <a:ext uri="{FF2B5EF4-FFF2-40B4-BE49-F238E27FC236}">
+                <a16:creationId xmlns:a16="http://schemas.microsoft.com/office/drawing/2014/main" id="{4D045D53-E50A-D632-A58C-36C752BFD4FD}"/>
+              </a:ext>
+            </a:extLst>
+          </p:cNvPr>
+          <p:cNvSpPr>
+            <a:spLocks noGrp="1"/>
+          </p:cNvSpPr>
+          <p:nvPr>
+            <p:ph idx="1"/>
+          </p:nvPr>
+        </p:nvSpPr>
+        <p:spPr>
+          <a:xfrm>
+            <a:off x="6194715" y="3836197"/>
+            <a:ext cx="5334931" cy="2189214"/>
+          </a:xfrm>
+        </p:spPr>
+        <p:txBody>
+          <a:bodyPr vert="horz" lIns="91440" tIns="45720" rIns="91440" bIns="45720" rtlCol="0">
+            <a:normAutofit/>
+          </a:bodyPr>
+          <a:lstStyle/>
+          <a:p>
+            <a:pPr marL="0" indent="0" algn="ctr">
+              <a:buNone/>
+            </a:pPr>
+            <a:r>
+              <a:rPr lang="en-US" sz="2400" dirty="0">
+                <a:solidFill>
+                  <a:schemeClr val="bg1"/>
+                </a:solidFill>
+                <a:effectLst/>
+                <a:latin typeface="Cambria" panose="02040503050406030204" pitchFamily="18" charset="0"/>
+                <a:ea typeface="Cambria" panose="02040503050406030204" pitchFamily="18" charset="0"/>
+              </a:rPr>
+              <a:t>I chose to make this game using </a:t>
+            </a:r>
+            <a:r>
+              <a:rPr lang="en-US" sz="2400" i="1" dirty="0">
+                <a:solidFill>
+                  <a:schemeClr val="bg1"/>
+                </a:solidFill>
+                <a:effectLst/>
+                <a:latin typeface="Cambria" panose="02040503050406030204" pitchFamily="18" charset="0"/>
+                <a:ea typeface="Cambria" panose="02040503050406030204" pitchFamily="18" charset="0"/>
+              </a:rPr>
+              <a:t>JavaScript on an HTML page</a:t>
+            </a:r>
+            <a:r>
+              <a:rPr lang="en-US" sz="2400" dirty="0">
+                <a:solidFill>
+                  <a:schemeClr val="bg1"/>
+                </a:solidFill>
+                <a:effectLst/>
+                <a:latin typeface="Cambria" panose="02040503050406030204" pitchFamily="18" charset="0"/>
+                <a:ea typeface="Cambria" panose="02040503050406030204" pitchFamily="18" charset="0"/>
+              </a:rPr>
+              <a:t>.</a:t>
+            </a:r>
+          </a:p>
+          <a:p>
+            <a:pPr algn="ctr"/>
+            <a:r>
+              <a:rPr lang="en-US" sz="2400" dirty="0">
+                <a:solidFill>
+                  <a:schemeClr val="bg1"/>
+                </a:solidFill>
+                <a:latin typeface="Cambria" panose="02040503050406030204" pitchFamily="18" charset="0"/>
+                <a:ea typeface="Cambria" panose="02040503050406030204" pitchFamily="18" charset="0"/>
+              </a:rPr>
+              <a:t>It can utilize </a:t>
+            </a:r>
+            <a:r>
+              <a:rPr lang="en-US" sz="2400" dirty="0">
+                <a:solidFill>
+                  <a:srgbClr val="FFC34A"/>
+                </a:solidFill>
+                <a:latin typeface="Cambria" panose="02040503050406030204" pitchFamily="18" charset="0"/>
+                <a:ea typeface="Cambria" panose="02040503050406030204" pitchFamily="18" charset="0"/>
+              </a:rPr>
+              <a:t>HTML design features</a:t>
+            </a:r>
+          </a:p>
+          <a:p>
+            <a:pPr algn="ctr"/>
+            <a:r>
+              <a:rPr lang="en-US" sz="2400" dirty="0">
+                <a:solidFill>
+                  <a:srgbClr val="6CFF59"/>
+                </a:solidFill>
+                <a:effectLst/>
+                <a:latin typeface="Cambria" panose="02040503050406030204" pitchFamily="18" charset="0"/>
+                <a:ea typeface="Cambria" panose="02040503050406030204" pitchFamily="18" charset="0"/>
+              </a:rPr>
+              <a:t>Seamless communication </a:t>
+            </a:r>
+            <a:r>
+              <a:rPr lang="en-US" sz="2400" dirty="0">
+                <a:solidFill>
+                  <a:schemeClr val="bg1"/>
+                </a:solidFill>
+                <a:effectLst/>
+                <a:latin typeface="Cambria" panose="02040503050406030204" pitchFamily="18" charset="0"/>
+                <a:ea typeface="Cambria" panose="02040503050406030204" pitchFamily="18" charset="0"/>
+              </a:rPr>
+              <a:t>between front and back-end</a:t>
+            </a:r>
+          </a:p>
+        </p:txBody>
+      </p:sp>
+      <p:sp>
+        <p:nvSpPr>
+          <p:cNvPr id="1044" name="Freeform: Shape 1032">
+            <a:extLst>
+              <a:ext uri="{FF2B5EF4-FFF2-40B4-BE49-F238E27FC236}">
+                <a16:creationId xmlns:a16="http://schemas.microsoft.com/office/drawing/2014/main" id="{658970D8-8D1D-4B5C-894B-E871CC86543D}"/>
+              </a:ext>
+              <a:ext uri="{C183D7F6-B498-43B3-948B-1728B52AA6E4}">
+                <adec:decorative xmlns:adec="http://schemas.microsoft.com/office/drawing/2017/decorative" val="1"/>
+              </a:ext>
+            </a:extLst>
+          </p:cNvPr>
+          <p:cNvSpPr>
+            <a:spLocks noGrp="1" noRot="1" noChangeAspect="1" noMove="1" noResize="1" noEditPoints="1" noAdjustHandles="1" noChangeArrowheads="1" noChangeShapeType="1" noTextEdit="1"/>
+          </p:cNvSpPr>
+          <p:nvPr>
+            <p:extLst>
+              <p:ext uri="{386F3935-93C4-4BCD-93E2-E3B085C9AB24}">
+                <p16:designElem xmlns:p16="http://schemas.microsoft.com/office/powerpoint/2015/main" val="1"/>
+              </p:ext>
+            </p:extLst>
+          </p:nvPr>
+        </p:nvSpPr>
+        <p:spPr>
+          <a:xfrm flipH="1">
+            <a:off x="530529" y="1"/>
+            <a:ext cx="1155142" cy="591009"/>
+          </a:xfrm>
+          <a:custGeom>
+            <a:avLst/>
+            <a:gdLst>
+              <a:gd name="connsiteX0" fmla="*/ 1355 w 1155142"/>
+              <a:gd name="connsiteY0" fmla="*/ 0 h 591009"/>
+              <a:gd name="connsiteX1" fmla="*/ 1153787 w 1155142"/>
+              <a:gd name="connsiteY1" fmla="*/ 0 h 591009"/>
+              <a:gd name="connsiteX2" fmla="*/ 1155142 w 1155142"/>
+              <a:gd name="connsiteY2" fmla="*/ 13438 h 591009"/>
+              <a:gd name="connsiteX3" fmla="*/ 577571 w 1155142"/>
+              <a:gd name="connsiteY3" fmla="*/ 591009 h 591009"/>
+              <a:gd name="connsiteX4" fmla="*/ 0 w 1155142"/>
+              <a:gd name="connsiteY4" fmla="*/ 13438 h 591009"/>
+            </a:gdLst>
+            <a:ahLst/>
+            <a:cxnLst>
+              <a:cxn ang="0">
+                <a:pos x="connsiteX0" y="connsiteY0"/>
+              </a:cxn>
+              <a:cxn ang="0">
+                <a:pos x="connsiteX1" y="connsiteY1"/>
+              </a:cxn>
+              <a:cxn ang="0">
+                <a:pos x="connsiteX2" y="connsiteY2"/>
+              </a:cxn>
+              <a:cxn ang="0">
+                <a:pos x="connsiteX3" y="connsiteY3"/>
+              </a:cxn>
+              <a:cxn ang="0">
+                <a:pos x="connsiteX4" y="connsiteY4"/>
+              </a:cxn>
+            </a:cxnLst>
+            <a:rect l="l" t="t" r="r" b="b"/>
+            <a:pathLst>
+              <a:path w="1155142" h="591009">
+                <a:moveTo>
+                  <a:pt x="1355" y="0"/>
+                </a:moveTo>
+                <a:lnTo>
+                  <a:pt x="1153787" y="0"/>
+                </a:lnTo>
+                <a:lnTo>
+                  <a:pt x="1155142" y="13438"/>
+                </a:lnTo>
+                <a:cubicBezTo>
+                  <a:pt x="1155142" y="332422"/>
+                  <a:pt x="896555" y="591009"/>
+                  <a:pt x="577571" y="591009"/>
+                </a:cubicBezTo>
+                <a:cubicBezTo>
+                  <a:pt x="258587" y="591009"/>
+                  <a:pt x="0" y="332422"/>
+                  <a:pt x="0" y="13438"/>
+                </a:cubicBezTo>
+                <a:close/>
+              </a:path>
+            </a:pathLst>
+          </a:custGeom>
+          <a:solidFill>
+            <a:schemeClr val="accent5"/>
+          </a:solidFill>
+          <a:ln>
+            <a:noFill/>
+          </a:ln>
+        </p:spPr>
+        <p:style>
+          <a:lnRef idx="2">
+            <a:schemeClr val="accent1">
+              <a:shade val="50000"/>
+            </a:schemeClr>
+          </a:lnRef>
+          <a:fillRef idx="1">
+            <a:schemeClr val="accent1"/>
+          </a:fillRef>
+          <a:effectRef idx="0">
+            <a:schemeClr val="accent1"/>
+          </a:effectRef>
+          <a:fontRef idx="minor">
+            <a:schemeClr val="lt1"/>
+          </a:fontRef>
+        </p:style>
+        <p:txBody>
+          <a:bodyPr wrap="square" rtlCol="0" anchor="ctr">
+            <a:noAutofit/>
+          </a:bodyPr>
+          <a:lstStyle/>
+          <a:p>
+            <a:pPr algn="ctr"/>
+            <a:endParaRPr lang="en-US"/>
+          </a:p>
+        </p:txBody>
+      </p:sp>
+      <p:sp>
+        <p:nvSpPr>
+          <p:cNvPr id="1045" name="Freeform: Shape 1034">
+            <a:extLst>
+              <a:ext uri="{FF2B5EF4-FFF2-40B4-BE49-F238E27FC236}">
+                <a16:creationId xmlns:a16="http://schemas.microsoft.com/office/drawing/2014/main" id="{F227E5B6-9132-43CA-B503-37A18562ADF2}"/>
+              </a:ext>
+              <a:ext uri="{C183D7F6-B498-43B3-948B-1728B52AA6E4}">
+                <adec:decorative xmlns:adec="http://schemas.microsoft.com/office/drawing/2017/decorative" val="1"/>
+              </a:ext>
+            </a:extLst>
+          </p:cNvPr>
+          <p:cNvSpPr>
+            <a:spLocks noGrp="1" noRot="1" noChangeAspect="1" noMove="1" noResize="1" noEditPoints="1" noAdjustHandles="1" noChangeArrowheads="1" noChangeShapeType="1" noTextEdit="1"/>
+          </p:cNvSpPr>
+          <p:nvPr>
+            <p:extLst>
+              <p:ext uri="{386F3935-93C4-4BCD-93E2-E3B085C9AB24}">
+                <p16:designElem xmlns:p16="http://schemas.microsoft.com/office/powerpoint/2015/main" val="1"/>
+              </p:ext>
+            </p:extLst>
+          </p:nvPr>
+        </p:nvSpPr>
+        <p:spPr>
+          <a:xfrm flipH="1">
+            <a:off x="4349052" y="0"/>
+            <a:ext cx="1737401" cy="959536"/>
+          </a:xfrm>
+          <a:custGeom>
+            <a:avLst/>
+            <a:gdLst>
+              <a:gd name="connsiteX0" fmla="*/ 0 w 1737401"/>
+              <a:gd name="connsiteY0" fmla="*/ 0 h 959536"/>
+              <a:gd name="connsiteX1" fmla="*/ 123825 w 1737401"/>
+              <a:gd name="connsiteY1" fmla="*/ 0 h 959536"/>
+              <a:gd name="connsiteX2" fmla="*/ 123825 w 1737401"/>
+              <a:gd name="connsiteY2" fmla="*/ 790277 h 959536"/>
+              <a:gd name="connsiteX3" fmla="*/ 1490095 w 1737401"/>
+              <a:gd name="connsiteY3" fmla="*/ 0 h 959536"/>
+              <a:gd name="connsiteX4" fmla="*/ 1737401 w 1737401"/>
+              <a:gd name="connsiteY4" fmla="*/ 0 h 959536"/>
+              <a:gd name="connsiteX5" fmla="*/ 92869 w 1737401"/>
+              <a:gd name="connsiteY5" fmla="*/ 951249 h 959536"/>
+              <a:gd name="connsiteX6" fmla="*/ 61913 w 1737401"/>
+              <a:gd name="connsiteY6" fmla="*/ 959536 h 959536"/>
+              <a:gd name="connsiteX7" fmla="*/ 0 w 1737401"/>
+              <a:gd name="connsiteY7" fmla="*/ 897624 h 959536"/>
+            </a:gdLst>
+            <a:ahLst/>
+            <a:cxnLst>
+              <a:cxn ang="0">
+                <a:pos x="connsiteX0" y="connsiteY0"/>
+              </a:cxn>
+              <a:cxn ang="0">
+                <a:pos x="connsiteX1" y="connsiteY1"/>
+              </a:cxn>
+              <a:cxn ang="0">
+                <a:pos x="connsiteX2" y="connsiteY2"/>
+              </a:cxn>
+              <a:cxn ang="0">
+                <a:pos x="connsiteX3" y="connsiteY3"/>
+              </a:cxn>
+              <a:cxn ang="0">
+                <a:pos x="connsiteX4" y="connsiteY4"/>
+              </a:cxn>
+              <a:cxn ang="0">
+                <a:pos x="connsiteX5" y="connsiteY5"/>
+              </a:cxn>
+              <a:cxn ang="0">
+                <a:pos x="connsiteX6" y="connsiteY6"/>
+              </a:cxn>
+              <a:cxn ang="0">
+                <a:pos x="connsiteX7" y="connsiteY7"/>
+              </a:cxn>
+            </a:cxnLst>
+            <a:rect l="l" t="t" r="r" b="b"/>
+            <a:pathLst>
+              <a:path w="1737401" h="959536">
+                <a:moveTo>
+                  <a:pt x="0" y="0"/>
+                </a:moveTo>
+                <a:lnTo>
+                  <a:pt x="123825" y="0"/>
+                </a:lnTo>
+                <a:lnTo>
+                  <a:pt x="123825" y="790277"/>
+                </a:lnTo>
+                <a:lnTo>
+                  <a:pt x="1490095" y="0"/>
+                </a:lnTo>
+                <a:lnTo>
+                  <a:pt x="1737401" y="0"/>
+                </a:lnTo>
+                <a:lnTo>
+                  <a:pt x="92869" y="951249"/>
+                </a:lnTo>
+                <a:cubicBezTo>
+                  <a:pt x="83458" y="956688"/>
+                  <a:pt x="72780" y="959546"/>
+                  <a:pt x="61913" y="959536"/>
+                </a:cubicBezTo>
+                <a:cubicBezTo>
+                  <a:pt x="27719" y="959536"/>
+                  <a:pt x="0" y="931818"/>
+                  <a:pt x="0" y="897624"/>
+                </a:cubicBezTo>
+                <a:close/>
+              </a:path>
+            </a:pathLst>
+          </a:custGeom>
+          <a:solidFill>
+            <a:schemeClr val="accent6"/>
+          </a:solidFill>
+          <a:ln w="9525" cap="flat">
+            <a:noFill/>
+            <a:prstDash val="solid"/>
+            <a:miter/>
+          </a:ln>
+        </p:spPr>
+        <p:txBody>
+          <a:bodyPr rtlCol="0" anchor="ctr"/>
+          <a:lstStyle/>
+          <a:p>
+            <a:endParaRPr lang="en-US"/>
+          </a:p>
+        </p:txBody>
+      </p:sp>
+      <p:sp>
+        <p:nvSpPr>
+          <p:cNvPr id="1037" name="Freeform: Shape 1036">
+            <a:extLst>
+              <a:ext uri="{FF2B5EF4-FFF2-40B4-BE49-F238E27FC236}">
+                <a16:creationId xmlns:a16="http://schemas.microsoft.com/office/drawing/2014/main" id="{03C2051E-A88D-48E5-BACF-AAED17892722}"/>
+              </a:ext>
+              <a:ext uri="{C183D7F6-B498-43B3-948B-1728B52AA6E4}">
+                <adec:decorative xmlns:adec="http://schemas.microsoft.com/office/drawing/2017/decorative" val="1"/>
+              </a:ext>
+            </a:extLst>
+          </p:cNvPr>
+          <p:cNvSpPr>
+            <a:spLocks noGrp="1" noRot="1" noChangeAspect="1" noMove="1" noResize="1" noEditPoints="1" noAdjustHandles="1" noChangeArrowheads="1" noChangeShapeType="1" noTextEdit="1"/>
+          </p:cNvSpPr>
+          <p:nvPr>
+            <p:extLst>
+              <p:ext uri="{386F3935-93C4-4BCD-93E2-E3B085C9AB24}">
+                <p16:designElem xmlns:p16="http://schemas.microsoft.com/office/powerpoint/2015/main" val="1"/>
+              </p:ext>
+            </p:extLst>
+          </p:nvPr>
+        </p:nvSpPr>
+        <p:spPr>
+          <a:xfrm flipH="1">
+            <a:off x="0" y="2916245"/>
+            <a:ext cx="159741" cy="552996"/>
+          </a:xfrm>
+          <a:custGeom>
+            <a:avLst/>
+            <a:gdLst>
+              <a:gd name="connsiteX0" fmla="*/ 159741 w 159741"/>
+              <a:gd name="connsiteY0" fmla="*/ 0 h 552996"/>
+              <a:gd name="connsiteX1" fmla="*/ 159741 w 159741"/>
+              <a:gd name="connsiteY1" fmla="*/ 552996 h 552996"/>
+              <a:gd name="connsiteX2" fmla="*/ 141849 w 159741"/>
+              <a:gd name="connsiteY2" fmla="*/ 543285 h 552996"/>
+              <a:gd name="connsiteX3" fmla="*/ 0 w 159741"/>
+              <a:gd name="connsiteY3" fmla="*/ 276498 h 552996"/>
+              <a:gd name="connsiteX4" fmla="*/ 141849 w 159741"/>
+              <a:gd name="connsiteY4" fmla="*/ 9711 h 552996"/>
+            </a:gdLst>
+            <a:ahLst/>
+            <a:cxnLst>
+              <a:cxn ang="0">
+                <a:pos x="connsiteX0" y="connsiteY0"/>
+              </a:cxn>
+              <a:cxn ang="0">
+                <a:pos x="connsiteX1" y="connsiteY1"/>
+              </a:cxn>
+              <a:cxn ang="0">
+                <a:pos x="connsiteX2" y="connsiteY2"/>
+              </a:cxn>
+              <a:cxn ang="0">
+                <a:pos x="connsiteX3" y="connsiteY3"/>
+              </a:cxn>
+              <a:cxn ang="0">
+                <a:pos x="connsiteX4" y="connsiteY4"/>
+              </a:cxn>
+            </a:cxnLst>
+            <a:rect l="l" t="t" r="r" b="b"/>
+            <a:pathLst>
+              <a:path w="159741" h="552996">
+                <a:moveTo>
+                  <a:pt x="159741" y="0"/>
+                </a:moveTo>
+                <a:lnTo>
+                  <a:pt x="159741" y="552996"/>
+                </a:lnTo>
+                <a:lnTo>
+                  <a:pt x="141849" y="543285"/>
+                </a:lnTo>
+                <a:cubicBezTo>
+                  <a:pt x="56268" y="485467"/>
+                  <a:pt x="0" y="387554"/>
+                  <a:pt x="0" y="276498"/>
+                </a:cubicBezTo>
+                <a:cubicBezTo>
+                  <a:pt x="0" y="165443"/>
+                  <a:pt x="56268" y="67529"/>
+                  <a:pt x="141849" y="9711"/>
+                </a:cubicBezTo>
+                <a:close/>
+              </a:path>
+            </a:pathLst>
+          </a:custGeom>
+          <a:solidFill>
+            <a:schemeClr val="accent2"/>
+          </a:solidFill>
+          <a:ln w="127000">
+            <a:noFill/>
+          </a:ln>
+        </p:spPr>
+        <p:style>
+          <a:lnRef idx="2">
+            <a:schemeClr val="accent1">
+              <a:shade val="50000"/>
+            </a:schemeClr>
+          </a:lnRef>
+          <a:fillRef idx="1">
+            <a:schemeClr val="accent1"/>
+          </a:fillRef>
+          <a:effectRef idx="0">
+            <a:schemeClr val="accent1"/>
+          </a:effectRef>
+          <a:fontRef idx="minor">
+            <a:schemeClr val="lt1"/>
+          </a:fontRef>
+        </p:style>
+        <p:txBody>
+          <a:bodyPr wrap="square" rtlCol="0" anchor="ctr">
+            <a:noAutofit/>
+          </a:bodyPr>
+          <a:lstStyle/>
+          <a:p>
+            <a:pPr algn="ctr"/>
+            <a:endParaRPr lang="en-US"/>
+          </a:p>
+        </p:txBody>
+      </p:sp>
+      <p:sp>
+        <p:nvSpPr>
+          <p:cNvPr id="1039" name="Freeform: Shape 1038">
+            <a:extLst>
+              <a:ext uri="{FF2B5EF4-FFF2-40B4-BE49-F238E27FC236}">
+                <a16:creationId xmlns:a16="http://schemas.microsoft.com/office/drawing/2014/main" id="{7821A508-2985-4905-874A-527429BAABFA}"/>
+              </a:ext>
+              <a:ext uri="{C183D7F6-B498-43B3-948B-1728B52AA6E4}">
+                <adec:decorative xmlns:adec="http://schemas.microsoft.com/office/drawing/2017/decorative" val="1"/>
+              </a:ext>
+            </a:extLst>
+          </p:cNvPr>
+          <p:cNvSpPr>
+            <a:spLocks noGrp="1" noRot="1" noChangeAspect="1" noMove="1" noResize="1" noEditPoints="1" noAdjustHandles="1" noChangeArrowheads="1" noChangeShapeType="1" noTextEdit="1"/>
+          </p:cNvSpPr>
+          <p:nvPr>
+            <p:extLst>
+              <p:ext uri="{386F3935-93C4-4BCD-93E2-E3B085C9AB24}">
+                <p16:designElem xmlns:p16="http://schemas.microsoft.com/office/powerpoint/2015/main" val="1"/>
+              </p:ext>
+            </p:extLst>
+          </p:nvPr>
+        </p:nvSpPr>
+        <p:spPr>
+          <a:xfrm flipH="1">
+            <a:off x="0" y="5835649"/>
+            <a:ext cx="1548180" cy="1022351"/>
+          </a:xfrm>
+          <a:custGeom>
+            <a:avLst/>
+            <a:gdLst>
+              <a:gd name="connsiteX0" fmla="*/ 61913 w 1548180"/>
+              <a:gd name="connsiteY0" fmla="*/ 0 h 1022351"/>
+              <a:gd name="connsiteX1" fmla="*/ 1548180 w 1548180"/>
+              <a:gd name="connsiteY1" fmla="*/ 0 h 1022351"/>
+              <a:gd name="connsiteX2" fmla="*/ 1548180 w 1548180"/>
+              <a:gd name="connsiteY2" fmla="*/ 123825 h 1022351"/>
+              <a:gd name="connsiteX3" fmla="*/ 123825 w 1548180"/>
+              <a:gd name="connsiteY3" fmla="*/ 123825 h 1022351"/>
+              <a:gd name="connsiteX4" fmla="*/ 123825 w 1548180"/>
+              <a:gd name="connsiteY4" fmla="*/ 1022351 h 1022351"/>
+              <a:gd name="connsiteX5" fmla="*/ 0 w 1548180"/>
+              <a:gd name="connsiteY5" fmla="*/ 1022351 h 1022351"/>
+              <a:gd name="connsiteX6" fmla="*/ 0 w 1548180"/>
+              <a:gd name="connsiteY6" fmla="*/ 61913 h 1022351"/>
+              <a:gd name="connsiteX7" fmla="*/ 61913 w 1548180"/>
+              <a:gd name="connsiteY7" fmla="*/ 0 h 1022351"/>
+            </a:gdLst>
+            <a:ahLst/>
+            <a:cxnLst>
+              <a:cxn ang="0">
+                <a:pos x="connsiteX0" y="connsiteY0"/>
+              </a:cxn>
+              <a:cxn ang="0">
+                <a:pos x="connsiteX1" y="connsiteY1"/>
+              </a:cxn>
+              <a:cxn ang="0">
+                <a:pos x="connsiteX2" y="connsiteY2"/>
+              </a:cxn>
+              <a:cxn ang="0">
+                <a:pos x="connsiteX3" y="connsiteY3"/>
+              </a:cxn>
+              <a:cxn ang="0">
+                <a:pos x="connsiteX4" y="connsiteY4"/>
+              </a:cxn>
+              <a:cxn ang="0">
+                <a:pos x="connsiteX5" y="connsiteY5"/>
+              </a:cxn>
+              <a:cxn ang="0">
+                <a:pos x="connsiteX6" y="connsiteY6"/>
+              </a:cxn>
+              <a:cxn ang="0">
+                <a:pos x="connsiteX7" y="connsiteY7"/>
+              </a:cxn>
+            </a:cxnLst>
+            <a:rect l="l" t="t" r="r" b="b"/>
+            <a:pathLst>
+              <a:path w="1548180" h="1022351">
+                <a:moveTo>
+                  <a:pt x="61913" y="0"/>
+                </a:moveTo>
+                <a:lnTo>
+                  <a:pt x="1548180" y="0"/>
+                </a:lnTo>
+                <a:lnTo>
+                  <a:pt x="1548180" y="123825"/>
+                </a:lnTo>
+                <a:lnTo>
+                  <a:pt x="123825" y="123825"/>
+                </a:lnTo>
+                <a:lnTo>
+                  <a:pt x="123825" y="1022351"/>
+                </a:lnTo>
+                <a:lnTo>
+                  <a:pt x="0" y="1022351"/>
+                </a:lnTo>
+                <a:lnTo>
+                  <a:pt x="0" y="61913"/>
+                </a:lnTo>
+                <a:cubicBezTo>
+                  <a:pt x="0" y="27719"/>
+                  <a:pt x="27719" y="0"/>
+                  <a:pt x="61913" y="0"/>
+                </a:cubicBezTo>
+                <a:close/>
+              </a:path>
+            </a:pathLst>
+          </a:custGeom>
+          <a:solidFill>
+            <a:schemeClr val="accent6"/>
+          </a:solidFill>
+          <a:ln w="9525" cap="flat">
+            <a:noFill/>
+            <a:prstDash val="solid"/>
+            <a:miter/>
+          </a:ln>
+        </p:spPr>
+        <p:txBody>
+          <a:bodyPr rtlCol="0" anchor="ctr"/>
+          <a:lstStyle/>
+          <a:p>
+            <a:endParaRPr lang="en-US"/>
+          </a:p>
+        </p:txBody>
+      </p:sp>
+      <p:sp>
+        <p:nvSpPr>
+          <p:cNvPr id="1041" name="Freeform: Shape 1040">
+            <a:extLst>
+              <a:ext uri="{FF2B5EF4-FFF2-40B4-BE49-F238E27FC236}">
+                <a16:creationId xmlns:a16="http://schemas.microsoft.com/office/drawing/2014/main" id="{D2929CB1-0E3C-4B2D-ADC5-0154FB33BA44}"/>
+              </a:ext>
+              <a:ext uri="{C183D7F6-B498-43B3-948B-1728B52AA6E4}">
+                <adec:decorative xmlns:adec="http://schemas.microsoft.com/office/drawing/2017/decorative" val="1"/>
+              </a:ext>
+            </a:extLst>
+          </p:cNvPr>
+          <p:cNvSpPr>
+            <a:spLocks noGrp="1" noRot="1" noChangeAspect="1" noMove="1" noResize="1" noEditPoints="1" noAdjustHandles="1" noChangeArrowheads="1" noChangeShapeType="1" noTextEdit="1"/>
+          </p:cNvSpPr>
+          <p:nvPr>
+            <p:extLst>
+              <p:ext uri="{386F3935-93C4-4BCD-93E2-E3B085C9AB24}">
+                <p16:designElem xmlns:p16="http://schemas.microsoft.com/office/powerpoint/2015/main" val="1"/>
+              </p:ext>
+            </p:extLst>
+          </p:nvPr>
+        </p:nvSpPr>
+        <p:spPr>
+          <a:xfrm flipH="1">
+            <a:off x="3697761" y="5717906"/>
+            <a:ext cx="1771609" cy="1140095"/>
+          </a:xfrm>
+          <a:custGeom>
+            <a:avLst/>
+            <a:gdLst>
+              <a:gd name="connsiteX0" fmla="*/ 1561721 w 1771609"/>
+              <a:gd name="connsiteY0" fmla="*/ 763041 h 1140095"/>
+              <a:gd name="connsiteX1" fmla="*/ 1623024 w 1771609"/>
+              <a:gd name="connsiteY1" fmla="*/ 792810 h 1140095"/>
+              <a:gd name="connsiteX2" fmla="*/ 1711735 w 1771609"/>
+              <a:gd name="connsiteY2" fmla="*/ 970132 h 1140095"/>
+              <a:gd name="connsiteX3" fmla="*/ 1771609 w 1771609"/>
+              <a:gd name="connsiteY3" fmla="*/ 1140095 h 1140095"/>
+              <a:gd name="connsiteX4" fmla="*/ 1637225 w 1771609"/>
+              <a:gd name="connsiteY4" fmla="*/ 1140095 h 1140095"/>
+              <a:gd name="connsiteX5" fmla="*/ 1594820 w 1771609"/>
+              <a:gd name="connsiteY5" fmla="*/ 1019711 h 1140095"/>
+              <a:gd name="connsiteX6" fmla="*/ 1513200 w 1771609"/>
+              <a:gd name="connsiteY6" fmla="*/ 856627 h 1140095"/>
+              <a:gd name="connsiteX7" fmla="*/ 1538499 w 1771609"/>
+              <a:gd name="connsiteY7" fmla="*/ 770415 h 1140095"/>
+              <a:gd name="connsiteX8" fmla="*/ 1561721 w 1771609"/>
+              <a:gd name="connsiteY8" fmla="*/ 763041 h 1140095"/>
+              <a:gd name="connsiteX9" fmla="*/ 933455 w 1771609"/>
+              <a:gd name="connsiteY9" fmla="*/ 161309 h 1140095"/>
+              <a:gd name="connsiteX10" fmla="*/ 957797 w 1771609"/>
+              <a:gd name="connsiteY10" fmla="*/ 167970 h 1140095"/>
+              <a:gd name="connsiteX11" fmla="*/ 1286982 w 1771609"/>
+              <a:gd name="connsiteY11" fmla="*/ 387616 h 1140095"/>
+              <a:gd name="connsiteX12" fmla="*/ 1293725 w 1771609"/>
+              <a:gd name="connsiteY12" fmla="*/ 477075 h 1140095"/>
+              <a:gd name="connsiteX13" fmla="*/ 1245453 w 1771609"/>
+              <a:gd name="connsiteY13" fmla="*/ 499154 h 1140095"/>
+              <a:gd name="connsiteX14" fmla="*/ 1245167 w 1771609"/>
+              <a:gd name="connsiteY14" fmla="*/ 499154 h 1140095"/>
+              <a:gd name="connsiteX15" fmla="*/ 1203638 w 1771609"/>
+              <a:gd name="connsiteY15" fmla="*/ 484104 h 1140095"/>
+              <a:gd name="connsiteX16" fmla="*/ 900647 w 1771609"/>
+              <a:gd name="connsiteY16" fmla="*/ 281508 h 1140095"/>
+              <a:gd name="connsiteX17" fmla="*/ 872454 w 1771609"/>
+              <a:gd name="connsiteY17" fmla="*/ 196164 h 1140095"/>
+              <a:gd name="connsiteX18" fmla="*/ 933455 w 1771609"/>
+              <a:gd name="connsiteY18" fmla="*/ 161309 h 1140095"/>
+              <a:gd name="connsiteX19" fmla="*/ 256260 w 1771609"/>
+              <a:gd name="connsiteY19" fmla="*/ 29 h 1140095"/>
+              <a:gd name="connsiteX20" fmla="*/ 454020 w 1771609"/>
+              <a:gd name="connsiteY20" fmla="*/ 13474 h 1140095"/>
+              <a:gd name="connsiteX21" fmla="*/ 509236 w 1771609"/>
+              <a:gd name="connsiteY21" fmla="*/ 84182 h 1140095"/>
+              <a:gd name="connsiteX22" fmla="*/ 445829 w 1771609"/>
+              <a:gd name="connsiteY22" fmla="*/ 139871 h 1140095"/>
+              <a:gd name="connsiteX23" fmla="*/ 437447 w 1771609"/>
+              <a:gd name="connsiteY23" fmla="*/ 139395 h 1140095"/>
+              <a:gd name="connsiteX24" fmla="*/ 73211 w 1771609"/>
+              <a:gd name="connsiteY24" fmla="*/ 137204 h 1140095"/>
+              <a:gd name="connsiteX25" fmla="*/ 749 w 1771609"/>
+              <a:gd name="connsiteY25" fmla="*/ 84082 h 1140095"/>
+              <a:gd name="connsiteX26" fmla="*/ 53871 w 1771609"/>
+              <a:gd name="connsiteY26" fmla="*/ 11621 h 1140095"/>
+              <a:gd name="connsiteX27" fmla="*/ 58352 w 1771609"/>
+              <a:gd name="connsiteY27" fmla="*/ 11093 h 1140095"/>
+              <a:gd name="connsiteX28" fmla="*/ 256260 w 1771609"/>
+              <a:gd name="connsiteY28" fmla="*/ 29 h 1140095"/>
+            </a:gdLst>
+            <a:ahLst/>
+            <a:cxnLst>
+              <a:cxn ang="0">
+                <a:pos x="connsiteX0" y="connsiteY0"/>
+              </a:cxn>
+              <a:cxn ang="0">
+                <a:pos x="connsiteX1" y="connsiteY1"/>
+              </a:cxn>
+              <a:cxn ang="0">
+                <a:pos x="connsiteX2" y="connsiteY2"/>
+              </a:cxn>
+              <a:cxn ang="0">
+                <a:pos x="connsiteX3" y="connsiteY3"/>
+              </a:cxn>
+              <a:cxn ang="0">
+                <a:pos x="connsiteX4" y="connsiteY4"/>
+              </a:cxn>
+              <a:cxn ang="0">
+                <a:pos x="connsiteX5" y="connsiteY5"/>
+              </a:cxn>
+              <a:cxn ang="0">
+                <a:pos x="connsiteX6" y="connsiteY6"/>
+              </a:cxn>
+              <a:cxn ang="0">
+                <a:pos x="connsiteX7" y="connsiteY7"/>
+              </a:cxn>
+              <a:cxn ang="0">
+                <a:pos x="connsiteX8" y="connsiteY8"/>
+              </a:cxn>
+              <a:cxn ang="0">
+                <a:pos x="connsiteX9" y="connsiteY9"/>
+              </a:cxn>
+              <a:cxn ang="0">
+                <a:pos x="connsiteX10" y="connsiteY10"/>
+              </a:cxn>
+              <a:cxn ang="0">
+                <a:pos x="connsiteX11" y="connsiteY11"/>
+              </a:cxn>
+              <a:cxn ang="0">
+                <a:pos x="connsiteX12" y="connsiteY12"/>
+              </a:cxn>
+              <a:cxn ang="0">
+                <a:pos x="connsiteX13" y="connsiteY13"/>
+              </a:cxn>
+              <a:cxn ang="0">
+                <a:pos x="connsiteX14" y="connsiteY14"/>
+              </a:cxn>
+              <a:cxn ang="0">
+                <a:pos x="connsiteX15" y="connsiteY15"/>
+              </a:cxn>
+              <a:cxn ang="0">
+                <a:pos x="connsiteX16" y="connsiteY16"/>
+              </a:cxn>
+              <a:cxn ang="0">
+                <a:pos x="connsiteX17" y="connsiteY17"/>
+              </a:cxn>
+              <a:cxn ang="0">
+                <a:pos x="connsiteX18" y="connsiteY18"/>
+              </a:cxn>
+              <a:cxn ang="0">
+                <a:pos x="connsiteX19" y="connsiteY19"/>
+              </a:cxn>
+              <a:cxn ang="0">
+                <a:pos x="connsiteX20" y="connsiteY20"/>
+              </a:cxn>
+              <a:cxn ang="0">
+                <a:pos x="connsiteX21" y="connsiteY21"/>
+              </a:cxn>
+              <a:cxn ang="0">
+                <a:pos x="connsiteX22" y="connsiteY22"/>
+              </a:cxn>
+              <a:cxn ang="0">
+                <a:pos x="connsiteX23" y="connsiteY23"/>
+              </a:cxn>
+              <a:cxn ang="0">
+                <a:pos x="connsiteX24" y="connsiteY24"/>
+              </a:cxn>
+              <a:cxn ang="0">
+                <a:pos x="connsiteX25" y="connsiteY25"/>
+              </a:cxn>
+              <a:cxn ang="0">
+                <a:pos x="connsiteX26" y="connsiteY26"/>
+              </a:cxn>
+              <a:cxn ang="0">
+                <a:pos x="connsiteX27" y="connsiteY27"/>
+              </a:cxn>
+              <a:cxn ang="0">
+                <a:pos x="connsiteX28" y="connsiteY28"/>
+              </a:cxn>
+            </a:cxnLst>
+            <a:rect l="l" t="t" r="r" b="b"/>
+            <a:pathLst>
+              <a:path w="1771609" h="1140095">
+                <a:moveTo>
+                  <a:pt x="1561721" y="763041"/>
+                </a:moveTo>
+                <a:cubicBezTo>
+                  <a:pt x="1585506" y="760324"/>
+                  <a:pt x="1609722" y="771249"/>
+                  <a:pt x="1623024" y="792810"/>
+                </a:cubicBezTo>
+                <a:cubicBezTo>
+                  <a:pt x="1656300" y="850065"/>
+                  <a:pt x="1685920" y="909291"/>
+                  <a:pt x="1711735" y="970132"/>
+                </a:cubicBezTo>
+                <a:lnTo>
+                  <a:pt x="1771609" y="1140095"/>
+                </a:lnTo>
+                <a:lnTo>
+                  <a:pt x="1637225" y="1140095"/>
+                </a:lnTo>
+                <a:lnTo>
+                  <a:pt x="1594820" y="1019711"/>
+                </a:lnTo>
+                <a:cubicBezTo>
+                  <a:pt x="1571072" y="963753"/>
+                  <a:pt x="1543818" y="909282"/>
+                  <a:pt x="1513200" y="856627"/>
+                </a:cubicBezTo>
+                <a:cubicBezTo>
+                  <a:pt x="1496379" y="825834"/>
+                  <a:pt x="1507704" y="787236"/>
+                  <a:pt x="1538499" y="770415"/>
+                </a:cubicBezTo>
+                <a:cubicBezTo>
+                  <a:pt x="1545912" y="766367"/>
+                  <a:pt x="1553792" y="763946"/>
+                  <a:pt x="1561721" y="763041"/>
+                </a:cubicBezTo>
+                <a:close/>
+                <a:moveTo>
+                  <a:pt x="933455" y="161309"/>
+                </a:moveTo>
+                <a:cubicBezTo>
+                  <a:pt x="941693" y="161855"/>
+                  <a:pt x="949959" y="164025"/>
+                  <a:pt x="957797" y="167970"/>
+                </a:cubicBezTo>
+                <a:cubicBezTo>
+                  <a:pt x="1076184" y="227289"/>
+                  <a:pt x="1186759" y="301068"/>
+                  <a:pt x="1286982" y="387616"/>
+                </a:cubicBezTo>
+                <a:cubicBezTo>
+                  <a:pt x="1313547" y="410457"/>
+                  <a:pt x="1316566" y="450510"/>
+                  <a:pt x="1293725" y="477075"/>
+                </a:cubicBezTo>
+                <a:cubicBezTo>
+                  <a:pt x="1281638" y="491137"/>
+                  <a:pt x="1263998" y="499204"/>
+                  <a:pt x="1245453" y="499154"/>
+                </a:cubicBezTo>
+                <a:lnTo>
+                  <a:pt x="1245167" y="499154"/>
+                </a:lnTo>
+                <a:cubicBezTo>
+                  <a:pt x="1229965" y="499301"/>
+                  <a:pt x="1215220" y="493956"/>
+                  <a:pt x="1203638" y="484104"/>
+                </a:cubicBezTo>
+                <a:cubicBezTo>
+                  <a:pt x="1111407" y="404300"/>
+                  <a:pt x="1009633" y="336248"/>
+                  <a:pt x="900647" y="281508"/>
+                </a:cubicBezTo>
+                <a:cubicBezTo>
+                  <a:pt x="869295" y="265726"/>
+                  <a:pt x="856672" y="227516"/>
+                  <a:pt x="872454" y="196164"/>
+                </a:cubicBezTo>
+                <a:cubicBezTo>
+                  <a:pt x="884290" y="172650"/>
+                  <a:pt x="908742" y="159670"/>
+                  <a:pt x="933455" y="161309"/>
+                </a:cubicBezTo>
+                <a:close/>
+                <a:moveTo>
+                  <a:pt x="256260" y="29"/>
+                </a:moveTo>
+                <a:cubicBezTo>
+                  <a:pt x="322331" y="427"/>
+                  <a:pt x="388378" y="4909"/>
+                  <a:pt x="454020" y="13474"/>
+                </a:cubicBezTo>
+                <a:cubicBezTo>
+                  <a:pt x="488793" y="17752"/>
+                  <a:pt x="513514" y="49409"/>
+                  <a:pt x="509236" y="84182"/>
+                </a:cubicBezTo>
+                <a:cubicBezTo>
+                  <a:pt x="505303" y="116151"/>
+                  <a:pt x="478038" y="140098"/>
+                  <a:pt x="445829" y="139871"/>
+                </a:cubicBezTo>
+                <a:cubicBezTo>
+                  <a:pt x="443027" y="139899"/>
+                  <a:pt x="440227" y="139740"/>
+                  <a:pt x="437447" y="139395"/>
+                </a:cubicBezTo>
+                <a:cubicBezTo>
+                  <a:pt x="316592" y="123615"/>
+                  <a:pt x="194247" y="122878"/>
+                  <a:pt x="73211" y="137204"/>
+                </a:cubicBezTo>
+                <a:cubicBezTo>
+                  <a:pt x="38532" y="142545"/>
+                  <a:pt x="6090" y="118762"/>
+                  <a:pt x="749" y="84082"/>
+                </a:cubicBezTo>
+                <a:cubicBezTo>
+                  <a:pt x="-4591" y="49403"/>
+                  <a:pt x="19192" y="16961"/>
+                  <a:pt x="53871" y="11621"/>
+                </a:cubicBezTo>
+                <a:cubicBezTo>
+                  <a:pt x="55358" y="11392"/>
+                  <a:pt x="56852" y="11216"/>
+                  <a:pt x="58352" y="11093"/>
+                </a:cubicBezTo>
+                <a:cubicBezTo>
+                  <a:pt x="124093" y="3319"/>
+                  <a:pt x="190189" y="-369"/>
+                  <a:pt x="256260" y="29"/>
+                </a:cubicBezTo>
+                <a:close/>
+              </a:path>
+            </a:pathLst>
+          </a:custGeom>
+          <a:solidFill>
+            <a:schemeClr val="accent4"/>
+          </a:solidFill>
+          <a:ln w="9525" cap="flat">
+            <a:noFill/>
+            <a:prstDash val="solid"/>
+            <a:miter/>
+          </a:ln>
+        </p:spPr>
+        <p:txBody>
+          <a:bodyPr rtlCol="0" anchor="ctr"/>
+          <a:lstStyle/>
+          <a:p>
+            <a:endParaRPr lang="en-US"/>
+          </a:p>
+        </p:txBody>
+      </p:sp>
+      <p:pic>
+        <p:nvPicPr>
           <p:cNvPr id="1026" name="Picture 2">
             <a:extLst>
               <a:ext uri="{FF2B5EF4-FFF2-40B4-BE49-F238E27FC236}">
@@ -5461,9 +10743,2138 @@
 </p:sld>
 </file>
 
+<file path=ppt/slides/slide5.xml><?xml version="1.0" encoding="utf-8"?>
+<p:sld xmlns:a="http://schemas.openxmlformats.org/drawingml/2006/main" xmlns:r="http://schemas.openxmlformats.org/officeDocument/2006/relationships" xmlns:p="http://schemas.openxmlformats.org/presentationml/2006/main">
+  <p:cSld>
+    <p:bg>
+      <p:bgPr>
+        <a:solidFill>
+          <a:srgbClr val="2F4F4F"/>
+        </a:solidFill>
+        <a:effectLst/>
+      </p:bgPr>
+    </p:bg>
+    <p:spTree>
+      <p:nvGrpSpPr>
+        <p:cNvPr id="1" name=""/>
+        <p:cNvGrpSpPr/>
+        <p:nvPr/>
+      </p:nvGrpSpPr>
+      <p:grpSpPr>
+        <a:xfrm>
+          <a:off x="0" y="0"/>
+          <a:ext cx="0" cy="0"/>
+          <a:chOff x="0" y="0"/>
+          <a:chExt cx="0" cy="0"/>
+        </a:xfrm>
+      </p:grpSpPr>
+      <p:sp useBgFill="1">
+        <p:nvSpPr>
+          <p:cNvPr id="10" name="Rectangle 9">
+            <a:extLst>
+              <a:ext uri="{FF2B5EF4-FFF2-40B4-BE49-F238E27FC236}">
+                <a16:creationId xmlns:a16="http://schemas.microsoft.com/office/drawing/2014/main" id="{DBC6133C-0615-4CE4-9132-37E609A9BDFA}"/>
+              </a:ext>
+              <a:ext uri="{C183D7F6-B498-43B3-948B-1728B52AA6E4}">
+                <adec:decorative xmlns:adec="http://schemas.microsoft.com/office/drawing/2017/decorative" val="1"/>
+              </a:ext>
+            </a:extLst>
+          </p:cNvPr>
+          <p:cNvSpPr>
+            <a:spLocks noGrp="1" noRot="1" noChangeAspect="1" noMove="1" noResize="1" noEditPoints="1" noAdjustHandles="1" noChangeArrowheads="1" noChangeShapeType="1" noTextEdit="1"/>
+          </p:cNvSpPr>
+          <p:nvPr>
+            <p:extLst>
+              <p:ext uri="{386F3935-93C4-4BCD-93E2-E3B085C9AB24}">
+                <p16:designElem xmlns:p16="http://schemas.microsoft.com/office/powerpoint/2015/main" val="1"/>
+              </p:ext>
+            </p:extLst>
+          </p:nvPr>
+        </p:nvSpPr>
+        <p:spPr>
+          <a:xfrm>
+            <a:off x="0" y="0"/>
+            <a:ext cx="12191999" cy="6857365"/>
+          </a:xfrm>
+          <a:prstGeom prst="rect">
+            <a:avLst/>
+          </a:prstGeom>
+          <a:ln>
+            <a:noFill/>
+          </a:ln>
+        </p:spPr>
+        <p:style>
+          <a:lnRef idx="2">
+            <a:schemeClr val="accent1">
+              <a:shade val="50000"/>
+            </a:schemeClr>
+          </a:lnRef>
+          <a:fillRef idx="1">
+            <a:schemeClr val="accent1"/>
+          </a:fillRef>
+          <a:effectRef idx="0">
+            <a:schemeClr val="accent1"/>
+          </a:effectRef>
+          <a:fontRef idx="minor">
+            <a:schemeClr val="lt1"/>
+          </a:fontRef>
+        </p:style>
+        <p:txBody>
+          <a:bodyPr rtlCol="0" anchor="ctr"/>
+          <a:lstStyle/>
+          <a:p>
+            <a:pPr algn="ctr"/>
+            <a:endParaRPr lang="en-US"/>
+          </a:p>
+        </p:txBody>
+      </p:sp>
+      <p:sp>
+        <p:nvSpPr>
+          <p:cNvPr id="2" name="Title 1">
+            <a:extLst>
+              <a:ext uri="{FF2B5EF4-FFF2-40B4-BE49-F238E27FC236}">
+                <a16:creationId xmlns:a16="http://schemas.microsoft.com/office/drawing/2014/main" id="{E83AF72C-0C3A-E1CF-5DAF-C00E133230C9}"/>
+              </a:ext>
+            </a:extLst>
+          </p:cNvPr>
+          <p:cNvSpPr>
+            <a:spLocks noGrp="1"/>
+          </p:cNvSpPr>
+          <p:nvPr>
+            <p:ph type="title"/>
+          </p:nvPr>
+        </p:nvSpPr>
+        <p:spPr>
+          <a:xfrm>
+            <a:off x="186554" y="525982"/>
+            <a:ext cx="4741496" cy="1200361"/>
+          </a:xfrm>
+        </p:spPr>
+        <p:txBody>
+          <a:bodyPr anchor="b">
+            <a:normAutofit/>
+          </a:bodyPr>
+          <a:lstStyle/>
+          <a:p>
+            <a:r>
+              <a:rPr lang="en-US" sz="3600" b="1" dirty="0">
+                <a:solidFill>
+                  <a:schemeClr val="bg1"/>
+                </a:solidFill>
+                <a:latin typeface="Arial" panose="020B0604020202020204" pitchFamily="34" charset="0"/>
+                <a:ea typeface="Cambria" panose="02040503050406030204" pitchFamily="18" charset="0"/>
+                <a:cs typeface="Arial" panose="020B0604020202020204" pitchFamily="34" charset="0"/>
+              </a:rPr>
+              <a:t>Gameplay Summary</a:t>
+            </a:r>
+          </a:p>
+        </p:txBody>
+      </p:sp>
+      <p:sp>
+        <p:nvSpPr>
+          <p:cNvPr id="12" name="Rectangle 11">
+            <a:extLst>
+              <a:ext uri="{FF2B5EF4-FFF2-40B4-BE49-F238E27FC236}">
+                <a16:creationId xmlns:a16="http://schemas.microsoft.com/office/drawing/2014/main" id="{169CC832-2974-4E8D-90ED-3E2941BA7336}"/>
+              </a:ext>
+              <a:ext uri="{C183D7F6-B498-43B3-948B-1728B52AA6E4}">
+                <adec:decorative xmlns:adec="http://schemas.microsoft.com/office/drawing/2017/decorative" val="1"/>
+              </a:ext>
+            </a:extLst>
+          </p:cNvPr>
+          <p:cNvSpPr>
+            <a:spLocks noGrp="1" noRot="1" noChangeAspect="1" noMove="1" noResize="1" noEditPoints="1" noAdjustHandles="1" noChangeArrowheads="1" noChangeShapeType="1" noTextEdit="1"/>
+          </p:cNvSpPr>
+          <p:nvPr>
+            <p:extLst>
+              <p:ext uri="{386F3935-93C4-4BCD-93E2-E3B085C9AB24}">
+                <p16:designElem xmlns:p16="http://schemas.microsoft.com/office/powerpoint/2015/main" val="1"/>
+              </p:ext>
+            </p:extLst>
+          </p:nvPr>
+        </p:nvSpPr>
+        <p:spPr>
+          <a:xfrm flipH="1">
+            <a:off x="616533" y="1944913"/>
+            <a:ext cx="4023360" cy="27432"/>
+          </a:xfrm>
+          <a:prstGeom prst="rect">
+            <a:avLst/>
+          </a:prstGeom>
+          <a:solidFill>
+            <a:schemeClr val="accent4"/>
+          </a:solidFill>
+          <a:ln>
+            <a:noFill/>
+          </a:ln>
+        </p:spPr>
+        <p:style>
+          <a:lnRef idx="2">
+            <a:schemeClr val="accent1">
+              <a:shade val="50000"/>
+            </a:schemeClr>
+          </a:lnRef>
+          <a:fillRef idx="1">
+            <a:schemeClr val="accent1"/>
+          </a:fillRef>
+          <a:effectRef idx="0">
+            <a:schemeClr val="accent1"/>
+          </a:effectRef>
+          <a:fontRef idx="minor">
+            <a:schemeClr val="lt1"/>
+          </a:fontRef>
+        </p:style>
+        <p:txBody>
+          <a:bodyPr rtlCol="0" anchor="ctr"/>
+          <a:lstStyle/>
+          <a:p>
+            <a:pPr algn="ctr"/>
+            <a:endParaRPr lang="en-US"/>
+          </a:p>
+        </p:txBody>
+      </p:sp>
+      <p:sp>
+        <p:nvSpPr>
+          <p:cNvPr id="3" name="Content Placeholder 2">
+            <a:extLst>
+              <a:ext uri="{FF2B5EF4-FFF2-40B4-BE49-F238E27FC236}">
+                <a16:creationId xmlns:a16="http://schemas.microsoft.com/office/drawing/2014/main" id="{F20BF567-4240-D60B-E12C-C44E23299E1C}"/>
+              </a:ext>
+            </a:extLst>
+          </p:cNvPr>
+          <p:cNvSpPr>
+            <a:spLocks noGrp="1"/>
+          </p:cNvSpPr>
+          <p:nvPr>
+            <p:ph idx="1"/>
+          </p:nvPr>
+        </p:nvSpPr>
+        <p:spPr>
+          <a:xfrm>
+            <a:off x="645066" y="2031101"/>
+            <a:ext cx="4282984" cy="3511943"/>
+          </a:xfrm>
+        </p:spPr>
+        <p:txBody>
+          <a:bodyPr anchor="ctr">
+            <a:normAutofit/>
+          </a:bodyPr>
+          <a:lstStyle/>
+          <a:p>
+            <a:r>
+              <a:rPr lang="en-US" sz="2400" dirty="0">
+                <a:solidFill>
+                  <a:schemeClr val="bg1"/>
+                </a:solidFill>
+                <a:latin typeface="Cambria" panose="02040503050406030204" pitchFamily="18" charset="0"/>
+                <a:ea typeface="Cambria" panose="02040503050406030204" pitchFamily="18" charset="0"/>
+              </a:rPr>
+              <a:t>The game is played mostly like a crossword puzzle.</a:t>
+            </a:r>
+          </a:p>
+          <a:p>
+            <a:r>
+              <a:rPr lang="en-US" sz="2400" dirty="0">
+                <a:solidFill>
+                  <a:schemeClr val="bg1"/>
+                </a:solidFill>
+                <a:latin typeface="Cambria" panose="02040503050406030204" pitchFamily="18" charset="0"/>
+                <a:ea typeface="Cambria" panose="02040503050406030204" pitchFamily="18" charset="0"/>
+              </a:rPr>
+              <a:t>Takes the </a:t>
+            </a:r>
+            <a:r>
+              <a:rPr lang="en-US" sz="2400" dirty="0">
+                <a:solidFill>
+                  <a:srgbClr val="6CFF59"/>
+                </a:solidFill>
+                <a:latin typeface="Cambria" panose="02040503050406030204" pitchFamily="18" charset="0"/>
+                <a:ea typeface="Cambria" panose="02040503050406030204" pitchFamily="18" charset="0"/>
+              </a:rPr>
+              <a:t>simplicity</a:t>
+            </a:r>
+            <a:r>
+              <a:rPr lang="en-US" sz="2400" dirty="0">
+                <a:solidFill>
+                  <a:schemeClr val="bg1"/>
+                </a:solidFill>
+                <a:latin typeface="Cambria" panose="02040503050406030204" pitchFamily="18" charset="0"/>
+                <a:ea typeface="Cambria" panose="02040503050406030204" pitchFamily="18" charset="0"/>
+              </a:rPr>
+              <a:t> of Wordle but adds some </a:t>
+            </a:r>
+            <a:r>
+              <a:rPr lang="en-US" sz="2400" dirty="0">
+                <a:solidFill>
+                  <a:srgbClr val="FFC34A"/>
+                </a:solidFill>
+                <a:latin typeface="Cambria" panose="02040503050406030204" pitchFamily="18" charset="0"/>
+                <a:ea typeface="Cambria" panose="02040503050406030204" pitchFamily="18" charset="0"/>
+              </a:rPr>
+              <a:t>extra challenge </a:t>
+            </a:r>
+            <a:r>
+              <a:rPr lang="en-US" sz="2400" dirty="0">
+                <a:solidFill>
+                  <a:schemeClr val="bg1"/>
+                </a:solidFill>
+                <a:latin typeface="Cambria" panose="02040503050406030204" pitchFamily="18" charset="0"/>
+                <a:ea typeface="Cambria" panose="02040503050406030204" pitchFamily="18" charset="0"/>
+              </a:rPr>
+              <a:t>to it.</a:t>
+            </a:r>
+          </a:p>
+        </p:txBody>
+      </p:sp>
+      <p:sp>
+        <p:nvSpPr>
+          <p:cNvPr id="14" name="Rectangle 13">
+            <a:extLst>
+              <a:ext uri="{FF2B5EF4-FFF2-40B4-BE49-F238E27FC236}">
+                <a16:creationId xmlns:a16="http://schemas.microsoft.com/office/drawing/2014/main" id="{55222F96-971A-4F90-B841-6BAB416C7AC1}"/>
+              </a:ext>
+              <a:ext uri="{C183D7F6-B498-43B3-948B-1728B52AA6E4}">
+                <adec:decorative xmlns:adec="http://schemas.microsoft.com/office/drawing/2017/decorative" val="1"/>
+              </a:ext>
+            </a:extLst>
+          </p:cNvPr>
+          <p:cNvSpPr>
+            <a:spLocks noGrp="1" noRot="1" noChangeAspect="1" noMove="1" noResize="1" noEditPoints="1" noAdjustHandles="1" noChangeArrowheads="1" noChangeShapeType="1" noTextEdit="1"/>
+          </p:cNvSpPr>
+          <p:nvPr>
+            <p:extLst>
+              <p:ext uri="{386F3935-93C4-4BCD-93E2-E3B085C9AB24}">
+                <p16:designElem xmlns:p16="http://schemas.microsoft.com/office/powerpoint/2015/main" val="1"/>
+              </p:ext>
+            </p:extLst>
+          </p:nvPr>
+        </p:nvSpPr>
+        <p:spPr>
+          <a:xfrm rot="5400000">
+            <a:off x="-225843" y="6053360"/>
+            <a:ext cx="740664" cy="154124"/>
+          </a:xfrm>
+          <a:prstGeom prst="rect">
+            <a:avLst/>
+          </a:prstGeom>
+          <a:solidFill>
+            <a:schemeClr val="accent4"/>
+          </a:solidFill>
+          <a:ln>
+            <a:noFill/>
+          </a:ln>
+        </p:spPr>
+        <p:style>
+          <a:lnRef idx="2">
+            <a:schemeClr val="accent1">
+              <a:shade val="50000"/>
+            </a:schemeClr>
+          </a:lnRef>
+          <a:fillRef idx="1">
+            <a:schemeClr val="accent1"/>
+          </a:fillRef>
+          <a:effectRef idx="0">
+            <a:schemeClr val="accent1"/>
+          </a:effectRef>
+          <a:fontRef idx="minor">
+            <a:schemeClr val="lt1"/>
+          </a:fontRef>
+        </p:style>
+        <p:txBody>
+          <a:bodyPr rtlCol="0" anchor="ctr"/>
+          <a:lstStyle/>
+          <a:p>
+            <a:pPr algn="ctr"/>
+            <a:endParaRPr lang="en-US"/>
+          </a:p>
+        </p:txBody>
+      </p:sp>
+      <p:sp>
+        <p:nvSpPr>
+          <p:cNvPr id="16" name="Rectangle 15">
+            <a:extLst>
+              <a:ext uri="{FF2B5EF4-FFF2-40B4-BE49-F238E27FC236}">
+                <a16:creationId xmlns:a16="http://schemas.microsoft.com/office/drawing/2014/main" id="{08980754-6F4B-43C9-B9BE-127B6BED6586}"/>
+              </a:ext>
+              <a:ext uri="{C183D7F6-B498-43B3-948B-1728B52AA6E4}">
+                <adec:decorative xmlns:adec="http://schemas.microsoft.com/office/drawing/2017/decorative" val="1"/>
+              </a:ext>
+            </a:extLst>
+          </p:cNvPr>
+          <p:cNvSpPr>
+            <a:spLocks noGrp="1" noRot="1" noChangeAspect="1" noMove="1" noResize="1" noEditPoints="1" noAdjustHandles="1" noChangeArrowheads="1" noChangeShapeType="1" noTextEdit="1"/>
+          </p:cNvSpPr>
+          <p:nvPr>
+            <p:extLst>
+              <p:ext uri="{386F3935-93C4-4BCD-93E2-E3B085C9AB24}">
+                <p16:designElem xmlns:p16="http://schemas.microsoft.com/office/powerpoint/2015/main" val="1"/>
+              </p:ext>
+            </p:extLst>
+          </p:nvPr>
+        </p:nvSpPr>
+        <p:spPr>
+          <a:xfrm rot="5400000">
+            <a:off x="5904923" y="215201"/>
+            <a:ext cx="740664" cy="11833491"/>
+          </a:xfrm>
+          <a:prstGeom prst="rect">
+            <a:avLst/>
+          </a:prstGeom>
+          <a:solidFill>
+            <a:schemeClr val="accent4"/>
+          </a:solidFill>
+          <a:ln>
+            <a:noFill/>
+          </a:ln>
+        </p:spPr>
+        <p:style>
+          <a:lnRef idx="2">
+            <a:schemeClr val="accent1">
+              <a:shade val="50000"/>
+            </a:schemeClr>
+          </a:lnRef>
+          <a:fillRef idx="1">
+            <a:schemeClr val="accent1"/>
+          </a:fillRef>
+          <a:effectRef idx="0">
+            <a:schemeClr val="accent1"/>
+          </a:effectRef>
+          <a:fontRef idx="minor">
+            <a:schemeClr val="lt1"/>
+          </a:fontRef>
+        </p:style>
+        <p:txBody>
+          <a:bodyPr rtlCol="0" anchor="ctr"/>
+          <a:lstStyle/>
+          <a:p>
+            <a:pPr algn="ctr"/>
+            <a:endParaRPr lang="en-US"/>
+          </a:p>
+        </p:txBody>
+      </p:sp>
+      <p:sp>
+        <p:nvSpPr>
+          <p:cNvPr id="18" name="Rectangle 17">
+            <a:extLst>
+              <a:ext uri="{FF2B5EF4-FFF2-40B4-BE49-F238E27FC236}">
+                <a16:creationId xmlns:a16="http://schemas.microsoft.com/office/drawing/2014/main" id="{2C1BBA94-3F40-40AA-8BB9-E69E25E537C1}"/>
+              </a:ext>
+              <a:ext uri="{C183D7F6-B498-43B3-948B-1728B52AA6E4}">
+                <adec:decorative xmlns:adec="http://schemas.microsoft.com/office/drawing/2017/decorative" val="1"/>
+              </a:ext>
+            </a:extLst>
+          </p:cNvPr>
+          <p:cNvSpPr>
+            <a:spLocks noGrp="1" noRot="1" noChangeAspect="1" noMove="1" noResize="1" noEditPoints="1" noAdjustHandles="1" noChangeArrowheads="1" noChangeShapeType="1" noTextEdit="1"/>
+          </p:cNvSpPr>
+          <p:nvPr>
+            <p:extLst>
+              <p:ext uri="{386F3935-93C4-4BCD-93E2-E3B085C9AB24}">
+                <p16:designElem xmlns:p16="http://schemas.microsoft.com/office/powerpoint/2015/main" val="1"/>
+              </p:ext>
+            </p:extLst>
+          </p:nvPr>
+        </p:nvSpPr>
+        <p:spPr>
+          <a:xfrm>
+            <a:off x="5696793" y="354959"/>
+            <a:ext cx="6184973" cy="5915212"/>
+          </a:xfrm>
+          <a:prstGeom prst="rect">
+            <a:avLst/>
+          </a:prstGeom>
+          <a:solidFill>
+            <a:schemeClr val="bg1"/>
+          </a:solidFill>
+          <a:ln>
+            <a:noFill/>
+          </a:ln>
+          <a:effectLst>
+            <a:outerShdw blurRad="139700" dist="127000" dir="5400000" algn="t" rotWithShape="0">
+              <a:prstClr val="black">
+                <a:alpha val="15000"/>
+              </a:prstClr>
+            </a:outerShdw>
+          </a:effectLst>
+        </p:spPr>
+        <p:style>
+          <a:lnRef idx="2">
+            <a:schemeClr val="accent1">
+              <a:shade val="50000"/>
+            </a:schemeClr>
+          </a:lnRef>
+          <a:fillRef idx="1">
+            <a:schemeClr val="accent1"/>
+          </a:fillRef>
+          <a:effectRef idx="0">
+            <a:schemeClr val="accent1"/>
+          </a:effectRef>
+          <a:fontRef idx="minor">
+            <a:schemeClr val="lt1"/>
+          </a:fontRef>
+        </p:style>
+        <p:txBody>
+          <a:bodyPr rtlCol="0" anchor="ctr"/>
+          <a:lstStyle/>
+          <a:p>
+            <a:pPr algn="ctr"/>
+            <a:endParaRPr lang="en-US"/>
+          </a:p>
+        </p:txBody>
+      </p:sp>
+      <p:pic>
+        <p:nvPicPr>
+          <p:cNvPr id="5" name="Picture 4">
+            <a:extLst>
+              <a:ext uri="{FF2B5EF4-FFF2-40B4-BE49-F238E27FC236}">
+                <a16:creationId xmlns:a16="http://schemas.microsoft.com/office/drawing/2014/main" id="{C067FE50-6BA3-00DD-178B-E2554CB312A8}"/>
+              </a:ext>
+            </a:extLst>
+          </p:cNvPr>
+          <p:cNvPicPr>
+            <a:picLocks noChangeAspect="1"/>
+          </p:cNvPicPr>
+          <p:nvPr/>
+        </p:nvPicPr>
+        <p:blipFill>
+          <a:blip r:embed="rId2"/>
+          <a:stretch>
+            <a:fillRect/>
+          </a:stretch>
+        </p:blipFill>
+        <p:spPr>
+          <a:xfrm>
+            <a:off x="4776851" y="325270"/>
+            <a:ext cx="7415148" cy="6414102"/>
+          </a:xfrm>
+          <a:prstGeom prst="rect">
+            <a:avLst/>
+          </a:prstGeom>
+        </p:spPr>
+      </p:pic>
+    </p:spTree>
+    <p:extLst>
+      <p:ext uri="{BB962C8B-B14F-4D97-AF65-F5344CB8AC3E}">
+        <p14:creationId xmlns:p14="http://schemas.microsoft.com/office/powerpoint/2010/main" val="825608491"/>
+      </p:ext>
+    </p:extLst>
+  </p:cSld>
+  <p:clrMapOvr>
+    <a:masterClrMapping/>
+  </p:clrMapOvr>
+</p:sld>
+</file>
+
 <file path=ppt/slides/slide6.xml><?xml version="1.0" encoding="utf-8"?>
 <p:sld xmlns:a="http://schemas.openxmlformats.org/drawingml/2006/main" xmlns:r="http://schemas.openxmlformats.org/officeDocument/2006/relationships" xmlns:p="http://schemas.openxmlformats.org/presentationml/2006/main">
   <p:cSld>
+    <p:bg>
+      <p:bgPr>
+        <a:solidFill>
+          <a:srgbClr val="426F6E"/>
+        </a:solidFill>
+        <a:effectLst/>
+      </p:bgPr>
+    </p:bg>
+    <p:spTree>
+      <p:nvGrpSpPr>
+        <p:cNvPr id="1" name=""/>
+        <p:cNvGrpSpPr/>
+        <p:nvPr/>
+      </p:nvGrpSpPr>
+      <p:grpSpPr>
+        <a:xfrm>
+          <a:off x="0" y="0"/>
+          <a:ext cx="0" cy="0"/>
+          <a:chOff x="0" y="0"/>
+          <a:chExt cx="0" cy="0"/>
+        </a:xfrm>
+      </p:grpSpPr>
+      <p:sp useBgFill="1">
+        <p:nvSpPr>
+          <p:cNvPr id="26" name="Rectangle 17">
+            <a:extLst>
+              <a:ext uri="{FF2B5EF4-FFF2-40B4-BE49-F238E27FC236}">
+                <a16:creationId xmlns:a16="http://schemas.microsoft.com/office/drawing/2014/main" id="{20366137-3DBB-4912-98D5-6727020207DE}"/>
+              </a:ext>
+              <a:ext uri="{C183D7F6-B498-43B3-948B-1728B52AA6E4}">
+                <adec:decorative xmlns:adec="http://schemas.microsoft.com/office/drawing/2017/decorative" val="1"/>
+              </a:ext>
+            </a:extLst>
+          </p:cNvPr>
+          <p:cNvSpPr>
+            <a:spLocks noGrp="1" noRot="1" noChangeAspect="1" noMove="1" noResize="1" noEditPoints="1" noAdjustHandles="1" noChangeArrowheads="1" noChangeShapeType="1" noTextEdit="1"/>
+          </p:cNvSpPr>
+          <p:nvPr>
+            <p:extLst>
+              <p:ext uri="{386F3935-93C4-4BCD-93E2-E3B085C9AB24}">
+                <p16:designElem xmlns:p16="http://schemas.microsoft.com/office/powerpoint/2015/main" val="1"/>
+              </p:ext>
+            </p:extLst>
+          </p:nvPr>
+        </p:nvSpPr>
+        <p:spPr>
+          <a:xfrm>
+            <a:off x="0" y="0"/>
+            <a:ext cx="12192000" cy="6858000"/>
+          </a:xfrm>
+          <a:prstGeom prst="rect">
+            <a:avLst/>
+          </a:prstGeom>
+          <a:ln w="12700" cap="flat" cmpd="sng" algn="ctr">
+            <a:noFill/>
+            <a:prstDash val="solid"/>
+            <a:miter lim="800000"/>
+          </a:ln>
+          <a:effectLst/>
+          <a:extLst>
+            <a:ext uri="{91240B29-F687-4F45-9708-019B960494DF}">
+              <a14:hiddenLine xmlns:a14="http://schemas.microsoft.com/office/drawing/2010/main" w="12700" cap="flat" cmpd="sng" algn="ctr">
+                <a:solidFill>
+                  <a:schemeClr val="accent1">
+                    <a:shade val="50000"/>
+                  </a:schemeClr>
+                </a:solidFill>
+                <a:prstDash val="solid"/>
+                <a:miter lim="800000"/>
+              </a14:hiddenLine>
+            </a:ext>
+          </a:extLst>
+        </p:spPr>
+        <p:style>
+          <a:lnRef idx="2">
+            <a:schemeClr val="accent1">
+              <a:shade val="50000"/>
+            </a:schemeClr>
+          </a:lnRef>
+          <a:fillRef idx="1">
+            <a:schemeClr val="accent1"/>
+          </a:fillRef>
+          <a:effectRef idx="0">
+            <a:schemeClr val="accent1"/>
+          </a:effectRef>
+          <a:fontRef idx="minor">
+            <a:schemeClr val="lt1"/>
+          </a:fontRef>
+        </p:style>
+        <p:txBody>
+          <a:bodyPr rtlCol="0" anchor="ctr"/>
+          <a:lstStyle/>
+          <a:p>
+            <a:pPr algn="ctr"/>
+            <a:endParaRPr lang="en-US"/>
+          </a:p>
+        </p:txBody>
+      </p:sp>
+      <p:sp>
+        <p:nvSpPr>
+          <p:cNvPr id="27" name="Rectangle 19">
+            <a:extLst>
+              <a:ext uri="{FF2B5EF4-FFF2-40B4-BE49-F238E27FC236}">
+                <a16:creationId xmlns:a16="http://schemas.microsoft.com/office/drawing/2014/main" id="{5D28D1CE-5BF4-45B7-8D6D-B31A3198079C}"/>
+              </a:ext>
+              <a:ext uri="{C183D7F6-B498-43B3-948B-1728B52AA6E4}">
+                <adec:decorative xmlns:adec="http://schemas.microsoft.com/office/drawing/2017/decorative" val="1"/>
+              </a:ext>
+            </a:extLst>
+          </p:cNvPr>
+          <p:cNvSpPr>
+            <a:spLocks noGrp="1" noRot="1" noChangeAspect="1" noMove="1" noResize="1" noEditPoints="1" noAdjustHandles="1" noChangeArrowheads="1" noChangeShapeType="1" noTextEdit="1"/>
+          </p:cNvSpPr>
+          <p:nvPr>
+            <p:extLst>
+              <p:ext uri="{386F3935-93C4-4BCD-93E2-E3B085C9AB24}">
+                <p16:designElem xmlns:p16="http://schemas.microsoft.com/office/powerpoint/2015/main" val="1"/>
+              </p:ext>
+            </p:extLst>
+          </p:nvPr>
+        </p:nvSpPr>
+        <p:spPr>
+          <a:xfrm>
+            <a:off x="0" y="1"/>
+            <a:ext cx="4775791" cy="6857999"/>
+          </a:xfrm>
+          <a:prstGeom prst="rect">
+            <a:avLst/>
+          </a:prstGeom>
+          <a:solidFill>
+            <a:schemeClr val="accent2">
+              <a:lumMod val="20000"/>
+              <a:lumOff val="80000"/>
+            </a:schemeClr>
+          </a:solidFill>
+          <a:ln>
+            <a:noFill/>
+          </a:ln>
+        </p:spPr>
+        <p:style>
+          <a:lnRef idx="2">
+            <a:schemeClr val="accent1">
+              <a:shade val="50000"/>
+            </a:schemeClr>
+          </a:lnRef>
+          <a:fillRef idx="1">
+            <a:schemeClr val="accent1"/>
+          </a:fillRef>
+          <a:effectRef idx="0">
+            <a:schemeClr val="accent1"/>
+          </a:effectRef>
+          <a:fontRef idx="minor">
+            <a:schemeClr val="lt1"/>
+          </a:fontRef>
+        </p:style>
+        <p:txBody>
+          <a:bodyPr rtlCol="0" anchor="ctr"/>
+          <a:lstStyle/>
+          <a:p>
+            <a:pPr algn="ctr"/>
+            <a:endParaRPr lang="en-US"/>
+          </a:p>
+        </p:txBody>
+      </p:sp>
+      <p:sp>
+        <p:nvSpPr>
+          <p:cNvPr id="2" name="Title 1">
+            <a:extLst>
+              <a:ext uri="{FF2B5EF4-FFF2-40B4-BE49-F238E27FC236}">
+                <a16:creationId xmlns:a16="http://schemas.microsoft.com/office/drawing/2014/main" id="{978440B1-6768-DD5E-56EA-DC5C6F6FB9B8}"/>
+              </a:ext>
+            </a:extLst>
+          </p:cNvPr>
+          <p:cNvSpPr>
+            <a:spLocks noGrp="1"/>
+          </p:cNvSpPr>
+          <p:nvPr>
+            <p:ph type="title"/>
+          </p:nvPr>
+        </p:nvSpPr>
+        <p:spPr>
+          <a:xfrm>
+            <a:off x="359802" y="702021"/>
+            <a:ext cx="4056185" cy="1454709"/>
+          </a:xfrm>
+        </p:spPr>
+        <p:txBody>
+          <a:bodyPr anchor="b">
+            <a:normAutofit/>
+          </a:bodyPr>
+          <a:lstStyle/>
+          <a:p>
+            <a:pPr algn="ctr"/>
+            <a:r>
+              <a:rPr lang="en-US" sz="3600" b="1" u="sng" dirty="0">
+                <a:latin typeface="Arial" panose="020B0604020202020204" pitchFamily="34" charset="0"/>
+                <a:ea typeface="Cambria" panose="02040503050406030204" pitchFamily="18" charset="0"/>
+                <a:cs typeface="Arial" panose="020B0604020202020204" pitchFamily="34" charset="0"/>
+              </a:rPr>
+              <a:t>Selecting a Word</a:t>
+            </a:r>
+          </a:p>
+        </p:txBody>
+      </p:sp>
+      <p:sp>
+        <p:nvSpPr>
+          <p:cNvPr id="3" name="Content Placeholder 2">
+            <a:extLst>
+              <a:ext uri="{FF2B5EF4-FFF2-40B4-BE49-F238E27FC236}">
+                <a16:creationId xmlns:a16="http://schemas.microsoft.com/office/drawing/2014/main" id="{E60CCC92-E610-0983-9F85-9B80441A5723}"/>
+              </a:ext>
+            </a:extLst>
+          </p:cNvPr>
+          <p:cNvSpPr>
+            <a:spLocks noGrp="1"/>
+          </p:cNvSpPr>
+          <p:nvPr>
+            <p:ph idx="1"/>
+          </p:nvPr>
+        </p:nvSpPr>
+        <p:spPr>
+          <a:xfrm>
+            <a:off x="386761" y="2474956"/>
+            <a:ext cx="4002265" cy="3681023"/>
+          </a:xfrm>
+        </p:spPr>
+        <p:txBody>
+          <a:bodyPr anchor="t">
+            <a:normAutofit/>
+          </a:bodyPr>
+          <a:lstStyle/>
+          <a:p>
+            <a:pPr algn="ctr"/>
+            <a:r>
+              <a:rPr lang="en-US" sz="3200" dirty="0">
+                <a:latin typeface="Cambria" panose="02040503050406030204" pitchFamily="18" charset="0"/>
+                <a:ea typeface="Cambria" panose="02040503050406030204" pitchFamily="18" charset="0"/>
+              </a:rPr>
+              <a:t>Hover and click on desired word</a:t>
+            </a:r>
+          </a:p>
+          <a:p>
+            <a:pPr algn="ctr"/>
+            <a:endParaRPr lang="en-US" sz="3200" dirty="0">
+              <a:latin typeface="Cambria" panose="02040503050406030204" pitchFamily="18" charset="0"/>
+              <a:ea typeface="Cambria" panose="02040503050406030204" pitchFamily="18" charset="0"/>
+            </a:endParaRPr>
+          </a:p>
+          <a:p>
+            <a:pPr algn="ctr"/>
+            <a:r>
+              <a:rPr lang="en-US" sz="3200" dirty="0">
+                <a:latin typeface="Cambria" panose="02040503050406030204" pitchFamily="18" charset="0"/>
+                <a:ea typeface="Cambria" panose="02040503050406030204" pitchFamily="18" charset="0"/>
+              </a:rPr>
+              <a:t>Wordle-like panel for each word</a:t>
+            </a:r>
+          </a:p>
+        </p:txBody>
+      </p:sp>
+      <p:pic>
+        <p:nvPicPr>
+          <p:cNvPr id="7" name="Picture 6" descr="A screenshot of a keyboard&#10;&#10;Description automatically generated with medium confidence">
+            <a:extLst>
+              <a:ext uri="{FF2B5EF4-FFF2-40B4-BE49-F238E27FC236}">
+                <a16:creationId xmlns:a16="http://schemas.microsoft.com/office/drawing/2014/main" id="{EE4D0D5B-F035-2E36-C13F-42E42FB24218}"/>
+              </a:ext>
+            </a:extLst>
+          </p:cNvPr>
+          <p:cNvPicPr>
+            <a:picLocks noChangeAspect="1"/>
+          </p:cNvPicPr>
+          <p:nvPr/>
+        </p:nvPicPr>
+        <p:blipFill rotWithShape="1">
+          <a:blip r:embed="rId2"/>
+          <a:srcRect t="1506" r="2" b="2"/>
+          <a:stretch/>
+        </p:blipFill>
+        <p:spPr>
+          <a:xfrm>
+            <a:off x="8572840" y="1173671"/>
+            <a:ext cx="3400374" cy="4510658"/>
+          </a:xfrm>
+          <a:prstGeom prst="rect">
+            <a:avLst/>
+          </a:prstGeom>
+        </p:spPr>
+      </p:pic>
+      <p:pic>
+        <p:nvPicPr>
+          <p:cNvPr id="5" name="Picture 4" descr="A screenshot of a game&#10;&#10;Description automatically generated">
+            <a:extLst>
+              <a:ext uri="{FF2B5EF4-FFF2-40B4-BE49-F238E27FC236}">
+                <a16:creationId xmlns:a16="http://schemas.microsoft.com/office/drawing/2014/main" id="{563F7D13-619A-7842-24EF-F2A3AF36ED06}"/>
+              </a:ext>
+            </a:extLst>
+          </p:cNvPr>
+          <p:cNvPicPr>
+            <a:picLocks noChangeAspect="1"/>
+          </p:cNvPicPr>
+          <p:nvPr/>
+        </p:nvPicPr>
+        <p:blipFill rotWithShape="1">
+          <a:blip r:embed="rId3"/>
+          <a:srcRect l="631" r="-377" b="4"/>
+          <a:stretch/>
+        </p:blipFill>
+        <p:spPr>
+          <a:xfrm>
+            <a:off x="4914631" y="1453044"/>
+            <a:ext cx="3439424" cy="3951912"/>
+          </a:xfrm>
+          <a:prstGeom prst="rect">
+            <a:avLst/>
+          </a:prstGeom>
+        </p:spPr>
+      </p:pic>
+    </p:spTree>
+    <p:extLst>
+      <p:ext uri="{BB962C8B-B14F-4D97-AF65-F5344CB8AC3E}">
+        <p14:creationId xmlns:p14="http://schemas.microsoft.com/office/powerpoint/2010/main" val="3647635909"/>
+      </p:ext>
+    </p:extLst>
+  </p:cSld>
+  <p:clrMapOvr>
+    <a:masterClrMapping/>
+  </p:clrMapOvr>
+</p:sld>
+</file>
+
+<file path=ppt/slides/slide7.xml><?xml version="1.0" encoding="utf-8"?>
+<p:sld xmlns:a="http://schemas.openxmlformats.org/drawingml/2006/main" xmlns:r="http://schemas.openxmlformats.org/officeDocument/2006/relationships" xmlns:p="http://schemas.openxmlformats.org/presentationml/2006/main">
+  <p:cSld>
+    <p:bg>
+      <p:bgPr>
+        <a:solidFill>
+          <a:srgbClr val="2F4F4F"/>
+        </a:solidFill>
+        <a:effectLst/>
+      </p:bgPr>
+    </p:bg>
+    <p:spTree>
+      <p:nvGrpSpPr>
+        <p:cNvPr id="1" name=""/>
+        <p:cNvGrpSpPr/>
+        <p:nvPr/>
+      </p:nvGrpSpPr>
+      <p:grpSpPr>
+        <a:xfrm>
+          <a:off x="0" y="0"/>
+          <a:ext cx="0" cy="0"/>
+          <a:chOff x="0" y="0"/>
+          <a:chExt cx="0" cy="0"/>
+        </a:xfrm>
+      </p:grpSpPr>
+      <p:sp useBgFill="1">
+        <p:nvSpPr>
+          <p:cNvPr id="10" name="Rectangle 9">
+            <a:extLst>
+              <a:ext uri="{FF2B5EF4-FFF2-40B4-BE49-F238E27FC236}">
+                <a16:creationId xmlns:a16="http://schemas.microsoft.com/office/drawing/2014/main" id="{FF81F8D5-515A-45DC-B296-30AB11F2C19F}"/>
+              </a:ext>
+              <a:ext uri="{C183D7F6-B498-43B3-948B-1728B52AA6E4}">
+                <adec:decorative xmlns:adec="http://schemas.microsoft.com/office/drawing/2017/decorative" val="1"/>
+              </a:ext>
+            </a:extLst>
+          </p:cNvPr>
+          <p:cNvSpPr>
+            <a:spLocks noGrp="1" noRot="1" noChangeAspect="1" noMove="1" noResize="1" noEditPoints="1" noAdjustHandles="1" noChangeArrowheads="1" noChangeShapeType="1" noTextEdit="1"/>
+          </p:cNvSpPr>
+          <p:nvPr>
+            <p:extLst>
+              <p:ext uri="{386F3935-93C4-4BCD-93E2-E3B085C9AB24}">
+                <p16:designElem xmlns:p16="http://schemas.microsoft.com/office/powerpoint/2015/main" val="1"/>
+              </p:ext>
+            </p:extLst>
+          </p:nvPr>
+        </p:nvSpPr>
+        <p:spPr>
+          <a:xfrm>
+            <a:off x="0" y="0"/>
+            <a:ext cx="12191999" cy="6857365"/>
+          </a:xfrm>
+          <a:prstGeom prst="rect">
+            <a:avLst/>
+          </a:prstGeom>
+          <a:ln>
+            <a:noFill/>
+          </a:ln>
+        </p:spPr>
+        <p:style>
+          <a:lnRef idx="2">
+            <a:schemeClr val="accent1">
+              <a:shade val="50000"/>
+            </a:schemeClr>
+          </a:lnRef>
+          <a:fillRef idx="1">
+            <a:schemeClr val="accent1"/>
+          </a:fillRef>
+          <a:effectRef idx="0">
+            <a:schemeClr val="accent1"/>
+          </a:effectRef>
+          <a:fontRef idx="minor">
+            <a:schemeClr val="lt1"/>
+          </a:fontRef>
+        </p:style>
+        <p:txBody>
+          <a:bodyPr rtlCol="0" anchor="ctr"/>
+          <a:lstStyle/>
+          <a:p>
+            <a:pPr algn="ctr"/>
+            <a:endParaRPr lang="en-US"/>
+          </a:p>
+        </p:txBody>
+      </p:sp>
+      <p:sp>
+        <p:nvSpPr>
+          <p:cNvPr id="12" name="Rectangle 11">
+            <a:extLst>
+              <a:ext uri="{FF2B5EF4-FFF2-40B4-BE49-F238E27FC236}">
+                <a16:creationId xmlns:a16="http://schemas.microsoft.com/office/drawing/2014/main" id="{90464369-70FA-42AF-948F-80664CA7BFE5}"/>
+              </a:ext>
+              <a:ext uri="{C183D7F6-B498-43B3-948B-1728B52AA6E4}">
+                <adec:decorative xmlns:adec="http://schemas.microsoft.com/office/drawing/2017/decorative" val="1"/>
+              </a:ext>
+            </a:extLst>
+          </p:cNvPr>
+          <p:cNvSpPr>
+            <a:spLocks noGrp="1" noRot="1" noChangeAspect="1" noMove="1" noResize="1" noEditPoints="1" noAdjustHandles="1" noChangeArrowheads="1" noChangeShapeType="1" noTextEdit="1"/>
+          </p:cNvSpPr>
+          <p:nvPr>
+            <p:extLst>
+              <p:ext uri="{386F3935-93C4-4BCD-93E2-E3B085C9AB24}">
+                <p16:designElem xmlns:p16="http://schemas.microsoft.com/office/powerpoint/2015/main" val="1"/>
+              </p:ext>
+            </p:extLst>
+          </p:nvPr>
+        </p:nvSpPr>
+        <p:spPr>
+          <a:xfrm>
+            <a:off x="0" y="0"/>
+            <a:ext cx="12192000" cy="2146816"/>
+          </a:xfrm>
+          <a:prstGeom prst="rect">
+            <a:avLst/>
+          </a:prstGeom>
+          <a:solidFill>
+            <a:schemeClr val="bg1">
+              <a:lumMod val="85000"/>
+              <a:alpha val="35000"/>
+            </a:schemeClr>
+          </a:solidFill>
+          <a:ln>
+            <a:noFill/>
+          </a:ln>
+        </p:spPr>
+        <p:style>
+          <a:lnRef idx="2">
+            <a:schemeClr val="accent1">
+              <a:shade val="50000"/>
+            </a:schemeClr>
+          </a:lnRef>
+          <a:fillRef idx="1">
+            <a:schemeClr val="accent1"/>
+          </a:fillRef>
+          <a:effectRef idx="0">
+            <a:schemeClr val="accent1"/>
+          </a:effectRef>
+          <a:fontRef idx="minor">
+            <a:schemeClr val="lt1"/>
+          </a:fontRef>
+        </p:style>
+        <p:txBody>
+          <a:bodyPr rtlCol="0" anchor="ctr"/>
+          <a:lstStyle/>
+          <a:p>
+            <a:pPr algn="ctr"/>
+            <a:endParaRPr lang="en-US"/>
+          </a:p>
+        </p:txBody>
+      </p:sp>
+      <p:sp>
+        <p:nvSpPr>
+          <p:cNvPr id="2" name="Title 1">
+            <a:extLst>
+              <a:ext uri="{FF2B5EF4-FFF2-40B4-BE49-F238E27FC236}">
+                <a16:creationId xmlns:a16="http://schemas.microsoft.com/office/drawing/2014/main" id="{418F8B60-14D5-6BA2-D73F-A4DD2B052B76}"/>
+              </a:ext>
+            </a:extLst>
+          </p:cNvPr>
+          <p:cNvSpPr>
+            <a:spLocks noGrp="1"/>
+          </p:cNvSpPr>
+          <p:nvPr>
+            <p:ph type="title"/>
+          </p:nvPr>
+        </p:nvSpPr>
+        <p:spPr>
+          <a:xfrm>
+            <a:off x="581646" y="349664"/>
+            <a:ext cx="5845571" cy="1638377"/>
+          </a:xfrm>
+          <a:effectLst>
+            <a:outerShdw blurRad="50800" dist="50800" dir="5400000" algn="ctr" rotWithShape="0">
+              <a:srgbClr val="000000">
+                <a:alpha val="74000"/>
+              </a:srgbClr>
+            </a:outerShdw>
+          </a:effectLst>
+        </p:spPr>
+        <p:txBody>
+          <a:bodyPr anchor="b">
+            <a:normAutofit/>
+          </a:bodyPr>
+          <a:lstStyle/>
+          <a:p>
+            <a:r>
+              <a:rPr lang="en-US" sz="4800" b="1" dirty="0">
+                <a:solidFill>
+                  <a:schemeClr val="bg1"/>
+                </a:solidFill>
+                <a:latin typeface="Arial" panose="020B0604020202020204" pitchFamily="34" charset="0"/>
+                <a:ea typeface="Cambria" panose="02040503050406030204" pitchFamily="18" charset="0"/>
+                <a:cs typeface="Arial" panose="020B0604020202020204" pitchFamily="34" charset="0"/>
+              </a:rPr>
+              <a:t>Making a Guess</a:t>
+            </a:r>
+          </a:p>
+        </p:txBody>
+      </p:sp>
+      <p:sp>
+        <p:nvSpPr>
+          <p:cNvPr id="3" name="Content Placeholder 2">
+            <a:extLst>
+              <a:ext uri="{FF2B5EF4-FFF2-40B4-BE49-F238E27FC236}">
+                <a16:creationId xmlns:a16="http://schemas.microsoft.com/office/drawing/2014/main" id="{51858DEB-0F33-13F4-317F-86C05A584013}"/>
+              </a:ext>
+            </a:extLst>
+          </p:cNvPr>
+          <p:cNvSpPr>
+            <a:spLocks noGrp="1"/>
+          </p:cNvSpPr>
+          <p:nvPr>
+            <p:ph idx="1"/>
+          </p:nvPr>
+        </p:nvSpPr>
+        <p:spPr>
+          <a:xfrm>
+            <a:off x="587988" y="2337705"/>
+            <a:ext cx="6384004" cy="3306638"/>
+          </a:xfrm>
+        </p:spPr>
+        <p:txBody>
+          <a:bodyPr anchor="ctr">
+            <a:normAutofit/>
+          </a:bodyPr>
+          <a:lstStyle/>
+          <a:p>
+            <a:r>
+              <a:rPr lang="en-US" sz="2000" dirty="0">
+                <a:solidFill>
+                  <a:schemeClr val="bg1"/>
+                </a:solidFill>
+                <a:latin typeface="Cambria" panose="02040503050406030204" pitchFamily="18" charset="0"/>
+                <a:ea typeface="Cambria" panose="02040503050406030204" pitchFamily="18" charset="0"/>
+              </a:rPr>
+              <a:t>The player may type using their physical keyboard, or the </a:t>
+            </a:r>
+            <a:r>
+              <a:rPr lang="en-US" sz="2000" dirty="0">
+                <a:solidFill>
+                  <a:srgbClr val="6CFF59"/>
+                </a:solidFill>
+                <a:latin typeface="Cambria" panose="02040503050406030204" pitchFamily="18" charset="0"/>
+                <a:ea typeface="Cambria" panose="02040503050406030204" pitchFamily="18" charset="0"/>
+              </a:rPr>
+              <a:t>on-screen keyboard </a:t>
+            </a:r>
+            <a:r>
+              <a:rPr lang="en-US" sz="2000" dirty="0">
+                <a:solidFill>
+                  <a:schemeClr val="bg1"/>
+                </a:solidFill>
+                <a:latin typeface="Cambria" panose="02040503050406030204" pitchFamily="18" charset="0"/>
+                <a:ea typeface="Cambria" panose="02040503050406030204" pitchFamily="18" charset="0"/>
+              </a:rPr>
+              <a:t>to enter letters.</a:t>
+            </a:r>
+          </a:p>
+          <a:p>
+            <a:r>
+              <a:rPr lang="en-US" sz="2000" dirty="0">
+                <a:solidFill>
+                  <a:schemeClr val="bg1"/>
+                </a:solidFill>
+                <a:latin typeface="Cambria" panose="02040503050406030204" pitchFamily="18" charset="0"/>
+                <a:ea typeface="Cambria" panose="02040503050406030204" pitchFamily="18" charset="0"/>
+              </a:rPr>
+              <a:t>Guess will be </a:t>
+            </a:r>
+            <a:r>
+              <a:rPr lang="en-US" sz="2000" dirty="0">
+                <a:solidFill>
+                  <a:srgbClr val="FF4B4B"/>
+                </a:solidFill>
+                <a:latin typeface="Cambria" panose="02040503050406030204" pitchFamily="18" charset="0"/>
+                <a:ea typeface="Cambria" panose="02040503050406030204" pitchFamily="18" charset="0"/>
+              </a:rPr>
+              <a:t>spellchecked</a:t>
+            </a:r>
+            <a:r>
+              <a:rPr lang="en-US" sz="2000" dirty="0">
+                <a:solidFill>
+                  <a:schemeClr val="bg1"/>
+                </a:solidFill>
+                <a:latin typeface="Cambria" panose="02040503050406030204" pitchFamily="18" charset="0"/>
+                <a:ea typeface="Cambria" panose="02040503050406030204" pitchFamily="18" charset="0"/>
+              </a:rPr>
+              <a:t> and submitted as a guess.</a:t>
+            </a:r>
+          </a:p>
+          <a:p>
+            <a:r>
+              <a:rPr lang="en-US" sz="2000" dirty="0">
+                <a:solidFill>
+                  <a:srgbClr val="6CFF59"/>
+                </a:solidFill>
+                <a:latin typeface="Cambria" panose="02040503050406030204" pitchFamily="18" charset="0"/>
+                <a:ea typeface="Cambria" panose="02040503050406030204" pitchFamily="18" charset="0"/>
+              </a:rPr>
+              <a:t>Green letters </a:t>
+            </a:r>
+            <a:r>
+              <a:rPr lang="en-US" sz="2000" dirty="0">
+                <a:solidFill>
+                  <a:schemeClr val="bg1"/>
+                </a:solidFill>
+                <a:latin typeface="Cambria" panose="02040503050406030204" pitchFamily="18" charset="0"/>
+                <a:ea typeface="Cambria" panose="02040503050406030204" pitchFamily="18" charset="0"/>
+              </a:rPr>
+              <a:t>are correct, </a:t>
+            </a:r>
+            <a:r>
+              <a:rPr lang="en-US" sz="2000" dirty="0">
+                <a:solidFill>
+                  <a:srgbClr val="FFC34A"/>
+                </a:solidFill>
+                <a:latin typeface="Cambria" panose="02040503050406030204" pitchFamily="18" charset="0"/>
+                <a:ea typeface="Cambria" panose="02040503050406030204" pitchFamily="18" charset="0"/>
+              </a:rPr>
+              <a:t>orange letters </a:t>
+            </a:r>
+            <a:r>
+              <a:rPr lang="en-US" sz="2000" dirty="0">
+                <a:solidFill>
+                  <a:schemeClr val="bg1"/>
+                </a:solidFill>
+                <a:latin typeface="Cambria" panose="02040503050406030204" pitchFamily="18" charset="0"/>
+                <a:ea typeface="Cambria" panose="02040503050406030204" pitchFamily="18" charset="0"/>
+              </a:rPr>
+              <a:t>are in the incorrect place, and </a:t>
+            </a:r>
+            <a:r>
+              <a:rPr lang="en-US" sz="2000" dirty="0">
+                <a:solidFill>
+                  <a:srgbClr val="FF4B4B"/>
+                </a:solidFill>
+                <a:latin typeface="Cambria" panose="02040503050406030204" pitchFamily="18" charset="0"/>
+                <a:ea typeface="Cambria" panose="02040503050406030204" pitchFamily="18" charset="0"/>
+              </a:rPr>
+              <a:t>red letters </a:t>
+            </a:r>
+            <a:r>
+              <a:rPr lang="en-US" sz="2000" dirty="0">
+                <a:solidFill>
+                  <a:schemeClr val="bg1"/>
+                </a:solidFill>
+                <a:latin typeface="Cambria" panose="02040503050406030204" pitchFamily="18" charset="0"/>
+                <a:ea typeface="Cambria" panose="02040503050406030204" pitchFamily="18" charset="0"/>
+              </a:rPr>
+              <a:t>are incorrect.</a:t>
+            </a:r>
+          </a:p>
+          <a:p>
+            <a:r>
+              <a:rPr lang="en-US" sz="2000" dirty="0">
+                <a:solidFill>
+                  <a:schemeClr val="bg1"/>
+                </a:solidFill>
+                <a:latin typeface="Cambria" panose="02040503050406030204" pitchFamily="18" charset="0"/>
+                <a:ea typeface="Cambria" panose="02040503050406030204" pitchFamily="18" charset="0"/>
+              </a:rPr>
+              <a:t>The player doesn’t have to remember what they’ve already found.</a:t>
+            </a:r>
+          </a:p>
+        </p:txBody>
+      </p:sp>
+      <p:sp>
+        <p:nvSpPr>
+          <p:cNvPr id="14" name="Rectangle 13">
+            <a:extLst>
+              <a:ext uri="{FF2B5EF4-FFF2-40B4-BE49-F238E27FC236}">
+                <a16:creationId xmlns:a16="http://schemas.microsoft.com/office/drawing/2014/main" id="{A6604B49-AD5C-4590-B051-06C8222ECD99}"/>
+              </a:ext>
+              <a:ext uri="{C183D7F6-B498-43B3-948B-1728B52AA6E4}">
+                <adec:decorative xmlns:adec="http://schemas.microsoft.com/office/drawing/2017/decorative" val="1"/>
+              </a:ext>
+            </a:extLst>
+          </p:cNvPr>
+          <p:cNvSpPr>
+            <a:spLocks noGrp="1" noRot="1" noChangeAspect="1" noMove="1" noResize="1" noEditPoints="1" noAdjustHandles="1" noChangeArrowheads="1" noChangeShapeType="1" noTextEdit="1"/>
+          </p:cNvSpPr>
+          <p:nvPr>
+            <p:extLst>
+              <p:ext uri="{386F3935-93C4-4BCD-93E2-E3B085C9AB24}">
+                <p16:designElem xmlns:p16="http://schemas.microsoft.com/office/powerpoint/2015/main" val="1"/>
+              </p:ext>
+            </p:extLst>
+          </p:nvPr>
+        </p:nvSpPr>
+        <p:spPr>
+          <a:xfrm rot="16200000" flipH="1">
+            <a:off x="5669568" y="277912"/>
+            <a:ext cx="524256" cy="11863390"/>
+          </a:xfrm>
+          <a:prstGeom prst="rect">
+            <a:avLst/>
+          </a:prstGeom>
+          <a:solidFill>
+            <a:schemeClr val="accent4"/>
+          </a:solidFill>
+          <a:ln>
+            <a:noFill/>
+          </a:ln>
+        </p:spPr>
+        <p:style>
+          <a:lnRef idx="2">
+            <a:schemeClr val="accent1">
+              <a:shade val="50000"/>
+            </a:schemeClr>
+          </a:lnRef>
+          <a:fillRef idx="1">
+            <a:schemeClr val="accent1"/>
+          </a:fillRef>
+          <a:effectRef idx="0">
+            <a:schemeClr val="accent1"/>
+          </a:effectRef>
+          <a:fontRef idx="minor">
+            <a:schemeClr val="lt1"/>
+          </a:fontRef>
+        </p:style>
+        <p:txBody>
+          <a:bodyPr rtlCol="0" anchor="ctr"/>
+          <a:lstStyle/>
+          <a:p>
+            <a:pPr algn="ctr"/>
+            <a:endParaRPr lang="en-US"/>
+          </a:p>
+        </p:txBody>
+      </p:sp>
+      <p:sp>
+        <p:nvSpPr>
+          <p:cNvPr id="16" name="Rectangle 15">
+            <a:extLst>
+              <a:ext uri="{FF2B5EF4-FFF2-40B4-BE49-F238E27FC236}">
+                <a16:creationId xmlns:a16="http://schemas.microsoft.com/office/drawing/2014/main" id="{CC552A98-EF7D-4D42-AB69-066B786AB55B}"/>
+              </a:ext>
+              <a:ext uri="{C183D7F6-B498-43B3-948B-1728B52AA6E4}">
+                <adec:decorative xmlns:adec="http://schemas.microsoft.com/office/drawing/2017/decorative" val="1"/>
+              </a:ext>
+            </a:extLst>
+          </p:cNvPr>
+          <p:cNvSpPr>
+            <a:spLocks noGrp="1" noRot="1" noChangeAspect="1" noMove="1" noResize="1" noEditPoints="1" noAdjustHandles="1" noChangeArrowheads="1" noChangeShapeType="1" noTextEdit="1"/>
+          </p:cNvSpPr>
+          <p:nvPr>
+            <p:extLst>
+              <p:ext uri="{386F3935-93C4-4BCD-93E2-E3B085C9AB24}">
+                <p16:designElem xmlns:p16="http://schemas.microsoft.com/office/powerpoint/2015/main" val="1"/>
+              </p:ext>
+            </p:extLst>
+          </p:nvPr>
+        </p:nvSpPr>
+        <p:spPr>
+          <a:xfrm>
+            <a:off x="7215447" y="399675"/>
+            <a:ext cx="4647368" cy="5809932"/>
+          </a:xfrm>
+          <a:prstGeom prst="rect">
+            <a:avLst/>
+          </a:prstGeom>
+          <a:solidFill>
+            <a:schemeClr val="bg1"/>
+          </a:solidFill>
+          <a:ln>
+            <a:noFill/>
+          </a:ln>
+          <a:effectLst>
+            <a:outerShdw blurRad="139700" dist="127000" dir="5400000" algn="t" rotWithShape="0">
+              <a:prstClr val="black">
+                <a:alpha val="15000"/>
+              </a:prstClr>
+            </a:outerShdw>
+          </a:effectLst>
+        </p:spPr>
+        <p:style>
+          <a:lnRef idx="2">
+            <a:schemeClr val="accent1">
+              <a:shade val="50000"/>
+            </a:schemeClr>
+          </a:lnRef>
+          <a:fillRef idx="1">
+            <a:schemeClr val="accent1"/>
+          </a:fillRef>
+          <a:effectRef idx="0">
+            <a:schemeClr val="accent1"/>
+          </a:effectRef>
+          <a:fontRef idx="minor">
+            <a:schemeClr val="lt1"/>
+          </a:fontRef>
+        </p:style>
+        <p:txBody>
+          <a:bodyPr rtlCol="0" anchor="ctr"/>
+          <a:lstStyle/>
+          <a:p>
+            <a:pPr algn="ctr"/>
+            <a:endParaRPr lang="en-US"/>
+          </a:p>
+        </p:txBody>
+      </p:sp>
+      <p:pic>
+        <p:nvPicPr>
+          <p:cNvPr id="5" name="Picture 4">
+            <a:extLst>
+              <a:ext uri="{FF2B5EF4-FFF2-40B4-BE49-F238E27FC236}">
+                <a16:creationId xmlns:a16="http://schemas.microsoft.com/office/drawing/2014/main" id="{63661E1F-DEE3-D858-75D7-7789C007F4C0}"/>
+              </a:ext>
+            </a:extLst>
+          </p:cNvPr>
+          <p:cNvPicPr>
+            <a:picLocks noChangeAspect="1"/>
+          </p:cNvPicPr>
+          <p:nvPr/>
+        </p:nvPicPr>
+        <p:blipFill rotWithShape="1">
+          <a:blip r:embed="rId2"/>
+          <a:srcRect t="5442" r="-2" b="2922"/>
+          <a:stretch/>
+        </p:blipFill>
+        <p:spPr>
+          <a:xfrm>
+            <a:off x="7421373" y="627954"/>
+            <a:ext cx="4235516" cy="5353373"/>
+          </a:xfrm>
+          <a:prstGeom prst="rect">
+            <a:avLst/>
+          </a:prstGeom>
+        </p:spPr>
+      </p:pic>
+      <p:sp>
+        <p:nvSpPr>
+          <p:cNvPr id="18" name="Rectangle 17">
+            <a:extLst>
+              <a:ext uri="{FF2B5EF4-FFF2-40B4-BE49-F238E27FC236}">
+                <a16:creationId xmlns:a16="http://schemas.microsoft.com/office/drawing/2014/main" id="{A648176E-454C-437C-B0FC-9B82FCF32B24}"/>
+              </a:ext>
+              <a:ext uri="{C183D7F6-B498-43B3-948B-1728B52AA6E4}">
+                <adec:decorative xmlns:adec="http://schemas.microsoft.com/office/drawing/2017/decorative" val="1"/>
+              </a:ext>
+            </a:extLst>
+          </p:cNvPr>
+          <p:cNvSpPr>
+            <a:spLocks noGrp="1" noRot="1" noChangeAspect="1" noMove="1" noResize="1" noEditPoints="1" noAdjustHandles="1" noChangeArrowheads="1" noChangeShapeType="1" noTextEdit="1"/>
+          </p:cNvSpPr>
+          <p:nvPr>
+            <p:extLst>
+              <p:ext uri="{386F3935-93C4-4BCD-93E2-E3B085C9AB24}">
+                <p16:designElem xmlns:p16="http://schemas.microsoft.com/office/powerpoint/2015/main" val="1"/>
+              </p:ext>
+            </p:extLst>
+          </p:nvPr>
+        </p:nvSpPr>
+        <p:spPr>
+          <a:xfrm rot="5400000">
+            <a:off x="11774185" y="6131892"/>
+            <a:ext cx="524256" cy="152382"/>
+          </a:xfrm>
+          <a:prstGeom prst="rect">
+            <a:avLst/>
+          </a:prstGeom>
+          <a:solidFill>
+            <a:schemeClr val="accent4"/>
+          </a:solidFill>
+          <a:ln>
+            <a:noFill/>
+          </a:ln>
+        </p:spPr>
+        <p:style>
+          <a:lnRef idx="2">
+            <a:schemeClr val="accent1">
+              <a:shade val="50000"/>
+            </a:schemeClr>
+          </a:lnRef>
+          <a:fillRef idx="1">
+            <a:schemeClr val="accent1"/>
+          </a:fillRef>
+          <a:effectRef idx="0">
+            <a:schemeClr val="accent1"/>
+          </a:effectRef>
+          <a:fontRef idx="minor">
+            <a:schemeClr val="lt1"/>
+          </a:fontRef>
+        </p:style>
+        <p:txBody>
+          <a:bodyPr rtlCol="0" anchor="ctr"/>
+          <a:lstStyle/>
+          <a:p>
+            <a:pPr algn="ctr"/>
+            <a:endParaRPr lang="en-US"/>
+          </a:p>
+        </p:txBody>
+      </p:sp>
+    </p:spTree>
+    <p:extLst>
+      <p:ext uri="{BB962C8B-B14F-4D97-AF65-F5344CB8AC3E}">
+        <p14:creationId xmlns:p14="http://schemas.microsoft.com/office/powerpoint/2010/main" val="2756419199"/>
+      </p:ext>
+    </p:extLst>
+  </p:cSld>
+  <p:clrMapOvr>
+    <a:masterClrMapping/>
+  </p:clrMapOvr>
+</p:sld>
+</file>
+
+<file path=ppt/slides/slide8.xml><?xml version="1.0" encoding="utf-8"?>
+<p:sld xmlns:a="http://schemas.openxmlformats.org/drawingml/2006/main" xmlns:r="http://schemas.openxmlformats.org/officeDocument/2006/relationships" xmlns:p="http://schemas.openxmlformats.org/presentationml/2006/main">
+  <p:cSld>
+    <p:bg>
+      <p:bgPr>
+        <a:solidFill>
+          <a:srgbClr val="2F4F4F"/>
+        </a:solidFill>
+        <a:effectLst/>
+      </p:bgPr>
+    </p:bg>
+    <p:spTree>
+      <p:nvGrpSpPr>
+        <p:cNvPr id="1" name=""/>
+        <p:cNvGrpSpPr/>
+        <p:nvPr/>
+      </p:nvGrpSpPr>
+      <p:grpSpPr>
+        <a:xfrm>
+          <a:off x="0" y="0"/>
+          <a:ext cx="0" cy="0"/>
+          <a:chOff x="0" y="0"/>
+          <a:chExt cx="0" cy="0"/>
+        </a:xfrm>
+      </p:grpSpPr>
+      <p:sp useBgFill="1">
+        <p:nvSpPr>
+          <p:cNvPr id="10" name="Rectangle 9">
+            <a:extLst>
+              <a:ext uri="{FF2B5EF4-FFF2-40B4-BE49-F238E27FC236}">
+                <a16:creationId xmlns:a16="http://schemas.microsoft.com/office/drawing/2014/main" id="{201CC55D-ED54-4C5C-95E6-10947BD1103B}"/>
+              </a:ext>
+              <a:ext uri="{C183D7F6-B498-43B3-948B-1728B52AA6E4}">
+                <adec:decorative xmlns:adec="http://schemas.microsoft.com/office/drawing/2017/decorative" val="1"/>
+              </a:ext>
+            </a:extLst>
+          </p:cNvPr>
+          <p:cNvSpPr>
+            <a:spLocks noGrp="1" noRot="1" noChangeAspect="1" noMove="1" noResize="1" noEditPoints="1" noAdjustHandles="1" noChangeArrowheads="1" noChangeShapeType="1" noTextEdit="1"/>
+          </p:cNvSpPr>
+          <p:nvPr>
+            <p:extLst>
+              <p:ext uri="{386F3935-93C4-4BCD-93E2-E3B085C9AB24}">
+                <p16:designElem xmlns:p16="http://schemas.microsoft.com/office/powerpoint/2015/main" val="1"/>
+              </p:ext>
+            </p:extLst>
+          </p:nvPr>
+        </p:nvSpPr>
+        <p:spPr>
+          <a:xfrm>
+            <a:off x="0" y="0"/>
+            <a:ext cx="12191999" cy="6857365"/>
+          </a:xfrm>
+          <a:prstGeom prst="rect">
+            <a:avLst/>
+          </a:prstGeom>
+          <a:ln>
+            <a:noFill/>
+          </a:ln>
+        </p:spPr>
+        <p:style>
+          <a:lnRef idx="2">
+            <a:schemeClr val="accent1">
+              <a:shade val="50000"/>
+            </a:schemeClr>
+          </a:lnRef>
+          <a:fillRef idx="1">
+            <a:schemeClr val="accent1"/>
+          </a:fillRef>
+          <a:effectRef idx="0">
+            <a:schemeClr val="accent1"/>
+          </a:effectRef>
+          <a:fontRef idx="minor">
+            <a:schemeClr val="lt1"/>
+          </a:fontRef>
+        </p:style>
+        <p:txBody>
+          <a:bodyPr rtlCol="0" anchor="ctr"/>
+          <a:lstStyle/>
+          <a:p>
+            <a:pPr algn="ctr"/>
+            <a:endParaRPr lang="en-US"/>
+          </a:p>
+        </p:txBody>
+      </p:sp>
+      <p:sp>
+        <p:nvSpPr>
+          <p:cNvPr id="2" name="Title 1">
+            <a:extLst>
+              <a:ext uri="{FF2B5EF4-FFF2-40B4-BE49-F238E27FC236}">
+                <a16:creationId xmlns:a16="http://schemas.microsoft.com/office/drawing/2014/main" id="{BB8B4094-AABC-EF58-19D4-A6EB71697B5E}"/>
+              </a:ext>
+            </a:extLst>
+          </p:cNvPr>
+          <p:cNvSpPr>
+            <a:spLocks noGrp="1"/>
+          </p:cNvSpPr>
+          <p:nvPr>
+            <p:ph type="title"/>
+          </p:nvPr>
+        </p:nvSpPr>
+        <p:spPr>
+          <a:xfrm>
+            <a:off x="589560" y="856180"/>
+            <a:ext cx="4560584" cy="1128068"/>
+          </a:xfrm>
+        </p:spPr>
+        <p:txBody>
+          <a:bodyPr anchor="ctr">
+            <a:normAutofit fontScale="90000"/>
+          </a:bodyPr>
+          <a:lstStyle/>
+          <a:p>
+            <a:r>
+              <a:rPr lang="en-US" sz="4000" b="1" dirty="0">
+                <a:solidFill>
+                  <a:schemeClr val="bg1"/>
+                </a:solidFill>
+                <a:latin typeface="Arial" panose="020B0604020202020204" pitchFamily="34" charset="0"/>
+                <a:cs typeface="Arial" panose="020B0604020202020204" pitchFamily="34" charset="0"/>
+              </a:rPr>
+              <a:t>Finishing the Game</a:t>
+            </a:r>
+          </a:p>
+        </p:txBody>
+      </p:sp>
+      <p:grpSp>
+        <p:nvGrpSpPr>
+          <p:cNvPr id="12" name="Group 11">
+            <a:extLst>
+              <a:ext uri="{FF2B5EF4-FFF2-40B4-BE49-F238E27FC236}">
+                <a16:creationId xmlns:a16="http://schemas.microsoft.com/office/drawing/2014/main" id="{1DE889C7-FAD6-4397-98E2-05D503484459}"/>
+              </a:ext>
+              <a:ext uri="{C183D7F6-B498-43B3-948B-1728B52AA6E4}">
+                <adec:decorative xmlns:adec="http://schemas.microsoft.com/office/drawing/2017/decorative" val="1"/>
+              </a:ext>
+            </a:extLst>
+          </p:cNvPr>
+          <p:cNvGrpSpPr>
+            <a:grpSpLocks noGrp="1" noUngrp="1" noRot="1" noChangeAspect="1" noMove="1" noResize="1"/>
+          </p:cNvGrpSpPr>
+          <p:nvPr>
+            <p:extLst>
+              <p:ext uri="{386F3935-93C4-4BCD-93E2-E3B085C9AB24}">
+                <p16:designElem xmlns:p16="http://schemas.microsoft.com/office/powerpoint/2015/main" val="1"/>
+              </p:ext>
+            </p:extLst>
+          </p:nvPr>
+        </p:nvGrpSpPr>
+        <p:grpSpPr>
+          <a:xfrm>
+            <a:off x="0" y="1083484"/>
+            <a:ext cx="355196" cy="673460"/>
+            <a:chOff x="0" y="823811"/>
+            <a:chExt cx="355196" cy="673460"/>
+          </a:xfrm>
+        </p:grpSpPr>
+        <p:sp>
+          <p:nvSpPr>
+            <p:cNvPr id="13" name="Rectangle 12">
+              <a:extLst>
+                <a:ext uri="{FF2B5EF4-FFF2-40B4-BE49-F238E27FC236}">
+                  <a16:creationId xmlns:a16="http://schemas.microsoft.com/office/drawing/2014/main" id="{F399A70F-F8CD-4992-9EF5-6CF15472E73F}"/>
+                </a:ext>
+                <a:ext uri="{C183D7F6-B498-43B3-948B-1728B52AA6E4}">
+                  <adec:decorative xmlns:adec="http://schemas.microsoft.com/office/drawing/2017/decorative" val="1"/>
+                </a:ext>
+              </a:extLst>
+            </p:cNvPr>
+            <p:cNvSpPr/>
+            <p:nvPr>
+              <p:extLst>
+                <p:ext uri="{386F3935-93C4-4BCD-93E2-E3B085C9AB24}">
+                  <p16:designElem xmlns:p16="http://schemas.microsoft.com/office/powerpoint/2015/main" val="1"/>
+                </p:ext>
+              </p:extLst>
+            </p:nvPr>
+          </p:nvSpPr>
+          <p:spPr>
+            <a:xfrm>
+              <a:off x="0" y="823811"/>
+              <a:ext cx="87363" cy="673460"/>
+            </a:xfrm>
+            <a:prstGeom prst="rect">
+              <a:avLst/>
+            </a:prstGeom>
+            <a:solidFill>
+              <a:schemeClr val="accent4"/>
+            </a:solidFill>
+            <a:ln>
+              <a:noFill/>
+            </a:ln>
+          </p:spPr>
+          <p:style>
+            <a:lnRef idx="2">
+              <a:schemeClr val="accent1">
+                <a:shade val="50000"/>
+              </a:schemeClr>
+            </a:lnRef>
+            <a:fillRef idx="1">
+              <a:schemeClr val="accent1"/>
+            </a:fillRef>
+            <a:effectRef idx="0">
+              <a:schemeClr val="accent1"/>
+            </a:effectRef>
+            <a:fontRef idx="minor">
+              <a:schemeClr val="lt1"/>
+            </a:fontRef>
+          </p:style>
+          <p:txBody>
+            <a:bodyPr rtlCol="0" anchor="ctr"/>
+            <a:lstStyle/>
+            <a:p>
+              <a:pPr algn="ctr"/>
+              <a:endParaRPr lang="en-US"/>
+            </a:p>
+          </p:txBody>
+        </p:sp>
+        <p:sp>
+          <p:nvSpPr>
+            <p:cNvPr id="14" name="Rectangle 13">
+              <a:extLst>
+                <a:ext uri="{FF2B5EF4-FFF2-40B4-BE49-F238E27FC236}">
+                  <a16:creationId xmlns:a16="http://schemas.microsoft.com/office/drawing/2014/main" id="{48F4FEDC-6D80-458C-A665-075D9B9500FD}"/>
+                </a:ext>
+                <a:ext uri="{C183D7F6-B498-43B3-948B-1728B52AA6E4}">
+                  <adec:decorative xmlns:adec="http://schemas.microsoft.com/office/drawing/2017/decorative" val="1"/>
+                </a:ext>
+              </a:extLst>
+            </p:cNvPr>
+            <p:cNvSpPr/>
+            <p:nvPr>
+              <p:extLst>
+                <p:ext uri="{386F3935-93C4-4BCD-93E2-E3B085C9AB24}">
+                  <p16:designElem xmlns:p16="http://schemas.microsoft.com/office/powerpoint/2015/main" val="1"/>
+                </p:ext>
+              </p:extLst>
+            </p:nvPr>
+          </p:nvSpPr>
+          <p:spPr>
+            <a:xfrm>
+              <a:off x="159341" y="823811"/>
+              <a:ext cx="195855" cy="673460"/>
+            </a:xfrm>
+            <a:prstGeom prst="rect">
+              <a:avLst/>
+            </a:prstGeom>
+            <a:solidFill>
+              <a:schemeClr val="accent4"/>
+            </a:solidFill>
+            <a:ln>
+              <a:noFill/>
+            </a:ln>
+          </p:spPr>
+          <p:style>
+            <a:lnRef idx="2">
+              <a:schemeClr val="accent1">
+                <a:shade val="50000"/>
+              </a:schemeClr>
+            </a:lnRef>
+            <a:fillRef idx="1">
+              <a:schemeClr val="accent1"/>
+            </a:fillRef>
+            <a:effectRef idx="0">
+              <a:schemeClr val="accent1"/>
+            </a:effectRef>
+            <a:fontRef idx="minor">
+              <a:schemeClr val="lt1"/>
+            </a:fontRef>
+          </p:style>
+          <p:txBody>
+            <a:bodyPr rtlCol="0" anchor="ctr"/>
+            <a:lstStyle/>
+            <a:p>
+              <a:pPr algn="ctr"/>
+              <a:endParaRPr lang="en-US"/>
+            </a:p>
+          </p:txBody>
+        </p:sp>
+      </p:grpSp>
+      <p:sp>
+        <p:nvSpPr>
+          <p:cNvPr id="16" name="Rectangle 15">
+            <a:extLst>
+              <a:ext uri="{FF2B5EF4-FFF2-40B4-BE49-F238E27FC236}">
+                <a16:creationId xmlns:a16="http://schemas.microsoft.com/office/drawing/2014/main" id="{3873B707-463F-40B0-8227-E8CC6C67EB25}"/>
+              </a:ext>
+              <a:ext uri="{C183D7F6-B498-43B3-948B-1728B52AA6E4}">
+                <adec:decorative xmlns:adec="http://schemas.microsoft.com/office/drawing/2017/decorative" val="1"/>
+              </a:ext>
+            </a:extLst>
+          </p:cNvPr>
+          <p:cNvSpPr>
+            <a:spLocks noGrp="1" noRot="1" noChangeAspect="1" noMove="1" noResize="1" noEditPoints="1" noAdjustHandles="1" noChangeArrowheads="1" noChangeShapeType="1" noTextEdit="1"/>
+          </p:cNvSpPr>
+          <p:nvPr>
+            <p:extLst>
+              <p:ext uri="{386F3935-93C4-4BCD-93E2-E3B085C9AB24}">
+                <p16:designElem xmlns:p16="http://schemas.microsoft.com/office/powerpoint/2015/main" val="1"/>
+              </p:ext>
+            </p:extLst>
+          </p:nvPr>
+        </p:nvSpPr>
+        <p:spPr>
+          <a:xfrm flipH="1">
+            <a:off x="665085" y="2090569"/>
+            <a:ext cx="4297680" cy="27432"/>
+          </a:xfrm>
+          <a:prstGeom prst="rect">
+            <a:avLst/>
+          </a:prstGeom>
+          <a:solidFill>
+            <a:schemeClr val="accent4"/>
+          </a:solidFill>
+          <a:ln>
+            <a:noFill/>
+          </a:ln>
+        </p:spPr>
+        <p:style>
+          <a:lnRef idx="2">
+            <a:schemeClr val="accent1">
+              <a:shade val="50000"/>
+            </a:schemeClr>
+          </a:lnRef>
+          <a:fillRef idx="1">
+            <a:schemeClr val="accent1"/>
+          </a:fillRef>
+          <a:effectRef idx="0">
+            <a:schemeClr val="accent1"/>
+          </a:effectRef>
+          <a:fontRef idx="minor">
+            <a:schemeClr val="lt1"/>
+          </a:fontRef>
+        </p:style>
+        <p:txBody>
+          <a:bodyPr rtlCol="0" anchor="ctr"/>
+          <a:lstStyle/>
+          <a:p>
+            <a:pPr algn="ctr"/>
+            <a:endParaRPr lang="en-US"/>
+          </a:p>
+        </p:txBody>
+      </p:sp>
+      <p:sp>
+        <p:nvSpPr>
+          <p:cNvPr id="3" name="Content Placeholder 2">
+            <a:extLst>
+              <a:ext uri="{FF2B5EF4-FFF2-40B4-BE49-F238E27FC236}">
+                <a16:creationId xmlns:a16="http://schemas.microsoft.com/office/drawing/2014/main" id="{BA2FF4DE-E7C9-2C46-3C33-3029371F4677}"/>
+              </a:ext>
+            </a:extLst>
+          </p:cNvPr>
+          <p:cNvSpPr>
+            <a:spLocks noGrp="1"/>
+          </p:cNvSpPr>
+          <p:nvPr>
+            <p:ph idx="1"/>
+          </p:nvPr>
+        </p:nvSpPr>
+        <p:spPr>
+          <a:xfrm>
+            <a:off x="590719" y="2330505"/>
+            <a:ext cx="4559425" cy="3979585"/>
+          </a:xfrm>
+        </p:spPr>
+        <p:txBody>
+          <a:bodyPr anchor="ctr">
+            <a:normAutofit/>
+          </a:bodyPr>
+          <a:lstStyle/>
+          <a:p>
+            <a:r>
+              <a:rPr lang="en-US" sz="2400" dirty="0">
+                <a:solidFill>
+                  <a:schemeClr val="bg1"/>
+                </a:solidFill>
+                <a:latin typeface="Cambria" panose="02040503050406030204" pitchFamily="18" charset="0"/>
+                <a:ea typeface="Cambria" panose="02040503050406030204" pitchFamily="18" charset="0"/>
+              </a:rPr>
+              <a:t>Score is calculated as follows:</a:t>
+            </a:r>
+          </a:p>
+          <a:p>
+            <a:pPr lvl="1"/>
+            <a:r>
+              <a:rPr lang="en-US" b="1" dirty="0">
+                <a:solidFill>
+                  <a:srgbClr val="6CFF59"/>
+                </a:solidFill>
+                <a:latin typeface="Cambria" panose="02040503050406030204" pitchFamily="18" charset="0"/>
+                <a:ea typeface="Cambria" panose="02040503050406030204" pitchFamily="18" charset="0"/>
+              </a:rPr>
+              <a:t>Green Letters:</a:t>
+            </a:r>
+            <a:r>
+              <a:rPr lang="en-US" dirty="0">
+                <a:solidFill>
+                  <a:srgbClr val="6CFF59"/>
+                </a:solidFill>
+                <a:latin typeface="Cambria" panose="02040503050406030204" pitchFamily="18" charset="0"/>
+                <a:ea typeface="Cambria" panose="02040503050406030204" pitchFamily="18" charset="0"/>
+              </a:rPr>
+              <a:t> </a:t>
+            </a:r>
+            <a:r>
+              <a:rPr lang="en-US" dirty="0">
+                <a:solidFill>
+                  <a:schemeClr val="bg1"/>
+                </a:solidFill>
+                <a:latin typeface="Cambria" panose="02040503050406030204" pitchFamily="18" charset="0"/>
+                <a:ea typeface="Cambria" panose="02040503050406030204" pitchFamily="18" charset="0"/>
+              </a:rPr>
+              <a:t>5 points</a:t>
+            </a:r>
+          </a:p>
+          <a:p>
+            <a:pPr lvl="1"/>
+            <a:r>
+              <a:rPr lang="en-US" b="1" dirty="0">
+                <a:solidFill>
+                  <a:srgbClr val="FFC34A"/>
+                </a:solidFill>
+                <a:latin typeface="Cambria" panose="02040503050406030204" pitchFamily="18" charset="0"/>
+                <a:ea typeface="Cambria" panose="02040503050406030204" pitchFamily="18" charset="0"/>
+              </a:rPr>
+              <a:t>Orange Letters: </a:t>
+            </a:r>
+            <a:r>
+              <a:rPr lang="en-US" dirty="0">
+                <a:solidFill>
+                  <a:schemeClr val="bg1"/>
+                </a:solidFill>
+                <a:latin typeface="Cambria" panose="02040503050406030204" pitchFamily="18" charset="0"/>
+                <a:ea typeface="Cambria" panose="02040503050406030204" pitchFamily="18" charset="0"/>
+              </a:rPr>
+              <a:t>1 point</a:t>
+            </a:r>
+          </a:p>
+          <a:p>
+            <a:pPr lvl="1"/>
+            <a:r>
+              <a:rPr lang="en-US" b="1" dirty="0">
+                <a:solidFill>
+                  <a:srgbClr val="FF4B4B"/>
+                </a:solidFill>
+                <a:latin typeface="Cambria" panose="02040503050406030204" pitchFamily="18" charset="0"/>
+                <a:ea typeface="Cambria" panose="02040503050406030204" pitchFamily="18" charset="0"/>
+              </a:rPr>
+              <a:t>Red Letters:</a:t>
+            </a:r>
+            <a:r>
+              <a:rPr lang="en-US" dirty="0">
+                <a:solidFill>
+                  <a:srgbClr val="FF4B4B"/>
+                </a:solidFill>
+                <a:latin typeface="Cambria" panose="02040503050406030204" pitchFamily="18" charset="0"/>
+                <a:ea typeface="Cambria" panose="02040503050406030204" pitchFamily="18" charset="0"/>
+              </a:rPr>
+              <a:t> </a:t>
+            </a:r>
+            <a:r>
+              <a:rPr lang="en-US" dirty="0">
+                <a:solidFill>
+                  <a:schemeClr val="bg1"/>
+                </a:solidFill>
+                <a:latin typeface="Cambria" panose="02040503050406030204" pitchFamily="18" charset="0"/>
+                <a:ea typeface="Cambria" panose="02040503050406030204" pitchFamily="18" charset="0"/>
+              </a:rPr>
+              <a:t>0 points</a:t>
+            </a:r>
+          </a:p>
+          <a:p>
+            <a:r>
+              <a:rPr lang="en-US" sz="2400" dirty="0">
+                <a:solidFill>
+                  <a:schemeClr val="bg1"/>
+                </a:solidFill>
+                <a:latin typeface="Cambria" panose="02040503050406030204" pitchFamily="18" charset="0"/>
+                <a:ea typeface="Cambria" panose="02040503050406030204" pitchFamily="18" charset="0"/>
+              </a:rPr>
+              <a:t>If the player is within the top five players based on their score earned, they will be displayed on the leaderboard.</a:t>
+            </a:r>
+          </a:p>
+        </p:txBody>
+      </p:sp>
+      <p:sp>
+        <p:nvSpPr>
+          <p:cNvPr id="18" name="Rectangle 17">
+            <a:extLst>
+              <a:ext uri="{FF2B5EF4-FFF2-40B4-BE49-F238E27FC236}">
+                <a16:creationId xmlns:a16="http://schemas.microsoft.com/office/drawing/2014/main" id="{C13237C8-E62C-4F0D-A318-BD6FB6C2D138}"/>
+              </a:ext>
+              <a:ext uri="{C183D7F6-B498-43B3-948B-1728B52AA6E4}">
+                <adec:decorative xmlns:adec="http://schemas.microsoft.com/office/drawing/2017/decorative" val="1"/>
+              </a:ext>
+            </a:extLst>
+          </p:cNvPr>
+          <p:cNvSpPr>
+            <a:spLocks noGrp="1" noRot="1" noChangeAspect="1" noMove="1" noResize="1" noEditPoints="1" noAdjustHandles="1" noChangeArrowheads="1" noChangeShapeType="1" noTextEdit="1"/>
+          </p:cNvSpPr>
+          <p:nvPr>
+            <p:extLst>
+              <p:ext uri="{386F3935-93C4-4BCD-93E2-E3B085C9AB24}">
+                <p16:designElem xmlns:p16="http://schemas.microsoft.com/office/powerpoint/2015/main" val="1"/>
+              </p:ext>
+            </p:extLst>
+          </p:nvPr>
+        </p:nvSpPr>
+        <p:spPr>
+          <a:xfrm flipH="1">
+            <a:off x="10697670" y="0"/>
+            <a:ext cx="1494330" cy="6858000"/>
+          </a:xfrm>
+          <a:prstGeom prst="rect">
+            <a:avLst/>
+          </a:prstGeom>
+          <a:solidFill>
+            <a:schemeClr val="accent4"/>
+          </a:solidFill>
+          <a:ln>
+            <a:noFill/>
+          </a:ln>
+        </p:spPr>
+        <p:style>
+          <a:lnRef idx="2">
+            <a:schemeClr val="accent1">
+              <a:shade val="50000"/>
+            </a:schemeClr>
+          </a:lnRef>
+          <a:fillRef idx="1">
+            <a:schemeClr val="accent1"/>
+          </a:fillRef>
+          <a:effectRef idx="0">
+            <a:schemeClr val="accent1"/>
+          </a:effectRef>
+          <a:fontRef idx="minor">
+            <a:schemeClr val="lt1"/>
+          </a:fontRef>
+        </p:style>
+        <p:txBody>
+          <a:bodyPr rtlCol="0" anchor="ctr"/>
+          <a:lstStyle/>
+          <a:p>
+            <a:pPr algn="ctr"/>
+            <a:endParaRPr lang="en-US"/>
+          </a:p>
+        </p:txBody>
+      </p:sp>
+      <p:sp>
+        <p:nvSpPr>
+          <p:cNvPr id="20" name="Rectangle 19">
+            <a:extLst>
+              <a:ext uri="{FF2B5EF4-FFF2-40B4-BE49-F238E27FC236}">
+                <a16:creationId xmlns:a16="http://schemas.microsoft.com/office/drawing/2014/main" id="{19C9EAEA-39D0-4B0E-A0EB-51E7B26740B1}"/>
+              </a:ext>
+              <a:ext uri="{C183D7F6-B498-43B3-948B-1728B52AA6E4}">
+                <adec:decorative xmlns:adec="http://schemas.microsoft.com/office/drawing/2017/decorative" val="1"/>
+              </a:ext>
+            </a:extLst>
+          </p:cNvPr>
+          <p:cNvSpPr>
+            <a:spLocks noGrp="1" noRot="1" noChangeAspect="1" noMove="1" noResize="1" noEditPoints="1" noAdjustHandles="1" noChangeArrowheads="1" noChangeShapeType="1" noTextEdit="1"/>
+          </p:cNvSpPr>
+          <p:nvPr>
+            <p:extLst>
+              <p:ext uri="{386F3935-93C4-4BCD-93E2-E3B085C9AB24}">
+                <p16:designElem xmlns:p16="http://schemas.microsoft.com/office/powerpoint/2015/main" val="1"/>
+              </p:ext>
+            </p:extLst>
+          </p:nvPr>
+        </p:nvSpPr>
+        <p:spPr>
+          <a:xfrm>
+            <a:off x="5685810" y="513853"/>
+            <a:ext cx="6009366" cy="5834577"/>
+          </a:xfrm>
+          <a:prstGeom prst="rect">
+            <a:avLst/>
+          </a:prstGeom>
+          <a:solidFill>
+            <a:schemeClr val="bg1"/>
+          </a:solidFill>
+          <a:ln>
+            <a:noFill/>
+          </a:ln>
+          <a:effectLst>
+            <a:outerShdw blurRad="139700" dist="127000" dir="5400000" algn="t" rotWithShape="0">
+              <a:prstClr val="black">
+                <a:alpha val="15000"/>
+              </a:prstClr>
+            </a:outerShdw>
+          </a:effectLst>
+        </p:spPr>
+        <p:style>
+          <a:lnRef idx="2">
+            <a:schemeClr val="accent1">
+              <a:shade val="50000"/>
+            </a:schemeClr>
+          </a:lnRef>
+          <a:fillRef idx="1">
+            <a:schemeClr val="accent1"/>
+          </a:fillRef>
+          <a:effectRef idx="0">
+            <a:schemeClr val="accent1"/>
+          </a:effectRef>
+          <a:fontRef idx="minor">
+            <a:schemeClr val="lt1"/>
+          </a:fontRef>
+        </p:style>
+        <p:txBody>
+          <a:bodyPr rtlCol="0" anchor="ctr"/>
+          <a:lstStyle/>
+          <a:p>
+            <a:pPr algn="ctr"/>
+            <a:endParaRPr lang="en-US"/>
+          </a:p>
+        </p:txBody>
+      </p:sp>
+      <p:pic>
+        <p:nvPicPr>
+          <p:cNvPr id="5" name="Picture 4">
+            <a:extLst>
+              <a:ext uri="{FF2B5EF4-FFF2-40B4-BE49-F238E27FC236}">
+                <a16:creationId xmlns:a16="http://schemas.microsoft.com/office/drawing/2014/main" id="{E4949793-26B7-C09D-1B5B-D41895003FD6}"/>
+              </a:ext>
+            </a:extLst>
+          </p:cNvPr>
+          <p:cNvPicPr>
+            <a:picLocks noChangeAspect="1"/>
+          </p:cNvPicPr>
+          <p:nvPr/>
+        </p:nvPicPr>
+        <p:blipFill rotWithShape="1">
+          <a:blip r:embed="rId2"/>
+          <a:srcRect t="7181" r="3" b="3"/>
+          <a:stretch/>
+        </p:blipFill>
+        <p:spPr>
+          <a:xfrm>
+            <a:off x="5977788" y="799352"/>
+            <a:ext cx="5425410" cy="5259296"/>
+          </a:xfrm>
+          <a:prstGeom prst="rect">
+            <a:avLst/>
+          </a:prstGeom>
+        </p:spPr>
+      </p:pic>
+    </p:spTree>
+    <p:extLst>
+      <p:ext uri="{BB962C8B-B14F-4D97-AF65-F5344CB8AC3E}">
+        <p14:creationId xmlns:p14="http://schemas.microsoft.com/office/powerpoint/2010/main" val="308839533"/>
+      </p:ext>
+    </p:extLst>
+  </p:cSld>
+  <p:clrMapOvr>
+    <a:masterClrMapping/>
+  </p:clrMapOvr>
+</p:sld>
+</file>
+
+<file path=ppt/slides/slide9.xml><?xml version="1.0" encoding="utf-8"?>
+<p:sld xmlns:a="http://schemas.openxmlformats.org/drawingml/2006/main" xmlns:r="http://schemas.openxmlformats.org/officeDocument/2006/relationships" xmlns:p="http://schemas.openxmlformats.org/presentationml/2006/main">
+  <p:cSld>
+    <p:bg>
+      <p:bgPr>
+        <a:solidFill>
+          <a:srgbClr val="426F6E"/>
+        </a:solidFill>
+        <a:effectLst/>
+      </p:bgPr>
+    </p:bg>
     <p:spTree>
       <p:nvGrpSpPr>
         <p:cNvPr id="1" name=""/>
@@ -5480,10 +12891,76 @@
       </p:grpSpPr>
       <p:sp>
         <p:nvSpPr>
+          <p:cNvPr id="12" name="Down Arrow 7">
+            <a:extLst>
+              <a:ext uri="{FF2B5EF4-FFF2-40B4-BE49-F238E27FC236}">
+                <a16:creationId xmlns:a16="http://schemas.microsoft.com/office/drawing/2014/main" id="{D4771268-CB57-404A-9271-370EB28F6090}"/>
+              </a:ext>
+              <a:ext uri="{C183D7F6-B498-43B3-948B-1728B52AA6E4}">
+                <adec:decorative xmlns:adec="http://schemas.microsoft.com/office/drawing/2017/decorative" val="1"/>
+              </a:ext>
+            </a:extLst>
+          </p:cNvPr>
+          <p:cNvSpPr>
+            <a:spLocks noGrp="1" noRot="1" noChangeAspect="1" noMove="1" noResize="1" noEditPoints="1" noAdjustHandles="1" noChangeArrowheads="1" noChangeShapeType="1" noTextEdit="1"/>
+          </p:cNvSpPr>
+          <p:nvPr>
+            <p:extLst>
+              <p:ext uri="{386F3935-93C4-4BCD-93E2-E3B085C9AB24}">
+                <p16:designElem xmlns:p16="http://schemas.microsoft.com/office/powerpoint/2015/main" val="1"/>
+              </p:ext>
+            </p:extLst>
+          </p:nvPr>
+        </p:nvSpPr>
+        <p:spPr>
+          <a:xfrm rot="16200000">
+            <a:off x="800100" y="1491343"/>
+            <a:ext cx="3333749" cy="3499103"/>
+          </a:xfrm>
+          <a:prstGeom prst="downArrow">
+            <a:avLst>
+              <a:gd name="adj1" fmla="val 100000"/>
+              <a:gd name="adj2" fmla="val 15788"/>
+            </a:avLst>
+          </a:prstGeom>
+          <a:solidFill>
+            <a:srgbClr val="404040"/>
+          </a:solidFill>
+          <a:ln w="53975">
+            <a:noFill/>
+          </a:ln>
+        </p:spPr>
+        <p:style>
+          <a:lnRef idx="2">
+            <a:schemeClr val="accent1">
+              <a:shade val="50000"/>
+            </a:schemeClr>
+          </a:lnRef>
+          <a:fillRef idx="1">
+            <a:schemeClr val="accent1"/>
+          </a:fillRef>
+          <a:effectRef idx="0">
+            <a:schemeClr val="accent1"/>
+          </a:effectRef>
+          <a:fontRef idx="minor">
+            <a:schemeClr val="lt1"/>
+          </a:fontRef>
+        </p:style>
+        <p:txBody>
+          <a:bodyPr rtlCol="0" anchor="ctr"/>
+          <a:lstStyle/>
+          <a:p>
+            <a:pPr algn="ctr"/>
+            <a:endParaRPr lang="en-US"/>
+          </a:p>
+        </p:txBody>
+      </p:sp>
+      <p:sp>
+        <p:nvSpPr>
           <p:cNvPr id="2" name="Title 1">
             <a:extLst>
               <a:ext uri="{FF2B5EF4-FFF2-40B4-BE49-F238E27FC236}">
-                <a16:creationId xmlns:a16="http://schemas.microsoft.com/office/drawing/2014/main" id="{E83AF72C-0C3A-E1CF-5DAF-C00E133230C9}"/>
+                <a16:creationId xmlns:a16="http://schemas.microsoft.com/office/drawing/2014/main" id="{C9E2BB3A-002A-EF19-2264-8946639FD219}"/>
               </a:ext>
             </a:extLst>
           </p:cNvPr>
@@ -5494,54 +12971,67 @@
             <p:ph type="title"/>
           </p:nvPr>
         </p:nvSpPr>
-        <p:spPr/>
-        <p:txBody>
-          <a:bodyPr/>
+        <p:spPr>
+          <a:xfrm>
+            <a:off x="717422" y="1967266"/>
+            <a:ext cx="3291870" cy="2547257"/>
+          </a:xfrm>
+          <a:noFill/>
+        </p:spPr>
+        <p:txBody>
+          <a:bodyPr vert="horz" lIns="91440" tIns="45720" rIns="91440" bIns="45720" rtlCol="0" anchor="ctr">
+            <a:normAutofit/>
+          </a:bodyPr>
           <a:lstStyle/>
           <a:p>
-            <a:r>
-              <a:rPr lang="en-US" dirty="0"/>
-              <a:t>Gameplay</a:t>
-            </a:r>
-          </a:p>
-        </p:txBody>
-      </p:sp>
-      <p:sp>
-        <p:nvSpPr>
-          <p:cNvPr id="3" name="Content Placeholder 2">
-            <a:extLst>
-              <a:ext uri="{FF2B5EF4-FFF2-40B4-BE49-F238E27FC236}">
-                <a16:creationId xmlns:a16="http://schemas.microsoft.com/office/drawing/2014/main" id="{F20BF567-4240-D60B-E12C-C44E23299E1C}"/>
-              </a:ext>
-            </a:extLst>
-          </p:cNvPr>
-          <p:cNvSpPr>
-            <a:spLocks noGrp="1"/>
-          </p:cNvSpPr>
-          <p:nvPr>
-            <p:ph idx="1"/>
-          </p:nvPr>
-        </p:nvSpPr>
-        <p:spPr/>
-        <p:txBody>
-          <a:bodyPr/>
-          <a:lstStyle/>
-          <a:p>
-            <a:r>
-              <a:rPr lang="en-US" dirty="0"/>
-              <a:t>The game is played mostly like a crossword puzzle, but instead of hints for each word, the player uses previous guesses to find the word, </a:t>
-            </a:r>
-            <a:r>
-              <a:rPr lang="en-US"/>
-              <a:t>like Wordle.</a:t>
-            </a:r>
-          </a:p>
-        </p:txBody>
-      </p:sp>
+            <a:pPr algn="ctr"/>
+            <a:r>
+              <a:rPr lang="en-US" sz="3600" b="1" kern="1200" dirty="0">
+                <a:solidFill>
+                  <a:srgbClr val="FFFFFF"/>
+                </a:solidFill>
+                <a:latin typeface="Arial" panose="020B0604020202020204" pitchFamily="34" charset="0"/>
+                <a:cs typeface="Arial" panose="020B0604020202020204" pitchFamily="34" charset="0"/>
+              </a:rPr>
+              <a:t>Code Snippet</a:t>
+            </a:r>
+          </a:p>
+        </p:txBody>
+      </p:sp>
+      <p:pic>
+        <p:nvPicPr>
+          <p:cNvPr id="7" name="Picture 6">
+            <a:extLst>
+              <a:ext uri="{FF2B5EF4-FFF2-40B4-BE49-F238E27FC236}">
+                <a16:creationId xmlns:a16="http://schemas.microsoft.com/office/drawing/2014/main" id="{E924F98D-4DBF-1000-1270-26C770CB1071}"/>
+              </a:ext>
+            </a:extLst>
+          </p:cNvPr>
+          <p:cNvPicPr>
+            <a:picLocks noChangeAspect="1"/>
+          </p:cNvPicPr>
+          <p:nvPr/>
+        </p:nvPicPr>
+        <p:blipFill>
+          <a:blip r:embed="rId2"/>
+          <a:stretch>
+            <a:fillRect/>
+          </a:stretch>
+        </p:blipFill>
+        <p:spPr>
+          <a:xfrm>
+            <a:off x="5793901" y="176172"/>
+            <a:ext cx="5237051" cy="6505655"/>
+          </a:xfrm>
+          <a:prstGeom prst="rect">
+            <a:avLst/>
+          </a:prstGeom>
+        </p:spPr>
+      </p:pic>
     </p:spTree>
     <p:extLst>
       <p:ext uri="{BB962C8B-B14F-4D97-AF65-F5344CB8AC3E}">
-        <p14:creationId xmlns:p14="http://schemas.microsoft.com/office/powerpoint/2010/main" val="825608491"/>
+        <p14:creationId xmlns:p14="http://schemas.microsoft.com/office/powerpoint/2010/main" val="518921896"/>
       </p:ext>
     </p:extLst>
   </p:cSld>

--- a/projects/crosswordle2/CrossWordle Presentation.pptx
+++ b/projects/crosswordle2/CrossWordle Presentation.pptx
@@ -4,6 +4,9 @@
   <p:sldMasterIdLst>
     <p:sldMasterId id="2147483648" r:id="rId1"/>
   </p:sldMasterIdLst>
+  <p:notesMasterIdLst>
+    <p:notesMasterId r:id="rId18"/>
+  </p:notesMasterIdLst>
   <p:sldIdLst>
     <p:sldId id="256" r:id="rId2"/>
     <p:sldId id="257" r:id="rId3"/>
@@ -127,6 +130,439 @@
 </p:presentation>
 </file>
 
+<file path=ppt/notesMasters/notesMaster1.xml><?xml version="1.0" encoding="utf-8"?>
+<p:notesMaster xmlns:a="http://schemas.openxmlformats.org/drawingml/2006/main" xmlns:r="http://schemas.openxmlformats.org/officeDocument/2006/relationships" xmlns:p="http://schemas.openxmlformats.org/presentationml/2006/main">
+  <p:cSld>
+    <p:bg>
+      <p:bgRef idx="1001">
+        <a:schemeClr val="bg1"/>
+      </p:bgRef>
+    </p:bg>
+    <p:spTree>
+      <p:nvGrpSpPr>
+        <p:cNvPr id="1" name=""/>
+        <p:cNvGrpSpPr/>
+        <p:nvPr/>
+      </p:nvGrpSpPr>
+      <p:grpSpPr>
+        <a:xfrm>
+          <a:off x="0" y="0"/>
+          <a:ext cx="0" cy="0"/>
+          <a:chOff x="0" y="0"/>
+          <a:chExt cx="0" cy="0"/>
+        </a:xfrm>
+      </p:grpSpPr>
+      <p:sp>
+        <p:nvSpPr>
+          <p:cNvPr id="2" name="Header Placeholder 1"/>
+          <p:cNvSpPr>
+            <a:spLocks noGrp="1"/>
+          </p:cNvSpPr>
+          <p:nvPr>
+            <p:ph type="hdr" sz="quarter"/>
+          </p:nvPr>
+        </p:nvSpPr>
+        <p:spPr>
+          <a:xfrm>
+            <a:off x="0" y="0"/>
+            <a:ext cx="2971800" cy="458788"/>
+          </a:xfrm>
+          <a:prstGeom prst="rect">
+            <a:avLst/>
+          </a:prstGeom>
+        </p:spPr>
+        <p:txBody>
+          <a:bodyPr vert="horz" lIns="91440" tIns="45720" rIns="91440" bIns="45720" rtlCol="0"/>
+          <a:lstStyle>
+            <a:lvl1pPr algn="l">
+              <a:defRPr sz="1200"/>
+            </a:lvl1pPr>
+          </a:lstStyle>
+          <a:p>
+            <a:endParaRPr lang="en-US"/>
+          </a:p>
+        </p:txBody>
+      </p:sp>
+      <p:sp>
+        <p:nvSpPr>
+          <p:cNvPr id="3" name="Date Placeholder 2"/>
+          <p:cNvSpPr>
+            <a:spLocks noGrp="1"/>
+          </p:cNvSpPr>
+          <p:nvPr>
+            <p:ph type="dt" idx="1"/>
+          </p:nvPr>
+        </p:nvSpPr>
+        <p:spPr>
+          <a:xfrm>
+            <a:off x="3884613" y="0"/>
+            <a:ext cx="2971800" cy="458788"/>
+          </a:xfrm>
+          <a:prstGeom prst="rect">
+            <a:avLst/>
+          </a:prstGeom>
+        </p:spPr>
+        <p:txBody>
+          <a:bodyPr vert="horz" lIns="91440" tIns="45720" rIns="91440" bIns="45720" rtlCol="0"/>
+          <a:lstStyle>
+            <a:lvl1pPr algn="r">
+              <a:defRPr sz="1200"/>
+            </a:lvl1pPr>
+          </a:lstStyle>
+          <a:p>
+            <a:fld id="{2F4773D6-586D-CC45-9097-85C9C8AD8DB1}" type="datetimeFigureOut">
+              <a:rPr lang="en-US" smtClean="0"/>
+              <a:t>6/23/23</a:t>
+            </a:fld>
+            <a:endParaRPr lang="en-US"/>
+          </a:p>
+        </p:txBody>
+      </p:sp>
+      <p:sp>
+        <p:nvSpPr>
+          <p:cNvPr id="4" name="Slide Image Placeholder 3"/>
+          <p:cNvSpPr>
+            <a:spLocks noGrp="1" noRot="1" noChangeAspect="1"/>
+          </p:cNvSpPr>
+          <p:nvPr>
+            <p:ph type="sldImg" idx="2"/>
+          </p:nvPr>
+        </p:nvSpPr>
+        <p:spPr>
+          <a:xfrm>
+            <a:off x="685800" y="1143000"/>
+            <a:ext cx="5486400" cy="3086100"/>
+          </a:xfrm>
+          <a:prstGeom prst="rect">
+            <a:avLst/>
+          </a:prstGeom>
+          <a:noFill/>
+          <a:ln w="12700">
+            <a:solidFill>
+              <a:prstClr val="black"/>
+            </a:solidFill>
+          </a:ln>
+        </p:spPr>
+        <p:txBody>
+          <a:bodyPr vert="horz" lIns="91440" tIns="45720" rIns="91440" bIns="45720" rtlCol="0" anchor="ctr"/>
+          <a:lstStyle/>
+          <a:p>
+            <a:endParaRPr lang="en-US"/>
+          </a:p>
+        </p:txBody>
+      </p:sp>
+      <p:sp>
+        <p:nvSpPr>
+          <p:cNvPr id="5" name="Notes Placeholder 4"/>
+          <p:cNvSpPr>
+            <a:spLocks noGrp="1"/>
+          </p:cNvSpPr>
+          <p:nvPr>
+            <p:ph type="body" sz="quarter" idx="3"/>
+          </p:nvPr>
+        </p:nvSpPr>
+        <p:spPr>
+          <a:xfrm>
+            <a:off x="685800" y="4400550"/>
+            <a:ext cx="5486400" cy="3600450"/>
+          </a:xfrm>
+          <a:prstGeom prst="rect">
+            <a:avLst/>
+          </a:prstGeom>
+        </p:spPr>
+        <p:txBody>
+          <a:bodyPr vert="horz" lIns="91440" tIns="45720" rIns="91440" bIns="45720" rtlCol="0"/>
+          <a:lstStyle/>
+          <a:p>
+            <a:pPr lvl="0"/>
+            <a:r>
+              <a:rPr lang="en-US"/>
+              <a:t>Click to edit Master text styles</a:t>
+            </a:r>
+          </a:p>
+          <a:p>
+            <a:pPr lvl="1"/>
+            <a:r>
+              <a:rPr lang="en-US"/>
+              <a:t>Second level</a:t>
+            </a:r>
+          </a:p>
+          <a:p>
+            <a:pPr lvl="2"/>
+            <a:r>
+              <a:rPr lang="en-US"/>
+              <a:t>Third level</a:t>
+            </a:r>
+          </a:p>
+          <a:p>
+            <a:pPr lvl="3"/>
+            <a:r>
+              <a:rPr lang="en-US"/>
+              <a:t>Fourth level</a:t>
+            </a:r>
+          </a:p>
+          <a:p>
+            <a:pPr lvl="4"/>
+            <a:r>
+              <a:rPr lang="en-US"/>
+              <a:t>Fifth level</a:t>
+            </a:r>
+          </a:p>
+        </p:txBody>
+      </p:sp>
+      <p:sp>
+        <p:nvSpPr>
+          <p:cNvPr id="6" name="Footer Placeholder 5"/>
+          <p:cNvSpPr>
+            <a:spLocks noGrp="1"/>
+          </p:cNvSpPr>
+          <p:nvPr>
+            <p:ph type="ftr" sz="quarter" idx="4"/>
+          </p:nvPr>
+        </p:nvSpPr>
+        <p:spPr>
+          <a:xfrm>
+            <a:off x="0" y="8685213"/>
+            <a:ext cx="2971800" cy="458787"/>
+          </a:xfrm>
+          <a:prstGeom prst="rect">
+            <a:avLst/>
+          </a:prstGeom>
+        </p:spPr>
+        <p:txBody>
+          <a:bodyPr vert="horz" lIns="91440" tIns="45720" rIns="91440" bIns="45720" rtlCol="0" anchor="b"/>
+          <a:lstStyle>
+            <a:lvl1pPr algn="l">
+              <a:defRPr sz="1200"/>
+            </a:lvl1pPr>
+          </a:lstStyle>
+          <a:p>
+            <a:endParaRPr lang="en-US"/>
+          </a:p>
+        </p:txBody>
+      </p:sp>
+      <p:sp>
+        <p:nvSpPr>
+          <p:cNvPr id="7" name="Slide Number Placeholder 6"/>
+          <p:cNvSpPr>
+            <a:spLocks noGrp="1"/>
+          </p:cNvSpPr>
+          <p:nvPr>
+            <p:ph type="sldNum" sz="quarter" idx="5"/>
+          </p:nvPr>
+        </p:nvSpPr>
+        <p:spPr>
+          <a:xfrm>
+            <a:off x="3884613" y="8685213"/>
+            <a:ext cx="2971800" cy="458787"/>
+          </a:xfrm>
+          <a:prstGeom prst="rect">
+            <a:avLst/>
+          </a:prstGeom>
+        </p:spPr>
+        <p:txBody>
+          <a:bodyPr vert="horz" lIns="91440" tIns="45720" rIns="91440" bIns="45720" rtlCol="0" anchor="b"/>
+          <a:lstStyle>
+            <a:lvl1pPr algn="r">
+              <a:defRPr sz="1200"/>
+            </a:lvl1pPr>
+          </a:lstStyle>
+          <a:p>
+            <a:fld id="{0C2C39D3-2F3B-D240-BB3D-AF8E165C59BE}" type="slidenum">
+              <a:rPr lang="en-US" smtClean="0"/>
+              <a:t>‹#›</a:t>
+            </a:fld>
+            <a:endParaRPr lang="en-US"/>
+          </a:p>
+        </p:txBody>
+      </p:sp>
+    </p:spTree>
+    <p:extLst>
+      <p:ext uri="{BB962C8B-B14F-4D97-AF65-F5344CB8AC3E}">
+        <p14:creationId xmlns:p14="http://schemas.microsoft.com/office/powerpoint/2010/main" val="2969479114"/>
+      </p:ext>
+    </p:extLst>
+  </p:cSld>
+  <p:clrMap bg1="lt1" tx1="dk1" bg2="lt2" tx2="dk2" accent1="accent1" accent2="accent2" accent3="accent3" accent4="accent4" accent5="accent5" accent6="accent6" hlink="hlink" folHlink="folHlink"/>
+  <p:notesStyle>
+    <a:lvl1pPr marL="0" algn="l" defTabSz="914400" rtl="0" eaLnBrk="1" latinLnBrk="0" hangingPunct="1">
+      <a:defRPr sz="1200" kern="1200">
+        <a:solidFill>
+          <a:schemeClr val="tx1"/>
+        </a:solidFill>
+        <a:latin typeface="+mn-lt"/>
+        <a:ea typeface="+mn-ea"/>
+        <a:cs typeface="+mn-cs"/>
+      </a:defRPr>
+    </a:lvl1pPr>
+    <a:lvl2pPr marL="457200" algn="l" defTabSz="914400" rtl="0" eaLnBrk="1" latinLnBrk="0" hangingPunct="1">
+      <a:defRPr sz="1200" kern="1200">
+        <a:solidFill>
+          <a:schemeClr val="tx1"/>
+        </a:solidFill>
+        <a:latin typeface="+mn-lt"/>
+        <a:ea typeface="+mn-ea"/>
+        <a:cs typeface="+mn-cs"/>
+      </a:defRPr>
+    </a:lvl2pPr>
+    <a:lvl3pPr marL="914400" algn="l" defTabSz="914400" rtl="0" eaLnBrk="1" latinLnBrk="0" hangingPunct="1">
+      <a:defRPr sz="1200" kern="1200">
+        <a:solidFill>
+          <a:schemeClr val="tx1"/>
+        </a:solidFill>
+        <a:latin typeface="+mn-lt"/>
+        <a:ea typeface="+mn-ea"/>
+        <a:cs typeface="+mn-cs"/>
+      </a:defRPr>
+    </a:lvl3pPr>
+    <a:lvl4pPr marL="1371600" algn="l" defTabSz="914400" rtl="0" eaLnBrk="1" latinLnBrk="0" hangingPunct="1">
+      <a:defRPr sz="1200" kern="1200">
+        <a:solidFill>
+          <a:schemeClr val="tx1"/>
+        </a:solidFill>
+        <a:latin typeface="+mn-lt"/>
+        <a:ea typeface="+mn-ea"/>
+        <a:cs typeface="+mn-cs"/>
+      </a:defRPr>
+    </a:lvl4pPr>
+    <a:lvl5pPr marL="1828800" algn="l" defTabSz="914400" rtl="0" eaLnBrk="1" latinLnBrk="0" hangingPunct="1">
+      <a:defRPr sz="1200" kern="1200">
+        <a:solidFill>
+          <a:schemeClr val="tx1"/>
+        </a:solidFill>
+        <a:latin typeface="+mn-lt"/>
+        <a:ea typeface="+mn-ea"/>
+        <a:cs typeface="+mn-cs"/>
+      </a:defRPr>
+    </a:lvl5pPr>
+    <a:lvl6pPr marL="2286000" algn="l" defTabSz="914400" rtl="0" eaLnBrk="1" latinLnBrk="0" hangingPunct="1">
+      <a:defRPr sz="1200" kern="1200">
+        <a:solidFill>
+          <a:schemeClr val="tx1"/>
+        </a:solidFill>
+        <a:latin typeface="+mn-lt"/>
+        <a:ea typeface="+mn-ea"/>
+        <a:cs typeface="+mn-cs"/>
+      </a:defRPr>
+    </a:lvl6pPr>
+    <a:lvl7pPr marL="2743200" algn="l" defTabSz="914400" rtl="0" eaLnBrk="1" latinLnBrk="0" hangingPunct="1">
+      <a:defRPr sz="1200" kern="1200">
+        <a:solidFill>
+          <a:schemeClr val="tx1"/>
+        </a:solidFill>
+        <a:latin typeface="+mn-lt"/>
+        <a:ea typeface="+mn-ea"/>
+        <a:cs typeface="+mn-cs"/>
+      </a:defRPr>
+    </a:lvl7pPr>
+    <a:lvl8pPr marL="3200400" algn="l" defTabSz="914400" rtl="0" eaLnBrk="1" latinLnBrk="0" hangingPunct="1">
+      <a:defRPr sz="1200" kern="1200">
+        <a:solidFill>
+          <a:schemeClr val="tx1"/>
+        </a:solidFill>
+        <a:latin typeface="+mn-lt"/>
+        <a:ea typeface="+mn-ea"/>
+        <a:cs typeface="+mn-cs"/>
+      </a:defRPr>
+    </a:lvl8pPr>
+    <a:lvl9pPr marL="3657600" algn="l" defTabSz="914400" rtl="0" eaLnBrk="1" latinLnBrk="0" hangingPunct="1">
+      <a:defRPr sz="1200" kern="1200">
+        <a:solidFill>
+          <a:schemeClr val="tx1"/>
+        </a:solidFill>
+        <a:latin typeface="+mn-lt"/>
+        <a:ea typeface="+mn-ea"/>
+        <a:cs typeface="+mn-cs"/>
+      </a:defRPr>
+    </a:lvl9pPr>
+  </p:notesStyle>
+</p:notesMaster>
+</file>
+
+<file path=ppt/notesSlides/notesSlide1.xml><?xml version="1.0" encoding="utf-8"?>
+<p:notes xmlns:a="http://schemas.openxmlformats.org/drawingml/2006/main" xmlns:r="http://schemas.openxmlformats.org/officeDocument/2006/relationships" xmlns:p="http://schemas.openxmlformats.org/presentationml/2006/main">
+  <p:cSld>
+    <p:spTree>
+      <p:nvGrpSpPr>
+        <p:cNvPr id="1" name=""/>
+        <p:cNvGrpSpPr/>
+        <p:nvPr/>
+      </p:nvGrpSpPr>
+      <p:grpSpPr>
+        <a:xfrm>
+          <a:off x="0" y="0"/>
+          <a:ext cx="0" cy="0"/>
+          <a:chOff x="0" y="0"/>
+          <a:chExt cx="0" cy="0"/>
+        </a:xfrm>
+      </p:grpSpPr>
+      <p:sp>
+        <p:nvSpPr>
+          <p:cNvPr id="2" name="Slide Image Placeholder 1"/>
+          <p:cNvSpPr>
+            <a:spLocks noGrp="1" noRot="1" noChangeAspect="1"/>
+          </p:cNvSpPr>
+          <p:nvPr>
+            <p:ph type="sldImg"/>
+          </p:nvPr>
+        </p:nvSpPr>
+        <p:spPr/>
+      </p:sp>
+      <p:sp>
+        <p:nvSpPr>
+          <p:cNvPr id="3" name="Notes Placeholder 2"/>
+          <p:cNvSpPr>
+            <a:spLocks noGrp="1"/>
+          </p:cNvSpPr>
+          <p:nvPr>
+            <p:ph type="body" idx="1"/>
+          </p:nvPr>
+        </p:nvSpPr>
+        <p:spPr/>
+        <p:txBody>
+          <a:bodyPr/>
+          <a:lstStyle/>
+          <a:p>
+            <a:endParaRPr lang="en-US" dirty="0"/>
+          </a:p>
+        </p:txBody>
+      </p:sp>
+      <p:sp>
+        <p:nvSpPr>
+          <p:cNvPr id="4" name="Slide Number Placeholder 3"/>
+          <p:cNvSpPr>
+            <a:spLocks noGrp="1"/>
+          </p:cNvSpPr>
+          <p:nvPr>
+            <p:ph type="sldNum" sz="quarter" idx="5"/>
+          </p:nvPr>
+        </p:nvSpPr>
+        <p:spPr/>
+        <p:txBody>
+          <a:bodyPr/>
+          <a:lstStyle/>
+          <a:p>
+            <a:fld id="{0C2C39D3-2F3B-D240-BB3D-AF8E165C59BE}" type="slidenum">
+              <a:rPr lang="en-US" smtClean="0"/>
+              <a:t>1</a:t>
+            </a:fld>
+            <a:endParaRPr lang="en-US"/>
+          </a:p>
+        </p:txBody>
+      </p:sp>
+    </p:spTree>
+    <p:extLst>
+      <p:ext uri="{BB962C8B-B14F-4D97-AF65-F5344CB8AC3E}">
+        <p14:creationId xmlns:p14="http://schemas.microsoft.com/office/powerpoint/2010/main" val="328093583"/>
+      </p:ext>
+    </p:extLst>
+  </p:cSld>
+  <p:clrMapOvr>
+    <a:masterClrMapping/>
+  </p:clrMapOvr>
+</p:notes>
+</file>
+
 <file path=ppt/slideLayouts/slideLayout1.xml><?xml version="1.0" encoding="utf-8"?>
 <p:sldLayout xmlns:a="http://schemas.openxmlformats.org/drawingml/2006/main" xmlns:r="http://schemas.openxmlformats.org/officeDocument/2006/relationships" xmlns:p="http://schemas.openxmlformats.org/presentationml/2006/main" type="title" preserve="1">
   <p:cSld name="Title Slide">
@@ -274,7 +710,7 @@
           <a:p>
             <a:fld id="{965FD8D6-C471-4C27-8953-0AF5992EEF52}" type="datetimeFigureOut">
               <a:rPr lang="en-US" smtClean="0"/>
-              <a:t>6/22/2023</a:t>
+              <a:t>6/23/23</a:t>
             </a:fld>
             <a:endParaRPr lang="en-US"/>
           </a:p>
@@ -472,7 +908,7 @@
           <a:p>
             <a:fld id="{965FD8D6-C471-4C27-8953-0AF5992EEF52}" type="datetimeFigureOut">
               <a:rPr lang="en-US" smtClean="0"/>
-              <a:t>6/22/2023</a:t>
+              <a:t>6/23/23</a:t>
             </a:fld>
             <a:endParaRPr lang="en-US"/>
           </a:p>
@@ -680,7 +1116,7 @@
           <a:p>
             <a:fld id="{965FD8D6-C471-4C27-8953-0AF5992EEF52}" type="datetimeFigureOut">
               <a:rPr lang="en-US" smtClean="0"/>
-              <a:t>6/22/2023</a:t>
+              <a:t>6/23/23</a:t>
             </a:fld>
             <a:endParaRPr lang="en-US"/>
           </a:p>
@@ -878,7 +1314,7 @@
           <a:p>
             <a:fld id="{965FD8D6-C471-4C27-8953-0AF5992EEF52}" type="datetimeFigureOut">
               <a:rPr lang="en-US" smtClean="0"/>
-              <a:t>6/22/2023</a:t>
+              <a:t>6/23/23</a:t>
             </a:fld>
             <a:endParaRPr lang="en-US"/>
           </a:p>
@@ -1153,7 +1589,7 @@
           <a:p>
             <a:fld id="{965FD8D6-C471-4C27-8953-0AF5992EEF52}" type="datetimeFigureOut">
               <a:rPr lang="en-US" smtClean="0"/>
-              <a:t>6/22/2023</a:t>
+              <a:t>6/23/23</a:t>
             </a:fld>
             <a:endParaRPr lang="en-US"/>
           </a:p>
@@ -1418,7 +1854,7 @@
           <a:p>
             <a:fld id="{965FD8D6-C471-4C27-8953-0AF5992EEF52}" type="datetimeFigureOut">
               <a:rPr lang="en-US" smtClean="0"/>
-              <a:t>6/22/2023</a:t>
+              <a:t>6/23/23</a:t>
             </a:fld>
             <a:endParaRPr lang="en-US"/>
           </a:p>
@@ -1830,7 +2266,7 @@
           <a:p>
             <a:fld id="{965FD8D6-C471-4C27-8953-0AF5992EEF52}" type="datetimeFigureOut">
               <a:rPr lang="en-US" smtClean="0"/>
-              <a:t>6/22/2023</a:t>
+              <a:t>6/23/23</a:t>
             </a:fld>
             <a:endParaRPr lang="en-US"/>
           </a:p>
@@ -1971,7 +2407,7 @@
           <a:p>
             <a:fld id="{965FD8D6-C471-4C27-8953-0AF5992EEF52}" type="datetimeFigureOut">
               <a:rPr lang="en-US" smtClean="0"/>
-              <a:t>6/22/2023</a:t>
+              <a:t>6/23/23</a:t>
             </a:fld>
             <a:endParaRPr lang="en-US"/>
           </a:p>
@@ -2084,7 +2520,7 @@
           <a:p>
             <a:fld id="{965FD8D6-C471-4C27-8953-0AF5992EEF52}" type="datetimeFigureOut">
               <a:rPr lang="en-US" smtClean="0"/>
-              <a:t>6/22/2023</a:t>
+              <a:t>6/23/23</a:t>
             </a:fld>
             <a:endParaRPr lang="en-US"/>
           </a:p>
@@ -2395,7 +2831,7 @@
           <a:p>
             <a:fld id="{965FD8D6-C471-4C27-8953-0AF5992EEF52}" type="datetimeFigureOut">
               <a:rPr lang="en-US" smtClean="0"/>
-              <a:t>6/22/2023</a:t>
+              <a:t>6/23/23</a:t>
             </a:fld>
             <a:endParaRPr lang="en-US"/>
           </a:p>
@@ -2683,7 +3119,7 @@
           <a:p>
             <a:fld id="{965FD8D6-C471-4C27-8953-0AF5992EEF52}" type="datetimeFigureOut">
               <a:rPr lang="en-US" smtClean="0"/>
-              <a:t>6/22/2023</a:t>
+              <a:t>6/23/23</a:t>
             </a:fld>
             <a:endParaRPr lang="en-US"/>
           </a:p>
@@ -2924,7 +3360,7 @@
           <a:p>
             <a:fld id="{965FD8D6-C471-4C27-8953-0AF5992EEF52}" type="datetimeFigureOut">
               <a:rPr lang="en-US" smtClean="0"/>
-              <a:t>6/22/2023</a:t>
+              <a:t>6/23/23</a:t>
             </a:fld>
             <a:endParaRPr lang="en-US"/>
           </a:p>
@@ -3493,7 +3929,7 @@
                 <a:latin typeface="Cambria" panose="02040503050406030204" pitchFamily="18" charset="0"/>
                 <a:ea typeface="Cambria" panose="02040503050406030204" pitchFamily="18" charset="0"/>
               </a:rPr>
-              <a:t>A word game by Matteo Salverio</a:t>
+              <a:t>A Word Game by Matteo Salverio</a:t>
             </a:r>
           </a:p>
         </p:txBody>
@@ -4342,7 +4778,7 @@
           <p:nvPr/>
         </p:nvPicPr>
         <p:blipFill rotWithShape="1">
-          <a:blip r:embed="rId2"/>
+          <a:blip r:embed="rId3"/>
           <a:srcRect l="17638" t="6418" r="17431" b="14769"/>
           <a:stretch/>
         </p:blipFill>
@@ -6463,7 +6899,7 @@
                 <a:latin typeface="Cambria" panose="02040503050406030204" pitchFamily="18" charset="0"/>
                 <a:ea typeface="Cambria" panose="02040503050406030204" pitchFamily="18" charset="0"/>
               </a:rPr>
-              <a:t>I went through many design variations for this game, but ended up going with a simplistic, yet </a:t>
+              <a:t>Simplistic, yet </a:t>
             </a:r>
             <a:r>
               <a:rPr lang="en-US" sz="2600" dirty="0">
@@ -6487,6 +6923,15 @@
             </a:r>
           </a:p>
           <a:p>
+            <a:endParaRPr lang="en-US" sz="2600" dirty="0">
+              <a:solidFill>
+                <a:schemeClr val="bg1"/>
+              </a:solidFill>
+              <a:latin typeface="Cambria" panose="02040503050406030204" pitchFamily="18" charset="0"/>
+              <a:ea typeface="Cambria" panose="02040503050406030204" pitchFamily="18" charset="0"/>
+            </a:endParaRPr>
+          </a:p>
+          <a:p>
             <a:r>
               <a:rPr lang="en-US" sz="2600" dirty="0">
                 <a:solidFill>
@@ -6495,7 +6940,7 @@
                 <a:latin typeface="Cambria" panose="02040503050406030204" pitchFamily="18" charset="0"/>
                 <a:ea typeface="Cambria" panose="02040503050406030204" pitchFamily="18" charset="0"/>
               </a:rPr>
-              <a:t>Bland background color makes the letter spaces </a:t>
+              <a:t>Neutral background color makes the letter spaces </a:t>
             </a:r>
             <a:r>
               <a:rPr lang="en-US" sz="2600" dirty="0">
@@ -6559,6 +7004,15 @@
             </a:r>
           </a:p>
           <a:p>
+            <a:endParaRPr lang="en-US" sz="2600" dirty="0">
+              <a:solidFill>
+                <a:schemeClr val="bg1"/>
+              </a:solidFill>
+              <a:latin typeface="Cambria" panose="02040503050406030204" pitchFamily="18" charset="0"/>
+              <a:ea typeface="Cambria" panose="02040503050406030204" pitchFamily="18" charset="0"/>
+            </a:endParaRPr>
+          </a:p>
+          <a:p>
             <a:r>
               <a:rPr lang="en-US" sz="2600" dirty="0">
                 <a:solidFill>
@@ -6567,7 +7021,7 @@
                 <a:latin typeface="Cambria" panose="02040503050406030204" pitchFamily="18" charset="0"/>
                 <a:ea typeface="Cambria" panose="02040503050406030204" pitchFamily="18" charset="0"/>
               </a:rPr>
-              <a:t>Simple design allows for better focus</a:t>
+              <a:t>Simple design allows for better focus.</a:t>
             </a:r>
           </a:p>
         </p:txBody>
@@ -11887,7 +12341,7 @@
                 <a:latin typeface="Cambria" panose="02040503050406030204" pitchFamily="18" charset="0"/>
                 <a:ea typeface="Cambria" panose="02040503050406030204" pitchFamily="18" charset="0"/>
               </a:rPr>
-              <a:t> and submitted as a guess.</a:t>
+              <a:t> and submitted as an attempt.</a:t>
             </a:r>
           </a:p>
           <a:p>
@@ -11961,7 +12415,7 @@
                 <a:latin typeface="Cambria" panose="02040503050406030204" pitchFamily="18" charset="0"/>
                 <a:ea typeface="Cambria" panose="02040503050406030204" pitchFamily="18" charset="0"/>
               </a:rPr>
-              <a:t>The player doesn’t have to remember what they’ve already found.</a:t>
+              <a:t>The player does not have to remember what they have already found.</a:t>
             </a:r>
           </a:p>
         </p:txBody>
@@ -13334,4 +13788,299 @@
     </a:ext>
   </a:extLst>
 </a:theme>
+</file>
+
+<file path=ppt/theme/theme2.xml><?xml version="1.0" encoding="utf-8"?>
+<a:theme xmlns:a="http://schemas.openxmlformats.org/drawingml/2006/main" name="Office Theme">
+  <a:themeElements>
+    <a:clrScheme name="Office">
+      <a:dk1>
+        <a:sysClr val="windowText" lastClr="000000"/>
+      </a:dk1>
+      <a:lt1>
+        <a:sysClr val="window" lastClr="FFFFFF"/>
+      </a:lt1>
+      <a:dk2>
+        <a:srgbClr val="44546A"/>
+      </a:dk2>
+      <a:lt2>
+        <a:srgbClr val="E7E6E6"/>
+      </a:lt2>
+      <a:accent1>
+        <a:srgbClr val="4472C4"/>
+      </a:accent1>
+      <a:accent2>
+        <a:srgbClr val="ED7D31"/>
+      </a:accent2>
+      <a:accent3>
+        <a:srgbClr val="A5A5A5"/>
+      </a:accent3>
+      <a:accent4>
+        <a:srgbClr val="FFC000"/>
+      </a:accent4>
+      <a:accent5>
+        <a:srgbClr val="5B9BD5"/>
+      </a:accent5>
+      <a:accent6>
+        <a:srgbClr val="70AD47"/>
+      </a:accent6>
+      <a:hlink>
+        <a:srgbClr val="0563C1"/>
+      </a:hlink>
+      <a:folHlink>
+        <a:srgbClr val="954F72"/>
+      </a:folHlink>
+    </a:clrScheme>
+    <a:fontScheme name="Office">
+      <a:majorFont>
+        <a:latin typeface="Calibri Light" panose="020F0302020204030204"/>
+        <a:ea typeface=""/>
+        <a:cs typeface=""/>
+        <a:font script="Jpan" typeface="游ゴシック Light"/>
+        <a:font script="Hang" typeface="맑은 고딕"/>
+        <a:font script="Hans" typeface="等线 Light"/>
+        <a:font script="Hant" typeface="新細明體"/>
+        <a:font script="Arab" typeface="Times New Roman"/>
+        <a:font script="Hebr" typeface="Times New Roman"/>
+        <a:font script="Thai" typeface="Angsana New"/>
+        <a:font script="Ethi" typeface="Nyala"/>
+        <a:font script="Beng" typeface="Vrinda"/>
+        <a:font script="Gujr" typeface="Shruti"/>
+        <a:font script="Khmr" typeface="MoolBoran"/>
+        <a:font script="Knda" typeface="Tunga"/>
+        <a:font script="Guru" typeface="Raavi"/>
+        <a:font script="Cans" typeface="Euphemia"/>
+        <a:font script="Cher" typeface="Plantagenet Cherokee"/>
+        <a:font script="Yiii" typeface="Microsoft Yi Baiti"/>
+        <a:font script="Tibt" typeface="Microsoft Himalaya"/>
+        <a:font script="Thaa" typeface="MV Boli"/>
+        <a:font script="Deva" typeface="Mangal"/>
+        <a:font script="Telu" typeface="Gautami"/>
+        <a:font script="Taml" typeface="Latha"/>
+        <a:font script="Syrc" typeface="Estrangelo Edessa"/>
+        <a:font script="Orya" typeface="Kalinga"/>
+        <a:font script="Mlym" typeface="Kartika"/>
+        <a:font script="Laoo" typeface="DokChampa"/>
+        <a:font script="Sinh" typeface="Iskoola Pota"/>
+        <a:font script="Mong" typeface="Mongolian Baiti"/>
+        <a:font script="Viet" typeface="Times New Roman"/>
+        <a:font script="Uigh" typeface="Microsoft Uighur"/>
+        <a:font script="Geor" typeface="Sylfaen"/>
+        <a:font script="Armn" typeface="Arial"/>
+        <a:font script="Bugi" typeface="Leelawadee UI"/>
+        <a:font script="Bopo" typeface="Microsoft JhengHei"/>
+        <a:font script="Java" typeface="Javanese Text"/>
+        <a:font script="Lisu" typeface="Segoe UI"/>
+        <a:font script="Mymr" typeface="Myanmar Text"/>
+        <a:font script="Nkoo" typeface="Ebrima"/>
+        <a:font script="Olck" typeface="Nirmala UI"/>
+        <a:font script="Osma" typeface="Ebrima"/>
+        <a:font script="Phag" typeface="Phagspa"/>
+        <a:font script="Syrn" typeface="Estrangelo Edessa"/>
+        <a:font script="Syrj" typeface="Estrangelo Edessa"/>
+        <a:font script="Syre" typeface="Estrangelo Edessa"/>
+        <a:font script="Sora" typeface="Nirmala UI"/>
+        <a:font script="Tale" typeface="Microsoft Tai Le"/>
+        <a:font script="Talu" typeface="Microsoft New Tai Lue"/>
+        <a:font script="Tfng" typeface="Ebrima"/>
+      </a:majorFont>
+      <a:minorFont>
+        <a:latin typeface="Calibri" panose="020F0502020204030204"/>
+        <a:ea typeface=""/>
+        <a:cs typeface=""/>
+        <a:font script="Jpan" typeface="游ゴシック"/>
+        <a:font script="Hang" typeface="맑은 고딕"/>
+        <a:font script="Hans" typeface="等线"/>
+        <a:font script="Hant" typeface="新細明體"/>
+        <a:font script="Arab" typeface="Arial"/>
+        <a:font script="Hebr" typeface="Arial"/>
+        <a:font script="Thai" typeface="Cordia New"/>
+        <a:font script="Ethi" typeface="Nyala"/>
+        <a:font script="Beng" typeface="Vrinda"/>
+        <a:font script="Gujr" typeface="Shruti"/>
+        <a:font script="Khmr" typeface="DaunPenh"/>
+        <a:font script="Knda" typeface="Tunga"/>
+        <a:font script="Guru" typeface="Raavi"/>
+        <a:font script="Cans" typeface="Euphemia"/>
+        <a:font script="Cher" typeface="Plantagenet Cherokee"/>
+        <a:font script="Yiii" typeface="Microsoft Yi Baiti"/>
+        <a:font script="Tibt" typeface="Microsoft Himalaya"/>
+        <a:font script="Thaa" typeface="MV Boli"/>
+        <a:font script="Deva" typeface="Mangal"/>
+        <a:font script="Telu" typeface="Gautami"/>
+        <a:font script="Taml" typeface="Latha"/>
+        <a:font script="Syrc" typeface="Estrangelo Edessa"/>
+        <a:font script="Orya" typeface="Kalinga"/>
+        <a:font script="Mlym" typeface="Kartika"/>
+        <a:font script="Laoo" typeface="DokChampa"/>
+        <a:font script="Sinh" typeface="Iskoola Pota"/>
+        <a:font script="Mong" typeface="Mongolian Baiti"/>
+        <a:font script="Viet" typeface="Arial"/>
+        <a:font script="Uigh" typeface="Microsoft Uighur"/>
+        <a:font script="Geor" typeface="Sylfaen"/>
+        <a:font script="Armn" typeface="Arial"/>
+        <a:font script="Bugi" typeface="Leelawadee UI"/>
+        <a:font script="Bopo" typeface="Microsoft JhengHei"/>
+        <a:font script="Java" typeface="Javanese Text"/>
+        <a:font script="Lisu" typeface="Segoe UI"/>
+        <a:font script="Mymr" typeface="Myanmar Text"/>
+        <a:font script="Nkoo" typeface="Ebrima"/>
+        <a:font script="Olck" typeface="Nirmala UI"/>
+        <a:font script="Osma" typeface="Ebrima"/>
+        <a:font script="Phag" typeface="Phagspa"/>
+        <a:font script="Syrn" typeface="Estrangelo Edessa"/>
+        <a:font script="Syrj" typeface="Estrangelo Edessa"/>
+        <a:font script="Syre" typeface="Estrangelo Edessa"/>
+        <a:font script="Sora" typeface="Nirmala UI"/>
+        <a:font script="Tale" typeface="Microsoft Tai Le"/>
+        <a:font script="Talu" typeface="Microsoft New Tai Lue"/>
+        <a:font script="Tfng" typeface="Ebrima"/>
+      </a:minorFont>
+    </a:fontScheme>
+    <a:fmtScheme name="Office">
+      <a:fillStyleLst>
+        <a:solidFill>
+          <a:schemeClr val="phClr"/>
+        </a:solidFill>
+        <a:gradFill rotWithShape="1">
+          <a:gsLst>
+            <a:gs pos="0">
+              <a:schemeClr val="phClr">
+                <a:lumMod val="110000"/>
+                <a:satMod val="105000"/>
+                <a:tint val="67000"/>
+              </a:schemeClr>
+            </a:gs>
+            <a:gs pos="50000">
+              <a:schemeClr val="phClr">
+                <a:lumMod val="105000"/>
+                <a:satMod val="103000"/>
+                <a:tint val="73000"/>
+              </a:schemeClr>
+            </a:gs>
+            <a:gs pos="100000">
+              <a:schemeClr val="phClr">
+                <a:lumMod val="105000"/>
+                <a:satMod val="109000"/>
+                <a:tint val="81000"/>
+              </a:schemeClr>
+            </a:gs>
+          </a:gsLst>
+          <a:lin ang="5400000" scaled="0"/>
+        </a:gradFill>
+        <a:gradFill rotWithShape="1">
+          <a:gsLst>
+            <a:gs pos="0">
+              <a:schemeClr val="phClr">
+                <a:satMod val="103000"/>
+                <a:lumMod val="102000"/>
+                <a:tint val="94000"/>
+              </a:schemeClr>
+            </a:gs>
+            <a:gs pos="50000">
+              <a:schemeClr val="phClr">
+                <a:satMod val="110000"/>
+                <a:lumMod val="100000"/>
+                <a:shade val="100000"/>
+              </a:schemeClr>
+            </a:gs>
+            <a:gs pos="100000">
+              <a:schemeClr val="phClr">
+                <a:lumMod val="99000"/>
+                <a:satMod val="120000"/>
+                <a:shade val="78000"/>
+              </a:schemeClr>
+            </a:gs>
+          </a:gsLst>
+          <a:lin ang="5400000" scaled="0"/>
+        </a:gradFill>
+      </a:fillStyleLst>
+      <a:lnStyleLst>
+        <a:ln w="6350" cap="flat" cmpd="sng" algn="ctr">
+          <a:solidFill>
+            <a:schemeClr val="phClr"/>
+          </a:solidFill>
+          <a:prstDash val="solid"/>
+          <a:miter lim="800000"/>
+        </a:ln>
+        <a:ln w="12700" cap="flat" cmpd="sng" algn="ctr">
+          <a:solidFill>
+            <a:schemeClr val="phClr"/>
+          </a:solidFill>
+          <a:prstDash val="solid"/>
+          <a:miter lim="800000"/>
+        </a:ln>
+        <a:ln w="19050" cap="flat" cmpd="sng" algn="ctr">
+          <a:solidFill>
+            <a:schemeClr val="phClr"/>
+          </a:solidFill>
+          <a:prstDash val="solid"/>
+          <a:miter lim="800000"/>
+        </a:ln>
+      </a:lnStyleLst>
+      <a:effectStyleLst>
+        <a:effectStyle>
+          <a:effectLst/>
+        </a:effectStyle>
+        <a:effectStyle>
+          <a:effectLst/>
+        </a:effectStyle>
+        <a:effectStyle>
+          <a:effectLst>
+            <a:outerShdw blurRad="57150" dist="19050" dir="5400000" algn="ctr" rotWithShape="0">
+              <a:srgbClr val="000000">
+                <a:alpha val="63000"/>
+              </a:srgbClr>
+            </a:outerShdw>
+          </a:effectLst>
+        </a:effectStyle>
+      </a:effectStyleLst>
+      <a:bgFillStyleLst>
+        <a:solidFill>
+          <a:schemeClr val="phClr"/>
+        </a:solidFill>
+        <a:solidFill>
+          <a:schemeClr val="phClr">
+            <a:tint val="95000"/>
+            <a:satMod val="170000"/>
+          </a:schemeClr>
+        </a:solidFill>
+        <a:gradFill rotWithShape="1">
+          <a:gsLst>
+            <a:gs pos="0">
+              <a:schemeClr val="phClr">
+                <a:tint val="93000"/>
+                <a:satMod val="150000"/>
+                <a:shade val="98000"/>
+                <a:lumMod val="102000"/>
+              </a:schemeClr>
+            </a:gs>
+            <a:gs pos="50000">
+              <a:schemeClr val="phClr">
+                <a:tint val="98000"/>
+                <a:satMod val="130000"/>
+                <a:shade val="90000"/>
+                <a:lumMod val="103000"/>
+              </a:schemeClr>
+            </a:gs>
+            <a:gs pos="100000">
+              <a:schemeClr val="phClr">
+                <a:shade val="63000"/>
+                <a:satMod val="120000"/>
+              </a:schemeClr>
+            </a:gs>
+          </a:gsLst>
+          <a:lin ang="5400000" scaled="0"/>
+        </a:gradFill>
+      </a:bgFillStyleLst>
+    </a:fmtScheme>
+  </a:themeElements>
+  <a:objectDefaults/>
+  <a:extraClrSchemeLst/>
+  <a:extLst>
+    <a:ext uri="{05A4C25C-085E-4340-85A3-A5531E510DB2}">
+      <thm15:themeFamily xmlns:thm15="http://schemas.microsoft.com/office/thememl/2012/main" name="Office Theme" id="{62F939B6-93AF-4DB8-9C6B-D6C7DFDC589F}" vid="{4A3C46E8-61CC-4603-A589-7422A47A8E4A}"/>
+    </a:ext>
+  </a:extLst>
+</a:theme>
 </file>
--- a/projects/crosswordle2/CrossWordle Presentation.pptx
+++ b/projects/crosswordle2/CrossWordle Presentation.pptx
@@ -5,7 +5,7 @@
     <p:sldMasterId id="2147483648" r:id="rId1"/>
   </p:sldMasterIdLst>
   <p:notesMasterIdLst>
-    <p:notesMasterId r:id="rId22"/>
+    <p:notesMasterId r:id="rId24"/>
   </p:notesMasterIdLst>
   <p:sldIdLst>
     <p:sldId id="256" r:id="rId2"/>
@@ -14,20 +14,22 @@
     <p:sldId id="260" r:id="rId5"/>
     <p:sldId id="261" r:id="rId6"/>
     <p:sldId id="273" r:id="rId7"/>
-    <p:sldId id="262" r:id="rId8"/>
-    <p:sldId id="274" r:id="rId9"/>
-    <p:sldId id="263" r:id="rId10"/>
-    <p:sldId id="265" r:id="rId11"/>
-    <p:sldId id="275" r:id="rId12"/>
-    <p:sldId id="272" r:id="rId13"/>
-    <p:sldId id="270" r:id="rId14"/>
-    <p:sldId id="271" r:id="rId15"/>
-    <p:sldId id="269" r:id="rId16"/>
-    <p:sldId id="264" r:id="rId17"/>
-    <p:sldId id="266" r:id="rId18"/>
-    <p:sldId id="267" r:id="rId19"/>
-    <p:sldId id="276" r:id="rId20"/>
-    <p:sldId id="268" r:id="rId21"/>
+    <p:sldId id="277" r:id="rId8"/>
+    <p:sldId id="278" r:id="rId9"/>
+    <p:sldId id="262" r:id="rId10"/>
+    <p:sldId id="274" r:id="rId11"/>
+    <p:sldId id="263" r:id="rId12"/>
+    <p:sldId id="265" r:id="rId13"/>
+    <p:sldId id="275" r:id="rId14"/>
+    <p:sldId id="272" r:id="rId15"/>
+    <p:sldId id="270" r:id="rId16"/>
+    <p:sldId id="269" r:id="rId17"/>
+    <p:sldId id="271" r:id="rId18"/>
+    <p:sldId id="264" r:id="rId19"/>
+    <p:sldId id="266" r:id="rId20"/>
+    <p:sldId id="267" r:id="rId21"/>
+    <p:sldId id="276" r:id="rId22"/>
+    <p:sldId id="268" r:id="rId23"/>
   </p:sldIdLst>
   <p:sldSz cx="12192000" cy="6858000"/>
   <p:notesSz cx="6858000" cy="9144000"/>
@@ -216,7 +218,7 @@
           <a:p>
             <a:fld id="{2F4773D6-586D-CC45-9097-85C9C8AD8DB1}" type="datetimeFigureOut">
               <a:rPr lang="en-US" smtClean="0"/>
-              <a:t>6/25/2023</a:t>
+              <a:t>6/26/2023</a:t>
             </a:fld>
             <a:endParaRPr lang="en-US"/>
           </a:p>
@@ -714,7 +716,7 @@
           <a:p>
             <a:fld id="{965FD8D6-C471-4C27-8953-0AF5992EEF52}" type="datetimeFigureOut">
               <a:rPr lang="en-US" smtClean="0"/>
-              <a:t>6/25/2023</a:t>
+              <a:t>6/26/2023</a:t>
             </a:fld>
             <a:endParaRPr lang="en-US"/>
           </a:p>
@@ -912,7 +914,7 @@
           <a:p>
             <a:fld id="{965FD8D6-C471-4C27-8953-0AF5992EEF52}" type="datetimeFigureOut">
               <a:rPr lang="en-US" smtClean="0"/>
-              <a:t>6/25/2023</a:t>
+              <a:t>6/26/2023</a:t>
             </a:fld>
             <a:endParaRPr lang="en-US"/>
           </a:p>
@@ -1120,7 +1122,7 @@
           <a:p>
             <a:fld id="{965FD8D6-C471-4C27-8953-0AF5992EEF52}" type="datetimeFigureOut">
               <a:rPr lang="en-US" smtClean="0"/>
-              <a:t>6/25/2023</a:t>
+              <a:t>6/26/2023</a:t>
             </a:fld>
             <a:endParaRPr lang="en-US"/>
           </a:p>
@@ -1318,7 +1320,7 @@
           <a:p>
             <a:fld id="{965FD8D6-C471-4C27-8953-0AF5992EEF52}" type="datetimeFigureOut">
               <a:rPr lang="en-US" smtClean="0"/>
-              <a:t>6/25/2023</a:t>
+              <a:t>6/26/2023</a:t>
             </a:fld>
             <a:endParaRPr lang="en-US"/>
           </a:p>
@@ -1593,7 +1595,7 @@
           <a:p>
             <a:fld id="{965FD8D6-C471-4C27-8953-0AF5992EEF52}" type="datetimeFigureOut">
               <a:rPr lang="en-US" smtClean="0"/>
-              <a:t>6/25/2023</a:t>
+              <a:t>6/26/2023</a:t>
             </a:fld>
             <a:endParaRPr lang="en-US"/>
           </a:p>
@@ -1858,7 +1860,7 @@
           <a:p>
             <a:fld id="{965FD8D6-C471-4C27-8953-0AF5992EEF52}" type="datetimeFigureOut">
               <a:rPr lang="en-US" smtClean="0"/>
-              <a:t>6/25/2023</a:t>
+              <a:t>6/26/2023</a:t>
             </a:fld>
             <a:endParaRPr lang="en-US"/>
           </a:p>
@@ -2270,7 +2272,7 @@
           <a:p>
             <a:fld id="{965FD8D6-C471-4C27-8953-0AF5992EEF52}" type="datetimeFigureOut">
               <a:rPr lang="en-US" smtClean="0"/>
-              <a:t>6/25/2023</a:t>
+              <a:t>6/26/2023</a:t>
             </a:fld>
             <a:endParaRPr lang="en-US"/>
           </a:p>
@@ -2411,7 +2413,7 @@
           <a:p>
             <a:fld id="{965FD8D6-C471-4C27-8953-0AF5992EEF52}" type="datetimeFigureOut">
               <a:rPr lang="en-US" smtClean="0"/>
-              <a:t>6/25/2023</a:t>
+              <a:t>6/26/2023</a:t>
             </a:fld>
             <a:endParaRPr lang="en-US"/>
           </a:p>
@@ -2524,7 +2526,7 @@
           <a:p>
             <a:fld id="{965FD8D6-C471-4C27-8953-0AF5992EEF52}" type="datetimeFigureOut">
               <a:rPr lang="en-US" smtClean="0"/>
-              <a:t>6/25/2023</a:t>
+              <a:t>6/26/2023</a:t>
             </a:fld>
             <a:endParaRPr lang="en-US"/>
           </a:p>
@@ -2835,7 +2837,7 @@
           <a:p>
             <a:fld id="{965FD8D6-C471-4C27-8953-0AF5992EEF52}" type="datetimeFigureOut">
               <a:rPr lang="en-US" smtClean="0"/>
-              <a:t>6/25/2023</a:t>
+              <a:t>6/26/2023</a:t>
             </a:fld>
             <a:endParaRPr lang="en-US"/>
           </a:p>
@@ -3123,7 +3125,7 @@
           <a:p>
             <a:fld id="{965FD8D6-C471-4C27-8953-0AF5992EEF52}" type="datetimeFigureOut">
               <a:rPr lang="en-US" smtClean="0"/>
-              <a:t>6/25/2023</a:t>
+              <a:t>6/26/2023</a:t>
             </a:fld>
             <a:endParaRPr lang="en-US"/>
           </a:p>
@@ -3364,7 +3366,7 @@
           <a:p>
             <a:fld id="{965FD8D6-C471-4C27-8953-0AF5992EEF52}" type="datetimeFigureOut">
               <a:rPr lang="en-US" smtClean="0"/>
-              <a:t>6/25/2023</a:t>
+              <a:t>6/26/2023</a:t>
             </a:fld>
             <a:endParaRPr lang="en-US"/>
           </a:p>
@@ -3926,7 +3928,7 @@
           <a:lstStyle/>
           <a:p>
             <a:r>
-              <a:rPr lang="en-US" dirty="0">
+              <a:rPr lang="en-US" i="1" dirty="0">
                 <a:solidFill>
                   <a:schemeClr val="bg1"/>
                 </a:solidFill>
@@ -4948,6 +4950,1224 @@
 </file>
 
 <file path=ppt/slides/slide10.xml><?xml version="1.0" encoding="utf-8"?>
+<p:sld xmlns:a="http://schemas.openxmlformats.org/drawingml/2006/main" xmlns:r="http://schemas.openxmlformats.org/officeDocument/2006/relationships" xmlns:p="http://schemas.openxmlformats.org/presentationml/2006/main" show="0">
+  <p:cSld>
+    <p:bg>
+      <p:bgPr>
+        <a:solidFill>
+          <a:srgbClr val="2F4F4F"/>
+        </a:solidFill>
+        <a:effectLst/>
+      </p:bgPr>
+    </p:bg>
+    <p:spTree>
+      <p:nvGrpSpPr>
+        <p:cNvPr id="1" name=""/>
+        <p:cNvGrpSpPr/>
+        <p:nvPr/>
+      </p:nvGrpSpPr>
+      <p:grpSpPr>
+        <a:xfrm>
+          <a:off x="0" y="0"/>
+          <a:ext cx="0" cy="0"/>
+          <a:chOff x="0" y="0"/>
+          <a:chExt cx="0" cy="0"/>
+        </a:xfrm>
+      </p:grpSpPr>
+      <p:sp useBgFill="1">
+        <p:nvSpPr>
+          <p:cNvPr id="14" name="Rectangle 9">
+            <a:extLst>
+              <a:ext uri="{FF2B5EF4-FFF2-40B4-BE49-F238E27FC236}">
+                <a16:creationId xmlns:a16="http://schemas.microsoft.com/office/drawing/2014/main" id="{2B97F24A-32CE-4C1C-A50D-3016B394DCFB}"/>
+              </a:ext>
+              <a:ext uri="{C183D7F6-B498-43B3-948B-1728B52AA6E4}">
+                <adec:decorative xmlns:adec="http://schemas.microsoft.com/office/drawing/2017/decorative" val="1"/>
+              </a:ext>
+            </a:extLst>
+          </p:cNvPr>
+          <p:cNvSpPr>
+            <a:spLocks noGrp="1" noRot="1" noChangeAspect="1" noMove="1" noResize="1" noEditPoints="1" noAdjustHandles="1" noChangeArrowheads="1" noChangeShapeType="1" noTextEdit="1"/>
+          </p:cNvSpPr>
+          <p:nvPr>
+            <p:extLst>
+              <p:ext uri="{386F3935-93C4-4BCD-93E2-E3B085C9AB24}">
+                <p16:designElem xmlns:p16="http://schemas.microsoft.com/office/powerpoint/2015/main" val="1"/>
+              </p:ext>
+            </p:extLst>
+          </p:nvPr>
+        </p:nvSpPr>
+        <p:spPr>
+          <a:xfrm>
+            <a:off x="0" y="0"/>
+            <a:ext cx="12192000" cy="6858000"/>
+          </a:xfrm>
+          <a:prstGeom prst="rect">
+            <a:avLst/>
+          </a:prstGeom>
+          <a:ln>
+            <a:noFill/>
+          </a:ln>
+        </p:spPr>
+        <p:style>
+          <a:lnRef idx="2">
+            <a:schemeClr val="accent1">
+              <a:shade val="50000"/>
+            </a:schemeClr>
+          </a:lnRef>
+          <a:fillRef idx="1">
+            <a:schemeClr val="accent1"/>
+          </a:fillRef>
+          <a:effectRef idx="0">
+            <a:schemeClr val="accent1"/>
+          </a:effectRef>
+          <a:fontRef idx="minor">
+            <a:schemeClr val="lt1"/>
+          </a:fontRef>
+        </p:style>
+        <p:txBody>
+          <a:bodyPr rtlCol="0" anchor="ctr"/>
+          <a:lstStyle/>
+          <a:p>
+            <a:pPr algn="ctr"/>
+            <a:endParaRPr lang="en-US"/>
+          </a:p>
+        </p:txBody>
+      </p:sp>
+      <p:sp>
+        <p:nvSpPr>
+          <p:cNvPr id="2" name="Title 1">
+            <a:extLst>
+              <a:ext uri="{FF2B5EF4-FFF2-40B4-BE49-F238E27FC236}">
+                <a16:creationId xmlns:a16="http://schemas.microsoft.com/office/drawing/2014/main" id="{C48B99E3-7349-6C37-6732-B38A2998D1FB}"/>
+              </a:ext>
+            </a:extLst>
+          </p:cNvPr>
+          <p:cNvSpPr>
+            <a:spLocks noGrp="1"/>
+          </p:cNvSpPr>
+          <p:nvPr>
+            <p:ph type="title"/>
+          </p:nvPr>
+        </p:nvSpPr>
+        <p:spPr>
+          <a:xfrm>
+            <a:off x="630935" y="639520"/>
+            <a:ext cx="3879187" cy="1719072"/>
+          </a:xfrm>
+        </p:spPr>
+        <p:txBody>
+          <a:bodyPr anchor="b">
+            <a:normAutofit/>
+          </a:bodyPr>
+          <a:lstStyle/>
+          <a:p>
+            <a:r>
+              <a:rPr lang="en-US" sz="4200" b="1" dirty="0">
+                <a:solidFill>
+                  <a:schemeClr val="bg1"/>
+                </a:solidFill>
+                <a:latin typeface="Arial" panose="020B0604020202020204" pitchFamily="34" charset="0"/>
+                <a:cs typeface="Arial" panose="020B0604020202020204" pitchFamily="34" charset="0"/>
+              </a:rPr>
+              <a:t>Brainstorming</a:t>
+            </a:r>
+          </a:p>
+        </p:txBody>
+      </p:sp>
+      <p:sp>
+        <p:nvSpPr>
+          <p:cNvPr id="15" name="sketch line">
+            <a:extLst>
+              <a:ext uri="{FF2B5EF4-FFF2-40B4-BE49-F238E27FC236}">
+                <a16:creationId xmlns:a16="http://schemas.microsoft.com/office/drawing/2014/main" id="{6357EC4F-235E-4222-A36F-C7878ACE37F2}"/>
+              </a:ext>
+              <a:ext uri="{C183D7F6-B498-43B3-948B-1728B52AA6E4}">
+                <adec:decorative xmlns:adec="http://schemas.microsoft.com/office/drawing/2017/decorative" val="1"/>
+              </a:ext>
+            </a:extLst>
+          </p:cNvPr>
+          <p:cNvSpPr>
+            <a:spLocks noGrp="1" noRot="1" noChangeAspect="1" noMove="1" noResize="1" noEditPoints="1" noAdjustHandles="1" noChangeArrowheads="1" noChangeShapeType="1" noTextEdit="1"/>
+          </p:cNvSpPr>
+          <p:nvPr>
+            <p:extLst>
+              <p:ext uri="{386F3935-93C4-4BCD-93E2-E3B085C9AB24}">
+                <p16:designElem xmlns:p16="http://schemas.microsoft.com/office/powerpoint/2015/main" val="1"/>
+              </p:ext>
+            </p:extLst>
+          </p:nvPr>
+        </p:nvSpPr>
+        <p:spPr>
+          <a:xfrm>
+            <a:off x="643278" y="2573756"/>
+            <a:ext cx="3255095" cy="18288"/>
+          </a:xfrm>
+          <a:custGeom>
+            <a:avLst/>
+            <a:gdLst>
+              <a:gd name="connsiteX0" fmla="*/ 0 w 3255095"/>
+              <a:gd name="connsiteY0" fmla="*/ 0 h 18288"/>
+              <a:gd name="connsiteX1" fmla="*/ 618468 w 3255095"/>
+              <a:gd name="connsiteY1" fmla="*/ 0 h 18288"/>
+              <a:gd name="connsiteX2" fmla="*/ 1269487 w 3255095"/>
+              <a:gd name="connsiteY2" fmla="*/ 0 h 18288"/>
+              <a:gd name="connsiteX3" fmla="*/ 1953057 w 3255095"/>
+              <a:gd name="connsiteY3" fmla="*/ 0 h 18288"/>
+              <a:gd name="connsiteX4" fmla="*/ 2636627 w 3255095"/>
+              <a:gd name="connsiteY4" fmla="*/ 0 h 18288"/>
+              <a:gd name="connsiteX5" fmla="*/ 3255095 w 3255095"/>
+              <a:gd name="connsiteY5" fmla="*/ 0 h 18288"/>
+              <a:gd name="connsiteX6" fmla="*/ 3255095 w 3255095"/>
+              <a:gd name="connsiteY6" fmla="*/ 18288 h 18288"/>
+              <a:gd name="connsiteX7" fmla="*/ 2538974 w 3255095"/>
+              <a:gd name="connsiteY7" fmla="*/ 18288 h 18288"/>
+              <a:gd name="connsiteX8" fmla="*/ 1822853 w 3255095"/>
+              <a:gd name="connsiteY8" fmla="*/ 18288 h 18288"/>
+              <a:gd name="connsiteX9" fmla="*/ 1171834 w 3255095"/>
+              <a:gd name="connsiteY9" fmla="*/ 18288 h 18288"/>
+              <a:gd name="connsiteX10" fmla="*/ 0 w 3255095"/>
+              <a:gd name="connsiteY10" fmla="*/ 18288 h 18288"/>
+              <a:gd name="connsiteX11" fmla="*/ 0 w 3255095"/>
+              <a:gd name="connsiteY11" fmla="*/ 0 h 18288"/>
+            </a:gdLst>
+            <a:ahLst/>
+            <a:cxnLst>
+              <a:cxn ang="0">
+                <a:pos x="connsiteX0" y="connsiteY0"/>
+              </a:cxn>
+              <a:cxn ang="0">
+                <a:pos x="connsiteX1" y="connsiteY1"/>
+              </a:cxn>
+              <a:cxn ang="0">
+                <a:pos x="connsiteX2" y="connsiteY2"/>
+              </a:cxn>
+              <a:cxn ang="0">
+                <a:pos x="connsiteX3" y="connsiteY3"/>
+              </a:cxn>
+              <a:cxn ang="0">
+                <a:pos x="connsiteX4" y="connsiteY4"/>
+              </a:cxn>
+              <a:cxn ang="0">
+                <a:pos x="connsiteX5" y="connsiteY5"/>
+              </a:cxn>
+              <a:cxn ang="0">
+                <a:pos x="connsiteX6" y="connsiteY6"/>
+              </a:cxn>
+              <a:cxn ang="0">
+                <a:pos x="connsiteX7" y="connsiteY7"/>
+              </a:cxn>
+              <a:cxn ang="0">
+                <a:pos x="connsiteX8" y="connsiteY8"/>
+              </a:cxn>
+              <a:cxn ang="0">
+                <a:pos x="connsiteX9" y="connsiteY9"/>
+              </a:cxn>
+              <a:cxn ang="0">
+                <a:pos x="connsiteX10" y="connsiteY10"/>
+              </a:cxn>
+              <a:cxn ang="0">
+                <a:pos x="connsiteX11" y="connsiteY11"/>
+              </a:cxn>
+            </a:cxnLst>
+            <a:rect l="l" t="t" r="r" b="b"/>
+            <a:pathLst>
+              <a:path w="3255095" h="18288" fill="none" extrusionOk="0">
+                <a:moveTo>
+                  <a:pt x="0" y="0"/>
+                </a:moveTo>
+                <a:cubicBezTo>
+                  <a:pt x="240201" y="-22123"/>
+                  <a:pt x="462021" y="-19623"/>
+                  <a:pt x="618468" y="0"/>
+                </a:cubicBezTo>
+                <a:cubicBezTo>
+                  <a:pt x="774915" y="19623"/>
+                  <a:pt x="974734" y="2035"/>
+                  <a:pt x="1269487" y="0"/>
+                </a:cubicBezTo>
+                <a:cubicBezTo>
+                  <a:pt x="1564240" y="-2035"/>
+                  <a:pt x="1733579" y="10639"/>
+                  <a:pt x="1953057" y="0"/>
+                </a:cubicBezTo>
+                <a:cubicBezTo>
+                  <a:pt x="2172535" y="-10639"/>
+                  <a:pt x="2453962" y="14018"/>
+                  <a:pt x="2636627" y="0"/>
+                </a:cubicBezTo>
+                <a:cubicBezTo>
+                  <a:pt x="2819292" y="-14018"/>
+                  <a:pt x="3121375" y="5399"/>
+                  <a:pt x="3255095" y="0"/>
+                </a:cubicBezTo>
+                <a:cubicBezTo>
+                  <a:pt x="3254386" y="8157"/>
+                  <a:pt x="3254682" y="12125"/>
+                  <a:pt x="3255095" y="18288"/>
+                </a:cubicBezTo>
+                <a:cubicBezTo>
+                  <a:pt x="3088545" y="23203"/>
+                  <a:pt x="2687475" y="7419"/>
+                  <a:pt x="2538974" y="18288"/>
+                </a:cubicBezTo>
+                <a:cubicBezTo>
+                  <a:pt x="2390473" y="29157"/>
+                  <a:pt x="2137381" y="-8959"/>
+                  <a:pt x="1822853" y="18288"/>
+                </a:cubicBezTo>
+                <a:cubicBezTo>
+                  <a:pt x="1508325" y="45535"/>
+                  <a:pt x="1466437" y="20385"/>
+                  <a:pt x="1171834" y="18288"/>
+                </a:cubicBezTo>
+                <a:cubicBezTo>
+                  <a:pt x="877231" y="16191"/>
+                  <a:pt x="561097" y="37643"/>
+                  <a:pt x="0" y="18288"/>
+                </a:cubicBezTo>
+                <a:cubicBezTo>
+                  <a:pt x="-46" y="12483"/>
+                  <a:pt x="-203" y="6491"/>
+                  <a:pt x="0" y="0"/>
+                </a:cubicBezTo>
+                <a:close/>
+              </a:path>
+              <a:path w="3255095" h="18288" stroke="0" extrusionOk="0">
+                <a:moveTo>
+                  <a:pt x="0" y="0"/>
+                </a:moveTo>
+                <a:cubicBezTo>
+                  <a:pt x="291965" y="19429"/>
+                  <a:pt x="363155" y="8568"/>
+                  <a:pt x="618468" y="0"/>
+                </a:cubicBezTo>
+                <a:cubicBezTo>
+                  <a:pt x="873781" y="-8568"/>
+                  <a:pt x="904459" y="-19505"/>
+                  <a:pt x="1171834" y="0"/>
+                </a:cubicBezTo>
+                <a:cubicBezTo>
+                  <a:pt x="1439209" y="19505"/>
+                  <a:pt x="1744369" y="9790"/>
+                  <a:pt x="1887955" y="0"/>
+                </a:cubicBezTo>
+                <a:cubicBezTo>
+                  <a:pt x="2031541" y="-9790"/>
+                  <a:pt x="2346378" y="21240"/>
+                  <a:pt x="2506423" y="0"/>
+                </a:cubicBezTo>
+                <a:cubicBezTo>
+                  <a:pt x="2666468" y="-21240"/>
+                  <a:pt x="2990257" y="30414"/>
+                  <a:pt x="3255095" y="0"/>
+                </a:cubicBezTo>
+                <a:cubicBezTo>
+                  <a:pt x="3254831" y="4493"/>
+                  <a:pt x="3255479" y="9472"/>
+                  <a:pt x="3255095" y="18288"/>
+                </a:cubicBezTo>
+                <a:cubicBezTo>
+                  <a:pt x="3120743" y="16690"/>
+                  <a:pt x="2759628" y="42462"/>
+                  <a:pt x="2604076" y="18288"/>
+                </a:cubicBezTo>
+                <a:cubicBezTo>
+                  <a:pt x="2448524" y="-5886"/>
+                  <a:pt x="2184336" y="19599"/>
+                  <a:pt x="1887955" y="18288"/>
+                </a:cubicBezTo>
+                <a:cubicBezTo>
+                  <a:pt x="1591574" y="16977"/>
+                  <a:pt x="1548845" y="6870"/>
+                  <a:pt x="1334589" y="18288"/>
+                </a:cubicBezTo>
+                <a:cubicBezTo>
+                  <a:pt x="1120333" y="29706"/>
+                  <a:pt x="996014" y="9662"/>
+                  <a:pt x="683570" y="18288"/>
+                </a:cubicBezTo>
+                <a:cubicBezTo>
+                  <a:pt x="371126" y="26914"/>
+                  <a:pt x="198687" y="16167"/>
+                  <a:pt x="0" y="18288"/>
+                </a:cubicBezTo>
+                <a:cubicBezTo>
+                  <a:pt x="843" y="9577"/>
+                  <a:pt x="371" y="6900"/>
+                  <a:pt x="0" y="0"/>
+                </a:cubicBezTo>
+                <a:close/>
+              </a:path>
+            </a:pathLst>
+          </a:custGeom>
+          <a:solidFill>
+            <a:schemeClr val="accent2"/>
+          </a:solidFill>
+          <a:ln w="38100" cap="rnd">
+            <a:solidFill>
+              <a:schemeClr val="accent2"/>
+            </a:solidFill>
+            <a:round/>
+            <a:extLst>
+              <a:ext uri="{C807C97D-BFC1-408E-A445-0C87EB9F89A2}">
+                <ask:lineSketchStyleProps xmlns:ask="http://schemas.microsoft.com/office/drawing/2018/sketchyshapes" sd="1219033472">
+                  <a:prstGeom prst="rect">
+                    <a:avLst/>
+                  </a:prstGeom>
+                  <ask:type>
+                    <ask:lineSketchFreehand/>
+                  </ask:type>
+                </ask:lineSketchStyleProps>
+              </a:ext>
+            </a:extLst>
+          </a:ln>
+        </p:spPr>
+        <p:style>
+          <a:lnRef idx="2">
+            <a:schemeClr val="accent1">
+              <a:shade val="50000"/>
+            </a:schemeClr>
+          </a:lnRef>
+          <a:fillRef idx="1">
+            <a:schemeClr val="accent1"/>
+          </a:fillRef>
+          <a:effectRef idx="0">
+            <a:schemeClr val="accent1"/>
+          </a:effectRef>
+          <a:fontRef idx="minor">
+            <a:schemeClr val="lt1"/>
+          </a:fontRef>
+        </p:style>
+        <p:txBody>
+          <a:bodyPr rtlCol="0" anchor="ctr"/>
+          <a:lstStyle/>
+          <a:p>
+            <a:pPr algn="ctr"/>
+            <a:endParaRPr lang="en-US"/>
+          </a:p>
+        </p:txBody>
+      </p:sp>
+      <p:sp>
+        <p:nvSpPr>
+          <p:cNvPr id="3" name="Content Placeholder 2">
+            <a:extLst>
+              <a:ext uri="{FF2B5EF4-FFF2-40B4-BE49-F238E27FC236}">
+                <a16:creationId xmlns:a16="http://schemas.microsoft.com/office/drawing/2014/main" id="{77074993-CA7B-9B6E-CB7D-7CCA7EC561D0}"/>
+              </a:ext>
+            </a:extLst>
+          </p:cNvPr>
+          <p:cNvSpPr>
+            <a:spLocks noGrp="1"/>
+          </p:cNvSpPr>
+          <p:nvPr>
+            <p:ph idx="1"/>
+          </p:nvPr>
+        </p:nvSpPr>
+        <p:spPr>
+          <a:xfrm>
+            <a:off x="630936" y="2807208"/>
+            <a:ext cx="3429000" cy="3410712"/>
+          </a:xfrm>
+        </p:spPr>
+        <p:txBody>
+          <a:bodyPr anchor="t">
+            <a:normAutofit/>
+          </a:bodyPr>
+          <a:lstStyle/>
+          <a:p>
+            <a:r>
+              <a:rPr lang="en-US" sz="2200" dirty="0">
+                <a:solidFill>
+                  <a:schemeClr val="bg1"/>
+                </a:solidFill>
+                <a:latin typeface="Cambria" panose="02040503050406030204" pitchFamily="18" charset="0"/>
+                <a:ea typeface="Cambria" panose="02040503050406030204" pitchFamily="18" charset="0"/>
+              </a:rPr>
+              <a:t>Rows of blank spaces show the number of guesses.</a:t>
+            </a:r>
+          </a:p>
+          <a:p>
+            <a:endParaRPr lang="en-US" sz="2200" dirty="0">
+              <a:solidFill>
+                <a:schemeClr val="bg1"/>
+              </a:solidFill>
+              <a:latin typeface="Cambria" panose="02040503050406030204" pitchFamily="18" charset="0"/>
+              <a:ea typeface="Cambria" panose="02040503050406030204" pitchFamily="18" charset="0"/>
+            </a:endParaRPr>
+          </a:p>
+          <a:p>
+            <a:r>
+              <a:rPr lang="en-US" sz="2200" dirty="0">
+                <a:solidFill>
+                  <a:schemeClr val="bg1"/>
+                </a:solidFill>
+                <a:latin typeface="Cambria" panose="02040503050406030204" pitchFamily="18" charset="0"/>
+                <a:ea typeface="Cambria" panose="02040503050406030204" pitchFamily="18" charset="0"/>
+              </a:rPr>
+              <a:t>Columns show word length.</a:t>
+            </a:r>
+          </a:p>
+          <a:p>
+            <a:endParaRPr lang="en-US" sz="2200" dirty="0">
+              <a:solidFill>
+                <a:schemeClr val="bg1"/>
+              </a:solidFill>
+              <a:latin typeface="Cambria" panose="02040503050406030204" pitchFamily="18" charset="0"/>
+              <a:ea typeface="Cambria" panose="02040503050406030204" pitchFamily="18" charset="0"/>
+            </a:endParaRPr>
+          </a:p>
+          <a:p>
+            <a:r>
+              <a:rPr lang="en-US" sz="2200" dirty="0">
+                <a:solidFill>
+                  <a:schemeClr val="bg1"/>
+                </a:solidFill>
+                <a:latin typeface="Cambria" panose="02040503050406030204" pitchFamily="18" charset="0"/>
+                <a:ea typeface="Cambria" panose="02040503050406030204" pitchFamily="18" charset="0"/>
+              </a:rPr>
+              <a:t>A hint is provided at the top right.</a:t>
+            </a:r>
+          </a:p>
+        </p:txBody>
+      </p:sp>
+      <p:pic>
+        <p:nvPicPr>
+          <p:cNvPr id="5" name="Picture 4">
+            <a:extLst>
+              <a:ext uri="{FF2B5EF4-FFF2-40B4-BE49-F238E27FC236}">
+                <a16:creationId xmlns:a16="http://schemas.microsoft.com/office/drawing/2014/main" id="{BA3EB846-B57B-20AB-2EEE-0BEEB0B922D8}"/>
+              </a:ext>
+            </a:extLst>
+          </p:cNvPr>
+          <p:cNvPicPr>
+            <a:picLocks noChangeAspect="1"/>
+          </p:cNvPicPr>
+          <p:nvPr/>
+        </p:nvPicPr>
+        <p:blipFill>
+          <a:blip r:embed="rId2"/>
+          <a:stretch>
+            <a:fillRect/>
+          </a:stretch>
+        </p:blipFill>
+        <p:spPr>
+          <a:xfrm>
+            <a:off x="4408038" y="1123884"/>
+            <a:ext cx="7435859" cy="4610232"/>
+          </a:xfrm>
+          <a:prstGeom prst="rect">
+            <a:avLst/>
+          </a:prstGeom>
+        </p:spPr>
+      </p:pic>
+      <p:sp>
+        <p:nvSpPr>
+          <p:cNvPr id="6" name="Arrow: Left 5">
+            <a:extLst>
+              <a:ext uri="{FF2B5EF4-FFF2-40B4-BE49-F238E27FC236}">
+                <a16:creationId xmlns:a16="http://schemas.microsoft.com/office/drawing/2014/main" id="{24CBE3CC-2025-BEE5-AE64-79DEE84CD036}"/>
+              </a:ext>
+            </a:extLst>
+          </p:cNvPr>
+          <p:cNvSpPr/>
+          <p:nvPr/>
+        </p:nvSpPr>
+        <p:spPr>
+          <a:xfrm rot="19686571">
+            <a:off x="7140150" y="1316850"/>
+            <a:ext cx="735357" cy="239147"/>
+          </a:xfrm>
+          <a:prstGeom prst="leftArrow">
+            <a:avLst/>
+          </a:prstGeom>
+          <a:solidFill>
+            <a:srgbClr val="6CFF59"/>
+          </a:solidFill>
+        </p:spPr>
+        <p:style>
+          <a:lnRef idx="2">
+            <a:schemeClr val="accent6">
+              <a:shade val="15000"/>
+            </a:schemeClr>
+          </a:lnRef>
+          <a:fillRef idx="1">
+            <a:schemeClr val="accent6"/>
+          </a:fillRef>
+          <a:effectRef idx="0">
+            <a:schemeClr val="accent6"/>
+          </a:effectRef>
+          <a:fontRef idx="minor">
+            <a:schemeClr val="lt1"/>
+          </a:fontRef>
+        </p:style>
+        <p:txBody>
+          <a:bodyPr rtlCol="0" anchor="ctr"/>
+          <a:lstStyle/>
+          <a:p>
+            <a:pPr algn="ctr"/>
+            <a:endParaRPr lang="en-US"/>
+          </a:p>
+        </p:txBody>
+      </p:sp>
+      <p:sp>
+        <p:nvSpPr>
+          <p:cNvPr id="7" name="TextBox 6">
+            <a:extLst>
+              <a:ext uri="{FF2B5EF4-FFF2-40B4-BE49-F238E27FC236}">
+                <a16:creationId xmlns:a16="http://schemas.microsoft.com/office/drawing/2014/main" id="{BFB5F8E3-9142-6EA8-8C44-8E5A62EFF82D}"/>
+              </a:ext>
+            </a:extLst>
+          </p:cNvPr>
+          <p:cNvSpPr txBox="1"/>
+          <p:nvPr/>
+        </p:nvSpPr>
+        <p:spPr>
+          <a:xfrm>
+            <a:off x="7798098" y="955988"/>
+            <a:ext cx="1189493" cy="369332"/>
+          </a:xfrm>
+          <a:prstGeom prst="rect">
+            <a:avLst/>
+          </a:prstGeom>
+          <a:noFill/>
+        </p:spPr>
+        <p:txBody>
+          <a:bodyPr wrap="none" rtlCol="0">
+            <a:spAutoFit/>
+          </a:bodyPr>
+          <a:lstStyle/>
+          <a:p>
+            <a:r>
+              <a:rPr lang="en-US" dirty="0">
+                <a:solidFill>
+                  <a:schemeClr val="bg1"/>
+                </a:solidFill>
+              </a:rPr>
+              <a:t>Length is 4</a:t>
+            </a:r>
+          </a:p>
+        </p:txBody>
+      </p:sp>
+    </p:spTree>
+    <p:extLst>
+      <p:ext uri="{BB962C8B-B14F-4D97-AF65-F5344CB8AC3E}">
+        <p14:creationId xmlns:p14="http://schemas.microsoft.com/office/powerpoint/2010/main" val="1021666059"/>
+      </p:ext>
+    </p:extLst>
+  </p:cSld>
+  <p:clrMapOvr>
+    <a:masterClrMapping/>
+  </p:clrMapOvr>
+</p:sld>
+</file>
+
+<file path=ppt/slides/slide11.xml><?xml version="1.0" encoding="utf-8"?>
+<p:sld xmlns:a="http://schemas.openxmlformats.org/drawingml/2006/main" xmlns:r="http://schemas.openxmlformats.org/officeDocument/2006/relationships" xmlns:p="http://schemas.openxmlformats.org/presentationml/2006/main">
+  <p:cSld>
+    <p:bg>
+      <p:bgPr>
+        <a:solidFill>
+          <a:srgbClr val="2F4F4F"/>
+        </a:solidFill>
+        <a:effectLst/>
+      </p:bgPr>
+    </p:bg>
+    <p:spTree>
+      <p:nvGrpSpPr>
+        <p:cNvPr id="1" name=""/>
+        <p:cNvGrpSpPr/>
+        <p:nvPr/>
+      </p:nvGrpSpPr>
+      <p:grpSpPr>
+        <a:xfrm>
+          <a:off x="0" y="0"/>
+          <a:ext cx="0" cy="0"/>
+          <a:chOff x="0" y="0"/>
+          <a:chExt cx="0" cy="0"/>
+        </a:xfrm>
+      </p:grpSpPr>
+      <p:sp useBgFill="1">
+        <p:nvSpPr>
+          <p:cNvPr id="10" name="Rectangle 9">
+            <a:extLst>
+              <a:ext uri="{FF2B5EF4-FFF2-40B4-BE49-F238E27FC236}">
+                <a16:creationId xmlns:a16="http://schemas.microsoft.com/office/drawing/2014/main" id="{FF81F8D5-515A-45DC-B296-30AB11F2C19F}"/>
+              </a:ext>
+              <a:ext uri="{C183D7F6-B498-43B3-948B-1728B52AA6E4}">
+                <adec:decorative xmlns:adec="http://schemas.microsoft.com/office/drawing/2017/decorative" val="1"/>
+              </a:ext>
+            </a:extLst>
+          </p:cNvPr>
+          <p:cNvSpPr>
+            <a:spLocks noGrp="1" noRot="1" noChangeAspect="1" noMove="1" noResize="1" noEditPoints="1" noAdjustHandles="1" noChangeArrowheads="1" noChangeShapeType="1" noTextEdit="1"/>
+          </p:cNvSpPr>
+          <p:nvPr>
+            <p:extLst>
+              <p:ext uri="{386F3935-93C4-4BCD-93E2-E3B085C9AB24}">
+                <p16:designElem xmlns:p16="http://schemas.microsoft.com/office/powerpoint/2015/main" val="1"/>
+              </p:ext>
+            </p:extLst>
+          </p:nvPr>
+        </p:nvSpPr>
+        <p:spPr>
+          <a:xfrm>
+            <a:off x="0" y="0"/>
+            <a:ext cx="12191999" cy="6857365"/>
+          </a:xfrm>
+          <a:prstGeom prst="rect">
+            <a:avLst/>
+          </a:prstGeom>
+          <a:ln>
+            <a:noFill/>
+          </a:ln>
+        </p:spPr>
+        <p:style>
+          <a:lnRef idx="2">
+            <a:schemeClr val="accent1">
+              <a:shade val="50000"/>
+            </a:schemeClr>
+          </a:lnRef>
+          <a:fillRef idx="1">
+            <a:schemeClr val="accent1"/>
+          </a:fillRef>
+          <a:effectRef idx="0">
+            <a:schemeClr val="accent1"/>
+          </a:effectRef>
+          <a:fontRef idx="minor">
+            <a:schemeClr val="lt1"/>
+          </a:fontRef>
+        </p:style>
+        <p:txBody>
+          <a:bodyPr rtlCol="0" anchor="ctr"/>
+          <a:lstStyle/>
+          <a:p>
+            <a:pPr algn="ctr"/>
+            <a:endParaRPr lang="en-US"/>
+          </a:p>
+        </p:txBody>
+      </p:sp>
+      <p:sp>
+        <p:nvSpPr>
+          <p:cNvPr id="12" name="Rectangle 11">
+            <a:extLst>
+              <a:ext uri="{FF2B5EF4-FFF2-40B4-BE49-F238E27FC236}">
+                <a16:creationId xmlns:a16="http://schemas.microsoft.com/office/drawing/2014/main" id="{90464369-70FA-42AF-948F-80664CA7BFE5}"/>
+              </a:ext>
+              <a:ext uri="{C183D7F6-B498-43B3-948B-1728B52AA6E4}">
+                <adec:decorative xmlns:adec="http://schemas.microsoft.com/office/drawing/2017/decorative" val="1"/>
+              </a:ext>
+            </a:extLst>
+          </p:cNvPr>
+          <p:cNvSpPr>
+            <a:spLocks noGrp="1" noRot="1" noChangeAspect="1" noMove="1" noResize="1" noEditPoints="1" noAdjustHandles="1" noChangeArrowheads="1" noChangeShapeType="1" noTextEdit="1"/>
+          </p:cNvSpPr>
+          <p:nvPr>
+            <p:extLst>
+              <p:ext uri="{386F3935-93C4-4BCD-93E2-E3B085C9AB24}">
+                <p16:designElem xmlns:p16="http://schemas.microsoft.com/office/powerpoint/2015/main" val="1"/>
+              </p:ext>
+            </p:extLst>
+          </p:nvPr>
+        </p:nvSpPr>
+        <p:spPr>
+          <a:xfrm>
+            <a:off x="0" y="0"/>
+            <a:ext cx="12192000" cy="2146816"/>
+          </a:xfrm>
+          <a:prstGeom prst="rect">
+            <a:avLst/>
+          </a:prstGeom>
+          <a:solidFill>
+            <a:schemeClr val="bg1">
+              <a:lumMod val="85000"/>
+              <a:alpha val="35000"/>
+            </a:schemeClr>
+          </a:solidFill>
+          <a:ln>
+            <a:noFill/>
+          </a:ln>
+        </p:spPr>
+        <p:style>
+          <a:lnRef idx="2">
+            <a:schemeClr val="accent1">
+              <a:shade val="50000"/>
+            </a:schemeClr>
+          </a:lnRef>
+          <a:fillRef idx="1">
+            <a:schemeClr val="accent1"/>
+          </a:fillRef>
+          <a:effectRef idx="0">
+            <a:schemeClr val="accent1"/>
+          </a:effectRef>
+          <a:fontRef idx="minor">
+            <a:schemeClr val="lt1"/>
+          </a:fontRef>
+        </p:style>
+        <p:txBody>
+          <a:bodyPr rtlCol="0" anchor="ctr"/>
+          <a:lstStyle/>
+          <a:p>
+            <a:pPr algn="ctr"/>
+            <a:endParaRPr lang="en-US"/>
+          </a:p>
+        </p:txBody>
+      </p:sp>
+      <p:sp>
+        <p:nvSpPr>
+          <p:cNvPr id="2" name="Title 1">
+            <a:extLst>
+              <a:ext uri="{FF2B5EF4-FFF2-40B4-BE49-F238E27FC236}">
+                <a16:creationId xmlns:a16="http://schemas.microsoft.com/office/drawing/2014/main" id="{418F8B60-14D5-6BA2-D73F-A4DD2B052B76}"/>
+              </a:ext>
+            </a:extLst>
+          </p:cNvPr>
+          <p:cNvSpPr>
+            <a:spLocks noGrp="1"/>
+          </p:cNvSpPr>
+          <p:nvPr>
+            <p:ph type="title"/>
+          </p:nvPr>
+        </p:nvSpPr>
+        <p:spPr>
+          <a:xfrm>
+            <a:off x="581646" y="349664"/>
+            <a:ext cx="5845571" cy="1638377"/>
+          </a:xfrm>
+          <a:effectLst>
+            <a:outerShdw blurRad="50800" dist="50800" dir="5400000" algn="ctr" rotWithShape="0">
+              <a:srgbClr val="000000">
+                <a:alpha val="74000"/>
+              </a:srgbClr>
+            </a:outerShdw>
+          </a:effectLst>
+        </p:spPr>
+        <p:txBody>
+          <a:bodyPr anchor="b">
+            <a:normAutofit/>
+          </a:bodyPr>
+          <a:lstStyle/>
+          <a:p>
+            <a:r>
+              <a:rPr lang="en-US" sz="4800" b="1" dirty="0">
+                <a:solidFill>
+                  <a:schemeClr val="bg1"/>
+                </a:solidFill>
+                <a:latin typeface="Arial" panose="020B0604020202020204" pitchFamily="34" charset="0"/>
+                <a:ea typeface="Cambria" panose="02040503050406030204" pitchFamily="18" charset="0"/>
+                <a:cs typeface="Arial" panose="020B0604020202020204" pitchFamily="34" charset="0"/>
+              </a:rPr>
+              <a:t>Making a Guess</a:t>
+            </a:r>
+          </a:p>
+        </p:txBody>
+      </p:sp>
+      <p:sp>
+        <p:nvSpPr>
+          <p:cNvPr id="3" name="Content Placeholder 2">
+            <a:extLst>
+              <a:ext uri="{FF2B5EF4-FFF2-40B4-BE49-F238E27FC236}">
+                <a16:creationId xmlns:a16="http://schemas.microsoft.com/office/drawing/2014/main" id="{51858DEB-0F33-13F4-317F-86C05A584013}"/>
+              </a:ext>
+            </a:extLst>
+          </p:cNvPr>
+          <p:cNvSpPr>
+            <a:spLocks noGrp="1"/>
+          </p:cNvSpPr>
+          <p:nvPr>
+            <p:ph idx="1"/>
+          </p:nvPr>
+        </p:nvSpPr>
+        <p:spPr>
+          <a:xfrm>
+            <a:off x="587988" y="2337705"/>
+            <a:ext cx="6384004" cy="3306638"/>
+          </a:xfrm>
+        </p:spPr>
+        <p:txBody>
+          <a:bodyPr anchor="ctr">
+            <a:normAutofit/>
+          </a:bodyPr>
+          <a:lstStyle/>
+          <a:p>
+            <a:r>
+              <a:rPr lang="en-US" sz="2000" dirty="0">
+                <a:solidFill>
+                  <a:schemeClr val="bg1"/>
+                </a:solidFill>
+                <a:latin typeface="Cambria" panose="02040503050406030204" pitchFamily="18" charset="0"/>
+                <a:ea typeface="Cambria" panose="02040503050406030204" pitchFamily="18" charset="0"/>
+              </a:rPr>
+              <a:t>The player may type using their physical keyboard, or the </a:t>
+            </a:r>
+            <a:r>
+              <a:rPr lang="en-US" sz="2000" dirty="0">
+                <a:solidFill>
+                  <a:srgbClr val="6CFF59"/>
+                </a:solidFill>
+                <a:latin typeface="Cambria" panose="02040503050406030204" pitchFamily="18" charset="0"/>
+                <a:ea typeface="Cambria" panose="02040503050406030204" pitchFamily="18" charset="0"/>
+              </a:rPr>
+              <a:t>on-screen keyboard </a:t>
+            </a:r>
+            <a:r>
+              <a:rPr lang="en-US" sz="2000" dirty="0">
+                <a:solidFill>
+                  <a:schemeClr val="bg1"/>
+                </a:solidFill>
+                <a:latin typeface="Cambria" panose="02040503050406030204" pitchFamily="18" charset="0"/>
+                <a:ea typeface="Cambria" panose="02040503050406030204" pitchFamily="18" charset="0"/>
+              </a:rPr>
+              <a:t>to enter letters.</a:t>
+            </a:r>
+          </a:p>
+          <a:p>
+            <a:r>
+              <a:rPr lang="en-US" sz="2000" dirty="0">
+                <a:solidFill>
+                  <a:schemeClr val="bg1"/>
+                </a:solidFill>
+                <a:latin typeface="Cambria" panose="02040503050406030204" pitchFamily="18" charset="0"/>
+                <a:ea typeface="Cambria" panose="02040503050406030204" pitchFamily="18" charset="0"/>
+              </a:rPr>
+              <a:t>Guess will be </a:t>
+            </a:r>
+            <a:r>
+              <a:rPr lang="en-US" sz="2000" dirty="0">
+                <a:solidFill>
+                  <a:srgbClr val="FF4B4B"/>
+                </a:solidFill>
+                <a:latin typeface="Cambria" panose="02040503050406030204" pitchFamily="18" charset="0"/>
+                <a:ea typeface="Cambria" panose="02040503050406030204" pitchFamily="18" charset="0"/>
+              </a:rPr>
+              <a:t>spellchecked</a:t>
+            </a:r>
+            <a:r>
+              <a:rPr lang="en-US" sz="2000" dirty="0">
+                <a:solidFill>
+                  <a:schemeClr val="bg1"/>
+                </a:solidFill>
+                <a:latin typeface="Cambria" panose="02040503050406030204" pitchFamily="18" charset="0"/>
+                <a:ea typeface="Cambria" panose="02040503050406030204" pitchFamily="18" charset="0"/>
+              </a:rPr>
+              <a:t> and submitted as an attempt.</a:t>
+            </a:r>
+          </a:p>
+          <a:p>
+            <a:r>
+              <a:rPr lang="en-US" sz="2000" dirty="0">
+                <a:solidFill>
+                  <a:srgbClr val="6CFF59"/>
+                </a:solidFill>
+                <a:latin typeface="Cambria" panose="02040503050406030204" pitchFamily="18" charset="0"/>
+                <a:ea typeface="Cambria" panose="02040503050406030204" pitchFamily="18" charset="0"/>
+              </a:rPr>
+              <a:t>Green letters </a:t>
+            </a:r>
+            <a:r>
+              <a:rPr lang="en-US" sz="2000" dirty="0">
+                <a:solidFill>
+                  <a:schemeClr val="bg1"/>
+                </a:solidFill>
+                <a:latin typeface="Cambria" panose="02040503050406030204" pitchFamily="18" charset="0"/>
+                <a:ea typeface="Cambria" panose="02040503050406030204" pitchFamily="18" charset="0"/>
+              </a:rPr>
+              <a:t>are correct, </a:t>
+            </a:r>
+            <a:r>
+              <a:rPr lang="en-US" sz="2000" dirty="0">
+                <a:solidFill>
+                  <a:srgbClr val="FFC34A"/>
+                </a:solidFill>
+                <a:latin typeface="Cambria" panose="02040503050406030204" pitchFamily="18" charset="0"/>
+                <a:ea typeface="Cambria" panose="02040503050406030204" pitchFamily="18" charset="0"/>
+              </a:rPr>
+              <a:t>orange letters </a:t>
+            </a:r>
+            <a:r>
+              <a:rPr lang="en-US" sz="2000" dirty="0">
+                <a:solidFill>
+                  <a:schemeClr val="bg1"/>
+                </a:solidFill>
+                <a:latin typeface="Cambria" panose="02040503050406030204" pitchFamily="18" charset="0"/>
+                <a:ea typeface="Cambria" panose="02040503050406030204" pitchFamily="18" charset="0"/>
+              </a:rPr>
+              <a:t>are in the incorrect place, and </a:t>
+            </a:r>
+            <a:r>
+              <a:rPr lang="en-US" sz="2000" dirty="0">
+                <a:solidFill>
+                  <a:srgbClr val="FF4B4B"/>
+                </a:solidFill>
+                <a:latin typeface="Cambria" panose="02040503050406030204" pitchFamily="18" charset="0"/>
+                <a:ea typeface="Cambria" panose="02040503050406030204" pitchFamily="18" charset="0"/>
+              </a:rPr>
+              <a:t>red letters </a:t>
+            </a:r>
+            <a:r>
+              <a:rPr lang="en-US" sz="2000" dirty="0">
+                <a:solidFill>
+                  <a:schemeClr val="bg1"/>
+                </a:solidFill>
+                <a:latin typeface="Cambria" panose="02040503050406030204" pitchFamily="18" charset="0"/>
+                <a:ea typeface="Cambria" panose="02040503050406030204" pitchFamily="18" charset="0"/>
+              </a:rPr>
+              <a:t>are incorrect.</a:t>
+            </a:r>
+          </a:p>
+          <a:p>
+            <a:r>
+              <a:rPr lang="en-US" sz="2000" dirty="0">
+                <a:solidFill>
+                  <a:schemeClr val="bg1"/>
+                </a:solidFill>
+                <a:latin typeface="Cambria" panose="02040503050406030204" pitchFamily="18" charset="0"/>
+                <a:ea typeface="Cambria" panose="02040503050406030204" pitchFamily="18" charset="0"/>
+              </a:rPr>
+              <a:t>The player does not have to remember what they have already found.</a:t>
+            </a:r>
+          </a:p>
+        </p:txBody>
+      </p:sp>
+      <p:sp>
+        <p:nvSpPr>
+          <p:cNvPr id="14" name="Rectangle 13">
+            <a:extLst>
+              <a:ext uri="{FF2B5EF4-FFF2-40B4-BE49-F238E27FC236}">
+                <a16:creationId xmlns:a16="http://schemas.microsoft.com/office/drawing/2014/main" id="{A6604B49-AD5C-4590-B051-06C8222ECD99}"/>
+              </a:ext>
+              <a:ext uri="{C183D7F6-B498-43B3-948B-1728B52AA6E4}">
+                <adec:decorative xmlns:adec="http://schemas.microsoft.com/office/drawing/2017/decorative" val="1"/>
+              </a:ext>
+            </a:extLst>
+          </p:cNvPr>
+          <p:cNvSpPr>
+            <a:spLocks noGrp="1" noRot="1" noChangeAspect="1" noMove="1" noResize="1" noEditPoints="1" noAdjustHandles="1" noChangeArrowheads="1" noChangeShapeType="1" noTextEdit="1"/>
+          </p:cNvSpPr>
+          <p:nvPr>
+            <p:extLst>
+              <p:ext uri="{386F3935-93C4-4BCD-93E2-E3B085C9AB24}">
+                <p16:designElem xmlns:p16="http://schemas.microsoft.com/office/powerpoint/2015/main" val="1"/>
+              </p:ext>
+            </p:extLst>
+          </p:nvPr>
+        </p:nvSpPr>
+        <p:spPr>
+          <a:xfrm rot="16200000" flipH="1">
+            <a:off x="5669568" y="277912"/>
+            <a:ext cx="524256" cy="11863390"/>
+          </a:xfrm>
+          <a:prstGeom prst="rect">
+            <a:avLst/>
+          </a:prstGeom>
+          <a:solidFill>
+            <a:schemeClr val="accent4"/>
+          </a:solidFill>
+          <a:ln>
+            <a:noFill/>
+          </a:ln>
+        </p:spPr>
+        <p:style>
+          <a:lnRef idx="2">
+            <a:schemeClr val="accent1">
+              <a:shade val="50000"/>
+            </a:schemeClr>
+          </a:lnRef>
+          <a:fillRef idx="1">
+            <a:schemeClr val="accent1"/>
+          </a:fillRef>
+          <a:effectRef idx="0">
+            <a:schemeClr val="accent1"/>
+          </a:effectRef>
+          <a:fontRef idx="minor">
+            <a:schemeClr val="lt1"/>
+          </a:fontRef>
+        </p:style>
+        <p:txBody>
+          <a:bodyPr rtlCol="0" anchor="ctr"/>
+          <a:lstStyle/>
+          <a:p>
+            <a:pPr algn="ctr"/>
+            <a:endParaRPr lang="en-US"/>
+          </a:p>
+        </p:txBody>
+      </p:sp>
+      <p:sp>
+        <p:nvSpPr>
+          <p:cNvPr id="16" name="Rectangle 15">
+            <a:extLst>
+              <a:ext uri="{FF2B5EF4-FFF2-40B4-BE49-F238E27FC236}">
+                <a16:creationId xmlns:a16="http://schemas.microsoft.com/office/drawing/2014/main" id="{CC552A98-EF7D-4D42-AB69-066B786AB55B}"/>
+              </a:ext>
+              <a:ext uri="{C183D7F6-B498-43B3-948B-1728B52AA6E4}">
+                <adec:decorative xmlns:adec="http://schemas.microsoft.com/office/drawing/2017/decorative" val="1"/>
+              </a:ext>
+            </a:extLst>
+          </p:cNvPr>
+          <p:cNvSpPr>
+            <a:spLocks noGrp="1" noRot="1" noChangeAspect="1" noMove="1" noResize="1" noEditPoints="1" noAdjustHandles="1" noChangeArrowheads="1" noChangeShapeType="1" noTextEdit="1"/>
+          </p:cNvSpPr>
+          <p:nvPr>
+            <p:extLst>
+              <p:ext uri="{386F3935-93C4-4BCD-93E2-E3B085C9AB24}">
+                <p16:designElem xmlns:p16="http://schemas.microsoft.com/office/powerpoint/2015/main" val="1"/>
+              </p:ext>
+            </p:extLst>
+          </p:nvPr>
+        </p:nvSpPr>
+        <p:spPr>
+          <a:xfrm>
+            <a:off x="7215447" y="399675"/>
+            <a:ext cx="4647368" cy="5809932"/>
+          </a:xfrm>
+          <a:prstGeom prst="rect">
+            <a:avLst/>
+          </a:prstGeom>
+          <a:solidFill>
+            <a:schemeClr val="bg1"/>
+          </a:solidFill>
+          <a:ln>
+            <a:noFill/>
+          </a:ln>
+          <a:effectLst>
+            <a:outerShdw blurRad="139700" dist="127000" dir="5400000" algn="t" rotWithShape="0">
+              <a:prstClr val="black">
+                <a:alpha val="15000"/>
+              </a:prstClr>
+            </a:outerShdw>
+          </a:effectLst>
+        </p:spPr>
+        <p:style>
+          <a:lnRef idx="2">
+            <a:schemeClr val="accent1">
+              <a:shade val="50000"/>
+            </a:schemeClr>
+          </a:lnRef>
+          <a:fillRef idx="1">
+            <a:schemeClr val="accent1"/>
+          </a:fillRef>
+          <a:effectRef idx="0">
+            <a:schemeClr val="accent1"/>
+          </a:effectRef>
+          <a:fontRef idx="minor">
+            <a:schemeClr val="lt1"/>
+          </a:fontRef>
+        </p:style>
+        <p:txBody>
+          <a:bodyPr rtlCol="0" anchor="ctr"/>
+          <a:lstStyle/>
+          <a:p>
+            <a:pPr algn="ctr"/>
+            <a:endParaRPr lang="en-US"/>
+          </a:p>
+        </p:txBody>
+      </p:sp>
+      <p:pic>
+        <p:nvPicPr>
+          <p:cNvPr id="5" name="Picture 4">
+            <a:extLst>
+              <a:ext uri="{FF2B5EF4-FFF2-40B4-BE49-F238E27FC236}">
+                <a16:creationId xmlns:a16="http://schemas.microsoft.com/office/drawing/2014/main" id="{63661E1F-DEE3-D858-75D7-7789C007F4C0}"/>
+              </a:ext>
+            </a:extLst>
+          </p:cNvPr>
+          <p:cNvPicPr>
+            <a:picLocks noChangeAspect="1"/>
+          </p:cNvPicPr>
+          <p:nvPr/>
+        </p:nvPicPr>
+        <p:blipFill rotWithShape="1">
+          <a:blip r:embed="rId2"/>
+          <a:srcRect t="5442" r="-2" b="2922"/>
+          <a:stretch/>
+        </p:blipFill>
+        <p:spPr>
+          <a:xfrm>
+            <a:off x="7421373" y="627954"/>
+            <a:ext cx="4235516" cy="5353373"/>
+          </a:xfrm>
+          <a:prstGeom prst="rect">
+            <a:avLst/>
+          </a:prstGeom>
+        </p:spPr>
+      </p:pic>
+      <p:sp>
+        <p:nvSpPr>
+          <p:cNvPr id="18" name="Rectangle 17">
+            <a:extLst>
+              <a:ext uri="{FF2B5EF4-FFF2-40B4-BE49-F238E27FC236}">
+                <a16:creationId xmlns:a16="http://schemas.microsoft.com/office/drawing/2014/main" id="{A648176E-454C-437C-B0FC-9B82FCF32B24}"/>
+              </a:ext>
+              <a:ext uri="{C183D7F6-B498-43B3-948B-1728B52AA6E4}">
+                <adec:decorative xmlns:adec="http://schemas.microsoft.com/office/drawing/2017/decorative" val="1"/>
+              </a:ext>
+            </a:extLst>
+          </p:cNvPr>
+          <p:cNvSpPr>
+            <a:spLocks noGrp="1" noRot="1" noChangeAspect="1" noMove="1" noResize="1" noEditPoints="1" noAdjustHandles="1" noChangeArrowheads="1" noChangeShapeType="1" noTextEdit="1"/>
+          </p:cNvSpPr>
+          <p:nvPr>
+            <p:extLst>
+              <p:ext uri="{386F3935-93C4-4BCD-93E2-E3B085C9AB24}">
+                <p16:designElem xmlns:p16="http://schemas.microsoft.com/office/powerpoint/2015/main" val="1"/>
+              </p:ext>
+            </p:extLst>
+          </p:nvPr>
+        </p:nvSpPr>
+        <p:spPr>
+          <a:xfrm rot="5400000">
+            <a:off x="11774185" y="6131892"/>
+            <a:ext cx="524256" cy="152382"/>
+          </a:xfrm>
+          <a:prstGeom prst="rect">
+            <a:avLst/>
+          </a:prstGeom>
+          <a:solidFill>
+            <a:schemeClr val="accent4"/>
+          </a:solidFill>
+          <a:ln>
+            <a:noFill/>
+          </a:ln>
+        </p:spPr>
+        <p:style>
+          <a:lnRef idx="2">
+            <a:schemeClr val="accent1">
+              <a:shade val="50000"/>
+            </a:schemeClr>
+          </a:lnRef>
+          <a:fillRef idx="1">
+            <a:schemeClr val="accent1"/>
+          </a:fillRef>
+          <a:effectRef idx="0">
+            <a:schemeClr val="accent1"/>
+          </a:effectRef>
+          <a:fontRef idx="minor">
+            <a:schemeClr val="lt1"/>
+          </a:fontRef>
+        </p:style>
+        <p:txBody>
+          <a:bodyPr rtlCol="0" anchor="ctr"/>
+          <a:lstStyle/>
+          <a:p>
+            <a:pPr algn="ctr"/>
+            <a:endParaRPr lang="en-US"/>
+          </a:p>
+        </p:txBody>
+      </p:sp>
+    </p:spTree>
+    <p:extLst>
+      <p:ext uri="{BB962C8B-B14F-4D97-AF65-F5344CB8AC3E}">
+        <p14:creationId xmlns:p14="http://schemas.microsoft.com/office/powerpoint/2010/main" val="2756419199"/>
+      </p:ext>
+    </p:extLst>
+  </p:cSld>
+  <p:clrMapOvr>
+    <a:masterClrMapping/>
+  </p:clrMapOvr>
+</p:sld>
+</file>
+
+<file path=ppt/slides/slide12.xml><?xml version="1.0" encoding="utf-8"?>
 <p:sld xmlns:a="http://schemas.openxmlformats.org/drawingml/2006/main" xmlns:r="http://schemas.openxmlformats.org/officeDocument/2006/relationships" xmlns:p="http://schemas.openxmlformats.org/presentationml/2006/main">
   <p:cSld>
     <p:bg>
@@ -5419,6 +6639,16 @@
             </a:r>
           </a:p>
           <a:p>
+            <a:pPr lvl="1"/>
+            <a:endParaRPr lang="en-US" dirty="0">
+              <a:solidFill>
+                <a:schemeClr val="bg1"/>
+              </a:solidFill>
+              <a:latin typeface="Cambria" panose="02040503050406030204" pitchFamily="18" charset="0"/>
+              <a:ea typeface="Cambria" panose="02040503050406030204" pitchFamily="18" charset="0"/>
+            </a:endParaRPr>
+          </a:p>
+          <a:p>
             <a:r>
               <a:rPr lang="en-US" sz="2400" dirty="0">
                 <a:solidFill>
@@ -5607,7 +6837,7 @@
 </p:sld>
 </file>
 
-<file path=ppt/slides/slide11.xml><?xml version="1.0" encoding="utf-8"?>
+<file path=ppt/slides/slide13.xml><?xml version="1.0" encoding="utf-8"?>
 <p:sld xmlns:a="http://schemas.openxmlformats.org/drawingml/2006/main" xmlns:r="http://schemas.openxmlformats.org/officeDocument/2006/relationships" xmlns:p="http://schemas.openxmlformats.org/presentationml/2006/main">
   <p:cSld>
     <p:bg>
@@ -6046,6 +7276,15 @@
             </a:r>
           </a:p>
           <a:p>
+            <a:endParaRPr lang="en-US" sz="2200" dirty="0">
+              <a:solidFill>
+                <a:schemeClr val="bg1"/>
+              </a:solidFill>
+              <a:latin typeface="Cambria" panose="02040503050406030204" pitchFamily="18" charset="0"/>
+              <a:ea typeface="Cambria" panose="02040503050406030204" pitchFamily="18" charset="0"/>
+            </a:endParaRPr>
+          </a:p>
+          <a:p>
             <a:r>
               <a:rPr lang="en-US" sz="2200" dirty="0">
                 <a:solidFill>
@@ -6102,7 +7341,7 @@
 </p:sld>
 </file>
 
-<file path=ppt/slides/slide12.xml><?xml version="1.0" encoding="utf-8"?>
+<file path=ppt/slides/slide14.xml><?xml version="1.0" encoding="utf-8"?>
 <p:sld xmlns:a="http://schemas.openxmlformats.org/drawingml/2006/main" xmlns:r="http://schemas.openxmlformats.org/officeDocument/2006/relationships" xmlns:p="http://schemas.openxmlformats.org/presentationml/2006/main">
   <p:cSld>
     <p:bg>
@@ -6543,7 +7782,7 @@
 </p:sld>
 </file>
 
-<file path=ppt/slides/slide13.xml><?xml version="1.0" encoding="utf-8"?>
+<file path=ppt/slides/slide15.xml><?xml version="1.0" encoding="utf-8"?>
 <p:sld xmlns:a="http://schemas.openxmlformats.org/drawingml/2006/main" xmlns:r="http://schemas.openxmlformats.org/officeDocument/2006/relationships" xmlns:p="http://schemas.openxmlformats.org/presentationml/2006/main">
   <p:cSld>
     <p:bg>
@@ -7056,448 +8295,7 @@
 </p:sld>
 </file>
 
-<file path=ppt/slides/slide14.xml><?xml version="1.0" encoding="utf-8"?>
-<p:sld xmlns:a="http://schemas.openxmlformats.org/drawingml/2006/main" xmlns:r="http://schemas.openxmlformats.org/officeDocument/2006/relationships" xmlns:p="http://schemas.openxmlformats.org/presentationml/2006/main">
-  <p:cSld>
-    <p:bg>
-      <p:bgPr>
-        <a:solidFill>
-          <a:srgbClr val="2F4F4F"/>
-        </a:solidFill>
-        <a:effectLst/>
-      </p:bgPr>
-    </p:bg>
-    <p:spTree>
-      <p:nvGrpSpPr>
-        <p:cNvPr id="1" name=""/>
-        <p:cNvGrpSpPr/>
-        <p:nvPr/>
-      </p:nvGrpSpPr>
-      <p:grpSpPr>
-        <a:xfrm>
-          <a:off x="0" y="0"/>
-          <a:ext cx="0" cy="0"/>
-          <a:chOff x="0" y="0"/>
-          <a:chExt cx="0" cy="0"/>
-        </a:xfrm>
-      </p:grpSpPr>
-      <p:sp useBgFill="1">
-        <p:nvSpPr>
-          <p:cNvPr id="10" name="Rectangle 9">
-            <a:extLst>
-              <a:ext uri="{FF2B5EF4-FFF2-40B4-BE49-F238E27FC236}">
-                <a16:creationId xmlns:a16="http://schemas.microsoft.com/office/drawing/2014/main" id="{665DBBEF-238B-476B-96AB-8AAC3224ECEA}"/>
-              </a:ext>
-              <a:ext uri="{C183D7F6-B498-43B3-948B-1728B52AA6E4}">
-                <adec:decorative xmlns:adec="http://schemas.microsoft.com/office/drawing/2017/decorative" val="1"/>
-              </a:ext>
-            </a:extLst>
-          </p:cNvPr>
-          <p:cNvSpPr>
-            <a:spLocks noGrp="1" noRot="1" noChangeAspect="1" noMove="1" noResize="1" noEditPoints="1" noAdjustHandles="1" noChangeArrowheads="1" noChangeShapeType="1" noTextEdit="1"/>
-          </p:cNvSpPr>
-          <p:nvPr>
-            <p:extLst>
-              <p:ext uri="{386F3935-93C4-4BCD-93E2-E3B085C9AB24}">
-                <p16:designElem xmlns:p16="http://schemas.microsoft.com/office/powerpoint/2015/main" val="1"/>
-              </p:ext>
-            </p:extLst>
-          </p:nvPr>
-        </p:nvSpPr>
-        <p:spPr>
-          <a:xfrm>
-            <a:off x="0" y="0"/>
-            <a:ext cx="12192000" cy="6858000"/>
-          </a:xfrm>
-          <a:prstGeom prst="rect">
-            <a:avLst/>
-          </a:prstGeom>
-          <a:ln>
-            <a:noFill/>
-          </a:ln>
-        </p:spPr>
-        <p:style>
-          <a:lnRef idx="2">
-            <a:schemeClr val="accent1">
-              <a:shade val="50000"/>
-            </a:schemeClr>
-          </a:lnRef>
-          <a:fillRef idx="1">
-            <a:schemeClr val="accent1"/>
-          </a:fillRef>
-          <a:effectRef idx="0">
-            <a:schemeClr val="accent1"/>
-          </a:effectRef>
-          <a:fontRef idx="minor">
-            <a:schemeClr val="lt1"/>
-          </a:fontRef>
-        </p:style>
-        <p:txBody>
-          <a:bodyPr rtlCol="0" anchor="ctr"/>
-          <a:lstStyle/>
-          <a:p>
-            <a:pPr algn="ctr"/>
-            <a:endParaRPr lang="en-US"/>
-          </a:p>
-        </p:txBody>
-      </p:sp>
-      <p:sp>
-        <p:nvSpPr>
-          <p:cNvPr id="2" name="Title 1">
-            <a:extLst>
-              <a:ext uri="{FF2B5EF4-FFF2-40B4-BE49-F238E27FC236}">
-                <a16:creationId xmlns:a16="http://schemas.microsoft.com/office/drawing/2014/main" id="{264A486E-4001-D74C-4227-9CF359B3022E}"/>
-              </a:ext>
-            </a:extLst>
-          </p:cNvPr>
-          <p:cNvSpPr>
-            <a:spLocks noGrp="1"/>
-          </p:cNvSpPr>
-          <p:nvPr>
-            <p:ph type="title"/>
-          </p:nvPr>
-        </p:nvSpPr>
-        <p:spPr>
-          <a:xfrm>
-            <a:off x="643278" y="978777"/>
-            <a:ext cx="4427486" cy="3109334"/>
-          </a:xfrm>
-        </p:spPr>
-        <p:txBody>
-          <a:bodyPr vert="horz" lIns="91440" tIns="45720" rIns="91440" bIns="45720" rtlCol="0" anchor="b">
-            <a:normAutofit/>
-          </a:bodyPr>
-          <a:lstStyle/>
-          <a:p>
-            <a:r>
-              <a:rPr lang="en-US" sz="6600" b="1" kern="1200" dirty="0">
-                <a:solidFill>
-                  <a:schemeClr val="bg1"/>
-                </a:solidFill>
-                <a:latin typeface="Arial" panose="020B0604020202020204" pitchFamily="34" charset="0"/>
-                <a:cs typeface="Arial" panose="020B0604020202020204" pitchFamily="34" charset="0"/>
-              </a:rPr>
-              <a:t>Example 2</a:t>
-            </a:r>
-          </a:p>
-        </p:txBody>
-      </p:sp>
-      <p:sp>
-        <p:nvSpPr>
-          <p:cNvPr id="12" name="sketch line">
-            <a:extLst>
-              <a:ext uri="{FF2B5EF4-FFF2-40B4-BE49-F238E27FC236}">
-                <a16:creationId xmlns:a16="http://schemas.microsoft.com/office/drawing/2014/main" id="{3FCFB1DE-0B7E-48CC-BA90-B2AB0889F9D6}"/>
-              </a:ext>
-              <a:ext uri="{C183D7F6-B498-43B3-948B-1728B52AA6E4}">
-                <adec:decorative xmlns:adec="http://schemas.microsoft.com/office/drawing/2017/decorative" val="1"/>
-              </a:ext>
-            </a:extLst>
-          </p:cNvPr>
-          <p:cNvSpPr>
-            <a:spLocks noGrp="1" noRot="1" noChangeAspect="1" noMove="1" noResize="1" noEditPoints="1" noAdjustHandles="1" noChangeArrowheads="1" noChangeShapeType="1" noTextEdit="1"/>
-          </p:cNvSpPr>
-          <p:nvPr>
-            <p:extLst>
-              <p:ext uri="{386F3935-93C4-4BCD-93E2-E3B085C9AB24}">
-                <p16:designElem xmlns:p16="http://schemas.microsoft.com/office/powerpoint/2015/main" val="1"/>
-              </p:ext>
-            </p:extLst>
-          </p:nvPr>
-        </p:nvSpPr>
-        <p:spPr>
-          <a:xfrm>
-            <a:off x="643278" y="4409267"/>
-            <a:ext cx="3255095" cy="18288"/>
-          </a:xfrm>
-          <a:custGeom>
-            <a:avLst/>
-            <a:gdLst>
-              <a:gd name="connsiteX0" fmla="*/ 0 w 3255095"/>
-              <a:gd name="connsiteY0" fmla="*/ 0 h 18288"/>
-              <a:gd name="connsiteX1" fmla="*/ 618468 w 3255095"/>
-              <a:gd name="connsiteY1" fmla="*/ 0 h 18288"/>
-              <a:gd name="connsiteX2" fmla="*/ 1269487 w 3255095"/>
-              <a:gd name="connsiteY2" fmla="*/ 0 h 18288"/>
-              <a:gd name="connsiteX3" fmla="*/ 1953057 w 3255095"/>
-              <a:gd name="connsiteY3" fmla="*/ 0 h 18288"/>
-              <a:gd name="connsiteX4" fmla="*/ 2636627 w 3255095"/>
-              <a:gd name="connsiteY4" fmla="*/ 0 h 18288"/>
-              <a:gd name="connsiteX5" fmla="*/ 3255095 w 3255095"/>
-              <a:gd name="connsiteY5" fmla="*/ 0 h 18288"/>
-              <a:gd name="connsiteX6" fmla="*/ 3255095 w 3255095"/>
-              <a:gd name="connsiteY6" fmla="*/ 18288 h 18288"/>
-              <a:gd name="connsiteX7" fmla="*/ 2538974 w 3255095"/>
-              <a:gd name="connsiteY7" fmla="*/ 18288 h 18288"/>
-              <a:gd name="connsiteX8" fmla="*/ 1822853 w 3255095"/>
-              <a:gd name="connsiteY8" fmla="*/ 18288 h 18288"/>
-              <a:gd name="connsiteX9" fmla="*/ 1171834 w 3255095"/>
-              <a:gd name="connsiteY9" fmla="*/ 18288 h 18288"/>
-              <a:gd name="connsiteX10" fmla="*/ 0 w 3255095"/>
-              <a:gd name="connsiteY10" fmla="*/ 18288 h 18288"/>
-              <a:gd name="connsiteX11" fmla="*/ 0 w 3255095"/>
-              <a:gd name="connsiteY11" fmla="*/ 0 h 18288"/>
-            </a:gdLst>
-            <a:ahLst/>
-            <a:cxnLst>
-              <a:cxn ang="0">
-                <a:pos x="connsiteX0" y="connsiteY0"/>
-              </a:cxn>
-              <a:cxn ang="0">
-                <a:pos x="connsiteX1" y="connsiteY1"/>
-              </a:cxn>
-              <a:cxn ang="0">
-                <a:pos x="connsiteX2" y="connsiteY2"/>
-              </a:cxn>
-              <a:cxn ang="0">
-                <a:pos x="connsiteX3" y="connsiteY3"/>
-              </a:cxn>
-              <a:cxn ang="0">
-                <a:pos x="connsiteX4" y="connsiteY4"/>
-              </a:cxn>
-              <a:cxn ang="0">
-                <a:pos x="connsiteX5" y="connsiteY5"/>
-              </a:cxn>
-              <a:cxn ang="0">
-                <a:pos x="connsiteX6" y="connsiteY6"/>
-              </a:cxn>
-              <a:cxn ang="0">
-                <a:pos x="connsiteX7" y="connsiteY7"/>
-              </a:cxn>
-              <a:cxn ang="0">
-                <a:pos x="connsiteX8" y="connsiteY8"/>
-              </a:cxn>
-              <a:cxn ang="0">
-                <a:pos x="connsiteX9" y="connsiteY9"/>
-              </a:cxn>
-              <a:cxn ang="0">
-                <a:pos x="connsiteX10" y="connsiteY10"/>
-              </a:cxn>
-              <a:cxn ang="0">
-                <a:pos x="connsiteX11" y="connsiteY11"/>
-              </a:cxn>
-            </a:cxnLst>
-            <a:rect l="l" t="t" r="r" b="b"/>
-            <a:pathLst>
-              <a:path w="3255095" h="18288" fill="none" extrusionOk="0">
-                <a:moveTo>
-                  <a:pt x="0" y="0"/>
-                </a:moveTo>
-                <a:cubicBezTo>
-                  <a:pt x="240201" y="-22123"/>
-                  <a:pt x="462021" y="-19623"/>
-                  <a:pt x="618468" y="0"/>
-                </a:cubicBezTo>
-                <a:cubicBezTo>
-                  <a:pt x="774915" y="19623"/>
-                  <a:pt x="974734" y="2035"/>
-                  <a:pt x="1269487" y="0"/>
-                </a:cubicBezTo>
-                <a:cubicBezTo>
-                  <a:pt x="1564240" y="-2035"/>
-                  <a:pt x="1733579" y="10639"/>
-                  <a:pt x="1953057" y="0"/>
-                </a:cubicBezTo>
-                <a:cubicBezTo>
-                  <a:pt x="2172535" y="-10639"/>
-                  <a:pt x="2453962" y="14018"/>
-                  <a:pt x="2636627" y="0"/>
-                </a:cubicBezTo>
-                <a:cubicBezTo>
-                  <a:pt x="2819292" y="-14018"/>
-                  <a:pt x="3121375" y="5399"/>
-                  <a:pt x="3255095" y="0"/>
-                </a:cubicBezTo>
-                <a:cubicBezTo>
-                  <a:pt x="3254386" y="8157"/>
-                  <a:pt x="3254682" y="12125"/>
-                  <a:pt x="3255095" y="18288"/>
-                </a:cubicBezTo>
-                <a:cubicBezTo>
-                  <a:pt x="3088545" y="23203"/>
-                  <a:pt x="2687475" y="7419"/>
-                  <a:pt x="2538974" y="18288"/>
-                </a:cubicBezTo>
-                <a:cubicBezTo>
-                  <a:pt x="2390473" y="29157"/>
-                  <a:pt x="2137381" y="-8959"/>
-                  <a:pt x="1822853" y="18288"/>
-                </a:cubicBezTo>
-                <a:cubicBezTo>
-                  <a:pt x="1508325" y="45535"/>
-                  <a:pt x="1466437" y="20385"/>
-                  <a:pt x="1171834" y="18288"/>
-                </a:cubicBezTo>
-                <a:cubicBezTo>
-                  <a:pt x="877231" y="16191"/>
-                  <a:pt x="561097" y="37643"/>
-                  <a:pt x="0" y="18288"/>
-                </a:cubicBezTo>
-                <a:cubicBezTo>
-                  <a:pt x="-46" y="12483"/>
-                  <a:pt x="-203" y="6491"/>
-                  <a:pt x="0" y="0"/>
-                </a:cubicBezTo>
-                <a:close/>
-              </a:path>
-              <a:path w="3255095" h="18288" stroke="0" extrusionOk="0">
-                <a:moveTo>
-                  <a:pt x="0" y="0"/>
-                </a:moveTo>
-                <a:cubicBezTo>
-                  <a:pt x="291965" y="19429"/>
-                  <a:pt x="363155" y="8568"/>
-                  <a:pt x="618468" y="0"/>
-                </a:cubicBezTo>
-                <a:cubicBezTo>
-                  <a:pt x="873781" y="-8568"/>
-                  <a:pt x="904459" y="-19505"/>
-                  <a:pt x="1171834" y="0"/>
-                </a:cubicBezTo>
-                <a:cubicBezTo>
-                  <a:pt x="1439209" y="19505"/>
-                  <a:pt x="1744369" y="9790"/>
-                  <a:pt x="1887955" y="0"/>
-                </a:cubicBezTo>
-                <a:cubicBezTo>
-                  <a:pt x="2031541" y="-9790"/>
-                  <a:pt x="2346378" y="21240"/>
-                  <a:pt x="2506423" y="0"/>
-                </a:cubicBezTo>
-                <a:cubicBezTo>
-                  <a:pt x="2666468" y="-21240"/>
-                  <a:pt x="2990257" y="30414"/>
-                  <a:pt x="3255095" y="0"/>
-                </a:cubicBezTo>
-                <a:cubicBezTo>
-                  <a:pt x="3254831" y="4493"/>
-                  <a:pt x="3255479" y="9472"/>
-                  <a:pt x="3255095" y="18288"/>
-                </a:cubicBezTo>
-                <a:cubicBezTo>
-                  <a:pt x="3120743" y="16690"/>
-                  <a:pt x="2759628" y="42462"/>
-                  <a:pt x="2604076" y="18288"/>
-                </a:cubicBezTo>
-                <a:cubicBezTo>
-                  <a:pt x="2448524" y="-5886"/>
-                  <a:pt x="2184336" y="19599"/>
-                  <a:pt x="1887955" y="18288"/>
-                </a:cubicBezTo>
-                <a:cubicBezTo>
-                  <a:pt x="1591574" y="16977"/>
-                  <a:pt x="1548845" y="6870"/>
-                  <a:pt x="1334589" y="18288"/>
-                </a:cubicBezTo>
-                <a:cubicBezTo>
-                  <a:pt x="1120333" y="29706"/>
-                  <a:pt x="996014" y="9662"/>
-                  <a:pt x="683570" y="18288"/>
-                </a:cubicBezTo>
-                <a:cubicBezTo>
-                  <a:pt x="371126" y="26914"/>
-                  <a:pt x="198687" y="16167"/>
-                  <a:pt x="0" y="18288"/>
-                </a:cubicBezTo>
-                <a:cubicBezTo>
-                  <a:pt x="843" y="9577"/>
-                  <a:pt x="371" y="6900"/>
-                  <a:pt x="0" y="0"/>
-                </a:cubicBezTo>
-                <a:close/>
-              </a:path>
-            </a:pathLst>
-          </a:custGeom>
-          <a:solidFill>
-            <a:schemeClr val="accent2"/>
-          </a:solidFill>
-          <a:ln w="38100" cap="rnd">
-            <a:solidFill>
-              <a:schemeClr val="accent2"/>
-            </a:solidFill>
-            <a:round/>
-            <a:extLst>
-              <a:ext uri="{C807C97D-BFC1-408E-A445-0C87EB9F89A2}">
-                <ask:lineSketchStyleProps xmlns:ask="http://schemas.microsoft.com/office/drawing/2018/sketchyshapes" sd="1219033472">
-                  <a:prstGeom prst="rect">
-                    <a:avLst/>
-                  </a:prstGeom>
-                  <ask:type>
-                    <ask:lineSketchFreehand/>
-                  </ask:type>
-                </ask:lineSketchStyleProps>
-              </a:ext>
-            </a:extLst>
-          </a:ln>
-        </p:spPr>
-        <p:style>
-          <a:lnRef idx="2">
-            <a:schemeClr val="accent1">
-              <a:shade val="50000"/>
-            </a:schemeClr>
-          </a:lnRef>
-          <a:fillRef idx="1">
-            <a:schemeClr val="accent1"/>
-          </a:fillRef>
-          <a:effectRef idx="0">
-            <a:schemeClr val="accent1"/>
-          </a:effectRef>
-          <a:fontRef idx="minor">
-            <a:schemeClr val="lt1"/>
-          </a:fontRef>
-        </p:style>
-        <p:txBody>
-          <a:bodyPr rtlCol="0" anchor="ctr"/>
-          <a:lstStyle/>
-          <a:p>
-            <a:pPr algn="ctr"/>
-            <a:endParaRPr lang="en-US"/>
-          </a:p>
-        </p:txBody>
-      </p:sp>
-      <p:pic>
-        <p:nvPicPr>
-          <p:cNvPr id="5" name="Picture 4" descr="A screenshot of a game&#10;&#10;Description automatically generated with medium confidence">
-            <a:extLst>
-              <a:ext uri="{FF2B5EF4-FFF2-40B4-BE49-F238E27FC236}">
-                <a16:creationId xmlns:a16="http://schemas.microsoft.com/office/drawing/2014/main" id="{3D383938-F676-F925-3E7F-D5212F8D0AA0}"/>
-              </a:ext>
-            </a:extLst>
-          </p:cNvPr>
-          <p:cNvPicPr>
-            <a:picLocks noChangeAspect="1"/>
-          </p:cNvPicPr>
-          <p:nvPr/>
-        </p:nvPicPr>
-        <p:blipFill rotWithShape="1">
-          <a:blip r:embed="rId2"/>
-          <a:srcRect t="-1" b="1629"/>
-          <a:stretch/>
-        </p:blipFill>
-        <p:spPr>
-          <a:xfrm>
-            <a:off x="5306161" y="1246153"/>
-            <a:ext cx="5350298" cy="4294642"/>
-          </a:xfrm>
-          <a:prstGeom prst="rect">
-            <a:avLst/>
-          </a:prstGeom>
-        </p:spPr>
-      </p:pic>
-    </p:spTree>
-    <p:extLst>
-      <p:ext uri="{BB962C8B-B14F-4D97-AF65-F5344CB8AC3E}">
-        <p14:creationId xmlns:p14="http://schemas.microsoft.com/office/powerpoint/2010/main" val="114379642"/>
-      </p:ext>
-    </p:extLst>
-  </p:cSld>
-  <p:clrMapOvr>
-    <a:masterClrMapping/>
-  </p:clrMapOvr>
-</p:sld>
-</file>
-
-<file path=ppt/slides/slide15.xml><?xml version="1.0" encoding="utf-8"?>
+<file path=ppt/slides/slide16.xml><?xml version="1.0" encoding="utf-8"?>
 <p:sld xmlns:a="http://schemas.openxmlformats.org/drawingml/2006/main" xmlns:r="http://schemas.openxmlformats.org/officeDocument/2006/relationships" xmlns:p="http://schemas.openxmlformats.org/presentationml/2006/main">
   <p:cSld>
     <p:bg>
@@ -7674,7 +8472,448 @@
 </p:sld>
 </file>
 
-<file path=ppt/slides/slide16.xml><?xml version="1.0" encoding="utf-8"?>
+<file path=ppt/slides/slide17.xml><?xml version="1.0" encoding="utf-8"?>
+<p:sld xmlns:a="http://schemas.openxmlformats.org/drawingml/2006/main" xmlns:r="http://schemas.openxmlformats.org/officeDocument/2006/relationships" xmlns:p="http://schemas.openxmlformats.org/presentationml/2006/main">
+  <p:cSld>
+    <p:bg>
+      <p:bgPr>
+        <a:solidFill>
+          <a:srgbClr val="2F4F4F"/>
+        </a:solidFill>
+        <a:effectLst/>
+      </p:bgPr>
+    </p:bg>
+    <p:spTree>
+      <p:nvGrpSpPr>
+        <p:cNvPr id="1" name=""/>
+        <p:cNvGrpSpPr/>
+        <p:nvPr/>
+      </p:nvGrpSpPr>
+      <p:grpSpPr>
+        <a:xfrm>
+          <a:off x="0" y="0"/>
+          <a:ext cx="0" cy="0"/>
+          <a:chOff x="0" y="0"/>
+          <a:chExt cx="0" cy="0"/>
+        </a:xfrm>
+      </p:grpSpPr>
+      <p:sp useBgFill="1">
+        <p:nvSpPr>
+          <p:cNvPr id="10" name="Rectangle 9">
+            <a:extLst>
+              <a:ext uri="{FF2B5EF4-FFF2-40B4-BE49-F238E27FC236}">
+                <a16:creationId xmlns:a16="http://schemas.microsoft.com/office/drawing/2014/main" id="{665DBBEF-238B-476B-96AB-8AAC3224ECEA}"/>
+              </a:ext>
+              <a:ext uri="{C183D7F6-B498-43B3-948B-1728B52AA6E4}">
+                <adec:decorative xmlns:adec="http://schemas.microsoft.com/office/drawing/2017/decorative" val="1"/>
+              </a:ext>
+            </a:extLst>
+          </p:cNvPr>
+          <p:cNvSpPr>
+            <a:spLocks noGrp="1" noRot="1" noChangeAspect="1" noMove="1" noResize="1" noEditPoints="1" noAdjustHandles="1" noChangeArrowheads="1" noChangeShapeType="1" noTextEdit="1"/>
+          </p:cNvSpPr>
+          <p:nvPr>
+            <p:extLst>
+              <p:ext uri="{386F3935-93C4-4BCD-93E2-E3B085C9AB24}">
+                <p16:designElem xmlns:p16="http://schemas.microsoft.com/office/powerpoint/2015/main" val="1"/>
+              </p:ext>
+            </p:extLst>
+          </p:nvPr>
+        </p:nvSpPr>
+        <p:spPr>
+          <a:xfrm>
+            <a:off x="0" y="0"/>
+            <a:ext cx="12192000" cy="6858000"/>
+          </a:xfrm>
+          <a:prstGeom prst="rect">
+            <a:avLst/>
+          </a:prstGeom>
+          <a:ln>
+            <a:noFill/>
+          </a:ln>
+        </p:spPr>
+        <p:style>
+          <a:lnRef idx="2">
+            <a:schemeClr val="accent1">
+              <a:shade val="50000"/>
+            </a:schemeClr>
+          </a:lnRef>
+          <a:fillRef idx="1">
+            <a:schemeClr val="accent1"/>
+          </a:fillRef>
+          <a:effectRef idx="0">
+            <a:schemeClr val="accent1"/>
+          </a:effectRef>
+          <a:fontRef idx="minor">
+            <a:schemeClr val="lt1"/>
+          </a:fontRef>
+        </p:style>
+        <p:txBody>
+          <a:bodyPr rtlCol="0" anchor="ctr"/>
+          <a:lstStyle/>
+          <a:p>
+            <a:pPr algn="ctr"/>
+            <a:endParaRPr lang="en-US"/>
+          </a:p>
+        </p:txBody>
+      </p:sp>
+      <p:sp>
+        <p:nvSpPr>
+          <p:cNvPr id="2" name="Title 1">
+            <a:extLst>
+              <a:ext uri="{FF2B5EF4-FFF2-40B4-BE49-F238E27FC236}">
+                <a16:creationId xmlns:a16="http://schemas.microsoft.com/office/drawing/2014/main" id="{264A486E-4001-D74C-4227-9CF359B3022E}"/>
+              </a:ext>
+            </a:extLst>
+          </p:cNvPr>
+          <p:cNvSpPr>
+            <a:spLocks noGrp="1"/>
+          </p:cNvSpPr>
+          <p:nvPr>
+            <p:ph type="title"/>
+          </p:nvPr>
+        </p:nvSpPr>
+        <p:spPr>
+          <a:xfrm>
+            <a:off x="643278" y="978777"/>
+            <a:ext cx="4427486" cy="3109334"/>
+          </a:xfrm>
+        </p:spPr>
+        <p:txBody>
+          <a:bodyPr vert="horz" lIns="91440" tIns="45720" rIns="91440" bIns="45720" rtlCol="0" anchor="b">
+            <a:normAutofit/>
+          </a:bodyPr>
+          <a:lstStyle/>
+          <a:p>
+            <a:r>
+              <a:rPr lang="en-US" sz="6600" b="1" kern="1200" dirty="0">
+                <a:solidFill>
+                  <a:schemeClr val="bg1"/>
+                </a:solidFill>
+                <a:latin typeface="Arial" panose="020B0604020202020204" pitchFamily="34" charset="0"/>
+                <a:cs typeface="Arial" panose="020B0604020202020204" pitchFamily="34" charset="0"/>
+              </a:rPr>
+              <a:t>Example 2</a:t>
+            </a:r>
+          </a:p>
+        </p:txBody>
+      </p:sp>
+      <p:sp>
+        <p:nvSpPr>
+          <p:cNvPr id="12" name="sketch line">
+            <a:extLst>
+              <a:ext uri="{FF2B5EF4-FFF2-40B4-BE49-F238E27FC236}">
+                <a16:creationId xmlns:a16="http://schemas.microsoft.com/office/drawing/2014/main" id="{3FCFB1DE-0B7E-48CC-BA90-B2AB0889F9D6}"/>
+              </a:ext>
+              <a:ext uri="{C183D7F6-B498-43B3-948B-1728B52AA6E4}">
+                <adec:decorative xmlns:adec="http://schemas.microsoft.com/office/drawing/2017/decorative" val="1"/>
+              </a:ext>
+            </a:extLst>
+          </p:cNvPr>
+          <p:cNvSpPr>
+            <a:spLocks noGrp="1" noRot="1" noChangeAspect="1" noMove="1" noResize="1" noEditPoints="1" noAdjustHandles="1" noChangeArrowheads="1" noChangeShapeType="1" noTextEdit="1"/>
+          </p:cNvSpPr>
+          <p:nvPr>
+            <p:extLst>
+              <p:ext uri="{386F3935-93C4-4BCD-93E2-E3B085C9AB24}">
+                <p16:designElem xmlns:p16="http://schemas.microsoft.com/office/powerpoint/2015/main" val="1"/>
+              </p:ext>
+            </p:extLst>
+          </p:nvPr>
+        </p:nvSpPr>
+        <p:spPr>
+          <a:xfrm>
+            <a:off x="643278" y="4409267"/>
+            <a:ext cx="3255095" cy="18288"/>
+          </a:xfrm>
+          <a:custGeom>
+            <a:avLst/>
+            <a:gdLst>
+              <a:gd name="connsiteX0" fmla="*/ 0 w 3255095"/>
+              <a:gd name="connsiteY0" fmla="*/ 0 h 18288"/>
+              <a:gd name="connsiteX1" fmla="*/ 618468 w 3255095"/>
+              <a:gd name="connsiteY1" fmla="*/ 0 h 18288"/>
+              <a:gd name="connsiteX2" fmla="*/ 1269487 w 3255095"/>
+              <a:gd name="connsiteY2" fmla="*/ 0 h 18288"/>
+              <a:gd name="connsiteX3" fmla="*/ 1953057 w 3255095"/>
+              <a:gd name="connsiteY3" fmla="*/ 0 h 18288"/>
+              <a:gd name="connsiteX4" fmla="*/ 2636627 w 3255095"/>
+              <a:gd name="connsiteY4" fmla="*/ 0 h 18288"/>
+              <a:gd name="connsiteX5" fmla="*/ 3255095 w 3255095"/>
+              <a:gd name="connsiteY5" fmla="*/ 0 h 18288"/>
+              <a:gd name="connsiteX6" fmla="*/ 3255095 w 3255095"/>
+              <a:gd name="connsiteY6" fmla="*/ 18288 h 18288"/>
+              <a:gd name="connsiteX7" fmla="*/ 2538974 w 3255095"/>
+              <a:gd name="connsiteY7" fmla="*/ 18288 h 18288"/>
+              <a:gd name="connsiteX8" fmla="*/ 1822853 w 3255095"/>
+              <a:gd name="connsiteY8" fmla="*/ 18288 h 18288"/>
+              <a:gd name="connsiteX9" fmla="*/ 1171834 w 3255095"/>
+              <a:gd name="connsiteY9" fmla="*/ 18288 h 18288"/>
+              <a:gd name="connsiteX10" fmla="*/ 0 w 3255095"/>
+              <a:gd name="connsiteY10" fmla="*/ 18288 h 18288"/>
+              <a:gd name="connsiteX11" fmla="*/ 0 w 3255095"/>
+              <a:gd name="connsiteY11" fmla="*/ 0 h 18288"/>
+            </a:gdLst>
+            <a:ahLst/>
+            <a:cxnLst>
+              <a:cxn ang="0">
+                <a:pos x="connsiteX0" y="connsiteY0"/>
+              </a:cxn>
+              <a:cxn ang="0">
+                <a:pos x="connsiteX1" y="connsiteY1"/>
+              </a:cxn>
+              <a:cxn ang="0">
+                <a:pos x="connsiteX2" y="connsiteY2"/>
+              </a:cxn>
+              <a:cxn ang="0">
+                <a:pos x="connsiteX3" y="connsiteY3"/>
+              </a:cxn>
+              <a:cxn ang="0">
+                <a:pos x="connsiteX4" y="connsiteY4"/>
+              </a:cxn>
+              <a:cxn ang="0">
+                <a:pos x="connsiteX5" y="connsiteY5"/>
+              </a:cxn>
+              <a:cxn ang="0">
+                <a:pos x="connsiteX6" y="connsiteY6"/>
+              </a:cxn>
+              <a:cxn ang="0">
+                <a:pos x="connsiteX7" y="connsiteY7"/>
+              </a:cxn>
+              <a:cxn ang="0">
+                <a:pos x="connsiteX8" y="connsiteY8"/>
+              </a:cxn>
+              <a:cxn ang="0">
+                <a:pos x="connsiteX9" y="connsiteY9"/>
+              </a:cxn>
+              <a:cxn ang="0">
+                <a:pos x="connsiteX10" y="connsiteY10"/>
+              </a:cxn>
+              <a:cxn ang="0">
+                <a:pos x="connsiteX11" y="connsiteY11"/>
+              </a:cxn>
+            </a:cxnLst>
+            <a:rect l="l" t="t" r="r" b="b"/>
+            <a:pathLst>
+              <a:path w="3255095" h="18288" fill="none" extrusionOk="0">
+                <a:moveTo>
+                  <a:pt x="0" y="0"/>
+                </a:moveTo>
+                <a:cubicBezTo>
+                  <a:pt x="240201" y="-22123"/>
+                  <a:pt x="462021" y="-19623"/>
+                  <a:pt x="618468" y="0"/>
+                </a:cubicBezTo>
+                <a:cubicBezTo>
+                  <a:pt x="774915" y="19623"/>
+                  <a:pt x="974734" y="2035"/>
+                  <a:pt x="1269487" y="0"/>
+                </a:cubicBezTo>
+                <a:cubicBezTo>
+                  <a:pt x="1564240" y="-2035"/>
+                  <a:pt x="1733579" y="10639"/>
+                  <a:pt x="1953057" y="0"/>
+                </a:cubicBezTo>
+                <a:cubicBezTo>
+                  <a:pt x="2172535" y="-10639"/>
+                  <a:pt x="2453962" y="14018"/>
+                  <a:pt x="2636627" y="0"/>
+                </a:cubicBezTo>
+                <a:cubicBezTo>
+                  <a:pt x="2819292" y="-14018"/>
+                  <a:pt x="3121375" y="5399"/>
+                  <a:pt x="3255095" y="0"/>
+                </a:cubicBezTo>
+                <a:cubicBezTo>
+                  <a:pt x="3254386" y="8157"/>
+                  <a:pt x="3254682" y="12125"/>
+                  <a:pt x="3255095" y="18288"/>
+                </a:cubicBezTo>
+                <a:cubicBezTo>
+                  <a:pt x="3088545" y="23203"/>
+                  <a:pt x="2687475" y="7419"/>
+                  <a:pt x="2538974" y="18288"/>
+                </a:cubicBezTo>
+                <a:cubicBezTo>
+                  <a:pt x="2390473" y="29157"/>
+                  <a:pt x="2137381" y="-8959"/>
+                  <a:pt x="1822853" y="18288"/>
+                </a:cubicBezTo>
+                <a:cubicBezTo>
+                  <a:pt x="1508325" y="45535"/>
+                  <a:pt x="1466437" y="20385"/>
+                  <a:pt x="1171834" y="18288"/>
+                </a:cubicBezTo>
+                <a:cubicBezTo>
+                  <a:pt x="877231" y="16191"/>
+                  <a:pt x="561097" y="37643"/>
+                  <a:pt x="0" y="18288"/>
+                </a:cubicBezTo>
+                <a:cubicBezTo>
+                  <a:pt x="-46" y="12483"/>
+                  <a:pt x="-203" y="6491"/>
+                  <a:pt x="0" y="0"/>
+                </a:cubicBezTo>
+                <a:close/>
+              </a:path>
+              <a:path w="3255095" h="18288" stroke="0" extrusionOk="0">
+                <a:moveTo>
+                  <a:pt x="0" y="0"/>
+                </a:moveTo>
+                <a:cubicBezTo>
+                  <a:pt x="291965" y="19429"/>
+                  <a:pt x="363155" y="8568"/>
+                  <a:pt x="618468" y="0"/>
+                </a:cubicBezTo>
+                <a:cubicBezTo>
+                  <a:pt x="873781" y="-8568"/>
+                  <a:pt x="904459" y="-19505"/>
+                  <a:pt x="1171834" y="0"/>
+                </a:cubicBezTo>
+                <a:cubicBezTo>
+                  <a:pt x="1439209" y="19505"/>
+                  <a:pt x="1744369" y="9790"/>
+                  <a:pt x="1887955" y="0"/>
+                </a:cubicBezTo>
+                <a:cubicBezTo>
+                  <a:pt x="2031541" y="-9790"/>
+                  <a:pt x="2346378" y="21240"/>
+                  <a:pt x="2506423" y="0"/>
+                </a:cubicBezTo>
+                <a:cubicBezTo>
+                  <a:pt x="2666468" y="-21240"/>
+                  <a:pt x="2990257" y="30414"/>
+                  <a:pt x="3255095" y="0"/>
+                </a:cubicBezTo>
+                <a:cubicBezTo>
+                  <a:pt x="3254831" y="4493"/>
+                  <a:pt x="3255479" y="9472"/>
+                  <a:pt x="3255095" y="18288"/>
+                </a:cubicBezTo>
+                <a:cubicBezTo>
+                  <a:pt x="3120743" y="16690"/>
+                  <a:pt x="2759628" y="42462"/>
+                  <a:pt x="2604076" y="18288"/>
+                </a:cubicBezTo>
+                <a:cubicBezTo>
+                  <a:pt x="2448524" y="-5886"/>
+                  <a:pt x="2184336" y="19599"/>
+                  <a:pt x="1887955" y="18288"/>
+                </a:cubicBezTo>
+                <a:cubicBezTo>
+                  <a:pt x="1591574" y="16977"/>
+                  <a:pt x="1548845" y="6870"/>
+                  <a:pt x="1334589" y="18288"/>
+                </a:cubicBezTo>
+                <a:cubicBezTo>
+                  <a:pt x="1120333" y="29706"/>
+                  <a:pt x="996014" y="9662"/>
+                  <a:pt x="683570" y="18288"/>
+                </a:cubicBezTo>
+                <a:cubicBezTo>
+                  <a:pt x="371126" y="26914"/>
+                  <a:pt x="198687" y="16167"/>
+                  <a:pt x="0" y="18288"/>
+                </a:cubicBezTo>
+                <a:cubicBezTo>
+                  <a:pt x="843" y="9577"/>
+                  <a:pt x="371" y="6900"/>
+                  <a:pt x="0" y="0"/>
+                </a:cubicBezTo>
+                <a:close/>
+              </a:path>
+            </a:pathLst>
+          </a:custGeom>
+          <a:solidFill>
+            <a:schemeClr val="accent2"/>
+          </a:solidFill>
+          <a:ln w="38100" cap="rnd">
+            <a:solidFill>
+              <a:schemeClr val="accent2"/>
+            </a:solidFill>
+            <a:round/>
+            <a:extLst>
+              <a:ext uri="{C807C97D-BFC1-408E-A445-0C87EB9F89A2}">
+                <ask:lineSketchStyleProps xmlns:ask="http://schemas.microsoft.com/office/drawing/2018/sketchyshapes" sd="1219033472">
+                  <a:prstGeom prst="rect">
+                    <a:avLst/>
+                  </a:prstGeom>
+                  <ask:type>
+                    <ask:lineSketchFreehand/>
+                  </ask:type>
+                </ask:lineSketchStyleProps>
+              </a:ext>
+            </a:extLst>
+          </a:ln>
+        </p:spPr>
+        <p:style>
+          <a:lnRef idx="2">
+            <a:schemeClr val="accent1">
+              <a:shade val="50000"/>
+            </a:schemeClr>
+          </a:lnRef>
+          <a:fillRef idx="1">
+            <a:schemeClr val="accent1"/>
+          </a:fillRef>
+          <a:effectRef idx="0">
+            <a:schemeClr val="accent1"/>
+          </a:effectRef>
+          <a:fontRef idx="minor">
+            <a:schemeClr val="lt1"/>
+          </a:fontRef>
+        </p:style>
+        <p:txBody>
+          <a:bodyPr rtlCol="0" anchor="ctr"/>
+          <a:lstStyle/>
+          <a:p>
+            <a:pPr algn="ctr"/>
+            <a:endParaRPr lang="en-US"/>
+          </a:p>
+        </p:txBody>
+      </p:sp>
+      <p:pic>
+        <p:nvPicPr>
+          <p:cNvPr id="5" name="Picture 4" descr="A screenshot of a game&#10;&#10;Description automatically generated with medium confidence">
+            <a:extLst>
+              <a:ext uri="{FF2B5EF4-FFF2-40B4-BE49-F238E27FC236}">
+                <a16:creationId xmlns:a16="http://schemas.microsoft.com/office/drawing/2014/main" id="{3D383938-F676-F925-3E7F-D5212F8D0AA0}"/>
+              </a:ext>
+            </a:extLst>
+          </p:cNvPr>
+          <p:cNvPicPr>
+            <a:picLocks noChangeAspect="1"/>
+          </p:cNvPicPr>
+          <p:nvPr/>
+        </p:nvPicPr>
+        <p:blipFill rotWithShape="1">
+          <a:blip r:embed="rId2"/>
+          <a:srcRect t="-1" b="1629"/>
+          <a:stretch/>
+        </p:blipFill>
+        <p:spPr>
+          <a:xfrm>
+            <a:off x="5306161" y="1246153"/>
+            <a:ext cx="5350298" cy="4294642"/>
+          </a:xfrm>
+          <a:prstGeom prst="rect">
+            <a:avLst/>
+          </a:prstGeom>
+        </p:spPr>
+      </p:pic>
+    </p:spTree>
+    <p:extLst>
+      <p:ext uri="{BB962C8B-B14F-4D97-AF65-F5344CB8AC3E}">
+        <p14:creationId xmlns:p14="http://schemas.microsoft.com/office/powerpoint/2010/main" val="114379642"/>
+      </p:ext>
+    </p:extLst>
+  </p:cSld>
+  <p:clrMapOvr>
+    <a:masterClrMapping/>
+  </p:clrMapOvr>
+</p:sld>
+</file>
+
+<file path=ppt/slides/slide18.xml><?xml version="1.0" encoding="utf-8"?>
 <p:sld xmlns:a="http://schemas.openxmlformats.org/drawingml/2006/main" xmlns:r="http://schemas.openxmlformats.org/officeDocument/2006/relationships" xmlns:p="http://schemas.openxmlformats.org/presentationml/2006/main">
   <p:cSld>
     <p:bg>
@@ -8375,7 +9614,7 @@
 </p:sld>
 </file>
 
-<file path=ppt/slides/slide17.xml><?xml version="1.0" encoding="utf-8"?>
+<file path=ppt/slides/slide19.xml><?xml version="1.0" encoding="utf-8"?>
 <p:sld xmlns:a="http://schemas.openxmlformats.org/drawingml/2006/main" xmlns:r="http://schemas.openxmlformats.org/officeDocument/2006/relationships" xmlns:p="http://schemas.openxmlformats.org/presentationml/2006/main">
   <p:cSld>
     <p:bg>
@@ -8842,6 +10081,15 @@
               </a:rPr>
               <a:t> as a file, so that you can leave and return to play later.</a:t>
             </a:r>
+          </a:p>
+          <a:p>
+            <a:endParaRPr lang="en-US" sz="2200" dirty="0">
+              <a:solidFill>
+                <a:schemeClr val="bg1"/>
+              </a:solidFill>
+              <a:latin typeface="Cambria" panose="02040503050406030204" pitchFamily="18" charset="0"/>
+              <a:ea typeface="Cambria" panose="02040503050406030204" pitchFamily="18" charset="0"/>
+            </a:endParaRPr>
           </a:p>
           <a:p>
             <a:r>
@@ -9123,7 +10371,557 @@
 </p:sld>
 </file>
 
-<file path=ppt/slides/slide18.xml><?xml version="1.0" encoding="utf-8"?>
+<file path=ppt/slides/slide2.xml><?xml version="1.0" encoding="utf-8"?>
+<p:sld xmlns:a="http://schemas.openxmlformats.org/drawingml/2006/main" xmlns:r="http://schemas.openxmlformats.org/officeDocument/2006/relationships" xmlns:p="http://schemas.openxmlformats.org/presentationml/2006/main" show="0">
+  <p:cSld>
+    <p:bg>
+      <p:bgPr>
+        <a:solidFill>
+          <a:srgbClr val="2F4F4F"/>
+        </a:solidFill>
+        <a:effectLst/>
+      </p:bgPr>
+    </p:bg>
+    <p:spTree>
+      <p:nvGrpSpPr>
+        <p:cNvPr id="1" name=""/>
+        <p:cNvGrpSpPr/>
+        <p:nvPr/>
+      </p:nvGrpSpPr>
+      <p:grpSpPr>
+        <a:xfrm>
+          <a:off x="0" y="0"/>
+          <a:ext cx="0" cy="0"/>
+          <a:chOff x="0" y="0"/>
+          <a:chExt cx="0" cy="0"/>
+        </a:xfrm>
+      </p:grpSpPr>
+      <p:sp useBgFill="1">
+        <p:nvSpPr>
+          <p:cNvPr id="1031" name="Rectangle 1030">
+            <a:extLst>
+              <a:ext uri="{FF2B5EF4-FFF2-40B4-BE49-F238E27FC236}">
+                <a16:creationId xmlns:a16="http://schemas.microsoft.com/office/drawing/2014/main" id="{DBC6133C-0615-4CE4-9132-37E609A9BDFA}"/>
+              </a:ext>
+              <a:ext uri="{C183D7F6-B498-43B3-948B-1728B52AA6E4}">
+                <adec:decorative xmlns:adec="http://schemas.microsoft.com/office/drawing/2017/decorative" val="1"/>
+              </a:ext>
+            </a:extLst>
+          </p:cNvPr>
+          <p:cNvSpPr>
+            <a:spLocks noGrp="1" noRot="1" noChangeAspect="1" noMove="1" noResize="1" noEditPoints="1" noAdjustHandles="1" noChangeArrowheads="1" noChangeShapeType="1" noTextEdit="1"/>
+          </p:cNvSpPr>
+          <p:nvPr>
+            <p:extLst>
+              <p:ext uri="{386F3935-93C4-4BCD-93E2-E3B085C9AB24}">
+                <p16:designElem xmlns:p16="http://schemas.microsoft.com/office/powerpoint/2015/main" val="1"/>
+              </p:ext>
+            </p:extLst>
+          </p:nvPr>
+        </p:nvSpPr>
+        <p:spPr>
+          <a:xfrm>
+            <a:off x="0" y="0"/>
+            <a:ext cx="12191999" cy="6857365"/>
+          </a:xfrm>
+          <a:prstGeom prst="rect">
+            <a:avLst/>
+          </a:prstGeom>
+          <a:ln>
+            <a:noFill/>
+          </a:ln>
+        </p:spPr>
+        <p:style>
+          <a:lnRef idx="2">
+            <a:schemeClr val="accent1">
+              <a:shade val="50000"/>
+            </a:schemeClr>
+          </a:lnRef>
+          <a:fillRef idx="1">
+            <a:schemeClr val="accent1"/>
+          </a:fillRef>
+          <a:effectRef idx="0">
+            <a:schemeClr val="accent1"/>
+          </a:effectRef>
+          <a:fontRef idx="minor">
+            <a:schemeClr val="lt1"/>
+          </a:fontRef>
+        </p:style>
+        <p:txBody>
+          <a:bodyPr rtlCol="0" anchor="ctr"/>
+          <a:lstStyle/>
+          <a:p>
+            <a:pPr algn="ctr"/>
+            <a:endParaRPr lang="en-US"/>
+          </a:p>
+        </p:txBody>
+      </p:sp>
+      <p:sp>
+        <p:nvSpPr>
+          <p:cNvPr id="2" name="Title 1">
+            <a:extLst>
+              <a:ext uri="{FF2B5EF4-FFF2-40B4-BE49-F238E27FC236}">
+                <a16:creationId xmlns:a16="http://schemas.microsoft.com/office/drawing/2014/main" id="{EB052942-5728-F2FF-4734-82EC9E44023F}"/>
+              </a:ext>
+            </a:extLst>
+          </p:cNvPr>
+          <p:cNvSpPr>
+            <a:spLocks noGrp="1"/>
+          </p:cNvSpPr>
+          <p:nvPr>
+            <p:ph type="title"/>
+          </p:nvPr>
+        </p:nvSpPr>
+        <p:spPr>
+          <a:xfrm>
+            <a:off x="645064" y="525982"/>
+            <a:ext cx="4282983" cy="1200361"/>
+          </a:xfrm>
+        </p:spPr>
+        <p:txBody>
+          <a:bodyPr anchor="b">
+            <a:normAutofit/>
+          </a:bodyPr>
+          <a:lstStyle/>
+          <a:p>
+            <a:r>
+              <a:rPr lang="en-US" b="1" dirty="0">
+                <a:solidFill>
+                  <a:schemeClr val="bg1"/>
+                </a:solidFill>
+                <a:latin typeface="Arial" panose="020B0604020202020204" pitchFamily="34" charset="0"/>
+                <a:ea typeface="Cambria" panose="02040503050406030204" pitchFamily="18" charset="0"/>
+                <a:cs typeface="Arial" panose="020B0604020202020204" pitchFamily="34" charset="0"/>
+              </a:rPr>
+              <a:t>The Prompt</a:t>
+            </a:r>
+          </a:p>
+        </p:txBody>
+      </p:sp>
+      <p:sp>
+        <p:nvSpPr>
+          <p:cNvPr id="1033" name="Rectangle 1032">
+            <a:extLst>
+              <a:ext uri="{FF2B5EF4-FFF2-40B4-BE49-F238E27FC236}">
+                <a16:creationId xmlns:a16="http://schemas.microsoft.com/office/drawing/2014/main" id="{169CC832-2974-4E8D-90ED-3E2941BA7336}"/>
+              </a:ext>
+              <a:ext uri="{C183D7F6-B498-43B3-948B-1728B52AA6E4}">
+                <adec:decorative xmlns:adec="http://schemas.microsoft.com/office/drawing/2017/decorative" val="1"/>
+              </a:ext>
+            </a:extLst>
+          </p:cNvPr>
+          <p:cNvSpPr>
+            <a:spLocks noGrp="1" noRot="1" noChangeAspect="1" noMove="1" noResize="1" noEditPoints="1" noAdjustHandles="1" noChangeArrowheads="1" noChangeShapeType="1" noTextEdit="1"/>
+          </p:cNvSpPr>
+          <p:nvPr>
+            <p:extLst>
+              <p:ext uri="{386F3935-93C4-4BCD-93E2-E3B085C9AB24}">
+                <p16:designElem xmlns:p16="http://schemas.microsoft.com/office/powerpoint/2015/main" val="1"/>
+              </p:ext>
+            </p:extLst>
+          </p:nvPr>
+        </p:nvSpPr>
+        <p:spPr>
+          <a:xfrm flipH="1">
+            <a:off x="616533" y="1944913"/>
+            <a:ext cx="4023360" cy="27432"/>
+          </a:xfrm>
+          <a:prstGeom prst="rect">
+            <a:avLst/>
+          </a:prstGeom>
+          <a:solidFill>
+            <a:schemeClr val="accent4"/>
+          </a:solidFill>
+          <a:ln>
+            <a:noFill/>
+          </a:ln>
+        </p:spPr>
+        <p:style>
+          <a:lnRef idx="2">
+            <a:schemeClr val="accent1">
+              <a:shade val="50000"/>
+            </a:schemeClr>
+          </a:lnRef>
+          <a:fillRef idx="1">
+            <a:schemeClr val="accent1"/>
+          </a:fillRef>
+          <a:effectRef idx="0">
+            <a:schemeClr val="accent1"/>
+          </a:effectRef>
+          <a:fontRef idx="minor">
+            <a:schemeClr val="lt1"/>
+          </a:fontRef>
+        </p:style>
+        <p:txBody>
+          <a:bodyPr rtlCol="0" anchor="ctr"/>
+          <a:lstStyle/>
+          <a:p>
+            <a:pPr algn="ctr"/>
+            <a:endParaRPr lang="en-US"/>
+          </a:p>
+        </p:txBody>
+      </p:sp>
+      <p:sp>
+        <p:nvSpPr>
+          <p:cNvPr id="3" name="Content Placeholder 2">
+            <a:extLst>
+              <a:ext uri="{FF2B5EF4-FFF2-40B4-BE49-F238E27FC236}">
+                <a16:creationId xmlns:a16="http://schemas.microsoft.com/office/drawing/2014/main" id="{BD88B01F-5436-A959-FE59-3D6632AF239C}"/>
+              </a:ext>
+            </a:extLst>
+          </p:cNvPr>
+          <p:cNvSpPr>
+            <a:spLocks noGrp="1"/>
+          </p:cNvSpPr>
+          <p:nvPr>
+            <p:ph idx="1"/>
+          </p:nvPr>
+        </p:nvSpPr>
+        <p:spPr>
+          <a:xfrm>
+            <a:off x="645065" y="2031101"/>
+            <a:ext cx="4785717" cy="3511943"/>
+          </a:xfrm>
+        </p:spPr>
+        <p:txBody>
+          <a:bodyPr anchor="ctr">
+            <a:normAutofit/>
+          </a:bodyPr>
+          <a:lstStyle/>
+          <a:p>
+            <a:pPr marL="0" indent="0">
+              <a:buNone/>
+            </a:pPr>
+            <a:r>
+              <a:rPr lang="en-US" sz="1600" b="0" i="0" dirty="0">
+                <a:solidFill>
+                  <a:schemeClr val="bg1"/>
+                </a:solidFill>
+                <a:effectLst/>
+                <a:latin typeface="Cambria" panose="02040503050406030204" pitchFamily="18" charset="0"/>
+                <a:ea typeface="Cambria" panose="02040503050406030204" pitchFamily="18" charset="0"/>
+              </a:rPr>
+              <a:t>In 2022, Wordle and similar word games were all the rage across the world. Develop a word game with rules and a theme of your choice.</a:t>
+            </a:r>
+          </a:p>
+          <a:p>
+            <a:r>
+              <a:rPr lang="en-US" sz="1600" dirty="0">
+                <a:solidFill>
+                  <a:schemeClr val="bg1"/>
+                </a:solidFill>
+                <a:latin typeface="Cambria" panose="02040503050406030204" pitchFamily="18" charset="0"/>
+                <a:ea typeface="Cambria" panose="02040503050406030204" pitchFamily="18" charset="0"/>
+              </a:rPr>
+              <a:t>The game should be an executable game, either through the Internet or through a local installation (review guidelines about Internet access at the National Leadership Conference).</a:t>
+            </a:r>
+          </a:p>
+          <a:p>
+            <a:r>
+              <a:rPr lang="en-US" sz="1600" dirty="0">
+                <a:solidFill>
+                  <a:schemeClr val="bg1"/>
+                </a:solidFill>
+                <a:latin typeface="Cambria" panose="02040503050406030204" pitchFamily="18" charset="0"/>
+                <a:ea typeface="Cambria" panose="02040503050406030204" pitchFamily="18" charset="0"/>
+              </a:rPr>
+              <a:t>The game should contain a scoreboard.</a:t>
+            </a:r>
+          </a:p>
+          <a:p>
+            <a:r>
+              <a:rPr lang="en-US" sz="1600" dirty="0">
+                <a:solidFill>
+                  <a:schemeClr val="bg1"/>
+                </a:solidFill>
+                <a:latin typeface="Cambria" panose="02040503050406030204" pitchFamily="18" charset="0"/>
+                <a:ea typeface="Cambria" panose="02040503050406030204" pitchFamily="18" charset="0"/>
+              </a:rPr>
+              <a:t>The game should contain a leaderboard and celebratory messages.</a:t>
+            </a:r>
+          </a:p>
+          <a:p>
+            <a:r>
+              <a:rPr lang="en-US" sz="1600" dirty="0">
+                <a:solidFill>
+                  <a:schemeClr val="bg1"/>
+                </a:solidFill>
+                <a:latin typeface="Cambria" panose="02040503050406030204" pitchFamily="18" charset="0"/>
+                <a:ea typeface="Cambria" panose="02040503050406030204" pitchFamily="18" charset="0"/>
+              </a:rPr>
+              <a:t>The game should have a minimum of three levels.</a:t>
+            </a:r>
+          </a:p>
+          <a:p>
+            <a:r>
+              <a:rPr lang="en-US" sz="1600" dirty="0">
+                <a:solidFill>
+                  <a:schemeClr val="bg1"/>
+                </a:solidFill>
+                <a:latin typeface="Cambria" panose="02040503050406030204" pitchFamily="18" charset="0"/>
+                <a:ea typeface="Cambria" panose="02040503050406030204" pitchFamily="18" charset="0"/>
+              </a:rPr>
+              <a:t>The game should have an instructional display.</a:t>
+            </a:r>
+          </a:p>
+        </p:txBody>
+      </p:sp>
+      <p:sp>
+        <p:nvSpPr>
+          <p:cNvPr id="1035" name="Rectangle 1034">
+            <a:extLst>
+              <a:ext uri="{FF2B5EF4-FFF2-40B4-BE49-F238E27FC236}">
+                <a16:creationId xmlns:a16="http://schemas.microsoft.com/office/drawing/2014/main" id="{55222F96-971A-4F90-B841-6BAB416C7AC1}"/>
+              </a:ext>
+              <a:ext uri="{C183D7F6-B498-43B3-948B-1728B52AA6E4}">
+                <adec:decorative xmlns:adec="http://schemas.microsoft.com/office/drawing/2017/decorative" val="1"/>
+              </a:ext>
+            </a:extLst>
+          </p:cNvPr>
+          <p:cNvSpPr>
+            <a:spLocks noGrp="1" noRot="1" noChangeAspect="1" noMove="1" noResize="1" noEditPoints="1" noAdjustHandles="1" noChangeArrowheads="1" noChangeShapeType="1" noTextEdit="1"/>
+          </p:cNvSpPr>
+          <p:nvPr>
+            <p:extLst>
+              <p:ext uri="{386F3935-93C4-4BCD-93E2-E3B085C9AB24}">
+                <p16:designElem xmlns:p16="http://schemas.microsoft.com/office/powerpoint/2015/main" val="1"/>
+              </p:ext>
+            </p:extLst>
+          </p:nvPr>
+        </p:nvSpPr>
+        <p:spPr>
+          <a:xfrm rot="5400000">
+            <a:off x="-225843" y="6053360"/>
+            <a:ext cx="740664" cy="154124"/>
+          </a:xfrm>
+          <a:prstGeom prst="rect">
+            <a:avLst/>
+          </a:prstGeom>
+          <a:solidFill>
+            <a:schemeClr val="accent4"/>
+          </a:solidFill>
+          <a:ln>
+            <a:noFill/>
+          </a:ln>
+        </p:spPr>
+        <p:style>
+          <a:lnRef idx="2">
+            <a:schemeClr val="accent1">
+              <a:shade val="50000"/>
+            </a:schemeClr>
+          </a:lnRef>
+          <a:fillRef idx="1">
+            <a:schemeClr val="accent1"/>
+          </a:fillRef>
+          <a:effectRef idx="0">
+            <a:schemeClr val="accent1"/>
+          </a:effectRef>
+          <a:fontRef idx="minor">
+            <a:schemeClr val="lt1"/>
+          </a:fontRef>
+        </p:style>
+        <p:txBody>
+          <a:bodyPr rtlCol="0" anchor="ctr"/>
+          <a:lstStyle/>
+          <a:p>
+            <a:pPr algn="ctr"/>
+            <a:endParaRPr lang="en-US"/>
+          </a:p>
+        </p:txBody>
+      </p:sp>
+      <p:sp>
+        <p:nvSpPr>
+          <p:cNvPr id="1037" name="Rectangle 1036">
+            <a:extLst>
+              <a:ext uri="{FF2B5EF4-FFF2-40B4-BE49-F238E27FC236}">
+                <a16:creationId xmlns:a16="http://schemas.microsoft.com/office/drawing/2014/main" id="{08980754-6F4B-43C9-B9BE-127B6BED6586}"/>
+              </a:ext>
+              <a:ext uri="{C183D7F6-B498-43B3-948B-1728B52AA6E4}">
+                <adec:decorative xmlns:adec="http://schemas.microsoft.com/office/drawing/2017/decorative" val="1"/>
+              </a:ext>
+            </a:extLst>
+          </p:cNvPr>
+          <p:cNvSpPr>
+            <a:spLocks noGrp="1" noRot="1" noChangeAspect="1" noMove="1" noResize="1" noEditPoints="1" noAdjustHandles="1" noChangeArrowheads="1" noChangeShapeType="1" noTextEdit="1"/>
+          </p:cNvSpPr>
+          <p:nvPr>
+            <p:extLst>
+              <p:ext uri="{386F3935-93C4-4BCD-93E2-E3B085C9AB24}">
+                <p16:designElem xmlns:p16="http://schemas.microsoft.com/office/powerpoint/2015/main" val="1"/>
+              </p:ext>
+            </p:extLst>
+          </p:nvPr>
+        </p:nvSpPr>
+        <p:spPr>
+          <a:xfrm rot="5400000">
+            <a:off x="5904923" y="215201"/>
+            <a:ext cx="740664" cy="11833491"/>
+          </a:xfrm>
+          <a:prstGeom prst="rect">
+            <a:avLst/>
+          </a:prstGeom>
+          <a:solidFill>
+            <a:schemeClr val="accent4"/>
+          </a:solidFill>
+          <a:ln>
+            <a:noFill/>
+          </a:ln>
+        </p:spPr>
+        <p:style>
+          <a:lnRef idx="2">
+            <a:schemeClr val="accent1">
+              <a:shade val="50000"/>
+            </a:schemeClr>
+          </a:lnRef>
+          <a:fillRef idx="1">
+            <a:schemeClr val="accent1"/>
+          </a:fillRef>
+          <a:effectRef idx="0">
+            <a:schemeClr val="accent1"/>
+          </a:effectRef>
+          <a:fontRef idx="minor">
+            <a:schemeClr val="lt1"/>
+          </a:fontRef>
+        </p:style>
+        <p:txBody>
+          <a:bodyPr rtlCol="0" anchor="ctr"/>
+          <a:lstStyle/>
+          <a:p>
+            <a:pPr algn="ctr"/>
+            <a:endParaRPr lang="en-US"/>
+          </a:p>
+        </p:txBody>
+      </p:sp>
+      <p:sp>
+        <p:nvSpPr>
+          <p:cNvPr id="1039" name="Rectangle 1038">
+            <a:extLst>
+              <a:ext uri="{FF2B5EF4-FFF2-40B4-BE49-F238E27FC236}">
+                <a16:creationId xmlns:a16="http://schemas.microsoft.com/office/drawing/2014/main" id="{2C1BBA94-3F40-40AA-8BB9-E69E25E537C1}"/>
+              </a:ext>
+              <a:ext uri="{C183D7F6-B498-43B3-948B-1728B52AA6E4}">
+                <adec:decorative xmlns:adec="http://schemas.microsoft.com/office/drawing/2017/decorative" val="1"/>
+              </a:ext>
+            </a:extLst>
+          </p:cNvPr>
+          <p:cNvSpPr>
+            <a:spLocks noGrp="1" noRot="1" noChangeAspect="1" noMove="1" noResize="1" noEditPoints="1" noAdjustHandles="1" noChangeArrowheads="1" noChangeShapeType="1" noTextEdit="1"/>
+          </p:cNvSpPr>
+          <p:nvPr>
+            <p:extLst>
+              <p:ext uri="{386F3935-93C4-4BCD-93E2-E3B085C9AB24}">
+                <p16:designElem xmlns:p16="http://schemas.microsoft.com/office/powerpoint/2015/main" val="1"/>
+              </p:ext>
+            </p:extLst>
+          </p:nvPr>
+        </p:nvSpPr>
+        <p:spPr>
+          <a:xfrm>
+            <a:off x="5696793" y="354959"/>
+            <a:ext cx="6184973" cy="5915212"/>
+          </a:xfrm>
+          <a:prstGeom prst="rect">
+            <a:avLst/>
+          </a:prstGeom>
+          <a:solidFill>
+            <a:schemeClr val="bg1"/>
+          </a:solidFill>
+          <a:ln>
+            <a:noFill/>
+          </a:ln>
+          <a:effectLst>
+            <a:outerShdw blurRad="139700" dist="127000" dir="5400000" algn="t" rotWithShape="0">
+              <a:prstClr val="black">
+                <a:alpha val="15000"/>
+              </a:prstClr>
+            </a:outerShdw>
+          </a:effectLst>
+        </p:spPr>
+        <p:style>
+          <a:lnRef idx="2">
+            <a:schemeClr val="accent1">
+              <a:shade val="50000"/>
+            </a:schemeClr>
+          </a:lnRef>
+          <a:fillRef idx="1">
+            <a:schemeClr val="accent1"/>
+          </a:fillRef>
+          <a:effectRef idx="0">
+            <a:schemeClr val="accent1"/>
+          </a:effectRef>
+          <a:fontRef idx="minor">
+            <a:schemeClr val="lt1"/>
+          </a:fontRef>
+        </p:style>
+        <p:txBody>
+          <a:bodyPr rtlCol="0" anchor="ctr"/>
+          <a:lstStyle/>
+          <a:p>
+            <a:pPr algn="ctr"/>
+            <a:endParaRPr lang="en-US"/>
+          </a:p>
+        </p:txBody>
+      </p:sp>
+      <p:pic>
+        <p:nvPicPr>
+          <p:cNvPr id="1026" name="Picture 2" descr="A Deep Dive into Wordle, the New Pandemic Puzzle Craze | by Sejal Dua |  Towards Data Science">
+            <a:extLst>
+              <a:ext uri="{FF2B5EF4-FFF2-40B4-BE49-F238E27FC236}">
+                <a16:creationId xmlns:a16="http://schemas.microsoft.com/office/drawing/2014/main" id="{773E8828-D6C9-8FC5-F0F5-751B308D0CC8}"/>
+              </a:ext>
+            </a:extLst>
+          </p:cNvPr>
+          <p:cNvPicPr>
+            <a:picLocks noChangeAspect="1" noChangeArrowheads="1"/>
+          </p:cNvPicPr>
+          <p:nvPr/>
+        </p:nvPicPr>
+        <p:blipFill>
+          <a:blip r:embed="rId2">
+            <a:extLst>
+              <a:ext uri="{28A0092B-C50C-407E-A947-70E740481C1C}">
+                <a14:useLocalDpi xmlns:a14="http://schemas.microsoft.com/office/drawing/2010/main" val="0"/>
+              </a:ext>
+            </a:extLst>
+          </a:blip>
+          <a:stretch>
+            <a:fillRect/>
+          </a:stretch>
+        </p:blipFill>
+        <p:spPr bwMode="auto">
+          <a:xfrm>
+            <a:off x="5987738" y="801062"/>
+            <a:ext cx="5628018" cy="5023005"/>
+          </a:xfrm>
+          <a:prstGeom prst="rect">
+            <a:avLst/>
+          </a:prstGeom>
+          <a:noFill/>
+          <a:extLst>
+            <a:ext uri="{909E8E84-426E-40DD-AFC4-6F175D3DCCD1}">
+              <a14:hiddenFill xmlns:a14="http://schemas.microsoft.com/office/drawing/2010/main">
+                <a:solidFill>
+                  <a:srgbClr val="FFFFFF"/>
+                </a:solidFill>
+              </a14:hiddenFill>
+            </a:ext>
+          </a:extLst>
+        </p:spPr>
+      </p:pic>
+    </p:spTree>
+    <p:extLst>
+      <p:ext uri="{BB962C8B-B14F-4D97-AF65-F5344CB8AC3E}">
+        <p14:creationId xmlns:p14="http://schemas.microsoft.com/office/powerpoint/2010/main" val="326763448"/>
+      </p:ext>
+    </p:extLst>
+  </p:cSld>
+  <p:clrMapOvr>
+    <a:masterClrMapping/>
+  </p:clrMapOvr>
+</p:sld>
+</file>
+
+<file path=ppt/slides/slide20.xml><?xml version="1.0" encoding="utf-8"?>
 <p:sld xmlns:a="http://schemas.openxmlformats.org/drawingml/2006/main" xmlns:r="http://schemas.openxmlformats.org/officeDocument/2006/relationships" xmlns:p="http://schemas.openxmlformats.org/presentationml/2006/main">
   <p:cSld>
     <p:bg>
@@ -9585,6 +11383,16 @@
             </a:r>
           </a:p>
           <a:p>
+            <a:endParaRPr lang="en-US" sz="2200" dirty="0">
+              <a:solidFill>
+                <a:schemeClr val="bg1"/>
+              </a:solidFill>
+              <a:latin typeface="Cambria" panose="02040503050406030204" pitchFamily="18" charset="0"/>
+              <a:ea typeface="Cambria" panose="02040503050406030204" pitchFamily="18" charset="0"/>
+              <a:cs typeface="Arial" panose="020B0604020202020204" pitchFamily="34" charset="0"/>
+            </a:endParaRPr>
+          </a:p>
+          <a:p>
             <a:r>
               <a:rPr lang="en-US" sz="2200" dirty="0">
                 <a:solidFill>
@@ -9664,7 +11472,7 @@
 </p:sld>
 </file>
 
-<file path=ppt/slides/slide19.xml><?xml version="1.0" encoding="utf-8"?>
+<file path=ppt/slides/slide21.xml><?xml version="1.0" encoding="utf-8"?>
 <p:sld xmlns:a="http://schemas.openxmlformats.org/drawingml/2006/main" xmlns:r="http://schemas.openxmlformats.org/officeDocument/2006/relationships" xmlns:p="http://schemas.openxmlformats.org/presentationml/2006/main">
   <p:cSld>
     <p:bg>
@@ -9955,13 +11763,13 @@
         </p:nvSpPr>
         <p:spPr>
           <a:xfrm>
-            <a:off x="5894962" y="479493"/>
+            <a:off x="5894962" y="913653"/>
             <a:ext cx="5458838" cy="1325563"/>
           </a:xfrm>
         </p:spPr>
         <p:txBody>
           <a:bodyPr>
-            <a:normAutofit fontScale="90000"/>
+            <a:normAutofit/>
           </a:bodyPr>
           <a:lstStyle/>
           <a:p>
@@ -9973,7 +11781,7 @@
                 <a:latin typeface="Arial" panose="020B0604020202020204" pitchFamily="34" charset="0"/>
                 <a:cs typeface="Arial" panose="020B0604020202020204" pitchFamily="34" charset="0"/>
               </a:rPr>
-              <a:t>Custom Puzzles Allow for Scalability</a:t>
+              <a:t>Custom Puzzles Create Scalability</a:t>
             </a:r>
           </a:p>
         </p:txBody>
@@ -10206,7 +12014,7 @@
         </p:nvSpPr>
         <p:spPr>
           <a:xfrm>
-            <a:off x="5894962" y="1984443"/>
+            <a:off x="5894962" y="2651883"/>
             <a:ext cx="5458838" cy="4192520"/>
           </a:xfrm>
         </p:spPr>
@@ -10219,15 +12027,13 @@
             <a:r>
               <a:rPr lang="en-US" dirty="0">
                 <a:solidFill>
-                  <a:schemeClr val="bg1"/>
+                  <a:srgbClr val="6CFF59"/>
                 </a:solidFill>
                 <a:latin typeface="Cambria" panose="02040503050406030204" pitchFamily="18" charset="0"/>
                 <a:ea typeface="Cambria" panose="02040503050406030204" pitchFamily="18" charset="0"/>
               </a:rPr>
-              <a:t>Near limitless puzzle possibilities.</a:t>
-            </a:r>
-          </a:p>
-          <a:p>
+              <a:t>Near limitless</a:t>
+            </a:r>
             <a:r>
               <a:rPr lang="en-US" dirty="0">
                 <a:solidFill>
@@ -10236,7 +12042,68 @@
                 <a:latin typeface="Cambria" panose="02040503050406030204" pitchFamily="18" charset="0"/>
                 <a:ea typeface="Cambria" panose="02040503050406030204" pitchFamily="18" charset="0"/>
               </a:rPr>
-              <a:t>You can create truly challenging puzzles with little effort.</a:t>
+              <a:t> puzzle possibilities.</a:t>
+            </a:r>
+          </a:p>
+          <a:p>
+            <a:endParaRPr lang="en-US" dirty="0">
+              <a:solidFill>
+                <a:schemeClr val="bg1"/>
+              </a:solidFill>
+              <a:latin typeface="Cambria" panose="02040503050406030204" pitchFamily="18" charset="0"/>
+              <a:ea typeface="Cambria" panose="02040503050406030204" pitchFamily="18" charset="0"/>
+            </a:endParaRPr>
+          </a:p>
+          <a:p>
+            <a:r>
+              <a:rPr lang="en-US" dirty="0">
+                <a:solidFill>
+                  <a:schemeClr val="bg1"/>
+                </a:solidFill>
+                <a:latin typeface="Cambria" panose="02040503050406030204" pitchFamily="18" charset="0"/>
+                <a:ea typeface="Cambria" panose="02040503050406030204" pitchFamily="18" charset="0"/>
+              </a:rPr>
+              <a:t>You can create </a:t>
+            </a:r>
+            <a:r>
+              <a:rPr lang="en-US" dirty="0">
+                <a:solidFill>
+                  <a:srgbClr val="FF4B4B"/>
+                </a:solidFill>
+                <a:latin typeface="Cambria" panose="02040503050406030204" pitchFamily="18" charset="0"/>
+                <a:ea typeface="Cambria" panose="02040503050406030204" pitchFamily="18" charset="0"/>
+              </a:rPr>
+              <a:t>truly challenging </a:t>
+            </a:r>
+            <a:r>
+              <a:rPr lang="en-US" dirty="0">
+                <a:solidFill>
+                  <a:schemeClr val="bg1"/>
+                </a:solidFill>
+                <a:latin typeface="Cambria" panose="02040503050406030204" pitchFamily="18" charset="0"/>
+                <a:ea typeface="Cambria" panose="02040503050406030204" pitchFamily="18" charset="0"/>
+              </a:rPr>
+              <a:t>puzzles with </a:t>
+            </a:r>
+            <a:r>
+              <a:rPr lang="en-US" dirty="0">
+                <a:solidFill>
+                  <a:srgbClr val="FFC34A"/>
+                </a:solidFill>
+                <a:latin typeface="Cambria" panose="02040503050406030204" pitchFamily="18" charset="0"/>
+                <a:ea typeface="Cambria" panose="02040503050406030204" pitchFamily="18" charset="0"/>
+              </a:rPr>
+              <a:t>little effort</a:t>
+            </a:r>
+            <a:r>
+              <a:rPr lang="en-US" dirty="0">
+                <a:solidFill>
+                  <a:schemeClr val="bg1"/>
+                </a:solidFill>
+                <a:latin typeface="Cambria" panose="02040503050406030204" pitchFamily="18" charset="0"/>
+                <a:ea typeface="Cambria" panose="02040503050406030204" pitchFamily="18" charset="0"/>
+              </a:rPr>
+              <a:t>.</a:t>
             </a:r>
           </a:p>
         </p:txBody>
@@ -10254,13 +12121,13 @@
 </p:sld>
 </file>
 
-<file path=ppt/slides/slide2.xml><?xml version="1.0" encoding="utf-8"?>
-<p:sld xmlns:a="http://schemas.openxmlformats.org/drawingml/2006/main" xmlns:r="http://schemas.openxmlformats.org/officeDocument/2006/relationships" xmlns:p="http://schemas.openxmlformats.org/presentationml/2006/main" show="0">
+<file path=ppt/slides/slide22.xml><?xml version="1.0" encoding="utf-8"?>
+<p:sld xmlns:a="http://schemas.openxmlformats.org/drawingml/2006/main" xmlns:r="http://schemas.openxmlformats.org/officeDocument/2006/relationships" xmlns:p="http://schemas.openxmlformats.org/presentationml/2006/main">
   <p:cSld>
     <p:bg>
       <p:bgPr>
         <a:solidFill>
-          <a:srgbClr val="2F4F4F"/>
+          <a:srgbClr val="426F6E"/>
         </a:solidFill>
         <a:effectLst/>
       </p:bgPr>
@@ -10281,10 +12148,10 @@
       </p:grpSpPr>
       <p:sp useBgFill="1">
         <p:nvSpPr>
-          <p:cNvPr id="1031" name="Rectangle 1030">
-            <a:extLst>
-              <a:ext uri="{FF2B5EF4-FFF2-40B4-BE49-F238E27FC236}">
-                <a16:creationId xmlns:a16="http://schemas.microsoft.com/office/drawing/2014/main" id="{DBC6133C-0615-4CE4-9132-37E609A9BDFA}"/>
+          <p:cNvPr id="10" name="Rectangle 9">
+            <a:extLst>
+              <a:ext uri="{FF2B5EF4-FFF2-40B4-BE49-F238E27FC236}">
+                <a16:creationId xmlns:a16="http://schemas.microsoft.com/office/drawing/2014/main" id="{1574D71B-7917-4BD7-887C-1D652DB0DFC4}"/>
               </a:ext>
               <a:ext uri="{C183D7F6-B498-43B3-948B-1728B52AA6E4}">
                 <adec:decorative xmlns:adec="http://schemas.microsoft.com/office/drawing/2017/decorative" val="1"/>
@@ -10344,7 +12211,7 @@
           <p:cNvPr id="2" name="Title 1">
             <a:extLst>
               <a:ext uri="{FF2B5EF4-FFF2-40B4-BE49-F238E27FC236}">
-                <a16:creationId xmlns:a16="http://schemas.microsoft.com/office/drawing/2014/main" id="{EB052942-5728-F2FF-4734-82EC9E44023F}"/>
+                <a16:creationId xmlns:a16="http://schemas.microsoft.com/office/drawing/2014/main" id="{D45EA9A4-B847-5AA0-26D1-7286164E6004}"/>
               </a:ext>
             </a:extLst>
           </p:cNvPr>
@@ -10357,557 +12224,7 @@
         </p:nvSpPr>
         <p:spPr>
           <a:xfrm>
-            <a:off x="645064" y="525982"/>
-            <a:ext cx="4282983" cy="1200361"/>
-          </a:xfrm>
-        </p:spPr>
-        <p:txBody>
-          <a:bodyPr anchor="b">
-            <a:normAutofit/>
-          </a:bodyPr>
-          <a:lstStyle/>
-          <a:p>
-            <a:r>
-              <a:rPr lang="en-US" b="1" dirty="0">
-                <a:solidFill>
-                  <a:schemeClr val="bg1"/>
-                </a:solidFill>
-                <a:latin typeface="Arial" panose="020B0604020202020204" pitchFamily="34" charset="0"/>
-                <a:ea typeface="Cambria" panose="02040503050406030204" pitchFamily="18" charset="0"/>
-                <a:cs typeface="Arial" panose="020B0604020202020204" pitchFamily="34" charset="0"/>
-              </a:rPr>
-              <a:t>The Prompt</a:t>
-            </a:r>
-          </a:p>
-        </p:txBody>
-      </p:sp>
-      <p:sp>
-        <p:nvSpPr>
-          <p:cNvPr id="1033" name="Rectangle 1032">
-            <a:extLst>
-              <a:ext uri="{FF2B5EF4-FFF2-40B4-BE49-F238E27FC236}">
-                <a16:creationId xmlns:a16="http://schemas.microsoft.com/office/drawing/2014/main" id="{169CC832-2974-4E8D-90ED-3E2941BA7336}"/>
-              </a:ext>
-              <a:ext uri="{C183D7F6-B498-43B3-948B-1728B52AA6E4}">
-                <adec:decorative xmlns:adec="http://schemas.microsoft.com/office/drawing/2017/decorative" val="1"/>
-              </a:ext>
-            </a:extLst>
-          </p:cNvPr>
-          <p:cNvSpPr>
-            <a:spLocks noGrp="1" noRot="1" noChangeAspect="1" noMove="1" noResize="1" noEditPoints="1" noAdjustHandles="1" noChangeArrowheads="1" noChangeShapeType="1" noTextEdit="1"/>
-          </p:cNvSpPr>
-          <p:nvPr>
-            <p:extLst>
-              <p:ext uri="{386F3935-93C4-4BCD-93E2-E3B085C9AB24}">
-                <p16:designElem xmlns:p16="http://schemas.microsoft.com/office/powerpoint/2015/main" val="1"/>
-              </p:ext>
-            </p:extLst>
-          </p:nvPr>
-        </p:nvSpPr>
-        <p:spPr>
-          <a:xfrm flipH="1">
-            <a:off x="616533" y="1944913"/>
-            <a:ext cx="4023360" cy="27432"/>
-          </a:xfrm>
-          <a:prstGeom prst="rect">
-            <a:avLst/>
-          </a:prstGeom>
-          <a:solidFill>
-            <a:schemeClr val="accent4"/>
-          </a:solidFill>
-          <a:ln>
-            <a:noFill/>
-          </a:ln>
-        </p:spPr>
-        <p:style>
-          <a:lnRef idx="2">
-            <a:schemeClr val="accent1">
-              <a:shade val="50000"/>
-            </a:schemeClr>
-          </a:lnRef>
-          <a:fillRef idx="1">
-            <a:schemeClr val="accent1"/>
-          </a:fillRef>
-          <a:effectRef idx="0">
-            <a:schemeClr val="accent1"/>
-          </a:effectRef>
-          <a:fontRef idx="minor">
-            <a:schemeClr val="lt1"/>
-          </a:fontRef>
-        </p:style>
-        <p:txBody>
-          <a:bodyPr rtlCol="0" anchor="ctr"/>
-          <a:lstStyle/>
-          <a:p>
-            <a:pPr algn="ctr"/>
-            <a:endParaRPr lang="en-US"/>
-          </a:p>
-        </p:txBody>
-      </p:sp>
-      <p:sp>
-        <p:nvSpPr>
-          <p:cNvPr id="3" name="Content Placeholder 2">
-            <a:extLst>
-              <a:ext uri="{FF2B5EF4-FFF2-40B4-BE49-F238E27FC236}">
-                <a16:creationId xmlns:a16="http://schemas.microsoft.com/office/drawing/2014/main" id="{BD88B01F-5436-A959-FE59-3D6632AF239C}"/>
-              </a:ext>
-            </a:extLst>
-          </p:cNvPr>
-          <p:cNvSpPr>
-            <a:spLocks noGrp="1"/>
-          </p:cNvSpPr>
-          <p:nvPr>
-            <p:ph idx="1"/>
-          </p:nvPr>
-        </p:nvSpPr>
-        <p:spPr>
-          <a:xfrm>
-            <a:off x="645065" y="2031101"/>
-            <a:ext cx="4785717" cy="3511943"/>
-          </a:xfrm>
-        </p:spPr>
-        <p:txBody>
-          <a:bodyPr anchor="ctr">
-            <a:normAutofit/>
-          </a:bodyPr>
-          <a:lstStyle/>
-          <a:p>
-            <a:pPr marL="0" indent="0">
-              <a:buNone/>
-            </a:pPr>
-            <a:r>
-              <a:rPr lang="en-US" sz="1600" b="0" i="0" dirty="0">
-                <a:solidFill>
-                  <a:schemeClr val="bg1"/>
-                </a:solidFill>
-                <a:effectLst/>
-                <a:latin typeface="Cambria" panose="02040503050406030204" pitchFamily="18" charset="0"/>
-                <a:ea typeface="Cambria" panose="02040503050406030204" pitchFamily="18" charset="0"/>
-              </a:rPr>
-              <a:t>In 2022, Wordle and similar word games were all the rage across the world. Develop a word game with rules and a theme of your choice.</a:t>
-            </a:r>
-          </a:p>
-          <a:p>
-            <a:r>
-              <a:rPr lang="en-US" sz="1600" dirty="0">
-                <a:solidFill>
-                  <a:schemeClr val="bg1"/>
-                </a:solidFill>
-                <a:latin typeface="Cambria" panose="02040503050406030204" pitchFamily="18" charset="0"/>
-                <a:ea typeface="Cambria" panose="02040503050406030204" pitchFamily="18" charset="0"/>
-              </a:rPr>
-              <a:t>The game should be an executable game, either through the Internet or through a local installation (review guidelines about Internet access at the National Leadership Conference).</a:t>
-            </a:r>
-          </a:p>
-          <a:p>
-            <a:r>
-              <a:rPr lang="en-US" sz="1600" dirty="0">
-                <a:solidFill>
-                  <a:schemeClr val="bg1"/>
-                </a:solidFill>
-                <a:latin typeface="Cambria" panose="02040503050406030204" pitchFamily="18" charset="0"/>
-                <a:ea typeface="Cambria" panose="02040503050406030204" pitchFamily="18" charset="0"/>
-              </a:rPr>
-              <a:t>The game should contain a scoreboard.</a:t>
-            </a:r>
-          </a:p>
-          <a:p>
-            <a:r>
-              <a:rPr lang="en-US" sz="1600" dirty="0">
-                <a:solidFill>
-                  <a:schemeClr val="bg1"/>
-                </a:solidFill>
-                <a:latin typeface="Cambria" panose="02040503050406030204" pitchFamily="18" charset="0"/>
-                <a:ea typeface="Cambria" panose="02040503050406030204" pitchFamily="18" charset="0"/>
-              </a:rPr>
-              <a:t>The game should contain a leaderboard and celebratory messages.</a:t>
-            </a:r>
-          </a:p>
-          <a:p>
-            <a:r>
-              <a:rPr lang="en-US" sz="1600" dirty="0">
-                <a:solidFill>
-                  <a:schemeClr val="bg1"/>
-                </a:solidFill>
-                <a:latin typeface="Cambria" panose="02040503050406030204" pitchFamily="18" charset="0"/>
-                <a:ea typeface="Cambria" panose="02040503050406030204" pitchFamily="18" charset="0"/>
-              </a:rPr>
-              <a:t>The game should have a minimum of three levels.</a:t>
-            </a:r>
-          </a:p>
-          <a:p>
-            <a:r>
-              <a:rPr lang="en-US" sz="1600" dirty="0">
-                <a:solidFill>
-                  <a:schemeClr val="bg1"/>
-                </a:solidFill>
-                <a:latin typeface="Cambria" panose="02040503050406030204" pitchFamily="18" charset="0"/>
-                <a:ea typeface="Cambria" panose="02040503050406030204" pitchFamily="18" charset="0"/>
-              </a:rPr>
-              <a:t>The game should have an instructional display.</a:t>
-            </a:r>
-          </a:p>
-        </p:txBody>
-      </p:sp>
-      <p:sp>
-        <p:nvSpPr>
-          <p:cNvPr id="1035" name="Rectangle 1034">
-            <a:extLst>
-              <a:ext uri="{FF2B5EF4-FFF2-40B4-BE49-F238E27FC236}">
-                <a16:creationId xmlns:a16="http://schemas.microsoft.com/office/drawing/2014/main" id="{55222F96-971A-4F90-B841-6BAB416C7AC1}"/>
-              </a:ext>
-              <a:ext uri="{C183D7F6-B498-43B3-948B-1728B52AA6E4}">
-                <adec:decorative xmlns:adec="http://schemas.microsoft.com/office/drawing/2017/decorative" val="1"/>
-              </a:ext>
-            </a:extLst>
-          </p:cNvPr>
-          <p:cNvSpPr>
-            <a:spLocks noGrp="1" noRot="1" noChangeAspect="1" noMove="1" noResize="1" noEditPoints="1" noAdjustHandles="1" noChangeArrowheads="1" noChangeShapeType="1" noTextEdit="1"/>
-          </p:cNvSpPr>
-          <p:nvPr>
-            <p:extLst>
-              <p:ext uri="{386F3935-93C4-4BCD-93E2-E3B085C9AB24}">
-                <p16:designElem xmlns:p16="http://schemas.microsoft.com/office/powerpoint/2015/main" val="1"/>
-              </p:ext>
-            </p:extLst>
-          </p:nvPr>
-        </p:nvSpPr>
-        <p:spPr>
-          <a:xfrm rot="5400000">
-            <a:off x="-225843" y="6053360"/>
-            <a:ext cx="740664" cy="154124"/>
-          </a:xfrm>
-          <a:prstGeom prst="rect">
-            <a:avLst/>
-          </a:prstGeom>
-          <a:solidFill>
-            <a:schemeClr val="accent4"/>
-          </a:solidFill>
-          <a:ln>
-            <a:noFill/>
-          </a:ln>
-        </p:spPr>
-        <p:style>
-          <a:lnRef idx="2">
-            <a:schemeClr val="accent1">
-              <a:shade val="50000"/>
-            </a:schemeClr>
-          </a:lnRef>
-          <a:fillRef idx="1">
-            <a:schemeClr val="accent1"/>
-          </a:fillRef>
-          <a:effectRef idx="0">
-            <a:schemeClr val="accent1"/>
-          </a:effectRef>
-          <a:fontRef idx="minor">
-            <a:schemeClr val="lt1"/>
-          </a:fontRef>
-        </p:style>
-        <p:txBody>
-          <a:bodyPr rtlCol="0" anchor="ctr"/>
-          <a:lstStyle/>
-          <a:p>
-            <a:pPr algn="ctr"/>
-            <a:endParaRPr lang="en-US"/>
-          </a:p>
-        </p:txBody>
-      </p:sp>
-      <p:sp>
-        <p:nvSpPr>
-          <p:cNvPr id="1037" name="Rectangle 1036">
-            <a:extLst>
-              <a:ext uri="{FF2B5EF4-FFF2-40B4-BE49-F238E27FC236}">
-                <a16:creationId xmlns:a16="http://schemas.microsoft.com/office/drawing/2014/main" id="{08980754-6F4B-43C9-B9BE-127B6BED6586}"/>
-              </a:ext>
-              <a:ext uri="{C183D7F6-B498-43B3-948B-1728B52AA6E4}">
-                <adec:decorative xmlns:adec="http://schemas.microsoft.com/office/drawing/2017/decorative" val="1"/>
-              </a:ext>
-            </a:extLst>
-          </p:cNvPr>
-          <p:cNvSpPr>
-            <a:spLocks noGrp="1" noRot="1" noChangeAspect="1" noMove="1" noResize="1" noEditPoints="1" noAdjustHandles="1" noChangeArrowheads="1" noChangeShapeType="1" noTextEdit="1"/>
-          </p:cNvSpPr>
-          <p:nvPr>
-            <p:extLst>
-              <p:ext uri="{386F3935-93C4-4BCD-93E2-E3B085C9AB24}">
-                <p16:designElem xmlns:p16="http://schemas.microsoft.com/office/powerpoint/2015/main" val="1"/>
-              </p:ext>
-            </p:extLst>
-          </p:nvPr>
-        </p:nvSpPr>
-        <p:spPr>
-          <a:xfrm rot="5400000">
-            <a:off x="5904923" y="215201"/>
-            <a:ext cx="740664" cy="11833491"/>
-          </a:xfrm>
-          <a:prstGeom prst="rect">
-            <a:avLst/>
-          </a:prstGeom>
-          <a:solidFill>
-            <a:schemeClr val="accent4"/>
-          </a:solidFill>
-          <a:ln>
-            <a:noFill/>
-          </a:ln>
-        </p:spPr>
-        <p:style>
-          <a:lnRef idx="2">
-            <a:schemeClr val="accent1">
-              <a:shade val="50000"/>
-            </a:schemeClr>
-          </a:lnRef>
-          <a:fillRef idx="1">
-            <a:schemeClr val="accent1"/>
-          </a:fillRef>
-          <a:effectRef idx="0">
-            <a:schemeClr val="accent1"/>
-          </a:effectRef>
-          <a:fontRef idx="minor">
-            <a:schemeClr val="lt1"/>
-          </a:fontRef>
-        </p:style>
-        <p:txBody>
-          <a:bodyPr rtlCol="0" anchor="ctr"/>
-          <a:lstStyle/>
-          <a:p>
-            <a:pPr algn="ctr"/>
-            <a:endParaRPr lang="en-US"/>
-          </a:p>
-        </p:txBody>
-      </p:sp>
-      <p:sp>
-        <p:nvSpPr>
-          <p:cNvPr id="1039" name="Rectangle 1038">
-            <a:extLst>
-              <a:ext uri="{FF2B5EF4-FFF2-40B4-BE49-F238E27FC236}">
-                <a16:creationId xmlns:a16="http://schemas.microsoft.com/office/drawing/2014/main" id="{2C1BBA94-3F40-40AA-8BB9-E69E25E537C1}"/>
-              </a:ext>
-              <a:ext uri="{C183D7F6-B498-43B3-948B-1728B52AA6E4}">
-                <adec:decorative xmlns:adec="http://schemas.microsoft.com/office/drawing/2017/decorative" val="1"/>
-              </a:ext>
-            </a:extLst>
-          </p:cNvPr>
-          <p:cNvSpPr>
-            <a:spLocks noGrp="1" noRot="1" noChangeAspect="1" noMove="1" noResize="1" noEditPoints="1" noAdjustHandles="1" noChangeArrowheads="1" noChangeShapeType="1" noTextEdit="1"/>
-          </p:cNvSpPr>
-          <p:nvPr>
-            <p:extLst>
-              <p:ext uri="{386F3935-93C4-4BCD-93E2-E3B085C9AB24}">
-                <p16:designElem xmlns:p16="http://schemas.microsoft.com/office/powerpoint/2015/main" val="1"/>
-              </p:ext>
-            </p:extLst>
-          </p:nvPr>
-        </p:nvSpPr>
-        <p:spPr>
-          <a:xfrm>
-            <a:off x="5696793" y="354959"/>
-            <a:ext cx="6184973" cy="5915212"/>
-          </a:xfrm>
-          <a:prstGeom prst="rect">
-            <a:avLst/>
-          </a:prstGeom>
-          <a:solidFill>
-            <a:schemeClr val="bg1"/>
-          </a:solidFill>
-          <a:ln>
-            <a:noFill/>
-          </a:ln>
-          <a:effectLst>
-            <a:outerShdw blurRad="139700" dist="127000" dir="5400000" algn="t" rotWithShape="0">
-              <a:prstClr val="black">
-                <a:alpha val="15000"/>
-              </a:prstClr>
-            </a:outerShdw>
-          </a:effectLst>
-        </p:spPr>
-        <p:style>
-          <a:lnRef idx="2">
-            <a:schemeClr val="accent1">
-              <a:shade val="50000"/>
-            </a:schemeClr>
-          </a:lnRef>
-          <a:fillRef idx="1">
-            <a:schemeClr val="accent1"/>
-          </a:fillRef>
-          <a:effectRef idx="0">
-            <a:schemeClr val="accent1"/>
-          </a:effectRef>
-          <a:fontRef idx="minor">
-            <a:schemeClr val="lt1"/>
-          </a:fontRef>
-        </p:style>
-        <p:txBody>
-          <a:bodyPr rtlCol="0" anchor="ctr"/>
-          <a:lstStyle/>
-          <a:p>
-            <a:pPr algn="ctr"/>
-            <a:endParaRPr lang="en-US"/>
-          </a:p>
-        </p:txBody>
-      </p:sp>
-      <p:pic>
-        <p:nvPicPr>
-          <p:cNvPr id="1026" name="Picture 2" descr="A Deep Dive into Wordle, the New Pandemic Puzzle Craze | by Sejal Dua |  Towards Data Science">
-            <a:extLst>
-              <a:ext uri="{FF2B5EF4-FFF2-40B4-BE49-F238E27FC236}">
-                <a16:creationId xmlns:a16="http://schemas.microsoft.com/office/drawing/2014/main" id="{773E8828-D6C9-8FC5-F0F5-751B308D0CC8}"/>
-              </a:ext>
-            </a:extLst>
-          </p:cNvPr>
-          <p:cNvPicPr>
-            <a:picLocks noChangeAspect="1" noChangeArrowheads="1"/>
-          </p:cNvPicPr>
-          <p:nvPr/>
-        </p:nvPicPr>
-        <p:blipFill>
-          <a:blip r:embed="rId2">
-            <a:extLst>
-              <a:ext uri="{28A0092B-C50C-407E-A947-70E740481C1C}">
-                <a14:useLocalDpi xmlns:a14="http://schemas.microsoft.com/office/drawing/2010/main" val="0"/>
-              </a:ext>
-            </a:extLst>
-          </a:blip>
-          <a:stretch>
-            <a:fillRect/>
-          </a:stretch>
-        </p:blipFill>
-        <p:spPr bwMode="auto">
-          <a:xfrm>
-            <a:off x="5987738" y="801062"/>
-            <a:ext cx="5628018" cy="5023005"/>
-          </a:xfrm>
-          <a:prstGeom prst="rect">
-            <a:avLst/>
-          </a:prstGeom>
-          <a:noFill/>
-          <a:extLst>
-            <a:ext uri="{909E8E84-426E-40DD-AFC4-6F175D3DCCD1}">
-              <a14:hiddenFill xmlns:a14="http://schemas.microsoft.com/office/drawing/2010/main">
-                <a:solidFill>
-                  <a:srgbClr val="FFFFFF"/>
-                </a:solidFill>
-              </a14:hiddenFill>
-            </a:ext>
-          </a:extLst>
-        </p:spPr>
-      </p:pic>
-    </p:spTree>
-    <p:extLst>
-      <p:ext uri="{BB962C8B-B14F-4D97-AF65-F5344CB8AC3E}">
-        <p14:creationId xmlns:p14="http://schemas.microsoft.com/office/powerpoint/2010/main" val="326763448"/>
-      </p:ext>
-    </p:extLst>
-  </p:cSld>
-  <p:clrMapOvr>
-    <a:masterClrMapping/>
-  </p:clrMapOvr>
-</p:sld>
-</file>
-
-<file path=ppt/slides/slide20.xml><?xml version="1.0" encoding="utf-8"?>
-<p:sld xmlns:a="http://schemas.openxmlformats.org/drawingml/2006/main" xmlns:r="http://schemas.openxmlformats.org/officeDocument/2006/relationships" xmlns:p="http://schemas.openxmlformats.org/presentationml/2006/main">
-  <p:cSld>
-    <p:bg>
-      <p:bgPr>
-        <a:solidFill>
-          <a:srgbClr val="426F6E"/>
-        </a:solidFill>
-        <a:effectLst/>
-      </p:bgPr>
-    </p:bg>
-    <p:spTree>
-      <p:nvGrpSpPr>
-        <p:cNvPr id="1" name=""/>
-        <p:cNvGrpSpPr/>
-        <p:nvPr/>
-      </p:nvGrpSpPr>
-      <p:grpSpPr>
-        <a:xfrm>
-          <a:off x="0" y="0"/>
-          <a:ext cx="0" cy="0"/>
-          <a:chOff x="0" y="0"/>
-          <a:chExt cx="0" cy="0"/>
-        </a:xfrm>
-      </p:grpSpPr>
-      <p:sp useBgFill="1">
-        <p:nvSpPr>
-          <p:cNvPr id="10" name="Rectangle 9">
-            <a:extLst>
-              <a:ext uri="{FF2B5EF4-FFF2-40B4-BE49-F238E27FC236}">
-                <a16:creationId xmlns:a16="http://schemas.microsoft.com/office/drawing/2014/main" id="{1574D71B-7917-4BD7-887C-1D652DB0DFC4}"/>
-              </a:ext>
-              <a:ext uri="{C183D7F6-B498-43B3-948B-1728B52AA6E4}">
-                <adec:decorative xmlns:adec="http://schemas.microsoft.com/office/drawing/2017/decorative" val="1"/>
-              </a:ext>
-            </a:extLst>
-          </p:cNvPr>
-          <p:cNvSpPr>
-            <a:spLocks noGrp="1" noRot="1" noChangeAspect="1" noMove="1" noResize="1" noEditPoints="1" noAdjustHandles="1" noChangeArrowheads="1" noChangeShapeType="1" noTextEdit="1"/>
-          </p:cNvSpPr>
-          <p:nvPr>
-            <p:extLst>
-              <p:ext uri="{386F3935-93C4-4BCD-93E2-E3B085C9AB24}">
-                <p16:designElem xmlns:p16="http://schemas.microsoft.com/office/powerpoint/2015/main" val="1"/>
-              </p:ext>
-            </p:extLst>
-          </p:nvPr>
-        </p:nvSpPr>
-        <p:spPr>
-          <a:xfrm>
-            <a:off x="0" y="0"/>
-            <a:ext cx="12191999" cy="6857365"/>
-          </a:xfrm>
-          <a:prstGeom prst="rect">
-            <a:avLst/>
-          </a:prstGeom>
-          <a:ln>
-            <a:noFill/>
-          </a:ln>
-        </p:spPr>
-        <p:style>
-          <a:lnRef idx="2">
-            <a:schemeClr val="accent1">
-              <a:shade val="50000"/>
-            </a:schemeClr>
-          </a:lnRef>
-          <a:fillRef idx="1">
-            <a:schemeClr val="accent1"/>
-          </a:fillRef>
-          <a:effectRef idx="0">
-            <a:schemeClr val="accent1"/>
-          </a:effectRef>
-          <a:fontRef idx="minor">
-            <a:schemeClr val="lt1"/>
-          </a:fontRef>
-        </p:style>
-        <p:txBody>
-          <a:bodyPr rtlCol="0" anchor="ctr"/>
-          <a:lstStyle/>
-          <a:p>
-            <a:pPr algn="ctr"/>
-            <a:endParaRPr lang="en-US"/>
-          </a:p>
-        </p:txBody>
-      </p:sp>
-      <p:sp>
-        <p:nvSpPr>
-          <p:cNvPr id="2" name="Title 1">
-            <a:extLst>
-              <a:ext uri="{FF2B5EF4-FFF2-40B4-BE49-F238E27FC236}">
-                <a16:creationId xmlns:a16="http://schemas.microsoft.com/office/drawing/2014/main" id="{D45EA9A4-B847-5AA0-26D1-7286164E6004}"/>
-              </a:ext>
-            </a:extLst>
-          </p:cNvPr>
-          <p:cNvSpPr>
-            <a:spLocks noGrp="1"/>
-          </p:cNvSpPr>
-          <p:nvPr>
-            <p:ph type="title"/>
-          </p:nvPr>
-        </p:nvSpPr>
-        <p:spPr>
-          <a:xfrm>
-            <a:off x="7658840" y="679730"/>
+            <a:off x="7661199" y="269325"/>
             <a:ext cx="4099405" cy="3787041"/>
           </a:xfrm>
           <a:effectLst>
@@ -10925,6 +12242,16 @@
           <a:lstStyle/>
           <a:p>
             <a:r>
+              <a:rPr lang="en-US" sz="6000" b="1" dirty="0">
+                <a:solidFill>
+                  <a:schemeClr val="bg1"/>
+                </a:solidFill>
+                <a:latin typeface="Arial" panose="020B0604020202020204" pitchFamily="34" charset="0"/>
+                <a:cs typeface="Arial" panose="020B0604020202020204" pitchFamily="34" charset="0"/>
+              </a:rPr>
+              <a:t>T</a:t>
+            </a:r>
+            <a:r>
               <a:rPr lang="en-US" sz="6000" b="1" kern="1200" dirty="0">
                 <a:solidFill>
                   <a:schemeClr val="bg1"/>
@@ -10932,7 +12259,7 @@
                 <a:latin typeface="Arial" panose="020B0604020202020204" pitchFamily="34" charset="0"/>
                 <a:cs typeface="Arial" panose="020B0604020202020204" pitchFamily="34" charset="0"/>
               </a:rPr>
-              <a:t>Thank You</a:t>
+              <a:t>hank You</a:t>
             </a:r>
           </a:p>
         </p:txBody>
@@ -11610,7 +12937,7 @@
         </p:spPr>
         <p:txBody>
           <a:bodyPr>
-            <a:normAutofit/>
+            <a:normAutofit lnSpcReduction="10000"/>
           </a:bodyPr>
           <a:lstStyle/>
           <a:p>
@@ -11646,6 +12973,15 @@
             </a:r>
           </a:p>
           <a:p>
+            <a:endParaRPr lang="en-US" sz="2200" dirty="0">
+              <a:solidFill>
+                <a:schemeClr val="bg1"/>
+              </a:solidFill>
+              <a:latin typeface="Cambria" panose="02040503050406030204" pitchFamily="18" charset="0"/>
+              <a:ea typeface="Cambria" panose="02040503050406030204" pitchFamily="18" charset="0"/>
+            </a:endParaRPr>
+          </a:p>
+          <a:p>
             <a:r>
               <a:rPr lang="en-US" sz="2200" dirty="0">
                 <a:solidFill>
@@ -11674,7 +13010,27 @@
                 <a:latin typeface="Cambria" panose="02040503050406030204" pitchFamily="18" charset="0"/>
                 <a:ea typeface="Cambria" panose="02040503050406030204" pitchFamily="18" charset="0"/>
               </a:rPr>
-              <a:t> with a full crossword-style puzzle connecting words and ideas, each being a puzzle of their own.</a:t>
+              <a:t> with a full crossword-style puzzle </a:t>
+            </a:r>
+            <a:r>
+              <a:rPr lang="en-US" sz="2200" dirty="0">
+                <a:solidFill>
+                  <a:srgbClr val="FF4B4B"/>
+                </a:solidFill>
+                <a:latin typeface="Cambria" panose="02040503050406030204" pitchFamily="18" charset="0"/>
+                <a:ea typeface="Cambria" panose="02040503050406030204" pitchFamily="18" charset="0"/>
+              </a:rPr>
+              <a:t>connecting words and ideas</a:t>
+            </a:r>
+            <a:r>
+              <a:rPr lang="en-US" sz="2200" dirty="0">
+                <a:solidFill>
+                  <a:schemeClr val="bg1"/>
+                </a:solidFill>
+                <a:latin typeface="Cambria" panose="02040503050406030204" pitchFamily="18" charset="0"/>
+                <a:ea typeface="Cambria" panose="02040503050406030204" pitchFamily="18" charset="0"/>
+              </a:rPr>
+              <a:t>, each being a puzzle of their own.</a:t>
             </a:r>
           </a:p>
           <a:p>
@@ -11945,7 +13301,7 @@
         </p:nvSpPr>
         <p:spPr>
           <a:xfrm>
-            <a:off x="6194716" y="739978"/>
+            <a:off x="6194715" y="17658"/>
             <a:ext cx="5334930" cy="3004145"/>
           </a:xfrm>
         </p:spPr>
@@ -11988,13 +13344,13 @@
         </p:nvSpPr>
         <p:spPr>
           <a:xfrm>
-            <a:off x="6194715" y="3836197"/>
+            <a:off x="6194715" y="3574180"/>
             <a:ext cx="5334931" cy="2189214"/>
           </a:xfrm>
         </p:spPr>
         <p:txBody>
           <a:bodyPr vert="horz" lIns="91440" tIns="45720" rIns="91440" bIns="45720" rtlCol="0">
-            <a:normAutofit/>
+            <a:normAutofit fontScale="85000" lnSpcReduction="20000"/>
           </a:bodyPr>
           <a:lstStyle/>
           <a:p>
@@ -12015,7 +13371,7 @@
             <a:r>
               <a:rPr lang="en-US" sz="2400" i="1" dirty="0">
                 <a:solidFill>
-                  <a:schemeClr val="bg1"/>
+                  <a:srgbClr val="FF4B4B"/>
                 </a:solidFill>
                 <a:effectLst/>
                 <a:latin typeface="Cambria" panose="02040503050406030204" pitchFamily="18" charset="0"/>
@@ -12036,6 +13392,19 @@
             </a:r>
           </a:p>
           <a:p>
+            <a:pPr marL="0" indent="0" algn="ctr">
+              <a:buNone/>
+            </a:pPr>
+            <a:endParaRPr lang="en-US" sz="2400" dirty="0">
+              <a:solidFill>
+                <a:schemeClr val="bg1"/>
+              </a:solidFill>
+              <a:effectLst/>
+              <a:latin typeface="Cambria" panose="02040503050406030204" pitchFamily="18" charset="0"/>
+              <a:ea typeface="Cambria" panose="02040503050406030204" pitchFamily="18" charset="0"/>
+            </a:endParaRPr>
+          </a:p>
+          <a:p>
             <a:pPr algn="ctr"/>
             <a:r>
               <a:rPr lang="en-US" sz="2400" dirty="0">
@@ -12067,6 +13436,9 @@
               </a:rPr>
               <a:t>.</a:t>
             </a:r>
+          </a:p>
+          <a:p>
+            <a:pPr algn="ctr"/>
             <a:endParaRPr lang="en-US" sz="2400" dirty="0">
               <a:solidFill>
                 <a:srgbClr val="FFC34A"/>
@@ -13368,6 +14740,22 @@
               </a:rPr>
               <a:t>The game is played mostly like a crossword puzzle.</a:t>
             </a:r>
+            <a:br>
+              <a:rPr lang="en-US" sz="2400" dirty="0">
+                <a:solidFill>
+                  <a:schemeClr val="bg1"/>
+                </a:solidFill>
+                <a:latin typeface="Cambria" panose="02040503050406030204" pitchFamily="18" charset="0"/>
+                <a:ea typeface="Cambria" panose="02040503050406030204" pitchFamily="18" charset="0"/>
+              </a:rPr>
+            </a:br>
+            <a:endParaRPr lang="en-US" sz="2400" dirty="0">
+              <a:solidFill>
+                <a:schemeClr val="bg1"/>
+              </a:solidFill>
+              <a:latin typeface="Cambria" panose="02040503050406030204" pitchFamily="18" charset="0"/>
+              <a:ea typeface="Cambria" panose="02040503050406030204" pitchFamily="18" charset="0"/>
+            </a:endParaRPr>
           </a:p>
           <a:p>
             <a:r>
@@ -14097,17 +15485,17 @@
                 <a:latin typeface="Cambria" panose="02040503050406030204" pitchFamily="18" charset="0"/>
                 <a:ea typeface="Cambria" panose="02040503050406030204" pitchFamily="18" charset="0"/>
               </a:rPr>
-              <a:t>Upon opening the site, the player is greeted with a </a:t>
-            </a:r>
-            <a:r>
-              <a:rPr lang="en-US" sz="2200" i="1" dirty="0">
+              <a:t>Upon </a:t>
+            </a:r>
+            <a:r>
+              <a:rPr lang="en-US" sz="2200" dirty="0">
                 <a:solidFill>
-                  <a:schemeClr val="bg1"/>
+                  <a:srgbClr val="FFC34A"/>
                 </a:solidFill>
                 <a:latin typeface="Cambria" panose="02040503050406030204" pitchFamily="18" charset="0"/>
                 <a:ea typeface="Cambria" panose="02040503050406030204" pitchFamily="18" charset="0"/>
               </a:rPr>
-              <a:t>“How to Play” </a:t>
+              <a:t>opening the site for the first time</a:t>
             </a:r>
             <a:r>
               <a:rPr lang="en-US" sz="2200" dirty="0">
@@ -14117,7 +15505,37 @@
                 <a:latin typeface="Cambria" panose="02040503050406030204" pitchFamily="18" charset="0"/>
                 <a:ea typeface="Cambria" panose="02040503050406030204" pitchFamily="18" charset="0"/>
               </a:rPr>
-              <a:t>screen that gives a quick explanation of the game.</a:t>
+              <a:t>, the player is greeted with a </a:t>
+            </a:r>
+            <a:r>
+              <a:rPr lang="en-US" sz="2200" i="1" dirty="0">
+                <a:solidFill>
+                  <a:srgbClr val="6CFF59"/>
+                </a:solidFill>
+                <a:latin typeface="Cambria" panose="02040503050406030204" pitchFamily="18" charset="0"/>
+                <a:ea typeface="Cambria" panose="02040503050406030204" pitchFamily="18" charset="0"/>
+              </a:rPr>
+              <a:t>“How to Play” </a:t>
+            </a:r>
+            <a:r>
+              <a:rPr lang="en-US" sz="2200" dirty="0">
+                <a:solidFill>
+                  <a:srgbClr val="6CFF59"/>
+                </a:solidFill>
+                <a:latin typeface="Cambria" panose="02040503050406030204" pitchFamily="18" charset="0"/>
+                <a:ea typeface="Cambria" panose="02040503050406030204" pitchFamily="18" charset="0"/>
+              </a:rPr>
+              <a:t>screen </a:t>
+            </a:r>
+            <a:r>
+              <a:rPr lang="en-US" sz="2200" dirty="0">
+                <a:solidFill>
+                  <a:schemeClr val="bg1"/>
+                </a:solidFill>
+                <a:latin typeface="Cambria" panose="02040503050406030204" pitchFamily="18" charset="0"/>
+                <a:ea typeface="Cambria" panose="02040503050406030204" pitchFamily="18" charset="0"/>
+              </a:rPr>
+              <a:t>that gives a quick explanation of the game.</a:t>
             </a:r>
           </a:p>
         </p:txBody>
@@ -14166,6 +15584,1990 @@
 </file>
 
 <file path=ppt/slides/slide7.xml><?xml version="1.0" encoding="utf-8"?>
+<p:sld xmlns:a="http://schemas.openxmlformats.org/drawingml/2006/main" xmlns:r="http://schemas.openxmlformats.org/officeDocument/2006/relationships" xmlns:p="http://schemas.openxmlformats.org/presentationml/2006/main">
+  <p:cSld>
+    <p:bg>
+      <p:bgPr>
+        <a:solidFill>
+          <a:srgbClr val="2F4F4F"/>
+        </a:solidFill>
+        <a:effectLst/>
+      </p:bgPr>
+    </p:bg>
+    <p:spTree>
+      <p:nvGrpSpPr>
+        <p:cNvPr id="1" name=""/>
+        <p:cNvGrpSpPr/>
+        <p:nvPr/>
+      </p:nvGrpSpPr>
+      <p:grpSpPr>
+        <a:xfrm>
+          <a:off x="0" y="0"/>
+          <a:ext cx="0" cy="0"/>
+          <a:chOff x="0" y="0"/>
+          <a:chExt cx="0" cy="0"/>
+        </a:xfrm>
+      </p:grpSpPr>
+      <p:sp useBgFill="1">
+        <p:nvSpPr>
+          <p:cNvPr id="10" name="Rectangle 9">
+            <a:extLst>
+              <a:ext uri="{FF2B5EF4-FFF2-40B4-BE49-F238E27FC236}">
+                <a16:creationId xmlns:a16="http://schemas.microsoft.com/office/drawing/2014/main" id="{79BB35BC-D5C2-4C8B-A22A-A71E6191913B}"/>
+              </a:ext>
+              <a:ext uri="{C183D7F6-B498-43B3-948B-1728B52AA6E4}">
+                <adec:decorative xmlns:adec="http://schemas.microsoft.com/office/drawing/2017/decorative" val="1"/>
+              </a:ext>
+            </a:extLst>
+          </p:cNvPr>
+          <p:cNvSpPr>
+            <a:spLocks noGrp="1" noRot="1" noChangeAspect="1" noMove="1" noResize="1" noEditPoints="1" noAdjustHandles="1" noChangeArrowheads="1" noChangeShapeType="1" noTextEdit="1"/>
+          </p:cNvSpPr>
+          <p:nvPr>
+            <p:extLst>
+              <p:ext uri="{386F3935-93C4-4BCD-93E2-E3B085C9AB24}">
+                <p16:designElem xmlns:p16="http://schemas.microsoft.com/office/powerpoint/2015/main" val="1"/>
+              </p:ext>
+            </p:extLst>
+          </p:nvPr>
+        </p:nvSpPr>
+        <p:spPr>
+          <a:xfrm>
+            <a:off x="0" y="0"/>
+            <a:ext cx="12188952" cy="6858000"/>
+          </a:xfrm>
+          <a:prstGeom prst="rect">
+            <a:avLst/>
+          </a:prstGeom>
+          <a:ln>
+            <a:noFill/>
+          </a:ln>
+        </p:spPr>
+        <p:style>
+          <a:lnRef idx="2">
+            <a:schemeClr val="accent1">
+              <a:shade val="50000"/>
+            </a:schemeClr>
+          </a:lnRef>
+          <a:fillRef idx="1">
+            <a:schemeClr val="accent1"/>
+          </a:fillRef>
+          <a:effectRef idx="0">
+            <a:schemeClr val="accent1"/>
+          </a:effectRef>
+          <a:fontRef idx="minor">
+            <a:schemeClr val="lt1"/>
+          </a:fontRef>
+        </p:style>
+        <p:txBody>
+          <a:bodyPr rtlCol="0" anchor="ctr"/>
+          <a:lstStyle/>
+          <a:p>
+            <a:pPr algn="ctr"/>
+            <a:endParaRPr lang="en-US"/>
+          </a:p>
+        </p:txBody>
+      </p:sp>
+      <p:sp>
+        <p:nvSpPr>
+          <p:cNvPr id="2" name="Title 1">
+            <a:extLst>
+              <a:ext uri="{FF2B5EF4-FFF2-40B4-BE49-F238E27FC236}">
+                <a16:creationId xmlns:a16="http://schemas.microsoft.com/office/drawing/2014/main" id="{DAC66540-F9B0-3870-F323-4E807AC962F0}"/>
+              </a:ext>
+            </a:extLst>
+          </p:cNvPr>
+          <p:cNvSpPr>
+            <a:spLocks noGrp="1"/>
+          </p:cNvSpPr>
+          <p:nvPr>
+            <p:ph type="title"/>
+          </p:nvPr>
+        </p:nvSpPr>
+        <p:spPr>
+          <a:xfrm>
+            <a:off x="6513788" y="365125"/>
+            <a:ext cx="4840010" cy="1807305"/>
+          </a:xfrm>
+        </p:spPr>
+        <p:txBody>
+          <a:bodyPr>
+            <a:normAutofit/>
+          </a:bodyPr>
+          <a:lstStyle/>
+          <a:p>
+            <a:r>
+              <a:rPr lang="en-US" sz="4800" b="1" u="sng" dirty="0">
+                <a:solidFill>
+                  <a:schemeClr val="bg1"/>
+                </a:solidFill>
+                <a:latin typeface="Arial" panose="020B0604020202020204" pitchFamily="34" charset="0"/>
+                <a:cs typeface="Arial" panose="020B0604020202020204" pitchFamily="34" charset="0"/>
+              </a:rPr>
+              <a:t>Settings Menu</a:t>
+            </a:r>
+          </a:p>
+        </p:txBody>
+      </p:sp>
+      <p:pic>
+        <p:nvPicPr>
+          <p:cNvPr id="5" name="Picture 4">
+            <a:extLst>
+              <a:ext uri="{FF2B5EF4-FFF2-40B4-BE49-F238E27FC236}">
+                <a16:creationId xmlns:a16="http://schemas.microsoft.com/office/drawing/2014/main" id="{618DA995-5918-5ECC-15F9-77CD61C5DFC4}"/>
+              </a:ext>
+            </a:extLst>
+          </p:cNvPr>
+          <p:cNvPicPr>
+            <a:picLocks noChangeAspect="1"/>
+          </p:cNvPicPr>
+          <p:nvPr/>
+        </p:nvPicPr>
+        <p:blipFill rotWithShape="1">
+          <a:blip r:embed="rId2"/>
+          <a:srcRect l="1510" r="4607"/>
+          <a:stretch/>
+        </p:blipFill>
+        <p:spPr>
+          <a:xfrm>
+            <a:off x="20" y="10"/>
+            <a:ext cx="6116549" cy="6857990"/>
+          </a:xfrm>
+          <a:custGeom>
+            <a:avLst/>
+            <a:gdLst/>
+            <a:ahLst/>
+            <a:cxnLst/>
+            <a:rect l="l" t="t" r="r" b="b"/>
+            <a:pathLst>
+              <a:path w="6116569" h="6879321">
+                <a:moveTo>
+                  <a:pt x="0" y="0"/>
+                </a:moveTo>
+                <a:lnTo>
+                  <a:pt x="2935851" y="0"/>
+                </a:lnTo>
+                <a:cubicBezTo>
+                  <a:pt x="3035710" y="10660"/>
+                  <a:pt x="3138421" y="17767"/>
+                  <a:pt x="3238280" y="31980"/>
+                </a:cubicBezTo>
+                <a:cubicBezTo>
+                  <a:pt x="3817462" y="106602"/>
+                  <a:pt x="3127009" y="277163"/>
+                  <a:pt x="3660541" y="550772"/>
+                </a:cubicBezTo>
+                <a:cubicBezTo>
+                  <a:pt x="3706191" y="575645"/>
+                  <a:pt x="3757546" y="579199"/>
+                  <a:pt x="3808902" y="589860"/>
+                </a:cubicBezTo>
+                <a:cubicBezTo>
+                  <a:pt x="4008620" y="625393"/>
+                  <a:pt x="4211192" y="618286"/>
+                  <a:pt x="4413762" y="625393"/>
+                </a:cubicBezTo>
+                <a:cubicBezTo>
+                  <a:pt x="4465118" y="628946"/>
+                  <a:pt x="4525033" y="625393"/>
+                  <a:pt x="4567830" y="721333"/>
+                </a:cubicBezTo>
+                <a:cubicBezTo>
+                  <a:pt x="4425175" y="724888"/>
+                  <a:pt x="4305344" y="731994"/>
+                  <a:pt x="4171247" y="792401"/>
+                </a:cubicBezTo>
+                <a:cubicBezTo>
+                  <a:pt x="4239722" y="859916"/>
+                  <a:pt x="4322462" y="795955"/>
+                  <a:pt x="4376671" y="842148"/>
+                </a:cubicBezTo>
+                <a:cubicBezTo>
+                  <a:pt x="4428027" y="888342"/>
+                  <a:pt x="4470824" y="891896"/>
+                  <a:pt x="4527887" y="813722"/>
+                </a:cubicBezTo>
+                <a:cubicBezTo>
+                  <a:pt x="4556417" y="774634"/>
+                  <a:pt x="4604920" y="778187"/>
+                  <a:pt x="4633452" y="799508"/>
+                </a:cubicBezTo>
+                <a:cubicBezTo>
+                  <a:pt x="4781813" y="913216"/>
+                  <a:pt x="4778960" y="909662"/>
+                  <a:pt x="4947293" y="870576"/>
+                </a:cubicBezTo>
+                <a:cubicBezTo>
+                  <a:pt x="5055712" y="845701"/>
+                  <a:pt x="5166983" y="806615"/>
+                  <a:pt x="5263988" y="820828"/>
+                </a:cubicBezTo>
+                <a:cubicBezTo>
+                  <a:pt x="5275401" y="867022"/>
+                  <a:pt x="5263988" y="888342"/>
+                  <a:pt x="5249723" y="895449"/>
+                </a:cubicBezTo>
+                <a:cubicBezTo>
+                  <a:pt x="5021475" y="1005604"/>
+                  <a:pt x="4975825" y="1122864"/>
+                  <a:pt x="4744723" y="1197485"/>
+                </a:cubicBezTo>
+                <a:cubicBezTo>
+                  <a:pt x="4724751" y="1268552"/>
+                  <a:pt x="4807491" y="1275660"/>
+                  <a:pt x="4767548" y="1346727"/>
+                </a:cubicBezTo>
+                <a:cubicBezTo>
+                  <a:pt x="4693367" y="1407134"/>
+                  <a:pt x="4610627" y="1346727"/>
+                  <a:pt x="4539299" y="1421348"/>
+                </a:cubicBezTo>
+                <a:cubicBezTo>
+                  <a:pt x="4550712" y="1471094"/>
+                  <a:pt x="4610627" y="1432008"/>
+                  <a:pt x="4607773" y="1485309"/>
+                </a:cubicBezTo>
+                <a:cubicBezTo>
+                  <a:pt x="4604920" y="1517288"/>
+                  <a:pt x="4593508" y="1527948"/>
+                  <a:pt x="4579242" y="1535055"/>
+                </a:cubicBezTo>
+                <a:cubicBezTo>
+                  <a:pt x="4776107" y="1538608"/>
+                  <a:pt x="5383820" y="1574142"/>
+                  <a:pt x="5278255" y="1609676"/>
+                </a:cubicBezTo>
+                <a:cubicBezTo>
+                  <a:pt x="5418057" y="1698511"/>
+                  <a:pt x="5623481" y="1609676"/>
+                  <a:pt x="5771843" y="1630997"/>
+                </a:cubicBezTo>
+                <a:cubicBezTo>
+                  <a:pt x="5925911" y="1652316"/>
+                  <a:pt x="6171278" y="1719830"/>
+                  <a:pt x="6105656" y="1748257"/>
+                </a:cubicBezTo>
+                <a:cubicBezTo>
+                  <a:pt x="6031475" y="1780238"/>
+                  <a:pt x="5766136" y="2146235"/>
+                  <a:pt x="5691955" y="2167555"/>
+                </a:cubicBezTo>
+                <a:cubicBezTo>
+                  <a:pt x="5606362" y="2188875"/>
+                  <a:pt x="5589243" y="2217302"/>
+                  <a:pt x="5475118" y="2348776"/>
+                </a:cubicBezTo>
+                <a:cubicBezTo>
+                  <a:pt x="5398085" y="2437610"/>
+                  <a:pt x="5709074" y="2238623"/>
+                  <a:pt x="5826051" y="2291922"/>
+                </a:cubicBezTo>
+                <a:cubicBezTo>
+                  <a:pt x="5868848" y="2309690"/>
+                  <a:pt x="5552153" y="2554872"/>
+                  <a:pt x="5552153" y="2597513"/>
+                </a:cubicBezTo>
+                <a:cubicBezTo>
+                  <a:pt x="5549300" y="2640153"/>
+                  <a:pt x="5577831" y="2647260"/>
+                  <a:pt x="5603508" y="2647260"/>
+                </a:cubicBezTo>
+                <a:cubicBezTo>
+                  <a:pt x="5660571" y="2647260"/>
+                  <a:pt x="5640599" y="2686346"/>
+                  <a:pt x="5700515" y="2679240"/>
+                </a:cubicBezTo>
+                <a:cubicBezTo>
+                  <a:pt x="5523622" y="2800055"/>
+                  <a:pt x="5418057" y="2778734"/>
+                  <a:pt x="5246870" y="2888889"/>
+                </a:cubicBezTo>
+                <a:cubicBezTo>
+                  <a:pt x="5164130" y="2942189"/>
+                  <a:pt x="4921615" y="3119857"/>
+                  <a:pt x="4836022" y="3169605"/>
+                </a:cubicBezTo>
+                <a:cubicBezTo>
+                  <a:pt x="4801785" y="3187371"/>
+                  <a:pt x="4758988" y="3173158"/>
+                  <a:pt x="4736163" y="3233565"/>
+                </a:cubicBezTo>
+                <a:cubicBezTo>
+                  <a:pt x="4770400" y="3279759"/>
+                  <a:pt x="4816050" y="3254885"/>
+                  <a:pt x="4853141" y="3233565"/>
+                </a:cubicBezTo>
+                <a:cubicBezTo>
+                  <a:pt x="4944440" y="3176711"/>
+                  <a:pt x="4935881" y="3190925"/>
+                  <a:pt x="4944440" y="3226459"/>
+                </a:cubicBezTo>
+                <a:cubicBezTo>
+                  <a:pt x="4972972" y="3350827"/>
+                  <a:pt x="5044300" y="3308186"/>
+                  <a:pt x="5109921" y="3283313"/>
+                </a:cubicBezTo>
+                <a:cubicBezTo>
+                  <a:pt x="5303932" y="3208692"/>
+                  <a:pt x="5500797" y="3215799"/>
+                  <a:pt x="5694809" y="3141178"/>
+                </a:cubicBezTo>
+                <a:cubicBezTo>
+                  <a:pt x="5714781" y="3134070"/>
+                  <a:pt x="5612068" y="3283313"/>
+                  <a:pt x="5566419" y="3301079"/>
+                </a:cubicBezTo>
+                <a:cubicBezTo>
+                  <a:pt x="5515063" y="3322399"/>
+                  <a:pt x="5452294" y="3311739"/>
+                  <a:pt x="5415203" y="3397020"/>
+                </a:cubicBezTo>
+                <a:cubicBezTo>
+                  <a:pt x="5477972" y="3414787"/>
+                  <a:pt x="5552153" y="3372147"/>
+                  <a:pt x="5612068" y="3432554"/>
+                </a:cubicBezTo>
+                <a:cubicBezTo>
+                  <a:pt x="5469413" y="3528494"/>
+                  <a:pt x="5329610" y="3535601"/>
+                  <a:pt x="5206927" y="3599562"/>
+                </a:cubicBezTo>
+                <a:cubicBezTo>
+                  <a:pt x="5192661" y="3706163"/>
+                  <a:pt x="5272548" y="3663523"/>
+                  <a:pt x="5301079" y="3723930"/>
+                </a:cubicBezTo>
+                <a:cubicBezTo>
+                  <a:pt x="5072830" y="3844745"/>
+                  <a:pt x="4564977" y="4232062"/>
+                  <a:pt x="4507915" y="4306683"/>
+                </a:cubicBezTo>
+                <a:cubicBezTo>
+                  <a:pt x="4390937" y="4463031"/>
+                  <a:pt x="3900202" y="4562525"/>
+                  <a:pt x="3982942" y="4587399"/>
+                </a:cubicBezTo>
+                <a:cubicBezTo>
+                  <a:pt x="4051417" y="4608719"/>
+                  <a:pt x="4119891" y="4587399"/>
+                  <a:pt x="4185513" y="4541205"/>
+                </a:cubicBezTo>
+                <a:cubicBezTo>
+                  <a:pt x="4291078" y="4466584"/>
+                  <a:pt x="5010062" y="4523438"/>
+                  <a:pt x="5212633" y="4455924"/>
+                </a:cubicBezTo>
+                <a:cubicBezTo>
+                  <a:pt x="5241164" y="4445264"/>
+                  <a:pt x="5283960" y="4409730"/>
+                  <a:pt x="5312492" y="4473691"/>
+                </a:cubicBezTo>
+                <a:cubicBezTo>
+                  <a:pt x="5098508" y="4704659"/>
+                  <a:pt x="4833169" y="4654913"/>
+                  <a:pt x="4596361" y="4818368"/>
+                </a:cubicBezTo>
+                <a:cubicBezTo>
+                  <a:pt x="4684807" y="4917861"/>
+                  <a:pt x="4776107" y="4907202"/>
+                  <a:pt x="4873113" y="4885882"/>
+                </a:cubicBezTo>
+                <a:cubicBezTo>
+                  <a:pt x="4895938" y="4878775"/>
+                  <a:pt x="4930175" y="4871668"/>
+                  <a:pt x="4935881" y="4914309"/>
+                </a:cubicBezTo>
+                <a:cubicBezTo>
+                  <a:pt x="4941587" y="4967609"/>
+                  <a:pt x="4898790" y="4978270"/>
+                  <a:pt x="4873113" y="5003143"/>
+                </a:cubicBezTo>
+                <a:cubicBezTo>
+                  <a:pt x="4833169" y="5038676"/>
+                  <a:pt x="4773254" y="4999590"/>
+                  <a:pt x="4721898" y="5095530"/>
+                </a:cubicBezTo>
+                <a:cubicBezTo>
+                  <a:pt x="4873113" y="5067104"/>
+                  <a:pt x="4998650" y="5020910"/>
+                  <a:pt x="5132745" y="4949842"/>
+                </a:cubicBezTo>
+                <a:cubicBezTo>
+                  <a:pt x="5121333" y="5006696"/>
+                  <a:pt x="5081390" y="5035123"/>
+                  <a:pt x="5101362" y="5081317"/>
+                </a:cubicBezTo>
+                <a:cubicBezTo>
+                  <a:pt x="5118480" y="5116850"/>
+                  <a:pt x="5164130" y="5131063"/>
+                  <a:pt x="5138452" y="5198578"/>
+                </a:cubicBezTo>
+                <a:cubicBezTo>
+                  <a:pt x="5067125" y="5273199"/>
+                  <a:pt x="4967265" y="5258986"/>
+                  <a:pt x="4904497" y="5362033"/>
+                </a:cubicBezTo>
+                <a:cubicBezTo>
+                  <a:pt x="4818903" y="5507721"/>
+                  <a:pt x="4684807" y="5564575"/>
+                  <a:pt x="4579242" y="5674729"/>
+                </a:cubicBezTo>
+                <a:cubicBezTo>
+                  <a:pt x="4545005" y="5713816"/>
+                  <a:pt x="4313903" y="5841738"/>
+                  <a:pt x="4253988" y="5884379"/>
+                </a:cubicBezTo>
+                <a:cubicBezTo>
+                  <a:pt x="4168395" y="5944786"/>
+                  <a:pt x="4071389" y="5966106"/>
+                  <a:pt x="3985795" y="6069153"/>
+                </a:cubicBezTo>
+                <a:cubicBezTo>
+                  <a:pt x="4065682" y="6086921"/>
+                  <a:pt x="4134157" y="5990979"/>
+                  <a:pt x="4231163" y="6030066"/>
+                </a:cubicBezTo>
+                <a:cubicBezTo>
+                  <a:pt x="4074242" y="6133114"/>
+                  <a:pt x="3931586" y="6182861"/>
+                  <a:pt x="3814609" y="6317889"/>
+                </a:cubicBezTo>
+                <a:cubicBezTo>
+                  <a:pt x="3800343" y="6335656"/>
+                  <a:pt x="3771812" y="6332102"/>
+                  <a:pt x="3751840" y="6339209"/>
+                </a:cubicBezTo>
+                <a:cubicBezTo>
+                  <a:pt x="3529298" y="6406723"/>
+                  <a:pt x="3309608" y="6467130"/>
+                  <a:pt x="3089919" y="6563071"/>
+                </a:cubicBezTo>
+                <a:cubicBezTo>
+                  <a:pt x="3041416" y="6584392"/>
+                  <a:pt x="2955823" y="6595052"/>
+                  <a:pt x="2961529" y="6662566"/>
+                </a:cubicBezTo>
+                <a:cubicBezTo>
+                  <a:pt x="2972941" y="6765613"/>
+                  <a:pt x="3055681" y="6687439"/>
+                  <a:pt x="3107038" y="6673226"/>
+                </a:cubicBezTo>
+                <a:cubicBezTo>
+                  <a:pt x="3269664" y="6634138"/>
+                  <a:pt x="3432292" y="6570178"/>
+                  <a:pt x="3594919" y="6591499"/>
+                </a:cubicBezTo>
+                <a:cubicBezTo>
+                  <a:pt x="3483648" y="6637693"/>
+                  <a:pt x="3372376" y="6680332"/>
+                  <a:pt x="3261106" y="6726527"/>
+                </a:cubicBezTo>
+                <a:cubicBezTo>
+                  <a:pt x="3386642" y="6705206"/>
+                  <a:pt x="3495061" y="6786934"/>
+                  <a:pt x="3620597" y="6740740"/>
+                </a:cubicBezTo>
+                <a:cubicBezTo>
+                  <a:pt x="3660541" y="6726527"/>
+                  <a:pt x="3700484" y="6765613"/>
+                  <a:pt x="3703337" y="6826020"/>
+                </a:cubicBezTo>
+                <a:cubicBezTo>
+                  <a:pt x="3706191" y="6847340"/>
+                  <a:pt x="3700484" y="6865108"/>
+                  <a:pt x="3689072" y="6879321"/>
+                </a:cubicBezTo>
+                <a:lnTo>
+                  <a:pt x="0" y="6879321"/>
+                </a:lnTo>
+                <a:close/>
+              </a:path>
+            </a:pathLst>
+          </a:custGeom>
+        </p:spPr>
+      </p:pic>
+      <p:sp>
+        <p:nvSpPr>
+          <p:cNvPr id="3" name="Content Placeholder 2">
+            <a:extLst>
+              <a:ext uri="{FF2B5EF4-FFF2-40B4-BE49-F238E27FC236}">
+                <a16:creationId xmlns:a16="http://schemas.microsoft.com/office/drawing/2014/main" id="{BB7A7BB7-1DC7-5F9A-0A4E-4769A519F450}"/>
+              </a:ext>
+            </a:extLst>
+          </p:cNvPr>
+          <p:cNvSpPr>
+            <a:spLocks noGrp="1"/>
+          </p:cNvSpPr>
+          <p:nvPr>
+            <p:ph idx="1"/>
+          </p:nvPr>
+        </p:nvSpPr>
+        <p:spPr>
+          <a:xfrm>
+            <a:off x="6513788" y="2333297"/>
+            <a:ext cx="4840010" cy="3843666"/>
+          </a:xfrm>
+        </p:spPr>
+        <p:txBody>
+          <a:bodyPr>
+            <a:normAutofit/>
+          </a:bodyPr>
+          <a:lstStyle/>
+          <a:p>
+            <a:r>
+              <a:rPr lang="en-US" dirty="0">
+                <a:solidFill>
+                  <a:schemeClr val="bg1"/>
+                </a:solidFill>
+                <a:latin typeface="Cambria" panose="02040503050406030204" pitchFamily="18" charset="0"/>
+                <a:ea typeface="Cambria" panose="02040503050406030204" pitchFamily="18" charset="0"/>
+              </a:rPr>
+              <a:t>A </a:t>
+            </a:r>
+            <a:r>
+              <a:rPr lang="en-US" dirty="0">
+                <a:solidFill>
+                  <a:srgbClr val="FF4B4B"/>
+                </a:solidFill>
+                <a:latin typeface="Cambria" panose="02040503050406030204" pitchFamily="18" charset="0"/>
+                <a:ea typeface="Cambria" panose="02040503050406030204" pitchFamily="18" charset="0"/>
+              </a:rPr>
+              <a:t>settings panel</a:t>
+            </a:r>
+            <a:r>
+              <a:rPr lang="en-US" dirty="0">
+                <a:solidFill>
+                  <a:schemeClr val="bg1"/>
+                </a:solidFill>
+                <a:latin typeface="Cambria" panose="02040503050406030204" pitchFamily="18" charset="0"/>
+                <a:ea typeface="Cambria" panose="02040503050406030204" pitchFamily="18" charset="0"/>
+              </a:rPr>
+              <a:t> is provided.</a:t>
+            </a:r>
+          </a:p>
+          <a:p>
+            <a:endParaRPr lang="en-US" dirty="0">
+              <a:solidFill>
+                <a:schemeClr val="bg1"/>
+              </a:solidFill>
+              <a:latin typeface="Cambria" panose="02040503050406030204" pitchFamily="18" charset="0"/>
+              <a:ea typeface="Cambria" panose="02040503050406030204" pitchFamily="18" charset="0"/>
+            </a:endParaRPr>
+          </a:p>
+          <a:p>
+            <a:r>
+              <a:rPr lang="en-US" dirty="0">
+                <a:solidFill>
+                  <a:schemeClr val="bg1"/>
+                </a:solidFill>
+                <a:latin typeface="Cambria" panose="02040503050406030204" pitchFamily="18" charset="0"/>
+                <a:ea typeface="Cambria" panose="02040503050406030204" pitchFamily="18" charset="0"/>
+              </a:rPr>
+              <a:t>Helpful </a:t>
+            </a:r>
+            <a:r>
+              <a:rPr lang="en-US" dirty="0">
+                <a:solidFill>
+                  <a:srgbClr val="6CFF59"/>
+                </a:solidFill>
+                <a:latin typeface="Cambria" panose="02040503050406030204" pitchFamily="18" charset="0"/>
+                <a:ea typeface="Cambria" panose="02040503050406030204" pitchFamily="18" charset="0"/>
+              </a:rPr>
+              <a:t>features</a:t>
+            </a:r>
+            <a:r>
+              <a:rPr lang="en-US" dirty="0">
+                <a:solidFill>
+                  <a:schemeClr val="bg1"/>
+                </a:solidFill>
+                <a:latin typeface="Cambria" panose="02040503050406030204" pitchFamily="18" charset="0"/>
+                <a:ea typeface="Cambria" panose="02040503050406030204" pitchFamily="18" charset="0"/>
+              </a:rPr>
+              <a:t> and </a:t>
+            </a:r>
+            <a:r>
+              <a:rPr lang="en-US" dirty="0">
+                <a:solidFill>
+                  <a:srgbClr val="FFC34A"/>
+                </a:solidFill>
+                <a:latin typeface="Cambria" panose="02040503050406030204" pitchFamily="18" charset="0"/>
+                <a:ea typeface="Cambria" panose="02040503050406030204" pitchFamily="18" charset="0"/>
+              </a:rPr>
+              <a:t>options</a:t>
+            </a:r>
+            <a:r>
+              <a:rPr lang="en-US" dirty="0">
+                <a:solidFill>
+                  <a:schemeClr val="bg1"/>
+                </a:solidFill>
+                <a:latin typeface="Cambria" panose="02040503050406030204" pitchFamily="18" charset="0"/>
+                <a:ea typeface="Cambria" panose="02040503050406030204" pitchFamily="18" charset="0"/>
+              </a:rPr>
+              <a:t> to improve experience.</a:t>
+            </a:r>
+            <a:endParaRPr lang="en-US" dirty="0">
+              <a:solidFill>
+                <a:srgbClr val="FFC34A"/>
+              </a:solidFill>
+              <a:latin typeface="Cambria" panose="02040503050406030204" pitchFamily="18" charset="0"/>
+              <a:ea typeface="Cambria" panose="02040503050406030204" pitchFamily="18" charset="0"/>
+            </a:endParaRPr>
+          </a:p>
+        </p:txBody>
+      </p:sp>
+    </p:spTree>
+    <p:extLst>
+      <p:ext uri="{BB962C8B-B14F-4D97-AF65-F5344CB8AC3E}">
+        <p14:creationId xmlns:p14="http://schemas.microsoft.com/office/powerpoint/2010/main" val="1097631768"/>
+      </p:ext>
+    </p:extLst>
+  </p:cSld>
+  <p:clrMapOvr>
+    <a:masterClrMapping/>
+  </p:clrMapOvr>
+</p:sld>
+</file>
+
+<file path=ppt/slides/slide8.xml><?xml version="1.0" encoding="utf-8"?>
+<p:sld xmlns:a="http://schemas.openxmlformats.org/drawingml/2006/main" xmlns:r="http://schemas.openxmlformats.org/officeDocument/2006/relationships" xmlns:p="http://schemas.openxmlformats.org/presentationml/2006/main" show="0">
+  <p:cSld>
+    <p:bg>
+      <p:bgPr>
+        <a:solidFill>
+          <a:srgbClr val="2F4F4F"/>
+        </a:solidFill>
+        <a:effectLst/>
+      </p:bgPr>
+    </p:bg>
+    <p:spTree>
+      <p:nvGrpSpPr>
+        <p:cNvPr id="1" name=""/>
+        <p:cNvGrpSpPr/>
+        <p:nvPr/>
+      </p:nvGrpSpPr>
+      <p:grpSpPr>
+        <a:xfrm>
+          <a:off x="0" y="0"/>
+          <a:ext cx="0" cy="0"/>
+          <a:chOff x="0" y="0"/>
+          <a:chExt cx="0" cy="0"/>
+        </a:xfrm>
+      </p:grpSpPr>
+      <p:sp useBgFill="1">
+        <p:nvSpPr>
+          <p:cNvPr id="10" name="Rectangle 9">
+            <a:extLst>
+              <a:ext uri="{FF2B5EF4-FFF2-40B4-BE49-F238E27FC236}">
+                <a16:creationId xmlns:a16="http://schemas.microsoft.com/office/drawing/2014/main" id="{2B577FF9-3543-4875-815D-3D87BD8A2002}"/>
+              </a:ext>
+              <a:ext uri="{C183D7F6-B498-43B3-948B-1728B52AA6E4}">
+                <adec:decorative xmlns:adec="http://schemas.microsoft.com/office/drawing/2017/decorative" val="1"/>
+              </a:ext>
+            </a:extLst>
+          </p:cNvPr>
+          <p:cNvSpPr>
+            <a:spLocks noGrp="1" noRot="1" noChangeAspect="1" noMove="1" noResize="1" noEditPoints="1" noAdjustHandles="1" noChangeArrowheads="1" noChangeShapeType="1" noTextEdit="1"/>
+          </p:cNvSpPr>
+          <p:nvPr>
+            <p:extLst>
+              <p:ext uri="{386F3935-93C4-4BCD-93E2-E3B085C9AB24}">
+                <p16:designElem xmlns:p16="http://schemas.microsoft.com/office/powerpoint/2015/main" val="1"/>
+              </p:ext>
+            </p:extLst>
+          </p:nvPr>
+        </p:nvSpPr>
+        <p:spPr bwMode="white">
+          <a:xfrm>
+            <a:off x="0" y="0"/>
+            <a:ext cx="12192000" cy="6858000"/>
+          </a:xfrm>
+          <a:prstGeom prst="rect">
+            <a:avLst/>
+          </a:prstGeom>
+          <a:ln>
+            <a:noFill/>
+          </a:ln>
+        </p:spPr>
+        <p:style>
+          <a:lnRef idx="2">
+            <a:schemeClr val="accent1">
+              <a:shade val="50000"/>
+            </a:schemeClr>
+          </a:lnRef>
+          <a:fillRef idx="1">
+            <a:schemeClr val="accent1"/>
+          </a:fillRef>
+          <a:effectRef idx="0">
+            <a:schemeClr val="accent1"/>
+          </a:effectRef>
+          <a:fontRef idx="minor">
+            <a:schemeClr val="lt1"/>
+          </a:fontRef>
+        </p:style>
+        <p:txBody>
+          <a:bodyPr rtlCol="0" anchor="ctr"/>
+          <a:lstStyle>
+            <a:defPPr>
+              <a:defRPr lang="en-US"/>
+            </a:defPPr>
+            <a:lvl1pPr marL="0" algn="l" defTabSz="914400" rtl="0" eaLnBrk="1" latinLnBrk="0" hangingPunct="1">
+              <a:defRPr sz="1800" kern="1200">
+                <a:solidFill>
+                  <a:schemeClr val="lt1"/>
+                </a:solidFill>
+                <a:latin typeface="+mn-lt"/>
+                <a:ea typeface="+mn-ea"/>
+                <a:cs typeface="+mn-cs"/>
+              </a:defRPr>
+            </a:lvl1pPr>
+            <a:lvl2pPr marL="457200" algn="l" defTabSz="914400" rtl="0" eaLnBrk="1" latinLnBrk="0" hangingPunct="1">
+              <a:defRPr sz="1800" kern="1200">
+                <a:solidFill>
+                  <a:schemeClr val="lt1"/>
+                </a:solidFill>
+                <a:latin typeface="+mn-lt"/>
+                <a:ea typeface="+mn-ea"/>
+                <a:cs typeface="+mn-cs"/>
+              </a:defRPr>
+            </a:lvl2pPr>
+            <a:lvl3pPr marL="914400" algn="l" defTabSz="914400" rtl="0" eaLnBrk="1" latinLnBrk="0" hangingPunct="1">
+              <a:defRPr sz="1800" kern="1200">
+                <a:solidFill>
+                  <a:schemeClr val="lt1"/>
+                </a:solidFill>
+                <a:latin typeface="+mn-lt"/>
+                <a:ea typeface="+mn-ea"/>
+                <a:cs typeface="+mn-cs"/>
+              </a:defRPr>
+            </a:lvl3pPr>
+            <a:lvl4pPr marL="1371600" algn="l" defTabSz="914400" rtl="0" eaLnBrk="1" latinLnBrk="0" hangingPunct="1">
+              <a:defRPr sz="1800" kern="1200">
+                <a:solidFill>
+                  <a:schemeClr val="lt1"/>
+                </a:solidFill>
+                <a:latin typeface="+mn-lt"/>
+                <a:ea typeface="+mn-ea"/>
+                <a:cs typeface="+mn-cs"/>
+              </a:defRPr>
+            </a:lvl4pPr>
+            <a:lvl5pPr marL="1828800" algn="l" defTabSz="914400" rtl="0" eaLnBrk="1" latinLnBrk="0" hangingPunct="1">
+              <a:defRPr sz="1800" kern="1200">
+                <a:solidFill>
+                  <a:schemeClr val="lt1"/>
+                </a:solidFill>
+                <a:latin typeface="+mn-lt"/>
+                <a:ea typeface="+mn-ea"/>
+                <a:cs typeface="+mn-cs"/>
+              </a:defRPr>
+            </a:lvl5pPr>
+            <a:lvl6pPr marL="2286000" algn="l" defTabSz="914400" rtl="0" eaLnBrk="1" latinLnBrk="0" hangingPunct="1">
+              <a:defRPr sz="1800" kern="1200">
+                <a:solidFill>
+                  <a:schemeClr val="lt1"/>
+                </a:solidFill>
+                <a:latin typeface="+mn-lt"/>
+                <a:ea typeface="+mn-ea"/>
+                <a:cs typeface="+mn-cs"/>
+              </a:defRPr>
+            </a:lvl6pPr>
+            <a:lvl7pPr marL="2743200" algn="l" defTabSz="914400" rtl="0" eaLnBrk="1" latinLnBrk="0" hangingPunct="1">
+              <a:defRPr sz="1800" kern="1200">
+                <a:solidFill>
+                  <a:schemeClr val="lt1"/>
+                </a:solidFill>
+                <a:latin typeface="+mn-lt"/>
+                <a:ea typeface="+mn-ea"/>
+                <a:cs typeface="+mn-cs"/>
+              </a:defRPr>
+            </a:lvl7pPr>
+            <a:lvl8pPr marL="3200400" algn="l" defTabSz="914400" rtl="0" eaLnBrk="1" latinLnBrk="0" hangingPunct="1">
+              <a:defRPr sz="1800" kern="1200">
+                <a:solidFill>
+                  <a:schemeClr val="lt1"/>
+                </a:solidFill>
+                <a:latin typeface="+mn-lt"/>
+                <a:ea typeface="+mn-ea"/>
+                <a:cs typeface="+mn-cs"/>
+              </a:defRPr>
+            </a:lvl8pPr>
+            <a:lvl9pPr marL="3657600" algn="l" defTabSz="914400" rtl="0" eaLnBrk="1" latinLnBrk="0" hangingPunct="1">
+              <a:defRPr sz="1800" kern="1200">
+                <a:solidFill>
+                  <a:schemeClr val="lt1"/>
+                </a:solidFill>
+                <a:latin typeface="+mn-lt"/>
+                <a:ea typeface="+mn-ea"/>
+                <a:cs typeface="+mn-cs"/>
+              </a:defRPr>
+            </a:lvl9pPr>
+          </a:lstStyle>
+          <a:p>
+            <a:pPr algn="ctr"/>
+            <a:endParaRPr lang="en-US"/>
+          </a:p>
+        </p:txBody>
+      </p:sp>
+      <p:sp>
+        <p:nvSpPr>
+          <p:cNvPr id="2" name="Title 1">
+            <a:extLst>
+              <a:ext uri="{FF2B5EF4-FFF2-40B4-BE49-F238E27FC236}">
+                <a16:creationId xmlns:a16="http://schemas.microsoft.com/office/drawing/2014/main" id="{A0E3F037-C4A2-D292-FF0E-F6AD1059F270}"/>
+              </a:ext>
+            </a:extLst>
+          </p:cNvPr>
+          <p:cNvSpPr>
+            <a:spLocks noGrp="1"/>
+          </p:cNvSpPr>
+          <p:nvPr>
+            <p:ph type="title"/>
+          </p:nvPr>
+        </p:nvSpPr>
+        <p:spPr>
+          <a:xfrm>
+            <a:off x="751336" y="479768"/>
+            <a:ext cx="5458807" cy="3072015"/>
+          </a:xfrm>
+        </p:spPr>
+        <p:txBody>
+          <a:bodyPr vert="horz" lIns="91440" tIns="45720" rIns="91440" bIns="45720" rtlCol="0" anchor="b">
+            <a:normAutofit/>
+          </a:bodyPr>
+          <a:lstStyle/>
+          <a:p>
+            <a:pPr algn="ctr"/>
+            <a:r>
+              <a:rPr lang="en-US" sz="6000" b="1" u="sng" kern="1200" dirty="0">
+                <a:solidFill>
+                  <a:schemeClr val="bg1"/>
+                </a:solidFill>
+                <a:latin typeface="Arial" panose="020B0604020202020204" pitchFamily="34" charset="0"/>
+                <a:cs typeface="Arial" panose="020B0604020202020204" pitchFamily="34" charset="0"/>
+              </a:rPr>
+              <a:t>Customization</a:t>
+            </a:r>
+          </a:p>
+        </p:txBody>
+      </p:sp>
+      <p:sp>
+        <p:nvSpPr>
+          <p:cNvPr id="3" name="Content Placeholder 2">
+            <a:extLst>
+              <a:ext uri="{FF2B5EF4-FFF2-40B4-BE49-F238E27FC236}">
+                <a16:creationId xmlns:a16="http://schemas.microsoft.com/office/drawing/2014/main" id="{1644A297-7314-00B7-F0A9-A33609852F3C}"/>
+              </a:ext>
+            </a:extLst>
+          </p:cNvPr>
+          <p:cNvSpPr>
+            <a:spLocks noGrp="1"/>
+          </p:cNvSpPr>
+          <p:nvPr>
+            <p:ph idx="1"/>
+          </p:nvPr>
+        </p:nvSpPr>
+        <p:spPr>
+          <a:xfrm>
+            <a:off x="870148" y="3962792"/>
+            <a:ext cx="5221185" cy="2102108"/>
+          </a:xfrm>
+        </p:spPr>
+        <p:txBody>
+          <a:bodyPr vert="horz" lIns="91440" tIns="45720" rIns="91440" bIns="45720" rtlCol="0" anchor="t">
+            <a:normAutofit/>
+          </a:bodyPr>
+          <a:lstStyle/>
+          <a:p>
+            <a:pPr marL="0" indent="0" algn="ctr">
+              <a:buNone/>
+            </a:pPr>
+            <a:r>
+              <a:rPr lang="en-US" sz="2400" kern="1200" dirty="0">
+                <a:solidFill>
+                  <a:srgbClr val="FFC34A"/>
+                </a:solidFill>
+                <a:latin typeface="Cambria" panose="02040503050406030204" pitchFamily="18" charset="0"/>
+                <a:ea typeface="Cambria" panose="02040503050406030204" pitchFamily="18" charset="0"/>
+              </a:rPr>
+              <a:t>Optional features </a:t>
+            </a:r>
+            <a:r>
+              <a:rPr lang="en-US" sz="2400" kern="1200" dirty="0">
+                <a:solidFill>
+                  <a:schemeClr val="bg1"/>
+                </a:solidFill>
+                <a:latin typeface="Cambria" panose="02040503050406030204" pitchFamily="18" charset="0"/>
+                <a:ea typeface="Cambria" panose="02040503050406030204" pitchFamily="18" charset="0"/>
+              </a:rPr>
+              <a:t>are provided to </a:t>
+            </a:r>
+            <a:r>
+              <a:rPr lang="en-US" sz="2400" kern="1200" dirty="0">
+                <a:solidFill>
+                  <a:srgbClr val="6CFF59"/>
+                </a:solidFill>
+                <a:latin typeface="Cambria" panose="02040503050406030204" pitchFamily="18" charset="0"/>
+                <a:ea typeface="Cambria" panose="02040503050406030204" pitchFamily="18" charset="0"/>
+              </a:rPr>
+              <a:t>enhance the user experience</a:t>
+            </a:r>
+            <a:r>
+              <a:rPr lang="en-US" sz="2400" kern="1200" dirty="0">
+                <a:solidFill>
+                  <a:schemeClr val="bg1"/>
+                </a:solidFill>
+                <a:latin typeface="Cambria" panose="02040503050406030204" pitchFamily="18" charset="0"/>
+                <a:ea typeface="Cambria" panose="02040503050406030204" pitchFamily="18" charset="0"/>
+              </a:rPr>
+              <a:t>.</a:t>
+            </a:r>
+          </a:p>
+        </p:txBody>
+      </p:sp>
+      <p:sp>
+        <p:nvSpPr>
+          <p:cNvPr id="12" name="Freeform: Shape 11">
+            <a:extLst>
+              <a:ext uri="{FF2B5EF4-FFF2-40B4-BE49-F238E27FC236}">
+                <a16:creationId xmlns:a16="http://schemas.microsoft.com/office/drawing/2014/main" id="{F5569EEC-E12F-4856-B407-02B2813A4AA5}"/>
+              </a:ext>
+              <a:ext uri="{C183D7F6-B498-43B3-948B-1728B52AA6E4}">
+                <adec:decorative xmlns:adec="http://schemas.microsoft.com/office/drawing/2017/decorative" val="1"/>
+              </a:ext>
+            </a:extLst>
+          </p:cNvPr>
+          <p:cNvSpPr>
+            <a:spLocks noGrp="1" noRot="1" noChangeAspect="1" noMove="1" noResize="1" noEditPoints="1" noAdjustHandles="1" noChangeArrowheads="1" noChangeShapeType="1" noTextEdit="1"/>
+          </p:cNvSpPr>
+          <p:nvPr>
+            <p:extLst>
+              <p:ext uri="{386F3935-93C4-4BCD-93E2-E3B085C9AB24}">
+                <p16:designElem xmlns:p16="http://schemas.microsoft.com/office/powerpoint/2015/main" val="1"/>
+              </p:ext>
+            </p:extLst>
+          </p:nvPr>
+        </p:nvSpPr>
+        <p:spPr>
+          <a:xfrm>
+            <a:off x="6604059" y="0"/>
+            <a:ext cx="1737401" cy="959536"/>
+          </a:xfrm>
+          <a:custGeom>
+            <a:avLst/>
+            <a:gdLst>
+              <a:gd name="connsiteX0" fmla="*/ 0 w 1737401"/>
+              <a:gd name="connsiteY0" fmla="*/ 0 h 959536"/>
+              <a:gd name="connsiteX1" fmla="*/ 123825 w 1737401"/>
+              <a:gd name="connsiteY1" fmla="*/ 0 h 959536"/>
+              <a:gd name="connsiteX2" fmla="*/ 123825 w 1737401"/>
+              <a:gd name="connsiteY2" fmla="*/ 790277 h 959536"/>
+              <a:gd name="connsiteX3" fmla="*/ 1490095 w 1737401"/>
+              <a:gd name="connsiteY3" fmla="*/ 0 h 959536"/>
+              <a:gd name="connsiteX4" fmla="*/ 1737401 w 1737401"/>
+              <a:gd name="connsiteY4" fmla="*/ 0 h 959536"/>
+              <a:gd name="connsiteX5" fmla="*/ 92869 w 1737401"/>
+              <a:gd name="connsiteY5" fmla="*/ 951249 h 959536"/>
+              <a:gd name="connsiteX6" fmla="*/ 61913 w 1737401"/>
+              <a:gd name="connsiteY6" fmla="*/ 959536 h 959536"/>
+              <a:gd name="connsiteX7" fmla="*/ 0 w 1737401"/>
+              <a:gd name="connsiteY7" fmla="*/ 897624 h 959536"/>
+            </a:gdLst>
+            <a:ahLst/>
+            <a:cxnLst>
+              <a:cxn ang="0">
+                <a:pos x="connsiteX0" y="connsiteY0"/>
+              </a:cxn>
+              <a:cxn ang="0">
+                <a:pos x="connsiteX1" y="connsiteY1"/>
+              </a:cxn>
+              <a:cxn ang="0">
+                <a:pos x="connsiteX2" y="connsiteY2"/>
+              </a:cxn>
+              <a:cxn ang="0">
+                <a:pos x="connsiteX3" y="connsiteY3"/>
+              </a:cxn>
+              <a:cxn ang="0">
+                <a:pos x="connsiteX4" y="connsiteY4"/>
+              </a:cxn>
+              <a:cxn ang="0">
+                <a:pos x="connsiteX5" y="connsiteY5"/>
+              </a:cxn>
+              <a:cxn ang="0">
+                <a:pos x="connsiteX6" y="connsiteY6"/>
+              </a:cxn>
+              <a:cxn ang="0">
+                <a:pos x="connsiteX7" y="connsiteY7"/>
+              </a:cxn>
+            </a:cxnLst>
+            <a:rect l="l" t="t" r="r" b="b"/>
+            <a:pathLst>
+              <a:path w="1737401" h="959536">
+                <a:moveTo>
+                  <a:pt x="0" y="0"/>
+                </a:moveTo>
+                <a:lnTo>
+                  <a:pt x="123825" y="0"/>
+                </a:lnTo>
+                <a:lnTo>
+                  <a:pt x="123825" y="790277"/>
+                </a:lnTo>
+                <a:lnTo>
+                  <a:pt x="1490095" y="0"/>
+                </a:lnTo>
+                <a:lnTo>
+                  <a:pt x="1737401" y="0"/>
+                </a:lnTo>
+                <a:lnTo>
+                  <a:pt x="92869" y="951249"/>
+                </a:lnTo>
+                <a:cubicBezTo>
+                  <a:pt x="83458" y="956688"/>
+                  <a:pt x="72780" y="959546"/>
+                  <a:pt x="61913" y="959536"/>
+                </a:cubicBezTo>
+                <a:cubicBezTo>
+                  <a:pt x="27719" y="959536"/>
+                  <a:pt x="0" y="931818"/>
+                  <a:pt x="0" y="897624"/>
+                </a:cubicBezTo>
+                <a:close/>
+              </a:path>
+            </a:pathLst>
+          </a:custGeom>
+          <a:solidFill>
+            <a:schemeClr val="accent6"/>
+          </a:solidFill>
+          <a:ln w="9525" cap="flat">
+            <a:noFill/>
+            <a:prstDash val="solid"/>
+            <a:miter/>
+          </a:ln>
+        </p:spPr>
+        <p:txBody>
+          <a:bodyPr rtlCol="0" anchor="ctr"/>
+          <a:lstStyle/>
+          <a:p>
+            <a:endParaRPr lang="en-US"/>
+          </a:p>
+        </p:txBody>
+      </p:sp>
+      <p:sp>
+        <p:nvSpPr>
+          <p:cNvPr id="14" name="Freeform: Shape 13">
+            <a:extLst>
+              <a:ext uri="{FF2B5EF4-FFF2-40B4-BE49-F238E27FC236}">
+                <a16:creationId xmlns:a16="http://schemas.microsoft.com/office/drawing/2014/main" id="{CF860788-3A6A-45A3-B3F1-06F159665603}"/>
+              </a:ext>
+              <a:ext uri="{C183D7F6-B498-43B3-948B-1728B52AA6E4}">
+                <adec:decorative xmlns:adec="http://schemas.microsoft.com/office/drawing/2017/decorative" val="1"/>
+              </a:ext>
+            </a:extLst>
+          </p:cNvPr>
+          <p:cNvSpPr>
+            <a:spLocks noGrp="1" noRot="1" noChangeAspect="1" noMove="1" noResize="1" noEditPoints="1" noAdjustHandles="1" noChangeArrowheads="1" noChangeShapeType="1" noTextEdit="1"/>
+          </p:cNvSpPr>
+          <p:nvPr>
+            <p:extLst>
+              <p:ext uri="{386F3935-93C4-4BCD-93E2-E3B085C9AB24}">
+                <p16:designElem xmlns:p16="http://schemas.microsoft.com/office/powerpoint/2015/main" val="1"/>
+              </p:ext>
+            </p:extLst>
+          </p:nvPr>
+        </p:nvSpPr>
+        <p:spPr>
+          <a:xfrm>
+            <a:off x="10567336" y="1"/>
+            <a:ext cx="1155142" cy="591009"/>
+          </a:xfrm>
+          <a:custGeom>
+            <a:avLst/>
+            <a:gdLst>
+              <a:gd name="connsiteX0" fmla="*/ 1355 w 1155142"/>
+              <a:gd name="connsiteY0" fmla="*/ 0 h 591009"/>
+              <a:gd name="connsiteX1" fmla="*/ 1153787 w 1155142"/>
+              <a:gd name="connsiteY1" fmla="*/ 0 h 591009"/>
+              <a:gd name="connsiteX2" fmla="*/ 1155142 w 1155142"/>
+              <a:gd name="connsiteY2" fmla="*/ 13438 h 591009"/>
+              <a:gd name="connsiteX3" fmla="*/ 577571 w 1155142"/>
+              <a:gd name="connsiteY3" fmla="*/ 591009 h 591009"/>
+              <a:gd name="connsiteX4" fmla="*/ 0 w 1155142"/>
+              <a:gd name="connsiteY4" fmla="*/ 13438 h 591009"/>
+            </a:gdLst>
+            <a:ahLst/>
+            <a:cxnLst>
+              <a:cxn ang="0">
+                <a:pos x="connsiteX0" y="connsiteY0"/>
+              </a:cxn>
+              <a:cxn ang="0">
+                <a:pos x="connsiteX1" y="connsiteY1"/>
+              </a:cxn>
+              <a:cxn ang="0">
+                <a:pos x="connsiteX2" y="connsiteY2"/>
+              </a:cxn>
+              <a:cxn ang="0">
+                <a:pos x="connsiteX3" y="connsiteY3"/>
+              </a:cxn>
+              <a:cxn ang="0">
+                <a:pos x="connsiteX4" y="connsiteY4"/>
+              </a:cxn>
+            </a:cxnLst>
+            <a:rect l="l" t="t" r="r" b="b"/>
+            <a:pathLst>
+              <a:path w="1155142" h="591009">
+                <a:moveTo>
+                  <a:pt x="1355" y="0"/>
+                </a:moveTo>
+                <a:lnTo>
+                  <a:pt x="1153787" y="0"/>
+                </a:lnTo>
+                <a:lnTo>
+                  <a:pt x="1155142" y="13438"/>
+                </a:lnTo>
+                <a:cubicBezTo>
+                  <a:pt x="1155142" y="332422"/>
+                  <a:pt x="896555" y="591009"/>
+                  <a:pt x="577571" y="591009"/>
+                </a:cubicBezTo>
+                <a:cubicBezTo>
+                  <a:pt x="258587" y="591009"/>
+                  <a:pt x="0" y="332422"/>
+                  <a:pt x="0" y="13438"/>
+                </a:cubicBezTo>
+                <a:close/>
+              </a:path>
+            </a:pathLst>
+          </a:custGeom>
+          <a:solidFill>
+            <a:schemeClr val="accent5"/>
+          </a:solidFill>
+          <a:ln>
+            <a:noFill/>
+          </a:ln>
+        </p:spPr>
+        <p:style>
+          <a:lnRef idx="2">
+            <a:schemeClr val="accent1">
+              <a:shade val="50000"/>
+            </a:schemeClr>
+          </a:lnRef>
+          <a:fillRef idx="1">
+            <a:schemeClr val="accent1"/>
+          </a:fillRef>
+          <a:effectRef idx="0">
+            <a:schemeClr val="accent1"/>
+          </a:effectRef>
+          <a:fontRef idx="minor">
+            <a:schemeClr val="lt1"/>
+          </a:fontRef>
+        </p:style>
+        <p:txBody>
+          <a:bodyPr wrap="square" rtlCol="0" anchor="ctr">
+            <a:noAutofit/>
+          </a:bodyPr>
+          <a:lstStyle/>
+          <a:p>
+            <a:pPr algn="ctr"/>
+            <a:endParaRPr lang="en-US"/>
+          </a:p>
+        </p:txBody>
+      </p:sp>
+      <p:pic>
+        <p:nvPicPr>
+          <p:cNvPr id="5" name="Picture 4">
+            <a:extLst>
+              <a:ext uri="{FF2B5EF4-FFF2-40B4-BE49-F238E27FC236}">
+                <a16:creationId xmlns:a16="http://schemas.microsoft.com/office/drawing/2014/main" id="{C67AA6AA-8E15-75C8-24A0-B1D573A5F89B}"/>
+              </a:ext>
+            </a:extLst>
+          </p:cNvPr>
+          <p:cNvPicPr>
+            <a:picLocks noChangeAspect="1"/>
+          </p:cNvPicPr>
+          <p:nvPr/>
+        </p:nvPicPr>
+        <p:blipFill>
+          <a:blip r:embed="rId2"/>
+          <a:stretch>
+            <a:fillRect/>
+          </a:stretch>
+        </p:blipFill>
+        <p:spPr>
+          <a:xfrm>
+            <a:off x="6777357" y="1299639"/>
+            <a:ext cx="4285384" cy="4339204"/>
+          </a:xfrm>
+          <a:custGeom>
+            <a:avLst/>
+            <a:gdLst/>
+            <a:ahLst/>
+            <a:cxnLst/>
+            <a:rect l="l" t="t" r="r" b="b"/>
+            <a:pathLst>
+              <a:path w="4579832" h="5347063">
+                <a:moveTo>
+                  <a:pt x="106985" y="0"/>
+                </a:moveTo>
+                <a:lnTo>
+                  <a:pt x="4472847" y="0"/>
+                </a:lnTo>
+                <a:cubicBezTo>
+                  <a:pt x="4531933" y="0"/>
+                  <a:pt x="4579832" y="47899"/>
+                  <a:pt x="4579832" y="106985"/>
+                </a:cubicBezTo>
+                <a:lnTo>
+                  <a:pt x="4579832" y="5240078"/>
+                </a:lnTo>
+                <a:cubicBezTo>
+                  <a:pt x="4579832" y="5299164"/>
+                  <a:pt x="4531933" y="5347063"/>
+                  <a:pt x="4472847" y="5347063"/>
+                </a:cubicBezTo>
+                <a:lnTo>
+                  <a:pt x="106985" y="5347063"/>
+                </a:lnTo>
+                <a:cubicBezTo>
+                  <a:pt x="47899" y="5347063"/>
+                  <a:pt x="0" y="5299164"/>
+                  <a:pt x="0" y="5240078"/>
+                </a:cubicBezTo>
+                <a:lnTo>
+                  <a:pt x="0" y="106985"/>
+                </a:lnTo>
+                <a:cubicBezTo>
+                  <a:pt x="0" y="47899"/>
+                  <a:pt x="47899" y="0"/>
+                  <a:pt x="106985" y="0"/>
+                </a:cubicBezTo>
+                <a:close/>
+              </a:path>
+            </a:pathLst>
+          </a:custGeom>
+        </p:spPr>
+      </p:pic>
+      <p:sp>
+        <p:nvSpPr>
+          <p:cNvPr id="16" name="Freeform: Shape 15">
+            <a:extLst>
+              <a:ext uri="{FF2B5EF4-FFF2-40B4-BE49-F238E27FC236}">
+                <a16:creationId xmlns:a16="http://schemas.microsoft.com/office/drawing/2014/main" id="{DF1E3393-B852-4883-B778-ED3525112942}"/>
+              </a:ext>
+              <a:ext uri="{C183D7F6-B498-43B3-948B-1728B52AA6E4}">
+                <adec:decorative xmlns:adec="http://schemas.microsoft.com/office/drawing/2017/decorative" val="1"/>
+              </a:ext>
+            </a:extLst>
+          </p:cNvPr>
+          <p:cNvSpPr>
+            <a:spLocks noGrp="1" noRot="1" noChangeAspect="1" noMove="1" noResize="1" noEditPoints="1" noAdjustHandles="1" noChangeArrowheads="1" noChangeShapeType="1" noTextEdit="1"/>
+          </p:cNvSpPr>
+          <p:nvPr>
+            <p:extLst>
+              <p:ext uri="{386F3935-93C4-4BCD-93E2-E3B085C9AB24}">
+                <p16:designElem xmlns:p16="http://schemas.microsoft.com/office/powerpoint/2015/main" val="1"/>
+              </p:ext>
+            </p:extLst>
+          </p:nvPr>
+        </p:nvSpPr>
+        <p:spPr>
+          <a:xfrm>
+            <a:off x="12032259" y="2916245"/>
+            <a:ext cx="159741" cy="552996"/>
+          </a:xfrm>
+          <a:custGeom>
+            <a:avLst/>
+            <a:gdLst>
+              <a:gd name="connsiteX0" fmla="*/ 159741 w 159741"/>
+              <a:gd name="connsiteY0" fmla="*/ 0 h 552996"/>
+              <a:gd name="connsiteX1" fmla="*/ 159741 w 159741"/>
+              <a:gd name="connsiteY1" fmla="*/ 552996 h 552996"/>
+              <a:gd name="connsiteX2" fmla="*/ 141849 w 159741"/>
+              <a:gd name="connsiteY2" fmla="*/ 543285 h 552996"/>
+              <a:gd name="connsiteX3" fmla="*/ 0 w 159741"/>
+              <a:gd name="connsiteY3" fmla="*/ 276498 h 552996"/>
+              <a:gd name="connsiteX4" fmla="*/ 141849 w 159741"/>
+              <a:gd name="connsiteY4" fmla="*/ 9711 h 552996"/>
+            </a:gdLst>
+            <a:ahLst/>
+            <a:cxnLst>
+              <a:cxn ang="0">
+                <a:pos x="connsiteX0" y="connsiteY0"/>
+              </a:cxn>
+              <a:cxn ang="0">
+                <a:pos x="connsiteX1" y="connsiteY1"/>
+              </a:cxn>
+              <a:cxn ang="0">
+                <a:pos x="connsiteX2" y="connsiteY2"/>
+              </a:cxn>
+              <a:cxn ang="0">
+                <a:pos x="connsiteX3" y="connsiteY3"/>
+              </a:cxn>
+              <a:cxn ang="0">
+                <a:pos x="connsiteX4" y="connsiteY4"/>
+              </a:cxn>
+            </a:cxnLst>
+            <a:rect l="l" t="t" r="r" b="b"/>
+            <a:pathLst>
+              <a:path w="159741" h="552996">
+                <a:moveTo>
+                  <a:pt x="159741" y="0"/>
+                </a:moveTo>
+                <a:lnTo>
+                  <a:pt x="159741" y="552996"/>
+                </a:lnTo>
+                <a:lnTo>
+                  <a:pt x="141849" y="543285"/>
+                </a:lnTo>
+                <a:cubicBezTo>
+                  <a:pt x="56268" y="485467"/>
+                  <a:pt x="0" y="387554"/>
+                  <a:pt x="0" y="276498"/>
+                </a:cubicBezTo>
+                <a:cubicBezTo>
+                  <a:pt x="0" y="165443"/>
+                  <a:pt x="56268" y="67529"/>
+                  <a:pt x="141849" y="9711"/>
+                </a:cubicBezTo>
+                <a:close/>
+              </a:path>
+            </a:pathLst>
+          </a:custGeom>
+          <a:solidFill>
+            <a:schemeClr val="accent2"/>
+          </a:solidFill>
+          <a:ln w="127000">
+            <a:noFill/>
+          </a:ln>
+        </p:spPr>
+        <p:style>
+          <a:lnRef idx="2">
+            <a:schemeClr val="accent1">
+              <a:shade val="50000"/>
+            </a:schemeClr>
+          </a:lnRef>
+          <a:fillRef idx="1">
+            <a:schemeClr val="accent1"/>
+          </a:fillRef>
+          <a:effectRef idx="0">
+            <a:schemeClr val="accent1"/>
+          </a:effectRef>
+          <a:fontRef idx="minor">
+            <a:schemeClr val="lt1"/>
+          </a:fontRef>
+        </p:style>
+        <p:txBody>
+          <a:bodyPr wrap="square" rtlCol="0" anchor="ctr">
+            <a:noAutofit/>
+          </a:bodyPr>
+          <a:lstStyle/>
+          <a:p>
+            <a:pPr algn="ctr"/>
+            <a:endParaRPr lang="en-US"/>
+          </a:p>
+        </p:txBody>
+      </p:sp>
+      <p:sp>
+        <p:nvSpPr>
+          <p:cNvPr id="18" name="Freeform: Shape 17">
+            <a:extLst>
+              <a:ext uri="{FF2B5EF4-FFF2-40B4-BE49-F238E27FC236}">
+                <a16:creationId xmlns:a16="http://schemas.microsoft.com/office/drawing/2014/main" id="{39853D09-4205-4CC7-83EB-288E886AC9E4}"/>
+              </a:ext>
+              <a:ext uri="{C183D7F6-B498-43B3-948B-1728B52AA6E4}">
+                <adec:decorative xmlns:adec="http://schemas.microsoft.com/office/drawing/2017/decorative" val="1"/>
+              </a:ext>
+            </a:extLst>
+          </p:cNvPr>
+          <p:cNvSpPr>
+            <a:spLocks noGrp="1" noRot="1" noChangeAspect="1" noMove="1" noResize="1" noEditPoints="1" noAdjustHandles="1" noChangeArrowheads="1" noChangeShapeType="1" noTextEdit="1"/>
+          </p:cNvSpPr>
+          <p:nvPr>
+            <p:extLst>
+              <p:ext uri="{386F3935-93C4-4BCD-93E2-E3B085C9AB24}">
+                <p16:designElem xmlns:p16="http://schemas.microsoft.com/office/powerpoint/2015/main" val="1"/>
+              </p:ext>
+            </p:extLst>
+          </p:nvPr>
+        </p:nvSpPr>
+        <p:spPr>
+          <a:xfrm>
+            <a:off x="7148440" y="5717906"/>
+            <a:ext cx="1771609" cy="1140095"/>
+          </a:xfrm>
+          <a:custGeom>
+            <a:avLst/>
+            <a:gdLst>
+              <a:gd name="connsiteX0" fmla="*/ 1561721 w 1771609"/>
+              <a:gd name="connsiteY0" fmla="*/ 763041 h 1140095"/>
+              <a:gd name="connsiteX1" fmla="*/ 1623024 w 1771609"/>
+              <a:gd name="connsiteY1" fmla="*/ 792810 h 1140095"/>
+              <a:gd name="connsiteX2" fmla="*/ 1711735 w 1771609"/>
+              <a:gd name="connsiteY2" fmla="*/ 970132 h 1140095"/>
+              <a:gd name="connsiteX3" fmla="*/ 1771609 w 1771609"/>
+              <a:gd name="connsiteY3" fmla="*/ 1140095 h 1140095"/>
+              <a:gd name="connsiteX4" fmla="*/ 1637225 w 1771609"/>
+              <a:gd name="connsiteY4" fmla="*/ 1140095 h 1140095"/>
+              <a:gd name="connsiteX5" fmla="*/ 1594820 w 1771609"/>
+              <a:gd name="connsiteY5" fmla="*/ 1019711 h 1140095"/>
+              <a:gd name="connsiteX6" fmla="*/ 1513200 w 1771609"/>
+              <a:gd name="connsiteY6" fmla="*/ 856627 h 1140095"/>
+              <a:gd name="connsiteX7" fmla="*/ 1538499 w 1771609"/>
+              <a:gd name="connsiteY7" fmla="*/ 770415 h 1140095"/>
+              <a:gd name="connsiteX8" fmla="*/ 1561721 w 1771609"/>
+              <a:gd name="connsiteY8" fmla="*/ 763041 h 1140095"/>
+              <a:gd name="connsiteX9" fmla="*/ 933455 w 1771609"/>
+              <a:gd name="connsiteY9" fmla="*/ 161309 h 1140095"/>
+              <a:gd name="connsiteX10" fmla="*/ 957797 w 1771609"/>
+              <a:gd name="connsiteY10" fmla="*/ 167970 h 1140095"/>
+              <a:gd name="connsiteX11" fmla="*/ 1286982 w 1771609"/>
+              <a:gd name="connsiteY11" fmla="*/ 387616 h 1140095"/>
+              <a:gd name="connsiteX12" fmla="*/ 1293725 w 1771609"/>
+              <a:gd name="connsiteY12" fmla="*/ 477075 h 1140095"/>
+              <a:gd name="connsiteX13" fmla="*/ 1245453 w 1771609"/>
+              <a:gd name="connsiteY13" fmla="*/ 499154 h 1140095"/>
+              <a:gd name="connsiteX14" fmla="*/ 1245167 w 1771609"/>
+              <a:gd name="connsiteY14" fmla="*/ 499154 h 1140095"/>
+              <a:gd name="connsiteX15" fmla="*/ 1203638 w 1771609"/>
+              <a:gd name="connsiteY15" fmla="*/ 484104 h 1140095"/>
+              <a:gd name="connsiteX16" fmla="*/ 900647 w 1771609"/>
+              <a:gd name="connsiteY16" fmla="*/ 281508 h 1140095"/>
+              <a:gd name="connsiteX17" fmla="*/ 872454 w 1771609"/>
+              <a:gd name="connsiteY17" fmla="*/ 196164 h 1140095"/>
+              <a:gd name="connsiteX18" fmla="*/ 933455 w 1771609"/>
+              <a:gd name="connsiteY18" fmla="*/ 161309 h 1140095"/>
+              <a:gd name="connsiteX19" fmla="*/ 256260 w 1771609"/>
+              <a:gd name="connsiteY19" fmla="*/ 29 h 1140095"/>
+              <a:gd name="connsiteX20" fmla="*/ 454020 w 1771609"/>
+              <a:gd name="connsiteY20" fmla="*/ 13474 h 1140095"/>
+              <a:gd name="connsiteX21" fmla="*/ 509236 w 1771609"/>
+              <a:gd name="connsiteY21" fmla="*/ 84182 h 1140095"/>
+              <a:gd name="connsiteX22" fmla="*/ 445829 w 1771609"/>
+              <a:gd name="connsiteY22" fmla="*/ 139871 h 1140095"/>
+              <a:gd name="connsiteX23" fmla="*/ 437447 w 1771609"/>
+              <a:gd name="connsiteY23" fmla="*/ 139395 h 1140095"/>
+              <a:gd name="connsiteX24" fmla="*/ 73211 w 1771609"/>
+              <a:gd name="connsiteY24" fmla="*/ 137204 h 1140095"/>
+              <a:gd name="connsiteX25" fmla="*/ 749 w 1771609"/>
+              <a:gd name="connsiteY25" fmla="*/ 84082 h 1140095"/>
+              <a:gd name="connsiteX26" fmla="*/ 53871 w 1771609"/>
+              <a:gd name="connsiteY26" fmla="*/ 11621 h 1140095"/>
+              <a:gd name="connsiteX27" fmla="*/ 58352 w 1771609"/>
+              <a:gd name="connsiteY27" fmla="*/ 11093 h 1140095"/>
+              <a:gd name="connsiteX28" fmla="*/ 256260 w 1771609"/>
+              <a:gd name="connsiteY28" fmla="*/ 29 h 1140095"/>
+            </a:gdLst>
+            <a:ahLst/>
+            <a:cxnLst>
+              <a:cxn ang="0">
+                <a:pos x="connsiteX0" y="connsiteY0"/>
+              </a:cxn>
+              <a:cxn ang="0">
+                <a:pos x="connsiteX1" y="connsiteY1"/>
+              </a:cxn>
+              <a:cxn ang="0">
+                <a:pos x="connsiteX2" y="connsiteY2"/>
+              </a:cxn>
+              <a:cxn ang="0">
+                <a:pos x="connsiteX3" y="connsiteY3"/>
+              </a:cxn>
+              <a:cxn ang="0">
+                <a:pos x="connsiteX4" y="connsiteY4"/>
+              </a:cxn>
+              <a:cxn ang="0">
+                <a:pos x="connsiteX5" y="connsiteY5"/>
+              </a:cxn>
+              <a:cxn ang="0">
+                <a:pos x="connsiteX6" y="connsiteY6"/>
+              </a:cxn>
+              <a:cxn ang="0">
+                <a:pos x="connsiteX7" y="connsiteY7"/>
+              </a:cxn>
+              <a:cxn ang="0">
+                <a:pos x="connsiteX8" y="connsiteY8"/>
+              </a:cxn>
+              <a:cxn ang="0">
+                <a:pos x="connsiteX9" y="connsiteY9"/>
+              </a:cxn>
+              <a:cxn ang="0">
+                <a:pos x="connsiteX10" y="connsiteY10"/>
+              </a:cxn>
+              <a:cxn ang="0">
+                <a:pos x="connsiteX11" y="connsiteY11"/>
+              </a:cxn>
+              <a:cxn ang="0">
+                <a:pos x="connsiteX12" y="connsiteY12"/>
+              </a:cxn>
+              <a:cxn ang="0">
+                <a:pos x="connsiteX13" y="connsiteY13"/>
+              </a:cxn>
+              <a:cxn ang="0">
+                <a:pos x="connsiteX14" y="connsiteY14"/>
+              </a:cxn>
+              <a:cxn ang="0">
+                <a:pos x="connsiteX15" y="connsiteY15"/>
+              </a:cxn>
+              <a:cxn ang="0">
+                <a:pos x="connsiteX16" y="connsiteY16"/>
+              </a:cxn>
+              <a:cxn ang="0">
+                <a:pos x="connsiteX17" y="connsiteY17"/>
+              </a:cxn>
+              <a:cxn ang="0">
+                <a:pos x="connsiteX18" y="connsiteY18"/>
+              </a:cxn>
+              <a:cxn ang="0">
+                <a:pos x="connsiteX19" y="connsiteY19"/>
+              </a:cxn>
+              <a:cxn ang="0">
+                <a:pos x="connsiteX20" y="connsiteY20"/>
+              </a:cxn>
+              <a:cxn ang="0">
+                <a:pos x="connsiteX21" y="connsiteY21"/>
+              </a:cxn>
+              <a:cxn ang="0">
+                <a:pos x="connsiteX22" y="connsiteY22"/>
+              </a:cxn>
+              <a:cxn ang="0">
+                <a:pos x="connsiteX23" y="connsiteY23"/>
+              </a:cxn>
+              <a:cxn ang="0">
+                <a:pos x="connsiteX24" y="connsiteY24"/>
+              </a:cxn>
+              <a:cxn ang="0">
+                <a:pos x="connsiteX25" y="connsiteY25"/>
+              </a:cxn>
+              <a:cxn ang="0">
+                <a:pos x="connsiteX26" y="connsiteY26"/>
+              </a:cxn>
+              <a:cxn ang="0">
+                <a:pos x="connsiteX27" y="connsiteY27"/>
+              </a:cxn>
+              <a:cxn ang="0">
+                <a:pos x="connsiteX28" y="connsiteY28"/>
+              </a:cxn>
+            </a:cxnLst>
+            <a:rect l="l" t="t" r="r" b="b"/>
+            <a:pathLst>
+              <a:path w="1771609" h="1140095">
+                <a:moveTo>
+                  <a:pt x="1561721" y="763041"/>
+                </a:moveTo>
+                <a:cubicBezTo>
+                  <a:pt x="1585506" y="760324"/>
+                  <a:pt x="1609722" y="771249"/>
+                  <a:pt x="1623024" y="792810"/>
+                </a:cubicBezTo>
+                <a:cubicBezTo>
+                  <a:pt x="1656300" y="850065"/>
+                  <a:pt x="1685920" y="909291"/>
+                  <a:pt x="1711735" y="970132"/>
+                </a:cubicBezTo>
+                <a:lnTo>
+                  <a:pt x="1771609" y="1140095"/>
+                </a:lnTo>
+                <a:lnTo>
+                  <a:pt x="1637225" y="1140095"/>
+                </a:lnTo>
+                <a:lnTo>
+                  <a:pt x="1594820" y="1019711"/>
+                </a:lnTo>
+                <a:cubicBezTo>
+                  <a:pt x="1571072" y="963753"/>
+                  <a:pt x="1543818" y="909282"/>
+                  <a:pt x="1513200" y="856627"/>
+                </a:cubicBezTo>
+                <a:cubicBezTo>
+                  <a:pt x="1496379" y="825834"/>
+                  <a:pt x="1507704" y="787236"/>
+                  <a:pt x="1538499" y="770415"/>
+                </a:cubicBezTo>
+                <a:cubicBezTo>
+                  <a:pt x="1545912" y="766367"/>
+                  <a:pt x="1553792" y="763946"/>
+                  <a:pt x="1561721" y="763041"/>
+                </a:cubicBezTo>
+                <a:close/>
+                <a:moveTo>
+                  <a:pt x="933455" y="161309"/>
+                </a:moveTo>
+                <a:cubicBezTo>
+                  <a:pt x="941693" y="161855"/>
+                  <a:pt x="949959" y="164025"/>
+                  <a:pt x="957797" y="167970"/>
+                </a:cubicBezTo>
+                <a:cubicBezTo>
+                  <a:pt x="1076184" y="227289"/>
+                  <a:pt x="1186759" y="301068"/>
+                  <a:pt x="1286982" y="387616"/>
+                </a:cubicBezTo>
+                <a:cubicBezTo>
+                  <a:pt x="1313547" y="410457"/>
+                  <a:pt x="1316566" y="450510"/>
+                  <a:pt x="1293725" y="477075"/>
+                </a:cubicBezTo>
+                <a:cubicBezTo>
+                  <a:pt x="1281638" y="491137"/>
+                  <a:pt x="1263998" y="499204"/>
+                  <a:pt x="1245453" y="499154"/>
+                </a:cubicBezTo>
+                <a:lnTo>
+                  <a:pt x="1245167" y="499154"/>
+                </a:lnTo>
+                <a:cubicBezTo>
+                  <a:pt x="1229965" y="499301"/>
+                  <a:pt x="1215220" y="493956"/>
+                  <a:pt x="1203638" y="484104"/>
+                </a:cubicBezTo>
+                <a:cubicBezTo>
+                  <a:pt x="1111407" y="404300"/>
+                  <a:pt x="1009633" y="336248"/>
+                  <a:pt x="900647" y="281508"/>
+                </a:cubicBezTo>
+                <a:cubicBezTo>
+                  <a:pt x="869295" y="265726"/>
+                  <a:pt x="856672" y="227516"/>
+                  <a:pt x="872454" y="196164"/>
+                </a:cubicBezTo>
+                <a:cubicBezTo>
+                  <a:pt x="884290" y="172650"/>
+                  <a:pt x="908742" y="159670"/>
+                  <a:pt x="933455" y="161309"/>
+                </a:cubicBezTo>
+                <a:close/>
+                <a:moveTo>
+                  <a:pt x="256260" y="29"/>
+                </a:moveTo>
+                <a:cubicBezTo>
+                  <a:pt x="322331" y="427"/>
+                  <a:pt x="388378" y="4909"/>
+                  <a:pt x="454020" y="13474"/>
+                </a:cubicBezTo>
+                <a:cubicBezTo>
+                  <a:pt x="488793" y="17752"/>
+                  <a:pt x="513514" y="49409"/>
+                  <a:pt x="509236" y="84182"/>
+                </a:cubicBezTo>
+                <a:cubicBezTo>
+                  <a:pt x="505303" y="116151"/>
+                  <a:pt x="478038" y="140098"/>
+                  <a:pt x="445829" y="139871"/>
+                </a:cubicBezTo>
+                <a:cubicBezTo>
+                  <a:pt x="443027" y="139899"/>
+                  <a:pt x="440227" y="139740"/>
+                  <a:pt x="437447" y="139395"/>
+                </a:cubicBezTo>
+                <a:cubicBezTo>
+                  <a:pt x="316592" y="123615"/>
+                  <a:pt x="194247" y="122878"/>
+                  <a:pt x="73211" y="137204"/>
+                </a:cubicBezTo>
+                <a:cubicBezTo>
+                  <a:pt x="38532" y="142545"/>
+                  <a:pt x="6090" y="118762"/>
+                  <a:pt x="749" y="84082"/>
+                </a:cubicBezTo>
+                <a:cubicBezTo>
+                  <a:pt x="-4591" y="49403"/>
+                  <a:pt x="19192" y="16961"/>
+                  <a:pt x="53871" y="11621"/>
+                </a:cubicBezTo>
+                <a:cubicBezTo>
+                  <a:pt x="55358" y="11392"/>
+                  <a:pt x="56852" y="11216"/>
+                  <a:pt x="58352" y="11093"/>
+                </a:cubicBezTo>
+                <a:cubicBezTo>
+                  <a:pt x="124093" y="3319"/>
+                  <a:pt x="190189" y="-369"/>
+                  <a:pt x="256260" y="29"/>
+                </a:cubicBezTo>
+                <a:close/>
+              </a:path>
+            </a:pathLst>
+          </a:custGeom>
+          <a:solidFill>
+            <a:schemeClr val="accent4"/>
+          </a:solidFill>
+          <a:ln w="9525" cap="flat">
+            <a:noFill/>
+            <a:prstDash val="solid"/>
+            <a:miter/>
+          </a:ln>
+        </p:spPr>
+        <p:txBody>
+          <a:bodyPr rtlCol="0" anchor="ctr"/>
+          <a:lstStyle/>
+          <a:p>
+            <a:endParaRPr lang="en-US"/>
+          </a:p>
+        </p:txBody>
+      </p:sp>
+      <p:sp>
+        <p:nvSpPr>
+          <p:cNvPr id="20" name="Freeform: Shape 19">
+            <a:extLst>
+              <a:ext uri="{FF2B5EF4-FFF2-40B4-BE49-F238E27FC236}">
+                <a16:creationId xmlns:a16="http://schemas.microsoft.com/office/drawing/2014/main" id="{0D040B79-3E73-4A31-840D-D6B9C9FDFC46}"/>
+              </a:ext>
+              <a:ext uri="{C183D7F6-B498-43B3-948B-1728B52AA6E4}">
+                <adec:decorative xmlns:adec="http://schemas.microsoft.com/office/drawing/2017/decorative" val="1"/>
+              </a:ext>
+            </a:extLst>
+          </p:cNvPr>
+          <p:cNvSpPr>
+            <a:spLocks noGrp="1" noRot="1" noChangeAspect="1" noMove="1" noResize="1" noEditPoints="1" noAdjustHandles="1" noChangeArrowheads="1" noChangeShapeType="1" noTextEdit="1"/>
+          </p:cNvSpPr>
+          <p:nvPr>
+            <p:extLst>
+              <p:ext uri="{386F3935-93C4-4BCD-93E2-E3B085C9AB24}">
+                <p16:designElem xmlns:p16="http://schemas.microsoft.com/office/powerpoint/2015/main" val="1"/>
+              </p:ext>
+            </p:extLst>
+          </p:nvPr>
+        </p:nvSpPr>
+        <p:spPr>
+          <a:xfrm>
+            <a:off x="6647511" y="6258756"/>
+            <a:ext cx="1565940" cy="599245"/>
+          </a:xfrm>
+          <a:custGeom>
+            <a:avLst/>
+            <a:gdLst>
+              <a:gd name="connsiteX0" fmla="*/ 782970 w 1565940"/>
+              <a:gd name="connsiteY0" fmla="*/ 0 h 599245"/>
+              <a:gd name="connsiteX1" fmla="*/ 1528042 w 1565940"/>
+              <a:gd name="connsiteY1" fmla="*/ 480469 h 599245"/>
+              <a:gd name="connsiteX2" fmla="*/ 1565940 w 1565940"/>
+              <a:gd name="connsiteY2" fmla="*/ 599245 h 599245"/>
+              <a:gd name="connsiteX3" fmla="*/ 0 w 1565940"/>
+              <a:gd name="connsiteY3" fmla="*/ 599245 h 599245"/>
+              <a:gd name="connsiteX4" fmla="*/ 37898 w 1565940"/>
+              <a:gd name="connsiteY4" fmla="*/ 480469 h 599245"/>
+              <a:gd name="connsiteX5" fmla="*/ 782970 w 1565940"/>
+              <a:gd name="connsiteY5" fmla="*/ 0 h 599245"/>
+            </a:gdLst>
+            <a:ahLst/>
+            <a:cxnLst>
+              <a:cxn ang="0">
+                <a:pos x="connsiteX0" y="connsiteY0"/>
+              </a:cxn>
+              <a:cxn ang="0">
+                <a:pos x="connsiteX1" y="connsiteY1"/>
+              </a:cxn>
+              <a:cxn ang="0">
+                <a:pos x="connsiteX2" y="connsiteY2"/>
+              </a:cxn>
+              <a:cxn ang="0">
+                <a:pos x="connsiteX3" y="connsiteY3"/>
+              </a:cxn>
+              <a:cxn ang="0">
+                <a:pos x="connsiteX4" y="connsiteY4"/>
+              </a:cxn>
+              <a:cxn ang="0">
+                <a:pos x="connsiteX5" y="connsiteY5"/>
+              </a:cxn>
+            </a:cxnLst>
+            <a:rect l="l" t="t" r="r" b="b"/>
+            <a:pathLst>
+              <a:path w="1565940" h="599245">
+                <a:moveTo>
+                  <a:pt x="782970" y="0"/>
+                </a:moveTo>
+                <a:cubicBezTo>
+                  <a:pt x="1117910" y="0"/>
+                  <a:pt x="1405287" y="198118"/>
+                  <a:pt x="1528042" y="480469"/>
+                </a:cubicBezTo>
+                <a:lnTo>
+                  <a:pt x="1565940" y="599245"/>
+                </a:lnTo>
+                <a:lnTo>
+                  <a:pt x="0" y="599245"/>
+                </a:lnTo>
+                <a:lnTo>
+                  <a:pt x="37898" y="480469"/>
+                </a:lnTo>
+                <a:cubicBezTo>
+                  <a:pt x="160653" y="198118"/>
+                  <a:pt x="448030" y="0"/>
+                  <a:pt x="782970" y="0"/>
+                </a:cubicBezTo>
+                <a:close/>
+              </a:path>
+            </a:pathLst>
+          </a:custGeom>
+          <a:solidFill>
+            <a:schemeClr val="accent2"/>
+          </a:solidFill>
+          <a:ln>
+            <a:noFill/>
+          </a:ln>
+        </p:spPr>
+        <p:style>
+          <a:lnRef idx="2">
+            <a:schemeClr val="accent1">
+              <a:shade val="50000"/>
+            </a:schemeClr>
+          </a:lnRef>
+          <a:fillRef idx="1">
+            <a:schemeClr val="accent1"/>
+          </a:fillRef>
+          <a:effectRef idx="0">
+            <a:schemeClr val="accent1"/>
+          </a:effectRef>
+          <a:fontRef idx="minor">
+            <a:schemeClr val="lt1"/>
+          </a:fontRef>
+        </p:style>
+        <p:txBody>
+          <a:bodyPr wrap="square" rtlCol="0" anchor="ctr">
+            <a:noAutofit/>
+          </a:bodyPr>
+          <a:lstStyle/>
+          <a:p>
+            <a:pPr algn="ctr"/>
+            <a:endParaRPr lang="en-US" dirty="0"/>
+          </a:p>
+        </p:txBody>
+      </p:sp>
+      <p:sp>
+        <p:nvSpPr>
+          <p:cNvPr id="22" name="Freeform: Shape 21">
+            <a:extLst>
+              <a:ext uri="{FF2B5EF4-FFF2-40B4-BE49-F238E27FC236}">
+                <a16:creationId xmlns:a16="http://schemas.microsoft.com/office/drawing/2014/main" id="{156C6AE5-3F8B-42AC-9EA4-1B686A11E93F}"/>
+              </a:ext>
+              <a:ext uri="{C183D7F6-B498-43B3-948B-1728B52AA6E4}">
+                <adec:decorative xmlns:adec="http://schemas.microsoft.com/office/drawing/2017/decorative" val="1"/>
+              </a:ext>
+            </a:extLst>
+          </p:cNvPr>
+          <p:cNvSpPr>
+            <a:spLocks noGrp="1" noRot="1" noChangeAspect="1" noMove="1" noResize="1" noEditPoints="1" noAdjustHandles="1" noChangeArrowheads="1" noChangeShapeType="1" noTextEdit="1"/>
+          </p:cNvSpPr>
+          <p:nvPr>
+            <p:extLst>
+              <p:ext uri="{386F3935-93C4-4BCD-93E2-E3B085C9AB24}">
+                <p16:designElem xmlns:p16="http://schemas.microsoft.com/office/powerpoint/2015/main" val="1"/>
+              </p:ext>
+            </p:extLst>
+          </p:nvPr>
+        </p:nvSpPr>
+        <p:spPr>
+          <a:xfrm>
+            <a:off x="10643820" y="5835650"/>
+            <a:ext cx="1548180" cy="1022351"/>
+          </a:xfrm>
+          <a:custGeom>
+            <a:avLst/>
+            <a:gdLst>
+              <a:gd name="connsiteX0" fmla="*/ 61913 w 1548180"/>
+              <a:gd name="connsiteY0" fmla="*/ 0 h 1022351"/>
+              <a:gd name="connsiteX1" fmla="*/ 1548180 w 1548180"/>
+              <a:gd name="connsiteY1" fmla="*/ 0 h 1022351"/>
+              <a:gd name="connsiteX2" fmla="*/ 1548180 w 1548180"/>
+              <a:gd name="connsiteY2" fmla="*/ 123825 h 1022351"/>
+              <a:gd name="connsiteX3" fmla="*/ 123825 w 1548180"/>
+              <a:gd name="connsiteY3" fmla="*/ 123825 h 1022351"/>
+              <a:gd name="connsiteX4" fmla="*/ 123825 w 1548180"/>
+              <a:gd name="connsiteY4" fmla="*/ 1022351 h 1022351"/>
+              <a:gd name="connsiteX5" fmla="*/ 0 w 1548180"/>
+              <a:gd name="connsiteY5" fmla="*/ 1022351 h 1022351"/>
+              <a:gd name="connsiteX6" fmla="*/ 0 w 1548180"/>
+              <a:gd name="connsiteY6" fmla="*/ 61913 h 1022351"/>
+              <a:gd name="connsiteX7" fmla="*/ 61913 w 1548180"/>
+              <a:gd name="connsiteY7" fmla="*/ 0 h 1022351"/>
+            </a:gdLst>
+            <a:ahLst/>
+            <a:cxnLst>
+              <a:cxn ang="0">
+                <a:pos x="connsiteX0" y="connsiteY0"/>
+              </a:cxn>
+              <a:cxn ang="0">
+                <a:pos x="connsiteX1" y="connsiteY1"/>
+              </a:cxn>
+              <a:cxn ang="0">
+                <a:pos x="connsiteX2" y="connsiteY2"/>
+              </a:cxn>
+              <a:cxn ang="0">
+                <a:pos x="connsiteX3" y="connsiteY3"/>
+              </a:cxn>
+              <a:cxn ang="0">
+                <a:pos x="connsiteX4" y="connsiteY4"/>
+              </a:cxn>
+              <a:cxn ang="0">
+                <a:pos x="connsiteX5" y="connsiteY5"/>
+              </a:cxn>
+              <a:cxn ang="0">
+                <a:pos x="connsiteX6" y="connsiteY6"/>
+              </a:cxn>
+              <a:cxn ang="0">
+                <a:pos x="connsiteX7" y="connsiteY7"/>
+              </a:cxn>
+            </a:cxnLst>
+            <a:rect l="l" t="t" r="r" b="b"/>
+            <a:pathLst>
+              <a:path w="1548180" h="1022351">
+                <a:moveTo>
+                  <a:pt x="61913" y="0"/>
+                </a:moveTo>
+                <a:lnTo>
+                  <a:pt x="1548180" y="0"/>
+                </a:lnTo>
+                <a:lnTo>
+                  <a:pt x="1548180" y="123825"/>
+                </a:lnTo>
+                <a:lnTo>
+                  <a:pt x="123825" y="123825"/>
+                </a:lnTo>
+                <a:lnTo>
+                  <a:pt x="123825" y="1022351"/>
+                </a:lnTo>
+                <a:lnTo>
+                  <a:pt x="0" y="1022351"/>
+                </a:lnTo>
+                <a:lnTo>
+                  <a:pt x="0" y="61913"/>
+                </a:lnTo>
+                <a:cubicBezTo>
+                  <a:pt x="0" y="27719"/>
+                  <a:pt x="27719" y="0"/>
+                  <a:pt x="61913" y="0"/>
+                </a:cubicBezTo>
+                <a:close/>
+              </a:path>
+            </a:pathLst>
+          </a:custGeom>
+          <a:solidFill>
+            <a:schemeClr val="accent6"/>
+          </a:solidFill>
+          <a:ln w="9525" cap="flat">
+            <a:noFill/>
+            <a:prstDash val="solid"/>
+            <a:miter/>
+          </a:ln>
+        </p:spPr>
+        <p:txBody>
+          <a:bodyPr rtlCol="0" anchor="ctr"/>
+          <a:lstStyle/>
+          <a:p>
+            <a:endParaRPr lang="en-US"/>
+          </a:p>
+        </p:txBody>
+      </p:sp>
+    </p:spTree>
+    <p:extLst>
+      <p:ext uri="{BB962C8B-B14F-4D97-AF65-F5344CB8AC3E}">
+        <p14:creationId xmlns:p14="http://schemas.microsoft.com/office/powerpoint/2010/main" val="2019116750"/>
+      </p:ext>
+    </p:extLst>
+  </p:cSld>
+  <p:clrMapOvr>
+    <a:masterClrMapping/>
+  </p:clrMapOvr>
+</p:sld>
+</file>
+
+<file path=ppt/slides/slide9.xml><?xml version="1.0" encoding="utf-8"?>
 <p:sld xmlns:a="http://schemas.openxmlformats.org/drawingml/2006/main" xmlns:r="http://schemas.openxmlformats.org/officeDocument/2006/relationships" xmlns:p="http://schemas.openxmlformats.org/presentationml/2006/main">
   <p:cSld>
     <p:bg>
@@ -14490,1194 +17892,6 @@
     <p:extLst>
       <p:ext uri="{BB962C8B-B14F-4D97-AF65-F5344CB8AC3E}">
         <p14:creationId xmlns:p14="http://schemas.microsoft.com/office/powerpoint/2010/main" val="3647635909"/>
-      </p:ext>
-    </p:extLst>
-  </p:cSld>
-  <p:clrMapOvr>
-    <a:masterClrMapping/>
-  </p:clrMapOvr>
-</p:sld>
-</file>
-
-<file path=ppt/slides/slide8.xml><?xml version="1.0" encoding="utf-8"?>
-<p:sld xmlns:a="http://schemas.openxmlformats.org/drawingml/2006/main" xmlns:r="http://schemas.openxmlformats.org/officeDocument/2006/relationships" xmlns:p="http://schemas.openxmlformats.org/presentationml/2006/main">
-  <p:cSld>
-    <p:bg>
-      <p:bgPr>
-        <a:solidFill>
-          <a:srgbClr val="2F4F4F"/>
-        </a:solidFill>
-        <a:effectLst/>
-      </p:bgPr>
-    </p:bg>
-    <p:spTree>
-      <p:nvGrpSpPr>
-        <p:cNvPr id="1" name=""/>
-        <p:cNvGrpSpPr/>
-        <p:nvPr/>
-      </p:nvGrpSpPr>
-      <p:grpSpPr>
-        <a:xfrm>
-          <a:off x="0" y="0"/>
-          <a:ext cx="0" cy="0"/>
-          <a:chOff x="0" y="0"/>
-          <a:chExt cx="0" cy="0"/>
-        </a:xfrm>
-      </p:grpSpPr>
-      <p:sp useBgFill="1">
-        <p:nvSpPr>
-          <p:cNvPr id="14" name="Rectangle 9">
-            <a:extLst>
-              <a:ext uri="{FF2B5EF4-FFF2-40B4-BE49-F238E27FC236}">
-                <a16:creationId xmlns:a16="http://schemas.microsoft.com/office/drawing/2014/main" id="{2B97F24A-32CE-4C1C-A50D-3016B394DCFB}"/>
-              </a:ext>
-              <a:ext uri="{C183D7F6-B498-43B3-948B-1728B52AA6E4}">
-                <adec:decorative xmlns:adec="http://schemas.microsoft.com/office/drawing/2017/decorative" val="1"/>
-              </a:ext>
-            </a:extLst>
-          </p:cNvPr>
-          <p:cNvSpPr>
-            <a:spLocks noGrp="1" noRot="1" noChangeAspect="1" noMove="1" noResize="1" noEditPoints="1" noAdjustHandles="1" noChangeArrowheads="1" noChangeShapeType="1" noTextEdit="1"/>
-          </p:cNvSpPr>
-          <p:nvPr>
-            <p:extLst>
-              <p:ext uri="{386F3935-93C4-4BCD-93E2-E3B085C9AB24}">
-                <p16:designElem xmlns:p16="http://schemas.microsoft.com/office/powerpoint/2015/main" val="1"/>
-              </p:ext>
-            </p:extLst>
-          </p:nvPr>
-        </p:nvSpPr>
-        <p:spPr>
-          <a:xfrm>
-            <a:off x="0" y="0"/>
-            <a:ext cx="12192000" cy="6858000"/>
-          </a:xfrm>
-          <a:prstGeom prst="rect">
-            <a:avLst/>
-          </a:prstGeom>
-          <a:ln>
-            <a:noFill/>
-          </a:ln>
-        </p:spPr>
-        <p:style>
-          <a:lnRef idx="2">
-            <a:schemeClr val="accent1">
-              <a:shade val="50000"/>
-            </a:schemeClr>
-          </a:lnRef>
-          <a:fillRef idx="1">
-            <a:schemeClr val="accent1"/>
-          </a:fillRef>
-          <a:effectRef idx="0">
-            <a:schemeClr val="accent1"/>
-          </a:effectRef>
-          <a:fontRef idx="minor">
-            <a:schemeClr val="lt1"/>
-          </a:fontRef>
-        </p:style>
-        <p:txBody>
-          <a:bodyPr rtlCol="0" anchor="ctr"/>
-          <a:lstStyle/>
-          <a:p>
-            <a:pPr algn="ctr"/>
-            <a:endParaRPr lang="en-US"/>
-          </a:p>
-        </p:txBody>
-      </p:sp>
-      <p:sp>
-        <p:nvSpPr>
-          <p:cNvPr id="2" name="Title 1">
-            <a:extLst>
-              <a:ext uri="{FF2B5EF4-FFF2-40B4-BE49-F238E27FC236}">
-                <a16:creationId xmlns:a16="http://schemas.microsoft.com/office/drawing/2014/main" id="{C48B99E3-7349-6C37-6732-B38A2998D1FB}"/>
-              </a:ext>
-            </a:extLst>
-          </p:cNvPr>
-          <p:cNvSpPr>
-            <a:spLocks noGrp="1"/>
-          </p:cNvSpPr>
-          <p:nvPr>
-            <p:ph type="title"/>
-          </p:nvPr>
-        </p:nvSpPr>
-        <p:spPr>
-          <a:xfrm>
-            <a:off x="630935" y="639520"/>
-            <a:ext cx="3934671" cy="1719072"/>
-          </a:xfrm>
-        </p:spPr>
-        <p:txBody>
-          <a:bodyPr anchor="b">
-            <a:normAutofit/>
-          </a:bodyPr>
-          <a:lstStyle/>
-          <a:p>
-            <a:r>
-              <a:rPr lang="en-US" sz="4200" b="1" dirty="0">
-                <a:solidFill>
-                  <a:schemeClr val="bg1"/>
-                </a:solidFill>
-                <a:latin typeface="Arial" panose="020B0604020202020204" pitchFamily="34" charset="0"/>
-                <a:cs typeface="Arial" panose="020B0604020202020204" pitchFamily="34" charset="0"/>
-              </a:rPr>
-              <a:t>Brainstorming</a:t>
-            </a:r>
-          </a:p>
-        </p:txBody>
-      </p:sp>
-      <p:sp>
-        <p:nvSpPr>
-          <p:cNvPr id="15" name="sketch line">
-            <a:extLst>
-              <a:ext uri="{FF2B5EF4-FFF2-40B4-BE49-F238E27FC236}">
-                <a16:creationId xmlns:a16="http://schemas.microsoft.com/office/drawing/2014/main" id="{6357EC4F-235E-4222-A36F-C7878ACE37F2}"/>
-              </a:ext>
-              <a:ext uri="{C183D7F6-B498-43B3-948B-1728B52AA6E4}">
-                <adec:decorative xmlns:adec="http://schemas.microsoft.com/office/drawing/2017/decorative" val="1"/>
-              </a:ext>
-            </a:extLst>
-          </p:cNvPr>
-          <p:cNvSpPr>
-            <a:spLocks noGrp="1" noRot="1" noChangeAspect="1" noMove="1" noResize="1" noEditPoints="1" noAdjustHandles="1" noChangeArrowheads="1" noChangeShapeType="1" noTextEdit="1"/>
-          </p:cNvSpPr>
-          <p:nvPr>
-            <p:extLst>
-              <p:ext uri="{386F3935-93C4-4BCD-93E2-E3B085C9AB24}">
-                <p16:designElem xmlns:p16="http://schemas.microsoft.com/office/powerpoint/2015/main" val="1"/>
-              </p:ext>
-            </p:extLst>
-          </p:nvPr>
-        </p:nvSpPr>
-        <p:spPr>
-          <a:xfrm>
-            <a:off x="643278" y="2573756"/>
-            <a:ext cx="3255095" cy="18288"/>
-          </a:xfrm>
-          <a:custGeom>
-            <a:avLst/>
-            <a:gdLst>
-              <a:gd name="connsiteX0" fmla="*/ 0 w 3255095"/>
-              <a:gd name="connsiteY0" fmla="*/ 0 h 18288"/>
-              <a:gd name="connsiteX1" fmla="*/ 618468 w 3255095"/>
-              <a:gd name="connsiteY1" fmla="*/ 0 h 18288"/>
-              <a:gd name="connsiteX2" fmla="*/ 1269487 w 3255095"/>
-              <a:gd name="connsiteY2" fmla="*/ 0 h 18288"/>
-              <a:gd name="connsiteX3" fmla="*/ 1953057 w 3255095"/>
-              <a:gd name="connsiteY3" fmla="*/ 0 h 18288"/>
-              <a:gd name="connsiteX4" fmla="*/ 2636627 w 3255095"/>
-              <a:gd name="connsiteY4" fmla="*/ 0 h 18288"/>
-              <a:gd name="connsiteX5" fmla="*/ 3255095 w 3255095"/>
-              <a:gd name="connsiteY5" fmla="*/ 0 h 18288"/>
-              <a:gd name="connsiteX6" fmla="*/ 3255095 w 3255095"/>
-              <a:gd name="connsiteY6" fmla="*/ 18288 h 18288"/>
-              <a:gd name="connsiteX7" fmla="*/ 2538974 w 3255095"/>
-              <a:gd name="connsiteY7" fmla="*/ 18288 h 18288"/>
-              <a:gd name="connsiteX8" fmla="*/ 1822853 w 3255095"/>
-              <a:gd name="connsiteY8" fmla="*/ 18288 h 18288"/>
-              <a:gd name="connsiteX9" fmla="*/ 1171834 w 3255095"/>
-              <a:gd name="connsiteY9" fmla="*/ 18288 h 18288"/>
-              <a:gd name="connsiteX10" fmla="*/ 0 w 3255095"/>
-              <a:gd name="connsiteY10" fmla="*/ 18288 h 18288"/>
-              <a:gd name="connsiteX11" fmla="*/ 0 w 3255095"/>
-              <a:gd name="connsiteY11" fmla="*/ 0 h 18288"/>
-            </a:gdLst>
-            <a:ahLst/>
-            <a:cxnLst>
-              <a:cxn ang="0">
-                <a:pos x="connsiteX0" y="connsiteY0"/>
-              </a:cxn>
-              <a:cxn ang="0">
-                <a:pos x="connsiteX1" y="connsiteY1"/>
-              </a:cxn>
-              <a:cxn ang="0">
-                <a:pos x="connsiteX2" y="connsiteY2"/>
-              </a:cxn>
-              <a:cxn ang="0">
-                <a:pos x="connsiteX3" y="connsiteY3"/>
-              </a:cxn>
-              <a:cxn ang="0">
-                <a:pos x="connsiteX4" y="connsiteY4"/>
-              </a:cxn>
-              <a:cxn ang="0">
-                <a:pos x="connsiteX5" y="connsiteY5"/>
-              </a:cxn>
-              <a:cxn ang="0">
-                <a:pos x="connsiteX6" y="connsiteY6"/>
-              </a:cxn>
-              <a:cxn ang="0">
-                <a:pos x="connsiteX7" y="connsiteY7"/>
-              </a:cxn>
-              <a:cxn ang="0">
-                <a:pos x="connsiteX8" y="connsiteY8"/>
-              </a:cxn>
-              <a:cxn ang="0">
-                <a:pos x="connsiteX9" y="connsiteY9"/>
-              </a:cxn>
-              <a:cxn ang="0">
-                <a:pos x="connsiteX10" y="connsiteY10"/>
-              </a:cxn>
-              <a:cxn ang="0">
-                <a:pos x="connsiteX11" y="connsiteY11"/>
-              </a:cxn>
-            </a:cxnLst>
-            <a:rect l="l" t="t" r="r" b="b"/>
-            <a:pathLst>
-              <a:path w="3255095" h="18288" fill="none" extrusionOk="0">
-                <a:moveTo>
-                  <a:pt x="0" y="0"/>
-                </a:moveTo>
-                <a:cubicBezTo>
-                  <a:pt x="240201" y="-22123"/>
-                  <a:pt x="462021" y="-19623"/>
-                  <a:pt x="618468" y="0"/>
-                </a:cubicBezTo>
-                <a:cubicBezTo>
-                  <a:pt x="774915" y="19623"/>
-                  <a:pt x="974734" y="2035"/>
-                  <a:pt x="1269487" y="0"/>
-                </a:cubicBezTo>
-                <a:cubicBezTo>
-                  <a:pt x="1564240" y="-2035"/>
-                  <a:pt x="1733579" y="10639"/>
-                  <a:pt x="1953057" y="0"/>
-                </a:cubicBezTo>
-                <a:cubicBezTo>
-                  <a:pt x="2172535" y="-10639"/>
-                  <a:pt x="2453962" y="14018"/>
-                  <a:pt x="2636627" y="0"/>
-                </a:cubicBezTo>
-                <a:cubicBezTo>
-                  <a:pt x="2819292" y="-14018"/>
-                  <a:pt x="3121375" y="5399"/>
-                  <a:pt x="3255095" y="0"/>
-                </a:cubicBezTo>
-                <a:cubicBezTo>
-                  <a:pt x="3254386" y="8157"/>
-                  <a:pt x="3254682" y="12125"/>
-                  <a:pt x="3255095" y="18288"/>
-                </a:cubicBezTo>
-                <a:cubicBezTo>
-                  <a:pt x="3088545" y="23203"/>
-                  <a:pt x="2687475" y="7419"/>
-                  <a:pt x="2538974" y="18288"/>
-                </a:cubicBezTo>
-                <a:cubicBezTo>
-                  <a:pt x="2390473" y="29157"/>
-                  <a:pt x="2137381" y="-8959"/>
-                  <a:pt x="1822853" y="18288"/>
-                </a:cubicBezTo>
-                <a:cubicBezTo>
-                  <a:pt x="1508325" y="45535"/>
-                  <a:pt x="1466437" y="20385"/>
-                  <a:pt x="1171834" y="18288"/>
-                </a:cubicBezTo>
-                <a:cubicBezTo>
-                  <a:pt x="877231" y="16191"/>
-                  <a:pt x="561097" y="37643"/>
-                  <a:pt x="0" y="18288"/>
-                </a:cubicBezTo>
-                <a:cubicBezTo>
-                  <a:pt x="-46" y="12483"/>
-                  <a:pt x="-203" y="6491"/>
-                  <a:pt x="0" y="0"/>
-                </a:cubicBezTo>
-                <a:close/>
-              </a:path>
-              <a:path w="3255095" h="18288" stroke="0" extrusionOk="0">
-                <a:moveTo>
-                  <a:pt x="0" y="0"/>
-                </a:moveTo>
-                <a:cubicBezTo>
-                  <a:pt x="291965" y="19429"/>
-                  <a:pt x="363155" y="8568"/>
-                  <a:pt x="618468" y="0"/>
-                </a:cubicBezTo>
-                <a:cubicBezTo>
-                  <a:pt x="873781" y="-8568"/>
-                  <a:pt x="904459" y="-19505"/>
-                  <a:pt x="1171834" y="0"/>
-                </a:cubicBezTo>
-                <a:cubicBezTo>
-                  <a:pt x="1439209" y="19505"/>
-                  <a:pt x="1744369" y="9790"/>
-                  <a:pt x="1887955" y="0"/>
-                </a:cubicBezTo>
-                <a:cubicBezTo>
-                  <a:pt x="2031541" y="-9790"/>
-                  <a:pt x="2346378" y="21240"/>
-                  <a:pt x="2506423" y="0"/>
-                </a:cubicBezTo>
-                <a:cubicBezTo>
-                  <a:pt x="2666468" y="-21240"/>
-                  <a:pt x="2990257" y="30414"/>
-                  <a:pt x="3255095" y="0"/>
-                </a:cubicBezTo>
-                <a:cubicBezTo>
-                  <a:pt x="3254831" y="4493"/>
-                  <a:pt x="3255479" y="9472"/>
-                  <a:pt x="3255095" y="18288"/>
-                </a:cubicBezTo>
-                <a:cubicBezTo>
-                  <a:pt x="3120743" y="16690"/>
-                  <a:pt x="2759628" y="42462"/>
-                  <a:pt x="2604076" y="18288"/>
-                </a:cubicBezTo>
-                <a:cubicBezTo>
-                  <a:pt x="2448524" y="-5886"/>
-                  <a:pt x="2184336" y="19599"/>
-                  <a:pt x="1887955" y="18288"/>
-                </a:cubicBezTo>
-                <a:cubicBezTo>
-                  <a:pt x="1591574" y="16977"/>
-                  <a:pt x="1548845" y="6870"/>
-                  <a:pt x="1334589" y="18288"/>
-                </a:cubicBezTo>
-                <a:cubicBezTo>
-                  <a:pt x="1120333" y="29706"/>
-                  <a:pt x="996014" y="9662"/>
-                  <a:pt x="683570" y="18288"/>
-                </a:cubicBezTo>
-                <a:cubicBezTo>
-                  <a:pt x="371126" y="26914"/>
-                  <a:pt x="198687" y="16167"/>
-                  <a:pt x="0" y="18288"/>
-                </a:cubicBezTo>
-                <a:cubicBezTo>
-                  <a:pt x="843" y="9577"/>
-                  <a:pt x="371" y="6900"/>
-                  <a:pt x="0" y="0"/>
-                </a:cubicBezTo>
-                <a:close/>
-              </a:path>
-            </a:pathLst>
-          </a:custGeom>
-          <a:solidFill>
-            <a:schemeClr val="accent2"/>
-          </a:solidFill>
-          <a:ln w="38100" cap="rnd">
-            <a:solidFill>
-              <a:schemeClr val="accent2"/>
-            </a:solidFill>
-            <a:round/>
-            <a:extLst>
-              <a:ext uri="{C807C97D-BFC1-408E-A445-0C87EB9F89A2}">
-                <ask:lineSketchStyleProps xmlns:ask="http://schemas.microsoft.com/office/drawing/2018/sketchyshapes" sd="1219033472">
-                  <a:prstGeom prst="rect">
-                    <a:avLst/>
-                  </a:prstGeom>
-                  <ask:type>
-                    <ask:lineSketchFreehand/>
-                  </ask:type>
-                </ask:lineSketchStyleProps>
-              </a:ext>
-            </a:extLst>
-          </a:ln>
-        </p:spPr>
-        <p:style>
-          <a:lnRef idx="2">
-            <a:schemeClr val="accent1">
-              <a:shade val="50000"/>
-            </a:schemeClr>
-          </a:lnRef>
-          <a:fillRef idx="1">
-            <a:schemeClr val="accent1"/>
-          </a:fillRef>
-          <a:effectRef idx="0">
-            <a:schemeClr val="accent1"/>
-          </a:effectRef>
-          <a:fontRef idx="minor">
-            <a:schemeClr val="lt1"/>
-          </a:fontRef>
-        </p:style>
-        <p:txBody>
-          <a:bodyPr rtlCol="0" anchor="ctr"/>
-          <a:lstStyle/>
-          <a:p>
-            <a:pPr algn="ctr"/>
-            <a:endParaRPr lang="en-US"/>
-          </a:p>
-        </p:txBody>
-      </p:sp>
-      <p:sp>
-        <p:nvSpPr>
-          <p:cNvPr id="3" name="Content Placeholder 2">
-            <a:extLst>
-              <a:ext uri="{FF2B5EF4-FFF2-40B4-BE49-F238E27FC236}">
-                <a16:creationId xmlns:a16="http://schemas.microsoft.com/office/drawing/2014/main" id="{77074993-CA7B-9B6E-CB7D-7CCA7EC561D0}"/>
-              </a:ext>
-            </a:extLst>
-          </p:cNvPr>
-          <p:cNvSpPr>
-            <a:spLocks noGrp="1"/>
-          </p:cNvSpPr>
-          <p:nvPr>
-            <p:ph idx="1"/>
-          </p:nvPr>
-        </p:nvSpPr>
-        <p:spPr>
-          <a:xfrm>
-            <a:off x="630936" y="2807208"/>
-            <a:ext cx="3429000" cy="3410712"/>
-          </a:xfrm>
-        </p:spPr>
-        <p:txBody>
-          <a:bodyPr anchor="t">
-            <a:normAutofit/>
-          </a:bodyPr>
-          <a:lstStyle/>
-          <a:p>
-            <a:r>
-              <a:rPr lang="en-US" sz="2200" dirty="0">
-                <a:solidFill>
-                  <a:schemeClr val="bg1"/>
-                </a:solidFill>
-                <a:latin typeface="Cambria" panose="02040503050406030204" pitchFamily="18" charset="0"/>
-                <a:ea typeface="Cambria" panose="02040503050406030204" pitchFamily="18" charset="0"/>
-              </a:rPr>
-              <a:t>Rows of blank spaces show the length of the word.</a:t>
-            </a:r>
-          </a:p>
-          <a:p>
-            <a:r>
-              <a:rPr lang="en-US" sz="2200" dirty="0">
-                <a:solidFill>
-                  <a:schemeClr val="bg1"/>
-                </a:solidFill>
-                <a:latin typeface="Cambria" panose="02040503050406030204" pitchFamily="18" charset="0"/>
-                <a:ea typeface="Cambria" panose="02040503050406030204" pitchFamily="18" charset="0"/>
-              </a:rPr>
-              <a:t>A hint is provided at the top right.</a:t>
-            </a:r>
-          </a:p>
-        </p:txBody>
-      </p:sp>
-      <p:pic>
-        <p:nvPicPr>
-          <p:cNvPr id="5" name="Picture 4">
-            <a:extLst>
-              <a:ext uri="{FF2B5EF4-FFF2-40B4-BE49-F238E27FC236}">
-                <a16:creationId xmlns:a16="http://schemas.microsoft.com/office/drawing/2014/main" id="{BA3EB846-B57B-20AB-2EEE-0BEEB0B922D8}"/>
-              </a:ext>
-            </a:extLst>
-          </p:cNvPr>
-          <p:cNvPicPr>
-            <a:picLocks noChangeAspect="1"/>
-          </p:cNvPicPr>
-          <p:nvPr/>
-        </p:nvPicPr>
-        <p:blipFill>
-          <a:blip r:embed="rId2"/>
-          <a:stretch>
-            <a:fillRect/>
-          </a:stretch>
-        </p:blipFill>
-        <p:spPr>
-          <a:xfrm>
-            <a:off x="4216690" y="1073414"/>
-            <a:ext cx="7598664" cy="4711171"/>
-          </a:xfrm>
-          <a:prstGeom prst="rect">
-            <a:avLst/>
-          </a:prstGeom>
-        </p:spPr>
-      </p:pic>
-      <p:sp>
-        <p:nvSpPr>
-          <p:cNvPr id="6" name="Arrow: Left 5">
-            <a:extLst>
-              <a:ext uri="{FF2B5EF4-FFF2-40B4-BE49-F238E27FC236}">
-                <a16:creationId xmlns:a16="http://schemas.microsoft.com/office/drawing/2014/main" id="{24CBE3CC-2025-BEE5-AE64-79DEE84CD036}"/>
-              </a:ext>
-            </a:extLst>
-          </p:cNvPr>
-          <p:cNvSpPr/>
-          <p:nvPr/>
-        </p:nvSpPr>
-        <p:spPr>
-          <a:xfrm rot="19686571">
-            <a:off x="7007587" y="1249610"/>
-            <a:ext cx="735357" cy="239147"/>
-          </a:xfrm>
-          <a:prstGeom prst="leftArrow">
-            <a:avLst/>
-          </a:prstGeom>
-          <a:solidFill>
-            <a:srgbClr val="6CFF59"/>
-          </a:solidFill>
-        </p:spPr>
-        <p:style>
-          <a:lnRef idx="2">
-            <a:schemeClr val="accent6">
-              <a:shade val="15000"/>
-            </a:schemeClr>
-          </a:lnRef>
-          <a:fillRef idx="1">
-            <a:schemeClr val="accent6"/>
-          </a:fillRef>
-          <a:effectRef idx="0">
-            <a:schemeClr val="accent6"/>
-          </a:effectRef>
-          <a:fontRef idx="minor">
-            <a:schemeClr val="lt1"/>
-          </a:fontRef>
-        </p:style>
-        <p:txBody>
-          <a:bodyPr rtlCol="0" anchor="ctr"/>
-          <a:lstStyle/>
-          <a:p>
-            <a:pPr algn="ctr"/>
-            <a:endParaRPr lang="en-US"/>
-          </a:p>
-        </p:txBody>
-      </p:sp>
-      <p:sp>
-        <p:nvSpPr>
-          <p:cNvPr id="7" name="TextBox 6">
-            <a:extLst>
-              <a:ext uri="{FF2B5EF4-FFF2-40B4-BE49-F238E27FC236}">
-                <a16:creationId xmlns:a16="http://schemas.microsoft.com/office/drawing/2014/main" id="{BFB5F8E3-9142-6EA8-8C44-8E5A62EFF82D}"/>
-              </a:ext>
-            </a:extLst>
-          </p:cNvPr>
-          <p:cNvSpPr txBox="1"/>
-          <p:nvPr/>
-        </p:nvSpPr>
-        <p:spPr>
-          <a:xfrm>
-            <a:off x="7681879" y="946373"/>
-            <a:ext cx="1189493" cy="369332"/>
-          </a:xfrm>
-          <a:prstGeom prst="rect">
-            <a:avLst/>
-          </a:prstGeom>
-          <a:noFill/>
-        </p:spPr>
-        <p:txBody>
-          <a:bodyPr wrap="none" rtlCol="0">
-            <a:spAutoFit/>
-          </a:bodyPr>
-          <a:lstStyle/>
-          <a:p>
-            <a:r>
-              <a:rPr lang="en-US" dirty="0">
-                <a:solidFill>
-                  <a:schemeClr val="bg1"/>
-                </a:solidFill>
-              </a:rPr>
-              <a:t>Length is 4</a:t>
-            </a:r>
-          </a:p>
-        </p:txBody>
-      </p:sp>
-    </p:spTree>
-    <p:extLst>
-      <p:ext uri="{BB962C8B-B14F-4D97-AF65-F5344CB8AC3E}">
-        <p14:creationId xmlns:p14="http://schemas.microsoft.com/office/powerpoint/2010/main" val="1021666059"/>
-      </p:ext>
-    </p:extLst>
-  </p:cSld>
-  <p:clrMapOvr>
-    <a:masterClrMapping/>
-  </p:clrMapOvr>
-</p:sld>
-</file>
-
-<file path=ppt/slides/slide9.xml><?xml version="1.0" encoding="utf-8"?>
-<p:sld xmlns:a="http://schemas.openxmlformats.org/drawingml/2006/main" xmlns:r="http://schemas.openxmlformats.org/officeDocument/2006/relationships" xmlns:p="http://schemas.openxmlformats.org/presentationml/2006/main">
-  <p:cSld>
-    <p:bg>
-      <p:bgPr>
-        <a:solidFill>
-          <a:srgbClr val="2F4F4F"/>
-        </a:solidFill>
-        <a:effectLst/>
-      </p:bgPr>
-    </p:bg>
-    <p:spTree>
-      <p:nvGrpSpPr>
-        <p:cNvPr id="1" name=""/>
-        <p:cNvGrpSpPr/>
-        <p:nvPr/>
-      </p:nvGrpSpPr>
-      <p:grpSpPr>
-        <a:xfrm>
-          <a:off x="0" y="0"/>
-          <a:ext cx="0" cy="0"/>
-          <a:chOff x="0" y="0"/>
-          <a:chExt cx="0" cy="0"/>
-        </a:xfrm>
-      </p:grpSpPr>
-      <p:sp useBgFill="1">
-        <p:nvSpPr>
-          <p:cNvPr id="10" name="Rectangle 9">
-            <a:extLst>
-              <a:ext uri="{FF2B5EF4-FFF2-40B4-BE49-F238E27FC236}">
-                <a16:creationId xmlns:a16="http://schemas.microsoft.com/office/drawing/2014/main" id="{FF81F8D5-515A-45DC-B296-30AB11F2C19F}"/>
-              </a:ext>
-              <a:ext uri="{C183D7F6-B498-43B3-948B-1728B52AA6E4}">
-                <adec:decorative xmlns:adec="http://schemas.microsoft.com/office/drawing/2017/decorative" val="1"/>
-              </a:ext>
-            </a:extLst>
-          </p:cNvPr>
-          <p:cNvSpPr>
-            <a:spLocks noGrp="1" noRot="1" noChangeAspect="1" noMove="1" noResize="1" noEditPoints="1" noAdjustHandles="1" noChangeArrowheads="1" noChangeShapeType="1" noTextEdit="1"/>
-          </p:cNvSpPr>
-          <p:nvPr>
-            <p:extLst>
-              <p:ext uri="{386F3935-93C4-4BCD-93E2-E3B085C9AB24}">
-                <p16:designElem xmlns:p16="http://schemas.microsoft.com/office/powerpoint/2015/main" val="1"/>
-              </p:ext>
-            </p:extLst>
-          </p:nvPr>
-        </p:nvSpPr>
-        <p:spPr>
-          <a:xfrm>
-            <a:off x="0" y="0"/>
-            <a:ext cx="12191999" cy="6857365"/>
-          </a:xfrm>
-          <a:prstGeom prst="rect">
-            <a:avLst/>
-          </a:prstGeom>
-          <a:ln>
-            <a:noFill/>
-          </a:ln>
-        </p:spPr>
-        <p:style>
-          <a:lnRef idx="2">
-            <a:schemeClr val="accent1">
-              <a:shade val="50000"/>
-            </a:schemeClr>
-          </a:lnRef>
-          <a:fillRef idx="1">
-            <a:schemeClr val="accent1"/>
-          </a:fillRef>
-          <a:effectRef idx="0">
-            <a:schemeClr val="accent1"/>
-          </a:effectRef>
-          <a:fontRef idx="minor">
-            <a:schemeClr val="lt1"/>
-          </a:fontRef>
-        </p:style>
-        <p:txBody>
-          <a:bodyPr rtlCol="0" anchor="ctr"/>
-          <a:lstStyle/>
-          <a:p>
-            <a:pPr algn="ctr"/>
-            <a:endParaRPr lang="en-US"/>
-          </a:p>
-        </p:txBody>
-      </p:sp>
-      <p:sp>
-        <p:nvSpPr>
-          <p:cNvPr id="12" name="Rectangle 11">
-            <a:extLst>
-              <a:ext uri="{FF2B5EF4-FFF2-40B4-BE49-F238E27FC236}">
-                <a16:creationId xmlns:a16="http://schemas.microsoft.com/office/drawing/2014/main" id="{90464369-70FA-42AF-948F-80664CA7BFE5}"/>
-              </a:ext>
-              <a:ext uri="{C183D7F6-B498-43B3-948B-1728B52AA6E4}">
-                <adec:decorative xmlns:adec="http://schemas.microsoft.com/office/drawing/2017/decorative" val="1"/>
-              </a:ext>
-            </a:extLst>
-          </p:cNvPr>
-          <p:cNvSpPr>
-            <a:spLocks noGrp="1" noRot="1" noChangeAspect="1" noMove="1" noResize="1" noEditPoints="1" noAdjustHandles="1" noChangeArrowheads="1" noChangeShapeType="1" noTextEdit="1"/>
-          </p:cNvSpPr>
-          <p:nvPr>
-            <p:extLst>
-              <p:ext uri="{386F3935-93C4-4BCD-93E2-E3B085C9AB24}">
-                <p16:designElem xmlns:p16="http://schemas.microsoft.com/office/powerpoint/2015/main" val="1"/>
-              </p:ext>
-            </p:extLst>
-          </p:nvPr>
-        </p:nvSpPr>
-        <p:spPr>
-          <a:xfrm>
-            <a:off x="0" y="0"/>
-            <a:ext cx="12192000" cy="2146816"/>
-          </a:xfrm>
-          <a:prstGeom prst="rect">
-            <a:avLst/>
-          </a:prstGeom>
-          <a:solidFill>
-            <a:schemeClr val="bg1">
-              <a:lumMod val="85000"/>
-              <a:alpha val="35000"/>
-            </a:schemeClr>
-          </a:solidFill>
-          <a:ln>
-            <a:noFill/>
-          </a:ln>
-        </p:spPr>
-        <p:style>
-          <a:lnRef idx="2">
-            <a:schemeClr val="accent1">
-              <a:shade val="50000"/>
-            </a:schemeClr>
-          </a:lnRef>
-          <a:fillRef idx="1">
-            <a:schemeClr val="accent1"/>
-          </a:fillRef>
-          <a:effectRef idx="0">
-            <a:schemeClr val="accent1"/>
-          </a:effectRef>
-          <a:fontRef idx="minor">
-            <a:schemeClr val="lt1"/>
-          </a:fontRef>
-        </p:style>
-        <p:txBody>
-          <a:bodyPr rtlCol="0" anchor="ctr"/>
-          <a:lstStyle/>
-          <a:p>
-            <a:pPr algn="ctr"/>
-            <a:endParaRPr lang="en-US"/>
-          </a:p>
-        </p:txBody>
-      </p:sp>
-      <p:sp>
-        <p:nvSpPr>
-          <p:cNvPr id="2" name="Title 1">
-            <a:extLst>
-              <a:ext uri="{FF2B5EF4-FFF2-40B4-BE49-F238E27FC236}">
-                <a16:creationId xmlns:a16="http://schemas.microsoft.com/office/drawing/2014/main" id="{418F8B60-14D5-6BA2-D73F-A4DD2B052B76}"/>
-              </a:ext>
-            </a:extLst>
-          </p:cNvPr>
-          <p:cNvSpPr>
-            <a:spLocks noGrp="1"/>
-          </p:cNvSpPr>
-          <p:nvPr>
-            <p:ph type="title"/>
-          </p:nvPr>
-        </p:nvSpPr>
-        <p:spPr>
-          <a:xfrm>
-            <a:off x="581646" y="349664"/>
-            <a:ext cx="5845571" cy="1638377"/>
-          </a:xfrm>
-          <a:effectLst>
-            <a:outerShdw blurRad="50800" dist="50800" dir="5400000" algn="ctr" rotWithShape="0">
-              <a:srgbClr val="000000">
-                <a:alpha val="74000"/>
-              </a:srgbClr>
-            </a:outerShdw>
-          </a:effectLst>
-        </p:spPr>
-        <p:txBody>
-          <a:bodyPr anchor="b">
-            <a:normAutofit/>
-          </a:bodyPr>
-          <a:lstStyle/>
-          <a:p>
-            <a:r>
-              <a:rPr lang="en-US" sz="4800" b="1" dirty="0">
-                <a:solidFill>
-                  <a:schemeClr val="bg1"/>
-                </a:solidFill>
-                <a:latin typeface="Arial" panose="020B0604020202020204" pitchFamily="34" charset="0"/>
-                <a:ea typeface="Cambria" panose="02040503050406030204" pitchFamily="18" charset="0"/>
-                <a:cs typeface="Arial" panose="020B0604020202020204" pitchFamily="34" charset="0"/>
-              </a:rPr>
-              <a:t>Making a Guess</a:t>
-            </a:r>
-          </a:p>
-        </p:txBody>
-      </p:sp>
-      <p:sp>
-        <p:nvSpPr>
-          <p:cNvPr id="3" name="Content Placeholder 2">
-            <a:extLst>
-              <a:ext uri="{FF2B5EF4-FFF2-40B4-BE49-F238E27FC236}">
-                <a16:creationId xmlns:a16="http://schemas.microsoft.com/office/drawing/2014/main" id="{51858DEB-0F33-13F4-317F-86C05A584013}"/>
-              </a:ext>
-            </a:extLst>
-          </p:cNvPr>
-          <p:cNvSpPr>
-            <a:spLocks noGrp="1"/>
-          </p:cNvSpPr>
-          <p:nvPr>
-            <p:ph idx="1"/>
-          </p:nvPr>
-        </p:nvSpPr>
-        <p:spPr>
-          <a:xfrm>
-            <a:off x="587988" y="2337705"/>
-            <a:ext cx="6384004" cy="3306638"/>
-          </a:xfrm>
-        </p:spPr>
-        <p:txBody>
-          <a:bodyPr anchor="ctr">
-            <a:normAutofit/>
-          </a:bodyPr>
-          <a:lstStyle/>
-          <a:p>
-            <a:r>
-              <a:rPr lang="en-US" sz="2000" dirty="0">
-                <a:solidFill>
-                  <a:schemeClr val="bg1"/>
-                </a:solidFill>
-                <a:latin typeface="Cambria" panose="02040503050406030204" pitchFamily="18" charset="0"/>
-                <a:ea typeface="Cambria" panose="02040503050406030204" pitchFamily="18" charset="0"/>
-              </a:rPr>
-              <a:t>The player may type using their physical keyboard, or the </a:t>
-            </a:r>
-            <a:r>
-              <a:rPr lang="en-US" sz="2000" dirty="0">
-                <a:solidFill>
-                  <a:srgbClr val="6CFF59"/>
-                </a:solidFill>
-                <a:latin typeface="Cambria" panose="02040503050406030204" pitchFamily="18" charset="0"/>
-                <a:ea typeface="Cambria" panose="02040503050406030204" pitchFamily="18" charset="0"/>
-              </a:rPr>
-              <a:t>on-screen keyboard </a:t>
-            </a:r>
-            <a:r>
-              <a:rPr lang="en-US" sz="2000" dirty="0">
-                <a:solidFill>
-                  <a:schemeClr val="bg1"/>
-                </a:solidFill>
-                <a:latin typeface="Cambria" panose="02040503050406030204" pitchFamily="18" charset="0"/>
-                <a:ea typeface="Cambria" panose="02040503050406030204" pitchFamily="18" charset="0"/>
-              </a:rPr>
-              <a:t>to enter letters.</a:t>
-            </a:r>
-          </a:p>
-          <a:p>
-            <a:r>
-              <a:rPr lang="en-US" sz="2000" dirty="0">
-                <a:solidFill>
-                  <a:schemeClr val="bg1"/>
-                </a:solidFill>
-                <a:latin typeface="Cambria" panose="02040503050406030204" pitchFamily="18" charset="0"/>
-                <a:ea typeface="Cambria" panose="02040503050406030204" pitchFamily="18" charset="0"/>
-              </a:rPr>
-              <a:t>Guess will be </a:t>
-            </a:r>
-            <a:r>
-              <a:rPr lang="en-US" sz="2000" dirty="0">
-                <a:solidFill>
-                  <a:srgbClr val="FF4B4B"/>
-                </a:solidFill>
-                <a:latin typeface="Cambria" panose="02040503050406030204" pitchFamily="18" charset="0"/>
-                <a:ea typeface="Cambria" panose="02040503050406030204" pitchFamily="18" charset="0"/>
-              </a:rPr>
-              <a:t>spellchecked</a:t>
-            </a:r>
-            <a:r>
-              <a:rPr lang="en-US" sz="2000" dirty="0">
-                <a:solidFill>
-                  <a:schemeClr val="bg1"/>
-                </a:solidFill>
-                <a:latin typeface="Cambria" panose="02040503050406030204" pitchFamily="18" charset="0"/>
-                <a:ea typeface="Cambria" panose="02040503050406030204" pitchFamily="18" charset="0"/>
-              </a:rPr>
-              <a:t> and submitted as an attempt.</a:t>
-            </a:r>
-          </a:p>
-          <a:p>
-            <a:r>
-              <a:rPr lang="en-US" sz="2000" dirty="0">
-                <a:solidFill>
-                  <a:srgbClr val="6CFF59"/>
-                </a:solidFill>
-                <a:latin typeface="Cambria" panose="02040503050406030204" pitchFamily="18" charset="0"/>
-                <a:ea typeface="Cambria" panose="02040503050406030204" pitchFamily="18" charset="0"/>
-              </a:rPr>
-              <a:t>Green letters </a:t>
-            </a:r>
-            <a:r>
-              <a:rPr lang="en-US" sz="2000" dirty="0">
-                <a:solidFill>
-                  <a:schemeClr val="bg1"/>
-                </a:solidFill>
-                <a:latin typeface="Cambria" panose="02040503050406030204" pitchFamily="18" charset="0"/>
-                <a:ea typeface="Cambria" panose="02040503050406030204" pitchFamily="18" charset="0"/>
-              </a:rPr>
-              <a:t>are correct, </a:t>
-            </a:r>
-            <a:r>
-              <a:rPr lang="en-US" sz="2000" dirty="0">
-                <a:solidFill>
-                  <a:srgbClr val="FFC34A"/>
-                </a:solidFill>
-                <a:latin typeface="Cambria" panose="02040503050406030204" pitchFamily="18" charset="0"/>
-                <a:ea typeface="Cambria" panose="02040503050406030204" pitchFamily="18" charset="0"/>
-              </a:rPr>
-              <a:t>orange letters </a:t>
-            </a:r>
-            <a:r>
-              <a:rPr lang="en-US" sz="2000" dirty="0">
-                <a:solidFill>
-                  <a:schemeClr val="bg1"/>
-                </a:solidFill>
-                <a:latin typeface="Cambria" panose="02040503050406030204" pitchFamily="18" charset="0"/>
-                <a:ea typeface="Cambria" panose="02040503050406030204" pitchFamily="18" charset="0"/>
-              </a:rPr>
-              <a:t>are in the incorrect place, and </a:t>
-            </a:r>
-            <a:r>
-              <a:rPr lang="en-US" sz="2000" dirty="0">
-                <a:solidFill>
-                  <a:srgbClr val="FF4B4B"/>
-                </a:solidFill>
-                <a:latin typeface="Cambria" panose="02040503050406030204" pitchFamily="18" charset="0"/>
-                <a:ea typeface="Cambria" panose="02040503050406030204" pitchFamily="18" charset="0"/>
-              </a:rPr>
-              <a:t>red letters </a:t>
-            </a:r>
-            <a:r>
-              <a:rPr lang="en-US" sz="2000" dirty="0">
-                <a:solidFill>
-                  <a:schemeClr val="bg1"/>
-                </a:solidFill>
-                <a:latin typeface="Cambria" panose="02040503050406030204" pitchFamily="18" charset="0"/>
-                <a:ea typeface="Cambria" panose="02040503050406030204" pitchFamily="18" charset="0"/>
-              </a:rPr>
-              <a:t>are incorrect.</a:t>
-            </a:r>
-          </a:p>
-          <a:p>
-            <a:r>
-              <a:rPr lang="en-US" sz="2000" dirty="0">
-                <a:solidFill>
-                  <a:schemeClr val="bg1"/>
-                </a:solidFill>
-                <a:latin typeface="Cambria" panose="02040503050406030204" pitchFamily="18" charset="0"/>
-                <a:ea typeface="Cambria" panose="02040503050406030204" pitchFamily="18" charset="0"/>
-              </a:rPr>
-              <a:t>The player does not have to remember what they have already found.</a:t>
-            </a:r>
-          </a:p>
-        </p:txBody>
-      </p:sp>
-      <p:sp>
-        <p:nvSpPr>
-          <p:cNvPr id="14" name="Rectangle 13">
-            <a:extLst>
-              <a:ext uri="{FF2B5EF4-FFF2-40B4-BE49-F238E27FC236}">
-                <a16:creationId xmlns:a16="http://schemas.microsoft.com/office/drawing/2014/main" id="{A6604B49-AD5C-4590-B051-06C8222ECD99}"/>
-              </a:ext>
-              <a:ext uri="{C183D7F6-B498-43B3-948B-1728B52AA6E4}">
-                <adec:decorative xmlns:adec="http://schemas.microsoft.com/office/drawing/2017/decorative" val="1"/>
-              </a:ext>
-            </a:extLst>
-          </p:cNvPr>
-          <p:cNvSpPr>
-            <a:spLocks noGrp="1" noRot="1" noChangeAspect="1" noMove="1" noResize="1" noEditPoints="1" noAdjustHandles="1" noChangeArrowheads="1" noChangeShapeType="1" noTextEdit="1"/>
-          </p:cNvSpPr>
-          <p:nvPr>
-            <p:extLst>
-              <p:ext uri="{386F3935-93C4-4BCD-93E2-E3B085C9AB24}">
-                <p16:designElem xmlns:p16="http://schemas.microsoft.com/office/powerpoint/2015/main" val="1"/>
-              </p:ext>
-            </p:extLst>
-          </p:nvPr>
-        </p:nvSpPr>
-        <p:spPr>
-          <a:xfrm rot="16200000" flipH="1">
-            <a:off x="5669568" y="277912"/>
-            <a:ext cx="524256" cy="11863390"/>
-          </a:xfrm>
-          <a:prstGeom prst="rect">
-            <a:avLst/>
-          </a:prstGeom>
-          <a:solidFill>
-            <a:schemeClr val="accent4"/>
-          </a:solidFill>
-          <a:ln>
-            <a:noFill/>
-          </a:ln>
-        </p:spPr>
-        <p:style>
-          <a:lnRef idx="2">
-            <a:schemeClr val="accent1">
-              <a:shade val="50000"/>
-            </a:schemeClr>
-          </a:lnRef>
-          <a:fillRef idx="1">
-            <a:schemeClr val="accent1"/>
-          </a:fillRef>
-          <a:effectRef idx="0">
-            <a:schemeClr val="accent1"/>
-          </a:effectRef>
-          <a:fontRef idx="minor">
-            <a:schemeClr val="lt1"/>
-          </a:fontRef>
-        </p:style>
-        <p:txBody>
-          <a:bodyPr rtlCol="0" anchor="ctr"/>
-          <a:lstStyle/>
-          <a:p>
-            <a:pPr algn="ctr"/>
-            <a:endParaRPr lang="en-US"/>
-          </a:p>
-        </p:txBody>
-      </p:sp>
-      <p:sp>
-        <p:nvSpPr>
-          <p:cNvPr id="16" name="Rectangle 15">
-            <a:extLst>
-              <a:ext uri="{FF2B5EF4-FFF2-40B4-BE49-F238E27FC236}">
-                <a16:creationId xmlns:a16="http://schemas.microsoft.com/office/drawing/2014/main" id="{CC552A98-EF7D-4D42-AB69-066B786AB55B}"/>
-              </a:ext>
-              <a:ext uri="{C183D7F6-B498-43B3-948B-1728B52AA6E4}">
-                <adec:decorative xmlns:adec="http://schemas.microsoft.com/office/drawing/2017/decorative" val="1"/>
-              </a:ext>
-            </a:extLst>
-          </p:cNvPr>
-          <p:cNvSpPr>
-            <a:spLocks noGrp="1" noRot="1" noChangeAspect="1" noMove="1" noResize="1" noEditPoints="1" noAdjustHandles="1" noChangeArrowheads="1" noChangeShapeType="1" noTextEdit="1"/>
-          </p:cNvSpPr>
-          <p:nvPr>
-            <p:extLst>
-              <p:ext uri="{386F3935-93C4-4BCD-93E2-E3B085C9AB24}">
-                <p16:designElem xmlns:p16="http://schemas.microsoft.com/office/powerpoint/2015/main" val="1"/>
-              </p:ext>
-            </p:extLst>
-          </p:nvPr>
-        </p:nvSpPr>
-        <p:spPr>
-          <a:xfrm>
-            <a:off x="7215447" y="399675"/>
-            <a:ext cx="4647368" cy="5809932"/>
-          </a:xfrm>
-          <a:prstGeom prst="rect">
-            <a:avLst/>
-          </a:prstGeom>
-          <a:solidFill>
-            <a:schemeClr val="bg1"/>
-          </a:solidFill>
-          <a:ln>
-            <a:noFill/>
-          </a:ln>
-          <a:effectLst>
-            <a:outerShdw blurRad="139700" dist="127000" dir="5400000" algn="t" rotWithShape="0">
-              <a:prstClr val="black">
-                <a:alpha val="15000"/>
-              </a:prstClr>
-            </a:outerShdw>
-          </a:effectLst>
-        </p:spPr>
-        <p:style>
-          <a:lnRef idx="2">
-            <a:schemeClr val="accent1">
-              <a:shade val="50000"/>
-            </a:schemeClr>
-          </a:lnRef>
-          <a:fillRef idx="1">
-            <a:schemeClr val="accent1"/>
-          </a:fillRef>
-          <a:effectRef idx="0">
-            <a:schemeClr val="accent1"/>
-          </a:effectRef>
-          <a:fontRef idx="minor">
-            <a:schemeClr val="lt1"/>
-          </a:fontRef>
-        </p:style>
-        <p:txBody>
-          <a:bodyPr rtlCol="0" anchor="ctr"/>
-          <a:lstStyle/>
-          <a:p>
-            <a:pPr algn="ctr"/>
-            <a:endParaRPr lang="en-US"/>
-          </a:p>
-        </p:txBody>
-      </p:sp>
-      <p:pic>
-        <p:nvPicPr>
-          <p:cNvPr id="5" name="Picture 4">
-            <a:extLst>
-              <a:ext uri="{FF2B5EF4-FFF2-40B4-BE49-F238E27FC236}">
-                <a16:creationId xmlns:a16="http://schemas.microsoft.com/office/drawing/2014/main" id="{63661E1F-DEE3-D858-75D7-7789C007F4C0}"/>
-              </a:ext>
-            </a:extLst>
-          </p:cNvPr>
-          <p:cNvPicPr>
-            <a:picLocks noChangeAspect="1"/>
-          </p:cNvPicPr>
-          <p:nvPr/>
-        </p:nvPicPr>
-        <p:blipFill rotWithShape="1">
-          <a:blip r:embed="rId2"/>
-          <a:srcRect t="5442" r="-2" b="2922"/>
-          <a:stretch/>
-        </p:blipFill>
-        <p:spPr>
-          <a:xfrm>
-            <a:off x="7421373" y="627954"/>
-            <a:ext cx="4235516" cy="5353373"/>
-          </a:xfrm>
-          <a:prstGeom prst="rect">
-            <a:avLst/>
-          </a:prstGeom>
-        </p:spPr>
-      </p:pic>
-      <p:sp>
-        <p:nvSpPr>
-          <p:cNvPr id="18" name="Rectangle 17">
-            <a:extLst>
-              <a:ext uri="{FF2B5EF4-FFF2-40B4-BE49-F238E27FC236}">
-                <a16:creationId xmlns:a16="http://schemas.microsoft.com/office/drawing/2014/main" id="{A648176E-454C-437C-B0FC-9B82FCF32B24}"/>
-              </a:ext>
-              <a:ext uri="{C183D7F6-B498-43B3-948B-1728B52AA6E4}">
-                <adec:decorative xmlns:adec="http://schemas.microsoft.com/office/drawing/2017/decorative" val="1"/>
-              </a:ext>
-            </a:extLst>
-          </p:cNvPr>
-          <p:cNvSpPr>
-            <a:spLocks noGrp="1" noRot="1" noChangeAspect="1" noMove="1" noResize="1" noEditPoints="1" noAdjustHandles="1" noChangeArrowheads="1" noChangeShapeType="1" noTextEdit="1"/>
-          </p:cNvSpPr>
-          <p:nvPr>
-            <p:extLst>
-              <p:ext uri="{386F3935-93C4-4BCD-93E2-E3B085C9AB24}">
-                <p16:designElem xmlns:p16="http://schemas.microsoft.com/office/powerpoint/2015/main" val="1"/>
-              </p:ext>
-            </p:extLst>
-          </p:nvPr>
-        </p:nvSpPr>
-        <p:spPr>
-          <a:xfrm rot="5400000">
-            <a:off x="11774185" y="6131892"/>
-            <a:ext cx="524256" cy="152382"/>
-          </a:xfrm>
-          <a:prstGeom prst="rect">
-            <a:avLst/>
-          </a:prstGeom>
-          <a:solidFill>
-            <a:schemeClr val="accent4"/>
-          </a:solidFill>
-          <a:ln>
-            <a:noFill/>
-          </a:ln>
-        </p:spPr>
-        <p:style>
-          <a:lnRef idx="2">
-            <a:schemeClr val="accent1">
-              <a:shade val="50000"/>
-            </a:schemeClr>
-          </a:lnRef>
-          <a:fillRef idx="1">
-            <a:schemeClr val="accent1"/>
-          </a:fillRef>
-          <a:effectRef idx="0">
-            <a:schemeClr val="accent1"/>
-          </a:effectRef>
-          <a:fontRef idx="minor">
-            <a:schemeClr val="lt1"/>
-          </a:fontRef>
-        </p:style>
-        <p:txBody>
-          <a:bodyPr rtlCol="0" anchor="ctr"/>
-          <a:lstStyle/>
-          <a:p>
-            <a:pPr algn="ctr"/>
-            <a:endParaRPr lang="en-US"/>
-          </a:p>
-        </p:txBody>
-      </p:sp>
-    </p:spTree>
-    <p:extLst>
-      <p:ext uri="{BB962C8B-B14F-4D97-AF65-F5344CB8AC3E}">
-        <p14:creationId xmlns:p14="http://schemas.microsoft.com/office/powerpoint/2010/main" val="2756419199"/>
       </p:ext>
     </p:extLst>
   </p:cSld>

--- a/projects/crosswordle2/CrossWordle Presentation.pptx
+++ b/projects/crosswordle2/CrossWordle Presentation.pptx
@@ -218,7 +218,7 @@
           <a:p>
             <a:fld id="{2F4773D6-586D-CC45-9097-85C9C8AD8DB1}" type="datetimeFigureOut">
               <a:rPr lang="en-US" smtClean="0"/>
-              <a:t>6/26/2023</a:t>
+              <a:t>6/27/23</a:t>
             </a:fld>
             <a:endParaRPr lang="en-US"/>
           </a:p>
@@ -716,7 +716,7 @@
           <a:p>
             <a:fld id="{965FD8D6-C471-4C27-8953-0AF5992EEF52}" type="datetimeFigureOut">
               <a:rPr lang="en-US" smtClean="0"/>
-              <a:t>6/26/2023</a:t>
+              <a:t>6/27/23</a:t>
             </a:fld>
             <a:endParaRPr lang="en-US"/>
           </a:p>
@@ -914,7 +914,7 @@
           <a:p>
             <a:fld id="{965FD8D6-C471-4C27-8953-0AF5992EEF52}" type="datetimeFigureOut">
               <a:rPr lang="en-US" smtClean="0"/>
-              <a:t>6/26/2023</a:t>
+              <a:t>6/27/23</a:t>
             </a:fld>
             <a:endParaRPr lang="en-US"/>
           </a:p>
@@ -1122,7 +1122,7 @@
           <a:p>
             <a:fld id="{965FD8D6-C471-4C27-8953-0AF5992EEF52}" type="datetimeFigureOut">
               <a:rPr lang="en-US" smtClean="0"/>
-              <a:t>6/26/2023</a:t>
+              <a:t>6/27/23</a:t>
             </a:fld>
             <a:endParaRPr lang="en-US"/>
           </a:p>
@@ -1320,7 +1320,7 @@
           <a:p>
             <a:fld id="{965FD8D6-C471-4C27-8953-0AF5992EEF52}" type="datetimeFigureOut">
               <a:rPr lang="en-US" smtClean="0"/>
-              <a:t>6/26/2023</a:t>
+              <a:t>6/27/23</a:t>
             </a:fld>
             <a:endParaRPr lang="en-US"/>
           </a:p>
@@ -1595,7 +1595,7 @@
           <a:p>
             <a:fld id="{965FD8D6-C471-4C27-8953-0AF5992EEF52}" type="datetimeFigureOut">
               <a:rPr lang="en-US" smtClean="0"/>
-              <a:t>6/26/2023</a:t>
+              <a:t>6/27/23</a:t>
             </a:fld>
             <a:endParaRPr lang="en-US"/>
           </a:p>
@@ -1860,7 +1860,7 @@
           <a:p>
             <a:fld id="{965FD8D6-C471-4C27-8953-0AF5992EEF52}" type="datetimeFigureOut">
               <a:rPr lang="en-US" smtClean="0"/>
-              <a:t>6/26/2023</a:t>
+              <a:t>6/27/23</a:t>
             </a:fld>
             <a:endParaRPr lang="en-US"/>
           </a:p>
@@ -2272,7 +2272,7 @@
           <a:p>
             <a:fld id="{965FD8D6-C471-4C27-8953-0AF5992EEF52}" type="datetimeFigureOut">
               <a:rPr lang="en-US" smtClean="0"/>
-              <a:t>6/26/2023</a:t>
+              <a:t>6/27/23</a:t>
             </a:fld>
             <a:endParaRPr lang="en-US"/>
           </a:p>
@@ -2413,7 +2413,7 @@
           <a:p>
             <a:fld id="{965FD8D6-C471-4C27-8953-0AF5992EEF52}" type="datetimeFigureOut">
               <a:rPr lang="en-US" smtClean="0"/>
-              <a:t>6/26/2023</a:t>
+              <a:t>6/27/23</a:t>
             </a:fld>
             <a:endParaRPr lang="en-US"/>
           </a:p>
@@ -2526,7 +2526,7 @@
           <a:p>
             <a:fld id="{965FD8D6-C471-4C27-8953-0AF5992EEF52}" type="datetimeFigureOut">
               <a:rPr lang="en-US" smtClean="0"/>
-              <a:t>6/26/2023</a:t>
+              <a:t>6/27/23</a:t>
             </a:fld>
             <a:endParaRPr lang="en-US"/>
           </a:p>
@@ -2837,7 +2837,7 @@
           <a:p>
             <a:fld id="{965FD8D6-C471-4C27-8953-0AF5992EEF52}" type="datetimeFigureOut">
               <a:rPr lang="en-US" smtClean="0"/>
-              <a:t>6/26/2023</a:t>
+              <a:t>6/27/23</a:t>
             </a:fld>
             <a:endParaRPr lang="en-US"/>
           </a:p>
@@ -3125,7 +3125,7 @@
           <a:p>
             <a:fld id="{965FD8D6-C471-4C27-8953-0AF5992EEF52}" type="datetimeFigureOut">
               <a:rPr lang="en-US" smtClean="0"/>
-              <a:t>6/26/2023</a:t>
+              <a:t>6/27/23</a:t>
             </a:fld>
             <a:endParaRPr lang="en-US"/>
           </a:p>
@@ -3366,7 +3366,7 @@
           <a:p>
             <a:fld id="{965FD8D6-C471-4C27-8953-0AF5992EEF52}" type="datetimeFigureOut">
               <a:rPr lang="en-US" smtClean="0"/>
-              <a:t>6/26/2023</a:t>
+              <a:t>6/27/23</a:t>
             </a:fld>
             <a:endParaRPr lang="en-US"/>
           </a:p>
@@ -5563,7 +5563,7 @@
 </file>
 
 <file path=ppt/slides/slide11.xml><?xml version="1.0" encoding="utf-8"?>
-<p:sld xmlns:a="http://schemas.openxmlformats.org/drawingml/2006/main" xmlns:r="http://schemas.openxmlformats.org/officeDocument/2006/relationships" xmlns:p="http://schemas.openxmlformats.org/presentationml/2006/main">
+<p:sld xmlns:a="http://schemas.openxmlformats.org/drawingml/2006/main" xmlns:r="http://schemas.openxmlformats.org/officeDocument/2006/relationships" xmlns:p="http://schemas.openxmlformats.org/presentationml/2006/main" show="0">
   <p:cSld>
     <p:bg>
       <p:bgPr>
@@ -6168,7 +6168,7 @@
 </file>
 
 <file path=ppt/slides/slide12.xml><?xml version="1.0" encoding="utf-8"?>
-<p:sld xmlns:a="http://schemas.openxmlformats.org/drawingml/2006/main" xmlns:r="http://schemas.openxmlformats.org/officeDocument/2006/relationships" xmlns:p="http://schemas.openxmlformats.org/presentationml/2006/main">
+<p:sld xmlns:a="http://schemas.openxmlformats.org/drawingml/2006/main" xmlns:r="http://schemas.openxmlformats.org/officeDocument/2006/relationships" xmlns:p="http://schemas.openxmlformats.org/presentationml/2006/main" show="0">
   <p:cSld>
     <p:bg>
       <p:bgPr>
@@ -10922,7 +10922,7 @@
 </file>
 
 <file path=ppt/slides/slide20.xml><?xml version="1.0" encoding="utf-8"?>
-<p:sld xmlns:a="http://schemas.openxmlformats.org/drawingml/2006/main" xmlns:r="http://schemas.openxmlformats.org/officeDocument/2006/relationships" xmlns:p="http://schemas.openxmlformats.org/presentationml/2006/main">
+<p:sld xmlns:a="http://schemas.openxmlformats.org/drawingml/2006/main" xmlns:r="http://schemas.openxmlformats.org/officeDocument/2006/relationships" xmlns:p="http://schemas.openxmlformats.org/presentationml/2006/main" show="0">
   <p:cSld>
     <p:bg>
       <p:bgPr>
@@ -15051,7 +15051,7 @@
 </file>
 
 <file path=ppt/slides/slide6.xml><?xml version="1.0" encoding="utf-8"?>
-<p:sld xmlns:a="http://schemas.openxmlformats.org/drawingml/2006/main" xmlns:r="http://schemas.openxmlformats.org/officeDocument/2006/relationships" xmlns:p="http://schemas.openxmlformats.org/presentationml/2006/main">
+<p:sld xmlns:a="http://schemas.openxmlformats.org/drawingml/2006/main" xmlns:r="http://schemas.openxmlformats.org/officeDocument/2006/relationships" xmlns:p="http://schemas.openxmlformats.org/presentationml/2006/main" show="0">
   <p:cSld>
     <p:bg>
       <p:bgPr>
@@ -15584,7 +15584,7 @@
 </file>
 
 <file path=ppt/slides/slide7.xml><?xml version="1.0" encoding="utf-8"?>
-<p:sld xmlns:a="http://schemas.openxmlformats.org/drawingml/2006/main" xmlns:r="http://schemas.openxmlformats.org/officeDocument/2006/relationships" xmlns:p="http://schemas.openxmlformats.org/presentationml/2006/main">
+<p:sld xmlns:a="http://schemas.openxmlformats.org/drawingml/2006/main" xmlns:r="http://schemas.openxmlformats.org/officeDocument/2006/relationships" xmlns:p="http://schemas.openxmlformats.org/presentationml/2006/main" show="0">
   <p:cSld>
     <p:bg>
       <p:bgPr>
@@ -17568,7 +17568,7 @@
 </file>
 
 <file path=ppt/slides/slide9.xml><?xml version="1.0" encoding="utf-8"?>
-<p:sld xmlns:a="http://schemas.openxmlformats.org/drawingml/2006/main" xmlns:r="http://schemas.openxmlformats.org/officeDocument/2006/relationships" xmlns:p="http://schemas.openxmlformats.org/presentationml/2006/main">
+<p:sld xmlns:a="http://schemas.openxmlformats.org/drawingml/2006/main" xmlns:r="http://schemas.openxmlformats.org/officeDocument/2006/relationships" xmlns:p="http://schemas.openxmlformats.org/presentationml/2006/main" show="0">
   <p:cSld>
     <p:bg>
       <p:bgPr>

--- a/projects/crosswordle2/CrossWordle Presentation.pptx
+++ b/projects/crosswordle2/CrossWordle Presentation.pptx
@@ -218,7 +218,7 @@
           <a:p>
             <a:fld id="{2F4773D6-586D-CC45-9097-85C9C8AD8DB1}" type="datetimeFigureOut">
               <a:rPr lang="en-US" smtClean="0"/>
-              <a:t>6/27/23</a:t>
+              <a:t>6/28/23</a:t>
             </a:fld>
             <a:endParaRPr lang="en-US"/>
           </a:p>
@@ -716,7 +716,7 @@
           <a:p>
             <a:fld id="{965FD8D6-C471-4C27-8953-0AF5992EEF52}" type="datetimeFigureOut">
               <a:rPr lang="en-US" smtClean="0"/>
-              <a:t>6/27/23</a:t>
+              <a:t>6/28/23</a:t>
             </a:fld>
             <a:endParaRPr lang="en-US"/>
           </a:p>
@@ -914,7 +914,7 @@
           <a:p>
             <a:fld id="{965FD8D6-C471-4C27-8953-0AF5992EEF52}" type="datetimeFigureOut">
               <a:rPr lang="en-US" smtClean="0"/>
-              <a:t>6/27/23</a:t>
+              <a:t>6/28/23</a:t>
             </a:fld>
             <a:endParaRPr lang="en-US"/>
           </a:p>
@@ -1122,7 +1122,7 @@
           <a:p>
             <a:fld id="{965FD8D6-C471-4C27-8953-0AF5992EEF52}" type="datetimeFigureOut">
               <a:rPr lang="en-US" smtClean="0"/>
-              <a:t>6/27/23</a:t>
+              <a:t>6/28/23</a:t>
             </a:fld>
             <a:endParaRPr lang="en-US"/>
           </a:p>
@@ -1320,7 +1320,7 @@
           <a:p>
             <a:fld id="{965FD8D6-C471-4C27-8953-0AF5992EEF52}" type="datetimeFigureOut">
               <a:rPr lang="en-US" smtClean="0"/>
-              <a:t>6/27/23</a:t>
+              <a:t>6/28/23</a:t>
             </a:fld>
             <a:endParaRPr lang="en-US"/>
           </a:p>
@@ -1595,7 +1595,7 @@
           <a:p>
             <a:fld id="{965FD8D6-C471-4C27-8953-0AF5992EEF52}" type="datetimeFigureOut">
               <a:rPr lang="en-US" smtClean="0"/>
-              <a:t>6/27/23</a:t>
+              <a:t>6/28/23</a:t>
             </a:fld>
             <a:endParaRPr lang="en-US"/>
           </a:p>
@@ -1860,7 +1860,7 @@
           <a:p>
             <a:fld id="{965FD8D6-C471-4C27-8953-0AF5992EEF52}" type="datetimeFigureOut">
               <a:rPr lang="en-US" smtClean="0"/>
-              <a:t>6/27/23</a:t>
+              <a:t>6/28/23</a:t>
             </a:fld>
             <a:endParaRPr lang="en-US"/>
           </a:p>
@@ -2272,7 +2272,7 @@
           <a:p>
             <a:fld id="{965FD8D6-C471-4C27-8953-0AF5992EEF52}" type="datetimeFigureOut">
               <a:rPr lang="en-US" smtClean="0"/>
-              <a:t>6/27/23</a:t>
+              <a:t>6/28/23</a:t>
             </a:fld>
             <a:endParaRPr lang="en-US"/>
           </a:p>
@@ -2413,7 +2413,7 @@
           <a:p>
             <a:fld id="{965FD8D6-C471-4C27-8953-0AF5992EEF52}" type="datetimeFigureOut">
               <a:rPr lang="en-US" smtClean="0"/>
-              <a:t>6/27/23</a:t>
+              <a:t>6/28/23</a:t>
             </a:fld>
             <a:endParaRPr lang="en-US"/>
           </a:p>
@@ -2526,7 +2526,7 @@
           <a:p>
             <a:fld id="{965FD8D6-C471-4C27-8953-0AF5992EEF52}" type="datetimeFigureOut">
               <a:rPr lang="en-US" smtClean="0"/>
-              <a:t>6/27/23</a:t>
+              <a:t>6/28/23</a:t>
             </a:fld>
             <a:endParaRPr lang="en-US"/>
           </a:p>
@@ -2837,7 +2837,7 @@
           <a:p>
             <a:fld id="{965FD8D6-C471-4C27-8953-0AF5992EEF52}" type="datetimeFigureOut">
               <a:rPr lang="en-US" smtClean="0"/>
-              <a:t>6/27/23</a:t>
+              <a:t>6/28/23</a:t>
             </a:fld>
             <a:endParaRPr lang="en-US"/>
           </a:p>
@@ -3125,7 +3125,7 @@
           <a:p>
             <a:fld id="{965FD8D6-C471-4C27-8953-0AF5992EEF52}" type="datetimeFigureOut">
               <a:rPr lang="en-US" smtClean="0"/>
-              <a:t>6/27/23</a:t>
+              <a:t>6/28/23</a:t>
             </a:fld>
             <a:endParaRPr lang="en-US"/>
           </a:p>
@@ -3366,7 +3366,7 @@
           <a:p>
             <a:fld id="{965FD8D6-C471-4C27-8953-0AF5992EEF52}" type="datetimeFigureOut">
               <a:rPr lang="en-US" smtClean="0"/>
-              <a:t>6/27/23</a:t>
+              <a:t>6/28/23</a:t>
             </a:fld>
             <a:endParaRPr lang="en-US"/>
           </a:p>
@@ -7462,7 +7462,7 @@
                 <a:latin typeface="Arial" panose="020B0604020202020204" pitchFamily="34" charset="0"/>
                 <a:cs typeface="Arial" panose="020B0604020202020204" pitchFamily="34" charset="0"/>
               </a:rPr>
-              <a:t>Example 1</a:t>
+              <a:t>First Attempt</a:t>
             </a:r>
           </a:p>
         </p:txBody>
@@ -7897,15 +7897,22 @@
           <a:p>
             <a:pPr algn="ctr"/>
             <a:r>
-              <a:rPr lang="en-US" sz="6600" b="1" kern="1200" dirty="0">
+              <a:rPr lang="en-US" sz="6600" b="1" dirty="0">
                 <a:solidFill>
                   <a:schemeClr val="bg1"/>
                 </a:solidFill>
                 <a:latin typeface="Arial" panose="020B0604020202020204" pitchFamily="34" charset="0"/>
                 <a:cs typeface="Arial" panose="020B0604020202020204" pitchFamily="34" charset="0"/>
               </a:rPr>
-              <a:t>If-Else Tree Example</a:t>
-            </a:r>
+              <a:t>Original Code</a:t>
+            </a:r>
+            <a:endParaRPr lang="en-US" sz="6600" b="1" kern="1200" dirty="0">
+              <a:solidFill>
+                <a:schemeClr val="bg1"/>
+              </a:solidFill>
+              <a:latin typeface="Arial" panose="020B0604020202020204" pitchFamily="34" charset="0"/>
+              <a:cs typeface="Arial" panose="020B0604020202020204" pitchFamily="34" charset="0"/>
+            </a:endParaRPr>
           </a:p>
         </p:txBody>
       </p:sp>
@@ -8424,7 +8431,7 @@
                 <a:latin typeface="Arial" panose="020B0604020202020204" pitchFamily="34" charset="0"/>
                 <a:cs typeface="Arial" panose="020B0604020202020204" pitchFamily="34" charset="0"/>
               </a:rPr>
-              <a:t>Code Snippet</a:t>
+              <a:t>Final Code</a:t>
             </a:r>
           </a:p>
         </p:txBody>
@@ -8593,7 +8600,7 @@
                 <a:latin typeface="Arial" panose="020B0604020202020204" pitchFamily="34" charset="0"/>
                 <a:cs typeface="Arial" panose="020B0604020202020204" pitchFamily="34" charset="0"/>
               </a:rPr>
-              <a:t>Example 2</a:t>
+              <a:t>Final Product</a:t>
             </a:r>
           </a:p>
         </p:txBody>
@@ -10276,98 +10283,6 @@
   <p:clrMapOvr>
     <a:masterClrMapping/>
   </p:clrMapOvr>
-  <p:timing>
-    <p:tnLst>
-      <p:par>
-        <p:cTn id="1" dur="indefinite" restart="never" nodeType="tmRoot">
-          <p:childTnLst>
-            <p:seq concurrent="1" nextAc="seek">
-              <p:cTn id="2" dur="indefinite" nodeType="mainSeq">
-                <p:childTnLst>
-                  <p:par>
-                    <p:cTn id="3" fill="hold">
-                      <p:stCondLst>
-                        <p:cond delay="indefinite"/>
-                        <p:cond evt="onBegin" delay="0">
-                          <p:tn val="2"/>
-                        </p:cond>
-                      </p:stCondLst>
-                      <p:childTnLst>
-                        <p:par>
-                          <p:cTn id="4" fill="hold">
-                            <p:stCondLst>
-                              <p:cond delay="0"/>
-                            </p:stCondLst>
-                            <p:childTnLst>
-                              <p:par>
-                                <p:cTn id="5" presetID="10" presetClass="entr" presetSubtype="0" fill="hold" grpId="0" nodeType="withEffect">
-                                  <p:stCondLst>
-                                    <p:cond delay="1000"/>
-                                  </p:stCondLst>
-                                  <p:iterate>
-                                    <p:tmPct val="10000"/>
-                                  </p:iterate>
-                                  <p:childTnLst>
-                                    <p:set>
-                                      <p:cBhvr>
-                                        <p:cTn id="6" dur="1" fill="hold">
-                                          <p:stCondLst>
-                                            <p:cond delay="0"/>
-                                          </p:stCondLst>
-                                        </p:cTn>
-                                        <p:tgtEl>
-                                          <p:spTgt spid="2"/>
-                                        </p:tgtEl>
-                                        <p:attrNameLst>
-                                          <p:attrName>style.visibility</p:attrName>
-                                        </p:attrNameLst>
-                                      </p:cBhvr>
-                                      <p:to>
-                                        <p:strVal val="visible"/>
-                                      </p:to>
-                                    </p:set>
-                                    <p:animEffect transition="in" filter="fade">
-                                      <p:cBhvr>
-                                        <p:cTn id="7" dur="700"/>
-                                        <p:tgtEl>
-                                          <p:spTgt spid="2"/>
-                                        </p:tgtEl>
-                                      </p:cBhvr>
-                                    </p:animEffect>
-                                  </p:childTnLst>
-                                </p:cTn>
-                              </p:par>
-                            </p:childTnLst>
-                          </p:cTn>
-                        </p:par>
-                      </p:childTnLst>
-                    </p:cTn>
-                  </p:par>
-                </p:childTnLst>
-              </p:cTn>
-              <p:prevCondLst>
-                <p:cond evt="onPrev" delay="0">
-                  <p:tgtEl>
-                    <p:sldTgt/>
-                  </p:tgtEl>
-                </p:cond>
-              </p:prevCondLst>
-              <p:nextCondLst>
-                <p:cond evt="onNext" delay="0">
-                  <p:tgtEl>
-                    <p:sldTgt/>
-                  </p:tgtEl>
-                </p:cond>
-              </p:nextCondLst>
-            </p:seq>
-          </p:childTnLst>
-        </p:cTn>
-      </p:par>
-    </p:tnLst>
-    <p:bldLst>
-      <p:bldP spid="2" grpId="0"/>
-    </p:bldLst>
-  </p:timing>
 </p:sld>
 </file>
 
@@ -10922,7 +10837,7 @@
 </file>
 
 <file path=ppt/slides/slide20.xml><?xml version="1.0" encoding="utf-8"?>
-<p:sld xmlns:a="http://schemas.openxmlformats.org/drawingml/2006/main" xmlns:r="http://schemas.openxmlformats.org/officeDocument/2006/relationships" xmlns:p="http://schemas.openxmlformats.org/presentationml/2006/main" show="0">
+<p:sld xmlns:a="http://schemas.openxmlformats.org/drawingml/2006/main" xmlns:r="http://schemas.openxmlformats.org/officeDocument/2006/relationships" xmlns:p="http://schemas.openxmlformats.org/presentationml/2006/main">
   <p:cSld>
     <p:bg>
       <p:bgPr>
